--- a/pwp soutenance.pptx
+++ b/pwp soutenance.pptx
@@ -2,11 +2,14 @@
 <file path=ppt/presentation.xml><?xml version="1.0" encoding="utf-8"?>
 <p:presentation xmlns:a="http://schemas.openxmlformats.org/drawingml/2006/main" xmlns:r="http://schemas.openxmlformats.org/officeDocument/2006/relationships" xmlns:p="http://schemas.openxmlformats.org/presentationml/2006/main" saveSubsetFonts="1">
   <p:sldMasterIdLst>
-    <p:sldMasterId id="2147483648" r:id="rId1"/>
+    <p:sldMasterId id="2147483780" r:id="rId1"/>
   </p:sldMasterIdLst>
   <p:sldIdLst>
-    <p:sldId id="256" r:id="rId2"/>
-    <p:sldId id="257" r:id="rId3"/>
+    <p:sldId id="258" r:id="rId2"/>
+    <p:sldId id="259" r:id="rId3"/>
+    <p:sldId id="260" r:id="rId4"/>
+    <p:sldId id="262" r:id="rId5"/>
+    <p:sldId id="261" r:id="rId6"/>
   </p:sldIdLst>
   <p:sldSz cx="9144000" cy="6858000" type="screen4x3"/>
   <p:notesSz cx="6858000" cy="9144000"/>
@@ -109,7 +112,7 @@
 </file>
 
 <file path=ppt/slideLayouts/slideLayout1.xml><?xml version="1.0" encoding="utf-8"?>
-<p:sldLayout xmlns:a="http://schemas.openxmlformats.org/drawingml/2006/main" xmlns:r="http://schemas.openxmlformats.org/officeDocument/2006/relationships" xmlns:p="http://schemas.openxmlformats.org/presentationml/2006/main" type="title" preserve="1">
+<p:sldLayout xmlns:a="http://schemas.openxmlformats.org/drawingml/2006/main" xmlns:r="http://schemas.openxmlformats.org/officeDocument/2006/relationships" xmlns:p="http://schemas.openxmlformats.org/presentationml/2006/main" showMasterSp="0" type="title" preserve="1">
   <p:cSld name="Diapositive de titre">
     <p:spTree>
       <p:nvGrpSpPr>
@@ -127,7 +130,57 @@
       </p:grpSpPr>
       <p:sp>
         <p:nvSpPr>
-          <p:cNvPr id="2" name="Titre 1"/>
+          <p:cNvPr id="7" name="Connecteur droit 6"/>
+          <p:cNvSpPr>
+            <a:spLocks noChangeShapeType="1"/>
+          </p:cNvSpPr>
+          <p:nvPr/>
+        </p:nvSpPr>
+        <p:spPr bwMode="auto">
+          <a:xfrm>
+            <a:off x="514350" y="5349902"/>
+            <a:ext cx="8629650" cy="2381"/>
+          </a:xfrm>
+          <a:prstGeom prst="line">
+            <a:avLst/>
+          </a:prstGeom>
+          <a:noFill/>
+          <a:ln w="9525" cap="flat" cmpd="sng" algn="ctr">
+            <a:gradFill flip="none" rotWithShape="1">
+              <a:gsLst>
+                <a:gs pos="0">
+                  <a:schemeClr val="accent1">
+                    <a:alpha val="0"/>
+                  </a:schemeClr>
+                </a:gs>
+                <a:gs pos="17000">
+                  <a:schemeClr val="accent1"/>
+                </a:gs>
+                <a:gs pos="100000">
+                  <a:schemeClr val="accent1"/>
+                </a:gs>
+              </a:gsLst>
+              <a:lin ang="0" scaled="1"/>
+              <a:tileRect/>
+            </a:gradFill>
+            <a:prstDash val="solid"/>
+            <a:round/>
+            <a:headEnd type="none" w="med" len="med"/>
+            <a:tailEnd type="none" w="med" len="med"/>
+          </a:ln>
+          <a:effectLst/>
+        </p:spPr>
+        <p:txBody>
+          <a:bodyPr vert="horz" wrap="square" lIns="91440" tIns="45720" rIns="91440" bIns="45720" anchor="t" compatLnSpc="1"/>
+          <a:lstStyle/>
+          <a:p>
+            <a:endParaRPr kumimoji="0" lang="en-US"/>
+          </a:p>
+        </p:txBody>
+      </p:sp>
+      <p:sp>
+        <p:nvSpPr>
+          <p:cNvPr id="29" name="Titre 28"/>
           <p:cNvSpPr>
             <a:spLocks noGrp="1"/>
           </p:cNvSpPr>
@@ -137,25 +190,25 @@
         </p:nvSpPr>
         <p:spPr>
           <a:xfrm>
-            <a:off x="685800" y="2130425"/>
-            <a:ext cx="7772400" cy="1470025"/>
-          </a:xfrm>
-        </p:spPr>
-        <p:txBody>
-          <a:bodyPr/>
-          <a:lstStyle/>
-          <a:p>
-            <a:r>
-              <a:rPr lang="fr-FR" smtClean="0"/>
+            <a:off x="381000" y="4853411"/>
+            <a:ext cx="8458200" cy="1222375"/>
+          </a:xfrm>
+        </p:spPr>
+        <p:txBody>
+          <a:bodyPr anchor="t"/>
+          <a:lstStyle/>
+          <a:p>
+            <a:r>
+              <a:rPr kumimoji="0" lang="fr-FR" smtClean="0"/>
               <a:t>Cliquez pour modifier le style du titre</a:t>
             </a:r>
-            <a:endParaRPr lang="fr-FR"/>
-          </a:p>
-        </p:txBody>
-      </p:sp>
-      <p:sp>
-        <p:nvSpPr>
-          <p:cNvPr id="3" name="Sous-titre 2"/>
+            <a:endParaRPr kumimoji="0" lang="en-US"/>
+          </a:p>
+        </p:txBody>
+      </p:sp>
+      <p:sp>
+        <p:nvSpPr>
+          <p:cNvPr id="9" name="Sous-titre 8"/>
           <p:cNvSpPr>
             <a:spLocks noGrp="1"/>
           </p:cNvSpPr>
@@ -165,116 +218,60 @@
         </p:nvSpPr>
         <p:spPr>
           <a:xfrm>
-            <a:off x="1371600" y="3886200"/>
-            <a:ext cx="6400800" cy="1752600"/>
-          </a:xfrm>
-        </p:spPr>
-        <p:txBody>
-          <a:bodyPr/>
+            <a:off x="381000" y="3886200"/>
+            <a:ext cx="8458200" cy="914400"/>
+          </a:xfrm>
+        </p:spPr>
+        <p:txBody>
+          <a:bodyPr anchor="b"/>
           <a:lstStyle>
-            <a:lvl1pPr marL="0" indent="0" algn="ctr">
+            <a:lvl1pPr marL="0" indent="0" algn="l">
               <a:buNone/>
-              <a:defRPr>
+              <a:defRPr sz="2400">
                 <a:solidFill>
-                  <a:schemeClr val="tx1">
-                    <a:tint val="75000"/>
+                  <a:schemeClr val="tx2">
+                    <a:shade val="75000"/>
                   </a:schemeClr>
                 </a:solidFill>
               </a:defRPr>
             </a:lvl1pPr>
             <a:lvl2pPr marL="457200" indent="0" algn="ctr">
               <a:buNone/>
-              <a:defRPr>
-                <a:solidFill>
-                  <a:schemeClr val="tx1">
-                    <a:tint val="75000"/>
-                  </a:schemeClr>
-                </a:solidFill>
-              </a:defRPr>
             </a:lvl2pPr>
             <a:lvl3pPr marL="914400" indent="0" algn="ctr">
               <a:buNone/>
-              <a:defRPr>
-                <a:solidFill>
-                  <a:schemeClr val="tx1">
-                    <a:tint val="75000"/>
-                  </a:schemeClr>
-                </a:solidFill>
-              </a:defRPr>
             </a:lvl3pPr>
             <a:lvl4pPr marL="1371600" indent="0" algn="ctr">
               <a:buNone/>
-              <a:defRPr>
-                <a:solidFill>
-                  <a:schemeClr val="tx1">
-                    <a:tint val="75000"/>
-                  </a:schemeClr>
-                </a:solidFill>
-              </a:defRPr>
             </a:lvl4pPr>
             <a:lvl5pPr marL="1828800" indent="0" algn="ctr">
               <a:buNone/>
-              <a:defRPr>
-                <a:solidFill>
-                  <a:schemeClr val="tx1">
-                    <a:tint val="75000"/>
-                  </a:schemeClr>
-                </a:solidFill>
-              </a:defRPr>
             </a:lvl5pPr>
             <a:lvl6pPr marL="2286000" indent="0" algn="ctr">
               <a:buNone/>
-              <a:defRPr>
-                <a:solidFill>
-                  <a:schemeClr val="tx1">
-                    <a:tint val="75000"/>
-                  </a:schemeClr>
-                </a:solidFill>
-              </a:defRPr>
             </a:lvl6pPr>
             <a:lvl7pPr marL="2743200" indent="0" algn="ctr">
               <a:buNone/>
-              <a:defRPr>
-                <a:solidFill>
-                  <a:schemeClr val="tx1">
-                    <a:tint val="75000"/>
-                  </a:schemeClr>
-                </a:solidFill>
-              </a:defRPr>
             </a:lvl7pPr>
             <a:lvl8pPr marL="3200400" indent="0" algn="ctr">
               <a:buNone/>
-              <a:defRPr>
-                <a:solidFill>
-                  <a:schemeClr val="tx1">
-                    <a:tint val="75000"/>
-                  </a:schemeClr>
-                </a:solidFill>
-              </a:defRPr>
             </a:lvl8pPr>
             <a:lvl9pPr marL="3657600" indent="0" algn="ctr">
               <a:buNone/>
-              <a:defRPr>
-                <a:solidFill>
-                  <a:schemeClr val="tx1">
-                    <a:tint val="75000"/>
-                  </a:schemeClr>
-                </a:solidFill>
-              </a:defRPr>
             </a:lvl9pPr>
           </a:lstStyle>
           <a:p>
             <a:r>
-              <a:rPr lang="fr-FR" smtClean="0"/>
+              <a:rPr kumimoji="0" lang="fr-FR" smtClean="0"/>
               <a:t>Cliquez pour modifier le style des sous-titres du masque</a:t>
             </a:r>
-            <a:endParaRPr lang="fr-FR"/>
-          </a:p>
-        </p:txBody>
-      </p:sp>
-      <p:sp>
-        <p:nvSpPr>
-          <p:cNvPr id="4" name="Espace réservé de la date 3"/>
+            <a:endParaRPr kumimoji="0" lang="en-US"/>
+          </a:p>
+        </p:txBody>
+      </p:sp>
+      <p:sp>
+        <p:nvSpPr>
+          <p:cNvPr id="16" name="Espace réservé de la date 15"/>
           <p:cNvSpPr>
             <a:spLocks noGrp="1"/>
           </p:cNvSpPr>
@@ -289,6 +286,7 @@
           <a:p>
             <a:fld id="{47E776F3-D1A9-4326-92FB-E3DA03CAF959}" type="datetimeFigureOut">
               <a:rPr lang="fr-FR" smtClean="0"/>
+              <a:pPr/>
               <a:t>09/03/2011</a:t>
             </a:fld>
             <a:endParaRPr lang="fr-FR"/>
@@ -297,7 +295,7 @@
       </p:sp>
       <p:sp>
         <p:nvSpPr>
-          <p:cNvPr id="5" name="Espace réservé du pied de page 4"/>
+          <p:cNvPr id="2" name="Espace réservé du pied de page 1"/>
           <p:cNvSpPr>
             <a:spLocks noGrp="1"/>
           </p:cNvSpPr>
@@ -316,7 +314,7 @@
       </p:sp>
       <p:sp>
         <p:nvSpPr>
-          <p:cNvPr id="6" name="Espace réservé du numéro de diapositive 5"/>
+          <p:cNvPr id="15" name="Espace réservé du numéro de diapositive 14"/>
           <p:cNvSpPr>
             <a:spLocks noGrp="1"/>
           </p:cNvSpPr>
@@ -324,13 +322,19 @@
             <p:ph type="sldNum" sz="quarter" idx="12"/>
           </p:nvPr>
         </p:nvSpPr>
-        <p:spPr/>
+        <p:spPr>
+          <a:xfrm>
+            <a:off x="8229600" y="6473952"/>
+            <a:ext cx="758952" cy="246888"/>
+          </a:xfrm>
+        </p:spPr>
         <p:txBody>
           <a:bodyPr/>
           <a:lstStyle/>
           <a:p>
             <a:fld id="{E72C3B2D-BBBB-479B-AFDA-7FCED602AFAD}" type="slidenum">
               <a:rPr lang="fr-FR" smtClean="0"/>
+              <a:pPr/>
               <a:t>‹N°›</a:t>
             </a:fld>
             <a:endParaRPr lang="fr-FR"/>
@@ -378,10 +382,10 @@
           <a:lstStyle/>
           <a:p>
             <a:r>
-              <a:rPr lang="fr-FR" smtClean="0"/>
+              <a:rPr kumimoji="0" lang="fr-FR" smtClean="0"/>
               <a:t>Cliquez pour modifier le style du titre</a:t>
             </a:r>
-            <a:endParaRPr lang="fr-FR"/>
+            <a:endParaRPr kumimoji="0" lang="en-US"/>
           </a:p>
         </p:txBody>
       </p:sp>
@@ -400,40 +404,40 @@
           <a:bodyPr vert="eaVert"/>
           <a:lstStyle/>
           <a:p>
-            <a:pPr lvl="0"/>
+            <a:pPr lvl="0" eaLnBrk="1" latinLnBrk="0" hangingPunct="1"/>
             <a:r>
               <a:rPr lang="fr-FR" smtClean="0"/>
               <a:t>Cliquez pour modifier les styles du texte du masque</a:t>
             </a:r>
           </a:p>
           <a:p>
-            <a:pPr lvl="1"/>
+            <a:pPr lvl="1" eaLnBrk="1" latinLnBrk="0" hangingPunct="1"/>
             <a:r>
               <a:rPr lang="fr-FR" smtClean="0"/>
               <a:t>Deuxième niveau</a:t>
             </a:r>
           </a:p>
           <a:p>
-            <a:pPr lvl="2"/>
+            <a:pPr lvl="2" eaLnBrk="1" latinLnBrk="0" hangingPunct="1"/>
             <a:r>
               <a:rPr lang="fr-FR" smtClean="0"/>
               <a:t>Troisième niveau</a:t>
             </a:r>
           </a:p>
           <a:p>
-            <a:pPr lvl="3"/>
+            <a:pPr lvl="3" eaLnBrk="1" latinLnBrk="0" hangingPunct="1"/>
             <a:r>
               <a:rPr lang="fr-FR" smtClean="0"/>
               <a:t>Quatrième niveau</a:t>
             </a:r>
           </a:p>
           <a:p>
-            <a:pPr lvl="4"/>
+            <a:pPr lvl="4" eaLnBrk="1" latinLnBrk="0" hangingPunct="1"/>
             <a:r>
               <a:rPr lang="fr-FR" smtClean="0"/>
               <a:t>Cinquième niveau</a:t>
             </a:r>
-            <a:endParaRPr lang="fr-FR"/>
+            <a:endParaRPr kumimoji="0" lang="en-US"/>
           </a:p>
         </p:txBody>
       </p:sp>
@@ -454,6 +458,7 @@
           <a:p>
             <a:fld id="{47E776F3-D1A9-4326-92FB-E3DA03CAF959}" type="datetimeFigureOut">
               <a:rPr lang="fr-FR" smtClean="0"/>
+              <a:pPr/>
               <a:t>09/03/2011</a:t>
             </a:fld>
             <a:endParaRPr lang="fr-FR"/>
@@ -496,6 +501,7 @@
           <a:p>
             <a:fld id="{E72C3B2D-BBBB-479B-AFDA-7FCED602AFAD}" type="slidenum">
               <a:rPr lang="fr-FR" smtClean="0"/>
+              <a:pPr/>
               <a:t>‹N°›</a:t>
             </a:fld>
             <a:endParaRPr lang="fr-FR"/>
@@ -511,7 +517,7 @@
 </file>
 
 <file path=ppt/slideLayouts/slideLayout11.xml><?xml version="1.0" encoding="utf-8"?>
-<p:sldLayout xmlns:a="http://schemas.openxmlformats.org/drawingml/2006/main" xmlns:r="http://schemas.openxmlformats.org/officeDocument/2006/relationships" xmlns:p="http://schemas.openxmlformats.org/presentationml/2006/main" type="vertTitleAndTx" preserve="1">
+<p:sldLayout xmlns:a="http://schemas.openxmlformats.org/drawingml/2006/main" xmlns:r="http://schemas.openxmlformats.org/officeDocument/2006/relationships" xmlns:p="http://schemas.openxmlformats.org/presentationml/2006/main" showMasterSp="0" type="vertTitleAndTx" preserve="1">
   <p:cSld name="Titre vertical et texte">
     <p:spTree>
       <p:nvGrpSpPr>
@@ -539,8 +545,8 @@
         </p:nvSpPr>
         <p:spPr>
           <a:xfrm>
-            <a:off x="6629400" y="274638"/>
-            <a:ext cx="2057400" cy="5851525"/>
+            <a:off x="6858000" y="549276"/>
+            <a:ext cx="1828800" cy="5851525"/>
           </a:xfrm>
         </p:spPr>
         <p:txBody>
@@ -548,10 +554,10 @@
           <a:lstStyle/>
           <a:p>
             <a:r>
-              <a:rPr lang="fr-FR" smtClean="0"/>
+              <a:rPr kumimoji="0" lang="fr-FR" smtClean="0"/>
               <a:t>Cliquez pour modifier le style du titre</a:t>
             </a:r>
-            <a:endParaRPr lang="fr-FR"/>
+            <a:endParaRPr kumimoji="0" lang="en-US"/>
           </a:p>
         </p:txBody>
       </p:sp>
@@ -567,48 +573,48 @@
         </p:nvSpPr>
         <p:spPr>
           <a:xfrm>
-            <a:off x="457200" y="274638"/>
-            <a:ext cx="6019800" cy="5851525"/>
+            <a:off x="457200" y="549276"/>
+            <a:ext cx="6248400" cy="5851525"/>
           </a:xfrm>
         </p:spPr>
         <p:txBody>
           <a:bodyPr vert="eaVert"/>
           <a:lstStyle/>
           <a:p>
-            <a:pPr lvl="0"/>
+            <a:pPr lvl="0" eaLnBrk="1" latinLnBrk="0" hangingPunct="1"/>
             <a:r>
               <a:rPr lang="fr-FR" smtClean="0"/>
               <a:t>Cliquez pour modifier les styles du texte du masque</a:t>
             </a:r>
           </a:p>
           <a:p>
-            <a:pPr lvl="1"/>
+            <a:pPr lvl="1" eaLnBrk="1" latinLnBrk="0" hangingPunct="1"/>
             <a:r>
               <a:rPr lang="fr-FR" smtClean="0"/>
               <a:t>Deuxième niveau</a:t>
             </a:r>
           </a:p>
           <a:p>
-            <a:pPr lvl="2"/>
+            <a:pPr lvl="2" eaLnBrk="1" latinLnBrk="0" hangingPunct="1"/>
             <a:r>
               <a:rPr lang="fr-FR" smtClean="0"/>
               <a:t>Troisième niveau</a:t>
             </a:r>
           </a:p>
           <a:p>
-            <a:pPr lvl="3"/>
+            <a:pPr lvl="3" eaLnBrk="1" latinLnBrk="0" hangingPunct="1"/>
             <a:r>
               <a:rPr lang="fr-FR" smtClean="0"/>
               <a:t>Quatrième niveau</a:t>
             </a:r>
           </a:p>
           <a:p>
-            <a:pPr lvl="4"/>
+            <a:pPr lvl="4" eaLnBrk="1" latinLnBrk="0" hangingPunct="1"/>
             <a:r>
               <a:rPr lang="fr-FR" smtClean="0"/>
               <a:t>Cinquième niveau</a:t>
             </a:r>
-            <a:endParaRPr lang="fr-FR"/>
+            <a:endParaRPr kumimoji="0" lang="en-US"/>
           </a:p>
         </p:txBody>
       </p:sp>
@@ -629,6 +635,7 @@
           <a:p>
             <a:fld id="{47E776F3-D1A9-4326-92FB-E3DA03CAF959}" type="datetimeFigureOut">
               <a:rPr lang="fr-FR" smtClean="0"/>
+              <a:pPr/>
               <a:t>09/03/2011</a:t>
             </a:fld>
             <a:endParaRPr lang="fr-FR"/>
@@ -671,6 +678,7 @@
           <a:p>
             <a:fld id="{E72C3B2D-BBBB-479B-AFDA-7FCED602AFAD}" type="slidenum">
               <a:rPr lang="fr-FR" smtClean="0"/>
+              <a:pPr/>
               <a:t>‹N°›</a:t>
             </a:fld>
             <a:endParaRPr lang="fr-FR"/>
@@ -704,7 +712,7 @@
       </p:grpSpPr>
       <p:sp>
         <p:nvSpPr>
-          <p:cNvPr id="2" name="Titre 1"/>
+          <p:cNvPr id="22" name="Titre 21"/>
           <p:cNvSpPr>
             <a:spLocks noGrp="1"/>
           </p:cNvSpPr>
@@ -718,16 +726,16 @@
           <a:lstStyle/>
           <a:p>
             <a:r>
-              <a:rPr lang="fr-FR" smtClean="0"/>
+              <a:rPr kumimoji="0" lang="fr-FR" smtClean="0"/>
               <a:t>Cliquez pour modifier le style du titre</a:t>
             </a:r>
-            <a:endParaRPr lang="fr-FR"/>
-          </a:p>
-        </p:txBody>
-      </p:sp>
-      <p:sp>
-        <p:nvSpPr>
-          <p:cNvPr id="3" name="Espace réservé du contenu 2"/>
+            <a:endParaRPr kumimoji="0" lang="en-US"/>
+          </a:p>
+        </p:txBody>
+      </p:sp>
+      <p:sp>
+        <p:nvSpPr>
+          <p:cNvPr id="27" name="Espace réservé du contenu 26"/>
           <p:cNvSpPr>
             <a:spLocks noGrp="1"/>
           </p:cNvSpPr>
@@ -740,46 +748,46 @@
           <a:bodyPr/>
           <a:lstStyle/>
           <a:p>
-            <a:pPr lvl="0"/>
+            <a:pPr lvl="0" eaLnBrk="1" latinLnBrk="0" hangingPunct="1"/>
             <a:r>
               <a:rPr lang="fr-FR" smtClean="0"/>
               <a:t>Cliquez pour modifier les styles du texte du masque</a:t>
             </a:r>
           </a:p>
           <a:p>
-            <a:pPr lvl="1"/>
+            <a:pPr lvl="1" eaLnBrk="1" latinLnBrk="0" hangingPunct="1"/>
             <a:r>
               <a:rPr lang="fr-FR" smtClean="0"/>
               <a:t>Deuxième niveau</a:t>
             </a:r>
           </a:p>
           <a:p>
-            <a:pPr lvl="2"/>
+            <a:pPr lvl="2" eaLnBrk="1" latinLnBrk="0" hangingPunct="1"/>
             <a:r>
               <a:rPr lang="fr-FR" smtClean="0"/>
               <a:t>Troisième niveau</a:t>
             </a:r>
           </a:p>
           <a:p>
-            <a:pPr lvl="3"/>
+            <a:pPr lvl="3" eaLnBrk="1" latinLnBrk="0" hangingPunct="1"/>
             <a:r>
               <a:rPr lang="fr-FR" smtClean="0"/>
               <a:t>Quatrième niveau</a:t>
             </a:r>
           </a:p>
           <a:p>
-            <a:pPr lvl="4"/>
+            <a:pPr lvl="4" eaLnBrk="1" latinLnBrk="0" hangingPunct="1"/>
             <a:r>
               <a:rPr lang="fr-FR" smtClean="0"/>
               <a:t>Cinquième niveau</a:t>
             </a:r>
-            <a:endParaRPr lang="fr-FR"/>
-          </a:p>
-        </p:txBody>
-      </p:sp>
-      <p:sp>
-        <p:nvSpPr>
-          <p:cNvPr id="4" name="Espace réservé de la date 3"/>
+            <a:endParaRPr kumimoji="0" lang="en-US"/>
+          </a:p>
+        </p:txBody>
+      </p:sp>
+      <p:sp>
+        <p:nvSpPr>
+          <p:cNvPr id="25" name="Espace réservé de la date 24"/>
           <p:cNvSpPr>
             <a:spLocks noGrp="1"/>
           </p:cNvSpPr>
@@ -794,6 +802,7 @@
           <a:p>
             <a:fld id="{47E776F3-D1A9-4326-92FB-E3DA03CAF959}" type="datetimeFigureOut">
               <a:rPr lang="fr-FR" smtClean="0"/>
+              <a:pPr/>
               <a:t>09/03/2011</a:t>
             </a:fld>
             <a:endParaRPr lang="fr-FR"/>
@@ -802,7 +811,7 @@
       </p:sp>
       <p:sp>
         <p:nvSpPr>
-          <p:cNvPr id="5" name="Espace réservé du pied de page 4"/>
+          <p:cNvPr id="19" name="Espace réservé du pied de page 18"/>
           <p:cNvSpPr>
             <a:spLocks noGrp="1"/>
           </p:cNvSpPr>
@@ -810,7 +819,12 @@
             <p:ph type="ftr" sz="quarter" idx="11"/>
           </p:nvPr>
         </p:nvSpPr>
-        <p:spPr/>
+        <p:spPr>
+          <a:xfrm>
+            <a:off x="3581400" y="76200"/>
+            <a:ext cx="2895600" cy="288925"/>
+          </a:xfrm>
+        </p:spPr>
         <p:txBody>
           <a:bodyPr/>
           <a:lstStyle/>
@@ -821,7 +835,7 @@
       </p:sp>
       <p:sp>
         <p:nvSpPr>
-          <p:cNvPr id="6" name="Espace réservé du numéro de diapositive 5"/>
+          <p:cNvPr id="16" name="Espace réservé du numéro de diapositive 15"/>
           <p:cNvSpPr>
             <a:spLocks noGrp="1"/>
           </p:cNvSpPr>
@@ -829,13 +843,19 @@
             <p:ph type="sldNum" sz="quarter" idx="12"/>
           </p:nvPr>
         </p:nvSpPr>
-        <p:spPr/>
+        <p:spPr>
+          <a:xfrm>
+            <a:off x="8229600" y="6473952"/>
+            <a:ext cx="758952" cy="246888"/>
+          </a:xfrm>
+        </p:spPr>
         <p:txBody>
           <a:bodyPr/>
           <a:lstStyle/>
           <a:p>
             <a:fld id="{E72C3B2D-BBBB-479B-AFDA-7FCED602AFAD}" type="slidenum">
               <a:rPr lang="fr-FR" smtClean="0"/>
+              <a:pPr/>
               <a:t>‹N°›</a:t>
             </a:fld>
             <a:endParaRPr lang="fr-FR"/>
@@ -851,8 +871,13 @@
 </file>
 
 <file path=ppt/slideLayouts/slideLayout3.xml><?xml version="1.0" encoding="utf-8"?>
-<p:sldLayout xmlns:a="http://schemas.openxmlformats.org/drawingml/2006/main" xmlns:r="http://schemas.openxmlformats.org/officeDocument/2006/relationships" xmlns:p="http://schemas.openxmlformats.org/presentationml/2006/main" type="secHead" preserve="1">
+<p:sldLayout xmlns:a="http://schemas.openxmlformats.org/drawingml/2006/main" xmlns:r="http://schemas.openxmlformats.org/officeDocument/2006/relationships" xmlns:p="http://schemas.openxmlformats.org/presentationml/2006/main" showMasterSp="0" type="secHead" preserve="1">
   <p:cSld name="Titre de section">
+    <p:bg>
+      <p:bgRef idx="1003">
+        <a:schemeClr val="bg2"/>
+      </p:bgRef>
+    </p:bg>
     <p:spTree>
       <p:nvGrpSpPr>
         <p:cNvPr id="1" name=""/>
@@ -869,66 +894,84 @@
       </p:grpSpPr>
       <p:sp>
         <p:nvSpPr>
-          <p:cNvPr id="2" name="Titre 1"/>
-          <p:cNvSpPr>
-            <a:spLocks noGrp="1"/>
-          </p:cNvSpPr>
-          <p:nvPr>
-            <p:ph type="title"/>
+          <p:cNvPr id="7" name="Connecteur droit 6"/>
+          <p:cNvSpPr>
+            <a:spLocks noChangeShapeType="1"/>
+          </p:cNvSpPr>
+          <p:nvPr/>
+        </p:nvSpPr>
+        <p:spPr bwMode="auto">
+          <a:xfrm>
+            <a:off x="514350" y="3444902"/>
+            <a:ext cx="8629650" cy="2381"/>
+          </a:xfrm>
+          <a:prstGeom prst="line">
+            <a:avLst/>
+          </a:prstGeom>
+          <a:noFill/>
+          <a:ln w="9525" cap="flat" cmpd="sng" algn="ctr">
+            <a:gradFill flip="none" rotWithShape="1">
+              <a:gsLst>
+                <a:gs pos="0">
+                  <a:schemeClr val="accent1">
+                    <a:alpha val="0"/>
+                  </a:schemeClr>
+                </a:gs>
+                <a:gs pos="17000">
+                  <a:schemeClr val="accent1"/>
+                </a:gs>
+                <a:gs pos="100000">
+                  <a:schemeClr val="accent1"/>
+                </a:gs>
+              </a:gsLst>
+              <a:lin ang="0" scaled="1"/>
+              <a:tileRect/>
+            </a:gradFill>
+            <a:prstDash val="solid"/>
+            <a:round/>
+            <a:headEnd type="none" w="med" len="med"/>
+            <a:tailEnd type="none" w="med" len="med"/>
+          </a:ln>
+          <a:effectLst/>
+        </p:spPr>
+        <p:txBody>
+          <a:bodyPr vert="horz" wrap="square" lIns="91440" tIns="45720" rIns="91440" bIns="45720" anchor="t" compatLnSpc="1"/>
+          <a:lstStyle/>
+          <a:p>
+            <a:endParaRPr kumimoji="0" lang="en-US"/>
+          </a:p>
+        </p:txBody>
+      </p:sp>
+      <p:sp>
+        <p:nvSpPr>
+          <p:cNvPr id="6" name="Espace réservé du texte 5"/>
+          <p:cNvSpPr>
+            <a:spLocks noGrp="1"/>
+          </p:cNvSpPr>
+          <p:nvPr>
+            <p:ph type="body" idx="1"/>
           </p:nvPr>
         </p:nvSpPr>
         <p:spPr>
           <a:xfrm>
-            <a:off x="722313" y="4406900"/>
-            <a:ext cx="7772400" cy="1362075"/>
-          </a:xfrm>
-        </p:spPr>
-        <p:txBody>
-          <a:bodyPr anchor="t"/>
-          <a:lstStyle>
-            <a:lvl1pPr algn="l">
-              <a:defRPr sz="4000" b="1" cap="all"/>
-            </a:lvl1pPr>
-          </a:lstStyle>
-          <a:p>
-            <a:r>
-              <a:rPr lang="fr-FR" smtClean="0"/>
-              <a:t>Cliquez pour modifier le style du titre</a:t>
-            </a:r>
-            <a:endParaRPr lang="fr-FR"/>
-          </a:p>
-        </p:txBody>
-      </p:sp>
-      <p:sp>
-        <p:nvSpPr>
-          <p:cNvPr id="3" name="Espace réservé du texte 2"/>
-          <p:cNvSpPr>
-            <a:spLocks noGrp="1"/>
-          </p:cNvSpPr>
-          <p:nvPr>
-            <p:ph type="body" idx="1"/>
-          </p:nvPr>
-        </p:nvSpPr>
-        <p:spPr>
-          <a:xfrm>
-            <a:off x="722313" y="2906713"/>
-            <a:ext cx="7772400" cy="1500187"/>
+            <a:off x="381000" y="1676400"/>
+            <a:ext cx="8458200" cy="1219200"/>
           </a:xfrm>
         </p:spPr>
         <p:txBody>
           <a:bodyPr anchor="b"/>
           <a:lstStyle>
-            <a:lvl1pPr marL="0" indent="0">
+            <a:lvl1pPr marL="0" indent="0" algn="r">
               <a:buNone/>
               <a:defRPr sz="2000">
                 <a:solidFill>
-                  <a:schemeClr val="tx1">
-                    <a:tint val="75000"/>
+                  <a:schemeClr val="tx2">
+                    <a:shade val="75000"/>
                   </a:schemeClr>
                 </a:solidFill>
               </a:defRPr>
             </a:lvl1pPr>
-            <a:lvl2pPr marL="457200" indent="0">
+            <a:lvl2pPr>
               <a:buNone/>
               <a:defRPr sz="1800">
                 <a:solidFill>
@@ -938,7 +981,7 @@
                 </a:solidFill>
               </a:defRPr>
             </a:lvl2pPr>
-            <a:lvl3pPr marL="914400" indent="0">
+            <a:lvl3pPr>
               <a:buNone/>
               <a:defRPr sz="1600">
                 <a:solidFill>
@@ -948,7 +991,7 @@
                 </a:solidFill>
               </a:defRPr>
             </a:lvl3pPr>
-            <a:lvl4pPr marL="1371600" indent="0">
+            <a:lvl4pPr>
               <a:buNone/>
               <a:defRPr sz="1400">
                 <a:solidFill>
@@ -958,7 +1001,7 @@
                 </a:solidFill>
               </a:defRPr>
             </a:lvl4pPr>
-            <a:lvl5pPr marL="1828800" indent="0">
+            <a:lvl5pPr>
               <a:buNone/>
               <a:defRPr sz="1400">
                 <a:solidFill>
@@ -968,51 +1011,11 @@
                 </a:solidFill>
               </a:defRPr>
             </a:lvl5pPr>
-            <a:lvl6pPr marL="2286000" indent="0">
-              <a:buNone/>
-              <a:defRPr sz="1400">
-                <a:solidFill>
-                  <a:schemeClr val="tx1">
-                    <a:tint val="75000"/>
-                  </a:schemeClr>
-                </a:solidFill>
-              </a:defRPr>
-            </a:lvl6pPr>
-            <a:lvl7pPr marL="2743200" indent="0">
-              <a:buNone/>
-              <a:defRPr sz="1400">
-                <a:solidFill>
-                  <a:schemeClr val="tx1">
-                    <a:tint val="75000"/>
-                  </a:schemeClr>
-                </a:solidFill>
-              </a:defRPr>
-            </a:lvl7pPr>
-            <a:lvl8pPr marL="3200400" indent="0">
-              <a:buNone/>
-              <a:defRPr sz="1400">
-                <a:solidFill>
-                  <a:schemeClr val="tx1">
-                    <a:tint val="75000"/>
-                  </a:schemeClr>
-                </a:solidFill>
-              </a:defRPr>
-            </a:lvl8pPr>
-            <a:lvl9pPr marL="3657600" indent="0">
-              <a:buNone/>
-              <a:defRPr sz="1400">
-                <a:solidFill>
-                  <a:schemeClr val="tx1">
-                    <a:tint val="75000"/>
-                  </a:schemeClr>
-                </a:solidFill>
-              </a:defRPr>
-            </a:lvl9pPr>
           </a:lstStyle>
           <a:p>
-            <a:pPr lvl="0"/>
-            <a:r>
-              <a:rPr lang="fr-FR" smtClean="0"/>
+            <a:pPr lvl="0" eaLnBrk="1" latinLnBrk="0" hangingPunct="1"/>
+            <a:r>
+              <a:rPr kumimoji="0" lang="fr-FR" smtClean="0"/>
               <a:t>Cliquez pour modifier les styles du texte du masque</a:t>
             </a:r>
           </a:p>
@@ -1020,7 +1023,7 @@
       </p:sp>
       <p:sp>
         <p:nvSpPr>
-          <p:cNvPr id="4" name="Espace réservé de la date 3"/>
+          <p:cNvPr id="19" name="Espace réservé de la date 18"/>
           <p:cNvSpPr>
             <a:spLocks noGrp="1"/>
           </p:cNvSpPr>
@@ -1035,6 +1038,7 @@
           <a:p>
             <a:fld id="{47E776F3-D1A9-4326-92FB-E3DA03CAF959}" type="datetimeFigureOut">
               <a:rPr lang="fr-FR" smtClean="0"/>
+              <a:pPr/>
               <a:t>09/03/2011</a:t>
             </a:fld>
             <a:endParaRPr lang="fr-FR"/>
@@ -1043,7 +1047,7 @@
       </p:sp>
       <p:sp>
         <p:nvSpPr>
-          <p:cNvPr id="5" name="Espace réservé du pied de page 4"/>
+          <p:cNvPr id="11" name="Espace réservé du pied de page 10"/>
           <p:cNvSpPr>
             <a:spLocks noGrp="1"/>
           </p:cNvSpPr>
@@ -1062,7 +1066,7 @@
       </p:sp>
       <p:sp>
         <p:nvSpPr>
-          <p:cNvPr id="6" name="Espace réservé du numéro de diapositive 5"/>
+          <p:cNvPr id="16" name="Espace réservé du numéro de diapositive 15"/>
           <p:cNvSpPr>
             <a:spLocks noGrp="1"/>
           </p:cNvSpPr>
@@ -1077,16 +1081,49 @@
           <a:p>
             <a:fld id="{E72C3B2D-BBBB-479B-AFDA-7FCED602AFAD}" type="slidenum">
               <a:rPr lang="fr-FR" smtClean="0"/>
+              <a:pPr/>
               <a:t>‹N°›</a:t>
             </a:fld>
             <a:endParaRPr lang="fr-FR"/>
           </a:p>
         </p:txBody>
       </p:sp>
+      <p:sp>
+        <p:nvSpPr>
+          <p:cNvPr id="8" name="Titre 7"/>
+          <p:cNvSpPr>
+            <a:spLocks noGrp="1"/>
+          </p:cNvSpPr>
+          <p:nvPr>
+            <p:ph type="title"/>
+          </p:nvPr>
+        </p:nvSpPr>
+        <p:spPr>
+          <a:xfrm>
+            <a:off x="180475" y="2947085"/>
+            <a:ext cx="8686800" cy="1184825"/>
+          </a:xfrm>
+        </p:spPr>
+        <p:txBody>
+          <a:bodyPr rtlCol="0" anchor="t"/>
+          <a:lstStyle>
+            <a:lvl1pPr algn="r">
+              <a:defRPr/>
+            </a:lvl1pPr>
+          </a:lstStyle>
+          <a:p>
+            <a:r>
+              <a:rPr kumimoji="0" lang="fr-FR" smtClean="0"/>
+              <a:t>Cliquez pour modifier le style du titre</a:t>
+            </a:r>
+            <a:endParaRPr kumimoji="0" lang="en-US"/>
+          </a:p>
+        </p:txBody>
+      </p:sp>
     </p:spTree>
   </p:cSld>
   <p:clrMapOvr>
-    <a:masterClrMapping/>
+    <a:overrideClrMapping bg1="dk1" tx1="lt1" bg2="dk2" tx2="lt2" accent1="accent1" accent2="accent2" accent3="accent3" accent4="accent4" accent5="accent5" accent6="accent6" hlink="hlink" folHlink="folHlink"/>
   </p:clrMapOvr>
 </p:sldLayout>
 </file>
@@ -1110,7 +1147,7 @@
       </p:grpSpPr>
       <p:sp>
         <p:nvSpPr>
-          <p:cNvPr id="2" name="Titre 1"/>
+          <p:cNvPr id="20" name="Titre 19"/>
           <p:cNvSpPr>
             <a:spLocks noGrp="1"/>
           </p:cNvSpPr>
@@ -1118,22 +1155,27 @@
             <p:ph type="title"/>
           </p:nvPr>
         </p:nvSpPr>
-        <p:spPr/>
+        <p:spPr>
+          <a:xfrm>
+            <a:off x="301752" y="457200"/>
+            <a:ext cx="8686800" cy="841248"/>
+          </a:xfrm>
+        </p:spPr>
         <p:txBody>
           <a:bodyPr/>
           <a:lstStyle/>
           <a:p>
             <a:r>
-              <a:rPr lang="fr-FR" smtClean="0"/>
+              <a:rPr kumimoji="0" lang="fr-FR" smtClean="0"/>
               <a:t>Cliquez pour modifier le style du titre</a:t>
             </a:r>
-            <a:endParaRPr lang="fr-FR"/>
-          </a:p>
-        </p:txBody>
-      </p:sp>
-      <p:sp>
-        <p:nvSpPr>
-          <p:cNvPr id="3" name="Espace réservé du contenu 2"/>
+            <a:endParaRPr kumimoji="0" lang="en-US"/>
+          </a:p>
+        </p:txBody>
+      </p:sp>
+      <p:sp>
+        <p:nvSpPr>
+          <p:cNvPr id="14" name="Espace réservé du contenu 13"/>
           <p:cNvSpPr>
             <a:spLocks noGrp="1"/>
           </p:cNvSpPr>
@@ -1143,8 +1185,8 @@
         </p:nvSpPr>
         <p:spPr>
           <a:xfrm>
-            <a:off x="457200" y="1600200"/>
-            <a:ext cx="4038600" cy="4525963"/>
+            <a:off x="304800" y="1600200"/>
+            <a:ext cx="4191000" cy="4724400"/>
           </a:xfrm>
         </p:spPr>
         <p:txBody>
@@ -1165,60 +1207,48 @@
             <a:lvl5pPr>
               <a:defRPr sz="1800"/>
             </a:lvl5pPr>
-            <a:lvl6pPr>
-              <a:defRPr sz="1800"/>
-            </a:lvl6pPr>
-            <a:lvl7pPr>
-              <a:defRPr sz="1800"/>
-            </a:lvl7pPr>
-            <a:lvl8pPr>
-              <a:defRPr sz="1800"/>
-            </a:lvl8pPr>
-            <a:lvl9pPr>
-              <a:defRPr sz="1800"/>
-            </a:lvl9pPr>
           </a:lstStyle>
           <a:p>
-            <a:pPr lvl="0"/>
+            <a:pPr lvl="0" eaLnBrk="1" latinLnBrk="0" hangingPunct="1"/>
             <a:r>
               <a:rPr lang="fr-FR" smtClean="0"/>
               <a:t>Cliquez pour modifier les styles du texte du masque</a:t>
             </a:r>
           </a:p>
           <a:p>
-            <a:pPr lvl="1"/>
+            <a:pPr lvl="1" eaLnBrk="1" latinLnBrk="0" hangingPunct="1"/>
             <a:r>
               <a:rPr lang="fr-FR" smtClean="0"/>
               <a:t>Deuxième niveau</a:t>
             </a:r>
           </a:p>
           <a:p>
-            <a:pPr lvl="2"/>
+            <a:pPr lvl="2" eaLnBrk="1" latinLnBrk="0" hangingPunct="1"/>
             <a:r>
               <a:rPr lang="fr-FR" smtClean="0"/>
               <a:t>Troisième niveau</a:t>
             </a:r>
           </a:p>
           <a:p>
-            <a:pPr lvl="3"/>
+            <a:pPr lvl="3" eaLnBrk="1" latinLnBrk="0" hangingPunct="1"/>
             <a:r>
               <a:rPr lang="fr-FR" smtClean="0"/>
               <a:t>Quatrième niveau</a:t>
             </a:r>
           </a:p>
           <a:p>
-            <a:pPr lvl="4"/>
+            <a:pPr lvl="4" eaLnBrk="1" latinLnBrk="0" hangingPunct="1"/>
             <a:r>
               <a:rPr lang="fr-FR" smtClean="0"/>
               <a:t>Cinquième niveau</a:t>
             </a:r>
-            <a:endParaRPr lang="fr-FR"/>
-          </a:p>
-        </p:txBody>
-      </p:sp>
-      <p:sp>
-        <p:nvSpPr>
-          <p:cNvPr id="4" name="Espace réservé du contenu 3"/>
+            <a:endParaRPr kumimoji="0" lang="en-US"/>
+          </a:p>
+        </p:txBody>
+      </p:sp>
+      <p:sp>
+        <p:nvSpPr>
+          <p:cNvPr id="13" name="Espace réservé du contenu 12"/>
           <p:cNvSpPr>
             <a:spLocks noGrp="1"/>
           </p:cNvSpPr>
@@ -1229,7 +1259,7 @@
         <p:spPr>
           <a:xfrm>
             <a:off x="4648200" y="1600200"/>
-            <a:ext cx="4038600" cy="4525963"/>
+            <a:ext cx="4343400" cy="4724400"/>
           </a:xfrm>
         </p:spPr>
         <p:txBody>
@@ -1250,60 +1280,48 @@
             <a:lvl5pPr>
               <a:defRPr sz="1800"/>
             </a:lvl5pPr>
-            <a:lvl6pPr>
-              <a:defRPr sz="1800"/>
-            </a:lvl6pPr>
-            <a:lvl7pPr>
-              <a:defRPr sz="1800"/>
-            </a:lvl7pPr>
-            <a:lvl8pPr>
-              <a:defRPr sz="1800"/>
-            </a:lvl8pPr>
-            <a:lvl9pPr>
-              <a:defRPr sz="1800"/>
-            </a:lvl9pPr>
           </a:lstStyle>
           <a:p>
-            <a:pPr lvl="0"/>
+            <a:pPr lvl="0" eaLnBrk="1" latinLnBrk="0" hangingPunct="1"/>
             <a:r>
               <a:rPr lang="fr-FR" smtClean="0"/>
               <a:t>Cliquez pour modifier les styles du texte du masque</a:t>
             </a:r>
           </a:p>
           <a:p>
-            <a:pPr lvl="1"/>
+            <a:pPr lvl="1" eaLnBrk="1" latinLnBrk="0" hangingPunct="1"/>
             <a:r>
               <a:rPr lang="fr-FR" smtClean="0"/>
               <a:t>Deuxième niveau</a:t>
             </a:r>
           </a:p>
           <a:p>
-            <a:pPr lvl="2"/>
+            <a:pPr lvl="2" eaLnBrk="1" latinLnBrk="0" hangingPunct="1"/>
             <a:r>
               <a:rPr lang="fr-FR" smtClean="0"/>
               <a:t>Troisième niveau</a:t>
             </a:r>
           </a:p>
           <a:p>
-            <a:pPr lvl="3"/>
+            <a:pPr lvl="3" eaLnBrk="1" latinLnBrk="0" hangingPunct="1"/>
             <a:r>
               <a:rPr lang="fr-FR" smtClean="0"/>
               <a:t>Quatrième niveau</a:t>
             </a:r>
           </a:p>
           <a:p>
-            <a:pPr lvl="4"/>
+            <a:pPr lvl="4" eaLnBrk="1" latinLnBrk="0" hangingPunct="1"/>
             <a:r>
               <a:rPr lang="fr-FR" smtClean="0"/>
               <a:t>Cinquième niveau</a:t>
             </a:r>
-            <a:endParaRPr lang="fr-FR"/>
-          </a:p>
-        </p:txBody>
-      </p:sp>
-      <p:sp>
-        <p:nvSpPr>
-          <p:cNvPr id="5" name="Espace réservé de la date 4"/>
+            <a:endParaRPr kumimoji="0" lang="en-US"/>
+          </a:p>
+        </p:txBody>
+      </p:sp>
+      <p:sp>
+        <p:nvSpPr>
+          <p:cNvPr id="21" name="Espace réservé de la date 20"/>
           <p:cNvSpPr>
             <a:spLocks noGrp="1"/>
           </p:cNvSpPr>
@@ -1318,6 +1336,7 @@
           <a:p>
             <a:fld id="{47E776F3-D1A9-4326-92FB-E3DA03CAF959}" type="datetimeFigureOut">
               <a:rPr lang="fr-FR" smtClean="0"/>
+              <a:pPr/>
               <a:t>09/03/2011</a:t>
             </a:fld>
             <a:endParaRPr lang="fr-FR"/>
@@ -1326,7 +1345,7 @@
       </p:sp>
       <p:sp>
         <p:nvSpPr>
-          <p:cNvPr id="6" name="Espace réservé du pied de page 5"/>
+          <p:cNvPr id="10" name="Espace réservé du pied de page 9"/>
           <p:cNvSpPr>
             <a:spLocks noGrp="1"/>
           </p:cNvSpPr>
@@ -1345,7 +1364,7 @@
       </p:sp>
       <p:sp>
         <p:nvSpPr>
-          <p:cNvPr id="7" name="Espace réservé du numéro de diapositive 6"/>
+          <p:cNvPr id="31" name="Espace réservé du numéro de diapositive 30"/>
           <p:cNvSpPr>
             <a:spLocks noGrp="1"/>
           </p:cNvSpPr>
@@ -1360,6 +1379,7 @@
           <a:p>
             <a:fld id="{E72C3B2D-BBBB-479B-AFDA-7FCED602AFAD}" type="slidenum">
               <a:rPr lang="fr-FR" smtClean="0"/>
+              <a:pPr/>
               <a:t>‹N°›</a:t>
             </a:fld>
             <a:endParaRPr lang="fr-FR"/>
@@ -1375,7 +1395,7 @@
 </file>
 
 <file path=ppt/slideLayouts/slideLayout5.xml><?xml version="1.0" encoding="utf-8"?>
-<p:sldLayout xmlns:a="http://schemas.openxmlformats.org/drawingml/2006/main" xmlns:r="http://schemas.openxmlformats.org/officeDocument/2006/relationships" xmlns:p="http://schemas.openxmlformats.org/presentationml/2006/main" type="twoTxTwoObj" preserve="1">
+<p:sldLayout xmlns:a="http://schemas.openxmlformats.org/drawingml/2006/main" xmlns:r="http://schemas.openxmlformats.org/officeDocument/2006/relationships" xmlns:p="http://schemas.openxmlformats.org/presentationml/2006/main" showMasterSp="0" type="twoTxTwoObj" preserve="1">
   <p:cSld name="Comparaison">
     <p:spTree>
       <p:nvGrpSpPr>
@@ -1393,7 +1413,7 @@
       </p:grpSpPr>
       <p:sp>
         <p:nvSpPr>
-          <p:cNvPr id="2" name="Titre 1"/>
+          <p:cNvPr id="29" name="Titre 28"/>
           <p:cNvSpPr>
             <a:spLocks noGrp="1"/>
           </p:cNvSpPr>
@@ -1401,9 +1421,14 @@
             <p:ph type="title"/>
           </p:nvPr>
         </p:nvSpPr>
-        <p:spPr/>
-        <p:txBody>
-          <a:bodyPr/>
+        <p:spPr>
+          <a:xfrm>
+            <a:off x="304800" y="5410200"/>
+            <a:ext cx="8610600" cy="882650"/>
+          </a:xfrm>
+        </p:spPr>
+        <p:txBody>
+          <a:bodyPr anchor="ctr"/>
           <a:lstStyle>
             <a:lvl1pPr>
               <a:defRPr/>
@@ -1411,16 +1436,16 @@
           </a:lstStyle>
           <a:p>
             <a:r>
-              <a:rPr lang="fr-FR" smtClean="0"/>
+              <a:rPr kumimoji="0" lang="fr-FR" smtClean="0"/>
               <a:t>Cliquez pour modifier le style du titre</a:t>
             </a:r>
-            <a:endParaRPr lang="fr-FR"/>
-          </a:p>
-        </p:txBody>
-      </p:sp>
-      <p:sp>
-        <p:nvSpPr>
-          <p:cNvPr id="3" name="Espace réservé du texte 2"/>
+            <a:endParaRPr kumimoji="0" lang="en-US"/>
+          </a:p>
+        </p:txBody>
+      </p:sp>
+      <p:sp>
+        <p:nvSpPr>
+          <p:cNvPr id="13" name="Espace réservé du texte 12"/>
           <p:cNvSpPr>
             <a:spLocks noGrp="1"/>
           </p:cNvSpPr>
@@ -1430,54 +1455,105 @@
         </p:nvSpPr>
         <p:spPr>
           <a:xfrm>
-            <a:off x="457200" y="1535113"/>
-            <a:ext cx="4040188" cy="639762"/>
-          </a:xfrm>
-        </p:spPr>
-        <p:txBody>
-          <a:bodyPr anchor="b"/>
+            <a:off x="281444" y="666750"/>
+            <a:ext cx="4290556" cy="639762"/>
+          </a:xfrm>
+        </p:spPr>
+        <p:txBody>
+          <a:bodyPr anchor="ctr"/>
           <a:lstStyle>
             <a:lvl1pPr marL="0" indent="0">
               <a:buNone/>
-              <a:defRPr sz="2400" b="1"/>
+              <a:defRPr sz="1800" b="0" cap="all" baseline="0">
+                <a:solidFill>
+                  <a:schemeClr val="accent1">
+                    <a:shade val="50000"/>
+                  </a:schemeClr>
+                </a:solidFill>
+                <a:latin typeface="+mj-lt"/>
+                <a:ea typeface="+mj-ea"/>
+                <a:cs typeface="+mj-cs"/>
+              </a:defRPr>
             </a:lvl1pPr>
-            <a:lvl2pPr marL="457200" indent="0">
+            <a:lvl2pPr>
               <a:buNone/>
               <a:defRPr sz="2000" b="1"/>
             </a:lvl2pPr>
-            <a:lvl3pPr marL="914400" indent="0">
+            <a:lvl3pPr>
               <a:buNone/>
               <a:defRPr sz="1800" b="1"/>
             </a:lvl3pPr>
-            <a:lvl4pPr marL="1371600" indent="0">
+            <a:lvl4pPr>
               <a:buNone/>
               <a:defRPr sz="1600" b="1"/>
             </a:lvl4pPr>
-            <a:lvl5pPr marL="1828800" indent="0">
+            <a:lvl5pPr>
               <a:buNone/>
               <a:defRPr sz="1600" b="1"/>
             </a:lvl5pPr>
-            <a:lvl6pPr marL="2286000" indent="0">
+          </a:lstStyle>
+          <a:p>
+            <a:pPr lvl="0" eaLnBrk="1" latinLnBrk="0" hangingPunct="1"/>
+            <a:r>
+              <a:rPr kumimoji="0" lang="fr-FR" smtClean="0"/>
+              <a:t>Cliquez pour modifier les styles du texte du masque</a:t>
+            </a:r>
+          </a:p>
+        </p:txBody>
+      </p:sp>
+      <p:sp>
+        <p:nvSpPr>
+          <p:cNvPr id="25" name="Espace réservé du texte 24"/>
+          <p:cNvSpPr>
+            <a:spLocks noGrp="1"/>
+          </p:cNvSpPr>
+          <p:nvPr>
+            <p:ph type="body" sz="half" idx="3"/>
+          </p:nvPr>
+        </p:nvSpPr>
+        <p:spPr>
+          <a:xfrm>
+            <a:off x="4645025" y="666750"/>
+            <a:ext cx="4292241" cy="639762"/>
+          </a:xfrm>
+        </p:spPr>
+        <p:txBody>
+          <a:bodyPr anchor="ctr"/>
+          <a:lstStyle>
+            <a:lvl1pPr marL="0" indent="0">
+              <a:buNone/>
+              <a:defRPr sz="1800" b="0" cap="all" baseline="0">
+                <a:solidFill>
+                  <a:schemeClr val="accent1">
+                    <a:shade val="50000"/>
+                  </a:schemeClr>
+                </a:solidFill>
+                <a:latin typeface="+mj-lt"/>
+                <a:ea typeface="+mj-ea"/>
+                <a:cs typeface="+mj-cs"/>
+              </a:defRPr>
+            </a:lvl1pPr>
+            <a:lvl2pPr>
+              <a:buNone/>
+              <a:defRPr sz="2000" b="1"/>
+            </a:lvl2pPr>
+            <a:lvl3pPr>
+              <a:buNone/>
+              <a:defRPr sz="1800" b="1"/>
+            </a:lvl3pPr>
+            <a:lvl4pPr>
               <a:buNone/>
               <a:defRPr sz="1600" b="1"/>
-            </a:lvl6pPr>
-            <a:lvl7pPr marL="2743200" indent="0">
+            </a:lvl4pPr>
+            <a:lvl5pPr>
               <a:buNone/>
               <a:defRPr sz="1600" b="1"/>
-            </a:lvl7pPr>
-            <a:lvl8pPr marL="3200400" indent="0">
-              <a:buNone/>
-              <a:defRPr sz="1600" b="1"/>
-            </a:lvl8pPr>
-            <a:lvl9pPr marL="3657600" indent="0">
-              <a:buNone/>
-              <a:defRPr sz="1600" b="1"/>
-            </a:lvl9pPr>
+            </a:lvl5pPr>
           </a:lstStyle>
           <a:p>
-            <a:pPr lvl="0"/>
-            <a:r>
-              <a:rPr lang="fr-FR" smtClean="0"/>
+            <a:pPr lvl="0" eaLnBrk="1" latinLnBrk="0" hangingPunct="1"/>
+            <a:r>
+              <a:rPr kumimoji="0" lang="fr-FR" smtClean="0"/>
               <a:t>Cliquez pour modifier les styles du texte du masque</a:t>
             </a:r>
           </a:p>
@@ -1490,13 +1566,13 @@
             <a:spLocks noGrp="1"/>
           </p:cNvSpPr>
           <p:nvPr>
-            <p:ph sz="half" idx="2"/>
+            <p:ph sz="quarter" idx="2"/>
           </p:nvPr>
         </p:nvSpPr>
         <p:spPr>
           <a:xfrm>
-            <a:off x="457200" y="2174875"/>
-            <a:ext cx="4040188" cy="3951288"/>
+            <a:off x="281444" y="1316037"/>
+            <a:ext cx="4290556" cy="3941763"/>
           </a:xfrm>
         </p:spPr>
         <p:txBody>
@@ -1517,136 +1593,59 @@
             <a:lvl5pPr>
               <a:defRPr sz="1600"/>
             </a:lvl5pPr>
-            <a:lvl6pPr>
-              <a:defRPr sz="1600"/>
-            </a:lvl6pPr>
-            <a:lvl7pPr>
-              <a:defRPr sz="1600"/>
-            </a:lvl7pPr>
-            <a:lvl8pPr>
-              <a:defRPr sz="1600"/>
-            </a:lvl8pPr>
-            <a:lvl9pPr>
-              <a:defRPr sz="1600"/>
-            </a:lvl9pPr>
           </a:lstStyle>
           <a:p>
-            <a:pPr lvl="0"/>
+            <a:pPr lvl="0" eaLnBrk="1" latinLnBrk="0" hangingPunct="1"/>
             <a:r>
               <a:rPr lang="fr-FR" smtClean="0"/>
               <a:t>Cliquez pour modifier les styles du texte du masque</a:t>
             </a:r>
           </a:p>
           <a:p>
-            <a:pPr lvl="1"/>
+            <a:pPr lvl="1" eaLnBrk="1" latinLnBrk="0" hangingPunct="1"/>
             <a:r>
               <a:rPr lang="fr-FR" smtClean="0"/>
               <a:t>Deuxième niveau</a:t>
             </a:r>
           </a:p>
           <a:p>
-            <a:pPr lvl="2"/>
+            <a:pPr lvl="2" eaLnBrk="1" latinLnBrk="0" hangingPunct="1"/>
             <a:r>
               <a:rPr lang="fr-FR" smtClean="0"/>
               <a:t>Troisième niveau</a:t>
             </a:r>
           </a:p>
           <a:p>
-            <a:pPr lvl="3"/>
+            <a:pPr lvl="3" eaLnBrk="1" latinLnBrk="0" hangingPunct="1"/>
             <a:r>
               <a:rPr lang="fr-FR" smtClean="0"/>
               <a:t>Quatrième niveau</a:t>
             </a:r>
           </a:p>
           <a:p>
-            <a:pPr lvl="4"/>
+            <a:pPr lvl="4" eaLnBrk="1" latinLnBrk="0" hangingPunct="1"/>
             <a:r>
               <a:rPr lang="fr-FR" smtClean="0"/>
               <a:t>Cinquième niveau</a:t>
             </a:r>
-            <a:endParaRPr lang="fr-FR"/>
-          </a:p>
-        </p:txBody>
-      </p:sp>
-      <p:sp>
-        <p:nvSpPr>
-          <p:cNvPr id="5" name="Espace réservé du texte 4"/>
-          <p:cNvSpPr>
-            <a:spLocks noGrp="1"/>
-          </p:cNvSpPr>
-          <p:nvPr>
-            <p:ph type="body" sz="quarter" idx="3"/>
+            <a:endParaRPr kumimoji="0" lang="en-US"/>
+          </a:p>
+        </p:txBody>
+      </p:sp>
+      <p:sp>
+        <p:nvSpPr>
+          <p:cNvPr id="28" name="Espace réservé du contenu 27"/>
+          <p:cNvSpPr>
+            <a:spLocks noGrp="1"/>
+          </p:cNvSpPr>
+          <p:nvPr>
+            <p:ph sz="quarter" idx="4"/>
           </p:nvPr>
         </p:nvSpPr>
         <p:spPr>
           <a:xfrm>
-            <a:off x="4645025" y="1535113"/>
-            <a:ext cx="4041775" cy="639762"/>
-          </a:xfrm>
-        </p:spPr>
-        <p:txBody>
-          <a:bodyPr anchor="b"/>
-          <a:lstStyle>
-            <a:lvl1pPr marL="0" indent="0">
-              <a:buNone/>
-              <a:defRPr sz="2400" b="1"/>
-            </a:lvl1pPr>
-            <a:lvl2pPr marL="457200" indent="0">
-              <a:buNone/>
-              <a:defRPr sz="2000" b="1"/>
-            </a:lvl2pPr>
-            <a:lvl3pPr marL="914400" indent="0">
-              <a:buNone/>
-              <a:defRPr sz="1800" b="1"/>
-            </a:lvl3pPr>
-            <a:lvl4pPr marL="1371600" indent="0">
-              <a:buNone/>
-              <a:defRPr sz="1600" b="1"/>
-            </a:lvl4pPr>
-            <a:lvl5pPr marL="1828800" indent="0">
-              <a:buNone/>
-              <a:defRPr sz="1600" b="1"/>
-            </a:lvl5pPr>
-            <a:lvl6pPr marL="2286000" indent="0">
-              <a:buNone/>
-              <a:defRPr sz="1600" b="1"/>
-            </a:lvl6pPr>
-            <a:lvl7pPr marL="2743200" indent="0">
-              <a:buNone/>
-              <a:defRPr sz="1600" b="1"/>
-            </a:lvl7pPr>
-            <a:lvl8pPr marL="3200400" indent="0">
-              <a:buNone/>
-              <a:defRPr sz="1600" b="1"/>
-            </a:lvl8pPr>
-            <a:lvl9pPr marL="3657600" indent="0">
-              <a:buNone/>
-              <a:defRPr sz="1600" b="1"/>
-            </a:lvl9pPr>
-          </a:lstStyle>
-          <a:p>
-            <a:pPr lvl="0"/>
-            <a:r>
-              <a:rPr lang="fr-FR" smtClean="0"/>
-              <a:t>Cliquez pour modifier les styles du texte du masque</a:t>
-            </a:r>
-          </a:p>
-        </p:txBody>
-      </p:sp>
-      <p:sp>
-        <p:nvSpPr>
-          <p:cNvPr id="6" name="Espace réservé du contenu 5"/>
-          <p:cNvSpPr>
-            <a:spLocks noGrp="1"/>
-          </p:cNvSpPr>
-          <p:nvPr>
-            <p:ph sz="quarter" idx="4"/>
-          </p:nvPr>
-        </p:nvSpPr>
-        <p:spPr>
-          <a:xfrm>
-            <a:off x="4645025" y="2174875"/>
-            <a:ext cx="4041775" cy="3951288"/>
+            <a:off x="4648730" y="1316037"/>
+            <a:ext cx="4288536" cy="3941763"/>
           </a:xfrm>
         </p:spPr>
         <p:txBody>
@@ -1667,60 +1666,48 @@
             <a:lvl5pPr>
               <a:defRPr sz="1600"/>
             </a:lvl5pPr>
-            <a:lvl6pPr>
-              <a:defRPr sz="1600"/>
-            </a:lvl6pPr>
-            <a:lvl7pPr>
-              <a:defRPr sz="1600"/>
-            </a:lvl7pPr>
-            <a:lvl8pPr>
-              <a:defRPr sz="1600"/>
-            </a:lvl8pPr>
-            <a:lvl9pPr>
-              <a:defRPr sz="1600"/>
-            </a:lvl9pPr>
           </a:lstStyle>
           <a:p>
-            <a:pPr lvl="0"/>
+            <a:pPr lvl="0" eaLnBrk="1" latinLnBrk="0" hangingPunct="1"/>
             <a:r>
               <a:rPr lang="fr-FR" smtClean="0"/>
               <a:t>Cliquez pour modifier les styles du texte du masque</a:t>
             </a:r>
           </a:p>
           <a:p>
-            <a:pPr lvl="1"/>
+            <a:pPr lvl="1" eaLnBrk="1" latinLnBrk="0" hangingPunct="1"/>
             <a:r>
               <a:rPr lang="fr-FR" smtClean="0"/>
               <a:t>Deuxième niveau</a:t>
             </a:r>
           </a:p>
           <a:p>
-            <a:pPr lvl="2"/>
+            <a:pPr lvl="2" eaLnBrk="1" latinLnBrk="0" hangingPunct="1"/>
             <a:r>
               <a:rPr lang="fr-FR" smtClean="0"/>
               <a:t>Troisième niveau</a:t>
             </a:r>
           </a:p>
           <a:p>
-            <a:pPr lvl="3"/>
+            <a:pPr lvl="3" eaLnBrk="1" latinLnBrk="0" hangingPunct="1"/>
             <a:r>
               <a:rPr lang="fr-FR" smtClean="0"/>
               <a:t>Quatrième niveau</a:t>
             </a:r>
           </a:p>
           <a:p>
-            <a:pPr lvl="4"/>
+            <a:pPr lvl="4" eaLnBrk="1" latinLnBrk="0" hangingPunct="1"/>
             <a:r>
               <a:rPr lang="fr-FR" smtClean="0"/>
               <a:t>Cinquième niveau</a:t>
             </a:r>
-            <a:endParaRPr lang="fr-FR"/>
-          </a:p>
-        </p:txBody>
-      </p:sp>
-      <p:sp>
-        <p:nvSpPr>
-          <p:cNvPr id="7" name="Espace réservé de la date 6"/>
+            <a:endParaRPr kumimoji="0" lang="en-US"/>
+          </a:p>
+        </p:txBody>
+      </p:sp>
+      <p:sp>
+        <p:nvSpPr>
+          <p:cNvPr id="10" name="Espace réservé de la date 9"/>
           <p:cNvSpPr>
             <a:spLocks noGrp="1"/>
           </p:cNvSpPr>
@@ -1735,6 +1722,7 @@
           <a:p>
             <a:fld id="{47E776F3-D1A9-4326-92FB-E3DA03CAF959}" type="datetimeFigureOut">
               <a:rPr lang="fr-FR" smtClean="0"/>
+              <a:pPr/>
               <a:t>09/03/2011</a:t>
             </a:fld>
             <a:endParaRPr lang="fr-FR"/>
@@ -1743,7 +1731,7 @@
       </p:sp>
       <p:sp>
         <p:nvSpPr>
-          <p:cNvPr id="8" name="Espace réservé du pied de page 7"/>
+          <p:cNvPr id="6" name="Espace réservé du pied de page 5"/>
           <p:cNvSpPr>
             <a:spLocks noGrp="1"/>
           </p:cNvSpPr>
@@ -1762,7 +1750,7 @@
       </p:sp>
       <p:sp>
         <p:nvSpPr>
-          <p:cNvPr id="9" name="Espace réservé du numéro de diapositive 8"/>
+          <p:cNvPr id="7" name="Espace réservé du numéro de diapositive 6"/>
           <p:cNvSpPr>
             <a:spLocks noGrp="1"/>
           </p:cNvSpPr>
@@ -1770,16 +1758,72 @@
             <p:ph type="sldNum" sz="quarter" idx="12"/>
           </p:nvPr>
         </p:nvSpPr>
-        <p:spPr/>
+        <p:spPr>
+          <a:xfrm>
+            <a:off x="8229600" y="6477000"/>
+            <a:ext cx="762000" cy="246888"/>
+          </a:xfrm>
+        </p:spPr>
         <p:txBody>
           <a:bodyPr/>
           <a:lstStyle/>
           <a:p>
             <a:fld id="{E72C3B2D-BBBB-479B-AFDA-7FCED602AFAD}" type="slidenum">
               <a:rPr lang="fr-FR" smtClean="0"/>
+              <a:pPr/>
               <a:t>‹N°›</a:t>
             </a:fld>
             <a:endParaRPr lang="fr-FR"/>
+          </a:p>
+        </p:txBody>
+      </p:sp>
+      <p:sp>
+        <p:nvSpPr>
+          <p:cNvPr id="11" name="Connecteur droit 10"/>
+          <p:cNvSpPr>
+            <a:spLocks noChangeShapeType="1"/>
+          </p:cNvSpPr>
+          <p:nvPr/>
+        </p:nvSpPr>
+        <p:spPr bwMode="auto">
+          <a:xfrm>
+            <a:off x="514350" y="6019800"/>
+            <a:ext cx="8629650" cy="2381"/>
+          </a:xfrm>
+          <a:prstGeom prst="line">
+            <a:avLst/>
+          </a:prstGeom>
+          <a:noFill/>
+          <a:ln w="9525" cap="flat" cmpd="sng" algn="ctr">
+            <a:gradFill flip="none" rotWithShape="1">
+              <a:gsLst>
+                <a:gs pos="0">
+                  <a:schemeClr val="accent1">
+                    <a:alpha val="0"/>
+                  </a:schemeClr>
+                </a:gs>
+                <a:gs pos="17000">
+                  <a:schemeClr val="accent1"/>
+                </a:gs>
+                <a:gs pos="100000">
+                  <a:schemeClr val="accent1"/>
+                </a:gs>
+              </a:gsLst>
+              <a:lin ang="0" scaled="1"/>
+              <a:tileRect/>
+            </a:gradFill>
+            <a:prstDash val="solid"/>
+            <a:round/>
+            <a:headEnd type="none" w="med" len="med"/>
+            <a:tailEnd type="none" w="med" len="med"/>
+          </a:ln>
+          <a:effectLst/>
+        </p:spPr>
+        <p:txBody>
+          <a:bodyPr vert="horz" wrap="square" lIns="91440" tIns="45720" rIns="91440" bIns="45720" anchor="t" compatLnSpc="1"/>
+          <a:lstStyle/>
+          <a:p>
+            <a:endParaRPr kumimoji="0" lang="en-US"/>
           </a:p>
         </p:txBody>
       </p:sp>
@@ -1810,7 +1854,7 @@
       </p:grpSpPr>
       <p:sp>
         <p:nvSpPr>
-          <p:cNvPr id="2" name="Titre 1"/>
+          <p:cNvPr id="30" name="Titre 29"/>
           <p:cNvSpPr>
             <a:spLocks noGrp="1"/>
           </p:cNvSpPr>
@@ -1818,36 +1862,42 @@
             <p:ph type="title"/>
           </p:nvPr>
         </p:nvSpPr>
+        <p:spPr>
+          <a:xfrm>
+            <a:off x="301752" y="457200"/>
+            <a:ext cx="8686800" cy="841248"/>
+          </a:xfrm>
+        </p:spPr>
+        <p:txBody>
+          <a:bodyPr/>
+          <a:lstStyle/>
+          <a:p>
+            <a:r>
+              <a:rPr kumimoji="0" lang="fr-FR" smtClean="0"/>
+              <a:t>Cliquez pour modifier le style du titre</a:t>
+            </a:r>
+            <a:endParaRPr kumimoji="0" lang="en-US"/>
+          </a:p>
+        </p:txBody>
+      </p:sp>
+      <p:sp>
+        <p:nvSpPr>
+          <p:cNvPr id="12" name="Espace réservé de la date 11"/>
+          <p:cNvSpPr>
+            <a:spLocks noGrp="1"/>
+          </p:cNvSpPr>
+          <p:nvPr>
+            <p:ph type="dt" sz="half" idx="10"/>
+          </p:nvPr>
+        </p:nvSpPr>
         <p:spPr/>
         <p:txBody>
           <a:bodyPr/>
           <a:lstStyle/>
           <a:p>
-            <a:r>
-              <a:rPr lang="fr-FR" smtClean="0"/>
-              <a:t>Cliquez pour modifier le style du titre</a:t>
-            </a:r>
-            <a:endParaRPr lang="fr-FR"/>
-          </a:p>
-        </p:txBody>
-      </p:sp>
-      <p:sp>
-        <p:nvSpPr>
-          <p:cNvPr id="3" name="Espace réservé de la date 2"/>
-          <p:cNvSpPr>
-            <a:spLocks noGrp="1"/>
-          </p:cNvSpPr>
-          <p:nvPr>
-            <p:ph type="dt" sz="half" idx="10"/>
-          </p:nvPr>
-        </p:nvSpPr>
-        <p:spPr/>
-        <p:txBody>
-          <a:bodyPr/>
-          <a:lstStyle/>
-          <a:p>
             <a:fld id="{47E776F3-D1A9-4326-92FB-E3DA03CAF959}" type="datetimeFigureOut">
               <a:rPr lang="fr-FR" smtClean="0"/>
+              <a:pPr/>
               <a:t>09/03/2011</a:t>
             </a:fld>
             <a:endParaRPr lang="fr-FR"/>
@@ -1856,7 +1906,7 @@
       </p:sp>
       <p:sp>
         <p:nvSpPr>
-          <p:cNvPr id="4" name="Espace réservé du pied de page 3"/>
+          <p:cNvPr id="21" name="Espace réservé du pied de page 20"/>
           <p:cNvSpPr>
             <a:spLocks noGrp="1"/>
           </p:cNvSpPr>
@@ -1875,7 +1925,7 @@
       </p:sp>
       <p:sp>
         <p:nvSpPr>
-          <p:cNvPr id="5" name="Espace réservé du numéro de diapositive 4"/>
+          <p:cNvPr id="6" name="Espace réservé du numéro de diapositive 5"/>
           <p:cNvSpPr>
             <a:spLocks noGrp="1"/>
           </p:cNvSpPr>
@@ -1890,6 +1940,7 @@
           <a:p>
             <a:fld id="{E72C3B2D-BBBB-479B-AFDA-7FCED602AFAD}" type="slidenum">
               <a:rPr lang="fr-FR" smtClean="0"/>
+              <a:pPr/>
               <a:t>‹N°›</a:t>
             </a:fld>
             <a:endParaRPr lang="fr-FR"/>
@@ -1905,7 +1956,7 @@
 </file>
 
 <file path=ppt/slideLayouts/slideLayout7.xml><?xml version="1.0" encoding="utf-8"?>
-<p:sldLayout xmlns:a="http://schemas.openxmlformats.org/drawingml/2006/main" xmlns:r="http://schemas.openxmlformats.org/officeDocument/2006/relationships" xmlns:p="http://schemas.openxmlformats.org/presentationml/2006/main" type="blank" preserve="1">
+<p:sldLayout xmlns:a="http://schemas.openxmlformats.org/drawingml/2006/main" xmlns:r="http://schemas.openxmlformats.org/officeDocument/2006/relationships" xmlns:p="http://schemas.openxmlformats.org/presentationml/2006/main" showMasterSp="0" type="blank" preserve="1">
   <p:cSld name="Vide">
     <p:spTree>
       <p:nvGrpSpPr>
@@ -1923,7 +1974,7 @@
       </p:grpSpPr>
       <p:sp>
         <p:nvSpPr>
-          <p:cNvPr id="2" name="Espace réservé de la date 1"/>
+          <p:cNvPr id="3" name="Espace réservé de la date 2"/>
           <p:cNvSpPr>
             <a:spLocks noGrp="1"/>
           </p:cNvSpPr>
@@ -1938,6 +1989,7 @@
           <a:p>
             <a:fld id="{47E776F3-D1A9-4326-92FB-E3DA03CAF959}" type="datetimeFigureOut">
               <a:rPr lang="fr-FR" smtClean="0"/>
+              <a:pPr/>
               <a:t>09/03/2011</a:t>
             </a:fld>
             <a:endParaRPr lang="fr-FR"/>
@@ -1946,7 +1998,7 @@
       </p:sp>
       <p:sp>
         <p:nvSpPr>
-          <p:cNvPr id="3" name="Espace réservé du pied de page 2"/>
+          <p:cNvPr id="24" name="Espace réservé du pied de page 23"/>
           <p:cNvSpPr>
             <a:spLocks noGrp="1"/>
           </p:cNvSpPr>
@@ -1965,7 +2017,7 @@
       </p:sp>
       <p:sp>
         <p:nvSpPr>
-          <p:cNvPr id="4" name="Espace réservé du numéro de diapositive 3"/>
+          <p:cNvPr id="7" name="Espace réservé du numéro de diapositive 6"/>
           <p:cNvSpPr>
             <a:spLocks noGrp="1"/>
           </p:cNvSpPr>
@@ -1980,6 +2032,7 @@
           <a:p>
             <a:fld id="{E72C3B2D-BBBB-479B-AFDA-7FCED602AFAD}" type="slidenum">
               <a:rPr lang="fr-FR" smtClean="0"/>
+              <a:pPr/>
               <a:t>‹N°›</a:t>
             </a:fld>
             <a:endParaRPr lang="fr-FR"/>
@@ -1995,7 +2048,7 @@
 </file>
 
 <file path=ppt/slideLayouts/slideLayout8.xml><?xml version="1.0" encoding="utf-8"?>
-<p:sldLayout xmlns:a="http://schemas.openxmlformats.org/drawingml/2006/main" xmlns:r="http://schemas.openxmlformats.org/officeDocument/2006/relationships" xmlns:p="http://schemas.openxmlformats.org/presentationml/2006/main" type="objTx" preserve="1">
+<p:sldLayout xmlns:a="http://schemas.openxmlformats.org/drawingml/2006/main" xmlns:r="http://schemas.openxmlformats.org/officeDocument/2006/relationships" xmlns:p="http://schemas.openxmlformats.org/presentationml/2006/main" showMasterSp="0" type="objTx" preserve="1">
   <p:cSld name="Contenu avec légende">
     <p:spTree>
       <p:nvGrpSpPr>
@@ -2013,7 +2066,57 @@
       </p:grpSpPr>
       <p:sp>
         <p:nvSpPr>
-          <p:cNvPr id="2" name="Titre 1"/>
+          <p:cNvPr id="8" name="Connecteur droit 7"/>
+          <p:cNvSpPr>
+            <a:spLocks noChangeShapeType="1"/>
+          </p:cNvSpPr>
+          <p:nvPr/>
+        </p:nvSpPr>
+        <p:spPr bwMode="auto">
+          <a:xfrm>
+            <a:off x="514350" y="5849117"/>
+            <a:ext cx="8629650" cy="2381"/>
+          </a:xfrm>
+          <a:prstGeom prst="line">
+            <a:avLst/>
+          </a:prstGeom>
+          <a:noFill/>
+          <a:ln w="9525" cap="flat" cmpd="sng" algn="ctr">
+            <a:gradFill flip="none" rotWithShape="1">
+              <a:gsLst>
+                <a:gs pos="0">
+                  <a:schemeClr val="accent1">
+                    <a:alpha val="0"/>
+                  </a:schemeClr>
+                </a:gs>
+                <a:gs pos="17000">
+                  <a:schemeClr val="accent1"/>
+                </a:gs>
+                <a:gs pos="100000">
+                  <a:schemeClr val="accent1"/>
+                </a:gs>
+              </a:gsLst>
+              <a:lin ang="0" scaled="1"/>
+              <a:tileRect/>
+            </a:gradFill>
+            <a:prstDash val="solid"/>
+            <a:round/>
+            <a:headEnd type="none" w="med" len="med"/>
+            <a:tailEnd type="none" w="med" len="med"/>
+          </a:ln>
+          <a:effectLst/>
+        </p:spPr>
+        <p:txBody>
+          <a:bodyPr vert="horz" wrap="square" lIns="91440" tIns="45720" rIns="91440" bIns="45720" anchor="t" compatLnSpc="1"/>
+          <a:lstStyle/>
+          <a:p>
+            <a:endParaRPr kumimoji="0" lang="en-US"/>
+          </a:p>
+        </p:txBody>
+      </p:sp>
+      <p:sp>
+        <p:nvSpPr>
+          <p:cNvPr id="12" name="Titre 11"/>
           <p:cNvSpPr>
             <a:spLocks noGrp="1"/>
           </p:cNvSpPr>
@@ -2023,40 +2126,90 @@
         </p:nvSpPr>
         <p:spPr>
           <a:xfrm>
-            <a:off x="457200" y="273050"/>
-            <a:ext cx="3008313" cy="1162050"/>
-          </a:xfrm>
-        </p:spPr>
-        <p:txBody>
-          <a:bodyPr anchor="b"/>
+            <a:off x="457200" y="5486400"/>
+            <a:ext cx="8458200" cy="520700"/>
+          </a:xfrm>
+        </p:spPr>
+        <p:txBody>
+          <a:bodyPr anchor="ctr"/>
           <a:lstStyle>
             <a:lvl1pPr algn="l">
+              <a:buNone/>
               <a:defRPr sz="2000" b="1"/>
             </a:lvl1pPr>
           </a:lstStyle>
           <a:p>
             <a:r>
-              <a:rPr lang="fr-FR" smtClean="0"/>
+              <a:rPr kumimoji="0" lang="fr-FR" smtClean="0"/>
               <a:t>Cliquez pour modifier le style du titre</a:t>
             </a:r>
-            <a:endParaRPr lang="fr-FR"/>
-          </a:p>
-        </p:txBody>
-      </p:sp>
-      <p:sp>
-        <p:nvSpPr>
-          <p:cNvPr id="3" name="Espace réservé du contenu 2"/>
-          <p:cNvSpPr>
-            <a:spLocks noGrp="1"/>
-          </p:cNvSpPr>
-          <p:nvPr>
-            <p:ph idx="1"/>
+            <a:endParaRPr kumimoji="0" lang="en-US"/>
+          </a:p>
+        </p:txBody>
+      </p:sp>
+      <p:sp>
+        <p:nvSpPr>
+          <p:cNvPr id="26" name="Espace réservé du texte 25"/>
+          <p:cNvSpPr>
+            <a:spLocks noGrp="1"/>
+          </p:cNvSpPr>
+          <p:nvPr>
+            <p:ph type="body" idx="2"/>
           </p:nvPr>
         </p:nvSpPr>
         <p:spPr>
           <a:xfrm>
-            <a:off x="3575050" y="273050"/>
-            <a:ext cx="5111750" cy="5853113"/>
+            <a:off x="457200" y="609600"/>
+            <a:ext cx="3008313" cy="4800600"/>
+          </a:xfrm>
+        </p:spPr>
+        <p:txBody>
+          <a:bodyPr/>
+          <a:lstStyle>
+            <a:lvl1pPr marL="0" indent="0">
+              <a:buNone/>
+              <a:defRPr sz="1400"/>
+            </a:lvl1pPr>
+            <a:lvl2pPr>
+              <a:buNone/>
+              <a:defRPr sz="1200"/>
+            </a:lvl2pPr>
+            <a:lvl3pPr>
+              <a:buNone/>
+              <a:defRPr sz="1000"/>
+            </a:lvl3pPr>
+            <a:lvl4pPr>
+              <a:buNone/>
+              <a:defRPr sz="900"/>
+            </a:lvl4pPr>
+            <a:lvl5pPr>
+              <a:buNone/>
+              <a:defRPr sz="900"/>
+            </a:lvl5pPr>
+          </a:lstStyle>
+          <a:p>
+            <a:pPr lvl="0" eaLnBrk="1" latinLnBrk="0" hangingPunct="1"/>
+            <a:r>
+              <a:rPr kumimoji="0" lang="fr-FR" smtClean="0"/>
+              <a:t>Cliquez pour modifier les styles du texte du masque</a:t>
+            </a:r>
+          </a:p>
+        </p:txBody>
+      </p:sp>
+      <p:sp>
+        <p:nvSpPr>
+          <p:cNvPr id="14" name="Espace réservé du contenu 13"/>
+          <p:cNvSpPr>
+            <a:spLocks noGrp="1"/>
+          </p:cNvSpPr>
+          <p:nvPr>
+            <p:ph sz="half" idx="1"/>
+          </p:nvPr>
+        </p:nvSpPr>
+        <p:spPr>
+          <a:xfrm>
+            <a:off x="3575050" y="609600"/>
+            <a:ext cx="5340350" cy="4800600"/>
           </a:xfrm>
         </p:spPr>
         <p:txBody>
@@ -2077,139 +2230,63 @@
             <a:lvl5pPr>
               <a:defRPr sz="2000"/>
             </a:lvl5pPr>
-            <a:lvl6pPr>
-              <a:defRPr sz="2000"/>
-            </a:lvl6pPr>
-            <a:lvl7pPr>
-              <a:defRPr sz="2000"/>
-            </a:lvl7pPr>
-            <a:lvl8pPr>
-              <a:defRPr sz="2000"/>
-            </a:lvl8pPr>
-            <a:lvl9pPr>
-              <a:defRPr sz="2000"/>
-            </a:lvl9pPr>
           </a:lstStyle>
           <a:p>
-            <a:pPr lvl="0"/>
+            <a:pPr lvl="0" eaLnBrk="1" latinLnBrk="0" hangingPunct="1"/>
             <a:r>
               <a:rPr lang="fr-FR" smtClean="0"/>
               <a:t>Cliquez pour modifier les styles du texte du masque</a:t>
             </a:r>
           </a:p>
           <a:p>
-            <a:pPr lvl="1"/>
+            <a:pPr lvl="1" eaLnBrk="1" latinLnBrk="0" hangingPunct="1"/>
             <a:r>
               <a:rPr lang="fr-FR" smtClean="0"/>
               <a:t>Deuxième niveau</a:t>
             </a:r>
           </a:p>
           <a:p>
-            <a:pPr lvl="2"/>
+            <a:pPr lvl="2" eaLnBrk="1" latinLnBrk="0" hangingPunct="1"/>
             <a:r>
               <a:rPr lang="fr-FR" smtClean="0"/>
               <a:t>Troisième niveau</a:t>
             </a:r>
           </a:p>
           <a:p>
-            <a:pPr lvl="3"/>
+            <a:pPr lvl="3" eaLnBrk="1" latinLnBrk="0" hangingPunct="1"/>
             <a:r>
               <a:rPr lang="fr-FR" smtClean="0"/>
               <a:t>Quatrième niveau</a:t>
             </a:r>
           </a:p>
           <a:p>
-            <a:pPr lvl="4"/>
+            <a:pPr lvl="4" eaLnBrk="1" latinLnBrk="0" hangingPunct="1"/>
             <a:r>
               <a:rPr lang="fr-FR" smtClean="0"/>
               <a:t>Cinquième niveau</a:t>
             </a:r>
-            <a:endParaRPr lang="fr-FR"/>
-          </a:p>
-        </p:txBody>
-      </p:sp>
-      <p:sp>
-        <p:nvSpPr>
-          <p:cNvPr id="4" name="Espace réservé du texte 3"/>
-          <p:cNvSpPr>
-            <a:spLocks noGrp="1"/>
-          </p:cNvSpPr>
-          <p:nvPr>
-            <p:ph type="body" sz="half" idx="2"/>
-          </p:nvPr>
-        </p:nvSpPr>
-        <p:spPr>
-          <a:xfrm>
-            <a:off x="457200" y="1435100"/>
-            <a:ext cx="3008313" cy="4691063"/>
-          </a:xfrm>
-        </p:spPr>
+            <a:endParaRPr kumimoji="0" lang="en-US"/>
+          </a:p>
+        </p:txBody>
+      </p:sp>
+      <p:sp>
+        <p:nvSpPr>
+          <p:cNvPr id="25" name="Espace réservé de la date 24"/>
+          <p:cNvSpPr>
+            <a:spLocks noGrp="1"/>
+          </p:cNvSpPr>
+          <p:nvPr>
+            <p:ph type="dt" sz="half" idx="10"/>
+          </p:nvPr>
+        </p:nvSpPr>
+        <p:spPr/>
         <p:txBody>
           <a:bodyPr/>
-          <a:lstStyle>
-            <a:lvl1pPr marL="0" indent="0">
-              <a:buNone/>
-              <a:defRPr sz="1400"/>
-            </a:lvl1pPr>
-            <a:lvl2pPr marL="457200" indent="0">
-              <a:buNone/>
-              <a:defRPr sz="1200"/>
-            </a:lvl2pPr>
-            <a:lvl3pPr marL="914400" indent="0">
-              <a:buNone/>
-              <a:defRPr sz="1000"/>
-            </a:lvl3pPr>
-            <a:lvl4pPr marL="1371600" indent="0">
-              <a:buNone/>
-              <a:defRPr sz="900"/>
-            </a:lvl4pPr>
-            <a:lvl5pPr marL="1828800" indent="0">
-              <a:buNone/>
-              <a:defRPr sz="900"/>
-            </a:lvl5pPr>
-            <a:lvl6pPr marL="2286000" indent="0">
-              <a:buNone/>
-              <a:defRPr sz="900"/>
-            </a:lvl6pPr>
-            <a:lvl7pPr marL="2743200" indent="0">
-              <a:buNone/>
-              <a:defRPr sz="900"/>
-            </a:lvl7pPr>
-            <a:lvl8pPr marL="3200400" indent="0">
-              <a:buNone/>
-              <a:defRPr sz="900"/>
-            </a:lvl8pPr>
-            <a:lvl9pPr marL="3657600" indent="0">
-              <a:buNone/>
-              <a:defRPr sz="900"/>
-            </a:lvl9pPr>
-          </a:lstStyle>
-          <a:p>
-            <a:pPr lvl="0"/>
-            <a:r>
-              <a:rPr lang="fr-FR" smtClean="0"/>
-              <a:t>Cliquez pour modifier les styles du texte du masque</a:t>
-            </a:r>
-          </a:p>
-        </p:txBody>
-      </p:sp>
-      <p:sp>
-        <p:nvSpPr>
-          <p:cNvPr id="5" name="Espace réservé de la date 4"/>
-          <p:cNvSpPr>
-            <a:spLocks noGrp="1"/>
-          </p:cNvSpPr>
-          <p:nvPr>
-            <p:ph type="dt" sz="half" idx="10"/>
-          </p:nvPr>
-        </p:nvSpPr>
-        <p:spPr/>
-        <p:txBody>
-          <a:bodyPr/>
           <a:lstStyle/>
           <a:p>
             <a:fld id="{47E776F3-D1A9-4326-92FB-E3DA03CAF959}" type="datetimeFigureOut">
               <a:rPr lang="fr-FR" smtClean="0"/>
+              <a:pPr/>
               <a:t>09/03/2011</a:t>
             </a:fld>
             <a:endParaRPr lang="fr-FR"/>
@@ -2218,7 +2295,7 @@
       </p:sp>
       <p:sp>
         <p:nvSpPr>
-          <p:cNvPr id="6" name="Espace réservé du pied de page 5"/>
+          <p:cNvPr id="29" name="Espace réservé du pied de page 28"/>
           <p:cNvSpPr>
             <a:spLocks noGrp="1"/>
           </p:cNvSpPr>
@@ -2252,6 +2329,7 @@
           <a:p>
             <a:fld id="{E72C3B2D-BBBB-479B-AFDA-7FCED602AFAD}" type="slidenum">
               <a:rPr lang="fr-FR" smtClean="0"/>
+              <a:pPr/>
               <a:t>‹N°›</a:t>
             </a:fld>
             <a:endParaRPr lang="fr-FR"/>
@@ -2267,7 +2345,7 @@
 </file>
 
 <file path=ppt/slideLayouts/slideLayout9.xml><?xml version="1.0" encoding="utf-8"?>
-<p:sldLayout xmlns:a="http://schemas.openxmlformats.org/drawingml/2006/main" xmlns:r="http://schemas.openxmlformats.org/officeDocument/2006/relationships" xmlns:p="http://schemas.openxmlformats.org/presentationml/2006/main" type="picTx" preserve="1">
+<p:sldLayout xmlns:a="http://schemas.openxmlformats.org/drawingml/2006/main" xmlns:r="http://schemas.openxmlformats.org/officeDocument/2006/relationships" xmlns:p="http://schemas.openxmlformats.org/presentationml/2006/main" showMasterSp="0" type="picTx" preserve="1">
   <p:cSld name="Image avec légende">
     <p:spTree>
       <p:nvGrpSpPr>
@@ -2285,51 +2363,30 @@
       </p:grpSpPr>
       <p:sp>
         <p:nvSpPr>
-          <p:cNvPr id="2" name="Titre 1"/>
-          <p:cNvSpPr>
-            <a:spLocks noGrp="1"/>
-          </p:cNvSpPr>
-          <p:nvPr>
-            <p:ph type="title"/>
+          <p:cNvPr id="13" name="Espace réservé pour une image  12"/>
+          <p:cNvSpPr>
+            <a:spLocks noGrp="1"/>
+          </p:cNvSpPr>
+          <p:nvPr>
+            <p:ph type="pic" idx="1"/>
           </p:nvPr>
         </p:nvSpPr>
         <p:spPr>
           <a:xfrm>
-            <a:off x="1792288" y="4800600"/>
-            <a:ext cx="5486400" cy="566738"/>
-          </a:xfrm>
-        </p:spPr>
-        <p:txBody>
-          <a:bodyPr anchor="b"/>
-          <a:lstStyle>
-            <a:lvl1pPr algn="l">
-              <a:defRPr sz="2000" b="1"/>
-            </a:lvl1pPr>
-          </a:lstStyle>
-          <a:p>
-            <a:r>
-              <a:rPr lang="fr-FR" smtClean="0"/>
-              <a:t>Cliquez pour modifier le style du titre</a:t>
-            </a:r>
-            <a:endParaRPr lang="fr-FR"/>
-          </a:p>
-        </p:txBody>
-      </p:sp>
-      <p:sp>
-        <p:nvSpPr>
-          <p:cNvPr id="3" name="Espace réservé pour une image  2"/>
-          <p:cNvSpPr>
-            <a:spLocks noGrp="1"/>
-          </p:cNvSpPr>
-          <p:nvPr>
-            <p:ph type="pic" idx="1"/>
-          </p:nvPr>
-        </p:nvSpPr>
-        <p:spPr>
-          <a:xfrm>
-            <a:off x="1792288" y="612775"/>
-            <a:ext cx="5486400" cy="4114800"/>
-          </a:xfrm>
+            <a:off x="3505200" y="616634"/>
+            <a:ext cx="5029200" cy="3657600"/>
+          </a:xfrm>
+          <a:solidFill>
+            <a:schemeClr val="bg1"/>
+          </a:solidFill>
+          <a:ln w="6350">
+            <a:solidFill>
+              <a:schemeClr val="accent1"/>
+            </a:solidFill>
+          </a:ln>
+          <a:effectLst>
+            <a:reflection blurRad="1000" stA="49000" endA="500" endPos="10000" dist="900" dir="5400000" sy="-90000" algn="bl" rotWithShape="0"/>
+          </a:effectLst>
         </p:spPr>
         <p:txBody>
           <a:bodyPr/>
@@ -2338,47 +2395,119 @@
               <a:buNone/>
               <a:defRPr sz="3200"/>
             </a:lvl1pPr>
-            <a:lvl2pPr marL="457200" indent="0">
+          </a:lstStyle>
+          <a:p>
+            <a:r>
+              <a:rPr kumimoji="0" lang="fr-FR" smtClean="0"/>
+              <a:t>Cliquez sur l'icône pour ajouter une image</a:t>
+            </a:r>
+            <a:endParaRPr kumimoji="0" lang="en-US" dirty="0"/>
+          </a:p>
+        </p:txBody>
+      </p:sp>
+      <p:sp>
+        <p:nvSpPr>
+          <p:cNvPr id="7" name="Espace réservé de la date 6"/>
+          <p:cNvSpPr>
+            <a:spLocks noGrp="1"/>
+          </p:cNvSpPr>
+          <p:nvPr>
+            <p:ph type="dt" sz="half" idx="10"/>
+          </p:nvPr>
+        </p:nvSpPr>
+        <p:spPr/>
+        <p:txBody>
+          <a:bodyPr/>
+          <a:lstStyle/>
+          <a:p>
+            <a:fld id="{47E776F3-D1A9-4326-92FB-E3DA03CAF959}" type="datetimeFigureOut">
+              <a:rPr lang="fr-FR" smtClean="0"/>
+              <a:pPr/>
+              <a:t>09/03/2011</a:t>
+            </a:fld>
+            <a:endParaRPr lang="fr-FR"/>
+          </a:p>
+        </p:txBody>
+      </p:sp>
+      <p:sp>
+        <p:nvSpPr>
+          <p:cNvPr id="5" name="Espace réservé du pied de page 4"/>
+          <p:cNvSpPr>
+            <a:spLocks noGrp="1"/>
+          </p:cNvSpPr>
+          <p:nvPr>
+            <p:ph type="ftr" sz="quarter" idx="11"/>
+          </p:nvPr>
+        </p:nvSpPr>
+        <p:spPr/>
+        <p:txBody>
+          <a:bodyPr/>
+          <a:lstStyle/>
+          <a:p>
+            <a:endParaRPr lang="fr-FR"/>
+          </a:p>
+        </p:txBody>
+      </p:sp>
+      <p:sp>
+        <p:nvSpPr>
+          <p:cNvPr id="31" name="Espace réservé du numéro de diapositive 30"/>
+          <p:cNvSpPr>
+            <a:spLocks noGrp="1"/>
+          </p:cNvSpPr>
+          <p:nvPr>
+            <p:ph type="sldNum" sz="quarter" idx="12"/>
+          </p:nvPr>
+        </p:nvSpPr>
+        <p:spPr/>
+        <p:txBody>
+          <a:bodyPr/>
+          <a:lstStyle/>
+          <a:p>
+            <a:fld id="{E72C3B2D-BBBB-479B-AFDA-7FCED602AFAD}" type="slidenum">
+              <a:rPr lang="fr-FR" smtClean="0"/>
+              <a:pPr/>
+              <a:t>‹N°›</a:t>
+            </a:fld>
+            <a:endParaRPr lang="fr-FR"/>
+          </a:p>
+        </p:txBody>
+      </p:sp>
+      <p:sp>
+        <p:nvSpPr>
+          <p:cNvPr id="17" name="Titre 16"/>
+          <p:cNvSpPr>
+            <a:spLocks noGrp="1"/>
+          </p:cNvSpPr>
+          <p:nvPr>
+            <p:ph type="title"/>
+          </p:nvPr>
+        </p:nvSpPr>
+        <p:spPr>
+          <a:xfrm>
+            <a:off x="381000" y="4993760"/>
+            <a:ext cx="5867400" cy="522288"/>
+          </a:xfrm>
+        </p:spPr>
+        <p:txBody>
+          <a:bodyPr anchor="ctr"/>
+          <a:lstStyle>
+            <a:lvl1pPr algn="l">
               <a:buNone/>
-              <a:defRPr sz="2800"/>
-            </a:lvl2pPr>
-            <a:lvl3pPr marL="914400" indent="0">
-              <a:buNone/>
-              <a:defRPr sz="2400"/>
-            </a:lvl3pPr>
-            <a:lvl4pPr marL="1371600" indent="0">
-              <a:buNone/>
-              <a:defRPr sz="2000"/>
-            </a:lvl4pPr>
-            <a:lvl5pPr marL="1828800" indent="0">
-              <a:buNone/>
-              <a:defRPr sz="2000"/>
-            </a:lvl5pPr>
-            <a:lvl6pPr marL="2286000" indent="0">
-              <a:buNone/>
-              <a:defRPr sz="2000"/>
-            </a:lvl6pPr>
-            <a:lvl7pPr marL="2743200" indent="0">
-              <a:buNone/>
-              <a:defRPr sz="2000"/>
-            </a:lvl7pPr>
-            <a:lvl8pPr marL="3200400" indent="0">
-              <a:buNone/>
-              <a:defRPr sz="2000"/>
-            </a:lvl8pPr>
-            <a:lvl9pPr marL="3657600" indent="0">
-              <a:buNone/>
-              <a:defRPr sz="2000"/>
-            </a:lvl9pPr>
+              <a:defRPr sz="2000" b="1"/>
+            </a:lvl1pPr>
           </a:lstStyle>
           <a:p>
-            <a:endParaRPr lang="fr-FR"/>
-          </a:p>
-        </p:txBody>
-      </p:sp>
-      <p:sp>
-        <p:nvSpPr>
-          <p:cNvPr id="4" name="Espace réservé du texte 3"/>
+            <a:r>
+              <a:rPr kumimoji="0" lang="fr-FR" smtClean="0"/>
+              <a:t>Cliquez pour modifier le style du titre</a:t>
+            </a:r>
+            <a:endParaRPr kumimoji="0" lang="en-US"/>
+          </a:p>
+        </p:txBody>
+      </p:sp>
+      <p:sp>
+        <p:nvSpPr>
+          <p:cNvPr id="26" name="Espace réservé du texte 25"/>
           <p:cNvSpPr>
             <a:spLocks noGrp="1"/>
           </p:cNvSpPr>
@@ -2388,121 +2517,36 @@
         </p:nvSpPr>
         <p:spPr>
           <a:xfrm>
-            <a:off x="1792288" y="5367338"/>
-            <a:ext cx="5486400" cy="804862"/>
-          </a:xfrm>
-        </p:spPr>
-        <p:txBody>
-          <a:bodyPr/>
+            <a:off x="381000" y="5533218"/>
+            <a:ext cx="5867400" cy="768350"/>
+          </a:xfrm>
+        </p:spPr>
+        <p:txBody>
+          <a:bodyPr lIns="109728" tIns="0"/>
           <a:lstStyle>
             <a:lvl1pPr marL="0" indent="0">
               <a:buNone/>
               <a:defRPr sz="1400"/>
             </a:lvl1pPr>
-            <a:lvl2pPr marL="457200" indent="0">
-              <a:buNone/>
+            <a:lvl2pPr>
               <a:defRPr sz="1200"/>
             </a:lvl2pPr>
-            <a:lvl3pPr marL="914400" indent="0">
-              <a:buNone/>
+            <a:lvl3pPr>
               <a:defRPr sz="1000"/>
             </a:lvl3pPr>
-            <a:lvl4pPr marL="1371600" indent="0">
-              <a:buNone/>
+            <a:lvl4pPr>
               <a:defRPr sz="900"/>
             </a:lvl4pPr>
-            <a:lvl5pPr marL="1828800" indent="0">
-              <a:buNone/>
+            <a:lvl5pPr>
               <a:defRPr sz="900"/>
             </a:lvl5pPr>
-            <a:lvl6pPr marL="2286000" indent="0">
-              <a:buNone/>
-              <a:defRPr sz="900"/>
-            </a:lvl6pPr>
-            <a:lvl7pPr marL="2743200" indent="0">
-              <a:buNone/>
-              <a:defRPr sz="900"/>
-            </a:lvl7pPr>
-            <a:lvl8pPr marL="3200400" indent="0">
-              <a:buNone/>
-              <a:defRPr sz="900"/>
-            </a:lvl8pPr>
-            <a:lvl9pPr marL="3657600" indent="0">
-              <a:buNone/>
-              <a:defRPr sz="900"/>
-            </a:lvl9pPr>
           </a:lstStyle>
           <a:p>
-            <a:pPr lvl="0"/>
-            <a:r>
-              <a:rPr lang="fr-FR" smtClean="0"/>
+            <a:pPr lvl="0" eaLnBrk="1" latinLnBrk="0" hangingPunct="1"/>
+            <a:r>
+              <a:rPr kumimoji="0" lang="fr-FR" smtClean="0"/>
               <a:t>Cliquez pour modifier les styles du texte du masque</a:t>
             </a:r>
-          </a:p>
-        </p:txBody>
-      </p:sp>
-      <p:sp>
-        <p:nvSpPr>
-          <p:cNvPr id="5" name="Espace réservé de la date 4"/>
-          <p:cNvSpPr>
-            <a:spLocks noGrp="1"/>
-          </p:cNvSpPr>
-          <p:nvPr>
-            <p:ph type="dt" sz="half" idx="10"/>
-          </p:nvPr>
-        </p:nvSpPr>
-        <p:spPr/>
-        <p:txBody>
-          <a:bodyPr/>
-          <a:lstStyle/>
-          <a:p>
-            <a:fld id="{47E776F3-D1A9-4326-92FB-E3DA03CAF959}" type="datetimeFigureOut">
-              <a:rPr lang="fr-FR" smtClean="0"/>
-              <a:t>09/03/2011</a:t>
-            </a:fld>
-            <a:endParaRPr lang="fr-FR"/>
-          </a:p>
-        </p:txBody>
-      </p:sp>
-      <p:sp>
-        <p:nvSpPr>
-          <p:cNvPr id="6" name="Espace réservé du pied de page 5"/>
-          <p:cNvSpPr>
-            <a:spLocks noGrp="1"/>
-          </p:cNvSpPr>
-          <p:nvPr>
-            <p:ph type="ftr" sz="quarter" idx="11"/>
-          </p:nvPr>
-        </p:nvSpPr>
-        <p:spPr/>
-        <p:txBody>
-          <a:bodyPr/>
-          <a:lstStyle/>
-          <a:p>
-            <a:endParaRPr lang="fr-FR"/>
-          </a:p>
-        </p:txBody>
-      </p:sp>
-      <p:sp>
-        <p:nvSpPr>
-          <p:cNvPr id="7" name="Espace réservé du numéro de diapositive 6"/>
-          <p:cNvSpPr>
-            <a:spLocks noGrp="1"/>
-          </p:cNvSpPr>
-          <p:nvPr>
-            <p:ph type="sldNum" sz="quarter" idx="12"/>
-          </p:nvPr>
-        </p:nvSpPr>
-        <p:spPr/>
-        <p:txBody>
-          <a:bodyPr/>
-          <a:lstStyle/>
-          <a:p>
-            <a:fld id="{E72C3B2D-BBBB-479B-AFDA-7FCED602AFAD}" type="slidenum">
-              <a:rPr lang="fr-FR" smtClean="0"/>
-              <a:t>‹N°›</a:t>
-            </a:fld>
-            <a:endParaRPr lang="fr-FR"/>
           </a:p>
         </p:txBody>
       </p:sp>
@@ -2518,18 +2562,9 @@
 <p:sldMaster xmlns:a="http://schemas.openxmlformats.org/drawingml/2006/main" xmlns:r="http://schemas.openxmlformats.org/officeDocument/2006/relationships" xmlns:p="http://schemas.openxmlformats.org/presentationml/2006/main">
   <p:cSld>
     <p:bg>
-      <p:bgPr>
-        <a:blipFill dpi="0" rotWithShape="1">
-          <a:blip r:embed="rId13" cstate="print">
-            <a:lum/>
-          </a:blip>
-          <a:srcRect/>
-          <a:stretch>
-            <a:fillRect l="-1000" r="-1000"/>
-          </a:stretch>
-        </a:blipFill>
-        <a:effectLst/>
-      </p:bgPr>
+      <p:bgRef idx="1003">
+        <a:schemeClr val="bg2"/>
+      </p:bgRef>
     </p:bg>
     <p:spTree>
       <p:nvGrpSpPr>
@@ -2547,126 +2582,143 @@
       </p:grpSpPr>
       <p:sp>
         <p:nvSpPr>
-          <p:cNvPr id="2" name="Espace réservé du titre 1"/>
-          <p:cNvSpPr>
-            <a:spLocks noGrp="1"/>
-          </p:cNvSpPr>
-          <p:nvPr>
-            <p:ph type="title"/>
+          <p:cNvPr id="7" name="Connecteur droit 6"/>
+          <p:cNvSpPr>
+            <a:spLocks noChangeShapeType="1"/>
+          </p:cNvSpPr>
+          <p:nvPr/>
+        </p:nvSpPr>
+        <p:spPr bwMode="auto">
+          <a:xfrm>
+            <a:off x="514350" y="1050898"/>
+            <a:ext cx="8629650" cy="2381"/>
+          </a:xfrm>
+          <a:prstGeom prst="line">
+            <a:avLst/>
+          </a:prstGeom>
+          <a:noFill/>
+          <a:ln w="9525" cap="flat" cmpd="sng" algn="ctr">
+            <a:gradFill flip="none" rotWithShape="1">
+              <a:gsLst>
+                <a:gs pos="0">
+                  <a:schemeClr val="accent1">
+                    <a:alpha val="0"/>
+                  </a:schemeClr>
+                </a:gs>
+                <a:gs pos="17000">
+                  <a:schemeClr val="accent1"/>
+                </a:gs>
+                <a:gs pos="100000">
+                  <a:schemeClr val="accent1"/>
+                </a:gs>
+              </a:gsLst>
+              <a:lin ang="0" scaled="1"/>
+              <a:tileRect/>
+            </a:gradFill>
+            <a:prstDash val="solid"/>
+            <a:round/>
+            <a:headEnd type="none" w="med" len="med"/>
+            <a:tailEnd type="none" w="med" len="med"/>
+          </a:ln>
+          <a:effectLst/>
+        </p:spPr>
+        <p:txBody>
+          <a:bodyPr vert="horz" wrap="square" lIns="91440" tIns="45720" rIns="91440" bIns="45720" anchor="t" compatLnSpc="1"/>
+          <a:lstStyle/>
+          <a:p>
+            <a:endParaRPr kumimoji="0" lang="en-US"/>
+          </a:p>
+        </p:txBody>
+      </p:sp>
+      <p:sp>
+        <p:nvSpPr>
+          <p:cNvPr id="8" name="Espace réservé du texte 7"/>
+          <p:cNvSpPr>
+            <a:spLocks noGrp="1"/>
+          </p:cNvSpPr>
+          <p:nvPr>
+            <p:ph type="body" idx="1"/>
           </p:nvPr>
         </p:nvSpPr>
         <p:spPr>
           <a:xfrm>
-            <a:off x="457200" y="274638"/>
-            <a:ext cx="8229600" cy="1143000"/>
+            <a:off x="304800" y="1554162"/>
+            <a:ext cx="8686800" cy="4525963"/>
           </a:xfrm>
           <a:prstGeom prst="rect">
             <a:avLst/>
           </a:prstGeom>
         </p:spPr>
         <p:txBody>
-          <a:bodyPr vert="horz" lIns="91440" tIns="45720" rIns="91440" bIns="45720" rtlCol="0" anchor="ctr">
+          <a:bodyPr vert="horz">
             <a:normAutofit/>
           </a:bodyPr>
           <a:lstStyle/>
           <a:p>
-            <a:r>
-              <a:rPr lang="fr-FR" smtClean="0"/>
-              <a:t>Cliquez pour modifier le style du titre</a:t>
-            </a:r>
-            <a:endParaRPr lang="fr-FR"/>
-          </a:p>
-        </p:txBody>
-      </p:sp>
-      <p:sp>
-        <p:nvSpPr>
-          <p:cNvPr id="3" name="Espace réservé du texte 2"/>
-          <p:cNvSpPr>
-            <a:spLocks noGrp="1"/>
-          </p:cNvSpPr>
-          <p:nvPr>
-            <p:ph type="body" idx="1"/>
+            <a:pPr lvl="0" eaLnBrk="1" latinLnBrk="0" hangingPunct="1"/>
+            <a:r>
+              <a:rPr kumimoji="0" lang="fr-FR" smtClean="0"/>
+              <a:t>Cliquez pour modifier les styles du texte du masque</a:t>
+            </a:r>
+          </a:p>
+          <a:p>
+            <a:pPr lvl="1" eaLnBrk="1" latinLnBrk="0" hangingPunct="1"/>
+            <a:r>
+              <a:rPr kumimoji="0" lang="fr-FR" smtClean="0"/>
+              <a:t>Deuxième niveau</a:t>
+            </a:r>
+          </a:p>
+          <a:p>
+            <a:pPr lvl="2" eaLnBrk="1" latinLnBrk="0" hangingPunct="1"/>
+            <a:r>
+              <a:rPr kumimoji="0" lang="fr-FR" smtClean="0"/>
+              <a:t>Troisième niveau</a:t>
+            </a:r>
+          </a:p>
+          <a:p>
+            <a:pPr lvl="3" eaLnBrk="1" latinLnBrk="0" hangingPunct="1"/>
+            <a:r>
+              <a:rPr kumimoji="0" lang="fr-FR" smtClean="0"/>
+              <a:t>Quatrième niveau</a:t>
+            </a:r>
+          </a:p>
+          <a:p>
+            <a:pPr lvl="4" eaLnBrk="1" latinLnBrk="0" hangingPunct="1"/>
+            <a:r>
+              <a:rPr kumimoji="0" lang="fr-FR" smtClean="0"/>
+              <a:t>Cinquième niveau</a:t>
+            </a:r>
+            <a:endParaRPr kumimoji="0" lang="en-US"/>
+          </a:p>
+        </p:txBody>
+      </p:sp>
+      <p:sp>
+        <p:nvSpPr>
+          <p:cNvPr id="11" name="Espace réservé de la date 10"/>
+          <p:cNvSpPr>
+            <a:spLocks noGrp="1"/>
+          </p:cNvSpPr>
+          <p:nvPr>
+            <p:ph type="dt" sz="half" idx="2"/>
           </p:nvPr>
         </p:nvSpPr>
         <p:spPr>
           <a:xfrm>
-            <a:off x="457200" y="1600200"/>
-            <a:ext cx="8229600" cy="4525963"/>
+            <a:off x="6477000" y="76200"/>
+            <a:ext cx="2514600" cy="288925"/>
           </a:xfrm>
           <a:prstGeom prst="rect">
             <a:avLst/>
           </a:prstGeom>
         </p:spPr>
         <p:txBody>
-          <a:bodyPr vert="horz" lIns="91440" tIns="45720" rIns="91440" bIns="45720" rtlCol="0">
-            <a:normAutofit/>
-          </a:bodyPr>
-          <a:lstStyle/>
-          <a:p>
-            <a:pPr lvl="0"/>
-            <a:r>
-              <a:rPr lang="fr-FR" smtClean="0"/>
-              <a:t>Cliquez pour modifier les styles du texte du masque</a:t>
-            </a:r>
-          </a:p>
-          <a:p>
-            <a:pPr lvl="1"/>
-            <a:r>
-              <a:rPr lang="fr-FR" smtClean="0"/>
-              <a:t>Deuxième niveau</a:t>
-            </a:r>
-          </a:p>
-          <a:p>
-            <a:pPr lvl="2"/>
-            <a:r>
-              <a:rPr lang="fr-FR" smtClean="0"/>
-              <a:t>Troisième niveau</a:t>
-            </a:r>
-          </a:p>
-          <a:p>
-            <a:pPr lvl="3"/>
-            <a:r>
-              <a:rPr lang="fr-FR" smtClean="0"/>
-              <a:t>Quatrième niveau</a:t>
-            </a:r>
-          </a:p>
-          <a:p>
-            <a:pPr lvl="4"/>
-            <a:r>
-              <a:rPr lang="fr-FR" smtClean="0"/>
-              <a:t>Cinquième niveau</a:t>
-            </a:r>
-            <a:endParaRPr lang="fr-FR"/>
-          </a:p>
-        </p:txBody>
-      </p:sp>
-      <p:sp>
-        <p:nvSpPr>
-          <p:cNvPr id="4" name="Espace réservé de la date 3"/>
-          <p:cNvSpPr>
-            <a:spLocks noGrp="1"/>
-          </p:cNvSpPr>
-          <p:nvPr>
-            <p:ph type="dt" sz="half" idx="2"/>
-          </p:nvPr>
-        </p:nvSpPr>
-        <p:spPr>
-          <a:xfrm>
-            <a:off x="457200" y="6356350"/>
-            <a:ext cx="2133600" cy="365125"/>
-          </a:xfrm>
-          <a:prstGeom prst="rect">
-            <a:avLst/>
-          </a:prstGeom>
-        </p:spPr>
-        <p:txBody>
-          <a:bodyPr vert="horz" lIns="91440" tIns="45720" rIns="91440" bIns="45720" rtlCol="0" anchor="ctr"/>
+          <a:bodyPr vert="horz"/>
           <a:lstStyle>
-            <a:lvl1pPr algn="l">
-              <a:defRPr sz="1200">
+            <a:lvl1pPr algn="l" eaLnBrk="1" latinLnBrk="0" hangingPunct="1">
+              <a:defRPr kumimoji="0" sz="1200">
                 <a:solidFill>
-                  <a:schemeClr val="tx1">
-                    <a:tint val="75000"/>
+                  <a:schemeClr val="accent1">
+                    <a:shade val="75000"/>
                   </a:schemeClr>
                 </a:solidFill>
               </a:defRPr>
@@ -2675,6 +2727,7 @@
           <a:p>
             <a:fld id="{47E776F3-D1A9-4326-92FB-E3DA03CAF959}" type="datetimeFigureOut">
               <a:rPr lang="fr-FR" smtClean="0"/>
+              <a:pPr/>
               <a:t>09/03/2011</a:t>
             </a:fld>
             <a:endParaRPr lang="fr-FR"/>
@@ -2683,7 +2736,7 @@
       </p:sp>
       <p:sp>
         <p:nvSpPr>
-          <p:cNvPr id="5" name="Espace réservé du pied de page 4"/>
+          <p:cNvPr id="28" name="Espace réservé du pied de page 27"/>
           <p:cNvSpPr>
             <a:spLocks noGrp="1"/>
           </p:cNvSpPr>
@@ -2693,21 +2746,21 @@
         </p:nvSpPr>
         <p:spPr>
           <a:xfrm>
-            <a:off x="3124200" y="6356350"/>
-            <a:ext cx="2895600" cy="365125"/>
+            <a:off x="3124200" y="76200"/>
+            <a:ext cx="3352800" cy="288925"/>
           </a:xfrm>
           <a:prstGeom prst="rect">
             <a:avLst/>
           </a:prstGeom>
         </p:spPr>
         <p:txBody>
-          <a:bodyPr vert="horz" lIns="91440" tIns="45720" rIns="91440" bIns="45720" rtlCol="0" anchor="ctr"/>
+          <a:bodyPr vert="horz"/>
           <a:lstStyle>
-            <a:lvl1pPr algn="ctr">
-              <a:defRPr sz="1200">
+            <a:lvl1pPr algn="r" eaLnBrk="1" latinLnBrk="0" hangingPunct="1">
+              <a:defRPr kumimoji="0" sz="1200">
                 <a:solidFill>
-                  <a:schemeClr val="tx1">
-                    <a:tint val="75000"/>
+                  <a:schemeClr val="accent1">
+                    <a:shade val="75000"/>
                   </a:schemeClr>
                 </a:solidFill>
               </a:defRPr>
@@ -2720,7 +2773,7 @@
       </p:sp>
       <p:sp>
         <p:nvSpPr>
-          <p:cNvPr id="6" name="Espace réservé du numéro de diapositive 5"/>
+          <p:cNvPr id="5" name="Espace réservé du numéro de diapositive 4"/>
           <p:cNvSpPr>
             <a:spLocks noGrp="1"/>
           </p:cNvSpPr>
@@ -2730,21 +2783,21 @@
         </p:nvSpPr>
         <p:spPr>
           <a:xfrm>
-            <a:off x="6553200" y="6356350"/>
-            <a:ext cx="2133600" cy="365125"/>
+            <a:off x="8229600" y="6477000"/>
+            <a:ext cx="762000" cy="244475"/>
           </a:xfrm>
           <a:prstGeom prst="rect">
             <a:avLst/>
           </a:prstGeom>
         </p:spPr>
         <p:txBody>
-          <a:bodyPr vert="horz" lIns="91440" tIns="45720" rIns="91440" bIns="45720" rtlCol="0" anchor="ctr"/>
+          <a:bodyPr vert="horz"/>
           <a:lstStyle>
-            <a:lvl1pPr algn="r">
-              <a:defRPr sz="1200">
+            <a:lvl1pPr algn="r" eaLnBrk="1" latinLnBrk="0" hangingPunct="1">
+              <a:defRPr kumimoji="0" sz="1200">
                 <a:solidFill>
-                  <a:schemeClr val="tx1">
-                    <a:tint val="75000"/>
+                  <a:schemeClr val="accent1">
+                    <a:shade val="75000"/>
                   </a:schemeClr>
                 </a:solidFill>
               </a:defRPr>
@@ -2753,9 +2806,143 @@
           <a:p>
             <a:fld id="{E72C3B2D-BBBB-479B-AFDA-7FCED602AFAD}" type="slidenum">
               <a:rPr lang="fr-FR" smtClean="0"/>
+              <a:pPr/>
               <a:t>‹N°›</a:t>
             </a:fld>
             <a:endParaRPr lang="fr-FR"/>
+          </a:p>
+        </p:txBody>
+      </p:sp>
+      <p:sp>
+        <p:nvSpPr>
+          <p:cNvPr id="10" name="Espace réservé du titre 9"/>
+          <p:cNvSpPr>
+            <a:spLocks noGrp="1"/>
+          </p:cNvSpPr>
+          <p:nvPr>
+            <p:ph type="title"/>
+          </p:nvPr>
+        </p:nvSpPr>
+        <p:spPr>
+          <a:xfrm>
+            <a:off x="304800" y="457200"/>
+            <a:ext cx="8686800" cy="838200"/>
+          </a:xfrm>
+          <a:prstGeom prst="rect">
+            <a:avLst/>
+          </a:prstGeom>
+        </p:spPr>
+        <p:txBody>
+          <a:bodyPr vert="horz" anchor="ctr">
+            <a:normAutofit/>
+          </a:bodyPr>
+          <a:lstStyle/>
+          <a:p>
+            <a:r>
+              <a:rPr kumimoji="0" lang="fr-FR" smtClean="0"/>
+              <a:t>Cliquez pour modifier le style du titre</a:t>
+            </a:r>
+            <a:endParaRPr kumimoji="0" lang="en-US"/>
+          </a:p>
+        </p:txBody>
+      </p:sp>
+      <p:sp>
+        <p:nvSpPr>
+          <p:cNvPr id="9" name="Connecteur droit 8"/>
+          <p:cNvSpPr>
+            <a:spLocks noChangeShapeType="1"/>
+          </p:cNvSpPr>
+          <p:nvPr/>
+        </p:nvSpPr>
+        <p:spPr bwMode="auto">
+          <a:xfrm>
+            <a:off x="514350" y="1050898"/>
+            <a:ext cx="8629650" cy="2381"/>
+          </a:xfrm>
+          <a:prstGeom prst="line">
+            <a:avLst/>
+          </a:prstGeom>
+          <a:noFill/>
+          <a:ln w="9525" cap="flat" cmpd="sng" algn="ctr">
+            <a:gradFill flip="none" rotWithShape="1">
+              <a:gsLst>
+                <a:gs pos="0">
+                  <a:schemeClr val="accent1">
+                    <a:alpha val="0"/>
+                  </a:schemeClr>
+                </a:gs>
+                <a:gs pos="17000">
+                  <a:schemeClr val="accent1"/>
+                </a:gs>
+                <a:gs pos="100000">
+                  <a:schemeClr val="accent1"/>
+                </a:gs>
+              </a:gsLst>
+              <a:lin ang="0" scaled="1"/>
+              <a:tileRect/>
+            </a:gradFill>
+            <a:prstDash val="solid"/>
+            <a:round/>
+            <a:headEnd type="none" w="med" len="med"/>
+            <a:tailEnd type="none" w="med" len="med"/>
+          </a:ln>
+          <a:effectLst/>
+        </p:spPr>
+        <p:txBody>
+          <a:bodyPr vert="horz" wrap="square" lIns="91440" tIns="45720" rIns="91440" bIns="45720" anchor="t" compatLnSpc="1"/>
+          <a:lstStyle/>
+          <a:p>
+            <a:endParaRPr kumimoji="0" lang="en-US"/>
+          </a:p>
+        </p:txBody>
+      </p:sp>
+      <p:sp>
+        <p:nvSpPr>
+          <p:cNvPr id="12" name="Connecteur droit 11"/>
+          <p:cNvSpPr>
+            <a:spLocks noChangeShapeType="1"/>
+          </p:cNvSpPr>
+          <p:nvPr/>
+        </p:nvSpPr>
+        <p:spPr bwMode="auto">
+          <a:xfrm>
+            <a:off x="514350" y="1057986"/>
+            <a:ext cx="8629650" cy="2381"/>
+          </a:xfrm>
+          <a:prstGeom prst="line">
+            <a:avLst/>
+          </a:prstGeom>
+          <a:noFill/>
+          <a:ln w="9525" cap="flat" cmpd="sng" algn="ctr">
+            <a:gradFill flip="none" rotWithShape="1">
+              <a:gsLst>
+                <a:gs pos="0">
+                  <a:schemeClr val="accent1">
+                    <a:alpha val="0"/>
+                  </a:schemeClr>
+                </a:gs>
+                <a:gs pos="17000">
+                  <a:schemeClr val="accent1"/>
+                </a:gs>
+                <a:gs pos="100000">
+                  <a:schemeClr val="accent1"/>
+                </a:gs>
+              </a:gsLst>
+              <a:lin ang="0" scaled="1"/>
+              <a:tileRect/>
+            </a:gradFill>
+            <a:prstDash val="solid"/>
+            <a:round/>
+            <a:headEnd type="none" w="med" len="med"/>
+            <a:tailEnd type="none" w="med" len="med"/>
+          </a:ln>
+          <a:effectLst/>
+        </p:spPr>
+        <p:txBody>
+          <a:bodyPr vert="horz" wrap="square" lIns="91440" tIns="45720" rIns="91440" bIns="45720" anchor="t" compatLnSpc="1"/>
+          <a:lstStyle/>
+          <a:p>
+            <a:endParaRPr kumimoji="0" lang="en-US"/>
           </a:p>
         </p:txBody>
       </p:sp>
@@ -2763,29 +2950,32 @@
   </p:cSld>
   <p:clrMap bg1="lt1" tx1="dk1" bg2="lt2" tx2="dk2" accent1="accent1" accent2="accent2" accent3="accent3" accent4="accent4" accent5="accent5" accent6="accent6" hlink="hlink" folHlink="folHlink"/>
   <p:sldLayoutIdLst>
-    <p:sldLayoutId id="2147483649" r:id="rId1"/>
-    <p:sldLayoutId id="2147483650" r:id="rId2"/>
-    <p:sldLayoutId id="2147483651" r:id="rId3"/>
-    <p:sldLayoutId id="2147483652" r:id="rId4"/>
-    <p:sldLayoutId id="2147483653" r:id="rId5"/>
-    <p:sldLayoutId id="2147483654" r:id="rId6"/>
-    <p:sldLayoutId id="2147483655" r:id="rId7"/>
-    <p:sldLayoutId id="2147483656" r:id="rId8"/>
-    <p:sldLayoutId id="2147483657" r:id="rId9"/>
-    <p:sldLayoutId id="2147483658" r:id="rId10"/>
-    <p:sldLayoutId id="2147483659" r:id="rId11"/>
+    <p:sldLayoutId id="2147483781" r:id="rId1"/>
+    <p:sldLayoutId id="2147483782" r:id="rId2"/>
+    <p:sldLayoutId id="2147483783" r:id="rId3"/>
+    <p:sldLayoutId id="2147483784" r:id="rId4"/>
+    <p:sldLayoutId id="2147483785" r:id="rId5"/>
+    <p:sldLayoutId id="2147483786" r:id="rId6"/>
+    <p:sldLayoutId id="2147483787" r:id="rId7"/>
+    <p:sldLayoutId id="2147483788" r:id="rId8"/>
+    <p:sldLayoutId id="2147483789" r:id="rId9"/>
+    <p:sldLayoutId id="2147483790" r:id="rId10"/>
+    <p:sldLayoutId id="2147483791" r:id="rId11"/>
   </p:sldLayoutIdLst>
   <p:txStyles>
     <p:titleStyle>
-      <a:lvl1pPr algn="ctr" defTabSz="914400" rtl="0" eaLnBrk="1" latinLnBrk="0" hangingPunct="1">
+      <a:lvl1pPr algn="l" rtl="0" eaLnBrk="1" latinLnBrk="0" hangingPunct="1">
         <a:spcBef>
           <a:spcPct val="0"/>
         </a:spcBef>
         <a:buNone/>
-        <a:defRPr sz="4400" kern="1200">
+        <a:defRPr kumimoji="0" sz="3600" kern="1200" cap="all" baseline="0">
           <a:solidFill>
-            <a:schemeClr val="tx1"/>
+            <a:schemeClr val="tx2"/>
           </a:solidFill>
+          <a:effectLst>
+            <a:reflection blurRad="12700" stA="48000" endA="300" endPos="55000" dir="5400000" sy="-90000" algn="bl" rotWithShape="0"/>
+          </a:effectLst>
           <a:latin typeface="+mj-lt"/>
           <a:ea typeface="+mj-ea"/>
           <a:cs typeface="+mj-cs"/>
@@ -2793,13 +2983,181 @@
       </a:lvl1pPr>
     </p:titleStyle>
     <p:bodyStyle>
-      <a:lvl1pPr marL="342900" indent="-342900" algn="l" defTabSz="914400" rtl="0" eaLnBrk="1" latinLnBrk="0" hangingPunct="1">
+      <a:lvl1pPr marL="342900" indent="-342900" algn="l" rtl="0" eaLnBrk="1" latinLnBrk="0" hangingPunct="1">
         <a:spcBef>
           <a:spcPct val="20000"/>
         </a:spcBef>
-        <a:buFont typeface="Arial" pitchFamily="34" charset="0"/>
-        <a:buChar char="•"/>
-        <a:defRPr sz="3200" kern="1200">
+        <a:buClr>
+          <a:schemeClr val="accent1"/>
+        </a:buClr>
+        <a:buSzPct val="70000"/>
+        <a:buFont typeface="Wingdings 2"/>
+        <a:buChar char=""/>
+        <a:defRPr kumimoji="0" sz="3200" kern="1200">
+          <a:solidFill>
+            <a:schemeClr val="tx2"/>
+          </a:solidFill>
+          <a:latin typeface="+mn-lt"/>
+          <a:ea typeface="+mn-ea"/>
+          <a:cs typeface="+mn-cs"/>
+        </a:defRPr>
+      </a:lvl1pPr>
+      <a:lvl2pPr marL="742950" indent="-285750" algn="l" rtl="0" eaLnBrk="1" latinLnBrk="0" hangingPunct="1">
+        <a:spcBef>
+          <a:spcPct val="20000"/>
+        </a:spcBef>
+        <a:buClr>
+          <a:schemeClr val="accent1"/>
+        </a:buClr>
+        <a:buSzPct val="70000"/>
+        <a:buFont typeface="Wingdings 2"/>
+        <a:buChar char=""/>
+        <a:defRPr kumimoji="0" sz="2800" kern="1200">
+          <a:solidFill>
+            <a:schemeClr val="tx2"/>
+          </a:solidFill>
+          <a:latin typeface="+mn-lt"/>
+          <a:ea typeface="+mn-ea"/>
+          <a:cs typeface="+mn-cs"/>
+        </a:defRPr>
+      </a:lvl2pPr>
+      <a:lvl3pPr marL="1143000" indent="-228600" algn="l" rtl="0" eaLnBrk="1" latinLnBrk="0" hangingPunct="1">
+        <a:spcBef>
+          <a:spcPct val="20000"/>
+        </a:spcBef>
+        <a:buClr>
+          <a:schemeClr val="accent1"/>
+        </a:buClr>
+        <a:buSzPct val="70000"/>
+        <a:buFont typeface="Wingdings 2"/>
+        <a:buChar char=""/>
+        <a:defRPr kumimoji="0" sz="2400" kern="1200">
+          <a:solidFill>
+            <a:schemeClr val="tx2"/>
+          </a:solidFill>
+          <a:latin typeface="+mn-lt"/>
+          <a:ea typeface="+mn-ea"/>
+          <a:cs typeface="+mn-cs"/>
+        </a:defRPr>
+      </a:lvl3pPr>
+      <a:lvl4pPr marL="1600200" indent="-228600" algn="l" rtl="0" eaLnBrk="1" latinLnBrk="0" hangingPunct="1">
+        <a:spcBef>
+          <a:spcPct val="20000"/>
+        </a:spcBef>
+        <a:buClr>
+          <a:schemeClr val="accent1"/>
+        </a:buClr>
+        <a:buSzPct val="70000"/>
+        <a:buFont typeface="Wingdings 2"/>
+        <a:buChar char=""/>
+        <a:defRPr kumimoji="0" sz="2000" kern="1200">
+          <a:solidFill>
+            <a:schemeClr val="tx2"/>
+          </a:solidFill>
+          <a:latin typeface="+mn-lt"/>
+          <a:ea typeface="+mn-ea"/>
+          <a:cs typeface="+mn-cs"/>
+        </a:defRPr>
+      </a:lvl4pPr>
+      <a:lvl5pPr marL="2057400" indent="-228600" algn="l" rtl="0" eaLnBrk="1" latinLnBrk="0" hangingPunct="1">
+        <a:spcBef>
+          <a:spcPct val="20000"/>
+        </a:spcBef>
+        <a:buClr>
+          <a:schemeClr val="accent1"/>
+        </a:buClr>
+        <a:buSzPct val="60000"/>
+        <a:buFont typeface="Wingdings 2"/>
+        <a:buChar char=""/>
+        <a:defRPr kumimoji="0" sz="1800" kern="1200">
+          <a:solidFill>
+            <a:schemeClr val="tx2"/>
+          </a:solidFill>
+          <a:latin typeface="+mn-lt"/>
+          <a:ea typeface="+mn-ea"/>
+          <a:cs typeface="+mn-cs"/>
+        </a:defRPr>
+      </a:lvl5pPr>
+      <a:lvl6pPr marL="2514600" indent="-228600" algn="l" rtl="0" eaLnBrk="1" latinLnBrk="0" hangingPunct="1">
+        <a:spcBef>
+          <a:spcPct val="20000"/>
+        </a:spcBef>
+        <a:buClr>
+          <a:schemeClr val="accent1"/>
+        </a:buClr>
+        <a:buSzPct val="60000"/>
+        <a:buFont typeface="Wingdings 2"/>
+        <a:buChar char=""/>
+        <a:defRPr kumimoji="0" sz="1800" kern="1200">
+          <a:solidFill>
+            <a:schemeClr val="tx2"/>
+          </a:solidFill>
+          <a:latin typeface="+mn-lt"/>
+          <a:ea typeface="+mn-ea"/>
+          <a:cs typeface="+mn-cs"/>
+        </a:defRPr>
+      </a:lvl6pPr>
+      <a:lvl7pPr marL="2971800" indent="-228600" algn="l" rtl="0" eaLnBrk="1" latinLnBrk="0" hangingPunct="1">
+        <a:spcBef>
+          <a:spcPct val="20000"/>
+        </a:spcBef>
+        <a:buClr>
+          <a:schemeClr val="accent1"/>
+        </a:buClr>
+        <a:buSzPct val="60000"/>
+        <a:buFont typeface="Wingdings 2"/>
+        <a:buChar char=""/>
+        <a:defRPr kumimoji="0" sz="1600" kern="1200">
+          <a:solidFill>
+            <a:schemeClr val="tx2"/>
+          </a:solidFill>
+          <a:latin typeface="+mn-lt"/>
+          <a:ea typeface="+mn-ea"/>
+          <a:cs typeface="+mn-cs"/>
+        </a:defRPr>
+      </a:lvl7pPr>
+      <a:lvl8pPr marL="3429000" indent="-228600" algn="l" rtl="0" eaLnBrk="1" latinLnBrk="0" hangingPunct="1">
+        <a:spcBef>
+          <a:spcPct val="20000"/>
+        </a:spcBef>
+        <a:buClr>
+          <a:schemeClr val="accent1"/>
+        </a:buClr>
+        <a:buSzPct val="60000"/>
+        <a:buFont typeface="Wingdings 2"/>
+        <a:buChar char=""/>
+        <a:defRPr kumimoji="0" sz="1600" kern="1200" baseline="0">
+          <a:solidFill>
+            <a:schemeClr val="tx2"/>
+          </a:solidFill>
+          <a:latin typeface="+mn-lt"/>
+          <a:ea typeface="+mn-ea"/>
+          <a:cs typeface="+mn-cs"/>
+        </a:defRPr>
+      </a:lvl8pPr>
+      <a:lvl9pPr marL="3886200" indent="-228600" algn="l" rtl="0" eaLnBrk="1" latinLnBrk="0" hangingPunct="1">
+        <a:spcBef>
+          <a:spcPct val="20000"/>
+        </a:spcBef>
+        <a:buClr>
+          <a:schemeClr val="accent1"/>
+        </a:buClr>
+        <a:buSzPct val="60000"/>
+        <a:buFont typeface="Wingdings 2"/>
+        <a:buChar char=""/>
+        <a:defRPr kumimoji="0" sz="1400" kern="1200" baseline="0">
+          <a:solidFill>
+            <a:schemeClr val="tx2"/>
+          </a:solidFill>
+          <a:latin typeface="+mn-lt"/>
+          <a:ea typeface="+mn-ea"/>
+          <a:cs typeface="+mn-cs"/>
+        </a:defRPr>
+      </a:lvl9pPr>
+    </p:bodyStyle>
+    <p:otherStyle>
+      <a:lvl1pPr marL="0" algn="l" rtl="0" eaLnBrk="1" latinLnBrk="0" hangingPunct="1">
+        <a:defRPr kumimoji="0" kern="1200">
           <a:solidFill>
             <a:schemeClr val="tx1"/>
           </a:solidFill>
@@ -2808,13 +3166,8 @@
           <a:cs typeface="+mn-cs"/>
         </a:defRPr>
       </a:lvl1pPr>
-      <a:lvl2pPr marL="742950" indent="-285750" algn="l" defTabSz="914400" rtl="0" eaLnBrk="1" latinLnBrk="0" hangingPunct="1">
-        <a:spcBef>
-          <a:spcPct val="20000"/>
-        </a:spcBef>
-        <a:buFont typeface="Arial" pitchFamily="34" charset="0"/>
-        <a:buChar char="–"/>
-        <a:defRPr sz="2800" kern="1200">
+      <a:lvl2pPr marL="457200" algn="l" rtl="0" eaLnBrk="1" latinLnBrk="0" hangingPunct="1">
+        <a:defRPr kumimoji="0" kern="1200">
           <a:solidFill>
             <a:schemeClr val="tx1"/>
           </a:solidFill>
@@ -2823,13 +3176,8 @@
           <a:cs typeface="+mn-cs"/>
         </a:defRPr>
       </a:lvl2pPr>
-      <a:lvl3pPr marL="1143000" indent="-228600" algn="l" defTabSz="914400" rtl="0" eaLnBrk="1" latinLnBrk="0" hangingPunct="1">
-        <a:spcBef>
-          <a:spcPct val="20000"/>
-        </a:spcBef>
-        <a:buFont typeface="Arial" pitchFamily="34" charset="0"/>
-        <a:buChar char="•"/>
-        <a:defRPr sz="2400" kern="1200">
+      <a:lvl3pPr marL="914400" algn="l" rtl="0" eaLnBrk="1" latinLnBrk="0" hangingPunct="1">
+        <a:defRPr kumimoji="0" kern="1200">
           <a:solidFill>
             <a:schemeClr val="tx1"/>
           </a:solidFill>
@@ -2838,13 +3186,8 @@
           <a:cs typeface="+mn-cs"/>
         </a:defRPr>
       </a:lvl3pPr>
-      <a:lvl4pPr marL="1600200" indent="-228600" algn="l" defTabSz="914400" rtl="0" eaLnBrk="1" latinLnBrk="0" hangingPunct="1">
-        <a:spcBef>
-          <a:spcPct val="20000"/>
-        </a:spcBef>
-        <a:buFont typeface="Arial" pitchFamily="34" charset="0"/>
-        <a:buChar char="–"/>
-        <a:defRPr sz="2000" kern="1200">
+      <a:lvl4pPr marL="1371600" algn="l" rtl="0" eaLnBrk="1" latinLnBrk="0" hangingPunct="1">
+        <a:defRPr kumimoji="0" kern="1200">
           <a:solidFill>
             <a:schemeClr val="tx1"/>
           </a:solidFill>
@@ -2853,13 +3196,8 @@
           <a:cs typeface="+mn-cs"/>
         </a:defRPr>
       </a:lvl4pPr>
-      <a:lvl5pPr marL="2057400" indent="-228600" algn="l" defTabSz="914400" rtl="0" eaLnBrk="1" latinLnBrk="0" hangingPunct="1">
-        <a:spcBef>
-          <a:spcPct val="20000"/>
-        </a:spcBef>
-        <a:buFont typeface="Arial" pitchFamily="34" charset="0"/>
-        <a:buChar char="»"/>
-        <a:defRPr sz="2000" kern="1200">
+      <a:lvl5pPr marL="1828800" algn="l" rtl="0" eaLnBrk="1" latinLnBrk="0" hangingPunct="1">
+        <a:defRPr kumimoji="0" kern="1200">
           <a:solidFill>
             <a:schemeClr val="tx1"/>
           </a:solidFill>
@@ -2868,13 +3206,8 @@
           <a:cs typeface="+mn-cs"/>
         </a:defRPr>
       </a:lvl5pPr>
-      <a:lvl6pPr marL="2514600" indent="-228600" algn="l" defTabSz="914400" rtl="0" eaLnBrk="1" latinLnBrk="0" hangingPunct="1">
-        <a:spcBef>
-          <a:spcPct val="20000"/>
-        </a:spcBef>
-        <a:buFont typeface="Arial" pitchFamily="34" charset="0"/>
-        <a:buChar char="•"/>
-        <a:defRPr sz="2000" kern="1200">
+      <a:lvl6pPr marL="2286000" algn="l" rtl="0" eaLnBrk="1" latinLnBrk="0" hangingPunct="1">
+        <a:defRPr kumimoji="0" kern="1200">
           <a:solidFill>
             <a:schemeClr val="tx1"/>
           </a:solidFill>
@@ -2883,13 +3216,8 @@
           <a:cs typeface="+mn-cs"/>
         </a:defRPr>
       </a:lvl6pPr>
-      <a:lvl7pPr marL="2971800" indent="-228600" algn="l" defTabSz="914400" rtl="0" eaLnBrk="1" latinLnBrk="0" hangingPunct="1">
-        <a:spcBef>
-          <a:spcPct val="20000"/>
-        </a:spcBef>
-        <a:buFont typeface="Arial" pitchFamily="34" charset="0"/>
-        <a:buChar char="•"/>
-        <a:defRPr sz="2000" kern="1200">
+      <a:lvl7pPr marL="2743200" algn="l" rtl="0" eaLnBrk="1" latinLnBrk="0" hangingPunct="1">
+        <a:defRPr kumimoji="0" kern="1200">
           <a:solidFill>
             <a:schemeClr val="tx1"/>
           </a:solidFill>
@@ -2898,13 +3226,8 @@
           <a:cs typeface="+mn-cs"/>
         </a:defRPr>
       </a:lvl7pPr>
-      <a:lvl8pPr marL="3429000" indent="-228600" algn="l" defTabSz="914400" rtl="0" eaLnBrk="1" latinLnBrk="0" hangingPunct="1">
-        <a:spcBef>
-          <a:spcPct val="20000"/>
-        </a:spcBef>
-        <a:buFont typeface="Arial" pitchFamily="34" charset="0"/>
-        <a:buChar char="•"/>
-        <a:defRPr sz="2000" kern="1200">
+      <a:lvl8pPr marL="3200400" algn="l" rtl="0" eaLnBrk="1" latinLnBrk="0" hangingPunct="1">
+        <a:defRPr kumimoji="0" kern="1200">
           <a:solidFill>
             <a:schemeClr val="tx1"/>
           </a:solidFill>
@@ -2913,108 +3236,8 @@
           <a:cs typeface="+mn-cs"/>
         </a:defRPr>
       </a:lvl8pPr>
-      <a:lvl9pPr marL="3886200" indent="-228600" algn="l" defTabSz="914400" rtl="0" eaLnBrk="1" latinLnBrk="0" hangingPunct="1">
-        <a:spcBef>
-          <a:spcPct val="20000"/>
-        </a:spcBef>
-        <a:buFont typeface="Arial" pitchFamily="34" charset="0"/>
-        <a:buChar char="•"/>
-        <a:defRPr sz="2000" kern="1200">
-          <a:solidFill>
-            <a:schemeClr val="tx1"/>
-          </a:solidFill>
-          <a:latin typeface="+mn-lt"/>
-          <a:ea typeface="+mn-ea"/>
-          <a:cs typeface="+mn-cs"/>
-        </a:defRPr>
-      </a:lvl9pPr>
-    </p:bodyStyle>
-    <p:otherStyle>
-      <a:defPPr>
-        <a:defRPr lang="fr-FR"/>
-      </a:defPPr>
-      <a:lvl1pPr marL="0" algn="l" defTabSz="914400" rtl="0" eaLnBrk="1" latinLnBrk="0" hangingPunct="1">
-        <a:defRPr sz="1800" kern="1200">
-          <a:solidFill>
-            <a:schemeClr val="tx1"/>
-          </a:solidFill>
-          <a:latin typeface="+mn-lt"/>
-          <a:ea typeface="+mn-ea"/>
-          <a:cs typeface="+mn-cs"/>
-        </a:defRPr>
-      </a:lvl1pPr>
-      <a:lvl2pPr marL="457200" algn="l" defTabSz="914400" rtl="0" eaLnBrk="1" latinLnBrk="0" hangingPunct="1">
-        <a:defRPr sz="1800" kern="1200">
-          <a:solidFill>
-            <a:schemeClr val="tx1"/>
-          </a:solidFill>
-          <a:latin typeface="+mn-lt"/>
-          <a:ea typeface="+mn-ea"/>
-          <a:cs typeface="+mn-cs"/>
-        </a:defRPr>
-      </a:lvl2pPr>
-      <a:lvl3pPr marL="914400" algn="l" defTabSz="914400" rtl="0" eaLnBrk="1" latinLnBrk="0" hangingPunct="1">
-        <a:defRPr sz="1800" kern="1200">
-          <a:solidFill>
-            <a:schemeClr val="tx1"/>
-          </a:solidFill>
-          <a:latin typeface="+mn-lt"/>
-          <a:ea typeface="+mn-ea"/>
-          <a:cs typeface="+mn-cs"/>
-        </a:defRPr>
-      </a:lvl3pPr>
-      <a:lvl4pPr marL="1371600" algn="l" defTabSz="914400" rtl="0" eaLnBrk="1" latinLnBrk="0" hangingPunct="1">
-        <a:defRPr sz="1800" kern="1200">
-          <a:solidFill>
-            <a:schemeClr val="tx1"/>
-          </a:solidFill>
-          <a:latin typeface="+mn-lt"/>
-          <a:ea typeface="+mn-ea"/>
-          <a:cs typeface="+mn-cs"/>
-        </a:defRPr>
-      </a:lvl4pPr>
-      <a:lvl5pPr marL="1828800" algn="l" defTabSz="914400" rtl="0" eaLnBrk="1" latinLnBrk="0" hangingPunct="1">
-        <a:defRPr sz="1800" kern="1200">
-          <a:solidFill>
-            <a:schemeClr val="tx1"/>
-          </a:solidFill>
-          <a:latin typeface="+mn-lt"/>
-          <a:ea typeface="+mn-ea"/>
-          <a:cs typeface="+mn-cs"/>
-        </a:defRPr>
-      </a:lvl5pPr>
-      <a:lvl6pPr marL="2286000" algn="l" defTabSz="914400" rtl="0" eaLnBrk="1" latinLnBrk="0" hangingPunct="1">
-        <a:defRPr sz="1800" kern="1200">
-          <a:solidFill>
-            <a:schemeClr val="tx1"/>
-          </a:solidFill>
-          <a:latin typeface="+mn-lt"/>
-          <a:ea typeface="+mn-ea"/>
-          <a:cs typeface="+mn-cs"/>
-        </a:defRPr>
-      </a:lvl6pPr>
-      <a:lvl7pPr marL="2743200" algn="l" defTabSz="914400" rtl="0" eaLnBrk="1" latinLnBrk="0" hangingPunct="1">
-        <a:defRPr sz="1800" kern="1200">
-          <a:solidFill>
-            <a:schemeClr val="tx1"/>
-          </a:solidFill>
-          <a:latin typeface="+mn-lt"/>
-          <a:ea typeface="+mn-ea"/>
-          <a:cs typeface="+mn-cs"/>
-        </a:defRPr>
-      </a:lvl7pPr>
-      <a:lvl8pPr marL="3200400" algn="l" defTabSz="914400" rtl="0" eaLnBrk="1" latinLnBrk="0" hangingPunct="1">
-        <a:defRPr sz="1800" kern="1200">
-          <a:solidFill>
-            <a:schemeClr val="tx1"/>
-          </a:solidFill>
-          <a:latin typeface="+mn-lt"/>
-          <a:ea typeface="+mn-ea"/>
-          <a:cs typeface="+mn-cs"/>
-        </a:defRPr>
-      </a:lvl8pPr>
-      <a:lvl9pPr marL="3657600" algn="l" defTabSz="914400" rtl="0" eaLnBrk="1" latinLnBrk="0" hangingPunct="1">
-        <a:defRPr sz="1800" kern="1200">
+      <a:lvl9pPr marL="3657600" algn="l" rtl="0" eaLnBrk="1" latinLnBrk="0" hangingPunct="1">
+        <a:defRPr kumimoji="0" kern="1200">
           <a:solidFill>
             <a:schemeClr val="tx1"/>
           </a:solidFill>
@@ -3047,56 +3270,73 @@
       </p:grpSpPr>
       <p:sp>
         <p:nvSpPr>
-          <p:cNvPr id="6" name="Rectangle 5"/>
-          <p:cNvSpPr/>
-          <p:nvPr/>
-        </p:nvSpPr>
-        <p:spPr>
-          <a:xfrm>
-            <a:off x="0" y="0"/>
-            <a:ext cx="9144000" cy="6858000"/>
-          </a:xfrm>
-          <a:prstGeom prst="rect">
-            <a:avLst/>
-          </a:prstGeom>
-        </p:spPr>
-        <p:style>
-          <a:lnRef idx="2">
-            <a:schemeClr val="accent1"/>
-          </a:lnRef>
-          <a:fillRef idx="1">
-            <a:schemeClr val="lt1"/>
-          </a:fillRef>
-          <a:effectRef idx="0">
-            <a:schemeClr val="accent1"/>
-          </a:effectRef>
-          <a:fontRef idx="minor">
-            <a:schemeClr val="dk1"/>
-          </a:fontRef>
-        </p:style>
-        <p:txBody>
-          <a:bodyPr rtlCol="0" anchor="ctr"/>
-          <a:lstStyle/>
-          <a:p>
-            <a:pPr algn="ctr"/>
-            <a:endParaRPr lang="fr-FR" dirty="0">
-              <a:solidFill>
-                <a:schemeClr val="bg1"/>
-              </a:solidFill>
-            </a:endParaRPr>
+          <p:cNvPr id="2" name="Titre 1"/>
+          <p:cNvSpPr>
+            <a:spLocks noGrp="1"/>
+          </p:cNvSpPr>
+          <p:nvPr>
+            <p:ph type="ctrTitle"/>
+          </p:nvPr>
+        </p:nvSpPr>
+        <p:spPr/>
+        <p:txBody>
+          <a:bodyPr/>
+          <a:lstStyle/>
+          <a:p>
+            <a:r>
+              <a:rPr lang="fr-FR" dirty="0" smtClean="0"/>
+              <a:t>Acquisition d’information sur internet</a:t>
+            </a:r>
+            <a:endParaRPr lang="fr-FR" dirty="0"/>
+          </a:p>
+        </p:txBody>
+      </p:sp>
+      <p:sp>
+        <p:nvSpPr>
+          <p:cNvPr id="3" name="Sous-titre 2"/>
+          <p:cNvSpPr>
+            <a:spLocks noGrp="1"/>
+          </p:cNvSpPr>
+          <p:nvPr>
+            <p:ph type="subTitle" idx="1"/>
+          </p:nvPr>
+        </p:nvSpPr>
+        <p:spPr/>
+        <p:txBody>
+          <a:bodyPr>
+            <a:normAutofit/>
+          </a:bodyPr>
+          <a:lstStyle/>
+          <a:p>
+            <a:r>
+              <a:rPr lang="fr-FR" sz="1600" dirty="0" smtClean="0"/>
+              <a:t>Scrapping java - base de données Oracle - XML - PUI PHP</a:t>
+            </a:r>
+            <a:endParaRPr lang="fr-FR" sz="1600" dirty="0"/>
           </a:p>
         </p:txBody>
       </p:sp>
       <p:pic>
         <p:nvPicPr>
-          <p:cNvPr id="1028" name="Picture 4"/>
+          <p:cNvPr id="1027" name="Picture 3" descr="Z:\Projet tut\projettuteurexml\vr_tn_IUT_Rodez.jpg"/>
           <p:cNvPicPr>
             <a:picLocks noChangeAspect="1" noChangeArrowheads="1"/>
           </p:cNvPicPr>
           <p:nvPr/>
         </p:nvPicPr>
         <p:blipFill>
-          <a:blip r:embed="rId2" cstate="print"/>
+          <a:blip r:embed="rId2" cstate="print">
+            <a:clrChange>
+              <a:clrFrom>
+                <a:srgbClr val="FFFFFF"/>
+              </a:clrFrom>
+              <a:clrTo>
+                <a:srgbClr val="FFFFFF">
+                  <a:alpha val="0"/>
+                </a:srgbClr>
+              </a:clrTo>
+            </a:clrChange>
+          </a:blip>
           <a:srcRect/>
           <a:stretch>
             <a:fillRect/>
@@ -3104,113 +3344,96 @@
         </p:blipFill>
         <p:spPr bwMode="auto">
           <a:xfrm>
-            <a:off x="683568" y="476672"/>
-            <a:ext cx="2325270" cy="1700808"/>
+            <a:off x="467544" y="548680"/>
+            <a:ext cx="2552264" cy="1596206"/>
           </a:xfrm>
           <a:prstGeom prst="rect">
             <a:avLst/>
           </a:prstGeom>
           <a:noFill/>
-          <a:ln w="9525">
-            <a:noFill/>
-            <a:miter lim="800000"/>
-            <a:headEnd/>
-            <a:tailEnd/>
-          </a:ln>
         </p:spPr>
       </p:pic>
       <p:sp>
         <p:nvSpPr>
-          <p:cNvPr id="8" name="ZoneTexte 7"/>
+          <p:cNvPr id="6" name="ZoneTexte 5"/>
           <p:cNvSpPr txBox="1"/>
           <p:nvPr/>
         </p:nvSpPr>
         <p:spPr>
           <a:xfrm>
-            <a:off x="1619672" y="2852937"/>
-            <a:ext cx="5328592" cy="584775"/>
+            <a:off x="0" y="6581001"/>
+            <a:ext cx="2708919" cy="276999"/>
           </a:xfrm>
           <a:prstGeom prst="rect">
             <a:avLst/>
           </a:prstGeom>
           <a:noFill/>
+          <a:scene3d>
+            <a:camera prst="orthographicFront">
+              <a:rot lat="0" lon="0" rev="5400000"/>
+            </a:camera>
+            <a:lightRig rig="threePt" dir="t"/>
+          </a:scene3d>
         </p:spPr>
         <p:txBody>
           <a:bodyPr wrap="square" rtlCol="0">
             <a:spAutoFit/>
+            <a:scene3d>
+              <a:camera prst="orthographicFront">
+                <a:rot lat="0" lon="0" rev="0"/>
+              </a:camera>
+              <a:lightRig rig="threePt" dir="t"/>
+            </a:scene3d>
+            <a:flatTx/>
           </a:bodyPr>
           <a:lstStyle/>
           <a:p>
             <a:r>
-              <a:rPr lang="fr-FR" sz="3200" u="sng" dirty="0" smtClean="0">
-                <a:latin typeface="Century Gothic" pitchFamily="34" charset="0"/>
-              </a:rPr>
-              <a:t>EXTRACTION DE DONNEES</a:t>
-            </a:r>
-            <a:endParaRPr lang="fr-FR" sz="3200" u="sng" dirty="0">
-              <a:latin typeface="Century Gothic" pitchFamily="34" charset="0"/>
-            </a:endParaRPr>
-          </a:p>
-        </p:txBody>
-      </p:sp>
-      <p:sp>
-        <p:nvSpPr>
-          <p:cNvPr id="9" name="ZoneTexte 8"/>
+              <a:rPr lang="fr-FR" sz="1200" dirty="0" smtClean="0"/>
+              <a:t>Soutenance projet LPD2I 2010/2011</a:t>
+            </a:r>
+            <a:endParaRPr lang="fr-FR" sz="1200" dirty="0"/>
+          </a:p>
+        </p:txBody>
+      </p:sp>
+      <p:sp>
+        <p:nvSpPr>
+          <p:cNvPr id="7" name="ZoneTexte 6"/>
           <p:cNvSpPr txBox="1"/>
           <p:nvPr/>
         </p:nvSpPr>
         <p:spPr>
           <a:xfrm>
-            <a:off x="2555776" y="3356992"/>
-            <a:ext cx="4248472" cy="646331"/>
+            <a:off x="5508104" y="6581001"/>
+            <a:ext cx="3635896" cy="276999"/>
           </a:xfrm>
           <a:prstGeom prst="rect">
             <a:avLst/>
           </a:prstGeom>
           <a:noFill/>
+          <a:scene3d>
+            <a:camera prst="orthographicFront">
+              <a:rot lat="0" lon="0" rev="5400000"/>
+            </a:camera>
+            <a:lightRig rig="threePt" dir="t"/>
+          </a:scene3d>
         </p:spPr>
         <p:txBody>
           <a:bodyPr wrap="square" rtlCol="0">
             <a:spAutoFit/>
+            <a:scene3d>
+              <a:camera prst="orthographicFront">
+                <a:rot lat="0" lon="0" rev="0"/>
+              </a:camera>
+              <a:lightRig rig="threePt" dir="t"/>
+            </a:scene3d>
+            <a:flatTx/>
           </a:bodyPr>
           <a:lstStyle/>
           <a:p>
-            <a:pPr algn="r"/>
             <a:r>
               <a:rPr lang="fr-FR" sz="1200" dirty="0" smtClean="0"/>
-              <a:t>Par Leonhard </a:t>
-            </a:r>
-            <a:r>
-              <a:rPr lang="fr-FR" sz="1200" dirty="0" err="1" smtClean="0"/>
-              <a:t>Hermle</a:t>
-            </a:r>
-            <a:endParaRPr lang="fr-FR" sz="1200" dirty="0" smtClean="0"/>
-          </a:p>
-          <a:p>
-            <a:pPr algn="r"/>
-            <a:r>
-              <a:rPr lang="fr-FR" sz="1200" dirty="0"/>
-              <a:t> </a:t>
-            </a:r>
-            <a:r>
-              <a:rPr lang="fr-FR" sz="1200" dirty="0" smtClean="0"/>
-              <a:t>      Xavier </a:t>
-            </a:r>
-            <a:r>
-              <a:rPr lang="fr-FR" sz="1200" dirty="0" err="1" smtClean="0"/>
-              <a:t>Mourgues</a:t>
-            </a:r>
-            <a:endParaRPr lang="fr-FR" sz="1200" dirty="0" smtClean="0"/>
-          </a:p>
-          <a:p>
-            <a:pPr algn="r"/>
-            <a:r>
-              <a:rPr lang="fr-FR" sz="1200" dirty="0"/>
-              <a:t> </a:t>
-            </a:r>
-            <a:r>
-              <a:rPr lang="fr-FR" sz="1200" dirty="0" smtClean="0"/>
-              <a:t>      Julien Cellier</a:t>
+              <a:t>Leonhard Hermle – Julien Cellier – Xavier Mourgues</a:t>
             </a:r>
             <a:endParaRPr lang="fr-FR" sz="1200" dirty="0"/>
           </a:p>
@@ -3260,10 +3483,1503 @@
         </p:nvSpPr>
         <p:spPr/>
         <p:txBody>
+          <a:bodyPr>
+            <a:normAutofit/>
+          </a:bodyPr>
+          <a:lstStyle/>
+          <a:p>
+            <a:r>
+              <a:rPr lang="fr-FR" dirty="0" smtClean="0"/>
+              <a:t>Introduction</a:t>
+            </a:r>
+            <a:endParaRPr lang="fr-FR" dirty="0"/>
+          </a:p>
+        </p:txBody>
+      </p:sp>
+      <p:sp>
+        <p:nvSpPr>
+          <p:cNvPr id="3" name="Espace réservé du contenu 2"/>
+          <p:cNvSpPr>
+            <a:spLocks noGrp="1"/>
+          </p:cNvSpPr>
+          <p:nvPr>
+            <p:ph idx="1"/>
+          </p:nvPr>
+        </p:nvSpPr>
+        <p:spPr>
+          <a:xfrm>
+            <a:off x="2411760" y="1700808"/>
+            <a:ext cx="6552728" cy="4536504"/>
+          </a:xfrm>
+        </p:spPr>
+        <p:txBody>
           <a:bodyPr/>
           <a:lstStyle/>
           <a:p>
+            <a:r>
+              <a:rPr lang="fr-FR" dirty="0" err="1" smtClean="0"/>
+              <a:t>qsdqsd</a:t>
+            </a:r>
             <a:endParaRPr lang="fr-FR" dirty="0"/>
+          </a:p>
+        </p:txBody>
+      </p:sp>
+      <p:sp>
+        <p:nvSpPr>
+          <p:cNvPr id="6" name="Espace réservé du contenu 2"/>
+          <p:cNvSpPr txBox="1">
+            <a:spLocks/>
+          </p:cNvSpPr>
+          <p:nvPr/>
+        </p:nvSpPr>
+        <p:spPr>
+          <a:xfrm>
+            <a:off x="179512" y="1700808"/>
+            <a:ext cx="2088232" cy="4536504"/>
+          </a:xfrm>
+          <a:prstGeom prst="rect">
+            <a:avLst/>
+          </a:prstGeom>
+        </p:spPr>
+        <p:txBody>
+          <a:bodyPr vert="horz">
+            <a:normAutofit/>
+          </a:bodyPr>
+          <a:lstStyle/>
+          <a:p>
+            <a:pPr marL="342900" marR="0" lvl="0" indent="-342900" algn="l" defTabSz="914400" rtl="0" eaLnBrk="1" fontAlgn="auto" latinLnBrk="0" hangingPunct="1">
+              <a:lnSpc>
+                <a:spcPct val="100000"/>
+              </a:lnSpc>
+              <a:spcBef>
+                <a:spcPct val="20000"/>
+              </a:spcBef>
+              <a:spcAft>
+                <a:spcPts val="0"/>
+              </a:spcAft>
+              <a:buClr>
+                <a:schemeClr val="accent1"/>
+              </a:buClr>
+              <a:buSzPct val="70000"/>
+              <a:buFont typeface="Wingdings 2"/>
+              <a:buChar char=""/>
+              <a:tabLst/>
+              <a:defRPr/>
+            </a:pPr>
+            <a:r>
+              <a:rPr kumimoji="0" lang="fr-FR" sz="2400" b="1" i="0" u="none" strike="noStrike" kern="1200" cap="none" spc="0" normalizeH="0" baseline="0" noProof="0" dirty="0" smtClean="0">
+                <a:ln>
+                  <a:noFill/>
+                </a:ln>
+                <a:solidFill>
+                  <a:schemeClr val="tx2"/>
+                </a:solidFill>
+                <a:effectLst/>
+                <a:uLnTx/>
+                <a:uFillTx/>
+                <a:latin typeface="+mn-lt"/>
+                <a:ea typeface="+mn-ea"/>
+                <a:cs typeface="+mn-cs"/>
+              </a:rPr>
+              <a:t>Introduction</a:t>
+            </a:r>
+          </a:p>
+          <a:p>
+            <a:pPr marL="342900" marR="0" lvl="0" indent="-342900" algn="l" defTabSz="914400" rtl="0" eaLnBrk="1" fontAlgn="auto" latinLnBrk="0" hangingPunct="1">
+              <a:lnSpc>
+                <a:spcPct val="100000"/>
+              </a:lnSpc>
+              <a:spcBef>
+                <a:spcPct val="20000"/>
+              </a:spcBef>
+              <a:spcAft>
+                <a:spcPts val="0"/>
+              </a:spcAft>
+              <a:buClr>
+                <a:schemeClr val="accent1"/>
+              </a:buClr>
+              <a:buSzPct val="70000"/>
+              <a:buFont typeface="Wingdings 2"/>
+              <a:buChar char=""/>
+              <a:tabLst/>
+              <a:defRPr/>
+            </a:pPr>
+            <a:r>
+              <a:rPr lang="fr-FR" sz="2400" dirty="0" smtClean="0">
+                <a:solidFill>
+                  <a:schemeClr val="tx2"/>
+                </a:solidFill>
+              </a:rPr>
+              <a:t>Extraction</a:t>
+            </a:r>
+          </a:p>
+          <a:p>
+            <a:pPr marL="342900" marR="0" lvl="0" indent="-342900" algn="l" defTabSz="914400" rtl="0" eaLnBrk="1" fontAlgn="auto" latinLnBrk="0" hangingPunct="1">
+              <a:lnSpc>
+                <a:spcPct val="100000"/>
+              </a:lnSpc>
+              <a:spcBef>
+                <a:spcPct val="20000"/>
+              </a:spcBef>
+              <a:spcAft>
+                <a:spcPts val="0"/>
+              </a:spcAft>
+              <a:buClr>
+                <a:schemeClr val="accent1"/>
+              </a:buClr>
+              <a:buSzPct val="70000"/>
+              <a:buFont typeface="Wingdings 2"/>
+              <a:buChar char=""/>
+              <a:tabLst/>
+              <a:defRPr/>
+            </a:pPr>
+            <a:r>
+              <a:rPr kumimoji="0" lang="fr-FR" sz="2400" b="0" i="0" u="none" strike="noStrike" kern="1200" cap="none" spc="0" normalizeH="0" baseline="0" noProof="0" dirty="0" smtClean="0">
+                <a:ln>
+                  <a:noFill/>
+                </a:ln>
+                <a:solidFill>
+                  <a:schemeClr val="tx2"/>
+                </a:solidFill>
+                <a:effectLst/>
+                <a:uLnTx/>
+                <a:uFillTx/>
+                <a:latin typeface="+mn-lt"/>
+                <a:ea typeface="+mn-ea"/>
+                <a:cs typeface="+mn-cs"/>
+              </a:rPr>
+              <a:t>Stockage</a:t>
+            </a:r>
+          </a:p>
+          <a:p>
+            <a:pPr marL="342900" marR="0" lvl="0" indent="-342900" algn="l" defTabSz="914400" rtl="0" eaLnBrk="1" fontAlgn="auto" latinLnBrk="0" hangingPunct="1">
+              <a:lnSpc>
+                <a:spcPct val="100000"/>
+              </a:lnSpc>
+              <a:spcBef>
+                <a:spcPct val="20000"/>
+              </a:spcBef>
+              <a:spcAft>
+                <a:spcPts val="0"/>
+              </a:spcAft>
+              <a:buClr>
+                <a:schemeClr val="accent1"/>
+              </a:buClr>
+              <a:buSzPct val="70000"/>
+              <a:buFont typeface="Wingdings 2"/>
+              <a:buChar char=""/>
+              <a:tabLst/>
+              <a:defRPr/>
+            </a:pPr>
+            <a:r>
+              <a:rPr lang="fr-FR" sz="2400" dirty="0" smtClean="0">
+                <a:solidFill>
+                  <a:schemeClr val="tx2"/>
+                </a:solidFill>
+              </a:rPr>
+              <a:t>Restitution</a:t>
+            </a:r>
+            <a:endParaRPr kumimoji="0" lang="fr-FR" sz="2400" b="0" i="0" u="none" strike="noStrike" kern="1200" cap="none" spc="0" normalizeH="0" baseline="0" noProof="0" dirty="0" smtClean="0">
+              <a:ln>
+                <a:noFill/>
+              </a:ln>
+              <a:solidFill>
+                <a:schemeClr val="tx2"/>
+              </a:solidFill>
+              <a:effectLst/>
+              <a:uLnTx/>
+              <a:uFillTx/>
+              <a:latin typeface="+mn-lt"/>
+              <a:ea typeface="+mn-ea"/>
+              <a:cs typeface="+mn-cs"/>
+            </a:endParaRPr>
+          </a:p>
+          <a:p>
+            <a:pPr marL="342900" marR="0" lvl="0" indent="-342900" algn="l" defTabSz="914400" rtl="0" eaLnBrk="1" fontAlgn="auto" latinLnBrk="0" hangingPunct="1">
+              <a:lnSpc>
+                <a:spcPct val="100000"/>
+              </a:lnSpc>
+              <a:spcBef>
+                <a:spcPct val="20000"/>
+              </a:spcBef>
+              <a:spcAft>
+                <a:spcPts val="0"/>
+              </a:spcAft>
+              <a:buClr>
+                <a:schemeClr val="accent1"/>
+              </a:buClr>
+              <a:buSzPct val="70000"/>
+              <a:buFont typeface="Wingdings 2"/>
+              <a:buChar char=""/>
+              <a:tabLst/>
+              <a:defRPr/>
+            </a:pPr>
+            <a:r>
+              <a:rPr lang="fr-FR" sz="2400" dirty="0" smtClean="0">
+                <a:solidFill>
+                  <a:schemeClr val="tx2"/>
+                </a:solidFill>
+              </a:rPr>
+              <a:t>Conclusion</a:t>
+            </a:r>
+            <a:endParaRPr kumimoji="0" lang="fr-FR" sz="2400" b="0" i="0" u="none" strike="noStrike" kern="1200" cap="none" spc="0" normalizeH="0" baseline="0" noProof="0" dirty="0">
+              <a:ln>
+                <a:noFill/>
+              </a:ln>
+              <a:solidFill>
+                <a:schemeClr val="tx2"/>
+              </a:solidFill>
+              <a:effectLst/>
+              <a:uLnTx/>
+              <a:uFillTx/>
+              <a:latin typeface="+mn-lt"/>
+              <a:ea typeface="+mn-ea"/>
+              <a:cs typeface="+mn-cs"/>
+            </a:endParaRPr>
+          </a:p>
+        </p:txBody>
+      </p:sp>
+      <p:sp>
+        <p:nvSpPr>
+          <p:cNvPr id="7" name="ZoneTexte 6"/>
+          <p:cNvSpPr txBox="1"/>
+          <p:nvPr/>
+        </p:nvSpPr>
+        <p:spPr>
+          <a:xfrm>
+            <a:off x="0" y="6581001"/>
+            <a:ext cx="2708919" cy="276999"/>
+          </a:xfrm>
+          <a:prstGeom prst="rect">
+            <a:avLst/>
+          </a:prstGeom>
+          <a:noFill/>
+          <a:scene3d>
+            <a:camera prst="orthographicFront">
+              <a:rot lat="0" lon="0" rev="5400000"/>
+            </a:camera>
+            <a:lightRig rig="threePt" dir="t"/>
+          </a:scene3d>
+        </p:spPr>
+        <p:txBody>
+          <a:bodyPr wrap="square" rtlCol="0">
+            <a:spAutoFit/>
+            <a:scene3d>
+              <a:camera prst="orthographicFront">
+                <a:rot lat="0" lon="0" rev="0"/>
+              </a:camera>
+              <a:lightRig rig="threePt" dir="t"/>
+            </a:scene3d>
+            <a:flatTx/>
+          </a:bodyPr>
+          <a:lstStyle/>
+          <a:p>
+            <a:r>
+              <a:rPr lang="fr-FR" sz="1200" dirty="0" smtClean="0"/>
+              <a:t>Soutenance projet LPD2I 2010/2011</a:t>
+            </a:r>
+            <a:endParaRPr lang="fr-FR" sz="1200" dirty="0"/>
+          </a:p>
+        </p:txBody>
+      </p:sp>
+      <p:sp>
+        <p:nvSpPr>
+          <p:cNvPr id="9" name="ZoneTexte 8"/>
+          <p:cNvSpPr txBox="1"/>
+          <p:nvPr/>
+        </p:nvSpPr>
+        <p:spPr>
+          <a:xfrm>
+            <a:off x="5508104" y="6581001"/>
+            <a:ext cx="3635896" cy="276999"/>
+          </a:xfrm>
+          <a:prstGeom prst="rect">
+            <a:avLst/>
+          </a:prstGeom>
+          <a:noFill/>
+          <a:scene3d>
+            <a:camera prst="orthographicFront">
+              <a:rot lat="0" lon="0" rev="5400000"/>
+            </a:camera>
+            <a:lightRig rig="threePt" dir="t"/>
+          </a:scene3d>
+        </p:spPr>
+        <p:txBody>
+          <a:bodyPr wrap="square" rtlCol="0">
+            <a:spAutoFit/>
+            <a:scene3d>
+              <a:camera prst="orthographicFront">
+                <a:rot lat="0" lon="0" rev="0"/>
+              </a:camera>
+              <a:lightRig rig="threePt" dir="t"/>
+            </a:scene3d>
+            <a:flatTx/>
+          </a:bodyPr>
+          <a:lstStyle/>
+          <a:p>
+            <a:r>
+              <a:rPr lang="fr-FR" sz="1200" dirty="0" smtClean="0"/>
+              <a:t>Leonhard Hermle – Julien Cellier – Xavier Mourgues</a:t>
+            </a:r>
+            <a:endParaRPr lang="fr-FR" sz="1200" dirty="0"/>
+          </a:p>
+        </p:txBody>
+      </p:sp>
+    </p:spTree>
+  </p:cSld>
+  <p:clrMapOvr>
+    <a:masterClrMapping/>
+  </p:clrMapOvr>
+  <p:timing>
+    <p:tnLst>
+      <p:par>
+        <p:cTn id="1" dur="indefinite" restart="never" nodeType="tmRoot"/>
+      </p:par>
+    </p:tnLst>
+  </p:timing>
+</p:sld>
+</file>
+
+<file path=ppt/slides/slide3.xml><?xml version="1.0" encoding="utf-8"?>
+<p:sld xmlns:a="http://schemas.openxmlformats.org/drawingml/2006/main" xmlns:r="http://schemas.openxmlformats.org/officeDocument/2006/relationships" xmlns:p="http://schemas.openxmlformats.org/presentationml/2006/main">
+  <p:cSld>
+    <p:spTree>
+      <p:nvGrpSpPr>
+        <p:cNvPr id="1" name=""/>
+        <p:cNvGrpSpPr/>
+        <p:nvPr/>
+      </p:nvGrpSpPr>
+      <p:grpSpPr>
+        <a:xfrm>
+          <a:off x="0" y="0"/>
+          <a:ext cx="0" cy="0"/>
+          <a:chOff x="0" y="0"/>
+          <a:chExt cx="0" cy="0"/>
+        </a:xfrm>
+      </p:grpSpPr>
+      <p:sp>
+        <p:nvSpPr>
+          <p:cNvPr id="2" name="Titre 1"/>
+          <p:cNvSpPr>
+            <a:spLocks noGrp="1"/>
+          </p:cNvSpPr>
+          <p:nvPr>
+            <p:ph type="title"/>
+          </p:nvPr>
+        </p:nvSpPr>
+        <p:spPr/>
+        <p:txBody>
+          <a:bodyPr>
+            <a:normAutofit/>
+          </a:bodyPr>
+          <a:lstStyle/>
+          <a:p>
+            <a:r>
+              <a:rPr lang="fr-FR" dirty="0" smtClean="0"/>
+              <a:t>Introduction</a:t>
+            </a:r>
+            <a:endParaRPr lang="fr-FR" dirty="0"/>
+          </a:p>
+        </p:txBody>
+      </p:sp>
+      <p:sp>
+        <p:nvSpPr>
+          <p:cNvPr id="3" name="Espace réservé du contenu 2"/>
+          <p:cNvSpPr>
+            <a:spLocks noGrp="1"/>
+          </p:cNvSpPr>
+          <p:nvPr>
+            <p:ph idx="1"/>
+          </p:nvPr>
+        </p:nvSpPr>
+        <p:spPr>
+          <a:xfrm>
+            <a:off x="2411760" y="1700808"/>
+            <a:ext cx="6552728" cy="4536504"/>
+          </a:xfrm>
+        </p:spPr>
+        <p:txBody>
+          <a:bodyPr/>
+          <a:lstStyle/>
+          <a:p>
+            <a:r>
+              <a:rPr lang="fr-FR" dirty="0" err="1" smtClean="0"/>
+              <a:t>qsdqsd</a:t>
+            </a:r>
+            <a:endParaRPr lang="fr-FR" dirty="0"/>
+          </a:p>
+        </p:txBody>
+      </p:sp>
+      <p:sp>
+        <p:nvSpPr>
+          <p:cNvPr id="6" name="Espace réservé du contenu 2"/>
+          <p:cNvSpPr txBox="1">
+            <a:spLocks/>
+          </p:cNvSpPr>
+          <p:nvPr/>
+        </p:nvSpPr>
+        <p:spPr>
+          <a:xfrm>
+            <a:off x="179512" y="1700808"/>
+            <a:ext cx="2088232" cy="4536504"/>
+          </a:xfrm>
+          <a:prstGeom prst="rect">
+            <a:avLst/>
+          </a:prstGeom>
+        </p:spPr>
+        <p:txBody>
+          <a:bodyPr vert="horz">
+            <a:normAutofit/>
+          </a:bodyPr>
+          <a:lstStyle/>
+          <a:p>
+            <a:pPr marL="342900" marR="0" lvl="0" indent="-342900" algn="l" defTabSz="914400" rtl="0" eaLnBrk="1" fontAlgn="auto" latinLnBrk="0" hangingPunct="1">
+              <a:lnSpc>
+                <a:spcPct val="100000"/>
+              </a:lnSpc>
+              <a:spcBef>
+                <a:spcPct val="20000"/>
+              </a:spcBef>
+              <a:spcAft>
+                <a:spcPts val="0"/>
+              </a:spcAft>
+              <a:buClr>
+                <a:schemeClr val="accent1"/>
+              </a:buClr>
+              <a:buSzPct val="70000"/>
+              <a:buFont typeface="Wingdings 2"/>
+              <a:buChar char=""/>
+              <a:tabLst/>
+              <a:defRPr/>
+            </a:pPr>
+            <a:r>
+              <a:rPr kumimoji="0" lang="fr-FR" sz="2400" b="0" i="0" u="none" strike="noStrike" kern="1200" cap="none" spc="0" normalizeH="0" baseline="0" noProof="0" dirty="0" smtClean="0">
+                <a:ln>
+                  <a:noFill/>
+                </a:ln>
+                <a:solidFill>
+                  <a:schemeClr val="tx2"/>
+                </a:solidFill>
+                <a:effectLst/>
+                <a:uLnTx/>
+                <a:uFillTx/>
+                <a:latin typeface="+mn-lt"/>
+                <a:ea typeface="+mn-ea"/>
+                <a:cs typeface="+mn-cs"/>
+              </a:rPr>
+              <a:t>Introduction</a:t>
+            </a:r>
+          </a:p>
+          <a:p>
+            <a:pPr marL="342900" marR="0" lvl="0" indent="-342900" algn="l" defTabSz="914400" rtl="0" eaLnBrk="1" fontAlgn="auto" latinLnBrk="0" hangingPunct="1">
+              <a:lnSpc>
+                <a:spcPct val="100000"/>
+              </a:lnSpc>
+              <a:spcBef>
+                <a:spcPct val="20000"/>
+              </a:spcBef>
+              <a:spcAft>
+                <a:spcPts val="0"/>
+              </a:spcAft>
+              <a:buClr>
+                <a:schemeClr val="accent1"/>
+              </a:buClr>
+              <a:buSzPct val="70000"/>
+              <a:buFont typeface="Wingdings 2"/>
+              <a:buChar char=""/>
+              <a:tabLst/>
+              <a:defRPr/>
+            </a:pPr>
+            <a:r>
+              <a:rPr lang="fr-FR" sz="2400" dirty="0" smtClean="0">
+                <a:solidFill>
+                  <a:schemeClr val="tx2"/>
+                </a:solidFill>
+              </a:rPr>
+              <a:t>Extraction</a:t>
+            </a:r>
+          </a:p>
+          <a:p>
+            <a:pPr marL="342900" marR="0" lvl="0" indent="-342900" algn="l" defTabSz="914400" rtl="0" eaLnBrk="1" fontAlgn="auto" latinLnBrk="0" hangingPunct="1">
+              <a:lnSpc>
+                <a:spcPct val="100000"/>
+              </a:lnSpc>
+              <a:spcBef>
+                <a:spcPct val="20000"/>
+              </a:spcBef>
+              <a:spcAft>
+                <a:spcPts val="0"/>
+              </a:spcAft>
+              <a:buClr>
+                <a:schemeClr val="accent1"/>
+              </a:buClr>
+              <a:buSzPct val="70000"/>
+              <a:buFont typeface="Wingdings 2"/>
+              <a:buChar char=""/>
+              <a:tabLst/>
+              <a:defRPr/>
+            </a:pPr>
+            <a:r>
+              <a:rPr kumimoji="0" lang="fr-FR" sz="2400" b="0" i="0" u="none" strike="noStrike" kern="1200" cap="none" spc="0" normalizeH="0" baseline="0" noProof="0" dirty="0" smtClean="0">
+                <a:ln>
+                  <a:noFill/>
+                </a:ln>
+                <a:solidFill>
+                  <a:schemeClr val="tx2"/>
+                </a:solidFill>
+                <a:effectLst/>
+                <a:uLnTx/>
+                <a:uFillTx/>
+                <a:latin typeface="+mn-lt"/>
+                <a:ea typeface="+mn-ea"/>
+                <a:cs typeface="+mn-cs"/>
+              </a:rPr>
+              <a:t>Stockage</a:t>
+            </a:r>
+          </a:p>
+          <a:p>
+            <a:pPr marL="342900" marR="0" lvl="0" indent="-342900" algn="l" defTabSz="914400" rtl="0" eaLnBrk="1" fontAlgn="auto" latinLnBrk="0" hangingPunct="1">
+              <a:lnSpc>
+                <a:spcPct val="100000"/>
+              </a:lnSpc>
+              <a:spcBef>
+                <a:spcPct val="20000"/>
+              </a:spcBef>
+              <a:spcAft>
+                <a:spcPts val="0"/>
+              </a:spcAft>
+              <a:buClr>
+                <a:schemeClr val="accent1"/>
+              </a:buClr>
+              <a:buSzPct val="70000"/>
+              <a:buFont typeface="Wingdings 2"/>
+              <a:buChar char=""/>
+              <a:tabLst/>
+              <a:defRPr/>
+            </a:pPr>
+            <a:r>
+              <a:rPr lang="fr-FR" sz="2400" dirty="0" smtClean="0">
+                <a:solidFill>
+                  <a:schemeClr val="tx2"/>
+                </a:solidFill>
+              </a:rPr>
+              <a:t>Restitution</a:t>
+            </a:r>
+            <a:endParaRPr kumimoji="0" lang="fr-FR" sz="2400" b="0" i="0" u="none" strike="noStrike" kern="1200" cap="none" spc="0" normalizeH="0" baseline="0" noProof="0" dirty="0" smtClean="0">
+              <a:ln>
+                <a:noFill/>
+              </a:ln>
+              <a:solidFill>
+                <a:schemeClr val="tx2"/>
+              </a:solidFill>
+              <a:effectLst/>
+              <a:uLnTx/>
+              <a:uFillTx/>
+              <a:latin typeface="+mn-lt"/>
+              <a:ea typeface="+mn-ea"/>
+              <a:cs typeface="+mn-cs"/>
+            </a:endParaRPr>
+          </a:p>
+          <a:p>
+            <a:pPr marL="342900" marR="0" lvl="0" indent="-342900" algn="l" defTabSz="914400" rtl="0" eaLnBrk="1" fontAlgn="auto" latinLnBrk="0" hangingPunct="1">
+              <a:lnSpc>
+                <a:spcPct val="100000"/>
+              </a:lnSpc>
+              <a:spcBef>
+                <a:spcPct val="20000"/>
+              </a:spcBef>
+              <a:spcAft>
+                <a:spcPts val="0"/>
+              </a:spcAft>
+              <a:buClr>
+                <a:schemeClr val="accent1"/>
+              </a:buClr>
+              <a:buSzPct val="70000"/>
+              <a:buFont typeface="Wingdings 2"/>
+              <a:buChar char=""/>
+              <a:tabLst/>
+              <a:defRPr/>
+            </a:pPr>
+            <a:r>
+              <a:rPr lang="fr-FR" sz="2400" dirty="0" smtClean="0">
+                <a:solidFill>
+                  <a:schemeClr val="tx2"/>
+                </a:solidFill>
+              </a:rPr>
+              <a:t>Conclusion</a:t>
+            </a:r>
+            <a:endParaRPr kumimoji="0" lang="fr-FR" sz="2400" b="0" i="0" u="none" strike="noStrike" kern="1200" cap="none" spc="0" normalizeH="0" baseline="0" noProof="0" dirty="0">
+              <a:ln>
+                <a:noFill/>
+              </a:ln>
+              <a:solidFill>
+                <a:schemeClr val="tx2"/>
+              </a:solidFill>
+              <a:effectLst/>
+              <a:uLnTx/>
+              <a:uFillTx/>
+              <a:latin typeface="+mn-lt"/>
+              <a:ea typeface="+mn-ea"/>
+              <a:cs typeface="+mn-cs"/>
+            </a:endParaRPr>
+          </a:p>
+        </p:txBody>
+      </p:sp>
+      <p:sp>
+        <p:nvSpPr>
+          <p:cNvPr id="7" name="ZoneTexte 6"/>
+          <p:cNvSpPr txBox="1"/>
+          <p:nvPr/>
+        </p:nvSpPr>
+        <p:spPr>
+          <a:xfrm>
+            <a:off x="0" y="6581001"/>
+            <a:ext cx="2708919" cy="276999"/>
+          </a:xfrm>
+          <a:prstGeom prst="rect">
+            <a:avLst/>
+          </a:prstGeom>
+          <a:noFill/>
+          <a:scene3d>
+            <a:camera prst="orthographicFront">
+              <a:rot lat="0" lon="0" rev="5400000"/>
+            </a:camera>
+            <a:lightRig rig="threePt" dir="t"/>
+          </a:scene3d>
+        </p:spPr>
+        <p:txBody>
+          <a:bodyPr wrap="square" rtlCol="0">
+            <a:spAutoFit/>
+            <a:scene3d>
+              <a:camera prst="orthographicFront">
+                <a:rot lat="0" lon="0" rev="0"/>
+              </a:camera>
+              <a:lightRig rig="threePt" dir="t"/>
+            </a:scene3d>
+            <a:flatTx/>
+          </a:bodyPr>
+          <a:lstStyle/>
+          <a:p>
+            <a:r>
+              <a:rPr lang="fr-FR" sz="1200" dirty="0" smtClean="0"/>
+              <a:t>Soutenance projet LPD2I 2010/2011</a:t>
+            </a:r>
+            <a:endParaRPr lang="fr-FR" sz="1200" dirty="0"/>
+          </a:p>
+        </p:txBody>
+      </p:sp>
+      <p:sp>
+        <p:nvSpPr>
+          <p:cNvPr id="9" name="ZoneTexte 8"/>
+          <p:cNvSpPr txBox="1"/>
+          <p:nvPr/>
+        </p:nvSpPr>
+        <p:spPr>
+          <a:xfrm>
+            <a:off x="5508104" y="6581001"/>
+            <a:ext cx="3635896" cy="276999"/>
+          </a:xfrm>
+          <a:prstGeom prst="rect">
+            <a:avLst/>
+          </a:prstGeom>
+          <a:noFill/>
+          <a:scene3d>
+            <a:camera prst="orthographicFront">
+              <a:rot lat="0" lon="0" rev="5400000"/>
+            </a:camera>
+            <a:lightRig rig="threePt" dir="t"/>
+          </a:scene3d>
+        </p:spPr>
+        <p:txBody>
+          <a:bodyPr wrap="square" rtlCol="0">
+            <a:spAutoFit/>
+            <a:scene3d>
+              <a:camera prst="orthographicFront">
+                <a:rot lat="0" lon="0" rev="0"/>
+              </a:camera>
+              <a:lightRig rig="threePt" dir="t"/>
+            </a:scene3d>
+            <a:flatTx/>
+          </a:bodyPr>
+          <a:lstStyle/>
+          <a:p>
+            <a:r>
+              <a:rPr lang="fr-FR" sz="1200" dirty="0" smtClean="0"/>
+              <a:t>Leonhard Hermle – Julien Cellier – Xavier Mourgues</a:t>
+            </a:r>
+            <a:endParaRPr lang="fr-FR" sz="1200" dirty="0"/>
+          </a:p>
+        </p:txBody>
+      </p:sp>
+    </p:spTree>
+  </p:cSld>
+  <p:clrMapOvr>
+    <a:masterClrMapping/>
+  </p:clrMapOvr>
+  <p:timing>
+    <p:tnLst>
+      <p:par>
+        <p:cTn id="1" dur="indefinite" restart="never" nodeType="tmRoot"/>
+      </p:par>
+    </p:tnLst>
+  </p:timing>
+</p:sld>
+</file>
+
+<file path=ppt/slides/slide4.xml><?xml version="1.0" encoding="utf-8"?>
+<p:sld xmlns:a="http://schemas.openxmlformats.org/drawingml/2006/main" xmlns:r="http://schemas.openxmlformats.org/officeDocument/2006/relationships" xmlns:p="http://schemas.openxmlformats.org/presentationml/2006/main">
+  <p:cSld>
+    <p:spTree>
+      <p:nvGrpSpPr>
+        <p:cNvPr id="1" name=""/>
+        <p:cNvGrpSpPr/>
+        <p:nvPr/>
+      </p:nvGrpSpPr>
+      <p:grpSpPr>
+        <a:xfrm>
+          <a:off x="0" y="0"/>
+          <a:ext cx="0" cy="0"/>
+          <a:chOff x="0" y="0"/>
+          <a:chExt cx="0" cy="0"/>
+        </a:xfrm>
+      </p:grpSpPr>
+      <p:sp>
+        <p:nvSpPr>
+          <p:cNvPr id="2" name="Titre 1"/>
+          <p:cNvSpPr>
+            <a:spLocks noGrp="1"/>
+          </p:cNvSpPr>
+          <p:nvPr>
+            <p:ph type="title"/>
+          </p:nvPr>
+        </p:nvSpPr>
+        <p:spPr/>
+        <p:txBody>
+          <a:bodyPr>
+            <a:normAutofit/>
+          </a:bodyPr>
+          <a:lstStyle/>
+          <a:p>
+            <a:r>
+              <a:rPr lang="fr-FR" dirty="0" smtClean="0"/>
+              <a:t>Introduction</a:t>
+            </a:r>
+            <a:endParaRPr lang="fr-FR" dirty="0"/>
+          </a:p>
+        </p:txBody>
+      </p:sp>
+      <p:sp>
+        <p:nvSpPr>
+          <p:cNvPr id="3" name="Espace réservé du contenu 2"/>
+          <p:cNvSpPr>
+            <a:spLocks noGrp="1"/>
+          </p:cNvSpPr>
+          <p:nvPr>
+            <p:ph idx="1"/>
+          </p:nvPr>
+        </p:nvSpPr>
+        <p:spPr>
+          <a:xfrm>
+            <a:off x="2411760" y="1700808"/>
+            <a:ext cx="6552728" cy="4536504"/>
+          </a:xfrm>
+        </p:spPr>
+        <p:txBody>
+          <a:bodyPr/>
+          <a:lstStyle/>
+          <a:p>
+            <a:r>
+              <a:rPr lang="fr-FR" dirty="0" err="1" smtClean="0"/>
+              <a:t>qsdqsd</a:t>
+            </a:r>
+            <a:endParaRPr lang="fr-FR" dirty="0"/>
+          </a:p>
+        </p:txBody>
+      </p:sp>
+      <p:sp>
+        <p:nvSpPr>
+          <p:cNvPr id="6" name="Espace réservé du contenu 2"/>
+          <p:cNvSpPr txBox="1">
+            <a:spLocks/>
+          </p:cNvSpPr>
+          <p:nvPr/>
+        </p:nvSpPr>
+        <p:spPr>
+          <a:xfrm>
+            <a:off x="179512" y="1700808"/>
+            <a:ext cx="2088232" cy="4536504"/>
+          </a:xfrm>
+          <a:prstGeom prst="rect">
+            <a:avLst/>
+          </a:prstGeom>
+        </p:spPr>
+        <p:txBody>
+          <a:bodyPr vert="horz">
+            <a:normAutofit/>
+          </a:bodyPr>
+          <a:lstStyle/>
+          <a:p>
+            <a:pPr marL="342900" marR="0" lvl="0" indent="-342900" algn="l" defTabSz="914400" rtl="0" eaLnBrk="1" fontAlgn="auto" latinLnBrk="0" hangingPunct="1">
+              <a:lnSpc>
+                <a:spcPct val="100000"/>
+              </a:lnSpc>
+              <a:spcBef>
+                <a:spcPct val="20000"/>
+              </a:spcBef>
+              <a:spcAft>
+                <a:spcPts val="0"/>
+              </a:spcAft>
+              <a:buClr>
+                <a:schemeClr val="accent1"/>
+              </a:buClr>
+              <a:buSzPct val="70000"/>
+              <a:buFont typeface="Wingdings 2"/>
+              <a:buChar char=""/>
+              <a:tabLst/>
+              <a:defRPr/>
+            </a:pPr>
+            <a:r>
+              <a:rPr kumimoji="0" lang="fr-FR" sz="2400" b="0" i="0" u="none" strike="noStrike" kern="1200" cap="none" spc="0" normalizeH="0" baseline="0" noProof="0" dirty="0" smtClean="0">
+                <a:ln>
+                  <a:noFill/>
+                </a:ln>
+                <a:solidFill>
+                  <a:schemeClr val="tx2"/>
+                </a:solidFill>
+                <a:effectLst/>
+                <a:uLnTx/>
+                <a:uFillTx/>
+                <a:latin typeface="+mn-lt"/>
+                <a:ea typeface="+mn-ea"/>
+                <a:cs typeface="+mn-cs"/>
+              </a:rPr>
+              <a:t>Introduction</a:t>
+            </a:r>
+          </a:p>
+          <a:p>
+            <a:pPr marL="342900" marR="0" lvl="0" indent="-342900" algn="l" defTabSz="914400" rtl="0" eaLnBrk="1" fontAlgn="auto" latinLnBrk="0" hangingPunct="1">
+              <a:lnSpc>
+                <a:spcPct val="100000"/>
+              </a:lnSpc>
+              <a:spcBef>
+                <a:spcPct val="20000"/>
+              </a:spcBef>
+              <a:spcAft>
+                <a:spcPts val="0"/>
+              </a:spcAft>
+              <a:buClr>
+                <a:schemeClr val="accent1"/>
+              </a:buClr>
+              <a:buSzPct val="70000"/>
+              <a:buFont typeface="Wingdings 2"/>
+              <a:buChar char=""/>
+              <a:tabLst/>
+              <a:defRPr/>
+            </a:pPr>
+            <a:r>
+              <a:rPr lang="fr-FR" sz="2400" dirty="0" smtClean="0">
+                <a:solidFill>
+                  <a:schemeClr val="tx2"/>
+                </a:solidFill>
+              </a:rPr>
+              <a:t>Extraction</a:t>
+            </a:r>
+          </a:p>
+          <a:p>
+            <a:pPr marL="342900" marR="0" lvl="0" indent="-342900" algn="l" defTabSz="914400" rtl="0" eaLnBrk="1" fontAlgn="auto" latinLnBrk="0" hangingPunct="1">
+              <a:lnSpc>
+                <a:spcPct val="100000"/>
+              </a:lnSpc>
+              <a:spcBef>
+                <a:spcPct val="20000"/>
+              </a:spcBef>
+              <a:spcAft>
+                <a:spcPts val="0"/>
+              </a:spcAft>
+              <a:buClr>
+                <a:schemeClr val="accent1"/>
+              </a:buClr>
+              <a:buSzPct val="70000"/>
+              <a:buFont typeface="Wingdings 2"/>
+              <a:buChar char=""/>
+              <a:tabLst/>
+              <a:defRPr/>
+            </a:pPr>
+            <a:r>
+              <a:rPr kumimoji="0" lang="fr-FR" sz="2400" b="0" i="0" u="none" strike="noStrike" kern="1200" cap="none" spc="0" normalizeH="0" baseline="0" noProof="0" dirty="0" smtClean="0">
+                <a:ln>
+                  <a:noFill/>
+                </a:ln>
+                <a:solidFill>
+                  <a:schemeClr val="tx2"/>
+                </a:solidFill>
+                <a:effectLst/>
+                <a:uLnTx/>
+                <a:uFillTx/>
+                <a:latin typeface="+mn-lt"/>
+                <a:ea typeface="+mn-ea"/>
+                <a:cs typeface="+mn-cs"/>
+              </a:rPr>
+              <a:t>Stockage</a:t>
+            </a:r>
+          </a:p>
+          <a:p>
+            <a:pPr marL="342900" marR="0" lvl="0" indent="-342900" algn="l" defTabSz="914400" rtl="0" eaLnBrk="1" fontAlgn="auto" latinLnBrk="0" hangingPunct="1">
+              <a:lnSpc>
+                <a:spcPct val="100000"/>
+              </a:lnSpc>
+              <a:spcBef>
+                <a:spcPct val="20000"/>
+              </a:spcBef>
+              <a:spcAft>
+                <a:spcPts val="0"/>
+              </a:spcAft>
+              <a:buClr>
+                <a:schemeClr val="accent1"/>
+              </a:buClr>
+              <a:buSzPct val="70000"/>
+              <a:buFont typeface="Wingdings 2"/>
+              <a:buChar char=""/>
+              <a:tabLst/>
+              <a:defRPr/>
+            </a:pPr>
+            <a:r>
+              <a:rPr lang="fr-FR" sz="2400" dirty="0" smtClean="0">
+                <a:solidFill>
+                  <a:schemeClr val="tx2"/>
+                </a:solidFill>
+              </a:rPr>
+              <a:t>Restitution</a:t>
+            </a:r>
+            <a:endParaRPr kumimoji="0" lang="fr-FR" sz="2400" b="0" i="0" u="none" strike="noStrike" kern="1200" cap="none" spc="0" normalizeH="0" baseline="0" noProof="0" dirty="0" smtClean="0">
+              <a:ln>
+                <a:noFill/>
+              </a:ln>
+              <a:solidFill>
+                <a:schemeClr val="tx2"/>
+              </a:solidFill>
+              <a:effectLst/>
+              <a:uLnTx/>
+              <a:uFillTx/>
+              <a:latin typeface="+mn-lt"/>
+              <a:ea typeface="+mn-ea"/>
+              <a:cs typeface="+mn-cs"/>
+            </a:endParaRPr>
+          </a:p>
+          <a:p>
+            <a:pPr marL="342900" marR="0" lvl="0" indent="-342900" algn="l" defTabSz="914400" rtl="0" eaLnBrk="1" fontAlgn="auto" latinLnBrk="0" hangingPunct="1">
+              <a:lnSpc>
+                <a:spcPct val="100000"/>
+              </a:lnSpc>
+              <a:spcBef>
+                <a:spcPct val="20000"/>
+              </a:spcBef>
+              <a:spcAft>
+                <a:spcPts val="0"/>
+              </a:spcAft>
+              <a:buClr>
+                <a:schemeClr val="accent1"/>
+              </a:buClr>
+              <a:buSzPct val="70000"/>
+              <a:buFont typeface="Wingdings 2"/>
+              <a:buChar char=""/>
+              <a:tabLst/>
+              <a:defRPr/>
+            </a:pPr>
+            <a:r>
+              <a:rPr lang="fr-FR" sz="2400" dirty="0" smtClean="0">
+                <a:solidFill>
+                  <a:schemeClr val="tx2"/>
+                </a:solidFill>
+              </a:rPr>
+              <a:t>Conclusion</a:t>
+            </a:r>
+            <a:endParaRPr kumimoji="0" lang="fr-FR" sz="2400" b="0" i="0" u="none" strike="noStrike" kern="1200" cap="none" spc="0" normalizeH="0" baseline="0" noProof="0" dirty="0">
+              <a:ln>
+                <a:noFill/>
+              </a:ln>
+              <a:solidFill>
+                <a:schemeClr val="tx2"/>
+              </a:solidFill>
+              <a:effectLst/>
+              <a:uLnTx/>
+              <a:uFillTx/>
+              <a:latin typeface="+mn-lt"/>
+              <a:ea typeface="+mn-ea"/>
+              <a:cs typeface="+mn-cs"/>
+            </a:endParaRPr>
+          </a:p>
+        </p:txBody>
+      </p:sp>
+      <p:sp>
+        <p:nvSpPr>
+          <p:cNvPr id="7" name="ZoneTexte 6"/>
+          <p:cNvSpPr txBox="1"/>
+          <p:nvPr/>
+        </p:nvSpPr>
+        <p:spPr>
+          <a:xfrm>
+            <a:off x="0" y="6581001"/>
+            <a:ext cx="2708919" cy="276999"/>
+          </a:xfrm>
+          <a:prstGeom prst="rect">
+            <a:avLst/>
+          </a:prstGeom>
+          <a:noFill/>
+          <a:scene3d>
+            <a:camera prst="orthographicFront">
+              <a:rot lat="0" lon="0" rev="5400000"/>
+            </a:camera>
+            <a:lightRig rig="threePt" dir="t"/>
+          </a:scene3d>
+        </p:spPr>
+        <p:txBody>
+          <a:bodyPr wrap="square" rtlCol="0">
+            <a:spAutoFit/>
+            <a:scene3d>
+              <a:camera prst="orthographicFront">
+                <a:rot lat="0" lon="0" rev="0"/>
+              </a:camera>
+              <a:lightRig rig="threePt" dir="t"/>
+            </a:scene3d>
+            <a:flatTx/>
+          </a:bodyPr>
+          <a:lstStyle/>
+          <a:p>
+            <a:r>
+              <a:rPr lang="fr-FR" sz="1200" dirty="0" smtClean="0"/>
+              <a:t>Soutenance projet LPD2I 2010/2011</a:t>
+            </a:r>
+            <a:endParaRPr lang="fr-FR" sz="1200" dirty="0"/>
+          </a:p>
+        </p:txBody>
+      </p:sp>
+      <p:sp>
+        <p:nvSpPr>
+          <p:cNvPr id="9" name="ZoneTexte 8"/>
+          <p:cNvSpPr txBox="1"/>
+          <p:nvPr/>
+        </p:nvSpPr>
+        <p:spPr>
+          <a:xfrm>
+            <a:off x="5508104" y="6581001"/>
+            <a:ext cx="3635896" cy="276999"/>
+          </a:xfrm>
+          <a:prstGeom prst="rect">
+            <a:avLst/>
+          </a:prstGeom>
+          <a:noFill/>
+          <a:scene3d>
+            <a:camera prst="orthographicFront">
+              <a:rot lat="0" lon="0" rev="5400000"/>
+            </a:camera>
+            <a:lightRig rig="threePt" dir="t"/>
+          </a:scene3d>
+        </p:spPr>
+        <p:txBody>
+          <a:bodyPr wrap="square" rtlCol="0">
+            <a:spAutoFit/>
+            <a:scene3d>
+              <a:camera prst="orthographicFront">
+                <a:rot lat="0" lon="0" rev="0"/>
+              </a:camera>
+              <a:lightRig rig="threePt" dir="t"/>
+            </a:scene3d>
+            <a:flatTx/>
+          </a:bodyPr>
+          <a:lstStyle/>
+          <a:p>
+            <a:r>
+              <a:rPr lang="fr-FR" sz="1200" dirty="0" smtClean="0"/>
+              <a:t>Leonhard Hermle – Julien Cellier – Xavier Mourgues</a:t>
+            </a:r>
+            <a:endParaRPr lang="fr-FR" sz="1200" dirty="0"/>
+          </a:p>
+        </p:txBody>
+      </p:sp>
+    </p:spTree>
+  </p:cSld>
+  <p:clrMapOvr>
+    <a:masterClrMapping/>
+  </p:clrMapOvr>
+  <p:timing>
+    <p:tnLst>
+      <p:par>
+        <p:cTn id="1" dur="indefinite" restart="never" nodeType="tmRoot"/>
+      </p:par>
+    </p:tnLst>
+  </p:timing>
+</p:sld>
+</file>
+
+<file path=ppt/slides/slide5.xml><?xml version="1.0" encoding="utf-8"?>
+<p:sld xmlns:a="http://schemas.openxmlformats.org/drawingml/2006/main" xmlns:r="http://schemas.openxmlformats.org/officeDocument/2006/relationships" xmlns:p="http://schemas.openxmlformats.org/presentationml/2006/main">
+  <p:cSld>
+    <p:spTree>
+      <p:nvGrpSpPr>
+        <p:cNvPr id="1" name=""/>
+        <p:cNvGrpSpPr/>
+        <p:nvPr/>
+      </p:nvGrpSpPr>
+      <p:grpSpPr>
+        <a:xfrm>
+          <a:off x="0" y="0"/>
+          <a:ext cx="0" cy="0"/>
+          <a:chOff x="0" y="0"/>
+          <a:chExt cx="0" cy="0"/>
+        </a:xfrm>
+      </p:grpSpPr>
+      <p:sp>
+        <p:nvSpPr>
+          <p:cNvPr id="2" name="Titre 1"/>
+          <p:cNvSpPr>
+            <a:spLocks noGrp="1"/>
+          </p:cNvSpPr>
+          <p:nvPr>
+            <p:ph type="title"/>
+          </p:nvPr>
+        </p:nvSpPr>
+        <p:spPr/>
+        <p:txBody>
+          <a:bodyPr>
+            <a:normAutofit/>
+          </a:bodyPr>
+          <a:lstStyle/>
+          <a:p>
+            <a:r>
+              <a:rPr lang="fr-FR" dirty="0" smtClean="0"/>
+              <a:t>Introduction</a:t>
+            </a:r>
+            <a:endParaRPr lang="fr-FR" dirty="0"/>
+          </a:p>
+        </p:txBody>
+      </p:sp>
+      <p:sp>
+        <p:nvSpPr>
+          <p:cNvPr id="3" name="Espace réservé du contenu 2"/>
+          <p:cNvSpPr>
+            <a:spLocks noGrp="1"/>
+          </p:cNvSpPr>
+          <p:nvPr>
+            <p:ph idx="1"/>
+          </p:nvPr>
+        </p:nvSpPr>
+        <p:spPr>
+          <a:xfrm>
+            <a:off x="2411760" y="1700808"/>
+            <a:ext cx="6552728" cy="4536504"/>
+          </a:xfrm>
+        </p:spPr>
+        <p:txBody>
+          <a:bodyPr/>
+          <a:lstStyle/>
+          <a:p>
+            <a:r>
+              <a:rPr lang="fr-FR" dirty="0" err="1" smtClean="0"/>
+              <a:t>qsdqsd</a:t>
+            </a:r>
+            <a:endParaRPr lang="fr-FR" dirty="0"/>
+          </a:p>
+        </p:txBody>
+      </p:sp>
+      <p:sp>
+        <p:nvSpPr>
+          <p:cNvPr id="6" name="Espace réservé du contenu 2"/>
+          <p:cNvSpPr txBox="1">
+            <a:spLocks/>
+          </p:cNvSpPr>
+          <p:nvPr/>
+        </p:nvSpPr>
+        <p:spPr>
+          <a:xfrm>
+            <a:off x="179512" y="1700808"/>
+            <a:ext cx="2088232" cy="4536504"/>
+          </a:xfrm>
+          <a:prstGeom prst="rect">
+            <a:avLst/>
+          </a:prstGeom>
+        </p:spPr>
+        <p:txBody>
+          <a:bodyPr vert="horz">
+            <a:normAutofit/>
+          </a:bodyPr>
+          <a:lstStyle/>
+          <a:p>
+            <a:pPr marL="342900" marR="0" lvl="0" indent="-342900" algn="l" defTabSz="914400" rtl="0" eaLnBrk="1" fontAlgn="auto" latinLnBrk="0" hangingPunct="1">
+              <a:lnSpc>
+                <a:spcPct val="100000"/>
+              </a:lnSpc>
+              <a:spcBef>
+                <a:spcPct val="20000"/>
+              </a:spcBef>
+              <a:spcAft>
+                <a:spcPts val="0"/>
+              </a:spcAft>
+              <a:buClr>
+                <a:schemeClr val="accent1"/>
+              </a:buClr>
+              <a:buSzPct val="70000"/>
+              <a:buFont typeface="Wingdings 2"/>
+              <a:buChar char=""/>
+              <a:tabLst/>
+              <a:defRPr/>
+            </a:pPr>
+            <a:r>
+              <a:rPr kumimoji="0" lang="fr-FR" sz="2400" b="0" i="0" u="none" strike="noStrike" kern="1200" cap="none" spc="0" normalizeH="0" baseline="0" noProof="0" dirty="0" smtClean="0">
+                <a:ln>
+                  <a:noFill/>
+                </a:ln>
+                <a:solidFill>
+                  <a:schemeClr val="tx2"/>
+                </a:solidFill>
+                <a:effectLst/>
+                <a:uLnTx/>
+                <a:uFillTx/>
+                <a:latin typeface="+mn-lt"/>
+                <a:ea typeface="+mn-ea"/>
+                <a:cs typeface="+mn-cs"/>
+              </a:rPr>
+              <a:t>Introduction</a:t>
+            </a:r>
+          </a:p>
+          <a:p>
+            <a:pPr marL="342900" marR="0" lvl="0" indent="-342900" algn="l" defTabSz="914400" rtl="0" eaLnBrk="1" fontAlgn="auto" latinLnBrk="0" hangingPunct="1">
+              <a:lnSpc>
+                <a:spcPct val="100000"/>
+              </a:lnSpc>
+              <a:spcBef>
+                <a:spcPct val="20000"/>
+              </a:spcBef>
+              <a:spcAft>
+                <a:spcPts val="0"/>
+              </a:spcAft>
+              <a:buClr>
+                <a:schemeClr val="accent1"/>
+              </a:buClr>
+              <a:buSzPct val="70000"/>
+              <a:buFont typeface="Wingdings 2"/>
+              <a:buChar char=""/>
+              <a:tabLst/>
+              <a:defRPr/>
+            </a:pPr>
+            <a:r>
+              <a:rPr lang="fr-FR" sz="2400" dirty="0" smtClean="0">
+                <a:solidFill>
+                  <a:schemeClr val="tx2"/>
+                </a:solidFill>
+              </a:rPr>
+              <a:t>Extraction</a:t>
+            </a:r>
+          </a:p>
+          <a:p>
+            <a:pPr marL="342900" marR="0" lvl="0" indent="-342900" algn="l" defTabSz="914400" rtl="0" eaLnBrk="1" fontAlgn="auto" latinLnBrk="0" hangingPunct="1">
+              <a:lnSpc>
+                <a:spcPct val="100000"/>
+              </a:lnSpc>
+              <a:spcBef>
+                <a:spcPct val="20000"/>
+              </a:spcBef>
+              <a:spcAft>
+                <a:spcPts val="0"/>
+              </a:spcAft>
+              <a:buClr>
+                <a:schemeClr val="accent1"/>
+              </a:buClr>
+              <a:buSzPct val="70000"/>
+              <a:buFont typeface="Wingdings 2"/>
+              <a:buChar char=""/>
+              <a:tabLst/>
+              <a:defRPr/>
+            </a:pPr>
+            <a:r>
+              <a:rPr kumimoji="0" lang="fr-FR" sz="2400" b="0" i="0" u="none" strike="noStrike" kern="1200" cap="none" spc="0" normalizeH="0" baseline="0" noProof="0" dirty="0" smtClean="0">
+                <a:ln>
+                  <a:noFill/>
+                </a:ln>
+                <a:solidFill>
+                  <a:schemeClr val="tx2"/>
+                </a:solidFill>
+                <a:effectLst/>
+                <a:uLnTx/>
+                <a:uFillTx/>
+                <a:latin typeface="+mn-lt"/>
+                <a:ea typeface="+mn-ea"/>
+                <a:cs typeface="+mn-cs"/>
+              </a:rPr>
+              <a:t>Stockage</a:t>
+            </a:r>
+          </a:p>
+          <a:p>
+            <a:pPr marL="342900" marR="0" lvl="0" indent="-342900" algn="l" defTabSz="914400" rtl="0" eaLnBrk="1" fontAlgn="auto" latinLnBrk="0" hangingPunct="1">
+              <a:lnSpc>
+                <a:spcPct val="100000"/>
+              </a:lnSpc>
+              <a:spcBef>
+                <a:spcPct val="20000"/>
+              </a:spcBef>
+              <a:spcAft>
+                <a:spcPts val="0"/>
+              </a:spcAft>
+              <a:buClr>
+                <a:schemeClr val="accent1"/>
+              </a:buClr>
+              <a:buSzPct val="70000"/>
+              <a:buFont typeface="Wingdings 2"/>
+              <a:buChar char=""/>
+              <a:tabLst/>
+              <a:defRPr/>
+            </a:pPr>
+            <a:r>
+              <a:rPr lang="fr-FR" sz="2400" dirty="0" smtClean="0">
+                <a:solidFill>
+                  <a:schemeClr val="tx2"/>
+                </a:solidFill>
+              </a:rPr>
+              <a:t>Restitution</a:t>
+            </a:r>
+            <a:endParaRPr kumimoji="0" lang="fr-FR" sz="2400" b="0" i="0" u="none" strike="noStrike" kern="1200" cap="none" spc="0" normalizeH="0" baseline="0" noProof="0" dirty="0" smtClean="0">
+              <a:ln>
+                <a:noFill/>
+              </a:ln>
+              <a:solidFill>
+                <a:schemeClr val="tx2"/>
+              </a:solidFill>
+              <a:effectLst/>
+              <a:uLnTx/>
+              <a:uFillTx/>
+              <a:latin typeface="+mn-lt"/>
+              <a:ea typeface="+mn-ea"/>
+              <a:cs typeface="+mn-cs"/>
+            </a:endParaRPr>
+          </a:p>
+          <a:p>
+            <a:pPr marL="342900" marR="0" lvl="0" indent="-342900" algn="l" defTabSz="914400" rtl="0" eaLnBrk="1" fontAlgn="auto" latinLnBrk="0" hangingPunct="1">
+              <a:lnSpc>
+                <a:spcPct val="100000"/>
+              </a:lnSpc>
+              <a:spcBef>
+                <a:spcPct val="20000"/>
+              </a:spcBef>
+              <a:spcAft>
+                <a:spcPts val="0"/>
+              </a:spcAft>
+              <a:buClr>
+                <a:schemeClr val="accent1"/>
+              </a:buClr>
+              <a:buSzPct val="70000"/>
+              <a:buFont typeface="Wingdings 2"/>
+              <a:buChar char=""/>
+              <a:tabLst/>
+              <a:defRPr/>
+            </a:pPr>
+            <a:r>
+              <a:rPr lang="fr-FR" sz="2400" dirty="0" smtClean="0">
+                <a:solidFill>
+                  <a:schemeClr val="tx2"/>
+                </a:solidFill>
+              </a:rPr>
+              <a:t>Conclusion</a:t>
+            </a:r>
+            <a:endParaRPr kumimoji="0" lang="fr-FR" sz="2400" b="0" i="0" u="none" strike="noStrike" kern="1200" cap="none" spc="0" normalizeH="0" baseline="0" noProof="0" dirty="0">
+              <a:ln>
+                <a:noFill/>
+              </a:ln>
+              <a:solidFill>
+                <a:schemeClr val="tx2"/>
+              </a:solidFill>
+              <a:effectLst/>
+              <a:uLnTx/>
+              <a:uFillTx/>
+              <a:latin typeface="+mn-lt"/>
+              <a:ea typeface="+mn-ea"/>
+              <a:cs typeface="+mn-cs"/>
+            </a:endParaRPr>
+          </a:p>
+        </p:txBody>
+      </p:sp>
+      <p:sp>
+        <p:nvSpPr>
+          <p:cNvPr id="7" name="ZoneTexte 6"/>
+          <p:cNvSpPr txBox="1"/>
+          <p:nvPr/>
+        </p:nvSpPr>
+        <p:spPr>
+          <a:xfrm>
+            <a:off x="0" y="6581001"/>
+            <a:ext cx="2708919" cy="276999"/>
+          </a:xfrm>
+          <a:prstGeom prst="rect">
+            <a:avLst/>
+          </a:prstGeom>
+          <a:noFill/>
+          <a:scene3d>
+            <a:camera prst="orthographicFront">
+              <a:rot lat="0" lon="0" rev="5400000"/>
+            </a:camera>
+            <a:lightRig rig="threePt" dir="t"/>
+          </a:scene3d>
+        </p:spPr>
+        <p:txBody>
+          <a:bodyPr wrap="square" rtlCol="0">
+            <a:spAutoFit/>
+            <a:scene3d>
+              <a:camera prst="orthographicFront">
+                <a:rot lat="0" lon="0" rev="0"/>
+              </a:camera>
+              <a:lightRig rig="threePt" dir="t"/>
+            </a:scene3d>
+            <a:flatTx/>
+          </a:bodyPr>
+          <a:lstStyle/>
+          <a:p>
+            <a:r>
+              <a:rPr lang="fr-FR" sz="1200" dirty="0" smtClean="0"/>
+              <a:t>Soutenance projet LPD2I 2010/2011</a:t>
+            </a:r>
+            <a:endParaRPr lang="fr-FR" sz="1200" dirty="0"/>
+          </a:p>
+        </p:txBody>
+      </p:sp>
+      <p:sp>
+        <p:nvSpPr>
+          <p:cNvPr id="9" name="ZoneTexte 8"/>
+          <p:cNvSpPr txBox="1"/>
+          <p:nvPr/>
+        </p:nvSpPr>
+        <p:spPr>
+          <a:xfrm>
+            <a:off x="5508104" y="6581001"/>
+            <a:ext cx="3635896" cy="276999"/>
+          </a:xfrm>
+          <a:prstGeom prst="rect">
+            <a:avLst/>
+          </a:prstGeom>
+          <a:noFill/>
+          <a:scene3d>
+            <a:camera prst="orthographicFront">
+              <a:rot lat="0" lon="0" rev="5400000"/>
+            </a:camera>
+            <a:lightRig rig="threePt" dir="t"/>
+          </a:scene3d>
+        </p:spPr>
+        <p:txBody>
+          <a:bodyPr wrap="square" rtlCol="0">
+            <a:spAutoFit/>
+            <a:scene3d>
+              <a:camera prst="orthographicFront">
+                <a:rot lat="0" lon="0" rev="0"/>
+              </a:camera>
+              <a:lightRig rig="threePt" dir="t"/>
+            </a:scene3d>
+            <a:flatTx/>
+          </a:bodyPr>
+          <a:lstStyle/>
+          <a:p>
+            <a:r>
+              <a:rPr lang="fr-FR" sz="1200" dirty="0" smtClean="0"/>
+              <a:t>Leonhard Hermle – Julien Cellier – Xavier Mourgues</a:t>
+            </a:r>
+            <a:endParaRPr lang="fr-FR" sz="1200" dirty="0"/>
           </a:p>
         </p:txBody>
       </p:sp>
@@ -3283,9 +4999,9 @@
 </file>
 
 <file path=ppt/theme/theme1.xml><?xml version="1.0" encoding="utf-8"?>
-<a:theme xmlns:a="http://schemas.openxmlformats.org/drawingml/2006/main" name="Thème Office">
+<a:theme xmlns:a="http://schemas.openxmlformats.org/drawingml/2006/main" name="Promenade">
   <a:themeElements>
-    <a:clrScheme name="Office">
+    <a:clrScheme name="Promenade">
       <a:dk1>
         <a:sysClr val="windowText" lastClr="000000"/>
       </a:dk1>
@@ -3293,82 +5009,48 @@
         <a:sysClr val="window" lastClr="FFFFFF"/>
       </a:lt1>
       <a:dk2>
-        <a:srgbClr val="1F497D"/>
+        <a:srgbClr val="4E3B30"/>
       </a:dk2>
       <a:lt2>
-        <a:srgbClr val="EEECE1"/>
+        <a:srgbClr val="FBEEC9"/>
       </a:lt2>
       <a:accent1>
-        <a:srgbClr val="4F81BD"/>
+        <a:srgbClr val="F0A22E"/>
       </a:accent1>
       <a:accent2>
-        <a:srgbClr val="C0504D"/>
+        <a:srgbClr val="A5644E"/>
       </a:accent2>
       <a:accent3>
-        <a:srgbClr val="9BBB59"/>
+        <a:srgbClr val="B58B80"/>
       </a:accent3>
       <a:accent4>
-        <a:srgbClr val="8064A2"/>
+        <a:srgbClr val="C3986D"/>
       </a:accent4>
       <a:accent5>
-        <a:srgbClr val="4BACC6"/>
+        <a:srgbClr val="A19574"/>
       </a:accent5>
       <a:accent6>
-        <a:srgbClr val="F79646"/>
+        <a:srgbClr val="C17529"/>
       </a:accent6>
       <a:hlink>
-        <a:srgbClr val="0000FF"/>
+        <a:srgbClr val="AD1F1F"/>
       </a:hlink>
       <a:folHlink>
-        <a:srgbClr val="800080"/>
+        <a:srgbClr val="FFC42F"/>
       </a:folHlink>
     </a:clrScheme>
-    <a:fontScheme name="Office">
+    <a:fontScheme name="Promenade">
       <a:majorFont>
-        <a:latin typeface="Calibri"/>
+        <a:latin typeface="Franklin Gothic Medium"/>
         <a:ea typeface=""/>
         <a:cs typeface=""/>
-        <a:font script="Jpan" typeface="ＭＳ Ｐゴシック"/>
-        <a:font script="Hang" typeface="맑은 고딕"/>
-        <a:font script="Hans" typeface="宋体"/>
-        <a:font script="Hant" typeface="新細明體"/>
-        <a:font script="Arab" typeface="Times New Roman"/>
-        <a:font script="Hebr" typeface="Times New Roman"/>
-        <a:font script="Thai" typeface="Angsana New"/>
-        <a:font script="Ethi" typeface="Nyala"/>
-        <a:font script="Beng" typeface="Vrinda"/>
-        <a:font script="Gujr" typeface="Shruti"/>
-        <a:font script="Khmr" typeface="MoolBoran"/>
-        <a:font script="Knda" typeface="Tunga"/>
-        <a:font script="Guru" typeface="Raavi"/>
-        <a:font script="Cans" typeface="Euphemia"/>
-        <a:font script="Cher" typeface="Plantagenet Cherokee"/>
-        <a:font script="Yiii" typeface="Microsoft Yi Baiti"/>
-        <a:font script="Tibt" typeface="Microsoft Himalaya"/>
-        <a:font script="Thaa" typeface="MV Boli"/>
-        <a:font script="Deva" typeface="Mangal"/>
-        <a:font script="Telu" typeface="Gautami"/>
-        <a:font script="Taml" typeface="Latha"/>
-        <a:font script="Syrc" typeface="Estrangelo Edessa"/>
-        <a:font script="Orya" typeface="Kalinga"/>
-        <a:font script="Mlym" typeface="Kartika"/>
-        <a:font script="Laoo" typeface="DokChampa"/>
-        <a:font script="Sinh" typeface="Iskoola Pota"/>
-        <a:font script="Mong" typeface="Mongolian Baiti"/>
-        <a:font script="Viet" typeface="Times New Roman"/>
-        <a:font script="Uigh" typeface="Microsoft Uighur"/>
-      </a:majorFont>
-      <a:minorFont>
-        <a:latin typeface="Calibri"/>
-        <a:ea typeface=""/>
-        <a:cs typeface=""/>
-        <a:font script="Jpan" typeface="ＭＳ Ｐゴシック"/>
-        <a:font script="Hang" typeface="맑은 고딕"/>
-        <a:font script="Hans" typeface="宋体"/>
-        <a:font script="Hant" typeface="新細明體"/>
-        <a:font script="Arab" typeface="Arial"/>
-        <a:font script="Hebr" typeface="Arial"/>
-        <a:font script="Thai" typeface="Cordia New"/>
+        <a:font script="Jpan" typeface="HG創英角ｺﾞｼｯｸUB"/>
+        <a:font script="Hang" typeface="돋움"/>
+        <a:font script="Hans" typeface="隶书"/>
+        <a:font script="Hant" typeface="微軟正黑體"/>
+        <a:font script="Arab" typeface="Tahoma"/>
+        <a:font script="Hebr" typeface="Aharoni"/>
+        <a:font script="Thai" typeface="LilyUPC"/>
         <a:font script="Ethi" typeface="Nyala"/>
         <a:font script="Beng" typeface="Vrinda"/>
         <a:font script="Gujr" typeface="Shruti"/>
@@ -3391,9 +5073,43 @@
         <a:font script="Mong" typeface="Mongolian Baiti"/>
         <a:font script="Viet" typeface="Arial"/>
         <a:font script="Uigh" typeface="Microsoft Uighur"/>
+      </a:majorFont>
+      <a:minorFont>
+        <a:latin typeface="Franklin Gothic Book"/>
+        <a:ea typeface=""/>
+        <a:cs typeface=""/>
+        <a:font script="Jpan" typeface="HGｺﾞｼｯｸE"/>
+        <a:font script="Hang" typeface="돋움"/>
+        <a:font script="Hans" typeface="华文楷体"/>
+        <a:font script="Hant" typeface="微軟正黑體"/>
+        <a:font script="Arab" typeface="Tahoma"/>
+        <a:font script="Hebr" typeface="Aharoni"/>
+        <a:font script="Thai" typeface="LilyUPC"/>
+        <a:font script="Ethi" typeface="Nyala"/>
+        <a:font script="Beng" typeface="Vrinda"/>
+        <a:font script="Gujr" typeface="Shruti"/>
+        <a:font script="Khmr" typeface="DaunPenh"/>
+        <a:font script="Knda" typeface="Tunga"/>
+        <a:font script="Guru" typeface="Raavi"/>
+        <a:font script="Cans" typeface="Euphemia"/>
+        <a:font script="Cher" typeface="Plantagenet Cherokee"/>
+        <a:font script="Yiii" typeface="Microsoft Yi Baiti"/>
+        <a:font script="Tibt" typeface="Microsoft Himalaya"/>
+        <a:font script="Thaa" typeface="MV Boli"/>
+        <a:font script="Deva" typeface="Mangal"/>
+        <a:font script="Telu" typeface="Gautami"/>
+        <a:font script="Taml" typeface="Latha"/>
+        <a:font script="Syrc" typeface="Estrangelo Edessa"/>
+        <a:font script="Orya" typeface="Kalinga"/>
+        <a:font script="Mlym" typeface="Kartika"/>
+        <a:font script="Laoo" typeface="DokChampa"/>
+        <a:font script="Sinh" typeface="Iskoola Pota"/>
+        <a:font script="Mong" typeface="Mongolian Baiti"/>
+        <a:font script="Viet" typeface="Tahoma"/>
+        <a:font script="Uigh" typeface="Microsoft Uighur"/>
       </a:minorFont>
     </a:fontScheme>
-    <a:fmtScheme name="Office">
+    <a:fmtScheme name="Promenade">
       <a:fillStyleLst>
         <a:solidFill>
           <a:schemeClr val="phClr"/>
@@ -3402,56 +5118,77 @@
           <a:gsLst>
             <a:gs pos="0">
               <a:schemeClr val="phClr">
-                <a:tint val="50000"/>
-                <a:satMod val="300000"/>
+                <a:tint val="30000"/>
+                <a:satMod val="250000"/>
               </a:schemeClr>
             </a:gs>
-            <a:gs pos="35000">
+            <a:gs pos="72000">
               <a:schemeClr val="phClr">
-                <a:tint val="37000"/>
-                <a:satMod val="300000"/>
+                <a:tint val="75000"/>
+                <a:satMod val="210000"/>
               </a:schemeClr>
             </a:gs>
             <a:gs pos="100000">
               <a:schemeClr val="phClr">
-                <a:tint val="15000"/>
-                <a:satMod val="350000"/>
+                <a:tint val="85000"/>
+                <a:satMod val="210000"/>
               </a:schemeClr>
             </a:gs>
           </a:gsLst>
-          <a:lin ang="16200000" scaled="1"/>
+          <a:lin ang="5400000" scaled="1"/>
         </a:gradFill>
         <a:gradFill rotWithShape="1">
           <a:gsLst>
             <a:gs pos="0">
               <a:schemeClr val="phClr">
-                <a:shade val="51000"/>
-                <a:satMod val="130000"/>
+                <a:tint val="75000"/>
+                <a:shade val="85000"/>
+                <a:satMod val="230000"/>
+              </a:schemeClr>
+            </a:gs>
+            <a:gs pos="25000">
+              <a:schemeClr val="phClr">
+                <a:tint val="90000"/>
+                <a:shade val="70000"/>
+                <a:satMod val="220000"/>
+              </a:schemeClr>
+            </a:gs>
+            <a:gs pos="50000">
+              <a:schemeClr val="phClr">
+                <a:tint val="90000"/>
+                <a:shade val="58000"/>
+                <a:satMod val="225000"/>
+              </a:schemeClr>
+            </a:gs>
+            <a:gs pos="65000">
+              <a:schemeClr val="phClr">
+                <a:tint val="90000"/>
+                <a:shade val="58000"/>
+                <a:satMod val="225000"/>
               </a:schemeClr>
             </a:gs>
             <a:gs pos="80000">
               <a:schemeClr val="phClr">
-                <a:shade val="93000"/>
-                <a:satMod val="130000"/>
+                <a:tint val="90000"/>
+                <a:shade val="69000"/>
+                <a:satMod val="220000"/>
               </a:schemeClr>
             </a:gs>
             <a:gs pos="100000">
               <a:schemeClr val="phClr">
-                <a:shade val="94000"/>
-                <a:satMod val="135000"/>
+                <a:tint val="77000"/>
+                <a:shade val="80000"/>
+                <a:satMod val="230000"/>
               </a:schemeClr>
             </a:gs>
           </a:gsLst>
-          <a:lin ang="16200000" scaled="0"/>
+          <a:lin ang="5400000" scaled="1"/>
         </a:gradFill>
       </a:fillStyleLst>
       <a:lnStyleLst>
-        <a:ln w="9525" cap="flat" cmpd="sng" algn="ctr">
+        <a:ln w="10000" cap="flat" cmpd="sng" algn="ctr">
           <a:solidFill>
-            <a:schemeClr val="phClr">
-              <a:shade val="95000"/>
-              <a:satMod val="105000"/>
-            </a:schemeClr>
+            <a:schemeClr val="phClr"/>
           </a:solidFill>
           <a:prstDash val="solid"/>
         </a:ln>
@@ -3471,27 +5208,18 @@
       <a:effectStyleLst>
         <a:effectStyle>
           <a:effectLst>
-            <a:outerShdw blurRad="40000" dist="20000" dir="5400000" rotWithShape="0">
-              <a:srgbClr val="000000">
-                <a:alpha val="38000"/>
+            <a:outerShdw blurRad="76200" dist="50800" dir="5400000" rotWithShape="0">
+              <a:srgbClr val="4E3B30">
+                <a:alpha val="60000"/>
               </a:srgbClr>
             </a:outerShdw>
           </a:effectLst>
         </a:effectStyle>
         <a:effectStyle>
           <a:effectLst>
-            <a:outerShdw blurRad="40000" dist="23000" dir="5400000" rotWithShape="0">
-              <a:srgbClr val="000000">
-                <a:alpha val="35000"/>
-              </a:srgbClr>
-            </a:outerShdw>
-          </a:effectLst>
-        </a:effectStyle>
-        <a:effectStyle>
-          <a:effectLst>
-            <a:outerShdw blurRad="40000" dist="23000" dir="5400000" rotWithShape="0">
-              <a:srgbClr val="000000">
-                <a:alpha val="35000"/>
+            <a:outerShdw blurRad="76200" dist="50800" dir="5400000" rotWithShape="0">
+              <a:srgbClr val="4E3B30">
+                <a:alpha val="60000"/>
               </a:srgbClr>
             </a:outerShdw>
           </a:effectLst>
@@ -3499,12 +5227,38 @@
             <a:camera prst="orthographicFront">
               <a:rot lat="0" lon="0" rev="0"/>
             </a:camera>
-            <a:lightRig rig="threePt" dir="t">
-              <a:rot lat="0" lon="0" rev="1200000"/>
+            <a:lightRig rig="threePt" dir="tl">
+              <a:rot lat="0" lon="0" rev="0"/>
             </a:lightRig>
           </a:scene3d>
-          <a:sp3d>
-            <a:bevelT w="63500" h="25400"/>
+          <a:sp3d prstMaterial="metal">
+            <a:bevelT w="10000" h="10000"/>
+          </a:sp3d>
+        </a:effectStyle>
+        <a:effectStyle>
+          <a:effectLst>
+            <a:outerShdw blurRad="76200" dist="50800" dir="5400000" rotWithShape="0">
+              <a:srgbClr val="4E3B30">
+                <a:alpha val="60000"/>
+              </a:srgbClr>
+            </a:outerShdw>
+          </a:effectLst>
+          <a:scene3d>
+            <a:camera prst="obliqueTopLeft" fov="600000">
+              <a:rot lat="0" lon="0" rev="0"/>
+            </a:camera>
+            <a:lightRig rig="balanced" dir="t">
+              <a:rot lat="0" lon="0" rev="19200000"/>
+            </a:lightRig>
+          </a:scene3d>
+          <a:sp3d contourW="12700" prstMaterial="matte">
+            <a:bevelT w="60000" h="50800"/>
+            <a:contourClr>
+              <a:schemeClr val="phClr">
+                <a:shade val="60000"/>
+                <a:satMod val="110000"/>
+              </a:schemeClr>
+            </a:contourClr>
           </a:sp3d>
         </a:effectStyle>
       </a:effectStyleLst>
@@ -3512,55 +5266,69 @@
         <a:solidFill>
           <a:schemeClr val="phClr"/>
         </a:solidFill>
-        <a:gradFill rotWithShape="1">
-          <a:gsLst>
-            <a:gs pos="0">
+        <a:blipFill>
+          <a:blip xmlns:r="http://schemas.openxmlformats.org/officeDocument/2006/relationships" r:embed="rId1">
+            <a:duotone>
               <a:schemeClr val="phClr">
-                <a:tint val="40000"/>
-                <a:satMod val="350000"/>
+                <a:shade val="90000"/>
+                <a:satMod val="150000"/>
               </a:schemeClr>
-            </a:gs>
-            <a:gs pos="40000">
               <a:schemeClr val="phClr">
-                <a:tint val="45000"/>
-                <a:shade val="99000"/>
-                <a:satMod val="350000"/>
+                <a:tint val="88000"/>
+                <a:satMod val="105000"/>
               </a:schemeClr>
-            </a:gs>
-            <a:gs pos="100000">
-              <a:schemeClr val="phClr">
-                <a:shade val="20000"/>
-                <a:satMod val="255000"/>
-              </a:schemeClr>
-            </a:gs>
-          </a:gsLst>
-          <a:path path="circle">
-            <a:fillToRect l="50000" t="-80000" r="50000" b="180000"/>
-          </a:path>
-        </a:gradFill>
-        <a:gradFill rotWithShape="1">
-          <a:gsLst>
-            <a:gs pos="0">
-              <a:schemeClr val="phClr">
-                <a:tint val="80000"/>
-                <a:satMod val="300000"/>
-              </a:schemeClr>
-            </a:gs>
-            <a:gs pos="100000">
+            </a:duotone>
+          </a:blip>
+          <a:tile tx="0" ty="0" sx="95000" sy="95000" flip="none" algn="t"/>
+        </a:blipFill>
+        <a:blipFill>
+          <a:blip xmlns:r="http://schemas.openxmlformats.org/officeDocument/2006/relationships" r:embed="rId2">
+            <a:duotone>
               <a:schemeClr val="phClr">
                 <a:shade val="30000"/>
-                <a:satMod val="200000"/>
+                <a:satMod val="455000"/>
               </a:schemeClr>
-            </a:gs>
-          </a:gsLst>
-          <a:path path="circle">
-            <a:fillToRect l="50000" t="50000" r="50000" b="50000"/>
-          </a:path>
-        </a:gradFill>
+              <a:schemeClr val="phClr">
+                <a:tint val="95000"/>
+                <a:satMod val="120000"/>
+              </a:schemeClr>
+            </a:duotone>
+          </a:blip>
+          <a:stretch>
+            <a:fillRect/>
+          </a:stretch>
+        </a:blipFill>
       </a:bgFillStyleLst>
     </a:fmtScheme>
   </a:themeElements>
-  <a:objectDefaults/>
+  <a:objectDefaults>
+    <a:txDef>
+      <a:spPr>
+        <a:noFill/>
+        <a:scene3d>
+          <a:camera prst="orthographicFront">
+            <a:rot lat="0" lon="0" rev="5400000"/>
+          </a:camera>
+          <a:lightRig rig="threePt" dir="t"/>
+        </a:scene3d>
+      </a:spPr>
+      <a:bodyPr wrap="square" rtlCol="0">
+        <a:spAutoFit/>
+        <a:scene3d>
+          <a:camera prst="orthographicFront">
+            <a:rot lat="0" lon="0" rev="0"/>
+          </a:camera>
+          <a:lightRig rig="threePt" dir="t"/>
+        </a:scene3d>
+        <a:flatTx/>
+      </a:bodyPr>
+      <a:lstStyle>
+        <a:defPPr>
+          <a:defRPr sz="1200" dirty="0" smtClean="0"/>
+        </a:defPPr>
+      </a:lstStyle>
+    </a:txDef>
+  </a:objectDefaults>
   <a:extraClrSchemeLst/>
 </a:theme>
 </file>
--- a/pwp soutenance.pptx
+++ b/pwp soutenance.pptx
@@ -6,10 +6,17 @@
   </p:sldMasterIdLst>
   <p:sldIdLst>
     <p:sldId id="258" r:id="rId2"/>
-    <p:sldId id="259" r:id="rId3"/>
-    <p:sldId id="260" r:id="rId4"/>
-    <p:sldId id="262" r:id="rId5"/>
-    <p:sldId id="261" r:id="rId6"/>
+    <p:sldId id="262" r:id="rId3"/>
+    <p:sldId id="263" r:id="rId4"/>
+    <p:sldId id="264" r:id="rId5"/>
+    <p:sldId id="265" r:id="rId6"/>
+    <p:sldId id="269" r:id="rId7"/>
+    <p:sldId id="270" r:id="rId8"/>
+    <p:sldId id="271" r:id="rId9"/>
+    <p:sldId id="274" r:id="rId10"/>
+    <p:sldId id="275" r:id="rId11"/>
+    <p:sldId id="267" r:id="rId12"/>
+    <p:sldId id="268" r:id="rId13"/>
   </p:sldIdLst>
   <p:sldSz cx="9144000" cy="6858000" type="screen4x3"/>
   <p:notesSz cx="6858000" cy="9144000"/>
@@ -3454,7 +3461,7 @@
 </p:sld>
 </file>
 
-<file path=ppt/slides/slide2.xml><?xml version="1.0" encoding="utf-8"?>
+<file path=ppt/slides/slide10.xml><?xml version="1.0" encoding="utf-8"?>
 <p:sld xmlns:a="http://schemas.openxmlformats.org/drawingml/2006/main" xmlns:r="http://schemas.openxmlformats.org/officeDocument/2006/relationships" xmlns:p="http://schemas.openxmlformats.org/presentationml/2006/main">
   <p:cSld>
     <p:spTree>
@@ -3489,10 +3496,18 @@
           <a:lstStyle/>
           <a:p>
             <a:r>
-              <a:rPr lang="fr-FR" dirty="0" smtClean="0"/>
-              <a:t>Introduction</a:t>
-            </a:r>
-            <a:endParaRPr lang="fr-FR" dirty="0"/>
+              <a:rPr lang="fr-FR" cap="none" dirty="0" smtClean="0">
+                <a:effectLst/>
+              </a:rPr>
+              <a:t>STOCKAGES</a:t>
+            </a:r>
+            <a:r>
+              <a:rPr lang="fr-FR" sz="2000" cap="none" dirty="0" smtClean="0">
+                <a:effectLst/>
+              </a:rPr>
+              <a:t>(suite)</a:t>
+            </a:r>
+            <a:endParaRPr lang="fr-FR" sz="2000" dirty="0"/>
           </a:p>
         </p:txBody>
       </p:sp>
@@ -3508,19 +3523,60 @@
         </p:nvSpPr>
         <p:spPr>
           <a:xfrm>
-            <a:off x="2411760" y="1700808"/>
-            <a:ext cx="6552728" cy="4536504"/>
+            <a:off x="2555776" y="1700808"/>
+            <a:ext cx="6120680" cy="4248472"/>
           </a:xfrm>
         </p:spPr>
         <p:txBody>
-          <a:bodyPr/>
-          <a:lstStyle/>
-          <a:p>
-            <a:r>
-              <a:rPr lang="fr-FR" dirty="0" err="1" smtClean="0"/>
-              <a:t>qsdqsd</a:t>
-            </a:r>
-            <a:endParaRPr lang="fr-FR" dirty="0"/>
+          <a:bodyPr>
+            <a:normAutofit/>
+          </a:bodyPr>
+          <a:lstStyle/>
+          <a:p>
+            <a:pPr algn="ctr">
+              <a:buNone/>
+            </a:pPr>
+            <a:r>
+              <a:rPr lang="fr-FR" sz="2800" b="1" dirty="0" smtClean="0">
+                <a:solidFill>
+                  <a:schemeClr val="accent5">
+                    <a:lumMod val="75000"/>
+                  </a:schemeClr>
+                </a:solidFill>
+              </a:rPr>
+              <a:t>Trigger et vues</a:t>
+            </a:r>
+            <a:endParaRPr lang="fr-FR" sz="2800" b="1" dirty="0" smtClean="0">
+              <a:solidFill>
+                <a:schemeClr val="accent5">
+                  <a:lumMod val="75000"/>
+                </a:schemeClr>
+              </a:solidFill>
+            </a:endParaRPr>
+          </a:p>
+          <a:p>
+            <a:pPr>
+              <a:buNone/>
+            </a:pPr>
+            <a:endParaRPr lang="fr-FR" sz="2800" dirty="0" smtClean="0">
+              <a:solidFill>
+                <a:schemeClr val="accent5">
+                  <a:lumMod val="75000"/>
+                </a:schemeClr>
+              </a:solidFill>
+            </a:endParaRPr>
+          </a:p>
+          <a:p>
+            <a:pPr algn="ctr">
+              <a:buNone/>
+            </a:pPr>
+            <a:endParaRPr lang="fr-FR" sz="2800" b="1" dirty="0" smtClean="0">
+              <a:solidFill>
+                <a:schemeClr val="accent5">
+                  <a:lumMod val="75000"/>
+                </a:schemeClr>
+              </a:solidFill>
+            </a:endParaRPr>
           </a:p>
         </p:txBody>
       </p:sp>
@@ -3567,7 +3623,7 @@
               <a:defRPr/>
             </a:pPr>
             <a:r>
-              <a:rPr kumimoji="0" lang="fr-FR" sz="2400" b="1" i="0" u="none" strike="noStrike" kern="1200" cap="none" spc="0" normalizeH="0" baseline="0" noProof="0" dirty="0" smtClean="0">
+              <a:rPr kumimoji="0" lang="fr-FR" sz="2400" i="0" u="none" strike="noStrike" kern="1200" cap="none" spc="0" normalizeH="0" baseline="0" noProof="0" dirty="0" smtClean="0">
                 <a:ln>
                   <a:noFill/>
                 </a:ln>
@@ -3634,7 +3690,7 @@
               <a:defRPr/>
             </a:pPr>
             <a:r>
-              <a:rPr kumimoji="0" lang="fr-FR" sz="2400" b="0" i="0" u="none" strike="noStrike" kern="1200" cap="none" spc="0" normalizeH="0" baseline="0" noProof="0" dirty="0" smtClean="0">
+              <a:rPr kumimoji="0" lang="fr-FR" sz="2400" b="1" i="0" u="none" strike="noStrike" kern="1200" cap="none" spc="0" normalizeH="0" baseline="0" noProof="0" dirty="0" smtClean="0">
                 <a:ln>
                   <a:noFill/>
                 </a:ln>
@@ -3825,6 +3881,1336 @@
           </a:p>
         </p:txBody>
       </p:sp>
+      <p:cxnSp>
+        <p:nvCxnSpPr>
+          <p:cNvPr id="12" name="Connecteur droit 11"/>
+          <p:cNvCxnSpPr/>
+          <p:nvPr/>
+        </p:nvCxnSpPr>
+        <p:spPr>
+          <a:xfrm rot="5400000">
+            <a:off x="107504" y="4077072"/>
+            <a:ext cx="4464496" cy="0"/>
+          </a:xfrm>
+          <a:prstGeom prst="line">
+            <a:avLst/>
+          </a:prstGeom>
+        </p:spPr>
+        <p:style>
+          <a:lnRef idx="1">
+            <a:schemeClr val="accent1"/>
+          </a:lnRef>
+          <a:fillRef idx="0">
+            <a:schemeClr val="accent1"/>
+          </a:fillRef>
+          <a:effectRef idx="0">
+            <a:schemeClr val="accent1"/>
+          </a:effectRef>
+          <a:fontRef idx="minor">
+            <a:schemeClr val="tx1"/>
+          </a:fontRef>
+        </p:style>
+      </p:cxnSp>
+    </p:spTree>
+  </p:cSld>
+  <p:clrMapOvr>
+    <a:masterClrMapping/>
+  </p:clrMapOvr>
+  <p:timing>
+    <p:tnLst>
+      <p:par>
+        <p:cTn id="1" dur="indefinite" restart="never" nodeType="tmRoot"/>
+      </p:par>
+    </p:tnLst>
+  </p:timing>
+</p:sld>
+</file>
+
+<file path=ppt/slides/slide11.xml><?xml version="1.0" encoding="utf-8"?>
+<p:sld xmlns:a="http://schemas.openxmlformats.org/drawingml/2006/main" xmlns:r="http://schemas.openxmlformats.org/officeDocument/2006/relationships" xmlns:p="http://schemas.openxmlformats.org/presentationml/2006/main">
+  <p:cSld>
+    <p:spTree>
+      <p:nvGrpSpPr>
+        <p:cNvPr id="1" name=""/>
+        <p:cNvGrpSpPr/>
+        <p:nvPr/>
+      </p:nvGrpSpPr>
+      <p:grpSpPr>
+        <a:xfrm>
+          <a:off x="0" y="0"/>
+          <a:ext cx="0" cy="0"/>
+          <a:chOff x="0" y="0"/>
+          <a:chExt cx="0" cy="0"/>
+        </a:xfrm>
+      </p:grpSpPr>
+      <p:sp>
+        <p:nvSpPr>
+          <p:cNvPr id="2" name="Titre 1"/>
+          <p:cNvSpPr>
+            <a:spLocks noGrp="1"/>
+          </p:cNvSpPr>
+          <p:nvPr>
+            <p:ph type="title"/>
+          </p:nvPr>
+        </p:nvSpPr>
+        <p:spPr/>
+        <p:txBody>
+          <a:bodyPr>
+            <a:normAutofit/>
+          </a:bodyPr>
+          <a:lstStyle/>
+          <a:p>
+            <a:r>
+              <a:rPr lang="fr-FR" dirty="0" smtClean="0"/>
+              <a:t>Restitution</a:t>
+            </a:r>
+            <a:endParaRPr lang="fr-FR" dirty="0"/>
+          </a:p>
+        </p:txBody>
+      </p:sp>
+      <p:sp>
+        <p:nvSpPr>
+          <p:cNvPr id="3" name="Espace réservé du contenu 2"/>
+          <p:cNvSpPr>
+            <a:spLocks noGrp="1"/>
+          </p:cNvSpPr>
+          <p:nvPr>
+            <p:ph idx="1"/>
+          </p:nvPr>
+        </p:nvSpPr>
+        <p:spPr>
+          <a:xfrm>
+            <a:off x="2411760" y="1700808"/>
+            <a:ext cx="6552728" cy="4536504"/>
+          </a:xfrm>
+        </p:spPr>
+        <p:txBody>
+          <a:bodyPr>
+            <a:normAutofit/>
+          </a:bodyPr>
+          <a:lstStyle/>
+          <a:p>
+            <a:pPr algn="ctr">
+              <a:buNone/>
+            </a:pPr>
+            <a:r>
+              <a:rPr lang="fr-FR" sz="2800" b="1" dirty="0" smtClean="0">
+                <a:solidFill>
+                  <a:schemeClr val="accent5">
+                    <a:lumMod val="75000"/>
+                  </a:schemeClr>
+                </a:solidFill>
+              </a:rPr>
+              <a:t>Objectifs</a:t>
+            </a:r>
+          </a:p>
+          <a:p>
+            <a:r>
+              <a:rPr lang="fr-FR" sz="2400" u="sng" dirty="0" smtClean="0"/>
+              <a:t>Exploiter</a:t>
+            </a:r>
+            <a:r>
+              <a:rPr lang="fr-FR" sz="2400" dirty="0" smtClean="0"/>
+              <a:t> du contenu de pages HTML.</a:t>
+            </a:r>
+          </a:p>
+          <a:p>
+            <a:r>
+              <a:rPr lang="fr-FR" sz="2400" u="sng" dirty="0" smtClean="0"/>
+              <a:t>Stocker</a:t>
+            </a:r>
+            <a:r>
+              <a:rPr lang="fr-FR" sz="2400" dirty="0" smtClean="0"/>
+              <a:t> au format XML dans une base de données. </a:t>
+            </a:r>
+          </a:p>
+          <a:p>
+            <a:r>
+              <a:rPr lang="fr-FR" sz="2400" u="sng" dirty="0" smtClean="0"/>
+              <a:t>Restituer</a:t>
+            </a:r>
+            <a:r>
+              <a:rPr lang="fr-FR" sz="2400" dirty="0" smtClean="0"/>
+              <a:t> ces données dans une interface graphique.</a:t>
+            </a:r>
+            <a:endParaRPr lang="fr-FR" sz="2400" dirty="0"/>
+          </a:p>
+        </p:txBody>
+      </p:sp>
+      <p:sp>
+        <p:nvSpPr>
+          <p:cNvPr id="6" name="Espace réservé du contenu 2"/>
+          <p:cNvSpPr txBox="1">
+            <a:spLocks/>
+          </p:cNvSpPr>
+          <p:nvPr/>
+        </p:nvSpPr>
+        <p:spPr>
+          <a:xfrm>
+            <a:off x="179512" y="1700808"/>
+            <a:ext cx="2088232" cy="4536504"/>
+          </a:xfrm>
+          <a:prstGeom prst="rect">
+            <a:avLst/>
+          </a:prstGeom>
+        </p:spPr>
+        <p:txBody>
+          <a:bodyPr vert="horz">
+            <a:normAutofit/>
+          </a:bodyPr>
+          <a:lstStyle/>
+          <a:p>
+            <a:pPr marL="342900" marR="0" lvl="0" indent="-342900" algn="l" defTabSz="914400" rtl="0" eaLnBrk="1" fontAlgn="auto" latinLnBrk="0" hangingPunct="1">
+              <a:lnSpc>
+                <a:spcPct val="100000"/>
+              </a:lnSpc>
+              <a:spcBef>
+                <a:spcPct val="20000"/>
+              </a:spcBef>
+              <a:spcAft>
+                <a:spcPts val="0"/>
+              </a:spcAft>
+              <a:buClr>
+                <a:schemeClr val="accent1"/>
+              </a:buClr>
+              <a:buSzPct val="70000"/>
+              <a:buFont typeface="Wingdings 2"/>
+              <a:buChar char=""/>
+              <a:tabLst/>
+              <a:defRPr/>
+            </a:pPr>
+            <a:r>
+              <a:rPr kumimoji="0" lang="fr-FR" sz="2400" i="0" u="none" strike="noStrike" kern="1200" cap="none" spc="0" normalizeH="0" baseline="0" noProof="0" dirty="0" smtClean="0">
+                <a:ln>
+                  <a:noFill/>
+                </a:ln>
+                <a:solidFill>
+                  <a:schemeClr val="tx2"/>
+                </a:solidFill>
+                <a:effectLst/>
+                <a:uLnTx/>
+                <a:uFillTx/>
+                <a:latin typeface="+mn-lt"/>
+                <a:ea typeface="+mn-ea"/>
+                <a:cs typeface="+mn-cs"/>
+              </a:rPr>
+              <a:t>Introduction</a:t>
+            </a:r>
+          </a:p>
+          <a:p>
+            <a:pPr marL="342900" marR="0" lvl="0" indent="-342900" algn="l" defTabSz="914400" rtl="0" eaLnBrk="1" fontAlgn="auto" latinLnBrk="0" hangingPunct="1">
+              <a:lnSpc>
+                <a:spcPct val="100000"/>
+              </a:lnSpc>
+              <a:spcBef>
+                <a:spcPct val="20000"/>
+              </a:spcBef>
+              <a:spcAft>
+                <a:spcPts val="0"/>
+              </a:spcAft>
+              <a:buClr>
+                <a:schemeClr val="accent1"/>
+              </a:buClr>
+              <a:buSzPct val="70000"/>
+              <a:buFont typeface="Wingdings 2"/>
+              <a:buChar char=""/>
+              <a:tabLst/>
+              <a:defRPr/>
+            </a:pPr>
+            <a:r>
+              <a:rPr lang="fr-FR" sz="2400" dirty="0" smtClean="0">
+                <a:solidFill>
+                  <a:schemeClr val="tx2"/>
+                </a:solidFill>
+              </a:rPr>
+              <a:t>Extraction</a:t>
+            </a:r>
+          </a:p>
+          <a:p>
+            <a:pPr marL="342900" marR="0" lvl="0" indent="-342900" algn="l" defTabSz="914400" rtl="0" eaLnBrk="1" fontAlgn="auto" latinLnBrk="0" hangingPunct="1">
+              <a:lnSpc>
+                <a:spcPct val="100000"/>
+              </a:lnSpc>
+              <a:spcBef>
+                <a:spcPct val="20000"/>
+              </a:spcBef>
+              <a:spcAft>
+                <a:spcPts val="0"/>
+              </a:spcAft>
+              <a:buClr>
+                <a:schemeClr val="accent1"/>
+              </a:buClr>
+              <a:buSzPct val="70000"/>
+              <a:buFont typeface="Wingdings 2"/>
+              <a:buChar char=""/>
+              <a:tabLst/>
+              <a:defRPr/>
+            </a:pPr>
+            <a:r>
+              <a:rPr kumimoji="0" lang="fr-FR" sz="2400" b="0" i="0" u="none" strike="noStrike" kern="1200" cap="none" spc="0" normalizeH="0" baseline="0" noProof="0" dirty="0" smtClean="0">
+                <a:ln>
+                  <a:noFill/>
+                </a:ln>
+                <a:solidFill>
+                  <a:schemeClr val="tx2"/>
+                </a:solidFill>
+                <a:effectLst/>
+                <a:uLnTx/>
+                <a:uFillTx/>
+                <a:latin typeface="+mn-lt"/>
+                <a:ea typeface="+mn-ea"/>
+                <a:cs typeface="+mn-cs"/>
+              </a:rPr>
+              <a:t>Stockage</a:t>
+            </a:r>
+          </a:p>
+          <a:p>
+            <a:pPr marL="342900" marR="0" lvl="0" indent="-342900" algn="l" defTabSz="914400" rtl="0" eaLnBrk="1" fontAlgn="auto" latinLnBrk="0" hangingPunct="1">
+              <a:lnSpc>
+                <a:spcPct val="100000"/>
+              </a:lnSpc>
+              <a:spcBef>
+                <a:spcPct val="20000"/>
+              </a:spcBef>
+              <a:spcAft>
+                <a:spcPts val="0"/>
+              </a:spcAft>
+              <a:buClr>
+                <a:schemeClr val="accent1"/>
+              </a:buClr>
+              <a:buSzPct val="70000"/>
+              <a:buFont typeface="Wingdings 2"/>
+              <a:buChar char=""/>
+              <a:tabLst/>
+              <a:defRPr/>
+            </a:pPr>
+            <a:r>
+              <a:rPr lang="fr-FR" sz="2400" b="1" dirty="0" smtClean="0">
+                <a:solidFill>
+                  <a:schemeClr val="tx2"/>
+                </a:solidFill>
+              </a:rPr>
+              <a:t>Restitution</a:t>
+            </a:r>
+            <a:endParaRPr kumimoji="0" lang="fr-FR" sz="2400" b="1" i="0" u="none" strike="noStrike" kern="1200" cap="none" spc="0" normalizeH="0" baseline="0" noProof="0" dirty="0" smtClean="0">
+              <a:ln>
+                <a:noFill/>
+              </a:ln>
+              <a:solidFill>
+                <a:schemeClr val="tx2"/>
+              </a:solidFill>
+              <a:effectLst/>
+              <a:uLnTx/>
+              <a:uFillTx/>
+              <a:latin typeface="+mn-lt"/>
+              <a:ea typeface="+mn-ea"/>
+              <a:cs typeface="+mn-cs"/>
+            </a:endParaRPr>
+          </a:p>
+          <a:p>
+            <a:pPr marL="342900" marR="0" lvl="0" indent="-342900" algn="l" defTabSz="914400" rtl="0" eaLnBrk="1" fontAlgn="auto" latinLnBrk="0" hangingPunct="1">
+              <a:lnSpc>
+                <a:spcPct val="100000"/>
+              </a:lnSpc>
+              <a:spcBef>
+                <a:spcPct val="20000"/>
+              </a:spcBef>
+              <a:spcAft>
+                <a:spcPts val="0"/>
+              </a:spcAft>
+              <a:buClr>
+                <a:schemeClr val="accent1"/>
+              </a:buClr>
+              <a:buSzPct val="70000"/>
+              <a:buFont typeface="Wingdings 2"/>
+              <a:buChar char=""/>
+              <a:tabLst/>
+              <a:defRPr/>
+            </a:pPr>
+            <a:r>
+              <a:rPr lang="fr-FR" sz="2400" dirty="0" smtClean="0">
+                <a:solidFill>
+                  <a:schemeClr val="tx2"/>
+                </a:solidFill>
+              </a:rPr>
+              <a:t>Conclusion</a:t>
+            </a:r>
+            <a:endParaRPr kumimoji="0" lang="fr-FR" sz="2400" b="0" i="0" u="none" strike="noStrike" kern="1200" cap="none" spc="0" normalizeH="0" baseline="0" noProof="0" dirty="0">
+              <a:ln>
+                <a:noFill/>
+              </a:ln>
+              <a:solidFill>
+                <a:schemeClr val="tx2"/>
+              </a:solidFill>
+              <a:effectLst/>
+              <a:uLnTx/>
+              <a:uFillTx/>
+              <a:latin typeface="+mn-lt"/>
+              <a:ea typeface="+mn-ea"/>
+              <a:cs typeface="+mn-cs"/>
+            </a:endParaRPr>
+          </a:p>
+        </p:txBody>
+      </p:sp>
+      <p:sp>
+        <p:nvSpPr>
+          <p:cNvPr id="7" name="ZoneTexte 6"/>
+          <p:cNvSpPr txBox="1"/>
+          <p:nvPr/>
+        </p:nvSpPr>
+        <p:spPr>
+          <a:xfrm>
+            <a:off x="0" y="6581001"/>
+            <a:ext cx="2708919" cy="276999"/>
+          </a:xfrm>
+          <a:prstGeom prst="rect">
+            <a:avLst/>
+          </a:prstGeom>
+          <a:noFill/>
+          <a:scene3d>
+            <a:camera prst="orthographicFront">
+              <a:rot lat="0" lon="0" rev="5400000"/>
+            </a:camera>
+            <a:lightRig rig="threePt" dir="t"/>
+          </a:scene3d>
+        </p:spPr>
+        <p:txBody>
+          <a:bodyPr wrap="square" rtlCol="0">
+            <a:spAutoFit/>
+            <a:scene3d>
+              <a:camera prst="orthographicFront">
+                <a:rot lat="0" lon="0" rev="0"/>
+              </a:camera>
+              <a:lightRig rig="threePt" dir="t"/>
+            </a:scene3d>
+            <a:flatTx/>
+          </a:bodyPr>
+          <a:lstStyle/>
+          <a:p>
+            <a:r>
+              <a:rPr lang="fr-FR" sz="1200" dirty="0" smtClean="0"/>
+              <a:t>Soutenance projet LPD2I 2010/2011</a:t>
+            </a:r>
+            <a:endParaRPr lang="fr-FR" sz="1200" dirty="0"/>
+          </a:p>
+        </p:txBody>
+      </p:sp>
+      <p:sp>
+        <p:nvSpPr>
+          <p:cNvPr id="9" name="ZoneTexte 8"/>
+          <p:cNvSpPr txBox="1"/>
+          <p:nvPr/>
+        </p:nvSpPr>
+        <p:spPr>
+          <a:xfrm>
+            <a:off x="5508104" y="6581001"/>
+            <a:ext cx="3635896" cy="276999"/>
+          </a:xfrm>
+          <a:prstGeom prst="rect">
+            <a:avLst/>
+          </a:prstGeom>
+          <a:noFill/>
+          <a:scene3d>
+            <a:camera prst="orthographicFront">
+              <a:rot lat="0" lon="0" rev="5400000"/>
+            </a:camera>
+            <a:lightRig rig="threePt" dir="t"/>
+          </a:scene3d>
+        </p:spPr>
+        <p:txBody>
+          <a:bodyPr wrap="square" rtlCol="0">
+            <a:spAutoFit/>
+            <a:scene3d>
+              <a:camera prst="orthographicFront">
+                <a:rot lat="0" lon="0" rev="0"/>
+              </a:camera>
+              <a:lightRig rig="threePt" dir="t"/>
+            </a:scene3d>
+            <a:flatTx/>
+          </a:bodyPr>
+          <a:lstStyle/>
+          <a:p>
+            <a:r>
+              <a:rPr lang="fr-FR" sz="1200" dirty="0" smtClean="0"/>
+              <a:t>Leonhard Hermle – Julien Cellier – Xavier Mourgues</a:t>
+            </a:r>
+            <a:endParaRPr lang="fr-FR" sz="1200" dirty="0"/>
+          </a:p>
+        </p:txBody>
+      </p:sp>
+      <p:cxnSp>
+        <p:nvCxnSpPr>
+          <p:cNvPr id="12" name="Connecteur droit 11"/>
+          <p:cNvCxnSpPr/>
+          <p:nvPr/>
+        </p:nvCxnSpPr>
+        <p:spPr>
+          <a:xfrm rot="5400000">
+            <a:off x="107504" y="4077072"/>
+            <a:ext cx="4464496" cy="0"/>
+          </a:xfrm>
+          <a:prstGeom prst="line">
+            <a:avLst/>
+          </a:prstGeom>
+        </p:spPr>
+        <p:style>
+          <a:lnRef idx="1">
+            <a:schemeClr val="accent1"/>
+          </a:lnRef>
+          <a:fillRef idx="0">
+            <a:schemeClr val="accent1"/>
+          </a:fillRef>
+          <a:effectRef idx="0">
+            <a:schemeClr val="accent1"/>
+          </a:effectRef>
+          <a:fontRef idx="minor">
+            <a:schemeClr val="tx1"/>
+          </a:fontRef>
+        </p:style>
+      </p:cxnSp>
+    </p:spTree>
+  </p:cSld>
+  <p:clrMapOvr>
+    <a:masterClrMapping/>
+  </p:clrMapOvr>
+  <p:timing>
+    <p:tnLst>
+      <p:par>
+        <p:cTn id="1" dur="indefinite" restart="never" nodeType="tmRoot"/>
+      </p:par>
+    </p:tnLst>
+  </p:timing>
+</p:sld>
+</file>
+
+<file path=ppt/slides/slide12.xml><?xml version="1.0" encoding="utf-8"?>
+<p:sld xmlns:a="http://schemas.openxmlformats.org/drawingml/2006/main" xmlns:r="http://schemas.openxmlformats.org/officeDocument/2006/relationships" xmlns:p="http://schemas.openxmlformats.org/presentationml/2006/main">
+  <p:cSld>
+    <p:spTree>
+      <p:nvGrpSpPr>
+        <p:cNvPr id="1" name=""/>
+        <p:cNvGrpSpPr/>
+        <p:nvPr/>
+      </p:nvGrpSpPr>
+      <p:grpSpPr>
+        <a:xfrm>
+          <a:off x="0" y="0"/>
+          <a:ext cx="0" cy="0"/>
+          <a:chOff x="0" y="0"/>
+          <a:chExt cx="0" cy="0"/>
+        </a:xfrm>
+      </p:grpSpPr>
+      <p:sp>
+        <p:nvSpPr>
+          <p:cNvPr id="2" name="Titre 1"/>
+          <p:cNvSpPr>
+            <a:spLocks noGrp="1"/>
+          </p:cNvSpPr>
+          <p:nvPr>
+            <p:ph type="title"/>
+          </p:nvPr>
+        </p:nvSpPr>
+        <p:spPr/>
+        <p:txBody>
+          <a:bodyPr>
+            <a:normAutofit/>
+          </a:bodyPr>
+          <a:lstStyle/>
+          <a:p>
+            <a:r>
+              <a:rPr lang="fr-FR" dirty="0" smtClean="0"/>
+              <a:t>Conclusion</a:t>
+            </a:r>
+            <a:endParaRPr lang="fr-FR" dirty="0"/>
+          </a:p>
+        </p:txBody>
+      </p:sp>
+      <p:sp>
+        <p:nvSpPr>
+          <p:cNvPr id="6" name="Espace réservé du contenu 2"/>
+          <p:cNvSpPr txBox="1">
+            <a:spLocks/>
+          </p:cNvSpPr>
+          <p:nvPr/>
+        </p:nvSpPr>
+        <p:spPr>
+          <a:xfrm>
+            <a:off x="179512" y="1700808"/>
+            <a:ext cx="8352928" cy="4536504"/>
+          </a:xfrm>
+          <a:prstGeom prst="rect">
+            <a:avLst/>
+          </a:prstGeom>
+        </p:spPr>
+        <p:txBody>
+          <a:bodyPr vert="horz">
+            <a:normAutofit/>
+          </a:bodyPr>
+          <a:lstStyle/>
+          <a:p>
+            <a:pPr marL="342900" marR="0" lvl="0" indent="-342900" algn="l" defTabSz="914400" rtl="0" eaLnBrk="1" fontAlgn="auto" latinLnBrk="0" hangingPunct="1">
+              <a:lnSpc>
+                <a:spcPct val="100000"/>
+              </a:lnSpc>
+              <a:spcBef>
+                <a:spcPct val="20000"/>
+              </a:spcBef>
+              <a:spcAft>
+                <a:spcPts val="0"/>
+              </a:spcAft>
+              <a:buClr>
+                <a:schemeClr val="accent1"/>
+              </a:buClr>
+              <a:buSzPct val="70000"/>
+              <a:buFont typeface="Wingdings 2"/>
+              <a:buChar char=""/>
+              <a:tabLst/>
+              <a:defRPr/>
+            </a:pPr>
+            <a:r>
+              <a:rPr kumimoji="0" lang="fr-FR" sz="2400" i="0" u="none" strike="noStrike" kern="1200" cap="none" spc="0" normalizeH="0" baseline="0" noProof="0" dirty="0" smtClean="0">
+                <a:ln>
+                  <a:noFill/>
+                </a:ln>
+                <a:solidFill>
+                  <a:schemeClr val="tx2"/>
+                </a:solidFill>
+                <a:effectLst/>
+                <a:uLnTx/>
+                <a:uFillTx/>
+                <a:latin typeface="+mn-lt"/>
+                <a:ea typeface="+mn-ea"/>
+                <a:cs typeface="+mn-cs"/>
+              </a:rPr>
+              <a:t>Introduction</a:t>
+            </a:r>
+          </a:p>
+          <a:p>
+            <a:pPr marL="342900" marR="0" lvl="0" indent="-342900" algn="l" defTabSz="914400" rtl="0" eaLnBrk="1" fontAlgn="auto" latinLnBrk="0" hangingPunct="1">
+              <a:lnSpc>
+                <a:spcPct val="100000"/>
+              </a:lnSpc>
+              <a:spcBef>
+                <a:spcPct val="20000"/>
+              </a:spcBef>
+              <a:spcAft>
+                <a:spcPts val="0"/>
+              </a:spcAft>
+              <a:buClr>
+                <a:schemeClr val="accent1"/>
+              </a:buClr>
+              <a:buSzPct val="70000"/>
+              <a:buFont typeface="Wingdings 2"/>
+              <a:buChar char=""/>
+              <a:tabLst/>
+              <a:defRPr/>
+            </a:pPr>
+            <a:r>
+              <a:rPr lang="fr-FR" sz="2400" dirty="0" smtClean="0">
+                <a:solidFill>
+                  <a:schemeClr val="tx2"/>
+                </a:solidFill>
+              </a:rPr>
+              <a:t>Extraction</a:t>
+            </a:r>
+          </a:p>
+          <a:p>
+            <a:pPr marL="342900" marR="0" lvl="0" indent="-342900" algn="l" defTabSz="914400" rtl="0" eaLnBrk="1" fontAlgn="auto" latinLnBrk="0" hangingPunct="1">
+              <a:lnSpc>
+                <a:spcPct val="100000"/>
+              </a:lnSpc>
+              <a:spcBef>
+                <a:spcPct val="20000"/>
+              </a:spcBef>
+              <a:spcAft>
+                <a:spcPts val="0"/>
+              </a:spcAft>
+              <a:buClr>
+                <a:schemeClr val="accent1"/>
+              </a:buClr>
+              <a:buSzPct val="70000"/>
+              <a:buFont typeface="Wingdings 2"/>
+              <a:buChar char=""/>
+              <a:tabLst/>
+              <a:defRPr/>
+            </a:pPr>
+            <a:r>
+              <a:rPr kumimoji="0" lang="fr-FR" sz="2400" b="0" i="0" u="none" strike="noStrike" kern="1200" cap="none" spc="0" normalizeH="0" baseline="0" noProof="0" dirty="0" smtClean="0">
+                <a:ln>
+                  <a:noFill/>
+                </a:ln>
+                <a:solidFill>
+                  <a:schemeClr val="tx2"/>
+                </a:solidFill>
+                <a:effectLst/>
+                <a:uLnTx/>
+                <a:uFillTx/>
+                <a:latin typeface="+mn-lt"/>
+                <a:ea typeface="+mn-ea"/>
+                <a:cs typeface="+mn-cs"/>
+              </a:rPr>
+              <a:t>Stockage</a:t>
+            </a:r>
+          </a:p>
+          <a:p>
+            <a:pPr marL="342900" marR="0" lvl="0" indent="-342900" algn="l" defTabSz="914400" rtl="0" eaLnBrk="1" fontAlgn="auto" latinLnBrk="0" hangingPunct="1">
+              <a:lnSpc>
+                <a:spcPct val="100000"/>
+              </a:lnSpc>
+              <a:spcBef>
+                <a:spcPct val="20000"/>
+              </a:spcBef>
+              <a:spcAft>
+                <a:spcPts val="0"/>
+              </a:spcAft>
+              <a:buClr>
+                <a:schemeClr val="accent1"/>
+              </a:buClr>
+              <a:buSzPct val="70000"/>
+              <a:buFont typeface="Wingdings 2"/>
+              <a:buChar char=""/>
+              <a:tabLst/>
+              <a:defRPr/>
+            </a:pPr>
+            <a:r>
+              <a:rPr lang="fr-FR" sz="2400" dirty="0" smtClean="0">
+                <a:solidFill>
+                  <a:schemeClr val="tx2"/>
+                </a:solidFill>
+              </a:rPr>
+              <a:t>Restitution</a:t>
+            </a:r>
+            <a:endParaRPr kumimoji="0" lang="fr-FR" sz="2400" b="0" i="0" u="none" strike="noStrike" kern="1200" cap="none" spc="0" normalizeH="0" baseline="0" noProof="0" dirty="0" smtClean="0">
+              <a:ln>
+                <a:noFill/>
+              </a:ln>
+              <a:solidFill>
+                <a:schemeClr val="tx2"/>
+              </a:solidFill>
+              <a:effectLst/>
+              <a:uLnTx/>
+              <a:uFillTx/>
+              <a:latin typeface="+mn-lt"/>
+              <a:ea typeface="+mn-ea"/>
+              <a:cs typeface="+mn-cs"/>
+            </a:endParaRPr>
+          </a:p>
+          <a:p>
+            <a:pPr marL="342900" marR="0" lvl="0" indent="-342900" algn="l" defTabSz="914400" rtl="0" eaLnBrk="1" fontAlgn="auto" latinLnBrk="0" hangingPunct="1">
+              <a:lnSpc>
+                <a:spcPct val="100000"/>
+              </a:lnSpc>
+              <a:spcBef>
+                <a:spcPct val="20000"/>
+              </a:spcBef>
+              <a:spcAft>
+                <a:spcPts val="0"/>
+              </a:spcAft>
+              <a:buClr>
+                <a:schemeClr val="accent1"/>
+              </a:buClr>
+              <a:buSzPct val="70000"/>
+              <a:buFont typeface="Wingdings 2"/>
+              <a:buChar char=""/>
+              <a:tabLst/>
+              <a:defRPr/>
+            </a:pPr>
+            <a:r>
+              <a:rPr lang="fr-FR" sz="9600" b="1" dirty="0" smtClean="0">
+                <a:solidFill>
+                  <a:schemeClr val="tx2"/>
+                </a:solidFill>
+              </a:rPr>
+              <a:t>Conclusion</a:t>
+            </a:r>
+            <a:endParaRPr kumimoji="0" lang="fr-FR" sz="9600" b="1" i="0" u="none" strike="noStrike" kern="1200" cap="none" spc="0" normalizeH="0" baseline="0" noProof="0" dirty="0">
+              <a:ln>
+                <a:noFill/>
+              </a:ln>
+              <a:solidFill>
+                <a:schemeClr val="tx2"/>
+              </a:solidFill>
+              <a:effectLst/>
+              <a:uLnTx/>
+              <a:uFillTx/>
+              <a:latin typeface="+mn-lt"/>
+              <a:ea typeface="+mn-ea"/>
+              <a:cs typeface="+mn-cs"/>
+            </a:endParaRPr>
+          </a:p>
+        </p:txBody>
+      </p:sp>
+      <p:sp>
+        <p:nvSpPr>
+          <p:cNvPr id="7" name="ZoneTexte 6"/>
+          <p:cNvSpPr txBox="1"/>
+          <p:nvPr/>
+        </p:nvSpPr>
+        <p:spPr>
+          <a:xfrm>
+            <a:off x="0" y="6581001"/>
+            <a:ext cx="2708919" cy="276999"/>
+          </a:xfrm>
+          <a:prstGeom prst="rect">
+            <a:avLst/>
+          </a:prstGeom>
+          <a:noFill/>
+          <a:scene3d>
+            <a:camera prst="orthographicFront">
+              <a:rot lat="0" lon="0" rev="5400000"/>
+            </a:camera>
+            <a:lightRig rig="threePt" dir="t"/>
+          </a:scene3d>
+        </p:spPr>
+        <p:txBody>
+          <a:bodyPr wrap="square" rtlCol="0">
+            <a:spAutoFit/>
+            <a:scene3d>
+              <a:camera prst="orthographicFront">
+                <a:rot lat="0" lon="0" rev="0"/>
+              </a:camera>
+              <a:lightRig rig="threePt" dir="t"/>
+            </a:scene3d>
+            <a:flatTx/>
+          </a:bodyPr>
+          <a:lstStyle/>
+          <a:p>
+            <a:r>
+              <a:rPr lang="fr-FR" sz="1200" dirty="0" smtClean="0"/>
+              <a:t>Soutenance projet LPD2I 2010/2011</a:t>
+            </a:r>
+            <a:endParaRPr lang="fr-FR" sz="1200" dirty="0"/>
+          </a:p>
+        </p:txBody>
+      </p:sp>
+      <p:sp>
+        <p:nvSpPr>
+          <p:cNvPr id="9" name="ZoneTexte 8"/>
+          <p:cNvSpPr txBox="1"/>
+          <p:nvPr/>
+        </p:nvSpPr>
+        <p:spPr>
+          <a:xfrm>
+            <a:off x="5508104" y="6581001"/>
+            <a:ext cx="3635896" cy="276999"/>
+          </a:xfrm>
+          <a:prstGeom prst="rect">
+            <a:avLst/>
+          </a:prstGeom>
+          <a:noFill/>
+          <a:scene3d>
+            <a:camera prst="orthographicFront">
+              <a:rot lat="0" lon="0" rev="5400000"/>
+            </a:camera>
+            <a:lightRig rig="threePt" dir="t"/>
+          </a:scene3d>
+        </p:spPr>
+        <p:txBody>
+          <a:bodyPr wrap="square" rtlCol="0">
+            <a:spAutoFit/>
+            <a:scene3d>
+              <a:camera prst="orthographicFront">
+                <a:rot lat="0" lon="0" rev="0"/>
+              </a:camera>
+              <a:lightRig rig="threePt" dir="t"/>
+            </a:scene3d>
+            <a:flatTx/>
+          </a:bodyPr>
+          <a:lstStyle/>
+          <a:p>
+            <a:r>
+              <a:rPr lang="fr-FR" sz="1200" dirty="0" smtClean="0"/>
+              <a:t>Leonhard Hermle – Julien Cellier – Xavier Mourgues</a:t>
+            </a:r>
+            <a:endParaRPr lang="fr-FR" sz="1200" dirty="0"/>
+          </a:p>
+        </p:txBody>
+      </p:sp>
+    </p:spTree>
+  </p:cSld>
+  <p:clrMapOvr>
+    <a:masterClrMapping/>
+  </p:clrMapOvr>
+  <p:timing>
+    <p:tnLst>
+      <p:par>
+        <p:cTn id="1" dur="indefinite" restart="never" nodeType="tmRoot"/>
+      </p:par>
+    </p:tnLst>
+  </p:timing>
+</p:sld>
+</file>
+
+<file path=ppt/slides/slide2.xml><?xml version="1.0" encoding="utf-8"?>
+<p:sld xmlns:a="http://schemas.openxmlformats.org/drawingml/2006/main" xmlns:r="http://schemas.openxmlformats.org/officeDocument/2006/relationships" xmlns:p="http://schemas.openxmlformats.org/presentationml/2006/main">
+  <p:cSld>
+    <p:spTree>
+      <p:nvGrpSpPr>
+        <p:cNvPr id="1" name=""/>
+        <p:cNvGrpSpPr/>
+        <p:nvPr/>
+      </p:nvGrpSpPr>
+      <p:grpSpPr>
+        <a:xfrm>
+          <a:off x="0" y="0"/>
+          <a:ext cx="0" cy="0"/>
+          <a:chOff x="0" y="0"/>
+          <a:chExt cx="0" cy="0"/>
+        </a:xfrm>
+      </p:grpSpPr>
+      <p:sp>
+        <p:nvSpPr>
+          <p:cNvPr id="2" name="Titre 1"/>
+          <p:cNvSpPr>
+            <a:spLocks noGrp="1"/>
+          </p:cNvSpPr>
+          <p:nvPr>
+            <p:ph type="title"/>
+          </p:nvPr>
+        </p:nvSpPr>
+        <p:spPr/>
+        <p:txBody>
+          <a:bodyPr>
+            <a:normAutofit/>
+          </a:bodyPr>
+          <a:lstStyle/>
+          <a:p>
+            <a:r>
+              <a:rPr lang="fr-FR" dirty="0" smtClean="0"/>
+              <a:t>Introduction</a:t>
+            </a:r>
+            <a:endParaRPr lang="fr-FR" dirty="0"/>
+          </a:p>
+        </p:txBody>
+      </p:sp>
+      <p:sp>
+        <p:nvSpPr>
+          <p:cNvPr id="3" name="Espace réservé du contenu 2"/>
+          <p:cNvSpPr>
+            <a:spLocks noGrp="1"/>
+          </p:cNvSpPr>
+          <p:nvPr>
+            <p:ph idx="1"/>
+          </p:nvPr>
+        </p:nvSpPr>
+        <p:spPr>
+          <a:xfrm>
+            <a:off x="2411760" y="1700808"/>
+            <a:ext cx="6552728" cy="4536504"/>
+          </a:xfrm>
+        </p:spPr>
+        <p:txBody>
+          <a:bodyPr>
+            <a:normAutofit/>
+          </a:bodyPr>
+          <a:lstStyle/>
+          <a:p>
+            <a:pPr algn="ctr">
+              <a:buNone/>
+            </a:pPr>
+            <a:r>
+              <a:rPr lang="fr-FR" sz="2800" b="1" dirty="0" smtClean="0">
+                <a:solidFill>
+                  <a:schemeClr val="accent5">
+                    <a:lumMod val="75000"/>
+                  </a:schemeClr>
+                </a:solidFill>
+              </a:rPr>
+              <a:t>Objectifs</a:t>
+            </a:r>
+          </a:p>
+          <a:p>
+            <a:r>
+              <a:rPr lang="fr-FR" sz="2400" u="sng" dirty="0" smtClean="0"/>
+              <a:t>Exploiter</a:t>
+            </a:r>
+            <a:r>
+              <a:rPr lang="fr-FR" sz="2400" dirty="0" smtClean="0"/>
+              <a:t> </a:t>
+            </a:r>
+            <a:r>
+              <a:rPr lang="fr-FR" sz="2400" dirty="0" smtClean="0"/>
+              <a:t>du contenu de pages </a:t>
+            </a:r>
+            <a:r>
+              <a:rPr lang="fr-FR" sz="2400" dirty="0" smtClean="0"/>
+              <a:t>HTML.</a:t>
+            </a:r>
+          </a:p>
+          <a:p>
+            <a:r>
+              <a:rPr lang="fr-FR" sz="2400" u="sng" dirty="0" smtClean="0"/>
+              <a:t>Stocker</a:t>
+            </a:r>
+            <a:r>
+              <a:rPr lang="fr-FR" sz="2400" dirty="0" smtClean="0"/>
+              <a:t> au format </a:t>
+            </a:r>
+            <a:r>
+              <a:rPr lang="fr-FR" sz="2400" dirty="0" smtClean="0"/>
+              <a:t>XML dans une base de </a:t>
+            </a:r>
+            <a:r>
+              <a:rPr lang="fr-FR" sz="2400" dirty="0" smtClean="0"/>
+              <a:t>données. </a:t>
+            </a:r>
+          </a:p>
+          <a:p>
+            <a:r>
+              <a:rPr lang="fr-FR" sz="2400" u="sng" dirty="0" smtClean="0"/>
+              <a:t>Restituer</a:t>
+            </a:r>
+            <a:r>
+              <a:rPr lang="fr-FR" sz="2400" dirty="0" smtClean="0"/>
+              <a:t> ces données </a:t>
+            </a:r>
+            <a:r>
+              <a:rPr lang="fr-FR" sz="2400" dirty="0" smtClean="0"/>
+              <a:t>dans une </a:t>
+            </a:r>
+            <a:r>
+              <a:rPr lang="fr-FR" sz="2400" dirty="0" smtClean="0"/>
+              <a:t>interface </a:t>
+            </a:r>
+            <a:r>
+              <a:rPr lang="fr-FR" sz="2400" dirty="0" smtClean="0"/>
+              <a:t>graphique.</a:t>
+            </a:r>
+            <a:endParaRPr lang="fr-FR" sz="2400" dirty="0"/>
+          </a:p>
+        </p:txBody>
+      </p:sp>
+      <p:sp>
+        <p:nvSpPr>
+          <p:cNvPr id="6" name="Espace réservé du contenu 2"/>
+          <p:cNvSpPr txBox="1">
+            <a:spLocks/>
+          </p:cNvSpPr>
+          <p:nvPr/>
+        </p:nvSpPr>
+        <p:spPr>
+          <a:xfrm>
+            <a:off x="179512" y="1700808"/>
+            <a:ext cx="2088232" cy="4536504"/>
+          </a:xfrm>
+          <a:prstGeom prst="rect">
+            <a:avLst/>
+          </a:prstGeom>
+        </p:spPr>
+        <p:txBody>
+          <a:bodyPr vert="horz">
+            <a:normAutofit/>
+          </a:bodyPr>
+          <a:lstStyle/>
+          <a:p>
+            <a:pPr marL="342900" marR="0" lvl="0" indent="-342900" algn="l" defTabSz="914400" rtl="0" eaLnBrk="1" fontAlgn="auto" latinLnBrk="0" hangingPunct="1">
+              <a:lnSpc>
+                <a:spcPct val="100000"/>
+              </a:lnSpc>
+              <a:spcBef>
+                <a:spcPct val="20000"/>
+              </a:spcBef>
+              <a:spcAft>
+                <a:spcPts val="0"/>
+              </a:spcAft>
+              <a:buClr>
+                <a:schemeClr val="accent1"/>
+              </a:buClr>
+              <a:buSzPct val="70000"/>
+              <a:buFont typeface="Wingdings 2"/>
+              <a:buChar char=""/>
+              <a:tabLst/>
+              <a:defRPr/>
+            </a:pPr>
+            <a:r>
+              <a:rPr kumimoji="0" lang="fr-FR" sz="2400" b="1" i="0" u="none" strike="noStrike" kern="1200" cap="none" spc="0" normalizeH="0" baseline="0" noProof="0" dirty="0" smtClean="0">
+                <a:ln>
+                  <a:noFill/>
+                </a:ln>
+                <a:solidFill>
+                  <a:schemeClr val="tx2"/>
+                </a:solidFill>
+                <a:effectLst/>
+                <a:uLnTx/>
+                <a:uFillTx/>
+                <a:latin typeface="+mn-lt"/>
+                <a:ea typeface="+mn-ea"/>
+                <a:cs typeface="+mn-cs"/>
+              </a:rPr>
+              <a:t>Introduction</a:t>
+            </a:r>
+          </a:p>
+          <a:p>
+            <a:pPr marL="342900" marR="0" lvl="0" indent="-342900" algn="l" defTabSz="914400" rtl="0" eaLnBrk="1" fontAlgn="auto" latinLnBrk="0" hangingPunct="1">
+              <a:lnSpc>
+                <a:spcPct val="100000"/>
+              </a:lnSpc>
+              <a:spcBef>
+                <a:spcPct val="20000"/>
+              </a:spcBef>
+              <a:spcAft>
+                <a:spcPts val="0"/>
+              </a:spcAft>
+              <a:buClr>
+                <a:schemeClr val="accent1"/>
+              </a:buClr>
+              <a:buSzPct val="70000"/>
+              <a:buFont typeface="Wingdings 2"/>
+              <a:buChar char=""/>
+              <a:tabLst/>
+              <a:defRPr/>
+            </a:pPr>
+            <a:r>
+              <a:rPr lang="fr-FR" sz="2400" dirty="0" smtClean="0">
+                <a:solidFill>
+                  <a:schemeClr val="tx2"/>
+                </a:solidFill>
+              </a:rPr>
+              <a:t>Extraction</a:t>
+            </a:r>
+          </a:p>
+          <a:p>
+            <a:pPr marL="342900" marR="0" lvl="0" indent="-342900" algn="l" defTabSz="914400" rtl="0" eaLnBrk="1" fontAlgn="auto" latinLnBrk="0" hangingPunct="1">
+              <a:lnSpc>
+                <a:spcPct val="100000"/>
+              </a:lnSpc>
+              <a:spcBef>
+                <a:spcPct val="20000"/>
+              </a:spcBef>
+              <a:spcAft>
+                <a:spcPts val="0"/>
+              </a:spcAft>
+              <a:buClr>
+                <a:schemeClr val="accent1"/>
+              </a:buClr>
+              <a:buSzPct val="70000"/>
+              <a:buFont typeface="Wingdings 2"/>
+              <a:buChar char=""/>
+              <a:tabLst/>
+              <a:defRPr/>
+            </a:pPr>
+            <a:r>
+              <a:rPr kumimoji="0" lang="fr-FR" sz="2400" b="0" i="0" u="none" strike="noStrike" kern="1200" cap="none" spc="0" normalizeH="0" baseline="0" noProof="0" dirty="0" smtClean="0">
+                <a:ln>
+                  <a:noFill/>
+                </a:ln>
+                <a:solidFill>
+                  <a:schemeClr val="tx2"/>
+                </a:solidFill>
+                <a:effectLst/>
+                <a:uLnTx/>
+                <a:uFillTx/>
+                <a:latin typeface="+mn-lt"/>
+                <a:ea typeface="+mn-ea"/>
+                <a:cs typeface="+mn-cs"/>
+              </a:rPr>
+              <a:t>Stockage</a:t>
+            </a:r>
+          </a:p>
+          <a:p>
+            <a:pPr marL="342900" marR="0" lvl="0" indent="-342900" algn="l" defTabSz="914400" rtl="0" eaLnBrk="1" fontAlgn="auto" latinLnBrk="0" hangingPunct="1">
+              <a:lnSpc>
+                <a:spcPct val="100000"/>
+              </a:lnSpc>
+              <a:spcBef>
+                <a:spcPct val="20000"/>
+              </a:spcBef>
+              <a:spcAft>
+                <a:spcPts val="0"/>
+              </a:spcAft>
+              <a:buClr>
+                <a:schemeClr val="accent1"/>
+              </a:buClr>
+              <a:buSzPct val="70000"/>
+              <a:buFont typeface="Wingdings 2"/>
+              <a:buChar char=""/>
+              <a:tabLst/>
+              <a:defRPr/>
+            </a:pPr>
+            <a:r>
+              <a:rPr lang="fr-FR" sz="2400" dirty="0" smtClean="0">
+                <a:solidFill>
+                  <a:schemeClr val="tx2"/>
+                </a:solidFill>
+              </a:rPr>
+              <a:t>Restitution</a:t>
+            </a:r>
+            <a:endParaRPr kumimoji="0" lang="fr-FR" sz="2400" b="0" i="0" u="none" strike="noStrike" kern="1200" cap="none" spc="0" normalizeH="0" baseline="0" noProof="0" dirty="0" smtClean="0">
+              <a:ln>
+                <a:noFill/>
+              </a:ln>
+              <a:solidFill>
+                <a:schemeClr val="tx2"/>
+              </a:solidFill>
+              <a:effectLst/>
+              <a:uLnTx/>
+              <a:uFillTx/>
+              <a:latin typeface="+mn-lt"/>
+              <a:ea typeface="+mn-ea"/>
+              <a:cs typeface="+mn-cs"/>
+            </a:endParaRPr>
+          </a:p>
+          <a:p>
+            <a:pPr marL="342900" marR="0" lvl="0" indent="-342900" algn="l" defTabSz="914400" rtl="0" eaLnBrk="1" fontAlgn="auto" latinLnBrk="0" hangingPunct="1">
+              <a:lnSpc>
+                <a:spcPct val="100000"/>
+              </a:lnSpc>
+              <a:spcBef>
+                <a:spcPct val="20000"/>
+              </a:spcBef>
+              <a:spcAft>
+                <a:spcPts val="0"/>
+              </a:spcAft>
+              <a:buClr>
+                <a:schemeClr val="accent1"/>
+              </a:buClr>
+              <a:buSzPct val="70000"/>
+              <a:buFont typeface="Wingdings 2"/>
+              <a:buChar char=""/>
+              <a:tabLst/>
+              <a:defRPr/>
+            </a:pPr>
+            <a:r>
+              <a:rPr lang="fr-FR" sz="2400" dirty="0" smtClean="0">
+                <a:solidFill>
+                  <a:schemeClr val="tx2"/>
+                </a:solidFill>
+              </a:rPr>
+              <a:t>Conclusion</a:t>
+            </a:r>
+            <a:endParaRPr kumimoji="0" lang="fr-FR" sz="2400" b="0" i="0" u="none" strike="noStrike" kern="1200" cap="none" spc="0" normalizeH="0" baseline="0" noProof="0" dirty="0">
+              <a:ln>
+                <a:noFill/>
+              </a:ln>
+              <a:solidFill>
+                <a:schemeClr val="tx2"/>
+              </a:solidFill>
+              <a:effectLst/>
+              <a:uLnTx/>
+              <a:uFillTx/>
+              <a:latin typeface="+mn-lt"/>
+              <a:ea typeface="+mn-ea"/>
+              <a:cs typeface="+mn-cs"/>
+            </a:endParaRPr>
+          </a:p>
+        </p:txBody>
+      </p:sp>
+      <p:sp>
+        <p:nvSpPr>
+          <p:cNvPr id="7" name="ZoneTexte 6"/>
+          <p:cNvSpPr txBox="1"/>
+          <p:nvPr/>
+        </p:nvSpPr>
+        <p:spPr>
+          <a:xfrm>
+            <a:off x="0" y="6581001"/>
+            <a:ext cx="2708919" cy="276999"/>
+          </a:xfrm>
+          <a:prstGeom prst="rect">
+            <a:avLst/>
+          </a:prstGeom>
+          <a:noFill/>
+          <a:scene3d>
+            <a:camera prst="orthographicFront">
+              <a:rot lat="0" lon="0" rev="5400000"/>
+            </a:camera>
+            <a:lightRig rig="threePt" dir="t"/>
+          </a:scene3d>
+        </p:spPr>
+        <p:txBody>
+          <a:bodyPr wrap="square" rtlCol="0">
+            <a:spAutoFit/>
+            <a:scene3d>
+              <a:camera prst="orthographicFront">
+                <a:rot lat="0" lon="0" rev="0"/>
+              </a:camera>
+              <a:lightRig rig="threePt" dir="t"/>
+            </a:scene3d>
+            <a:flatTx/>
+          </a:bodyPr>
+          <a:lstStyle/>
+          <a:p>
+            <a:r>
+              <a:rPr lang="fr-FR" sz="1200" dirty="0" smtClean="0"/>
+              <a:t>Soutenance projet LPD2I 2010/2011</a:t>
+            </a:r>
+            <a:endParaRPr lang="fr-FR" sz="1200" dirty="0"/>
+          </a:p>
+        </p:txBody>
+      </p:sp>
+      <p:sp>
+        <p:nvSpPr>
+          <p:cNvPr id="9" name="ZoneTexte 8"/>
+          <p:cNvSpPr txBox="1"/>
+          <p:nvPr/>
+        </p:nvSpPr>
+        <p:spPr>
+          <a:xfrm>
+            <a:off x="5508104" y="6581001"/>
+            <a:ext cx="3635896" cy="276999"/>
+          </a:xfrm>
+          <a:prstGeom prst="rect">
+            <a:avLst/>
+          </a:prstGeom>
+          <a:noFill/>
+          <a:scene3d>
+            <a:camera prst="orthographicFront">
+              <a:rot lat="0" lon="0" rev="5400000"/>
+            </a:camera>
+            <a:lightRig rig="threePt" dir="t"/>
+          </a:scene3d>
+        </p:spPr>
+        <p:txBody>
+          <a:bodyPr wrap="square" rtlCol="0">
+            <a:spAutoFit/>
+            <a:scene3d>
+              <a:camera prst="orthographicFront">
+                <a:rot lat="0" lon="0" rev="0"/>
+              </a:camera>
+              <a:lightRig rig="threePt" dir="t"/>
+            </a:scene3d>
+            <a:flatTx/>
+          </a:bodyPr>
+          <a:lstStyle/>
+          <a:p>
+            <a:r>
+              <a:rPr lang="fr-FR" sz="1200" dirty="0" smtClean="0"/>
+              <a:t>Leonhard Hermle – Julien Cellier – Xavier Mourgues</a:t>
+            </a:r>
+            <a:endParaRPr lang="fr-FR" sz="1200" dirty="0"/>
+          </a:p>
+        </p:txBody>
+      </p:sp>
+      <p:cxnSp>
+        <p:nvCxnSpPr>
+          <p:cNvPr id="12" name="Connecteur droit 11"/>
+          <p:cNvCxnSpPr/>
+          <p:nvPr/>
+        </p:nvCxnSpPr>
+        <p:spPr>
+          <a:xfrm rot="5400000">
+            <a:off x="107504" y="4077072"/>
+            <a:ext cx="4464496" cy="0"/>
+          </a:xfrm>
+          <a:prstGeom prst="line">
+            <a:avLst/>
+          </a:prstGeom>
+        </p:spPr>
+        <p:style>
+          <a:lnRef idx="1">
+            <a:schemeClr val="accent1"/>
+          </a:lnRef>
+          <a:fillRef idx="0">
+            <a:schemeClr val="accent1"/>
+          </a:fillRef>
+          <a:effectRef idx="0">
+            <a:schemeClr val="accent1"/>
+          </a:effectRef>
+          <a:fontRef idx="minor">
+            <a:schemeClr val="tx1"/>
+          </a:fontRef>
+        </p:style>
+      </p:cxnSp>
     </p:spTree>
   </p:cSld>
   <p:clrMapOvr>
@@ -3876,9 +5262,13 @@
           <a:p>
             <a:r>
               <a:rPr lang="fr-FR" dirty="0" smtClean="0"/>
-              <a:t>Introduction</a:t>
-            </a:r>
-            <a:endParaRPr lang="fr-FR" dirty="0"/>
+              <a:t>Introduction </a:t>
+            </a:r>
+            <a:r>
+              <a:rPr lang="fr-FR" sz="2000" dirty="0" smtClean="0"/>
+              <a:t>(suite)</a:t>
+            </a:r>
+            <a:endParaRPr lang="fr-FR" sz="2000" dirty="0"/>
           </a:p>
         </p:txBody>
       </p:sp>
@@ -3899,14 +5289,65 @@
           </a:xfrm>
         </p:spPr>
         <p:txBody>
-          <a:bodyPr/>
-          <a:lstStyle/>
-          <a:p>
-            <a:r>
-              <a:rPr lang="fr-FR" dirty="0" err="1" smtClean="0"/>
-              <a:t>qsdqsd</a:t>
-            </a:r>
-            <a:endParaRPr lang="fr-FR" dirty="0"/>
+          <a:bodyPr>
+            <a:normAutofit/>
+          </a:bodyPr>
+          <a:lstStyle/>
+          <a:p>
+            <a:pPr algn="ctr">
+              <a:buNone/>
+            </a:pPr>
+            <a:r>
+              <a:rPr lang="fr-FR" sz="2800" b="1" dirty="0" smtClean="0">
+                <a:solidFill>
+                  <a:schemeClr val="accent5">
+                    <a:lumMod val="75000"/>
+                  </a:schemeClr>
+                </a:solidFill>
+              </a:rPr>
+              <a:t>Présentation</a:t>
+            </a:r>
+          </a:p>
+          <a:p>
+            <a:r>
+              <a:rPr lang="fr-FR" sz="2400" u="sng" dirty="0" smtClean="0"/>
+              <a:t>Choix du thème :</a:t>
+            </a:r>
+            <a:r>
+              <a:rPr lang="fr-FR" sz="2400" dirty="0" smtClean="0"/>
+              <a:t> le cinéma.</a:t>
+            </a:r>
+          </a:p>
+          <a:p>
+            <a:r>
+              <a:rPr lang="fr-FR" sz="2400" u="sng" dirty="0" smtClean="0"/>
+              <a:t>Sites sélectionnés :</a:t>
+            </a:r>
+            <a:r>
+              <a:rPr lang="fr-FR" sz="2400" dirty="0" smtClean="0"/>
+              <a:t> </a:t>
+            </a:r>
+            <a:r>
+              <a:rPr lang="fr-FR" sz="2400" dirty="0" err="1" smtClean="0"/>
+              <a:t>Allociné</a:t>
+            </a:r>
+            <a:r>
+              <a:rPr lang="fr-FR" sz="2400" dirty="0" smtClean="0"/>
+              <a:t>, IMDB. </a:t>
+            </a:r>
+          </a:p>
+          <a:p>
+            <a:r>
+              <a:rPr lang="fr-FR" sz="2400" u="sng" dirty="0" smtClean="0"/>
+              <a:t>Données extraites </a:t>
+            </a:r>
+            <a:r>
+              <a:rPr lang="fr-FR" sz="2400" dirty="0" smtClean="0"/>
+              <a:t>: Commentaires, notes et caractéristiques du film.</a:t>
+            </a:r>
+          </a:p>
+          <a:p>
+            <a:endParaRPr lang="fr-FR" sz="2400" dirty="0"/>
           </a:p>
         </p:txBody>
       </p:sp>
@@ -3953,7 +5394,7 @@
               <a:defRPr/>
             </a:pPr>
             <a:r>
-              <a:rPr kumimoji="0" lang="fr-FR" sz="2400" b="0" i="0" u="none" strike="noStrike" kern="1200" cap="none" spc="0" normalizeH="0" baseline="0" noProof="0" dirty="0" smtClean="0">
+              <a:rPr kumimoji="0" lang="fr-FR" sz="2400" b="1" i="0" u="none" strike="noStrike" kern="1200" cap="none" spc="0" normalizeH="0" baseline="0" noProof="0" dirty="0" smtClean="0">
                 <a:ln>
                   <a:noFill/>
                 </a:ln>
@@ -4211,6 +5652,36 @@
           </a:p>
         </p:txBody>
       </p:sp>
+      <p:cxnSp>
+        <p:nvCxnSpPr>
+          <p:cNvPr id="12" name="Connecteur droit 11"/>
+          <p:cNvCxnSpPr/>
+          <p:nvPr/>
+        </p:nvCxnSpPr>
+        <p:spPr>
+          <a:xfrm rot="5400000">
+            <a:off x="107504" y="4077072"/>
+            <a:ext cx="4464496" cy="0"/>
+          </a:xfrm>
+          <a:prstGeom prst="line">
+            <a:avLst/>
+          </a:prstGeom>
+        </p:spPr>
+        <p:style>
+          <a:lnRef idx="1">
+            <a:schemeClr val="accent1"/>
+          </a:lnRef>
+          <a:fillRef idx="0">
+            <a:schemeClr val="accent1"/>
+          </a:fillRef>
+          <a:effectRef idx="0">
+            <a:schemeClr val="accent1"/>
+          </a:effectRef>
+          <a:fontRef idx="minor">
+            <a:schemeClr val="tx1"/>
+          </a:fontRef>
+        </p:style>
+      </p:cxnSp>
     </p:spTree>
   </p:cSld>
   <p:clrMapOvr>
@@ -4264,7 +5735,15 @@
               <a:rPr lang="fr-FR" dirty="0" smtClean="0"/>
               <a:t>Introduction</a:t>
             </a:r>
-            <a:endParaRPr lang="fr-FR" dirty="0"/>
+            <a:r>
+              <a:rPr lang="fr-FR" dirty="0" smtClean="0"/>
+              <a:t> </a:t>
+            </a:r>
+            <a:r>
+              <a:rPr lang="fr-FR" sz="2000" dirty="0" smtClean="0"/>
+              <a:t>(suite)</a:t>
+            </a:r>
+            <a:endParaRPr lang="fr-FR" sz="2000" dirty="0"/>
           </a:p>
         </p:txBody>
       </p:sp>
@@ -4285,14 +5764,79 @@
           </a:xfrm>
         </p:spPr>
         <p:txBody>
-          <a:bodyPr/>
-          <a:lstStyle/>
-          <a:p>
-            <a:r>
-              <a:rPr lang="fr-FR" dirty="0" err="1" smtClean="0"/>
-              <a:t>qsdqsd</a:t>
-            </a:r>
-            <a:endParaRPr lang="fr-FR" dirty="0"/>
+          <a:bodyPr>
+            <a:normAutofit/>
+          </a:bodyPr>
+          <a:lstStyle/>
+          <a:p>
+            <a:pPr algn="ctr">
+              <a:buNone/>
+            </a:pPr>
+            <a:r>
+              <a:rPr lang="fr-FR" sz="2800" b="1" dirty="0" smtClean="0">
+                <a:solidFill>
+                  <a:schemeClr val="accent5">
+                    <a:lumMod val="75000"/>
+                  </a:schemeClr>
+                </a:solidFill>
+              </a:rPr>
+              <a:t>Applications et langages utilisés</a:t>
+            </a:r>
+          </a:p>
+          <a:p>
+            <a:pPr algn="ctr">
+              <a:buNone/>
+            </a:pPr>
+            <a:endParaRPr lang="fr-FR" sz="2800" b="1" dirty="0" smtClean="0">
+              <a:solidFill>
+                <a:schemeClr val="accent5">
+                  <a:lumMod val="75000"/>
+                </a:schemeClr>
+              </a:solidFill>
+            </a:endParaRPr>
+          </a:p>
+          <a:p>
+            <a:pPr>
+              <a:spcAft>
+                <a:spcPts val="1200"/>
+              </a:spcAft>
+            </a:pPr>
+            <a:r>
+              <a:rPr lang="fr-FR" sz="2400" dirty="0" smtClean="0"/>
+              <a:t>Base de données imposée (Oracle).</a:t>
+            </a:r>
+          </a:p>
+          <a:p>
+            <a:pPr>
+              <a:spcAft>
+                <a:spcPts val="1200"/>
+              </a:spcAft>
+            </a:pPr>
+            <a:r>
+              <a:rPr lang="fr-FR" sz="2400" dirty="0" smtClean="0"/>
+              <a:t>Applications : Eclipse, Notepad++, </a:t>
+            </a:r>
+            <a:r>
+              <a:rPr lang="fr-FR" sz="2400" dirty="0" err="1" smtClean="0"/>
+              <a:t>Tidy</a:t>
+            </a:r>
+            <a:r>
+              <a:rPr lang="fr-FR" sz="2400" dirty="0" smtClean="0"/>
+              <a:t>.</a:t>
+            </a:r>
+            <a:endParaRPr lang="fr-FR" sz="2400" dirty="0" smtClean="0"/>
+          </a:p>
+          <a:p>
+            <a:pPr>
+              <a:spcAft>
+                <a:spcPts val="1200"/>
+              </a:spcAft>
+            </a:pPr>
+            <a:r>
+              <a:rPr lang="fr-FR" sz="2400" dirty="0" smtClean="0"/>
+              <a:t>Langages : JAVA, PHP, XML, SQL, HTML, CSS.</a:t>
+            </a:r>
+            <a:endParaRPr lang="fr-FR" sz="2400" dirty="0"/>
           </a:p>
         </p:txBody>
       </p:sp>
@@ -4339,7 +5883,7 @@
               <a:defRPr/>
             </a:pPr>
             <a:r>
-              <a:rPr kumimoji="0" lang="fr-FR" sz="2400" b="0" i="0" u="none" strike="noStrike" kern="1200" cap="none" spc="0" normalizeH="0" baseline="0" noProof="0" dirty="0" smtClean="0">
+              <a:rPr kumimoji="0" lang="fr-FR" sz="2400" b="1" i="0" u="none" strike="noStrike" kern="1200" cap="none" spc="0" normalizeH="0" baseline="0" noProof="0" dirty="0" smtClean="0">
                 <a:ln>
                   <a:noFill/>
                 </a:ln>
@@ -4597,6 +6141,36 @@
           </a:p>
         </p:txBody>
       </p:sp>
+      <p:cxnSp>
+        <p:nvCxnSpPr>
+          <p:cNvPr id="12" name="Connecteur droit 11"/>
+          <p:cNvCxnSpPr/>
+          <p:nvPr/>
+        </p:nvCxnSpPr>
+        <p:spPr>
+          <a:xfrm rot="5400000">
+            <a:off x="107504" y="4077072"/>
+            <a:ext cx="4464496" cy="0"/>
+          </a:xfrm>
+          <a:prstGeom prst="line">
+            <a:avLst/>
+          </a:prstGeom>
+        </p:spPr>
+        <p:style>
+          <a:lnRef idx="1">
+            <a:schemeClr val="accent1"/>
+          </a:lnRef>
+          <a:fillRef idx="0">
+            <a:schemeClr val="accent1"/>
+          </a:fillRef>
+          <a:effectRef idx="0">
+            <a:schemeClr val="accent1"/>
+          </a:effectRef>
+          <a:fontRef idx="minor">
+            <a:schemeClr val="tx1"/>
+          </a:fontRef>
+        </p:style>
+      </p:cxnSp>
     </p:spTree>
   </p:cSld>
   <p:clrMapOvr>
@@ -4648,7 +6222,7 @@
           <a:p>
             <a:r>
               <a:rPr lang="fr-FR" dirty="0" smtClean="0"/>
-              <a:t>Introduction</a:t>
+              <a:t>Extraction</a:t>
             </a:r>
             <a:endParaRPr lang="fr-FR" dirty="0"/>
           </a:p>
@@ -4671,14 +6245,55 @@
           </a:xfrm>
         </p:spPr>
         <p:txBody>
-          <a:bodyPr/>
-          <a:lstStyle/>
-          <a:p>
-            <a:r>
-              <a:rPr lang="fr-FR" dirty="0" err="1" smtClean="0"/>
-              <a:t>qsdqsd</a:t>
-            </a:r>
-            <a:endParaRPr lang="fr-FR" dirty="0"/>
+          <a:bodyPr>
+            <a:normAutofit/>
+          </a:bodyPr>
+          <a:lstStyle/>
+          <a:p>
+            <a:pPr algn="ctr">
+              <a:buNone/>
+            </a:pPr>
+            <a:r>
+              <a:rPr lang="fr-FR" sz="2800" b="1" dirty="0" smtClean="0">
+                <a:solidFill>
+                  <a:schemeClr val="accent5">
+                    <a:lumMod val="75000"/>
+                  </a:schemeClr>
+                </a:solidFill>
+              </a:rPr>
+              <a:t>Objectifs</a:t>
+            </a:r>
+          </a:p>
+          <a:p>
+            <a:r>
+              <a:rPr lang="fr-FR" sz="2400" u="sng" dirty="0" smtClean="0"/>
+              <a:t>Exploiter</a:t>
+            </a:r>
+            <a:r>
+              <a:rPr lang="fr-FR" sz="2400" dirty="0" smtClean="0"/>
+              <a:t> du contenu de pages HTML.</a:t>
+            </a:r>
+          </a:p>
+          <a:p>
+            <a:r>
+              <a:rPr lang="fr-FR" sz="2400" u="sng" dirty="0" smtClean="0"/>
+              <a:t>Stocker</a:t>
+            </a:r>
+            <a:r>
+              <a:rPr lang="fr-FR" sz="2400" dirty="0" smtClean="0"/>
+              <a:t> au format XML dans une base de données. </a:t>
+            </a:r>
+          </a:p>
+          <a:p>
+            <a:r>
+              <a:rPr lang="fr-FR" sz="2400" u="sng" dirty="0" smtClean="0"/>
+              <a:t>Restituer</a:t>
+            </a:r>
+            <a:r>
+              <a:rPr lang="fr-FR" sz="2400" dirty="0" smtClean="0"/>
+              <a:t> ces données dans une interface graphique.</a:t>
+            </a:r>
+            <a:endParaRPr lang="fr-FR" sz="2400" dirty="0"/>
           </a:p>
         </p:txBody>
       </p:sp>
@@ -4725,7 +6340,7 @@
               <a:defRPr/>
             </a:pPr>
             <a:r>
-              <a:rPr kumimoji="0" lang="fr-FR" sz="2400" b="0" i="0" u="none" strike="noStrike" kern="1200" cap="none" spc="0" normalizeH="0" baseline="0" noProof="0" dirty="0" smtClean="0">
+              <a:rPr kumimoji="0" lang="fr-FR" sz="2400" i="0" u="none" strike="noStrike" kern="1200" cap="none" spc="0" normalizeH="0" baseline="0" noProof="0" dirty="0" smtClean="0">
                 <a:ln>
                   <a:noFill/>
                 </a:ln>
@@ -4763,7 +6378,7 @@
               <a:defRPr/>
             </a:pPr>
             <a:r>
-              <a:rPr lang="fr-FR" sz="2400" dirty="0" smtClean="0">
+              <a:rPr lang="fr-FR" sz="2400" b="1" dirty="0" smtClean="0">
                 <a:solidFill>
                   <a:schemeClr val="tx2"/>
                 </a:solidFill>
@@ -4980,6 +6595,2595 @@
               <a:t>Leonhard Hermle – Julien Cellier – Xavier Mourgues</a:t>
             </a:r>
             <a:endParaRPr lang="fr-FR" sz="1200" dirty="0"/>
+          </a:p>
+        </p:txBody>
+      </p:sp>
+      <p:cxnSp>
+        <p:nvCxnSpPr>
+          <p:cNvPr id="12" name="Connecteur droit 11"/>
+          <p:cNvCxnSpPr/>
+          <p:nvPr/>
+        </p:nvCxnSpPr>
+        <p:spPr>
+          <a:xfrm rot="5400000">
+            <a:off x="107504" y="4077072"/>
+            <a:ext cx="4464496" cy="0"/>
+          </a:xfrm>
+          <a:prstGeom prst="line">
+            <a:avLst/>
+          </a:prstGeom>
+        </p:spPr>
+        <p:style>
+          <a:lnRef idx="1">
+            <a:schemeClr val="accent1"/>
+          </a:lnRef>
+          <a:fillRef idx="0">
+            <a:schemeClr val="accent1"/>
+          </a:fillRef>
+          <a:effectRef idx="0">
+            <a:schemeClr val="accent1"/>
+          </a:effectRef>
+          <a:fontRef idx="minor">
+            <a:schemeClr val="tx1"/>
+          </a:fontRef>
+        </p:style>
+      </p:cxnSp>
+    </p:spTree>
+  </p:cSld>
+  <p:clrMapOvr>
+    <a:masterClrMapping/>
+  </p:clrMapOvr>
+  <p:timing>
+    <p:tnLst>
+      <p:par>
+        <p:cTn id="1" dur="indefinite" restart="never" nodeType="tmRoot"/>
+      </p:par>
+    </p:tnLst>
+  </p:timing>
+</p:sld>
+</file>
+
+<file path=ppt/slides/slide6.xml><?xml version="1.0" encoding="utf-8"?>
+<p:sld xmlns:a="http://schemas.openxmlformats.org/drawingml/2006/main" xmlns:r="http://schemas.openxmlformats.org/officeDocument/2006/relationships" xmlns:p="http://schemas.openxmlformats.org/presentationml/2006/main">
+  <p:cSld>
+    <p:spTree>
+      <p:nvGrpSpPr>
+        <p:cNvPr id="1" name=""/>
+        <p:cNvGrpSpPr/>
+        <p:nvPr/>
+      </p:nvGrpSpPr>
+      <p:grpSpPr>
+        <a:xfrm>
+          <a:off x="0" y="0"/>
+          <a:ext cx="0" cy="0"/>
+          <a:chOff x="0" y="0"/>
+          <a:chExt cx="0" cy="0"/>
+        </a:xfrm>
+      </p:grpSpPr>
+      <p:sp>
+        <p:nvSpPr>
+          <p:cNvPr id="2" name="Titre 1"/>
+          <p:cNvSpPr>
+            <a:spLocks noGrp="1"/>
+          </p:cNvSpPr>
+          <p:nvPr>
+            <p:ph type="title"/>
+          </p:nvPr>
+        </p:nvSpPr>
+        <p:spPr/>
+        <p:txBody>
+          <a:bodyPr>
+            <a:normAutofit/>
+          </a:bodyPr>
+          <a:lstStyle/>
+          <a:p>
+            <a:r>
+              <a:rPr lang="fr-FR" cap="none" dirty="0" smtClean="0">
+                <a:effectLst/>
+              </a:rPr>
+              <a:t>STOCKAGES</a:t>
+            </a:r>
+            <a:endParaRPr lang="fr-FR" dirty="0"/>
+          </a:p>
+        </p:txBody>
+      </p:sp>
+      <p:sp>
+        <p:nvSpPr>
+          <p:cNvPr id="3" name="Espace réservé du contenu 2"/>
+          <p:cNvSpPr>
+            <a:spLocks noGrp="1"/>
+          </p:cNvSpPr>
+          <p:nvPr>
+            <p:ph idx="1"/>
+          </p:nvPr>
+        </p:nvSpPr>
+        <p:spPr>
+          <a:xfrm>
+            <a:off x="2411760" y="1700808"/>
+            <a:ext cx="6552728" cy="576064"/>
+          </a:xfrm>
+        </p:spPr>
+        <p:txBody>
+          <a:bodyPr>
+            <a:normAutofit/>
+          </a:bodyPr>
+          <a:lstStyle/>
+          <a:p>
+            <a:pPr algn="ctr">
+              <a:buNone/>
+            </a:pPr>
+            <a:r>
+              <a:rPr lang="fr-FR" sz="2800" b="1" dirty="0" smtClean="0">
+                <a:solidFill>
+                  <a:schemeClr val="accent5">
+                    <a:lumMod val="75000"/>
+                  </a:schemeClr>
+                </a:solidFill>
+              </a:rPr>
+              <a:t>Modèle Conceptuel De données</a:t>
+            </a:r>
+          </a:p>
+        </p:txBody>
+      </p:sp>
+      <p:sp>
+        <p:nvSpPr>
+          <p:cNvPr id="6" name="Espace réservé du contenu 2"/>
+          <p:cNvSpPr txBox="1">
+            <a:spLocks/>
+          </p:cNvSpPr>
+          <p:nvPr/>
+        </p:nvSpPr>
+        <p:spPr>
+          <a:xfrm>
+            <a:off x="179512" y="1700808"/>
+            <a:ext cx="2088232" cy="4536504"/>
+          </a:xfrm>
+          <a:prstGeom prst="rect">
+            <a:avLst/>
+          </a:prstGeom>
+        </p:spPr>
+        <p:txBody>
+          <a:bodyPr vert="horz">
+            <a:normAutofit/>
+          </a:bodyPr>
+          <a:lstStyle/>
+          <a:p>
+            <a:pPr marL="342900" marR="0" lvl="0" indent="-342900" algn="l" defTabSz="914400" rtl="0" eaLnBrk="1" fontAlgn="auto" latinLnBrk="0" hangingPunct="1">
+              <a:lnSpc>
+                <a:spcPct val="100000"/>
+              </a:lnSpc>
+              <a:spcBef>
+                <a:spcPct val="20000"/>
+              </a:spcBef>
+              <a:spcAft>
+                <a:spcPts val="0"/>
+              </a:spcAft>
+              <a:buClr>
+                <a:schemeClr val="accent1"/>
+              </a:buClr>
+              <a:buSzPct val="70000"/>
+              <a:buFont typeface="Wingdings 2"/>
+              <a:buChar char=""/>
+              <a:tabLst/>
+              <a:defRPr/>
+            </a:pPr>
+            <a:r>
+              <a:rPr kumimoji="0" lang="fr-FR" sz="2400" i="0" u="none" strike="noStrike" kern="1200" cap="none" spc="0" normalizeH="0" baseline="0" noProof="0" dirty="0" smtClean="0">
+                <a:ln>
+                  <a:noFill/>
+                </a:ln>
+                <a:solidFill>
+                  <a:schemeClr val="tx2"/>
+                </a:solidFill>
+                <a:effectLst/>
+                <a:uLnTx/>
+                <a:uFillTx/>
+                <a:latin typeface="+mn-lt"/>
+                <a:ea typeface="+mn-ea"/>
+                <a:cs typeface="+mn-cs"/>
+              </a:rPr>
+              <a:t>Introduction</a:t>
+            </a:r>
+          </a:p>
+          <a:p>
+            <a:pPr marL="342900" marR="0" lvl="0" indent="-342900" algn="l" defTabSz="914400" rtl="0" eaLnBrk="1" fontAlgn="auto" latinLnBrk="0" hangingPunct="1">
+              <a:lnSpc>
+                <a:spcPct val="100000"/>
+              </a:lnSpc>
+              <a:spcBef>
+                <a:spcPct val="20000"/>
+              </a:spcBef>
+              <a:spcAft>
+                <a:spcPts val="0"/>
+              </a:spcAft>
+              <a:buClr>
+                <a:schemeClr val="accent1"/>
+              </a:buClr>
+              <a:buSzPct val="70000"/>
+              <a:buFont typeface="Wingdings 2"/>
+              <a:buChar char=""/>
+              <a:tabLst/>
+              <a:defRPr/>
+            </a:pPr>
+            <a:r>
+              <a:rPr lang="fr-FR" sz="2400" dirty="0" smtClean="0">
+                <a:solidFill>
+                  <a:schemeClr val="tx2"/>
+                </a:solidFill>
+              </a:rPr>
+              <a:t>Extraction</a:t>
+            </a:r>
+          </a:p>
+          <a:p>
+            <a:pPr marL="342900" marR="0" lvl="0" indent="-342900" algn="l" defTabSz="914400" rtl="0" eaLnBrk="1" fontAlgn="auto" latinLnBrk="0" hangingPunct="1">
+              <a:lnSpc>
+                <a:spcPct val="100000"/>
+              </a:lnSpc>
+              <a:spcBef>
+                <a:spcPct val="20000"/>
+              </a:spcBef>
+              <a:spcAft>
+                <a:spcPts val="0"/>
+              </a:spcAft>
+              <a:buClr>
+                <a:schemeClr val="accent1"/>
+              </a:buClr>
+              <a:buSzPct val="70000"/>
+              <a:buFont typeface="Wingdings 2"/>
+              <a:buChar char=""/>
+              <a:tabLst/>
+              <a:defRPr/>
+            </a:pPr>
+            <a:r>
+              <a:rPr kumimoji="0" lang="fr-FR" sz="2400" b="1" i="0" u="none" strike="noStrike" kern="1200" cap="none" spc="0" normalizeH="0" baseline="0" noProof="0" dirty="0" smtClean="0">
+                <a:ln>
+                  <a:noFill/>
+                </a:ln>
+                <a:solidFill>
+                  <a:schemeClr val="tx2"/>
+                </a:solidFill>
+                <a:effectLst/>
+                <a:uLnTx/>
+                <a:uFillTx/>
+                <a:latin typeface="+mn-lt"/>
+                <a:ea typeface="+mn-ea"/>
+                <a:cs typeface="+mn-cs"/>
+              </a:rPr>
+              <a:t>Stockage</a:t>
+            </a:r>
+          </a:p>
+          <a:p>
+            <a:pPr marL="342900" marR="0" lvl="0" indent="-342900" algn="l" defTabSz="914400" rtl="0" eaLnBrk="1" fontAlgn="auto" latinLnBrk="0" hangingPunct="1">
+              <a:lnSpc>
+                <a:spcPct val="100000"/>
+              </a:lnSpc>
+              <a:spcBef>
+                <a:spcPct val="20000"/>
+              </a:spcBef>
+              <a:spcAft>
+                <a:spcPts val="0"/>
+              </a:spcAft>
+              <a:buClr>
+                <a:schemeClr val="accent1"/>
+              </a:buClr>
+              <a:buSzPct val="70000"/>
+              <a:buFont typeface="Wingdings 2"/>
+              <a:buChar char=""/>
+              <a:tabLst/>
+              <a:defRPr/>
+            </a:pPr>
+            <a:r>
+              <a:rPr lang="fr-FR" sz="2400" dirty="0" smtClean="0">
+                <a:solidFill>
+                  <a:schemeClr val="tx2"/>
+                </a:solidFill>
+              </a:rPr>
+              <a:t>Restitution</a:t>
+            </a:r>
+            <a:endParaRPr kumimoji="0" lang="fr-FR" sz="2400" b="0" i="0" u="none" strike="noStrike" kern="1200" cap="none" spc="0" normalizeH="0" baseline="0" noProof="0" dirty="0" smtClean="0">
+              <a:ln>
+                <a:noFill/>
+              </a:ln>
+              <a:solidFill>
+                <a:schemeClr val="tx2"/>
+              </a:solidFill>
+              <a:effectLst/>
+              <a:uLnTx/>
+              <a:uFillTx/>
+              <a:latin typeface="+mn-lt"/>
+              <a:ea typeface="+mn-ea"/>
+              <a:cs typeface="+mn-cs"/>
+            </a:endParaRPr>
+          </a:p>
+          <a:p>
+            <a:pPr marL="342900" marR="0" lvl="0" indent="-342900" algn="l" defTabSz="914400" rtl="0" eaLnBrk="1" fontAlgn="auto" latinLnBrk="0" hangingPunct="1">
+              <a:lnSpc>
+                <a:spcPct val="100000"/>
+              </a:lnSpc>
+              <a:spcBef>
+                <a:spcPct val="20000"/>
+              </a:spcBef>
+              <a:spcAft>
+                <a:spcPts val="0"/>
+              </a:spcAft>
+              <a:buClr>
+                <a:schemeClr val="accent1"/>
+              </a:buClr>
+              <a:buSzPct val="70000"/>
+              <a:buFont typeface="Wingdings 2"/>
+              <a:buChar char=""/>
+              <a:tabLst/>
+              <a:defRPr/>
+            </a:pPr>
+            <a:r>
+              <a:rPr lang="fr-FR" sz="2400" dirty="0" smtClean="0">
+                <a:solidFill>
+                  <a:schemeClr val="tx2"/>
+                </a:solidFill>
+              </a:rPr>
+              <a:t>Conclusion</a:t>
+            </a:r>
+            <a:endParaRPr kumimoji="0" lang="fr-FR" sz="2400" b="0" i="0" u="none" strike="noStrike" kern="1200" cap="none" spc="0" normalizeH="0" baseline="0" noProof="0" dirty="0">
+              <a:ln>
+                <a:noFill/>
+              </a:ln>
+              <a:solidFill>
+                <a:schemeClr val="tx2"/>
+              </a:solidFill>
+              <a:effectLst/>
+              <a:uLnTx/>
+              <a:uFillTx/>
+              <a:latin typeface="+mn-lt"/>
+              <a:ea typeface="+mn-ea"/>
+              <a:cs typeface="+mn-cs"/>
+            </a:endParaRPr>
+          </a:p>
+        </p:txBody>
+      </p:sp>
+      <p:sp>
+        <p:nvSpPr>
+          <p:cNvPr id="7" name="ZoneTexte 6"/>
+          <p:cNvSpPr txBox="1"/>
+          <p:nvPr/>
+        </p:nvSpPr>
+        <p:spPr>
+          <a:xfrm>
+            <a:off x="0" y="6581001"/>
+            <a:ext cx="2708919" cy="276999"/>
+          </a:xfrm>
+          <a:prstGeom prst="rect">
+            <a:avLst/>
+          </a:prstGeom>
+          <a:noFill/>
+          <a:scene3d>
+            <a:camera prst="orthographicFront">
+              <a:rot lat="0" lon="0" rev="5400000"/>
+            </a:camera>
+            <a:lightRig rig="threePt" dir="t"/>
+          </a:scene3d>
+        </p:spPr>
+        <p:txBody>
+          <a:bodyPr wrap="square" rtlCol="0">
+            <a:spAutoFit/>
+            <a:scene3d>
+              <a:camera prst="orthographicFront">
+                <a:rot lat="0" lon="0" rev="0"/>
+              </a:camera>
+              <a:lightRig rig="threePt" dir="t"/>
+            </a:scene3d>
+            <a:flatTx/>
+          </a:bodyPr>
+          <a:lstStyle/>
+          <a:p>
+            <a:r>
+              <a:rPr lang="fr-FR" sz="1200" dirty="0" smtClean="0"/>
+              <a:t>Soutenance projet LPD2I 2010/2011</a:t>
+            </a:r>
+            <a:endParaRPr lang="fr-FR" sz="1200" dirty="0"/>
+          </a:p>
+        </p:txBody>
+      </p:sp>
+      <p:sp>
+        <p:nvSpPr>
+          <p:cNvPr id="9" name="ZoneTexte 8"/>
+          <p:cNvSpPr txBox="1"/>
+          <p:nvPr/>
+        </p:nvSpPr>
+        <p:spPr>
+          <a:xfrm>
+            <a:off x="5508104" y="6581001"/>
+            <a:ext cx="3635896" cy="276999"/>
+          </a:xfrm>
+          <a:prstGeom prst="rect">
+            <a:avLst/>
+          </a:prstGeom>
+          <a:noFill/>
+          <a:scene3d>
+            <a:camera prst="orthographicFront">
+              <a:rot lat="0" lon="0" rev="5400000"/>
+            </a:camera>
+            <a:lightRig rig="threePt" dir="t"/>
+          </a:scene3d>
+        </p:spPr>
+        <p:txBody>
+          <a:bodyPr wrap="square" rtlCol="0">
+            <a:spAutoFit/>
+            <a:scene3d>
+              <a:camera prst="orthographicFront">
+                <a:rot lat="0" lon="0" rev="0"/>
+              </a:camera>
+              <a:lightRig rig="threePt" dir="t"/>
+            </a:scene3d>
+            <a:flatTx/>
+          </a:bodyPr>
+          <a:lstStyle/>
+          <a:p>
+            <a:r>
+              <a:rPr lang="fr-FR" sz="1200" dirty="0" smtClean="0"/>
+              <a:t>Leonhard Hermle – Julien Cellier – Xavier Mourgues</a:t>
+            </a:r>
+            <a:endParaRPr lang="fr-FR" sz="1200" dirty="0"/>
+          </a:p>
+        </p:txBody>
+      </p:sp>
+      <p:cxnSp>
+        <p:nvCxnSpPr>
+          <p:cNvPr id="12" name="Connecteur droit 11"/>
+          <p:cNvCxnSpPr/>
+          <p:nvPr/>
+        </p:nvCxnSpPr>
+        <p:spPr>
+          <a:xfrm rot="5400000">
+            <a:off x="107504" y="4077072"/>
+            <a:ext cx="4464496" cy="0"/>
+          </a:xfrm>
+          <a:prstGeom prst="line">
+            <a:avLst/>
+          </a:prstGeom>
+        </p:spPr>
+        <p:style>
+          <a:lnRef idx="1">
+            <a:schemeClr val="accent1"/>
+          </a:lnRef>
+          <a:fillRef idx="0">
+            <a:schemeClr val="accent1"/>
+          </a:fillRef>
+          <a:effectRef idx="0">
+            <a:schemeClr val="accent1"/>
+          </a:effectRef>
+          <a:fontRef idx="minor">
+            <a:schemeClr val="tx1"/>
+          </a:fontRef>
+        </p:style>
+      </p:cxnSp>
+      <p:pic>
+        <p:nvPicPr>
+          <p:cNvPr id="11" name="Image 10"/>
+          <p:cNvPicPr/>
+          <p:nvPr/>
+        </p:nvPicPr>
+        <p:blipFill>
+          <a:blip r:embed="rId2" cstate="print"/>
+          <a:srcRect/>
+          <a:stretch>
+            <a:fillRect/>
+          </a:stretch>
+        </p:blipFill>
+        <p:spPr bwMode="auto">
+          <a:xfrm>
+            <a:off x="3131840" y="2276872"/>
+            <a:ext cx="5040560" cy="3969441"/>
+          </a:xfrm>
+          <a:prstGeom prst="rect">
+            <a:avLst/>
+          </a:prstGeom>
+          <a:noFill/>
+          <a:ln w="9525">
+            <a:noFill/>
+            <a:miter lim="800000"/>
+            <a:headEnd/>
+            <a:tailEnd/>
+          </a:ln>
+        </p:spPr>
+      </p:pic>
+    </p:spTree>
+  </p:cSld>
+  <p:clrMapOvr>
+    <a:masterClrMapping/>
+  </p:clrMapOvr>
+  <p:timing>
+    <p:tnLst>
+      <p:par>
+        <p:cTn id="1" dur="indefinite" restart="never" nodeType="tmRoot"/>
+      </p:par>
+    </p:tnLst>
+  </p:timing>
+</p:sld>
+</file>
+
+<file path=ppt/slides/slide7.xml><?xml version="1.0" encoding="utf-8"?>
+<p:sld xmlns:a="http://schemas.openxmlformats.org/drawingml/2006/main" xmlns:r="http://schemas.openxmlformats.org/officeDocument/2006/relationships" xmlns:p="http://schemas.openxmlformats.org/presentationml/2006/main">
+  <p:cSld>
+    <p:spTree>
+      <p:nvGrpSpPr>
+        <p:cNvPr id="1" name=""/>
+        <p:cNvGrpSpPr/>
+        <p:nvPr/>
+      </p:nvGrpSpPr>
+      <p:grpSpPr>
+        <a:xfrm>
+          <a:off x="0" y="0"/>
+          <a:ext cx="0" cy="0"/>
+          <a:chOff x="0" y="0"/>
+          <a:chExt cx="0" cy="0"/>
+        </a:xfrm>
+      </p:grpSpPr>
+      <p:sp>
+        <p:nvSpPr>
+          <p:cNvPr id="2" name="Titre 1"/>
+          <p:cNvSpPr>
+            <a:spLocks noGrp="1"/>
+          </p:cNvSpPr>
+          <p:nvPr>
+            <p:ph type="title"/>
+          </p:nvPr>
+        </p:nvSpPr>
+        <p:spPr/>
+        <p:txBody>
+          <a:bodyPr>
+            <a:normAutofit/>
+          </a:bodyPr>
+          <a:lstStyle/>
+          <a:p>
+            <a:r>
+              <a:rPr lang="fr-FR" cap="none" dirty="0" smtClean="0">
+                <a:effectLst/>
+              </a:rPr>
+              <a:t>STOCKAGES</a:t>
+            </a:r>
+            <a:r>
+              <a:rPr lang="fr-FR" sz="2000" cap="none" dirty="0" smtClean="0">
+                <a:effectLst/>
+              </a:rPr>
+              <a:t>(suite)</a:t>
+            </a:r>
+            <a:endParaRPr lang="fr-FR" sz="2000" dirty="0"/>
+          </a:p>
+        </p:txBody>
+      </p:sp>
+      <p:sp>
+        <p:nvSpPr>
+          <p:cNvPr id="3" name="Espace réservé du contenu 2"/>
+          <p:cNvSpPr>
+            <a:spLocks noGrp="1"/>
+          </p:cNvSpPr>
+          <p:nvPr>
+            <p:ph idx="1"/>
+          </p:nvPr>
+        </p:nvSpPr>
+        <p:spPr>
+          <a:xfrm>
+            <a:off x="2411760" y="1700808"/>
+            <a:ext cx="6552728" cy="864096"/>
+          </a:xfrm>
+        </p:spPr>
+        <p:txBody>
+          <a:bodyPr>
+            <a:normAutofit/>
+          </a:bodyPr>
+          <a:lstStyle/>
+          <a:p>
+            <a:pPr algn="ctr">
+              <a:buNone/>
+            </a:pPr>
+            <a:r>
+              <a:rPr lang="fr-FR" sz="2800" b="1" dirty="0" smtClean="0">
+                <a:solidFill>
+                  <a:schemeClr val="accent5">
+                    <a:lumMod val="75000"/>
+                  </a:schemeClr>
+                </a:solidFill>
+              </a:rPr>
+              <a:t>Schéma XSD</a:t>
+            </a:r>
+          </a:p>
+          <a:p>
+            <a:pPr algn="ctr">
+              <a:buNone/>
+            </a:pPr>
+            <a:r>
+              <a:rPr lang="fr-FR" sz="1600" dirty="0" smtClean="0">
+                <a:solidFill>
+                  <a:schemeClr val="accent5">
+                    <a:lumMod val="75000"/>
+                  </a:schemeClr>
+                </a:solidFill>
+              </a:rPr>
+              <a:t>(XML Schéma Définition)</a:t>
+            </a:r>
+          </a:p>
+        </p:txBody>
+      </p:sp>
+      <p:sp>
+        <p:nvSpPr>
+          <p:cNvPr id="6" name="Espace réservé du contenu 2"/>
+          <p:cNvSpPr txBox="1">
+            <a:spLocks/>
+          </p:cNvSpPr>
+          <p:nvPr/>
+        </p:nvSpPr>
+        <p:spPr>
+          <a:xfrm>
+            <a:off x="179512" y="1700808"/>
+            <a:ext cx="2088232" cy="4536504"/>
+          </a:xfrm>
+          <a:prstGeom prst="rect">
+            <a:avLst/>
+          </a:prstGeom>
+        </p:spPr>
+        <p:txBody>
+          <a:bodyPr vert="horz">
+            <a:normAutofit/>
+          </a:bodyPr>
+          <a:lstStyle/>
+          <a:p>
+            <a:pPr marL="342900" marR="0" lvl="0" indent="-342900" algn="l" defTabSz="914400" rtl="0" eaLnBrk="1" fontAlgn="auto" latinLnBrk="0" hangingPunct="1">
+              <a:lnSpc>
+                <a:spcPct val="100000"/>
+              </a:lnSpc>
+              <a:spcBef>
+                <a:spcPct val="20000"/>
+              </a:spcBef>
+              <a:spcAft>
+                <a:spcPts val="0"/>
+              </a:spcAft>
+              <a:buClr>
+                <a:schemeClr val="accent1"/>
+              </a:buClr>
+              <a:buSzPct val="70000"/>
+              <a:buFont typeface="Wingdings 2"/>
+              <a:buChar char=""/>
+              <a:tabLst/>
+              <a:defRPr/>
+            </a:pPr>
+            <a:r>
+              <a:rPr kumimoji="0" lang="fr-FR" sz="2400" i="0" u="none" strike="noStrike" kern="1200" cap="none" spc="0" normalizeH="0" baseline="0" noProof="0" dirty="0" smtClean="0">
+                <a:ln>
+                  <a:noFill/>
+                </a:ln>
+                <a:solidFill>
+                  <a:schemeClr val="tx2"/>
+                </a:solidFill>
+                <a:effectLst/>
+                <a:uLnTx/>
+                <a:uFillTx/>
+                <a:latin typeface="+mn-lt"/>
+                <a:ea typeface="+mn-ea"/>
+                <a:cs typeface="+mn-cs"/>
+              </a:rPr>
+              <a:t>Introduction</a:t>
+            </a:r>
+          </a:p>
+          <a:p>
+            <a:pPr marL="342900" marR="0" lvl="0" indent="-342900" algn="l" defTabSz="914400" rtl="0" eaLnBrk="1" fontAlgn="auto" latinLnBrk="0" hangingPunct="1">
+              <a:lnSpc>
+                <a:spcPct val="100000"/>
+              </a:lnSpc>
+              <a:spcBef>
+                <a:spcPct val="20000"/>
+              </a:spcBef>
+              <a:spcAft>
+                <a:spcPts val="0"/>
+              </a:spcAft>
+              <a:buClr>
+                <a:schemeClr val="accent1"/>
+              </a:buClr>
+              <a:buSzPct val="70000"/>
+              <a:buFont typeface="Wingdings 2"/>
+              <a:buChar char=""/>
+              <a:tabLst/>
+              <a:defRPr/>
+            </a:pPr>
+            <a:r>
+              <a:rPr lang="fr-FR" sz="2400" dirty="0" smtClean="0">
+                <a:solidFill>
+                  <a:schemeClr val="tx2"/>
+                </a:solidFill>
+              </a:rPr>
+              <a:t>Extraction</a:t>
+            </a:r>
+          </a:p>
+          <a:p>
+            <a:pPr marL="342900" marR="0" lvl="0" indent="-342900" algn="l" defTabSz="914400" rtl="0" eaLnBrk="1" fontAlgn="auto" latinLnBrk="0" hangingPunct="1">
+              <a:lnSpc>
+                <a:spcPct val="100000"/>
+              </a:lnSpc>
+              <a:spcBef>
+                <a:spcPct val="20000"/>
+              </a:spcBef>
+              <a:spcAft>
+                <a:spcPts val="0"/>
+              </a:spcAft>
+              <a:buClr>
+                <a:schemeClr val="accent1"/>
+              </a:buClr>
+              <a:buSzPct val="70000"/>
+              <a:buFont typeface="Wingdings 2"/>
+              <a:buChar char=""/>
+              <a:tabLst/>
+              <a:defRPr/>
+            </a:pPr>
+            <a:r>
+              <a:rPr kumimoji="0" lang="fr-FR" sz="2400" b="1" i="0" u="none" strike="noStrike" kern="1200" cap="none" spc="0" normalizeH="0" baseline="0" noProof="0" dirty="0" smtClean="0">
+                <a:ln>
+                  <a:noFill/>
+                </a:ln>
+                <a:solidFill>
+                  <a:schemeClr val="tx2"/>
+                </a:solidFill>
+                <a:effectLst/>
+                <a:uLnTx/>
+                <a:uFillTx/>
+                <a:latin typeface="+mn-lt"/>
+                <a:ea typeface="+mn-ea"/>
+                <a:cs typeface="+mn-cs"/>
+              </a:rPr>
+              <a:t>Stockage</a:t>
+            </a:r>
+          </a:p>
+          <a:p>
+            <a:pPr marL="342900" marR="0" lvl="0" indent="-342900" algn="l" defTabSz="914400" rtl="0" eaLnBrk="1" fontAlgn="auto" latinLnBrk="0" hangingPunct="1">
+              <a:lnSpc>
+                <a:spcPct val="100000"/>
+              </a:lnSpc>
+              <a:spcBef>
+                <a:spcPct val="20000"/>
+              </a:spcBef>
+              <a:spcAft>
+                <a:spcPts val="0"/>
+              </a:spcAft>
+              <a:buClr>
+                <a:schemeClr val="accent1"/>
+              </a:buClr>
+              <a:buSzPct val="70000"/>
+              <a:buFont typeface="Wingdings 2"/>
+              <a:buChar char=""/>
+              <a:tabLst/>
+              <a:defRPr/>
+            </a:pPr>
+            <a:r>
+              <a:rPr lang="fr-FR" sz="2400" dirty="0" smtClean="0">
+                <a:solidFill>
+                  <a:schemeClr val="tx2"/>
+                </a:solidFill>
+              </a:rPr>
+              <a:t>Restitution</a:t>
+            </a:r>
+            <a:endParaRPr kumimoji="0" lang="fr-FR" sz="2400" b="0" i="0" u="none" strike="noStrike" kern="1200" cap="none" spc="0" normalizeH="0" baseline="0" noProof="0" dirty="0" smtClean="0">
+              <a:ln>
+                <a:noFill/>
+              </a:ln>
+              <a:solidFill>
+                <a:schemeClr val="tx2"/>
+              </a:solidFill>
+              <a:effectLst/>
+              <a:uLnTx/>
+              <a:uFillTx/>
+              <a:latin typeface="+mn-lt"/>
+              <a:ea typeface="+mn-ea"/>
+              <a:cs typeface="+mn-cs"/>
+            </a:endParaRPr>
+          </a:p>
+          <a:p>
+            <a:pPr marL="342900" marR="0" lvl="0" indent="-342900" algn="l" defTabSz="914400" rtl="0" eaLnBrk="1" fontAlgn="auto" latinLnBrk="0" hangingPunct="1">
+              <a:lnSpc>
+                <a:spcPct val="100000"/>
+              </a:lnSpc>
+              <a:spcBef>
+                <a:spcPct val="20000"/>
+              </a:spcBef>
+              <a:spcAft>
+                <a:spcPts val="0"/>
+              </a:spcAft>
+              <a:buClr>
+                <a:schemeClr val="accent1"/>
+              </a:buClr>
+              <a:buSzPct val="70000"/>
+              <a:buFont typeface="Wingdings 2"/>
+              <a:buChar char=""/>
+              <a:tabLst/>
+              <a:defRPr/>
+            </a:pPr>
+            <a:r>
+              <a:rPr lang="fr-FR" sz="2400" dirty="0" smtClean="0">
+                <a:solidFill>
+                  <a:schemeClr val="tx2"/>
+                </a:solidFill>
+              </a:rPr>
+              <a:t>Conclusion</a:t>
+            </a:r>
+            <a:endParaRPr kumimoji="0" lang="fr-FR" sz="2400" b="0" i="0" u="none" strike="noStrike" kern="1200" cap="none" spc="0" normalizeH="0" baseline="0" noProof="0" dirty="0">
+              <a:ln>
+                <a:noFill/>
+              </a:ln>
+              <a:solidFill>
+                <a:schemeClr val="tx2"/>
+              </a:solidFill>
+              <a:effectLst/>
+              <a:uLnTx/>
+              <a:uFillTx/>
+              <a:latin typeface="+mn-lt"/>
+              <a:ea typeface="+mn-ea"/>
+              <a:cs typeface="+mn-cs"/>
+            </a:endParaRPr>
+          </a:p>
+        </p:txBody>
+      </p:sp>
+      <p:sp>
+        <p:nvSpPr>
+          <p:cNvPr id="7" name="ZoneTexte 6"/>
+          <p:cNvSpPr txBox="1"/>
+          <p:nvPr/>
+        </p:nvSpPr>
+        <p:spPr>
+          <a:xfrm>
+            <a:off x="0" y="6581001"/>
+            <a:ext cx="2708919" cy="276999"/>
+          </a:xfrm>
+          <a:prstGeom prst="rect">
+            <a:avLst/>
+          </a:prstGeom>
+          <a:noFill/>
+          <a:scene3d>
+            <a:camera prst="orthographicFront">
+              <a:rot lat="0" lon="0" rev="5400000"/>
+            </a:camera>
+            <a:lightRig rig="threePt" dir="t"/>
+          </a:scene3d>
+        </p:spPr>
+        <p:txBody>
+          <a:bodyPr wrap="square" rtlCol="0">
+            <a:spAutoFit/>
+            <a:scene3d>
+              <a:camera prst="orthographicFront">
+                <a:rot lat="0" lon="0" rev="0"/>
+              </a:camera>
+              <a:lightRig rig="threePt" dir="t"/>
+            </a:scene3d>
+            <a:flatTx/>
+          </a:bodyPr>
+          <a:lstStyle/>
+          <a:p>
+            <a:r>
+              <a:rPr lang="fr-FR" sz="1200" dirty="0" smtClean="0"/>
+              <a:t>Soutenance projet LPD2I 2010/2011</a:t>
+            </a:r>
+            <a:endParaRPr lang="fr-FR" sz="1200" dirty="0"/>
+          </a:p>
+        </p:txBody>
+      </p:sp>
+      <p:sp>
+        <p:nvSpPr>
+          <p:cNvPr id="9" name="ZoneTexte 8"/>
+          <p:cNvSpPr txBox="1"/>
+          <p:nvPr/>
+        </p:nvSpPr>
+        <p:spPr>
+          <a:xfrm>
+            <a:off x="5508104" y="6581001"/>
+            <a:ext cx="3635896" cy="276999"/>
+          </a:xfrm>
+          <a:prstGeom prst="rect">
+            <a:avLst/>
+          </a:prstGeom>
+          <a:noFill/>
+          <a:scene3d>
+            <a:camera prst="orthographicFront">
+              <a:rot lat="0" lon="0" rev="5400000"/>
+            </a:camera>
+            <a:lightRig rig="threePt" dir="t"/>
+          </a:scene3d>
+        </p:spPr>
+        <p:txBody>
+          <a:bodyPr wrap="square" rtlCol="0">
+            <a:spAutoFit/>
+            <a:scene3d>
+              <a:camera prst="orthographicFront">
+                <a:rot lat="0" lon="0" rev="0"/>
+              </a:camera>
+              <a:lightRig rig="threePt" dir="t"/>
+            </a:scene3d>
+            <a:flatTx/>
+          </a:bodyPr>
+          <a:lstStyle/>
+          <a:p>
+            <a:r>
+              <a:rPr lang="fr-FR" sz="1200" dirty="0" smtClean="0"/>
+              <a:t>Leonhard Hermle – Julien Cellier – Xavier Mourgues</a:t>
+            </a:r>
+            <a:endParaRPr lang="fr-FR" sz="1200" dirty="0"/>
+          </a:p>
+        </p:txBody>
+      </p:sp>
+      <p:cxnSp>
+        <p:nvCxnSpPr>
+          <p:cNvPr id="12" name="Connecteur droit 11"/>
+          <p:cNvCxnSpPr/>
+          <p:nvPr/>
+        </p:nvCxnSpPr>
+        <p:spPr>
+          <a:xfrm rot="5400000">
+            <a:off x="107504" y="4077072"/>
+            <a:ext cx="4464496" cy="0"/>
+          </a:xfrm>
+          <a:prstGeom prst="line">
+            <a:avLst/>
+          </a:prstGeom>
+        </p:spPr>
+        <p:style>
+          <a:lnRef idx="1">
+            <a:schemeClr val="accent1"/>
+          </a:lnRef>
+          <a:fillRef idx="0">
+            <a:schemeClr val="accent1"/>
+          </a:fillRef>
+          <a:effectRef idx="0">
+            <a:schemeClr val="accent1"/>
+          </a:effectRef>
+          <a:fontRef idx="minor">
+            <a:schemeClr val="tx1"/>
+          </a:fontRef>
+        </p:style>
+      </p:cxnSp>
+      <p:pic>
+        <p:nvPicPr>
+          <p:cNvPr id="10" name="Image 9"/>
+          <p:cNvPicPr/>
+          <p:nvPr/>
+        </p:nvPicPr>
+        <p:blipFill>
+          <a:blip r:embed="rId2" cstate="print"/>
+          <a:srcRect/>
+          <a:stretch>
+            <a:fillRect/>
+          </a:stretch>
+        </p:blipFill>
+        <p:spPr bwMode="auto">
+          <a:xfrm>
+            <a:off x="2771800" y="2852936"/>
+            <a:ext cx="5904656" cy="1951104"/>
+          </a:xfrm>
+          <a:prstGeom prst="rect">
+            <a:avLst/>
+          </a:prstGeom>
+          <a:noFill/>
+          <a:ln w="9525">
+            <a:noFill/>
+            <a:miter lim="800000"/>
+            <a:headEnd/>
+            <a:tailEnd/>
+          </a:ln>
+        </p:spPr>
+      </p:pic>
+    </p:spTree>
+  </p:cSld>
+  <p:clrMapOvr>
+    <a:masterClrMapping/>
+  </p:clrMapOvr>
+  <p:timing>
+    <p:tnLst>
+      <p:par>
+        <p:cTn id="1" dur="indefinite" restart="never" nodeType="tmRoot"/>
+      </p:par>
+    </p:tnLst>
+  </p:timing>
+</p:sld>
+</file>
+
+<file path=ppt/slides/slide8.xml><?xml version="1.0" encoding="utf-8"?>
+<p:sld xmlns:a="http://schemas.openxmlformats.org/drawingml/2006/main" xmlns:r="http://schemas.openxmlformats.org/officeDocument/2006/relationships" xmlns:p="http://schemas.openxmlformats.org/presentationml/2006/main">
+  <p:cSld>
+    <p:spTree>
+      <p:nvGrpSpPr>
+        <p:cNvPr id="1" name=""/>
+        <p:cNvGrpSpPr/>
+        <p:nvPr/>
+      </p:nvGrpSpPr>
+      <p:grpSpPr>
+        <a:xfrm>
+          <a:off x="0" y="0"/>
+          <a:ext cx="0" cy="0"/>
+          <a:chOff x="0" y="0"/>
+          <a:chExt cx="0" cy="0"/>
+        </a:xfrm>
+      </p:grpSpPr>
+      <p:sp>
+        <p:nvSpPr>
+          <p:cNvPr id="2" name="Titre 1"/>
+          <p:cNvSpPr>
+            <a:spLocks noGrp="1"/>
+          </p:cNvSpPr>
+          <p:nvPr>
+            <p:ph type="title"/>
+          </p:nvPr>
+        </p:nvSpPr>
+        <p:spPr/>
+        <p:txBody>
+          <a:bodyPr>
+            <a:normAutofit/>
+          </a:bodyPr>
+          <a:lstStyle/>
+          <a:p>
+            <a:r>
+              <a:rPr lang="fr-FR" cap="none" dirty="0" smtClean="0">
+                <a:effectLst/>
+              </a:rPr>
+              <a:t>STOCKAGES</a:t>
+            </a:r>
+            <a:r>
+              <a:rPr lang="fr-FR" sz="2000" cap="none" dirty="0" smtClean="0">
+                <a:effectLst/>
+              </a:rPr>
+              <a:t>(suite)</a:t>
+            </a:r>
+            <a:endParaRPr lang="fr-FR" sz="2000" dirty="0"/>
+          </a:p>
+        </p:txBody>
+      </p:sp>
+      <p:sp>
+        <p:nvSpPr>
+          <p:cNvPr id="3" name="Espace réservé du contenu 2"/>
+          <p:cNvSpPr>
+            <a:spLocks noGrp="1"/>
+          </p:cNvSpPr>
+          <p:nvPr>
+            <p:ph idx="1"/>
+          </p:nvPr>
+        </p:nvSpPr>
+        <p:spPr>
+          <a:xfrm>
+            <a:off x="2411760" y="1700808"/>
+            <a:ext cx="6552728" cy="4248472"/>
+          </a:xfrm>
+        </p:spPr>
+        <p:txBody>
+          <a:bodyPr>
+            <a:normAutofit/>
+          </a:bodyPr>
+          <a:lstStyle/>
+          <a:p>
+            <a:pPr algn="ctr">
+              <a:buNone/>
+            </a:pPr>
+            <a:r>
+              <a:rPr lang="fr-FR" sz="2800" b="1" dirty="0" smtClean="0">
+                <a:solidFill>
+                  <a:schemeClr val="accent5">
+                    <a:lumMod val="75000"/>
+                  </a:schemeClr>
+                </a:solidFill>
+              </a:rPr>
+              <a:t>XML et Oracle : XML DB</a:t>
+            </a:r>
+          </a:p>
+          <a:p>
+            <a:pPr lvl="1"/>
+            <a:r>
+              <a:rPr lang="fr-FR" dirty="0" smtClean="0"/>
+              <a:t>Un type de données XML </a:t>
+            </a:r>
+            <a:r>
+              <a:rPr lang="fr-FR" dirty="0" smtClean="0"/>
+              <a:t>utilisé </a:t>
+            </a:r>
+            <a:r>
+              <a:rPr lang="fr-FR" dirty="0" smtClean="0"/>
+              <a:t>pour stocker et gérer du contenu XML.</a:t>
+            </a:r>
+          </a:p>
+          <a:p>
+            <a:pPr lvl="1"/>
+            <a:r>
+              <a:rPr lang="fr-FR" dirty="0" smtClean="0"/>
+              <a:t>Une collection de méthodes et </a:t>
+            </a:r>
+            <a:r>
+              <a:rPr lang="fr-FR" dirty="0" smtClean="0"/>
+              <a:t>opérateurs </a:t>
+            </a:r>
+            <a:r>
+              <a:rPr lang="fr-FR" dirty="0" smtClean="0"/>
+              <a:t>SQL permettant d'agir sur du XML.</a:t>
+            </a:r>
+          </a:p>
+          <a:p>
+            <a:pPr lvl="1"/>
+            <a:r>
+              <a:rPr lang="fr-FR" dirty="0" smtClean="0"/>
+              <a:t>Enregistrer </a:t>
+            </a:r>
+            <a:r>
+              <a:rPr lang="fr-FR" dirty="0" smtClean="0"/>
+              <a:t>un schéma conforme au W3C dans la base de données Oracle.</a:t>
+            </a:r>
+          </a:p>
+          <a:p>
+            <a:pPr lvl="1"/>
+            <a:endParaRPr lang="fr-FR" sz="2400" b="1" dirty="0" smtClean="0">
+              <a:solidFill>
+                <a:schemeClr val="accent5">
+                  <a:lumMod val="75000"/>
+                </a:schemeClr>
+              </a:solidFill>
+            </a:endParaRPr>
+          </a:p>
+        </p:txBody>
+      </p:sp>
+      <p:sp>
+        <p:nvSpPr>
+          <p:cNvPr id="6" name="Espace réservé du contenu 2"/>
+          <p:cNvSpPr txBox="1">
+            <a:spLocks/>
+          </p:cNvSpPr>
+          <p:nvPr/>
+        </p:nvSpPr>
+        <p:spPr>
+          <a:xfrm>
+            <a:off x="179512" y="1700808"/>
+            <a:ext cx="2088232" cy="4536504"/>
+          </a:xfrm>
+          <a:prstGeom prst="rect">
+            <a:avLst/>
+          </a:prstGeom>
+        </p:spPr>
+        <p:txBody>
+          <a:bodyPr vert="horz">
+            <a:normAutofit/>
+          </a:bodyPr>
+          <a:lstStyle/>
+          <a:p>
+            <a:pPr marL="342900" marR="0" lvl="0" indent="-342900" algn="l" defTabSz="914400" rtl="0" eaLnBrk="1" fontAlgn="auto" latinLnBrk="0" hangingPunct="1">
+              <a:lnSpc>
+                <a:spcPct val="100000"/>
+              </a:lnSpc>
+              <a:spcBef>
+                <a:spcPct val="20000"/>
+              </a:spcBef>
+              <a:spcAft>
+                <a:spcPts val="0"/>
+              </a:spcAft>
+              <a:buClr>
+                <a:schemeClr val="accent1"/>
+              </a:buClr>
+              <a:buSzPct val="70000"/>
+              <a:buFont typeface="Wingdings 2"/>
+              <a:buChar char=""/>
+              <a:tabLst/>
+              <a:defRPr/>
+            </a:pPr>
+            <a:r>
+              <a:rPr kumimoji="0" lang="fr-FR" sz="2400" i="0" u="none" strike="noStrike" kern="1200" cap="none" spc="0" normalizeH="0" baseline="0" noProof="0" dirty="0" smtClean="0">
+                <a:ln>
+                  <a:noFill/>
+                </a:ln>
+                <a:solidFill>
+                  <a:schemeClr val="tx2"/>
+                </a:solidFill>
+                <a:effectLst/>
+                <a:uLnTx/>
+                <a:uFillTx/>
+                <a:latin typeface="+mn-lt"/>
+                <a:ea typeface="+mn-ea"/>
+                <a:cs typeface="+mn-cs"/>
+              </a:rPr>
+              <a:t>Introduction</a:t>
+            </a:r>
+          </a:p>
+          <a:p>
+            <a:pPr marL="342900" marR="0" lvl="0" indent="-342900" algn="l" defTabSz="914400" rtl="0" eaLnBrk="1" fontAlgn="auto" latinLnBrk="0" hangingPunct="1">
+              <a:lnSpc>
+                <a:spcPct val="100000"/>
+              </a:lnSpc>
+              <a:spcBef>
+                <a:spcPct val="20000"/>
+              </a:spcBef>
+              <a:spcAft>
+                <a:spcPts val="0"/>
+              </a:spcAft>
+              <a:buClr>
+                <a:schemeClr val="accent1"/>
+              </a:buClr>
+              <a:buSzPct val="70000"/>
+              <a:buFont typeface="Wingdings 2"/>
+              <a:buChar char=""/>
+              <a:tabLst/>
+              <a:defRPr/>
+            </a:pPr>
+            <a:r>
+              <a:rPr lang="fr-FR" sz="2400" dirty="0" smtClean="0">
+                <a:solidFill>
+                  <a:schemeClr val="tx2"/>
+                </a:solidFill>
+              </a:rPr>
+              <a:t>Extraction</a:t>
+            </a:r>
+          </a:p>
+          <a:p>
+            <a:pPr marL="342900" marR="0" lvl="0" indent="-342900" algn="l" defTabSz="914400" rtl="0" eaLnBrk="1" fontAlgn="auto" latinLnBrk="0" hangingPunct="1">
+              <a:lnSpc>
+                <a:spcPct val="100000"/>
+              </a:lnSpc>
+              <a:spcBef>
+                <a:spcPct val="20000"/>
+              </a:spcBef>
+              <a:spcAft>
+                <a:spcPts val="0"/>
+              </a:spcAft>
+              <a:buClr>
+                <a:schemeClr val="accent1"/>
+              </a:buClr>
+              <a:buSzPct val="70000"/>
+              <a:buFont typeface="Wingdings 2"/>
+              <a:buChar char=""/>
+              <a:tabLst/>
+              <a:defRPr/>
+            </a:pPr>
+            <a:r>
+              <a:rPr kumimoji="0" lang="fr-FR" sz="2400" b="1" i="0" u="none" strike="noStrike" kern="1200" cap="none" spc="0" normalizeH="0" baseline="0" noProof="0" dirty="0" smtClean="0">
+                <a:ln>
+                  <a:noFill/>
+                </a:ln>
+                <a:solidFill>
+                  <a:schemeClr val="tx2"/>
+                </a:solidFill>
+                <a:effectLst/>
+                <a:uLnTx/>
+                <a:uFillTx/>
+                <a:latin typeface="+mn-lt"/>
+                <a:ea typeface="+mn-ea"/>
+                <a:cs typeface="+mn-cs"/>
+              </a:rPr>
+              <a:t>Stockage</a:t>
+            </a:r>
+          </a:p>
+          <a:p>
+            <a:pPr marL="342900" marR="0" lvl="0" indent="-342900" algn="l" defTabSz="914400" rtl="0" eaLnBrk="1" fontAlgn="auto" latinLnBrk="0" hangingPunct="1">
+              <a:lnSpc>
+                <a:spcPct val="100000"/>
+              </a:lnSpc>
+              <a:spcBef>
+                <a:spcPct val="20000"/>
+              </a:spcBef>
+              <a:spcAft>
+                <a:spcPts val="0"/>
+              </a:spcAft>
+              <a:buClr>
+                <a:schemeClr val="accent1"/>
+              </a:buClr>
+              <a:buSzPct val="70000"/>
+              <a:buFont typeface="Wingdings 2"/>
+              <a:buChar char=""/>
+              <a:tabLst/>
+              <a:defRPr/>
+            </a:pPr>
+            <a:r>
+              <a:rPr lang="fr-FR" sz="2400" dirty="0" smtClean="0">
+                <a:solidFill>
+                  <a:schemeClr val="tx2"/>
+                </a:solidFill>
+              </a:rPr>
+              <a:t>Restitution</a:t>
+            </a:r>
+            <a:endParaRPr kumimoji="0" lang="fr-FR" sz="2400" b="0" i="0" u="none" strike="noStrike" kern="1200" cap="none" spc="0" normalizeH="0" baseline="0" noProof="0" dirty="0" smtClean="0">
+              <a:ln>
+                <a:noFill/>
+              </a:ln>
+              <a:solidFill>
+                <a:schemeClr val="tx2"/>
+              </a:solidFill>
+              <a:effectLst/>
+              <a:uLnTx/>
+              <a:uFillTx/>
+              <a:latin typeface="+mn-lt"/>
+              <a:ea typeface="+mn-ea"/>
+              <a:cs typeface="+mn-cs"/>
+            </a:endParaRPr>
+          </a:p>
+          <a:p>
+            <a:pPr marL="342900" marR="0" lvl="0" indent="-342900" algn="l" defTabSz="914400" rtl="0" eaLnBrk="1" fontAlgn="auto" latinLnBrk="0" hangingPunct="1">
+              <a:lnSpc>
+                <a:spcPct val="100000"/>
+              </a:lnSpc>
+              <a:spcBef>
+                <a:spcPct val="20000"/>
+              </a:spcBef>
+              <a:spcAft>
+                <a:spcPts val="0"/>
+              </a:spcAft>
+              <a:buClr>
+                <a:schemeClr val="accent1"/>
+              </a:buClr>
+              <a:buSzPct val="70000"/>
+              <a:buFont typeface="Wingdings 2"/>
+              <a:buChar char=""/>
+              <a:tabLst/>
+              <a:defRPr/>
+            </a:pPr>
+            <a:r>
+              <a:rPr lang="fr-FR" sz="2400" dirty="0" smtClean="0">
+                <a:solidFill>
+                  <a:schemeClr val="tx2"/>
+                </a:solidFill>
+              </a:rPr>
+              <a:t>Conclusion</a:t>
+            </a:r>
+            <a:endParaRPr kumimoji="0" lang="fr-FR" sz="2400" b="0" i="0" u="none" strike="noStrike" kern="1200" cap="none" spc="0" normalizeH="0" baseline="0" noProof="0" dirty="0">
+              <a:ln>
+                <a:noFill/>
+              </a:ln>
+              <a:solidFill>
+                <a:schemeClr val="tx2"/>
+              </a:solidFill>
+              <a:effectLst/>
+              <a:uLnTx/>
+              <a:uFillTx/>
+              <a:latin typeface="+mn-lt"/>
+              <a:ea typeface="+mn-ea"/>
+              <a:cs typeface="+mn-cs"/>
+            </a:endParaRPr>
+          </a:p>
+        </p:txBody>
+      </p:sp>
+      <p:sp>
+        <p:nvSpPr>
+          <p:cNvPr id="7" name="ZoneTexte 6"/>
+          <p:cNvSpPr txBox="1"/>
+          <p:nvPr/>
+        </p:nvSpPr>
+        <p:spPr>
+          <a:xfrm>
+            <a:off x="0" y="6581001"/>
+            <a:ext cx="2708919" cy="276999"/>
+          </a:xfrm>
+          <a:prstGeom prst="rect">
+            <a:avLst/>
+          </a:prstGeom>
+          <a:noFill/>
+          <a:scene3d>
+            <a:camera prst="orthographicFront">
+              <a:rot lat="0" lon="0" rev="5400000"/>
+            </a:camera>
+            <a:lightRig rig="threePt" dir="t"/>
+          </a:scene3d>
+        </p:spPr>
+        <p:txBody>
+          <a:bodyPr wrap="square" rtlCol="0">
+            <a:spAutoFit/>
+            <a:scene3d>
+              <a:camera prst="orthographicFront">
+                <a:rot lat="0" lon="0" rev="0"/>
+              </a:camera>
+              <a:lightRig rig="threePt" dir="t"/>
+            </a:scene3d>
+            <a:flatTx/>
+          </a:bodyPr>
+          <a:lstStyle/>
+          <a:p>
+            <a:r>
+              <a:rPr lang="fr-FR" sz="1200" dirty="0" smtClean="0"/>
+              <a:t>Soutenance projet LPD2I 2010/2011</a:t>
+            </a:r>
+            <a:endParaRPr lang="fr-FR" sz="1200" dirty="0"/>
+          </a:p>
+        </p:txBody>
+      </p:sp>
+      <p:sp>
+        <p:nvSpPr>
+          <p:cNvPr id="9" name="ZoneTexte 8"/>
+          <p:cNvSpPr txBox="1"/>
+          <p:nvPr/>
+        </p:nvSpPr>
+        <p:spPr>
+          <a:xfrm>
+            <a:off x="5508104" y="6581001"/>
+            <a:ext cx="3635896" cy="276999"/>
+          </a:xfrm>
+          <a:prstGeom prst="rect">
+            <a:avLst/>
+          </a:prstGeom>
+          <a:noFill/>
+          <a:scene3d>
+            <a:camera prst="orthographicFront">
+              <a:rot lat="0" lon="0" rev="5400000"/>
+            </a:camera>
+            <a:lightRig rig="threePt" dir="t"/>
+          </a:scene3d>
+        </p:spPr>
+        <p:txBody>
+          <a:bodyPr wrap="square" rtlCol="0">
+            <a:spAutoFit/>
+            <a:scene3d>
+              <a:camera prst="orthographicFront">
+                <a:rot lat="0" lon="0" rev="0"/>
+              </a:camera>
+              <a:lightRig rig="threePt" dir="t"/>
+            </a:scene3d>
+            <a:flatTx/>
+          </a:bodyPr>
+          <a:lstStyle/>
+          <a:p>
+            <a:r>
+              <a:rPr lang="fr-FR" sz="1200" dirty="0" smtClean="0"/>
+              <a:t>Leonhard Hermle – Julien Cellier – Xavier Mourgues</a:t>
+            </a:r>
+            <a:endParaRPr lang="fr-FR" sz="1200" dirty="0"/>
+          </a:p>
+        </p:txBody>
+      </p:sp>
+      <p:cxnSp>
+        <p:nvCxnSpPr>
+          <p:cNvPr id="12" name="Connecteur droit 11"/>
+          <p:cNvCxnSpPr/>
+          <p:nvPr/>
+        </p:nvCxnSpPr>
+        <p:spPr>
+          <a:xfrm rot="5400000">
+            <a:off x="107504" y="4077072"/>
+            <a:ext cx="4464496" cy="0"/>
+          </a:xfrm>
+          <a:prstGeom prst="line">
+            <a:avLst/>
+          </a:prstGeom>
+        </p:spPr>
+        <p:style>
+          <a:lnRef idx="1">
+            <a:schemeClr val="accent1"/>
+          </a:lnRef>
+          <a:fillRef idx="0">
+            <a:schemeClr val="accent1"/>
+          </a:fillRef>
+          <a:effectRef idx="0">
+            <a:schemeClr val="accent1"/>
+          </a:effectRef>
+          <a:fontRef idx="minor">
+            <a:schemeClr val="tx1"/>
+          </a:fontRef>
+        </p:style>
+      </p:cxnSp>
+    </p:spTree>
+  </p:cSld>
+  <p:clrMapOvr>
+    <a:masterClrMapping/>
+  </p:clrMapOvr>
+  <p:timing>
+    <p:tnLst>
+      <p:par>
+        <p:cTn id="1" dur="indefinite" restart="never" nodeType="tmRoot"/>
+      </p:par>
+    </p:tnLst>
+  </p:timing>
+</p:sld>
+</file>
+
+<file path=ppt/slides/slide9.xml><?xml version="1.0" encoding="utf-8"?>
+<p:sld xmlns:a="http://schemas.openxmlformats.org/drawingml/2006/main" xmlns:r="http://schemas.openxmlformats.org/officeDocument/2006/relationships" xmlns:p="http://schemas.openxmlformats.org/presentationml/2006/main">
+  <p:cSld>
+    <p:spTree>
+      <p:nvGrpSpPr>
+        <p:cNvPr id="1" name=""/>
+        <p:cNvGrpSpPr/>
+        <p:nvPr/>
+      </p:nvGrpSpPr>
+      <p:grpSpPr>
+        <a:xfrm>
+          <a:off x="0" y="0"/>
+          <a:ext cx="0" cy="0"/>
+          <a:chOff x="0" y="0"/>
+          <a:chExt cx="0" cy="0"/>
+        </a:xfrm>
+      </p:grpSpPr>
+      <p:sp>
+        <p:nvSpPr>
+          <p:cNvPr id="2" name="Titre 1"/>
+          <p:cNvSpPr>
+            <a:spLocks noGrp="1"/>
+          </p:cNvSpPr>
+          <p:nvPr>
+            <p:ph type="title"/>
+          </p:nvPr>
+        </p:nvSpPr>
+        <p:spPr/>
+        <p:txBody>
+          <a:bodyPr>
+            <a:normAutofit/>
+          </a:bodyPr>
+          <a:lstStyle/>
+          <a:p>
+            <a:r>
+              <a:rPr lang="fr-FR" cap="none" dirty="0" smtClean="0">
+                <a:effectLst/>
+              </a:rPr>
+              <a:t>STOCKAGES</a:t>
+            </a:r>
+            <a:r>
+              <a:rPr lang="fr-FR" sz="2000" cap="none" dirty="0" smtClean="0">
+                <a:effectLst/>
+              </a:rPr>
+              <a:t>(suite)</a:t>
+            </a:r>
+            <a:endParaRPr lang="fr-FR" sz="2000" dirty="0"/>
+          </a:p>
+        </p:txBody>
+      </p:sp>
+      <p:sp>
+        <p:nvSpPr>
+          <p:cNvPr id="3" name="Espace réservé du contenu 2"/>
+          <p:cNvSpPr>
+            <a:spLocks noGrp="1"/>
+          </p:cNvSpPr>
+          <p:nvPr>
+            <p:ph idx="1"/>
+          </p:nvPr>
+        </p:nvSpPr>
+        <p:spPr>
+          <a:xfrm>
+            <a:off x="2915816" y="1700808"/>
+            <a:ext cx="5616624" cy="4248472"/>
+          </a:xfrm>
+        </p:spPr>
+        <p:txBody>
+          <a:bodyPr>
+            <a:normAutofit fontScale="47500" lnSpcReduction="20000"/>
+          </a:bodyPr>
+          <a:lstStyle/>
+          <a:p>
+            <a:pPr algn="ctr">
+              <a:buNone/>
+            </a:pPr>
+            <a:r>
+              <a:rPr lang="fr-FR" sz="5900" b="1" dirty="0" smtClean="0">
+                <a:solidFill>
+                  <a:schemeClr val="accent5">
+                    <a:lumMod val="75000"/>
+                  </a:schemeClr>
+                </a:solidFill>
+              </a:rPr>
+              <a:t>XML et Oracle : </a:t>
+            </a:r>
+            <a:r>
+              <a:rPr lang="fr-FR" sz="5900" b="1" dirty="0" err="1" smtClean="0">
+                <a:solidFill>
+                  <a:schemeClr val="accent5">
+                    <a:lumMod val="75000"/>
+                  </a:schemeClr>
+                </a:solidFill>
+              </a:rPr>
+              <a:t>XMLType</a:t>
+            </a:r>
+            <a:endParaRPr lang="fr-FR" sz="5900" b="1" dirty="0" smtClean="0">
+              <a:solidFill>
+                <a:schemeClr val="accent5">
+                  <a:lumMod val="75000"/>
+                </a:schemeClr>
+              </a:solidFill>
+            </a:endParaRPr>
+          </a:p>
+          <a:p>
+            <a:pPr algn="ctr">
+              <a:buNone/>
+            </a:pPr>
+            <a:endParaRPr lang="fr-FR" sz="2800" b="1" dirty="0" smtClean="0">
+              <a:solidFill>
+                <a:schemeClr val="accent5">
+                  <a:lumMod val="75000"/>
+                </a:schemeClr>
+              </a:solidFill>
+            </a:endParaRPr>
+          </a:p>
+          <a:p>
+            <a:pPr>
+              <a:buNone/>
+            </a:pPr>
+            <a:endParaRPr lang="fr-FR" sz="2800" i="1" dirty="0" smtClean="0"/>
+          </a:p>
+          <a:p>
+            <a:pPr>
+              <a:buNone/>
+            </a:pPr>
+            <a:r>
+              <a:rPr lang="fr-FR" sz="2800" i="1" dirty="0" smtClean="0">
+                <a:solidFill>
+                  <a:schemeClr val="tx2">
+                    <a:lumMod val="50000"/>
+                  </a:schemeClr>
+                </a:solidFill>
+              </a:rPr>
+              <a:t>INSERT </a:t>
+            </a:r>
+            <a:r>
+              <a:rPr lang="fr-FR" sz="2800" i="1" dirty="0" smtClean="0">
+                <a:solidFill>
+                  <a:schemeClr val="tx2">
+                    <a:lumMod val="50000"/>
+                  </a:schemeClr>
+                </a:solidFill>
+              </a:rPr>
+              <a:t>INTO film</a:t>
+            </a:r>
+            <a:endParaRPr lang="fr-FR" sz="2800" dirty="0" smtClean="0">
+              <a:solidFill>
+                <a:schemeClr val="tx2">
+                  <a:lumMod val="50000"/>
+                </a:schemeClr>
+              </a:solidFill>
+            </a:endParaRPr>
+          </a:p>
+          <a:p>
+            <a:pPr>
+              <a:buNone/>
+            </a:pPr>
+            <a:r>
+              <a:rPr lang="fr-FR" sz="2800" i="1" dirty="0" smtClean="0">
+                <a:solidFill>
+                  <a:schemeClr val="tx2">
+                    <a:lumMod val="50000"/>
+                  </a:schemeClr>
+                </a:solidFill>
+              </a:rPr>
+              <a:t>VALUES ( 6, '</a:t>
+            </a:r>
+            <a:r>
+              <a:rPr lang="fr-FR" sz="2800" i="1" dirty="0" err="1" smtClean="0">
+                <a:solidFill>
+                  <a:schemeClr val="tx2">
+                    <a:lumMod val="50000"/>
+                  </a:schemeClr>
+                </a:solidFill>
+              </a:rPr>
+              <a:t>gran</a:t>
+            </a:r>
+            <a:r>
+              <a:rPr lang="fr-FR" sz="2800" i="1" dirty="0" smtClean="0">
+                <a:solidFill>
+                  <a:schemeClr val="tx2">
+                    <a:lumMod val="50000"/>
+                  </a:schemeClr>
+                </a:solidFill>
+              </a:rPr>
+              <a:t> </a:t>
+            </a:r>
+            <a:r>
+              <a:rPr lang="fr-FR" sz="2800" i="1" dirty="0" err="1" smtClean="0">
+                <a:solidFill>
+                  <a:schemeClr val="tx2">
+                    <a:lumMod val="50000"/>
+                  </a:schemeClr>
+                </a:solidFill>
+              </a:rPr>
+              <a:t>torino</a:t>
+            </a:r>
+            <a:r>
+              <a:rPr lang="fr-FR" sz="2800" i="1" dirty="0" smtClean="0">
+                <a:solidFill>
+                  <a:schemeClr val="tx2">
+                    <a:lumMod val="50000"/>
+                  </a:schemeClr>
+                </a:solidFill>
+              </a:rPr>
+              <a:t>', 138, 2010, 9 ,9.5 ,'</a:t>
+            </a:r>
+            <a:r>
+              <a:rPr lang="fr-FR" sz="2800" i="1" dirty="0" err="1" smtClean="0">
+                <a:solidFill>
+                  <a:schemeClr val="tx2">
+                    <a:lumMod val="50000"/>
+                  </a:schemeClr>
+                </a:solidFill>
+              </a:rPr>
+              <a:t>clint</a:t>
+            </a:r>
+            <a:r>
+              <a:rPr lang="fr-FR" sz="2800" i="1" dirty="0" smtClean="0">
+                <a:solidFill>
+                  <a:schemeClr val="tx2">
+                    <a:lumMod val="50000"/>
+                  </a:schemeClr>
+                </a:solidFill>
+              </a:rPr>
+              <a:t> a la retraite...',</a:t>
+            </a:r>
+            <a:r>
+              <a:rPr lang="fr-FR" sz="2800" i="1" dirty="0" err="1" smtClean="0">
+                <a:solidFill>
+                  <a:schemeClr val="tx2">
+                    <a:lumMod val="50000"/>
+                  </a:schemeClr>
+                </a:solidFill>
+              </a:rPr>
+              <a:t>XMLType</a:t>
+            </a:r>
+            <a:r>
+              <a:rPr lang="fr-FR" sz="2800" i="1" dirty="0" smtClean="0">
+                <a:solidFill>
+                  <a:schemeClr val="tx2">
+                    <a:lumMod val="50000"/>
+                  </a:schemeClr>
+                </a:solidFill>
+              </a:rPr>
+              <a:t>('</a:t>
+            </a:r>
+            <a:endParaRPr lang="fr-FR" sz="2800" dirty="0" smtClean="0">
+              <a:solidFill>
+                <a:schemeClr val="tx2">
+                  <a:lumMod val="50000"/>
+                </a:schemeClr>
+              </a:solidFill>
+            </a:endParaRPr>
+          </a:p>
+          <a:p>
+            <a:pPr>
+              <a:buNone/>
+            </a:pPr>
+            <a:r>
+              <a:rPr lang="fr-FR" sz="2800" i="1" dirty="0" smtClean="0">
+                <a:solidFill>
+                  <a:schemeClr val="tx2">
+                    <a:lumMod val="50000"/>
+                  </a:schemeClr>
+                </a:solidFill>
+              </a:rPr>
+              <a:t>&lt;film&gt; </a:t>
+            </a:r>
+            <a:endParaRPr lang="fr-FR" sz="2800" dirty="0" smtClean="0">
+              <a:solidFill>
+                <a:schemeClr val="tx2">
+                  <a:lumMod val="50000"/>
+                </a:schemeClr>
+              </a:solidFill>
+            </a:endParaRPr>
+          </a:p>
+          <a:p>
+            <a:pPr>
+              <a:buNone/>
+            </a:pPr>
+            <a:r>
+              <a:rPr lang="fr-FR" sz="2800" i="1" dirty="0" smtClean="0">
+                <a:solidFill>
+                  <a:schemeClr val="tx2">
+                    <a:lumMod val="50000"/>
+                  </a:schemeClr>
+                </a:solidFill>
+              </a:rPr>
+              <a:t>    &lt;commentaire&gt;</a:t>
+            </a:r>
+            <a:endParaRPr lang="fr-FR" sz="2800" dirty="0" smtClean="0">
+              <a:solidFill>
+                <a:schemeClr val="tx2">
+                  <a:lumMod val="50000"/>
+                </a:schemeClr>
+              </a:solidFill>
+            </a:endParaRPr>
+          </a:p>
+          <a:p>
+            <a:pPr>
+              <a:buNone/>
+            </a:pPr>
+            <a:r>
+              <a:rPr lang="fr-FR" sz="2800" i="1" dirty="0" smtClean="0">
+                <a:solidFill>
+                  <a:schemeClr val="tx2">
+                    <a:lumMod val="50000"/>
+                  </a:schemeClr>
+                </a:solidFill>
+              </a:rPr>
+              <a:t>	&lt;pseudo&gt;ford_48&lt;/pseudo&gt;</a:t>
+            </a:r>
+            <a:endParaRPr lang="fr-FR" sz="2800" dirty="0" smtClean="0">
+              <a:solidFill>
+                <a:schemeClr val="tx2">
+                  <a:lumMod val="50000"/>
+                </a:schemeClr>
+              </a:solidFill>
+            </a:endParaRPr>
+          </a:p>
+          <a:p>
+            <a:pPr>
+              <a:buNone/>
+            </a:pPr>
+            <a:r>
+              <a:rPr lang="fr-FR" sz="2800" i="1" dirty="0" smtClean="0">
+                <a:solidFill>
+                  <a:schemeClr val="tx2">
+                    <a:lumMod val="50000"/>
+                  </a:schemeClr>
+                </a:solidFill>
+              </a:rPr>
+              <a:t>	&lt;</a:t>
+            </a:r>
+            <a:r>
+              <a:rPr lang="fr-FR" sz="2800" i="1" dirty="0" err="1" smtClean="0">
+                <a:solidFill>
+                  <a:schemeClr val="tx2">
+                    <a:lumMod val="50000"/>
+                  </a:schemeClr>
+                </a:solidFill>
+              </a:rPr>
+              <a:t>com</a:t>
+            </a:r>
+            <a:r>
+              <a:rPr lang="fr-FR" sz="2800" i="1" dirty="0" smtClean="0">
+                <a:solidFill>
+                  <a:schemeClr val="tx2">
+                    <a:lumMod val="50000"/>
+                  </a:schemeClr>
+                </a:solidFill>
+              </a:rPr>
+              <a:t>&gt;</a:t>
+            </a:r>
+            <a:r>
+              <a:rPr lang="fr-FR" sz="2800" i="1" dirty="0" err="1" smtClean="0">
+                <a:solidFill>
+                  <a:schemeClr val="tx2">
+                    <a:lumMod val="50000"/>
+                  </a:schemeClr>
+                </a:solidFill>
+              </a:rPr>
+              <a:t>trés</a:t>
+            </a:r>
+            <a:r>
+              <a:rPr lang="fr-FR" sz="2800" i="1" dirty="0" smtClean="0">
+                <a:solidFill>
+                  <a:schemeClr val="tx2">
+                    <a:lumMod val="50000"/>
+                  </a:schemeClr>
+                </a:solidFill>
+              </a:rPr>
+              <a:t> bon film avec M. </a:t>
+            </a:r>
+            <a:r>
+              <a:rPr lang="fr-FR" sz="2800" i="1" dirty="0" err="1" smtClean="0">
+                <a:solidFill>
+                  <a:schemeClr val="tx2">
+                    <a:lumMod val="50000"/>
+                  </a:schemeClr>
+                </a:solidFill>
+              </a:rPr>
+              <a:t>Eastwood</a:t>
+            </a:r>
+            <a:r>
+              <a:rPr lang="fr-FR" sz="2800" i="1" dirty="0" smtClean="0">
+                <a:solidFill>
+                  <a:schemeClr val="tx2">
+                    <a:lumMod val="50000"/>
+                  </a:schemeClr>
+                </a:solidFill>
+              </a:rPr>
+              <a:t>&lt;/</a:t>
+            </a:r>
+            <a:r>
+              <a:rPr lang="fr-FR" sz="2800" i="1" dirty="0" err="1" smtClean="0">
+                <a:solidFill>
+                  <a:schemeClr val="tx2">
+                    <a:lumMod val="50000"/>
+                  </a:schemeClr>
+                </a:solidFill>
+              </a:rPr>
+              <a:t>com</a:t>
+            </a:r>
+            <a:r>
+              <a:rPr lang="fr-FR" sz="2800" i="1" dirty="0" smtClean="0">
+                <a:solidFill>
+                  <a:schemeClr val="tx2">
+                    <a:lumMod val="50000"/>
+                  </a:schemeClr>
+                </a:solidFill>
+              </a:rPr>
+              <a:t>&gt;</a:t>
+            </a:r>
+            <a:endParaRPr lang="fr-FR" sz="2800" dirty="0" smtClean="0">
+              <a:solidFill>
+                <a:schemeClr val="tx2">
+                  <a:lumMod val="50000"/>
+                </a:schemeClr>
+              </a:solidFill>
+            </a:endParaRPr>
+          </a:p>
+          <a:p>
+            <a:pPr>
+              <a:buNone/>
+            </a:pPr>
+            <a:r>
+              <a:rPr lang="fr-FR" sz="2800" i="1" dirty="0" smtClean="0">
+                <a:solidFill>
+                  <a:schemeClr val="tx2">
+                    <a:lumMod val="50000"/>
+                  </a:schemeClr>
+                </a:solidFill>
+              </a:rPr>
+              <a:t>	&lt;note&gt;10&lt;/note&gt;</a:t>
+            </a:r>
+            <a:endParaRPr lang="fr-FR" sz="2800" dirty="0" smtClean="0">
+              <a:solidFill>
+                <a:schemeClr val="tx2">
+                  <a:lumMod val="50000"/>
+                </a:schemeClr>
+              </a:solidFill>
+            </a:endParaRPr>
+          </a:p>
+          <a:p>
+            <a:pPr>
+              <a:buNone/>
+            </a:pPr>
+            <a:r>
+              <a:rPr lang="fr-FR" sz="2800" i="1" dirty="0" smtClean="0">
+                <a:solidFill>
+                  <a:schemeClr val="tx2">
+                    <a:lumMod val="50000"/>
+                  </a:schemeClr>
+                </a:solidFill>
+              </a:rPr>
+              <a:t>	&lt;source&gt;</a:t>
+            </a:r>
+            <a:r>
+              <a:rPr lang="fr-FR" sz="2800" i="1" dirty="0" err="1" smtClean="0">
+                <a:solidFill>
+                  <a:schemeClr val="tx2">
+                    <a:lumMod val="50000"/>
+                  </a:schemeClr>
+                </a:solidFill>
+              </a:rPr>
+              <a:t>Allocine</a:t>
+            </a:r>
+            <a:r>
+              <a:rPr lang="fr-FR" sz="2800" i="1" dirty="0" smtClean="0">
+                <a:solidFill>
+                  <a:schemeClr val="tx2">
+                    <a:lumMod val="50000"/>
+                  </a:schemeClr>
+                </a:solidFill>
+              </a:rPr>
+              <a:t>&lt;/source&gt;</a:t>
+            </a:r>
+            <a:endParaRPr lang="fr-FR" sz="2800" dirty="0" smtClean="0">
+              <a:solidFill>
+                <a:schemeClr val="tx2">
+                  <a:lumMod val="50000"/>
+                </a:schemeClr>
+              </a:solidFill>
+            </a:endParaRPr>
+          </a:p>
+          <a:p>
+            <a:pPr>
+              <a:buNone/>
+            </a:pPr>
+            <a:r>
+              <a:rPr lang="fr-FR" sz="2800" i="1" dirty="0" smtClean="0">
+                <a:solidFill>
+                  <a:schemeClr val="tx2">
+                    <a:lumMod val="50000"/>
+                  </a:schemeClr>
+                </a:solidFill>
+              </a:rPr>
+              <a:t>    &lt;/commentaire&gt;</a:t>
+            </a:r>
+            <a:endParaRPr lang="fr-FR" sz="2800" dirty="0" smtClean="0">
+              <a:solidFill>
+                <a:schemeClr val="tx2">
+                  <a:lumMod val="50000"/>
+                </a:schemeClr>
+              </a:solidFill>
+            </a:endParaRPr>
+          </a:p>
+          <a:p>
+            <a:pPr>
+              <a:buNone/>
+            </a:pPr>
+            <a:r>
+              <a:rPr lang="fr-FR" sz="2800" i="1" dirty="0" smtClean="0">
+                <a:solidFill>
+                  <a:schemeClr val="tx2">
+                    <a:lumMod val="50000"/>
+                  </a:schemeClr>
+                </a:solidFill>
+              </a:rPr>
+              <a:t>    &lt;commentaire&gt;</a:t>
+            </a:r>
+            <a:endParaRPr lang="fr-FR" sz="2800" dirty="0" smtClean="0">
+              <a:solidFill>
+                <a:schemeClr val="tx2">
+                  <a:lumMod val="50000"/>
+                </a:schemeClr>
+              </a:solidFill>
+            </a:endParaRPr>
+          </a:p>
+          <a:p>
+            <a:pPr>
+              <a:buNone/>
+            </a:pPr>
+            <a:r>
+              <a:rPr lang="fr-FR" sz="2800" i="1" dirty="0" smtClean="0">
+                <a:solidFill>
+                  <a:schemeClr val="tx2">
+                    <a:lumMod val="50000"/>
+                  </a:schemeClr>
+                </a:solidFill>
+              </a:rPr>
+              <a:t>	&lt;pseudo&gt;jojodu12&lt;/pseudo&gt;</a:t>
+            </a:r>
+            <a:endParaRPr lang="fr-FR" sz="2800" dirty="0" smtClean="0">
+              <a:solidFill>
+                <a:schemeClr val="tx2">
+                  <a:lumMod val="50000"/>
+                </a:schemeClr>
+              </a:solidFill>
+            </a:endParaRPr>
+          </a:p>
+          <a:p>
+            <a:pPr>
+              <a:buNone/>
+            </a:pPr>
+            <a:r>
+              <a:rPr lang="fr-FR" sz="2800" i="1" dirty="0" smtClean="0">
+                <a:solidFill>
+                  <a:schemeClr val="tx2">
+                    <a:lumMod val="50000"/>
+                  </a:schemeClr>
+                </a:solidFill>
+              </a:rPr>
+              <a:t>	&lt;</a:t>
+            </a:r>
+            <a:r>
+              <a:rPr lang="fr-FR" sz="2800" i="1" dirty="0" err="1" smtClean="0">
+                <a:solidFill>
+                  <a:schemeClr val="tx2">
+                    <a:lumMod val="50000"/>
+                  </a:schemeClr>
+                </a:solidFill>
+              </a:rPr>
+              <a:t>com</a:t>
+            </a:r>
+            <a:r>
+              <a:rPr lang="fr-FR" sz="2800" i="1" dirty="0" smtClean="0">
+                <a:solidFill>
+                  <a:schemeClr val="tx2">
+                    <a:lumMod val="50000"/>
+                  </a:schemeClr>
+                </a:solidFill>
+              </a:rPr>
+              <a:t>&gt;Clint encore une fois énorme !!&lt;/</a:t>
+            </a:r>
+            <a:r>
+              <a:rPr lang="fr-FR" sz="2800" i="1" dirty="0" err="1" smtClean="0">
+                <a:solidFill>
+                  <a:schemeClr val="tx2">
+                    <a:lumMod val="50000"/>
+                  </a:schemeClr>
+                </a:solidFill>
+              </a:rPr>
+              <a:t>com</a:t>
+            </a:r>
+            <a:r>
+              <a:rPr lang="fr-FR" sz="2800" i="1" dirty="0" smtClean="0">
+                <a:solidFill>
+                  <a:schemeClr val="tx2">
+                    <a:lumMod val="50000"/>
+                  </a:schemeClr>
+                </a:solidFill>
+              </a:rPr>
+              <a:t>&gt;</a:t>
+            </a:r>
+            <a:endParaRPr lang="fr-FR" sz="2800" dirty="0" smtClean="0">
+              <a:solidFill>
+                <a:schemeClr val="tx2">
+                  <a:lumMod val="50000"/>
+                </a:schemeClr>
+              </a:solidFill>
+            </a:endParaRPr>
+          </a:p>
+          <a:p>
+            <a:pPr>
+              <a:buNone/>
+            </a:pPr>
+            <a:r>
+              <a:rPr lang="fr-FR" sz="2800" i="1" dirty="0" smtClean="0">
+                <a:solidFill>
+                  <a:schemeClr val="tx2">
+                    <a:lumMod val="50000"/>
+                  </a:schemeClr>
+                </a:solidFill>
+              </a:rPr>
+              <a:t>	&lt;note&gt;8&lt;/note&gt;</a:t>
+            </a:r>
+            <a:endParaRPr lang="fr-FR" sz="2800" dirty="0" smtClean="0">
+              <a:solidFill>
+                <a:schemeClr val="tx2">
+                  <a:lumMod val="50000"/>
+                </a:schemeClr>
+              </a:solidFill>
+            </a:endParaRPr>
+          </a:p>
+          <a:p>
+            <a:pPr>
+              <a:buNone/>
+            </a:pPr>
+            <a:r>
+              <a:rPr lang="fr-FR" sz="2800" i="1" dirty="0" smtClean="0">
+                <a:solidFill>
+                  <a:schemeClr val="tx2">
+                    <a:lumMod val="50000"/>
+                  </a:schemeClr>
+                </a:solidFill>
+              </a:rPr>
+              <a:t>	&lt;source&gt;</a:t>
+            </a:r>
+            <a:r>
+              <a:rPr lang="fr-FR" sz="2800" i="1" dirty="0" err="1" smtClean="0">
+                <a:solidFill>
+                  <a:schemeClr val="tx2">
+                    <a:lumMod val="50000"/>
+                  </a:schemeClr>
+                </a:solidFill>
+              </a:rPr>
+              <a:t>Allocine</a:t>
+            </a:r>
+            <a:r>
+              <a:rPr lang="fr-FR" sz="2800" i="1" dirty="0" smtClean="0">
+                <a:solidFill>
+                  <a:schemeClr val="tx2">
+                    <a:lumMod val="50000"/>
+                  </a:schemeClr>
+                </a:solidFill>
+              </a:rPr>
+              <a:t>&lt;/source&gt;</a:t>
+            </a:r>
+            <a:endParaRPr lang="fr-FR" sz="2800" dirty="0" smtClean="0">
+              <a:solidFill>
+                <a:schemeClr val="tx2">
+                  <a:lumMod val="50000"/>
+                </a:schemeClr>
+              </a:solidFill>
+            </a:endParaRPr>
+          </a:p>
+          <a:p>
+            <a:pPr>
+              <a:buNone/>
+            </a:pPr>
+            <a:r>
+              <a:rPr lang="fr-FR" sz="2800" i="1" dirty="0" smtClean="0">
+                <a:solidFill>
+                  <a:schemeClr val="tx2">
+                    <a:lumMod val="50000"/>
+                  </a:schemeClr>
+                </a:solidFill>
+              </a:rPr>
+              <a:t>    &lt;/commentaire&gt;</a:t>
+            </a:r>
+            <a:endParaRPr lang="fr-FR" sz="2800" dirty="0" smtClean="0">
+              <a:solidFill>
+                <a:schemeClr val="tx2">
+                  <a:lumMod val="50000"/>
+                </a:schemeClr>
+              </a:solidFill>
+            </a:endParaRPr>
+          </a:p>
+          <a:p>
+            <a:pPr>
+              <a:buNone/>
+            </a:pPr>
+            <a:r>
+              <a:rPr lang="fr-FR" sz="2800" i="1" dirty="0" smtClean="0">
+                <a:solidFill>
+                  <a:schemeClr val="tx2">
+                    <a:lumMod val="50000"/>
+                  </a:schemeClr>
+                </a:solidFill>
+              </a:rPr>
+              <a:t>&lt;/film&gt;'),'' </a:t>
+            </a:r>
+            <a:r>
+              <a:rPr lang="fr-FR" sz="2800" i="1" dirty="0" smtClean="0">
+                <a:solidFill>
+                  <a:schemeClr val="tx2">
+                    <a:lumMod val="50000"/>
+                  </a:schemeClr>
+                </a:solidFill>
+              </a:rPr>
+              <a:t>)</a:t>
+            </a:r>
+          </a:p>
+          <a:p>
+            <a:pPr>
+              <a:buNone/>
+            </a:pPr>
+            <a:r>
+              <a:rPr lang="fr-FR" sz="2800" i="1" dirty="0" smtClean="0">
+                <a:solidFill>
+                  <a:schemeClr val="tx2">
+                    <a:lumMod val="50000"/>
+                  </a:schemeClr>
+                </a:solidFill>
+              </a:rPr>
+              <a:t>/</a:t>
+            </a:r>
+            <a:endParaRPr lang="fr-FR" sz="2800" dirty="0" smtClean="0">
+              <a:solidFill>
+                <a:schemeClr val="tx2">
+                  <a:lumMod val="50000"/>
+                </a:schemeClr>
+              </a:solidFill>
+            </a:endParaRPr>
+          </a:p>
+        </p:txBody>
+      </p:sp>
+      <p:sp>
+        <p:nvSpPr>
+          <p:cNvPr id="6" name="Espace réservé du contenu 2"/>
+          <p:cNvSpPr txBox="1">
+            <a:spLocks/>
+          </p:cNvSpPr>
+          <p:nvPr/>
+        </p:nvSpPr>
+        <p:spPr>
+          <a:xfrm>
+            <a:off x="179512" y="1700808"/>
+            <a:ext cx="2088232" cy="4536504"/>
+          </a:xfrm>
+          <a:prstGeom prst="rect">
+            <a:avLst/>
+          </a:prstGeom>
+        </p:spPr>
+        <p:txBody>
+          <a:bodyPr vert="horz">
+            <a:normAutofit/>
+          </a:bodyPr>
+          <a:lstStyle/>
+          <a:p>
+            <a:pPr marL="342900" marR="0" lvl="0" indent="-342900" algn="l" defTabSz="914400" rtl="0" eaLnBrk="1" fontAlgn="auto" latinLnBrk="0" hangingPunct="1">
+              <a:lnSpc>
+                <a:spcPct val="100000"/>
+              </a:lnSpc>
+              <a:spcBef>
+                <a:spcPct val="20000"/>
+              </a:spcBef>
+              <a:spcAft>
+                <a:spcPts val="0"/>
+              </a:spcAft>
+              <a:buClr>
+                <a:schemeClr val="accent1"/>
+              </a:buClr>
+              <a:buSzPct val="70000"/>
+              <a:buFont typeface="Wingdings 2"/>
+              <a:buChar char=""/>
+              <a:tabLst/>
+              <a:defRPr/>
+            </a:pPr>
+            <a:r>
+              <a:rPr kumimoji="0" lang="fr-FR" sz="2400" i="0" u="none" strike="noStrike" kern="1200" cap="none" spc="0" normalizeH="0" baseline="0" noProof="0" dirty="0" smtClean="0">
+                <a:ln>
+                  <a:noFill/>
+                </a:ln>
+                <a:solidFill>
+                  <a:schemeClr val="tx2"/>
+                </a:solidFill>
+                <a:effectLst/>
+                <a:uLnTx/>
+                <a:uFillTx/>
+                <a:latin typeface="+mn-lt"/>
+                <a:ea typeface="+mn-ea"/>
+                <a:cs typeface="+mn-cs"/>
+              </a:rPr>
+              <a:t>Introduction</a:t>
+            </a:r>
+          </a:p>
+          <a:p>
+            <a:pPr marL="342900" marR="0" lvl="0" indent="-342900" algn="l" defTabSz="914400" rtl="0" eaLnBrk="1" fontAlgn="auto" latinLnBrk="0" hangingPunct="1">
+              <a:lnSpc>
+                <a:spcPct val="100000"/>
+              </a:lnSpc>
+              <a:spcBef>
+                <a:spcPct val="20000"/>
+              </a:spcBef>
+              <a:spcAft>
+                <a:spcPts val="0"/>
+              </a:spcAft>
+              <a:buClr>
+                <a:schemeClr val="accent1"/>
+              </a:buClr>
+              <a:buSzPct val="70000"/>
+              <a:buFont typeface="Wingdings 2"/>
+              <a:buChar char=""/>
+              <a:tabLst/>
+              <a:defRPr/>
+            </a:pPr>
+            <a:r>
+              <a:rPr lang="fr-FR" sz="2400" dirty="0" smtClean="0">
+                <a:solidFill>
+                  <a:schemeClr val="tx2"/>
+                </a:solidFill>
+              </a:rPr>
+              <a:t>Extraction</a:t>
+            </a:r>
+          </a:p>
+          <a:p>
+            <a:pPr marL="342900" marR="0" lvl="0" indent="-342900" algn="l" defTabSz="914400" rtl="0" eaLnBrk="1" fontAlgn="auto" latinLnBrk="0" hangingPunct="1">
+              <a:lnSpc>
+                <a:spcPct val="100000"/>
+              </a:lnSpc>
+              <a:spcBef>
+                <a:spcPct val="20000"/>
+              </a:spcBef>
+              <a:spcAft>
+                <a:spcPts val="0"/>
+              </a:spcAft>
+              <a:buClr>
+                <a:schemeClr val="accent1"/>
+              </a:buClr>
+              <a:buSzPct val="70000"/>
+              <a:buFont typeface="Wingdings 2"/>
+              <a:buChar char=""/>
+              <a:tabLst/>
+              <a:defRPr/>
+            </a:pPr>
+            <a:r>
+              <a:rPr kumimoji="0" lang="fr-FR" sz="2400" b="1" i="0" u="none" strike="noStrike" kern="1200" cap="none" spc="0" normalizeH="0" baseline="0" noProof="0" dirty="0" smtClean="0">
+                <a:ln>
+                  <a:noFill/>
+                </a:ln>
+                <a:solidFill>
+                  <a:schemeClr val="tx2"/>
+                </a:solidFill>
+                <a:effectLst/>
+                <a:uLnTx/>
+                <a:uFillTx/>
+                <a:latin typeface="+mn-lt"/>
+                <a:ea typeface="+mn-ea"/>
+                <a:cs typeface="+mn-cs"/>
+              </a:rPr>
+              <a:t>Stockage</a:t>
+            </a:r>
+          </a:p>
+          <a:p>
+            <a:pPr marL="342900" marR="0" lvl="0" indent="-342900" algn="l" defTabSz="914400" rtl="0" eaLnBrk="1" fontAlgn="auto" latinLnBrk="0" hangingPunct="1">
+              <a:lnSpc>
+                <a:spcPct val="100000"/>
+              </a:lnSpc>
+              <a:spcBef>
+                <a:spcPct val="20000"/>
+              </a:spcBef>
+              <a:spcAft>
+                <a:spcPts val="0"/>
+              </a:spcAft>
+              <a:buClr>
+                <a:schemeClr val="accent1"/>
+              </a:buClr>
+              <a:buSzPct val="70000"/>
+              <a:buFont typeface="Wingdings 2"/>
+              <a:buChar char=""/>
+              <a:tabLst/>
+              <a:defRPr/>
+            </a:pPr>
+            <a:r>
+              <a:rPr lang="fr-FR" sz="2400" dirty="0" smtClean="0">
+                <a:solidFill>
+                  <a:schemeClr val="tx2"/>
+                </a:solidFill>
+              </a:rPr>
+              <a:t>Restitution</a:t>
+            </a:r>
+            <a:endParaRPr kumimoji="0" lang="fr-FR" sz="2400" b="0" i="0" u="none" strike="noStrike" kern="1200" cap="none" spc="0" normalizeH="0" baseline="0" noProof="0" dirty="0" smtClean="0">
+              <a:ln>
+                <a:noFill/>
+              </a:ln>
+              <a:solidFill>
+                <a:schemeClr val="tx2"/>
+              </a:solidFill>
+              <a:effectLst/>
+              <a:uLnTx/>
+              <a:uFillTx/>
+              <a:latin typeface="+mn-lt"/>
+              <a:ea typeface="+mn-ea"/>
+              <a:cs typeface="+mn-cs"/>
+            </a:endParaRPr>
+          </a:p>
+          <a:p>
+            <a:pPr marL="342900" marR="0" lvl="0" indent="-342900" algn="l" defTabSz="914400" rtl="0" eaLnBrk="1" fontAlgn="auto" latinLnBrk="0" hangingPunct="1">
+              <a:lnSpc>
+                <a:spcPct val="100000"/>
+              </a:lnSpc>
+              <a:spcBef>
+                <a:spcPct val="20000"/>
+              </a:spcBef>
+              <a:spcAft>
+                <a:spcPts val="0"/>
+              </a:spcAft>
+              <a:buClr>
+                <a:schemeClr val="accent1"/>
+              </a:buClr>
+              <a:buSzPct val="70000"/>
+              <a:buFont typeface="Wingdings 2"/>
+              <a:buChar char=""/>
+              <a:tabLst/>
+              <a:defRPr/>
+            </a:pPr>
+            <a:r>
+              <a:rPr lang="fr-FR" sz="2400" dirty="0" smtClean="0">
+                <a:solidFill>
+                  <a:schemeClr val="tx2"/>
+                </a:solidFill>
+              </a:rPr>
+              <a:t>Conclusion</a:t>
+            </a:r>
+            <a:endParaRPr kumimoji="0" lang="fr-FR" sz="2400" b="0" i="0" u="none" strike="noStrike" kern="1200" cap="none" spc="0" normalizeH="0" baseline="0" noProof="0" dirty="0">
+              <a:ln>
+                <a:noFill/>
+              </a:ln>
+              <a:solidFill>
+                <a:schemeClr val="tx2"/>
+              </a:solidFill>
+              <a:effectLst/>
+              <a:uLnTx/>
+              <a:uFillTx/>
+              <a:latin typeface="+mn-lt"/>
+              <a:ea typeface="+mn-ea"/>
+              <a:cs typeface="+mn-cs"/>
+            </a:endParaRPr>
+          </a:p>
+        </p:txBody>
+      </p:sp>
+      <p:sp>
+        <p:nvSpPr>
+          <p:cNvPr id="7" name="ZoneTexte 6"/>
+          <p:cNvSpPr txBox="1"/>
+          <p:nvPr/>
+        </p:nvSpPr>
+        <p:spPr>
+          <a:xfrm>
+            <a:off x="0" y="6581001"/>
+            <a:ext cx="2708919" cy="276999"/>
+          </a:xfrm>
+          <a:prstGeom prst="rect">
+            <a:avLst/>
+          </a:prstGeom>
+          <a:noFill/>
+          <a:scene3d>
+            <a:camera prst="orthographicFront">
+              <a:rot lat="0" lon="0" rev="5400000"/>
+            </a:camera>
+            <a:lightRig rig="threePt" dir="t"/>
+          </a:scene3d>
+        </p:spPr>
+        <p:txBody>
+          <a:bodyPr wrap="square" rtlCol="0">
+            <a:spAutoFit/>
+            <a:scene3d>
+              <a:camera prst="orthographicFront">
+                <a:rot lat="0" lon="0" rev="0"/>
+              </a:camera>
+              <a:lightRig rig="threePt" dir="t"/>
+            </a:scene3d>
+            <a:flatTx/>
+          </a:bodyPr>
+          <a:lstStyle/>
+          <a:p>
+            <a:r>
+              <a:rPr lang="fr-FR" sz="1200" dirty="0" smtClean="0"/>
+              <a:t>Soutenance projet LPD2I 2010/2011</a:t>
+            </a:r>
+            <a:endParaRPr lang="fr-FR" sz="1200" dirty="0"/>
+          </a:p>
+        </p:txBody>
+      </p:sp>
+      <p:sp>
+        <p:nvSpPr>
+          <p:cNvPr id="9" name="ZoneTexte 8"/>
+          <p:cNvSpPr txBox="1"/>
+          <p:nvPr/>
+        </p:nvSpPr>
+        <p:spPr>
+          <a:xfrm>
+            <a:off x="5508104" y="6581001"/>
+            <a:ext cx="3635896" cy="276999"/>
+          </a:xfrm>
+          <a:prstGeom prst="rect">
+            <a:avLst/>
+          </a:prstGeom>
+          <a:noFill/>
+          <a:scene3d>
+            <a:camera prst="orthographicFront">
+              <a:rot lat="0" lon="0" rev="5400000"/>
+            </a:camera>
+            <a:lightRig rig="threePt" dir="t"/>
+          </a:scene3d>
+        </p:spPr>
+        <p:txBody>
+          <a:bodyPr wrap="square" rtlCol="0">
+            <a:spAutoFit/>
+            <a:scene3d>
+              <a:camera prst="orthographicFront">
+                <a:rot lat="0" lon="0" rev="0"/>
+              </a:camera>
+              <a:lightRig rig="threePt" dir="t"/>
+            </a:scene3d>
+            <a:flatTx/>
+          </a:bodyPr>
+          <a:lstStyle/>
+          <a:p>
+            <a:r>
+              <a:rPr lang="fr-FR" sz="1200" dirty="0" smtClean="0"/>
+              <a:t>Leonhard Hermle – Julien Cellier – Xavier Mourgues</a:t>
+            </a:r>
+            <a:endParaRPr lang="fr-FR" sz="1200" dirty="0"/>
+          </a:p>
+        </p:txBody>
+      </p:sp>
+      <p:cxnSp>
+        <p:nvCxnSpPr>
+          <p:cNvPr id="12" name="Connecteur droit 11"/>
+          <p:cNvCxnSpPr/>
+          <p:nvPr/>
+        </p:nvCxnSpPr>
+        <p:spPr>
+          <a:xfrm rot="5400000">
+            <a:off x="107504" y="4077072"/>
+            <a:ext cx="4464496" cy="0"/>
+          </a:xfrm>
+          <a:prstGeom prst="line">
+            <a:avLst/>
+          </a:prstGeom>
+        </p:spPr>
+        <p:style>
+          <a:lnRef idx="1">
+            <a:schemeClr val="accent1"/>
+          </a:lnRef>
+          <a:fillRef idx="0">
+            <a:schemeClr val="accent1"/>
+          </a:fillRef>
+          <a:effectRef idx="0">
+            <a:schemeClr val="accent1"/>
+          </a:effectRef>
+          <a:fontRef idx="minor">
+            <a:schemeClr val="tx1"/>
+          </a:fontRef>
+        </p:style>
+      </p:cxnSp>
+      <p:sp>
+        <p:nvSpPr>
+          <p:cNvPr id="8" name="Rectangle 7"/>
+          <p:cNvSpPr/>
+          <p:nvPr/>
+        </p:nvSpPr>
+        <p:spPr>
+          <a:xfrm>
+            <a:off x="2915816" y="2420888"/>
+            <a:ext cx="5616624" cy="3456384"/>
+          </a:xfrm>
+          <a:prstGeom prst="rect">
+            <a:avLst/>
+          </a:prstGeom>
+          <a:noFill/>
+        </p:spPr>
+        <p:style>
+          <a:lnRef idx="2">
+            <a:schemeClr val="accent1">
+              <a:shade val="50000"/>
+            </a:schemeClr>
+          </a:lnRef>
+          <a:fillRef idx="1">
+            <a:schemeClr val="accent1"/>
+          </a:fillRef>
+          <a:effectRef idx="0">
+            <a:schemeClr val="accent1"/>
+          </a:effectRef>
+          <a:fontRef idx="minor">
+            <a:schemeClr val="lt1"/>
+          </a:fontRef>
+        </p:style>
+        <p:txBody>
+          <a:bodyPr rtlCol="0" anchor="ctr"/>
+          <a:lstStyle/>
+          <a:p>
+            <a:pPr algn="ctr"/>
+            <a:endParaRPr lang="fr-FR"/>
           </a:p>
         </p:txBody>
       </p:sp>

--- a/pwp soutenance.pptx
+++ b/pwp soutenance.pptx
@@ -14,9 +14,18 @@
     <p:sldId id="270" r:id="rId8"/>
     <p:sldId id="271" r:id="rId9"/>
     <p:sldId id="274" r:id="rId10"/>
-    <p:sldId id="275" r:id="rId11"/>
-    <p:sldId id="267" r:id="rId12"/>
-    <p:sldId id="268" r:id="rId13"/>
+    <p:sldId id="276" r:id="rId11"/>
+    <p:sldId id="275" r:id="rId12"/>
+    <p:sldId id="267" r:id="rId13"/>
+    <p:sldId id="278" r:id="rId14"/>
+    <p:sldId id="280" r:id="rId15"/>
+    <p:sldId id="281" r:id="rId16"/>
+    <p:sldId id="283" r:id="rId17"/>
+    <p:sldId id="282" r:id="rId18"/>
+    <p:sldId id="284" r:id="rId19"/>
+    <p:sldId id="279" r:id="rId20"/>
+    <p:sldId id="277" r:id="rId21"/>
+    <p:sldId id="268" r:id="rId22"/>
   </p:sldIdLst>
   <p:sldSz cx="9144000" cy="6858000" type="screen4x3"/>
   <p:notesSz cx="6858000" cy="9144000"/>
@@ -3523,8 +3532,8 @@
         </p:nvSpPr>
         <p:spPr>
           <a:xfrm>
-            <a:off x="2555776" y="1700808"/>
-            <a:ext cx="6120680" cy="4248472"/>
+            <a:off x="2915816" y="1700808"/>
+            <a:ext cx="5616624" cy="4896544"/>
           </a:xfrm>
         </p:spPr>
         <p:txBody>
@@ -3544,7 +3553,17 @@
                   </a:schemeClr>
                 </a:solidFill>
               </a:rPr>
-              <a:t>Trigger et vues</a:t>
+              <a:t>XML et Oracle : </a:t>
+            </a:r>
+            <a:r>
+              <a:rPr lang="fr-FR" sz="2800" b="1" dirty="0" err="1" smtClean="0">
+                <a:solidFill>
+                  <a:schemeClr val="accent5">
+                    <a:lumMod val="75000"/>
+                  </a:schemeClr>
+                </a:solidFill>
+              </a:rPr>
+              <a:t>XMLType</a:t>
             </a:r>
             <a:endParaRPr lang="fr-FR" sz="2800" b="1" dirty="0" smtClean="0">
               <a:solidFill>
@@ -3555,10 +3574,10 @@
             </a:endParaRPr>
           </a:p>
           <a:p>
-            <a:pPr>
+            <a:pPr algn="ctr">
               <a:buNone/>
             </a:pPr>
-            <a:endParaRPr lang="fr-FR" sz="2800" dirty="0" smtClean="0">
+            <a:endParaRPr lang="fr-FR" sz="2800" b="1" dirty="0" smtClean="0">
               <a:solidFill>
                 <a:schemeClr val="accent5">
                   <a:lumMod val="75000"/>
@@ -3567,6 +3586,56 @@
             </a:endParaRPr>
           </a:p>
           <a:p>
+            <a:pPr>
+              <a:buNone/>
+            </a:pPr>
+            <a:r>
+              <a:rPr lang="fr-FR" sz="1700" i="1" dirty="0" smtClean="0"/>
+              <a:t>SELECT  </a:t>
+            </a:r>
+            <a:r>
+              <a:rPr lang="fr-FR" sz="1700" i="1" dirty="0" err="1" smtClean="0"/>
+              <a:t>f.commentaire</a:t>
+            </a:r>
+            <a:r>
+              <a:rPr lang="fr-FR" sz="1700" i="1" dirty="0" smtClean="0"/>
+              <a:t>.</a:t>
+            </a:r>
+            <a:r>
+              <a:rPr lang="fr-FR" sz="1700" i="1" dirty="0" err="1" smtClean="0"/>
+              <a:t>extract</a:t>
+            </a:r>
+            <a:r>
+              <a:rPr lang="fr-FR" sz="1700" i="1" dirty="0" smtClean="0"/>
+              <a:t>('/film/commentaire/</a:t>
+            </a:r>
+            <a:r>
+              <a:rPr lang="fr-FR" sz="1700" i="1" dirty="0" err="1" smtClean="0"/>
+              <a:t>com</a:t>
+            </a:r>
+            <a:r>
+              <a:rPr lang="fr-FR" sz="1700" i="1" dirty="0" smtClean="0"/>
+              <a:t>/</a:t>
+            </a:r>
+            <a:r>
+              <a:rPr lang="fr-FR" sz="1700" i="1" dirty="0" err="1" smtClean="0"/>
+              <a:t>text</a:t>
+            </a:r>
+            <a:r>
+              <a:rPr lang="fr-FR" sz="1700" i="1" dirty="0" smtClean="0"/>
+              <a:t>()')</a:t>
+            </a:r>
+          </a:p>
+          <a:p>
+            <a:pPr>
+              <a:buNone/>
+            </a:pPr>
+            <a:r>
+              <a:rPr lang="fr-FR" sz="1700" i="1" dirty="0" smtClean="0"/>
+              <a:t>FROM film f;</a:t>
+            </a:r>
+          </a:p>
+          <a:p>
             <a:pPr algn="ctr">
               <a:buNone/>
             </a:pPr>
@@ -3574,6 +3643,60 @@
               <a:solidFill>
                 <a:schemeClr val="accent5">
                   <a:lumMod val="75000"/>
+                </a:schemeClr>
+              </a:solidFill>
+            </a:endParaRPr>
+          </a:p>
+          <a:p>
+            <a:r>
+              <a:rPr lang="fr-FR" sz="2000" u="sng" dirty="0" smtClean="0">
+                <a:solidFill>
+                  <a:schemeClr val="accent2">
+                    <a:lumMod val="50000"/>
+                  </a:schemeClr>
+                </a:solidFill>
+              </a:rPr>
+              <a:t>Utilisation de </a:t>
+            </a:r>
+            <a:r>
+              <a:rPr lang="fr-FR" sz="2000" u="sng" dirty="0" err="1" smtClean="0">
+                <a:solidFill>
+                  <a:schemeClr val="accent2">
+                    <a:lumMod val="50000"/>
+                  </a:schemeClr>
+                </a:solidFill>
+              </a:rPr>
+              <a:t>Xpath</a:t>
+            </a:r>
+            <a:r>
+              <a:rPr lang="fr-FR" sz="2000" u="sng" dirty="0" smtClean="0">
+                <a:solidFill>
+                  <a:schemeClr val="accent2">
+                    <a:lumMod val="50000"/>
+                  </a:schemeClr>
+                </a:solidFill>
+              </a:rPr>
+              <a:t> pour l’extraction du XML.</a:t>
+            </a:r>
+          </a:p>
+          <a:p>
+            <a:pPr algn="ctr">
+              <a:buNone/>
+            </a:pPr>
+            <a:r>
+              <a:rPr lang="fr-FR" sz="1600" i="1" dirty="0" smtClean="0">
+                <a:solidFill>
+                  <a:schemeClr val="tx2">
+                    <a:lumMod val="50000"/>
+                  </a:schemeClr>
+                </a:solidFill>
+              </a:rPr>
+              <a:t>(ici extraction des commentaires)</a:t>
+            </a:r>
+            <a:endParaRPr lang="fr-FR" sz="1600" i="1" dirty="0" smtClean="0">
+              <a:solidFill>
+                <a:schemeClr val="tx2">
+                  <a:lumMod val="50000"/>
                 </a:schemeClr>
               </a:solidFill>
             </a:endParaRPr>
@@ -3911,6 +4034,47 @@
           </a:fontRef>
         </p:style>
       </p:cxnSp>
+      <p:sp>
+        <p:nvSpPr>
+          <p:cNvPr id="8" name="Rectangle 7"/>
+          <p:cNvSpPr/>
+          <p:nvPr/>
+        </p:nvSpPr>
+        <p:spPr>
+          <a:xfrm>
+            <a:off x="2915816" y="2564904"/>
+            <a:ext cx="5616624" cy="1224136"/>
+          </a:xfrm>
+          <a:prstGeom prst="rect">
+            <a:avLst/>
+          </a:prstGeom>
+          <a:noFill/>
+        </p:spPr>
+        <p:style>
+          <a:lnRef idx="2">
+            <a:schemeClr val="accent1">
+              <a:shade val="50000"/>
+            </a:schemeClr>
+          </a:lnRef>
+          <a:fillRef idx="1">
+            <a:schemeClr val="accent1"/>
+          </a:fillRef>
+          <a:effectRef idx="0">
+            <a:schemeClr val="accent1"/>
+          </a:effectRef>
+          <a:fontRef idx="minor">
+            <a:schemeClr val="lt1"/>
+          </a:fontRef>
+        </p:style>
+        <p:txBody>
+          <a:bodyPr rtlCol="0" anchor="ctr"/>
+          <a:lstStyle/>
+          <a:p>
+            <a:pPr algn="ctr"/>
+            <a:endParaRPr lang="fr-FR"/>
+          </a:p>
+        </p:txBody>
+      </p:sp>
     </p:spTree>
   </p:cSld>
   <p:clrMapOvr>
@@ -3961,10 +4125,18 @@
           <a:lstStyle/>
           <a:p>
             <a:r>
-              <a:rPr lang="fr-FR" dirty="0" smtClean="0"/>
-              <a:t>Restitution</a:t>
-            </a:r>
-            <a:endParaRPr lang="fr-FR" dirty="0"/>
+              <a:rPr lang="fr-FR" cap="none" dirty="0" smtClean="0">
+                <a:effectLst/>
+              </a:rPr>
+              <a:t>STOCKAGES</a:t>
+            </a:r>
+            <a:r>
+              <a:rPr lang="fr-FR" sz="2000" cap="none" dirty="0" smtClean="0">
+                <a:effectLst/>
+              </a:rPr>
+              <a:t>(suite)</a:t>
+            </a:r>
+            <a:endParaRPr lang="fr-FR" sz="2000" dirty="0"/>
           </a:p>
         </p:txBody>
       </p:sp>
@@ -3980,13 +4152,13 @@
         </p:nvSpPr>
         <p:spPr>
           <a:xfrm>
-            <a:off x="2411760" y="1700808"/>
-            <a:ext cx="6552728" cy="4536504"/>
+            <a:off x="2555776" y="1700808"/>
+            <a:ext cx="6120680" cy="4248472"/>
           </a:xfrm>
         </p:spPr>
         <p:txBody>
           <a:bodyPr>
-            <a:normAutofit/>
+            <a:normAutofit fontScale="55000" lnSpcReduction="20000"/>
           </a:bodyPr>
           <a:lstStyle/>
           <a:p>
@@ -3994,46 +4166,274 @@
               <a:buNone/>
             </a:pPr>
             <a:r>
-              <a:rPr lang="fr-FR" sz="2800" b="1" dirty="0" smtClean="0">
+              <a:rPr lang="fr-FR" sz="4400" b="1" dirty="0" smtClean="0">
                 <a:solidFill>
                   <a:schemeClr val="accent5">
                     <a:lumMod val="75000"/>
                   </a:schemeClr>
                 </a:solidFill>
               </a:rPr>
-              <a:t>Objectifs</a:t>
-            </a:r>
-          </a:p>
-          <a:p>
-            <a:r>
-              <a:rPr lang="fr-FR" sz="2400" u="sng" dirty="0" smtClean="0"/>
-              <a:t>Exploiter</a:t>
-            </a:r>
-            <a:r>
-              <a:rPr lang="fr-FR" sz="2400" dirty="0" smtClean="0"/>
-              <a:t> du contenu de pages HTML.</a:t>
-            </a:r>
-          </a:p>
-          <a:p>
-            <a:r>
-              <a:rPr lang="fr-FR" sz="2400" u="sng" dirty="0" smtClean="0"/>
-              <a:t>Stocker</a:t>
-            </a:r>
-            <a:r>
-              <a:rPr lang="fr-FR" sz="2400" dirty="0" smtClean="0"/>
-              <a:t> au format XML dans une base de données. </a:t>
-            </a:r>
-          </a:p>
-          <a:p>
-            <a:r>
-              <a:rPr lang="fr-FR" sz="2400" u="sng" dirty="0" smtClean="0"/>
-              <a:t>Restituer</a:t>
-            </a:r>
-            <a:r>
-              <a:rPr lang="fr-FR" sz="2400" dirty="0" smtClean="0"/>
-              <a:t> ces données dans une interface graphique.</a:t>
-            </a:r>
-            <a:endParaRPr lang="fr-FR" sz="2400" dirty="0"/>
+              <a:t>Trigger et </a:t>
+            </a:r>
+            <a:r>
+              <a:rPr lang="fr-FR" sz="4400" b="1" dirty="0" smtClean="0">
+                <a:solidFill>
+                  <a:schemeClr val="accent5">
+                    <a:lumMod val="75000"/>
+                  </a:schemeClr>
+                </a:solidFill>
+              </a:rPr>
+              <a:t>vues</a:t>
+            </a:r>
+          </a:p>
+          <a:p>
+            <a:pPr algn="ctr">
+              <a:buNone/>
+            </a:pPr>
+            <a:endParaRPr lang="fr-FR" sz="2000" dirty="0" smtClean="0">
+              <a:solidFill>
+                <a:schemeClr val="accent5">
+                  <a:lumMod val="75000"/>
+                </a:schemeClr>
+              </a:solidFill>
+            </a:endParaRPr>
+          </a:p>
+          <a:p>
+            <a:r>
+              <a:rPr lang="fr-FR" sz="3600" dirty="0" smtClean="0">
+                <a:solidFill>
+                  <a:schemeClr val="accent2">
+                    <a:lumMod val="50000"/>
+                  </a:schemeClr>
+                </a:solidFill>
+              </a:rPr>
+              <a:t>Projet d’utiliser une vue afin de rendre transparent l’utilisation de XML dans le code PHP.</a:t>
+            </a:r>
+          </a:p>
+          <a:p>
+            <a:r>
+              <a:rPr lang="fr-FR" sz="3600" dirty="0" smtClean="0">
+                <a:solidFill>
+                  <a:schemeClr val="accent2">
+                    <a:lumMod val="50000"/>
+                  </a:schemeClr>
+                </a:solidFill>
+              </a:rPr>
+              <a:t>Création d’un Trigger pour mettre à jour la moyenne des notes des utilisateurs.</a:t>
+            </a:r>
+          </a:p>
+          <a:p>
+            <a:pPr>
+              <a:buNone/>
+            </a:pPr>
+            <a:endParaRPr lang="fr-FR" sz="2000" dirty="0" smtClean="0">
+              <a:solidFill>
+                <a:schemeClr val="accent5">
+                  <a:lumMod val="75000"/>
+                </a:schemeClr>
+              </a:solidFill>
+            </a:endParaRPr>
+          </a:p>
+          <a:p>
+            <a:pPr>
+              <a:buNone/>
+            </a:pPr>
+            <a:endParaRPr lang="fr-FR" sz="2200" i="1" dirty="0" smtClean="0"/>
+          </a:p>
+          <a:p>
+            <a:pPr>
+              <a:buNone/>
+            </a:pPr>
+            <a:r>
+              <a:rPr lang="fr-FR" sz="2200" i="1" dirty="0" smtClean="0"/>
+              <a:t>CREATE </a:t>
+            </a:r>
+            <a:r>
+              <a:rPr lang="fr-FR" sz="2200" i="1" dirty="0" smtClean="0"/>
+              <a:t>OR REPLACE TRIGGER moyenne</a:t>
+            </a:r>
+          </a:p>
+          <a:p>
+            <a:pPr>
+              <a:buNone/>
+            </a:pPr>
+            <a:r>
+              <a:rPr lang="fr-FR" sz="2200" i="1" dirty="0" smtClean="0"/>
+              <a:t>AFTER INSERT OR UPDATE ON film</a:t>
+            </a:r>
+          </a:p>
+          <a:p>
+            <a:pPr>
+              <a:buNone/>
+            </a:pPr>
+            <a:r>
+              <a:rPr lang="fr-FR" sz="2200" i="1" dirty="0" smtClean="0"/>
+              <a:t>FOR EACH ROW</a:t>
+            </a:r>
+          </a:p>
+          <a:p>
+            <a:pPr>
+              <a:buNone/>
+            </a:pPr>
+            <a:r>
+              <a:rPr lang="fr-FR" sz="2200" i="1" dirty="0" smtClean="0"/>
+              <a:t>	BEGIN</a:t>
+            </a:r>
+          </a:p>
+          <a:p>
+            <a:pPr>
+              <a:buNone/>
+            </a:pPr>
+            <a:r>
+              <a:rPr lang="fr-FR" sz="2200" i="1" dirty="0" smtClean="0"/>
+              <a:t>                   NEW.</a:t>
+            </a:r>
+            <a:r>
+              <a:rPr lang="fr-FR" sz="2200" i="1" dirty="0" err="1" smtClean="0"/>
+              <a:t>notes_util</a:t>
+            </a:r>
+            <a:r>
+              <a:rPr lang="fr-FR" sz="2200" i="1" dirty="0" smtClean="0"/>
+              <a:t> := (SELECT AVG(</a:t>
+            </a:r>
+            <a:r>
+              <a:rPr lang="fr-FR" sz="2200" i="1" dirty="0" err="1" smtClean="0"/>
+              <a:t>extract</a:t>
+            </a:r>
+            <a:r>
+              <a:rPr lang="fr-FR" sz="2200" i="1" dirty="0" smtClean="0"/>
+              <a:t>(value(note),'note/</a:t>
+            </a:r>
+            <a:r>
+              <a:rPr lang="fr-FR" sz="2200" i="1" dirty="0" err="1" smtClean="0"/>
+              <a:t>text</a:t>
+            </a:r>
+            <a:r>
+              <a:rPr lang="fr-FR" sz="2200" i="1" dirty="0" smtClean="0"/>
+              <a:t>()').</a:t>
+            </a:r>
+            <a:r>
+              <a:rPr lang="fr-FR" sz="2200" i="1" dirty="0" err="1" smtClean="0"/>
+              <a:t>getNumberVal</a:t>
+            </a:r>
+            <a:r>
+              <a:rPr lang="fr-FR" sz="2200" i="1" dirty="0" smtClean="0"/>
+              <a:t>())</a:t>
+            </a:r>
+          </a:p>
+          <a:p>
+            <a:pPr>
+              <a:buNone/>
+            </a:pPr>
+            <a:r>
+              <a:rPr lang="fr-FR" sz="2200" i="1" dirty="0" smtClean="0"/>
+              <a:t>FROM film f, table(</a:t>
+            </a:r>
+            <a:r>
+              <a:rPr lang="fr-FR" sz="2200" i="1" dirty="0" err="1" smtClean="0"/>
+              <a:t>xmlsequence</a:t>
+            </a:r>
+            <a:r>
+              <a:rPr lang="fr-FR" sz="2200" i="1" dirty="0" smtClean="0"/>
+              <a:t>(</a:t>
+            </a:r>
+            <a:r>
+              <a:rPr lang="fr-FR" sz="2200" i="1" dirty="0" err="1" smtClean="0"/>
+              <a:t>extract</a:t>
+            </a:r>
+            <a:r>
+              <a:rPr lang="fr-FR" sz="2200" i="1" dirty="0" smtClean="0"/>
+              <a:t>(</a:t>
+            </a:r>
+            <a:r>
+              <a:rPr lang="fr-FR" sz="2200" i="1" dirty="0" err="1" smtClean="0"/>
+              <a:t>f.commentaire</a:t>
+            </a:r>
+            <a:r>
+              <a:rPr lang="fr-FR" sz="2200" i="1" dirty="0" smtClean="0"/>
+              <a:t>,'/film/commentaire/note')))  note</a:t>
+            </a:r>
+          </a:p>
+          <a:p>
+            <a:pPr>
+              <a:buNone/>
+            </a:pPr>
+            <a:r>
+              <a:rPr lang="fr-FR" sz="2200" i="1" dirty="0" smtClean="0"/>
+              <a:t>				WHERE </a:t>
+            </a:r>
+            <a:r>
+              <a:rPr lang="fr-FR" sz="2200" i="1" dirty="0" err="1" smtClean="0"/>
+              <a:t>id_film</a:t>
+            </a:r>
+            <a:r>
+              <a:rPr lang="fr-FR" sz="2200" i="1" dirty="0" smtClean="0"/>
+              <a:t> = NEW.id_film)</a:t>
+            </a:r>
+          </a:p>
+          <a:p>
+            <a:pPr>
+              <a:buNone/>
+            </a:pPr>
+            <a:r>
+              <a:rPr lang="fr-FR" sz="2200" i="1" dirty="0" smtClean="0"/>
+              <a:t>	END;</a:t>
+            </a:r>
+          </a:p>
+          <a:p>
+            <a:pPr>
+              <a:buNone/>
+            </a:pPr>
+            <a:r>
+              <a:rPr lang="fr-FR" sz="2200" i="1" dirty="0" smtClean="0"/>
+              <a:t>END moyenne;</a:t>
+            </a:r>
+          </a:p>
+          <a:p>
+            <a:pPr>
+              <a:buNone/>
+            </a:pPr>
+            <a:r>
+              <a:rPr lang="fr-FR" sz="2200" dirty="0" smtClean="0">
+                <a:solidFill>
+                  <a:schemeClr val="accent5">
+                    <a:lumMod val="75000"/>
+                  </a:schemeClr>
+                </a:solidFill>
+              </a:rPr>
+              <a:t> </a:t>
+            </a:r>
+            <a:endParaRPr lang="fr-FR" sz="2200" dirty="0" smtClean="0">
+              <a:solidFill>
+                <a:schemeClr val="accent5">
+                  <a:lumMod val="75000"/>
+                </a:schemeClr>
+              </a:solidFill>
+            </a:endParaRPr>
+          </a:p>
+          <a:p>
+            <a:pPr>
+              <a:buNone/>
+            </a:pPr>
+            <a:endParaRPr lang="fr-FR" sz="2800" dirty="0" smtClean="0">
+              <a:solidFill>
+                <a:schemeClr val="accent5">
+                  <a:lumMod val="75000"/>
+                </a:schemeClr>
+              </a:solidFill>
+            </a:endParaRPr>
+          </a:p>
+          <a:p>
+            <a:pPr algn="ctr">
+              <a:buNone/>
+            </a:pPr>
+            <a:endParaRPr lang="fr-FR" sz="2800" b="1" dirty="0" smtClean="0">
+              <a:solidFill>
+                <a:schemeClr val="accent5">
+                  <a:lumMod val="75000"/>
+                </a:schemeClr>
+              </a:solidFill>
+            </a:endParaRPr>
           </a:p>
         </p:txBody>
       </p:sp>
@@ -4147,7 +4547,7 @@
               <a:defRPr/>
             </a:pPr>
             <a:r>
-              <a:rPr kumimoji="0" lang="fr-FR" sz="2400" b="0" i="0" u="none" strike="noStrike" kern="1200" cap="none" spc="0" normalizeH="0" baseline="0" noProof="0" dirty="0" smtClean="0">
+              <a:rPr kumimoji="0" lang="fr-FR" sz="2400" b="1" i="0" u="none" strike="noStrike" kern="1200" cap="none" spc="0" normalizeH="0" baseline="0" noProof="0" dirty="0" smtClean="0">
                 <a:ln>
                   <a:noFill/>
                 </a:ln>
@@ -4185,14 +4585,14 @@
               <a:defRPr/>
             </a:pPr>
             <a:r>
-              <a:rPr lang="fr-FR" sz="2400" b="1" dirty="0" smtClean="0">
+              <a:rPr lang="fr-FR" sz="2400" dirty="0" smtClean="0">
                 <a:solidFill>
                   <a:schemeClr val="tx2"/>
                 </a:solidFill>
               </a:rPr>
               <a:t>Restitution</a:t>
             </a:r>
-            <a:endParaRPr kumimoji="0" lang="fr-FR" sz="2400" b="1" i="0" u="none" strike="noStrike" kern="1200" cap="none" spc="0" normalizeH="0" baseline="0" noProof="0" dirty="0" smtClean="0">
+            <a:endParaRPr kumimoji="0" lang="fr-FR" sz="2400" b="0" i="0" u="none" strike="noStrike" kern="1200" cap="none" spc="0" normalizeH="0" baseline="0" noProof="0" dirty="0" smtClean="0">
               <a:ln>
                 <a:noFill/>
               </a:ln>
@@ -4368,6 +4768,47 @@
           </a:fontRef>
         </p:style>
       </p:cxnSp>
+      <p:sp>
+        <p:nvSpPr>
+          <p:cNvPr id="8" name="Rectangle 7"/>
+          <p:cNvSpPr/>
+          <p:nvPr/>
+        </p:nvSpPr>
+        <p:spPr>
+          <a:xfrm>
+            <a:off x="2555776" y="3356992"/>
+            <a:ext cx="6120680" cy="2160240"/>
+          </a:xfrm>
+          <a:prstGeom prst="rect">
+            <a:avLst/>
+          </a:prstGeom>
+          <a:noFill/>
+        </p:spPr>
+        <p:style>
+          <a:lnRef idx="2">
+            <a:schemeClr val="accent6"/>
+          </a:lnRef>
+          <a:fillRef idx="1">
+            <a:schemeClr val="lt1"/>
+          </a:fillRef>
+          <a:effectRef idx="0">
+            <a:schemeClr val="accent6"/>
+          </a:effectRef>
+          <a:fontRef idx="minor">
+            <a:schemeClr val="dk1"/>
+          </a:fontRef>
+        </p:style>
+        <p:txBody>
+          <a:bodyPr rtlCol="0" anchor="ctr"/>
+          <a:lstStyle/>
+          <a:p>
+            <a:pPr algn="ctr"/>
+            <a:endParaRPr lang="fr-FR" dirty="0">
+              <a:noFill/>
+            </a:endParaRPr>
+          </a:p>
+        </p:txBody>
+      </p:sp>
     </p:spTree>
   </p:cSld>
   <p:clrMapOvr>
@@ -4419,9 +4860,48 @@
           <a:p>
             <a:r>
               <a:rPr lang="fr-FR" dirty="0" smtClean="0"/>
-              <a:t>Conclusion</a:t>
+              <a:t>Restitution</a:t>
             </a:r>
             <a:endParaRPr lang="fr-FR" dirty="0"/>
+          </a:p>
+        </p:txBody>
+      </p:sp>
+      <p:sp>
+        <p:nvSpPr>
+          <p:cNvPr id="3" name="Espace réservé du contenu 2"/>
+          <p:cNvSpPr>
+            <a:spLocks noGrp="1"/>
+          </p:cNvSpPr>
+          <p:nvPr>
+            <p:ph idx="1"/>
+          </p:nvPr>
+        </p:nvSpPr>
+        <p:spPr>
+          <a:xfrm>
+            <a:off x="2411760" y="1700808"/>
+            <a:ext cx="6552728" cy="504056"/>
+          </a:xfrm>
+        </p:spPr>
+        <p:txBody>
+          <a:bodyPr>
+            <a:normAutofit lnSpcReduction="10000"/>
+          </a:bodyPr>
+          <a:lstStyle/>
+          <a:p>
+            <a:pPr algn="ctr">
+              <a:buNone/>
+            </a:pPr>
+            <a:r>
+              <a:rPr lang="fr-FR" sz="2800" b="1" dirty="0" smtClean="0">
+                <a:solidFill>
+                  <a:schemeClr val="accent5">
+                    <a:lumMod val="75000"/>
+                  </a:schemeClr>
+                </a:solidFill>
+              </a:rPr>
+              <a:t>Aspect graphique</a:t>
+            </a:r>
+            <a:endParaRPr lang="fr-FR" sz="2400" dirty="0"/>
           </a:p>
         </p:txBody>
       </p:sp>
@@ -4436,7 +4916,7 @@
         <p:spPr>
           <a:xfrm>
             <a:off x="179512" y="1700808"/>
-            <a:ext cx="8352928" cy="4536504"/>
+            <a:ext cx="2088232" cy="4536504"/>
           </a:xfrm>
           <a:prstGeom prst="rect">
             <a:avLst/>
@@ -4573,14 +5053,14 @@
               <a:defRPr/>
             </a:pPr>
             <a:r>
-              <a:rPr lang="fr-FR" sz="2400" dirty="0" smtClean="0">
+              <a:rPr lang="fr-FR" sz="2400" b="1" dirty="0" smtClean="0">
                 <a:solidFill>
                   <a:schemeClr val="tx2"/>
                 </a:solidFill>
               </a:rPr>
               <a:t>Restitution</a:t>
             </a:r>
-            <a:endParaRPr kumimoji="0" lang="fr-FR" sz="2400" b="0" i="0" u="none" strike="noStrike" kern="1200" cap="none" spc="0" normalizeH="0" baseline="0" noProof="0" dirty="0" smtClean="0">
+            <a:endParaRPr kumimoji="0" lang="fr-FR" sz="2400" b="1" i="0" u="none" strike="noStrike" kern="1200" cap="none" spc="0" normalizeH="0" baseline="0" noProof="0" dirty="0" smtClean="0">
               <a:ln>
                 <a:noFill/>
               </a:ln>
@@ -4616,14 +5096,14 @@
               <a:defRPr/>
             </a:pPr>
             <a:r>
-              <a:rPr lang="fr-FR" sz="9600" b="1" dirty="0" smtClean="0">
+              <a:rPr lang="fr-FR" sz="2400" dirty="0" smtClean="0">
                 <a:solidFill>
                   <a:schemeClr val="tx2"/>
                 </a:solidFill>
               </a:rPr>
               <a:t>Conclusion</a:t>
             </a:r>
-            <a:endParaRPr kumimoji="0" lang="fr-FR" sz="9600" b="1" i="0" u="none" strike="noStrike" kern="1200" cap="none" spc="0" normalizeH="0" baseline="0" noProof="0" dirty="0">
+            <a:endParaRPr kumimoji="0" lang="fr-FR" sz="2400" b="0" i="0" u="none" strike="noStrike" kern="1200" cap="none" spc="0" normalizeH="0" baseline="0" noProof="0" dirty="0">
               <a:ln>
                 <a:noFill/>
               </a:ln>
@@ -4726,6 +5206,4856 @@
           </a:p>
         </p:txBody>
       </p:sp>
+      <p:cxnSp>
+        <p:nvCxnSpPr>
+          <p:cNvPr id="12" name="Connecteur droit 11"/>
+          <p:cNvCxnSpPr/>
+          <p:nvPr/>
+        </p:nvCxnSpPr>
+        <p:spPr>
+          <a:xfrm rot="5400000">
+            <a:off x="107504" y="4077072"/>
+            <a:ext cx="4464496" cy="0"/>
+          </a:xfrm>
+          <a:prstGeom prst="line">
+            <a:avLst/>
+          </a:prstGeom>
+        </p:spPr>
+        <p:style>
+          <a:lnRef idx="1">
+            <a:schemeClr val="accent1"/>
+          </a:lnRef>
+          <a:fillRef idx="0">
+            <a:schemeClr val="accent1"/>
+          </a:fillRef>
+          <a:effectRef idx="0">
+            <a:schemeClr val="accent1"/>
+          </a:effectRef>
+          <a:fontRef idx="minor">
+            <a:schemeClr val="tx1"/>
+          </a:fontRef>
+        </p:style>
+      </p:cxnSp>
+      <p:pic>
+        <p:nvPicPr>
+          <p:cNvPr id="8" name="Image 7" descr="Z:\Projet tut\projettuteurexml\screenshots\film.JPG"/>
+          <p:cNvPicPr/>
+          <p:nvPr/>
+        </p:nvPicPr>
+        <p:blipFill>
+          <a:blip r:embed="rId2" cstate="print"/>
+          <a:srcRect/>
+          <a:stretch>
+            <a:fillRect/>
+          </a:stretch>
+        </p:blipFill>
+        <p:spPr bwMode="auto">
+          <a:xfrm>
+            <a:off x="2843808" y="2348880"/>
+            <a:ext cx="5734050" cy="3987254"/>
+          </a:xfrm>
+          <a:prstGeom prst="rect">
+            <a:avLst/>
+          </a:prstGeom>
+          <a:noFill/>
+          <a:ln w="9525">
+            <a:noFill/>
+            <a:miter lim="800000"/>
+            <a:headEnd/>
+            <a:tailEnd/>
+          </a:ln>
+        </p:spPr>
+      </p:pic>
+    </p:spTree>
+  </p:cSld>
+  <p:clrMapOvr>
+    <a:masterClrMapping/>
+  </p:clrMapOvr>
+  <p:timing>
+    <p:tnLst>
+      <p:par>
+        <p:cTn id="1" dur="indefinite" restart="never" nodeType="tmRoot"/>
+      </p:par>
+    </p:tnLst>
+  </p:timing>
+</p:sld>
+</file>
+
+<file path=ppt/slides/slide13.xml><?xml version="1.0" encoding="utf-8"?>
+<p:sld xmlns:a="http://schemas.openxmlformats.org/drawingml/2006/main" xmlns:r="http://schemas.openxmlformats.org/officeDocument/2006/relationships" xmlns:p="http://schemas.openxmlformats.org/presentationml/2006/main">
+  <p:cSld>
+    <p:spTree>
+      <p:nvGrpSpPr>
+        <p:cNvPr id="1" name=""/>
+        <p:cNvGrpSpPr/>
+        <p:nvPr/>
+      </p:nvGrpSpPr>
+      <p:grpSpPr>
+        <a:xfrm>
+          <a:off x="0" y="0"/>
+          <a:ext cx="0" cy="0"/>
+          <a:chOff x="0" y="0"/>
+          <a:chExt cx="0" cy="0"/>
+        </a:xfrm>
+      </p:grpSpPr>
+      <p:sp>
+        <p:nvSpPr>
+          <p:cNvPr id="2" name="Titre 1"/>
+          <p:cNvSpPr>
+            <a:spLocks noGrp="1"/>
+          </p:cNvSpPr>
+          <p:nvPr>
+            <p:ph type="title"/>
+          </p:nvPr>
+        </p:nvSpPr>
+        <p:spPr/>
+        <p:txBody>
+          <a:bodyPr>
+            <a:normAutofit/>
+          </a:bodyPr>
+          <a:lstStyle/>
+          <a:p>
+            <a:r>
+              <a:rPr lang="fr-FR" dirty="0" smtClean="0"/>
+              <a:t>Restitution</a:t>
+            </a:r>
+            <a:r>
+              <a:rPr lang="fr-FR" sz="1800" dirty="0" smtClean="0"/>
+              <a:t>(suite)</a:t>
+            </a:r>
+            <a:endParaRPr lang="fr-FR" sz="1800" dirty="0"/>
+          </a:p>
+        </p:txBody>
+      </p:sp>
+      <p:sp>
+        <p:nvSpPr>
+          <p:cNvPr id="3" name="Espace réservé du contenu 2"/>
+          <p:cNvSpPr>
+            <a:spLocks noGrp="1"/>
+          </p:cNvSpPr>
+          <p:nvPr>
+            <p:ph idx="1"/>
+          </p:nvPr>
+        </p:nvSpPr>
+        <p:spPr>
+          <a:xfrm>
+            <a:off x="2411760" y="1700808"/>
+            <a:ext cx="6552728" cy="4608512"/>
+          </a:xfrm>
+        </p:spPr>
+        <p:txBody>
+          <a:bodyPr>
+            <a:normAutofit/>
+          </a:bodyPr>
+          <a:lstStyle/>
+          <a:p>
+            <a:pPr algn="ctr">
+              <a:buNone/>
+            </a:pPr>
+            <a:r>
+              <a:rPr lang="fr-FR" sz="2800" b="1" dirty="0" smtClean="0">
+                <a:solidFill>
+                  <a:schemeClr val="accent5">
+                    <a:lumMod val="75000"/>
+                  </a:schemeClr>
+                </a:solidFill>
+              </a:rPr>
+              <a:t>Aspect Technique</a:t>
+            </a:r>
+          </a:p>
+          <a:p>
+            <a:pPr algn="ctr">
+              <a:buNone/>
+            </a:pPr>
+            <a:endParaRPr lang="fr-FR" sz="2800" b="1" dirty="0" smtClean="0">
+              <a:solidFill>
+                <a:schemeClr val="accent5">
+                  <a:lumMod val="75000"/>
+                </a:schemeClr>
+              </a:solidFill>
+            </a:endParaRPr>
+          </a:p>
+          <a:p>
+            <a:r>
+              <a:rPr lang="fr-FR" sz="2000" dirty="0" smtClean="0">
+                <a:solidFill>
+                  <a:schemeClr val="accent5">
+                    <a:lumMod val="75000"/>
+                  </a:schemeClr>
+                </a:solidFill>
+              </a:rPr>
+              <a:t>Fichier conf.ini</a:t>
+            </a:r>
+          </a:p>
+          <a:p>
+            <a:pPr lvl="1"/>
+            <a:r>
+              <a:rPr lang="fr-FR" sz="1600" dirty="0" smtClean="0">
+                <a:solidFill>
+                  <a:schemeClr val="accent5">
+                    <a:lumMod val="75000"/>
+                  </a:schemeClr>
+                </a:solidFill>
+              </a:rPr>
+              <a:t>Contient les paramètre par </a:t>
+            </a:r>
+            <a:r>
+              <a:rPr lang="fr-FR" sz="1600" dirty="0" err="1" smtClean="0">
+                <a:solidFill>
+                  <a:schemeClr val="accent5">
+                    <a:lumMod val="75000"/>
+                  </a:schemeClr>
+                </a:solidFill>
+              </a:rPr>
+              <a:t>défaults</a:t>
+            </a:r>
+            <a:r>
+              <a:rPr lang="fr-FR" sz="1600" dirty="0" smtClean="0">
+                <a:solidFill>
+                  <a:schemeClr val="accent5">
+                    <a:lumMod val="75000"/>
+                  </a:schemeClr>
+                </a:solidFill>
+              </a:rPr>
+              <a:t> utiles (identifiants de Base de Données, Nombre de films par page…).</a:t>
+            </a:r>
+          </a:p>
+          <a:p>
+            <a:pPr lvl="1"/>
+            <a:endParaRPr lang="fr-FR" sz="2800" b="1" dirty="0" smtClean="0">
+              <a:solidFill>
+                <a:schemeClr val="accent5">
+                  <a:lumMod val="75000"/>
+                </a:schemeClr>
+              </a:solidFill>
+            </a:endParaRPr>
+          </a:p>
+          <a:p>
+            <a:r>
+              <a:rPr lang="fr-FR" sz="2000" dirty="0" smtClean="0">
+                <a:solidFill>
+                  <a:schemeClr val="accent5">
+                    <a:lumMod val="75000"/>
+                  </a:schemeClr>
+                </a:solidFill>
+              </a:rPr>
+              <a:t>Recherche par genre</a:t>
+            </a:r>
+          </a:p>
+          <a:p>
+            <a:pPr algn="ctr">
+              <a:buNone/>
+            </a:pPr>
+            <a:endParaRPr lang="fr-FR" sz="2400" dirty="0"/>
+          </a:p>
+        </p:txBody>
+      </p:sp>
+      <p:sp>
+        <p:nvSpPr>
+          <p:cNvPr id="6" name="Espace réservé du contenu 2"/>
+          <p:cNvSpPr txBox="1">
+            <a:spLocks/>
+          </p:cNvSpPr>
+          <p:nvPr/>
+        </p:nvSpPr>
+        <p:spPr>
+          <a:xfrm>
+            <a:off x="179512" y="1700808"/>
+            <a:ext cx="2088232" cy="4536504"/>
+          </a:xfrm>
+          <a:prstGeom prst="rect">
+            <a:avLst/>
+          </a:prstGeom>
+        </p:spPr>
+        <p:txBody>
+          <a:bodyPr vert="horz">
+            <a:normAutofit/>
+          </a:bodyPr>
+          <a:lstStyle/>
+          <a:p>
+            <a:pPr marL="342900" marR="0" lvl="0" indent="-342900" algn="l" defTabSz="914400" rtl="0" eaLnBrk="1" fontAlgn="auto" latinLnBrk="0" hangingPunct="1">
+              <a:lnSpc>
+                <a:spcPct val="100000"/>
+              </a:lnSpc>
+              <a:spcBef>
+                <a:spcPct val="20000"/>
+              </a:spcBef>
+              <a:spcAft>
+                <a:spcPts val="0"/>
+              </a:spcAft>
+              <a:buClr>
+                <a:schemeClr val="accent1"/>
+              </a:buClr>
+              <a:buSzPct val="70000"/>
+              <a:buFont typeface="Wingdings 2"/>
+              <a:buChar char=""/>
+              <a:tabLst/>
+              <a:defRPr/>
+            </a:pPr>
+            <a:r>
+              <a:rPr kumimoji="0" lang="fr-FR" sz="2400" i="0" u="none" strike="noStrike" kern="1200" cap="none" spc="0" normalizeH="0" baseline="0" noProof="0" dirty="0" smtClean="0">
+                <a:ln>
+                  <a:noFill/>
+                </a:ln>
+                <a:solidFill>
+                  <a:schemeClr val="tx2"/>
+                </a:solidFill>
+                <a:effectLst/>
+                <a:uLnTx/>
+                <a:uFillTx/>
+                <a:latin typeface="+mn-lt"/>
+                <a:ea typeface="+mn-ea"/>
+                <a:cs typeface="+mn-cs"/>
+              </a:rPr>
+              <a:t>Introduction</a:t>
+            </a:r>
+          </a:p>
+          <a:p>
+            <a:pPr marL="342900" marR="0" lvl="0" indent="-342900" algn="l" defTabSz="914400" rtl="0" eaLnBrk="1" fontAlgn="auto" latinLnBrk="0" hangingPunct="1">
+              <a:lnSpc>
+                <a:spcPct val="100000"/>
+              </a:lnSpc>
+              <a:spcBef>
+                <a:spcPct val="20000"/>
+              </a:spcBef>
+              <a:spcAft>
+                <a:spcPts val="0"/>
+              </a:spcAft>
+              <a:buClr>
+                <a:schemeClr val="accent1"/>
+              </a:buClr>
+              <a:buSzPct val="70000"/>
+              <a:buFont typeface="Wingdings 2"/>
+              <a:buChar char=""/>
+              <a:tabLst/>
+              <a:defRPr/>
+            </a:pPr>
+            <a:r>
+              <a:rPr lang="fr-FR" sz="2400" dirty="0" smtClean="0">
+                <a:solidFill>
+                  <a:schemeClr val="tx2"/>
+                </a:solidFill>
+              </a:rPr>
+              <a:t>Extraction</a:t>
+            </a:r>
+          </a:p>
+          <a:p>
+            <a:pPr marL="342900" marR="0" lvl="0" indent="-342900" algn="l" defTabSz="914400" rtl="0" eaLnBrk="1" fontAlgn="auto" latinLnBrk="0" hangingPunct="1">
+              <a:lnSpc>
+                <a:spcPct val="100000"/>
+              </a:lnSpc>
+              <a:spcBef>
+                <a:spcPct val="20000"/>
+              </a:spcBef>
+              <a:spcAft>
+                <a:spcPts val="0"/>
+              </a:spcAft>
+              <a:buClr>
+                <a:schemeClr val="accent1"/>
+              </a:buClr>
+              <a:buSzPct val="70000"/>
+              <a:buFont typeface="Wingdings 2"/>
+              <a:buChar char=""/>
+              <a:tabLst/>
+              <a:defRPr/>
+            </a:pPr>
+            <a:r>
+              <a:rPr kumimoji="0" lang="fr-FR" sz="2400" b="0" i="0" u="none" strike="noStrike" kern="1200" cap="none" spc="0" normalizeH="0" baseline="0" noProof="0" dirty="0" smtClean="0">
+                <a:ln>
+                  <a:noFill/>
+                </a:ln>
+                <a:solidFill>
+                  <a:schemeClr val="tx2"/>
+                </a:solidFill>
+                <a:effectLst/>
+                <a:uLnTx/>
+                <a:uFillTx/>
+                <a:latin typeface="+mn-lt"/>
+                <a:ea typeface="+mn-ea"/>
+                <a:cs typeface="+mn-cs"/>
+              </a:rPr>
+              <a:t>Stockage</a:t>
+            </a:r>
+          </a:p>
+          <a:p>
+            <a:pPr marL="342900" marR="0" lvl="0" indent="-342900" algn="l" defTabSz="914400" rtl="0" eaLnBrk="1" fontAlgn="auto" latinLnBrk="0" hangingPunct="1">
+              <a:lnSpc>
+                <a:spcPct val="100000"/>
+              </a:lnSpc>
+              <a:spcBef>
+                <a:spcPct val="20000"/>
+              </a:spcBef>
+              <a:spcAft>
+                <a:spcPts val="0"/>
+              </a:spcAft>
+              <a:buClr>
+                <a:schemeClr val="accent1"/>
+              </a:buClr>
+              <a:buSzPct val="70000"/>
+              <a:buFont typeface="Wingdings 2"/>
+              <a:buChar char=""/>
+              <a:tabLst/>
+              <a:defRPr/>
+            </a:pPr>
+            <a:r>
+              <a:rPr lang="fr-FR" sz="2400" b="1" dirty="0" smtClean="0">
+                <a:solidFill>
+                  <a:schemeClr val="tx2"/>
+                </a:solidFill>
+              </a:rPr>
+              <a:t>Restitution</a:t>
+            </a:r>
+            <a:endParaRPr kumimoji="0" lang="fr-FR" sz="2400" b="1" i="0" u="none" strike="noStrike" kern="1200" cap="none" spc="0" normalizeH="0" baseline="0" noProof="0" dirty="0" smtClean="0">
+              <a:ln>
+                <a:noFill/>
+              </a:ln>
+              <a:solidFill>
+                <a:schemeClr val="tx2"/>
+              </a:solidFill>
+              <a:effectLst/>
+              <a:uLnTx/>
+              <a:uFillTx/>
+              <a:latin typeface="+mn-lt"/>
+              <a:ea typeface="+mn-ea"/>
+              <a:cs typeface="+mn-cs"/>
+            </a:endParaRPr>
+          </a:p>
+          <a:p>
+            <a:pPr marL="342900" marR="0" lvl="0" indent="-342900" algn="l" defTabSz="914400" rtl="0" eaLnBrk="1" fontAlgn="auto" latinLnBrk="0" hangingPunct="1">
+              <a:lnSpc>
+                <a:spcPct val="100000"/>
+              </a:lnSpc>
+              <a:spcBef>
+                <a:spcPct val="20000"/>
+              </a:spcBef>
+              <a:spcAft>
+                <a:spcPts val="0"/>
+              </a:spcAft>
+              <a:buClr>
+                <a:schemeClr val="accent1"/>
+              </a:buClr>
+              <a:buSzPct val="70000"/>
+              <a:buFont typeface="Wingdings 2"/>
+              <a:buChar char=""/>
+              <a:tabLst/>
+              <a:defRPr/>
+            </a:pPr>
+            <a:r>
+              <a:rPr lang="fr-FR" sz="2400" dirty="0" smtClean="0">
+                <a:solidFill>
+                  <a:schemeClr val="tx2"/>
+                </a:solidFill>
+              </a:rPr>
+              <a:t>Conclusion</a:t>
+            </a:r>
+            <a:endParaRPr kumimoji="0" lang="fr-FR" sz="2400" b="0" i="0" u="none" strike="noStrike" kern="1200" cap="none" spc="0" normalizeH="0" baseline="0" noProof="0" dirty="0">
+              <a:ln>
+                <a:noFill/>
+              </a:ln>
+              <a:solidFill>
+                <a:schemeClr val="tx2"/>
+              </a:solidFill>
+              <a:effectLst/>
+              <a:uLnTx/>
+              <a:uFillTx/>
+              <a:latin typeface="+mn-lt"/>
+              <a:ea typeface="+mn-ea"/>
+              <a:cs typeface="+mn-cs"/>
+            </a:endParaRPr>
+          </a:p>
+        </p:txBody>
+      </p:sp>
+      <p:sp>
+        <p:nvSpPr>
+          <p:cNvPr id="7" name="ZoneTexte 6"/>
+          <p:cNvSpPr txBox="1"/>
+          <p:nvPr/>
+        </p:nvSpPr>
+        <p:spPr>
+          <a:xfrm>
+            <a:off x="0" y="6581001"/>
+            <a:ext cx="2708919" cy="276999"/>
+          </a:xfrm>
+          <a:prstGeom prst="rect">
+            <a:avLst/>
+          </a:prstGeom>
+          <a:noFill/>
+          <a:scene3d>
+            <a:camera prst="orthographicFront">
+              <a:rot lat="0" lon="0" rev="5400000"/>
+            </a:camera>
+            <a:lightRig rig="threePt" dir="t"/>
+          </a:scene3d>
+        </p:spPr>
+        <p:txBody>
+          <a:bodyPr wrap="square" rtlCol="0">
+            <a:spAutoFit/>
+            <a:scene3d>
+              <a:camera prst="orthographicFront">
+                <a:rot lat="0" lon="0" rev="0"/>
+              </a:camera>
+              <a:lightRig rig="threePt" dir="t"/>
+            </a:scene3d>
+            <a:flatTx/>
+          </a:bodyPr>
+          <a:lstStyle/>
+          <a:p>
+            <a:r>
+              <a:rPr lang="fr-FR" sz="1200" dirty="0" smtClean="0"/>
+              <a:t>Soutenance projet LPD2I 2010/2011</a:t>
+            </a:r>
+            <a:endParaRPr lang="fr-FR" sz="1200" dirty="0"/>
+          </a:p>
+        </p:txBody>
+      </p:sp>
+      <p:sp>
+        <p:nvSpPr>
+          <p:cNvPr id="9" name="ZoneTexte 8"/>
+          <p:cNvSpPr txBox="1"/>
+          <p:nvPr/>
+        </p:nvSpPr>
+        <p:spPr>
+          <a:xfrm>
+            <a:off x="5508104" y="6581001"/>
+            <a:ext cx="3635896" cy="276999"/>
+          </a:xfrm>
+          <a:prstGeom prst="rect">
+            <a:avLst/>
+          </a:prstGeom>
+          <a:noFill/>
+          <a:scene3d>
+            <a:camera prst="orthographicFront">
+              <a:rot lat="0" lon="0" rev="5400000"/>
+            </a:camera>
+            <a:lightRig rig="threePt" dir="t"/>
+          </a:scene3d>
+        </p:spPr>
+        <p:txBody>
+          <a:bodyPr wrap="square" rtlCol="0">
+            <a:spAutoFit/>
+            <a:scene3d>
+              <a:camera prst="orthographicFront">
+                <a:rot lat="0" lon="0" rev="0"/>
+              </a:camera>
+              <a:lightRig rig="threePt" dir="t"/>
+            </a:scene3d>
+            <a:flatTx/>
+          </a:bodyPr>
+          <a:lstStyle/>
+          <a:p>
+            <a:r>
+              <a:rPr lang="fr-FR" sz="1200" dirty="0" smtClean="0"/>
+              <a:t>Leonhard Hermle – Julien Cellier – Xavier Mourgues</a:t>
+            </a:r>
+            <a:endParaRPr lang="fr-FR" sz="1200" dirty="0"/>
+          </a:p>
+        </p:txBody>
+      </p:sp>
+      <p:cxnSp>
+        <p:nvCxnSpPr>
+          <p:cNvPr id="12" name="Connecteur droit 11"/>
+          <p:cNvCxnSpPr/>
+          <p:nvPr/>
+        </p:nvCxnSpPr>
+        <p:spPr>
+          <a:xfrm rot="5400000">
+            <a:off x="107504" y="4077072"/>
+            <a:ext cx="4464496" cy="0"/>
+          </a:xfrm>
+          <a:prstGeom prst="line">
+            <a:avLst/>
+          </a:prstGeom>
+        </p:spPr>
+        <p:style>
+          <a:lnRef idx="1">
+            <a:schemeClr val="accent1"/>
+          </a:lnRef>
+          <a:fillRef idx="0">
+            <a:schemeClr val="accent1"/>
+          </a:fillRef>
+          <a:effectRef idx="0">
+            <a:schemeClr val="accent1"/>
+          </a:effectRef>
+          <a:fontRef idx="minor">
+            <a:schemeClr val="tx1"/>
+          </a:fontRef>
+        </p:style>
+      </p:cxnSp>
+      <p:pic>
+        <p:nvPicPr>
+          <p:cNvPr id="13" name="Image 12" descr="Z:\Projet tut\projettuteurexml\screenshots\page genre.JPG"/>
+          <p:cNvPicPr/>
+          <p:nvPr/>
+        </p:nvPicPr>
+        <p:blipFill>
+          <a:blip r:embed="rId2" cstate="print"/>
+          <a:srcRect/>
+          <a:stretch>
+            <a:fillRect/>
+          </a:stretch>
+        </p:blipFill>
+        <p:spPr bwMode="auto">
+          <a:xfrm>
+            <a:off x="2555776" y="4653136"/>
+            <a:ext cx="5753100" cy="1085850"/>
+          </a:xfrm>
+          <a:prstGeom prst="rect">
+            <a:avLst/>
+          </a:prstGeom>
+          <a:noFill/>
+          <a:ln w="9525">
+            <a:noFill/>
+            <a:miter lim="800000"/>
+            <a:headEnd/>
+            <a:tailEnd/>
+          </a:ln>
+        </p:spPr>
+      </p:pic>
+    </p:spTree>
+  </p:cSld>
+  <p:clrMapOvr>
+    <a:masterClrMapping/>
+  </p:clrMapOvr>
+  <p:timing>
+    <p:tnLst>
+      <p:par>
+        <p:cTn id="1" dur="indefinite" restart="never" nodeType="tmRoot"/>
+      </p:par>
+    </p:tnLst>
+  </p:timing>
+</p:sld>
+</file>
+
+<file path=ppt/slides/slide14.xml><?xml version="1.0" encoding="utf-8"?>
+<p:sld xmlns:a="http://schemas.openxmlformats.org/drawingml/2006/main" xmlns:r="http://schemas.openxmlformats.org/officeDocument/2006/relationships" xmlns:p="http://schemas.openxmlformats.org/presentationml/2006/main">
+  <p:cSld>
+    <p:spTree>
+      <p:nvGrpSpPr>
+        <p:cNvPr id="1" name=""/>
+        <p:cNvGrpSpPr/>
+        <p:nvPr/>
+      </p:nvGrpSpPr>
+      <p:grpSpPr>
+        <a:xfrm>
+          <a:off x="0" y="0"/>
+          <a:ext cx="0" cy="0"/>
+          <a:chOff x="0" y="0"/>
+          <a:chExt cx="0" cy="0"/>
+        </a:xfrm>
+      </p:grpSpPr>
+      <p:sp>
+        <p:nvSpPr>
+          <p:cNvPr id="2" name="Titre 1"/>
+          <p:cNvSpPr>
+            <a:spLocks noGrp="1"/>
+          </p:cNvSpPr>
+          <p:nvPr>
+            <p:ph type="title"/>
+          </p:nvPr>
+        </p:nvSpPr>
+        <p:spPr/>
+        <p:txBody>
+          <a:bodyPr>
+            <a:normAutofit/>
+          </a:bodyPr>
+          <a:lstStyle/>
+          <a:p>
+            <a:r>
+              <a:rPr lang="fr-FR" dirty="0" smtClean="0"/>
+              <a:t>Restitution</a:t>
+            </a:r>
+            <a:r>
+              <a:rPr lang="fr-FR" sz="1800" dirty="0" smtClean="0"/>
+              <a:t>(suite)</a:t>
+            </a:r>
+            <a:endParaRPr lang="fr-FR" dirty="0"/>
+          </a:p>
+        </p:txBody>
+      </p:sp>
+      <p:sp>
+        <p:nvSpPr>
+          <p:cNvPr id="3" name="Espace réservé du contenu 2"/>
+          <p:cNvSpPr>
+            <a:spLocks noGrp="1"/>
+          </p:cNvSpPr>
+          <p:nvPr>
+            <p:ph idx="1"/>
+          </p:nvPr>
+        </p:nvSpPr>
+        <p:spPr>
+          <a:xfrm>
+            <a:off x="2555776" y="1700808"/>
+            <a:ext cx="6408712" cy="4752528"/>
+          </a:xfrm>
+        </p:spPr>
+        <p:txBody>
+          <a:bodyPr>
+            <a:normAutofit/>
+          </a:bodyPr>
+          <a:lstStyle/>
+          <a:p>
+            <a:pPr algn="ctr">
+              <a:buNone/>
+            </a:pPr>
+            <a:r>
+              <a:rPr lang="fr-FR" sz="2800" b="1" dirty="0" smtClean="0">
+                <a:solidFill>
+                  <a:schemeClr val="accent5">
+                    <a:lumMod val="75000"/>
+                  </a:schemeClr>
+                </a:solidFill>
+              </a:rPr>
+              <a:t>Aspect Technique</a:t>
+            </a:r>
+          </a:p>
+          <a:p>
+            <a:r>
+              <a:rPr lang="fr-FR" sz="2000" dirty="0" smtClean="0">
+                <a:solidFill>
+                  <a:schemeClr val="accent5">
+                    <a:lumMod val="75000"/>
+                  </a:schemeClr>
+                </a:solidFill>
+              </a:rPr>
+              <a:t>Recherche Alphabétique</a:t>
+            </a:r>
+          </a:p>
+          <a:p>
+            <a:endParaRPr lang="fr-FR" sz="2000" dirty="0" smtClean="0">
+              <a:solidFill>
+                <a:schemeClr val="accent5">
+                  <a:lumMod val="75000"/>
+                </a:schemeClr>
+              </a:solidFill>
+            </a:endParaRPr>
+          </a:p>
+          <a:p>
+            <a:pPr>
+              <a:buNone/>
+            </a:pPr>
+            <a:endParaRPr lang="fr-FR" sz="2800" b="1" dirty="0" smtClean="0">
+              <a:solidFill>
+                <a:schemeClr val="accent5">
+                  <a:lumMod val="75000"/>
+                </a:schemeClr>
+              </a:solidFill>
+            </a:endParaRPr>
+          </a:p>
+          <a:p>
+            <a:pPr algn="ctr">
+              <a:buNone/>
+            </a:pPr>
+            <a:endParaRPr lang="fr-FR" sz="2300" dirty="0"/>
+          </a:p>
+          <a:p>
+            <a:pPr>
+              <a:buNone/>
+            </a:pPr>
+            <a:r>
+              <a:rPr lang="fr-FR" sz="1400" dirty="0" smtClean="0"/>
+              <a:t>&lt;?</a:t>
+            </a:r>
+            <a:r>
+              <a:rPr lang="fr-FR" sz="1400" dirty="0" err="1" smtClean="0"/>
+              <a:t>php</a:t>
+            </a:r>
+            <a:endParaRPr lang="fr-FR" sz="1400" dirty="0" smtClean="0"/>
+          </a:p>
+          <a:p>
+            <a:pPr>
+              <a:buNone/>
+            </a:pPr>
+            <a:r>
+              <a:rPr lang="fr-FR" sz="1400" dirty="0" smtClean="0"/>
+              <a:t> </a:t>
+            </a:r>
+          </a:p>
+          <a:p>
+            <a:pPr>
+              <a:buNone/>
+            </a:pPr>
+            <a:r>
+              <a:rPr lang="fr-FR" sz="1400" dirty="0" err="1" smtClean="0"/>
+              <a:t>echo</a:t>
+            </a:r>
+            <a:r>
+              <a:rPr lang="fr-FR" sz="1400" dirty="0" smtClean="0"/>
+              <a:t> </a:t>
+            </a:r>
+            <a:r>
+              <a:rPr lang="fr-FR" sz="1400" dirty="0" smtClean="0"/>
+              <a:t>"&lt;</a:t>
+            </a:r>
+            <a:r>
+              <a:rPr lang="fr-FR" sz="1400" dirty="0" err="1" smtClean="0"/>
+              <a:t>fieldset</a:t>
+            </a:r>
+            <a:r>
+              <a:rPr lang="fr-FR" sz="1400" dirty="0" smtClean="0"/>
+              <a:t>&gt;&lt;center&gt;&lt;a </a:t>
+            </a:r>
+            <a:r>
+              <a:rPr lang="fr-FR" sz="1400" dirty="0" err="1" smtClean="0"/>
+              <a:t>href</a:t>
+            </a:r>
+            <a:r>
+              <a:rPr lang="fr-FR" sz="1400" dirty="0" smtClean="0"/>
+              <a:t>='index.php?page=films&amp;initiale=09'&gt;0-9 &lt;/a&gt;";</a:t>
+            </a:r>
+          </a:p>
+          <a:p>
+            <a:pPr>
+              <a:buNone/>
+            </a:pPr>
+            <a:r>
+              <a:rPr lang="fr-FR" sz="1400" dirty="0" smtClean="0"/>
+              <a:t>for ($i=ord("A");$i&lt;ord("Z")+1;$i++) {  //boucle pour affichage des lettres</a:t>
+            </a:r>
+          </a:p>
+          <a:p>
+            <a:pPr>
+              <a:buNone/>
+            </a:pPr>
+            <a:r>
+              <a:rPr lang="fr-FR" sz="1400" dirty="0" smtClean="0"/>
+              <a:t>        </a:t>
+            </a:r>
+            <a:r>
+              <a:rPr lang="fr-FR" sz="1400" dirty="0" err="1" smtClean="0"/>
+              <a:t>echo</a:t>
+            </a:r>
+            <a:r>
+              <a:rPr lang="fr-FR" sz="1400" dirty="0" smtClean="0"/>
+              <a:t> "&lt;a </a:t>
+            </a:r>
+            <a:r>
+              <a:rPr lang="fr-FR" sz="1400" dirty="0" err="1" smtClean="0"/>
+              <a:t>href</a:t>
+            </a:r>
+            <a:r>
+              <a:rPr lang="fr-FR" sz="1400" dirty="0" smtClean="0"/>
+              <a:t>='index.php?page=films&amp;initiale=".chr($i)."'&gt;".</a:t>
+            </a:r>
+            <a:r>
+              <a:rPr lang="fr-FR" sz="1400" dirty="0" err="1" smtClean="0"/>
+              <a:t>chr</a:t>
+            </a:r>
+            <a:r>
+              <a:rPr lang="fr-FR" sz="1400" dirty="0" smtClean="0"/>
+              <a:t>($i)."&lt;/a&gt;";</a:t>
+            </a:r>
+          </a:p>
+          <a:p>
+            <a:pPr>
+              <a:buNone/>
+            </a:pPr>
+            <a:r>
+              <a:rPr lang="fr-FR" sz="1400" dirty="0" smtClean="0"/>
+              <a:t> }</a:t>
+            </a:r>
+          </a:p>
+          <a:p>
+            <a:pPr>
+              <a:buNone/>
+            </a:pPr>
+            <a:r>
+              <a:rPr lang="fr-FR" sz="1400" dirty="0" err="1" smtClean="0"/>
+              <a:t>echo</a:t>
+            </a:r>
+            <a:r>
+              <a:rPr lang="fr-FR" sz="1400" dirty="0" smtClean="0"/>
+              <a:t> "&lt;/center&gt;&lt;/</a:t>
+            </a:r>
+            <a:r>
+              <a:rPr lang="fr-FR" sz="1400" dirty="0" err="1" smtClean="0"/>
+              <a:t>fieldset</a:t>
+            </a:r>
+            <a:r>
+              <a:rPr lang="fr-FR" sz="1400" dirty="0" smtClean="0"/>
+              <a:t>&gt;";</a:t>
+            </a:r>
+          </a:p>
+          <a:p>
+            <a:pPr>
+              <a:buNone/>
+            </a:pPr>
+            <a:endParaRPr lang="fr-FR" sz="1400" dirty="0" smtClean="0"/>
+          </a:p>
+          <a:p>
+            <a:pPr>
+              <a:buNone/>
+            </a:pPr>
+            <a:r>
+              <a:rPr lang="fr-FR" sz="1400" dirty="0" smtClean="0"/>
+              <a:t>?&gt;</a:t>
+            </a:r>
+          </a:p>
+          <a:p>
+            <a:pPr algn="ctr">
+              <a:buNone/>
+            </a:pPr>
+            <a:endParaRPr lang="fr-FR" sz="2400" dirty="0" smtClean="0"/>
+          </a:p>
+        </p:txBody>
+      </p:sp>
+      <p:sp>
+        <p:nvSpPr>
+          <p:cNvPr id="6" name="Espace réservé du contenu 2"/>
+          <p:cNvSpPr txBox="1">
+            <a:spLocks/>
+          </p:cNvSpPr>
+          <p:nvPr/>
+        </p:nvSpPr>
+        <p:spPr>
+          <a:xfrm>
+            <a:off x="179512" y="1700808"/>
+            <a:ext cx="2088232" cy="4536504"/>
+          </a:xfrm>
+          <a:prstGeom prst="rect">
+            <a:avLst/>
+          </a:prstGeom>
+        </p:spPr>
+        <p:txBody>
+          <a:bodyPr vert="horz">
+            <a:normAutofit/>
+          </a:bodyPr>
+          <a:lstStyle/>
+          <a:p>
+            <a:pPr marL="342900" marR="0" lvl="0" indent="-342900" algn="l" defTabSz="914400" rtl="0" eaLnBrk="1" fontAlgn="auto" latinLnBrk="0" hangingPunct="1">
+              <a:lnSpc>
+                <a:spcPct val="100000"/>
+              </a:lnSpc>
+              <a:spcBef>
+                <a:spcPct val="20000"/>
+              </a:spcBef>
+              <a:spcAft>
+                <a:spcPts val="0"/>
+              </a:spcAft>
+              <a:buClr>
+                <a:schemeClr val="accent1"/>
+              </a:buClr>
+              <a:buSzPct val="70000"/>
+              <a:buFont typeface="Wingdings 2"/>
+              <a:buChar char=""/>
+              <a:tabLst/>
+              <a:defRPr/>
+            </a:pPr>
+            <a:r>
+              <a:rPr kumimoji="0" lang="fr-FR" sz="2400" i="0" u="none" strike="noStrike" kern="1200" cap="none" spc="0" normalizeH="0" baseline="0" noProof="0" dirty="0" smtClean="0">
+                <a:ln>
+                  <a:noFill/>
+                </a:ln>
+                <a:solidFill>
+                  <a:schemeClr val="tx2"/>
+                </a:solidFill>
+                <a:effectLst/>
+                <a:uLnTx/>
+                <a:uFillTx/>
+                <a:latin typeface="+mn-lt"/>
+                <a:ea typeface="+mn-ea"/>
+                <a:cs typeface="+mn-cs"/>
+              </a:rPr>
+              <a:t>Introduction</a:t>
+            </a:r>
+          </a:p>
+          <a:p>
+            <a:pPr marL="342900" marR="0" lvl="0" indent="-342900" algn="l" defTabSz="914400" rtl="0" eaLnBrk="1" fontAlgn="auto" latinLnBrk="0" hangingPunct="1">
+              <a:lnSpc>
+                <a:spcPct val="100000"/>
+              </a:lnSpc>
+              <a:spcBef>
+                <a:spcPct val="20000"/>
+              </a:spcBef>
+              <a:spcAft>
+                <a:spcPts val="0"/>
+              </a:spcAft>
+              <a:buClr>
+                <a:schemeClr val="accent1"/>
+              </a:buClr>
+              <a:buSzPct val="70000"/>
+              <a:buFont typeface="Wingdings 2"/>
+              <a:buChar char=""/>
+              <a:tabLst/>
+              <a:defRPr/>
+            </a:pPr>
+            <a:r>
+              <a:rPr lang="fr-FR" sz="2400" dirty="0" smtClean="0">
+                <a:solidFill>
+                  <a:schemeClr val="tx2"/>
+                </a:solidFill>
+              </a:rPr>
+              <a:t>Extraction</a:t>
+            </a:r>
+          </a:p>
+          <a:p>
+            <a:pPr marL="342900" marR="0" lvl="0" indent="-342900" algn="l" defTabSz="914400" rtl="0" eaLnBrk="1" fontAlgn="auto" latinLnBrk="0" hangingPunct="1">
+              <a:lnSpc>
+                <a:spcPct val="100000"/>
+              </a:lnSpc>
+              <a:spcBef>
+                <a:spcPct val="20000"/>
+              </a:spcBef>
+              <a:spcAft>
+                <a:spcPts val="0"/>
+              </a:spcAft>
+              <a:buClr>
+                <a:schemeClr val="accent1"/>
+              </a:buClr>
+              <a:buSzPct val="70000"/>
+              <a:buFont typeface="Wingdings 2"/>
+              <a:buChar char=""/>
+              <a:tabLst/>
+              <a:defRPr/>
+            </a:pPr>
+            <a:r>
+              <a:rPr kumimoji="0" lang="fr-FR" sz="2400" b="0" i="0" u="none" strike="noStrike" kern="1200" cap="none" spc="0" normalizeH="0" baseline="0" noProof="0" dirty="0" smtClean="0">
+                <a:ln>
+                  <a:noFill/>
+                </a:ln>
+                <a:solidFill>
+                  <a:schemeClr val="tx2"/>
+                </a:solidFill>
+                <a:effectLst/>
+                <a:uLnTx/>
+                <a:uFillTx/>
+                <a:latin typeface="+mn-lt"/>
+                <a:ea typeface="+mn-ea"/>
+                <a:cs typeface="+mn-cs"/>
+              </a:rPr>
+              <a:t>Stockage</a:t>
+            </a:r>
+          </a:p>
+          <a:p>
+            <a:pPr marL="342900" marR="0" lvl="0" indent="-342900" algn="l" defTabSz="914400" rtl="0" eaLnBrk="1" fontAlgn="auto" latinLnBrk="0" hangingPunct="1">
+              <a:lnSpc>
+                <a:spcPct val="100000"/>
+              </a:lnSpc>
+              <a:spcBef>
+                <a:spcPct val="20000"/>
+              </a:spcBef>
+              <a:spcAft>
+                <a:spcPts val="0"/>
+              </a:spcAft>
+              <a:buClr>
+                <a:schemeClr val="accent1"/>
+              </a:buClr>
+              <a:buSzPct val="70000"/>
+              <a:buFont typeface="Wingdings 2"/>
+              <a:buChar char=""/>
+              <a:tabLst/>
+              <a:defRPr/>
+            </a:pPr>
+            <a:r>
+              <a:rPr lang="fr-FR" sz="2400" b="1" dirty="0" smtClean="0">
+                <a:solidFill>
+                  <a:schemeClr val="tx2"/>
+                </a:solidFill>
+              </a:rPr>
+              <a:t>Restitution</a:t>
+            </a:r>
+            <a:endParaRPr kumimoji="0" lang="fr-FR" sz="2400" b="1" i="0" u="none" strike="noStrike" kern="1200" cap="none" spc="0" normalizeH="0" baseline="0" noProof="0" dirty="0" smtClean="0">
+              <a:ln>
+                <a:noFill/>
+              </a:ln>
+              <a:solidFill>
+                <a:schemeClr val="tx2"/>
+              </a:solidFill>
+              <a:effectLst/>
+              <a:uLnTx/>
+              <a:uFillTx/>
+              <a:latin typeface="+mn-lt"/>
+              <a:ea typeface="+mn-ea"/>
+              <a:cs typeface="+mn-cs"/>
+            </a:endParaRPr>
+          </a:p>
+          <a:p>
+            <a:pPr marL="342900" marR="0" lvl="0" indent="-342900" algn="l" defTabSz="914400" rtl="0" eaLnBrk="1" fontAlgn="auto" latinLnBrk="0" hangingPunct="1">
+              <a:lnSpc>
+                <a:spcPct val="100000"/>
+              </a:lnSpc>
+              <a:spcBef>
+                <a:spcPct val="20000"/>
+              </a:spcBef>
+              <a:spcAft>
+                <a:spcPts val="0"/>
+              </a:spcAft>
+              <a:buClr>
+                <a:schemeClr val="accent1"/>
+              </a:buClr>
+              <a:buSzPct val="70000"/>
+              <a:buFont typeface="Wingdings 2"/>
+              <a:buChar char=""/>
+              <a:tabLst/>
+              <a:defRPr/>
+            </a:pPr>
+            <a:r>
+              <a:rPr lang="fr-FR" sz="2400" dirty="0" smtClean="0">
+                <a:solidFill>
+                  <a:schemeClr val="tx2"/>
+                </a:solidFill>
+              </a:rPr>
+              <a:t>Conclusion</a:t>
+            </a:r>
+            <a:endParaRPr kumimoji="0" lang="fr-FR" sz="2400" b="0" i="0" u="none" strike="noStrike" kern="1200" cap="none" spc="0" normalizeH="0" baseline="0" noProof="0" dirty="0">
+              <a:ln>
+                <a:noFill/>
+              </a:ln>
+              <a:solidFill>
+                <a:schemeClr val="tx2"/>
+              </a:solidFill>
+              <a:effectLst/>
+              <a:uLnTx/>
+              <a:uFillTx/>
+              <a:latin typeface="+mn-lt"/>
+              <a:ea typeface="+mn-ea"/>
+              <a:cs typeface="+mn-cs"/>
+            </a:endParaRPr>
+          </a:p>
+        </p:txBody>
+      </p:sp>
+      <p:sp>
+        <p:nvSpPr>
+          <p:cNvPr id="7" name="ZoneTexte 6"/>
+          <p:cNvSpPr txBox="1"/>
+          <p:nvPr/>
+        </p:nvSpPr>
+        <p:spPr>
+          <a:xfrm>
+            <a:off x="0" y="6581001"/>
+            <a:ext cx="2708919" cy="276999"/>
+          </a:xfrm>
+          <a:prstGeom prst="rect">
+            <a:avLst/>
+          </a:prstGeom>
+          <a:noFill/>
+          <a:scene3d>
+            <a:camera prst="orthographicFront">
+              <a:rot lat="0" lon="0" rev="5400000"/>
+            </a:camera>
+            <a:lightRig rig="threePt" dir="t"/>
+          </a:scene3d>
+        </p:spPr>
+        <p:txBody>
+          <a:bodyPr wrap="square" rtlCol="0">
+            <a:spAutoFit/>
+            <a:scene3d>
+              <a:camera prst="orthographicFront">
+                <a:rot lat="0" lon="0" rev="0"/>
+              </a:camera>
+              <a:lightRig rig="threePt" dir="t"/>
+            </a:scene3d>
+            <a:flatTx/>
+          </a:bodyPr>
+          <a:lstStyle/>
+          <a:p>
+            <a:r>
+              <a:rPr lang="fr-FR" sz="1200" dirty="0" smtClean="0"/>
+              <a:t>Soutenance projet LPD2I 2010/2011</a:t>
+            </a:r>
+            <a:endParaRPr lang="fr-FR" sz="1200" dirty="0"/>
+          </a:p>
+        </p:txBody>
+      </p:sp>
+      <p:sp>
+        <p:nvSpPr>
+          <p:cNvPr id="9" name="ZoneTexte 8"/>
+          <p:cNvSpPr txBox="1"/>
+          <p:nvPr/>
+        </p:nvSpPr>
+        <p:spPr>
+          <a:xfrm>
+            <a:off x="5508104" y="6581001"/>
+            <a:ext cx="3635896" cy="276999"/>
+          </a:xfrm>
+          <a:prstGeom prst="rect">
+            <a:avLst/>
+          </a:prstGeom>
+          <a:noFill/>
+          <a:scene3d>
+            <a:camera prst="orthographicFront">
+              <a:rot lat="0" lon="0" rev="5400000"/>
+            </a:camera>
+            <a:lightRig rig="threePt" dir="t"/>
+          </a:scene3d>
+        </p:spPr>
+        <p:txBody>
+          <a:bodyPr wrap="square" rtlCol="0">
+            <a:spAutoFit/>
+            <a:scene3d>
+              <a:camera prst="orthographicFront">
+                <a:rot lat="0" lon="0" rev="0"/>
+              </a:camera>
+              <a:lightRig rig="threePt" dir="t"/>
+            </a:scene3d>
+            <a:flatTx/>
+          </a:bodyPr>
+          <a:lstStyle/>
+          <a:p>
+            <a:r>
+              <a:rPr lang="fr-FR" sz="1200" dirty="0" smtClean="0"/>
+              <a:t>Leonhard Hermle – Julien Cellier – Xavier Mourgues</a:t>
+            </a:r>
+            <a:endParaRPr lang="fr-FR" sz="1200" dirty="0"/>
+          </a:p>
+        </p:txBody>
+      </p:sp>
+      <p:cxnSp>
+        <p:nvCxnSpPr>
+          <p:cNvPr id="12" name="Connecteur droit 11"/>
+          <p:cNvCxnSpPr/>
+          <p:nvPr/>
+        </p:nvCxnSpPr>
+        <p:spPr>
+          <a:xfrm rot="5400000">
+            <a:off x="107504" y="4077072"/>
+            <a:ext cx="4464496" cy="0"/>
+          </a:xfrm>
+          <a:prstGeom prst="line">
+            <a:avLst/>
+          </a:prstGeom>
+        </p:spPr>
+        <p:style>
+          <a:lnRef idx="1">
+            <a:schemeClr val="accent1"/>
+          </a:lnRef>
+          <a:fillRef idx="0">
+            <a:schemeClr val="accent1"/>
+          </a:fillRef>
+          <a:effectRef idx="0">
+            <a:schemeClr val="accent1"/>
+          </a:effectRef>
+          <a:fontRef idx="minor">
+            <a:schemeClr val="tx1"/>
+          </a:fontRef>
+        </p:style>
+      </p:cxnSp>
+      <p:pic>
+        <p:nvPicPr>
+          <p:cNvPr id="11" name="Image 10" descr="Z:\Projet tut\projettuteurexml\screenshots\page films.JPG"/>
+          <p:cNvPicPr/>
+          <p:nvPr/>
+        </p:nvPicPr>
+        <p:blipFill>
+          <a:blip r:embed="rId2" cstate="print"/>
+          <a:srcRect/>
+          <a:stretch>
+            <a:fillRect/>
+          </a:stretch>
+        </p:blipFill>
+        <p:spPr bwMode="auto">
+          <a:xfrm>
+            <a:off x="2483768" y="2564904"/>
+            <a:ext cx="6336704" cy="849790"/>
+          </a:xfrm>
+          <a:prstGeom prst="rect">
+            <a:avLst/>
+          </a:prstGeom>
+          <a:noFill/>
+          <a:ln w="9525">
+            <a:noFill/>
+            <a:miter lim="800000"/>
+            <a:headEnd/>
+            <a:tailEnd/>
+          </a:ln>
+        </p:spPr>
+      </p:pic>
+      <p:sp>
+        <p:nvSpPr>
+          <p:cNvPr id="13" name="Rectangle 12"/>
+          <p:cNvSpPr/>
+          <p:nvPr/>
+        </p:nvSpPr>
+        <p:spPr>
+          <a:xfrm>
+            <a:off x="2483768" y="3717032"/>
+            <a:ext cx="6336704" cy="2520280"/>
+          </a:xfrm>
+          <a:prstGeom prst="rect">
+            <a:avLst/>
+          </a:prstGeom>
+          <a:noFill/>
+        </p:spPr>
+        <p:style>
+          <a:lnRef idx="2">
+            <a:schemeClr val="accent1">
+              <a:shade val="50000"/>
+            </a:schemeClr>
+          </a:lnRef>
+          <a:fillRef idx="1">
+            <a:schemeClr val="accent1"/>
+          </a:fillRef>
+          <a:effectRef idx="0">
+            <a:schemeClr val="accent1"/>
+          </a:effectRef>
+          <a:fontRef idx="minor">
+            <a:schemeClr val="lt1"/>
+          </a:fontRef>
+        </p:style>
+        <p:txBody>
+          <a:bodyPr rtlCol="0" anchor="ctr"/>
+          <a:lstStyle/>
+          <a:p>
+            <a:pPr algn="ctr"/>
+            <a:endParaRPr lang="fr-FR"/>
+          </a:p>
+        </p:txBody>
+      </p:sp>
+    </p:spTree>
+  </p:cSld>
+  <p:clrMapOvr>
+    <a:masterClrMapping/>
+  </p:clrMapOvr>
+  <p:timing>
+    <p:tnLst>
+      <p:par>
+        <p:cTn id="1" dur="indefinite" restart="never" nodeType="tmRoot"/>
+      </p:par>
+    </p:tnLst>
+  </p:timing>
+</p:sld>
+</file>
+
+<file path=ppt/slides/slide15.xml><?xml version="1.0" encoding="utf-8"?>
+<p:sld xmlns:a="http://schemas.openxmlformats.org/drawingml/2006/main" xmlns:r="http://schemas.openxmlformats.org/officeDocument/2006/relationships" xmlns:p="http://schemas.openxmlformats.org/presentationml/2006/main">
+  <p:cSld>
+    <p:spTree>
+      <p:nvGrpSpPr>
+        <p:cNvPr id="1" name=""/>
+        <p:cNvGrpSpPr/>
+        <p:nvPr/>
+      </p:nvGrpSpPr>
+      <p:grpSpPr>
+        <a:xfrm>
+          <a:off x="0" y="0"/>
+          <a:ext cx="0" cy="0"/>
+          <a:chOff x="0" y="0"/>
+          <a:chExt cx="0" cy="0"/>
+        </a:xfrm>
+      </p:grpSpPr>
+      <p:sp>
+        <p:nvSpPr>
+          <p:cNvPr id="2" name="Titre 1"/>
+          <p:cNvSpPr>
+            <a:spLocks noGrp="1"/>
+          </p:cNvSpPr>
+          <p:nvPr>
+            <p:ph type="title"/>
+          </p:nvPr>
+        </p:nvSpPr>
+        <p:spPr/>
+        <p:txBody>
+          <a:bodyPr>
+            <a:normAutofit/>
+          </a:bodyPr>
+          <a:lstStyle/>
+          <a:p>
+            <a:r>
+              <a:rPr lang="fr-FR" dirty="0" smtClean="0"/>
+              <a:t>Restitution</a:t>
+            </a:r>
+            <a:r>
+              <a:rPr lang="fr-FR" sz="1800" dirty="0" smtClean="0"/>
+              <a:t>(suite)</a:t>
+            </a:r>
+            <a:endParaRPr lang="fr-FR" dirty="0"/>
+          </a:p>
+        </p:txBody>
+      </p:sp>
+      <p:sp>
+        <p:nvSpPr>
+          <p:cNvPr id="3" name="Espace réservé du contenu 2"/>
+          <p:cNvSpPr>
+            <a:spLocks noGrp="1"/>
+          </p:cNvSpPr>
+          <p:nvPr>
+            <p:ph idx="1"/>
+          </p:nvPr>
+        </p:nvSpPr>
+        <p:spPr>
+          <a:xfrm>
+            <a:off x="2411760" y="1700808"/>
+            <a:ext cx="6552728" cy="4608512"/>
+          </a:xfrm>
+        </p:spPr>
+        <p:txBody>
+          <a:bodyPr>
+            <a:normAutofit/>
+          </a:bodyPr>
+          <a:lstStyle/>
+          <a:p>
+            <a:pPr algn="ctr">
+              <a:buNone/>
+            </a:pPr>
+            <a:r>
+              <a:rPr lang="fr-FR" sz="2800" b="1" dirty="0" smtClean="0">
+                <a:solidFill>
+                  <a:schemeClr val="accent5">
+                    <a:lumMod val="75000"/>
+                  </a:schemeClr>
+                </a:solidFill>
+              </a:rPr>
+              <a:t>Aspect Technique</a:t>
+            </a:r>
+          </a:p>
+          <a:p>
+            <a:r>
+              <a:rPr lang="fr-FR" sz="2000" dirty="0" smtClean="0">
+                <a:solidFill>
+                  <a:schemeClr val="accent5">
+                    <a:lumMod val="75000"/>
+                  </a:schemeClr>
+                </a:solidFill>
+              </a:rPr>
+              <a:t>Recherche simple.</a:t>
+            </a:r>
+          </a:p>
+          <a:p>
+            <a:endParaRPr lang="fr-FR" sz="2000" dirty="0" smtClean="0">
+              <a:solidFill>
+                <a:schemeClr val="accent5">
+                  <a:lumMod val="75000"/>
+                </a:schemeClr>
+              </a:solidFill>
+            </a:endParaRPr>
+          </a:p>
+          <a:p>
+            <a:endParaRPr lang="fr-FR" sz="2000" dirty="0" smtClean="0">
+              <a:solidFill>
+                <a:schemeClr val="accent5">
+                  <a:lumMod val="75000"/>
+                </a:schemeClr>
+              </a:solidFill>
+            </a:endParaRPr>
+          </a:p>
+          <a:p>
+            <a:endParaRPr lang="fr-FR" sz="2000" dirty="0" smtClean="0">
+              <a:solidFill>
+                <a:schemeClr val="accent5">
+                  <a:lumMod val="75000"/>
+                </a:schemeClr>
+              </a:solidFill>
+            </a:endParaRPr>
+          </a:p>
+          <a:p>
+            <a:endParaRPr lang="fr-FR" sz="2000" dirty="0" smtClean="0">
+              <a:solidFill>
+                <a:schemeClr val="accent5">
+                  <a:lumMod val="75000"/>
+                </a:schemeClr>
+              </a:solidFill>
+            </a:endParaRPr>
+          </a:p>
+          <a:p>
+            <a:endParaRPr lang="fr-FR" sz="2000" dirty="0" smtClean="0">
+              <a:solidFill>
+                <a:schemeClr val="accent5">
+                  <a:lumMod val="75000"/>
+                </a:schemeClr>
+              </a:solidFill>
+            </a:endParaRPr>
+          </a:p>
+          <a:p>
+            <a:endParaRPr lang="fr-FR" sz="2000" dirty="0" smtClean="0">
+              <a:solidFill>
+                <a:schemeClr val="accent5">
+                  <a:lumMod val="75000"/>
+                </a:schemeClr>
+              </a:solidFill>
+            </a:endParaRPr>
+          </a:p>
+          <a:p>
+            <a:pPr algn="ctr">
+              <a:buNone/>
+            </a:pPr>
+            <a:r>
+              <a:rPr lang="fr-FR" sz="2000" dirty="0" smtClean="0">
+                <a:solidFill>
+                  <a:schemeClr val="accent5">
+                    <a:lumMod val="75000"/>
+                  </a:schemeClr>
+                </a:solidFill>
+              </a:rPr>
+              <a:t>Utilisation d’une fonction Ajax</a:t>
+            </a:r>
+          </a:p>
+          <a:p>
+            <a:pPr>
+              <a:buNone/>
+            </a:pPr>
+            <a:endParaRPr lang="fr-FR" sz="2800" b="1" dirty="0" smtClean="0">
+              <a:solidFill>
+                <a:schemeClr val="accent5">
+                  <a:lumMod val="75000"/>
+                </a:schemeClr>
+              </a:solidFill>
+            </a:endParaRPr>
+          </a:p>
+          <a:p>
+            <a:pPr algn="ctr">
+              <a:buNone/>
+            </a:pPr>
+            <a:endParaRPr lang="fr-FR" sz="2400" dirty="0"/>
+          </a:p>
+        </p:txBody>
+      </p:sp>
+      <p:sp>
+        <p:nvSpPr>
+          <p:cNvPr id="6" name="Espace réservé du contenu 2"/>
+          <p:cNvSpPr txBox="1">
+            <a:spLocks/>
+          </p:cNvSpPr>
+          <p:nvPr/>
+        </p:nvSpPr>
+        <p:spPr>
+          <a:xfrm>
+            <a:off x="179512" y="1700808"/>
+            <a:ext cx="2088232" cy="4536504"/>
+          </a:xfrm>
+          <a:prstGeom prst="rect">
+            <a:avLst/>
+          </a:prstGeom>
+        </p:spPr>
+        <p:txBody>
+          <a:bodyPr vert="horz">
+            <a:normAutofit/>
+          </a:bodyPr>
+          <a:lstStyle/>
+          <a:p>
+            <a:pPr marL="342900" marR="0" lvl="0" indent="-342900" algn="l" defTabSz="914400" rtl="0" eaLnBrk="1" fontAlgn="auto" latinLnBrk="0" hangingPunct="1">
+              <a:lnSpc>
+                <a:spcPct val="100000"/>
+              </a:lnSpc>
+              <a:spcBef>
+                <a:spcPct val="20000"/>
+              </a:spcBef>
+              <a:spcAft>
+                <a:spcPts val="0"/>
+              </a:spcAft>
+              <a:buClr>
+                <a:schemeClr val="accent1"/>
+              </a:buClr>
+              <a:buSzPct val="70000"/>
+              <a:buFont typeface="Wingdings 2"/>
+              <a:buChar char=""/>
+              <a:tabLst/>
+              <a:defRPr/>
+            </a:pPr>
+            <a:r>
+              <a:rPr kumimoji="0" lang="fr-FR" sz="2400" i="0" u="none" strike="noStrike" kern="1200" cap="none" spc="0" normalizeH="0" baseline="0" noProof="0" dirty="0" smtClean="0">
+                <a:ln>
+                  <a:noFill/>
+                </a:ln>
+                <a:solidFill>
+                  <a:schemeClr val="tx2"/>
+                </a:solidFill>
+                <a:effectLst/>
+                <a:uLnTx/>
+                <a:uFillTx/>
+                <a:latin typeface="+mn-lt"/>
+                <a:ea typeface="+mn-ea"/>
+                <a:cs typeface="+mn-cs"/>
+              </a:rPr>
+              <a:t>Introduction</a:t>
+            </a:r>
+          </a:p>
+          <a:p>
+            <a:pPr marL="342900" marR="0" lvl="0" indent="-342900" algn="l" defTabSz="914400" rtl="0" eaLnBrk="1" fontAlgn="auto" latinLnBrk="0" hangingPunct="1">
+              <a:lnSpc>
+                <a:spcPct val="100000"/>
+              </a:lnSpc>
+              <a:spcBef>
+                <a:spcPct val="20000"/>
+              </a:spcBef>
+              <a:spcAft>
+                <a:spcPts val="0"/>
+              </a:spcAft>
+              <a:buClr>
+                <a:schemeClr val="accent1"/>
+              </a:buClr>
+              <a:buSzPct val="70000"/>
+              <a:buFont typeface="Wingdings 2"/>
+              <a:buChar char=""/>
+              <a:tabLst/>
+              <a:defRPr/>
+            </a:pPr>
+            <a:r>
+              <a:rPr lang="fr-FR" sz="2400" dirty="0" smtClean="0">
+                <a:solidFill>
+                  <a:schemeClr val="tx2"/>
+                </a:solidFill>
+              </a:rPr>
+              <a:t>Extraction</a:t>
+            </a:r>
+          </a:p>
+          <a:p>
+            <a:pPr marL="342900" marR="0" lvl="0" indent="-342900" algn="l" defTabSz="914400" rtl="0" eaLnBrk="1" fontAlgn="auto" latinLnBrk="0" hangingPunct="1">
+              <a:lnSpc>
+                <a:spcPct val="100000"/>
+              </a:lnSpc>
+              <a:spcBef>
+                <a:spcPct val="20000"/>
+              </a:spcBef>
+              <a:spcAft>
+                <a:spcPts val="0"/>
+              </a:spcAft>
+              <a:buClr>
+                <a:schemeClr val="accent1"/>
+              </a:buClr>
+              <a:buSzPct val="70000"/>
+              <a:buFont typeface="Wingdings 2"/>
+              <a:buChar char=""/>
+              <a:tabLst/>
+              <a:defRPr/>
+            </a:pPr>
+            <a:r>
+              <a:rPr kumimoji="0" lang="fr-FR" sz="2400" b="0" i="0" u="none" strike="noStrike" kern="1200" cap="none" spc="0" normalizeH="0" baseline="0" noProof="0" dirty="0" smtClean="0">
+                <a:ln>
+                  <a:noFill/>
+                </a:ln>
+                <a:solidFill>
+                  <a:schemeClr val="tx2"/>
+                </a:solidFill>
+                <a:effectLst/>
+                <a:uLnTx/>
+                <a:uFillTx/>
+                <a:latin typeface="+mn-lt"/>
+                <a:ea typeface="+mn-ea"/>
+                <a:cs typeface="+mn-cs"/>
+              </a:rPr>
+              <a:t>Stockage</a:t>
+            </a:r>
+          </a:p>
+          <a:p>
+            <a:pPr marL="342900" marR="0" lvl="0" indent="-342900" algn="l" defTabSz="914400" rtl="0" eaLnBrk="1" fontAlgn="auto" latinLnBrk="0" hangingPunct="1">
+              <a:lnSpc>
+                <a:spcPct val="100000"/>
+              </a:lnSpc>
+              <a:spcBef>
+                <a:spcPct val="20000"/>
+              </a:spcBef>
+              <a:spcAft>
+                <a:spcPts val="0"/>
+              </a:spcAft>
+              <a:buClr>
+                <a:schemeClr val="accent1"/>
+              </a:buClr>
+              <a:buSzPct val="70000"/>
+              <a:buFont typeface="Wingdings 2"/>
+              <a:buChar char=""/>
+              <a:tabLst/>
+              <a:defRPr/>
+            </a:pPr>
+            <a:r>
+              <a:rPr lang="fr-FR" sz="2400" b="1" dirty="0" smtClean="0">
+                <a:solidFill>
+                  <a:schemeClr val="tx2"/>
+                </a:solidFill>
+              </a:rPr>
+              <a:t>Restitution</a:t>
+            </a:r>
+            <a:endParaRPr kumimoji="0" lang="fr-FR" sz="2400" b="1" i="0" u="none" strike="noStrike" kern="1200" cap="none" spc="0" normalizeH="0" baseline="0" noProof="0" dirty="0" smtClean="0">
+              <a:ln>
+                <a:noFill/>
+              </a:ln>
+              <a:solidFill>
+                <a:schemeClr val="tx2"/>
+              </a:solidFill>
+              <a:effectLst/>
+              <a:uLnTx/>
+              <a:uFillTx/>
+              <a:latin typeface="+mn-lt"/>
+              <a:ea typeface="+mn-ea"/>
+              <a:cs typeface="+mn-cs"/>
+            </a:endParaRPr>
+          </a:p>
+          <a:p>
+            <a:pPr marL="342900" marR="0" lvl="0" indent="-342900" algn="l" defTabSz="914400" rtl="0" eaLnBrk="1" fontAlgn="auto" latinLnBrk="0" hangingPunct="1">
+              <a:lnSpc>
+                <a:spcPct val="100000"/>
+              </a:lnSpc>
+              <a:spcBef>
+                <a:spcPct val="20000"/>
+              </a:spcBef>
+              <a:spcAft>
+                <a:spcPts val="0"/>
+              </a:spcAft>
+              <a:buClr>
+                <a:schemeClr val="accent1"/>
+              </a:buClr>
+              <a:buSzPct val="70000"/>
+              <a:buFont typeface="Wingdings 2"/>
+              <a:buChar char=""/>
+              <a:tabLst/>
+              <a:defRPr/>
+            </a:pPr>
+            <a:r>
+              <a:rPr lang="fr-FR" sz="2400" dirty="0" smtClean="0">
+                <a:solidFill>
+                  <a:schemeClr val="tx2"/>
+                </a:solidFill>
+              </a:rPr>
+              <a:t>Conclusion</a:t>
+            </a:r>
+            <a:endParaRPr kumimoji="0" lang="fr-FR" sz="2400" b="0" i="0" u="none" strike="noStrike" kern="1200" cap="none" spc="0" normalizeH="0" baseline="0" noProof="0" dirty="0">
+              <a:ln>
+                <a:noFill/>
+              </a:ln>
+              <a:solidFill>
+                <a:schemeClr val="tx2"/>
+              </a:solidFill>
+              <a:effectLst/>
+              <a:uLnTx/>
+              <a:uFillTx/>
+              <a:latin typeface="+mn-lt"/>
+              <a:ea typeface="+mn-ea"/>
+              <a:cs typeface="+mn-cs"/>
+            </a:endParaRPr>
+          </a:p>
+        </p:txBody>
+      </p:sp>
+      <p:sp>
+        <p:nvSpPr>
+          <p:cNvPr id="7" name="ZoneTexte 6"/>
+          <p:cNvSpPr txBox="1"/>
+          <p:nvPr/>
+        </p:nvSpPr>
+        <p:spPr>
+          <a:xfrm>
+            <a:off x="0" y="6581001"/>
+            <a:ext cx="2708919" cy="276999"/>
+          </a:xfrm>
+          <a:prstGeom prst="rect">
+            <a:avLst/>
+          </a:prstGeom>
+          <a:noFill/>
+          <a:scene3d>
+            <a:camera prst="orthographicFront">
+              <a:rot lat="0" lon="0" rev="5400000"/>
+            </a:camera>
+            <a:lightRig rig="threePt" dir="t"/>
+          </a:scene3d>
+        </p:spPr>
+        <p:txBody>
+          <a:bodyPr wrap="square" rtlCol="0">
+            <a:spAutoFit/>
+            <a:scene3d>
+              <a:camera prst="orthographicFront">
+                <a:rot lat="0" lon="0" rev="0"/>
+              </a:camera>
+              <a:lightRig rig="threePt" dir="t"/>
+            </a:scene3d>
+            <a:flatTx/>
+          </a:bodyPr>
+          <a:lstStyle/>
+          <a:p>
+            <a:r>
+              <a:rPr lang="fr-FR" sz="1200" dirty="0" smtClean="0"/>
+              <a:t>Soutenance projet LPD2I 2010/2011</a:t>
+            </a:r>
+            <a:endParaRPr lang="fr-FR" sz="1200" dirty="0"/>
+          </a:p>
+        </p:txBody>
+      </p:sp>
+      <p:sp>
+        <p:nvSpPr>
+          <p:cNvPr id="9" name="ZoneTexte 8"/>
+          <p:cNvSpPr txBox="1"/>
+          <p:nvPr/>
+        </p:nvSpPr>
+        <p:spPr>
+          <a:xfrm>
+            <a:off x="5508104" y="6581001"/>
+            <a:ext cx="3635896" cy="276999"/>
+          </a:xfrm>
+          <a:prstGeom prst="rect">
+            <a:avLst/>
+          </a:prstGeom>
+          <a:noFill/>
+          <a:scene3d>
+            <a:camera prst="orthographicFront">
+              <a:rot lat="0" lon="0" rev="5400000"/>
+            </a:camera>
+            <a:lightRig rig="threePt" dir="t"/>
+          </a:scene3d>
+        </p:spPr>
+        <p:txBody>
+          <a:bodyPr wrap="square" rtlCol="0">
+            <a:spAutoFit/>
+            <a:scene3d>
+              <a:camera prst="orthographicFront">
+                <a:rot lat="0" lon="0" rev="0"/>
+              </a:camera>
+              <a:lightRig rig="threePt" dir="t"/>
+            </a:scene3d>
+            <a:flatTx/>
+          </a:bodyPr>
+          <a:lstStyle/>
+          <a:p>
+            <a:r>
+              <a:rPr lang="fr-FR" sz="1200" dirty="0" smtClean="0"/>
+              <a:t>Leonhard Hermle – Julien Cellier – Xavier Mourgues</a:t>
+            </a:r>
+            <a:endParaRPr lang="fr-FR" sz="1200" dirty="0"/>
+          </a:p>
+        </p:txBody>
+      </p:sp>
+      <p:cxnSp>
+        <p:nvCxnSpPr>
+          <p:cNvPr id="12" name="Connecteur droit 11"/>
+          <p:cNvCxnSpPr/>
+          <p:nvPr/>
+        </p:nvCxnSpPr>
+        <p:spPr>
+          <a:xfrm rot="5400000">
+            <a:off x="107504" y="4077072"/>
+            <a:ext cx="4464496" cy="0"/>
+          </a:xfrm>
+          <a:prstGeom prst="line">
+            <a:avLst/>
+          </a:prstGeom>
+        </p:spPr>
+        <p:style>
+          <a:lnRef idx="1">
+            <a:schemeClr val="accent1"/>
+          </a:lnRef>
+          <a:fillRef idx="0">
+            <a:schemeClr val="accent1"/>
+          </a:fillRef>
+          <a:effectRef idx="0">
+            <a:schemeClr val="accent1"/>
+          </a:effectRef>
+          <a:fontRef idx="minor">
+            <a:schemeClr val="tx1"/>
+          </a:fontRef>
+        </p:style>
+      </p:cxnSp>
+      <p:pic>
+        <p:nvPicPr>
+          <p:cNvPr id="10" name="Image 9" descr="Z:\Projet tut\projettuteurexml\screenshots\liste film.JPG"/>
+          <p:cNvPicPr/>
+          <p:nvPr/>
+        </p:nvPicPr>
+        <p:blipFill>
+          <a:blip r:embed="rId2" cstate="print"/>
+          <a:srcRect/>
+          <a:stretch>
+            <a:fillRect/>
+          </a:stretch>
+        </p:blipFill>
+        <p:spPr bwMode="auto">
+          <a:xfrm>
+            <a:off x="2771800" y="2780928"/>
+            <a:ext cx="5753100" cy="1781175"/>
+          </a:xfrm>
+          <a:prstGeom prst="rect">
+            <a:avLst/>
+          </a:prstGeom>
+          <a:noFill/>
+          <a:ln w="9525">
+            <a:noFill/>
+            <a:miter lim="800000"/>
+            <a:headEnd/>
+            <a:tailEnd/>
+          </a:ln>
+        </p:spPr>
+      </p:pic>
+      <p:sp>
+        <p:nvSpPr>
+          <p:cNvPr id="29708" name="Text Box 12"/>
+          <p:cNvSpPr txBox="1">
+            <a:spLocks noChangeArrowheads="1"/>
+          </p:cNvSpPr>
+          <p:nvPr/>
+        </p:nvSpPr>
+        <p:spPr bwMode="auto">
+          <a:xfrm>
+            <a:off x="4716016" y="5373216"/>
+            <a:ext cx="1724025" cy="895350"/>
+          </a:xfrm>
+          <a:prstGeom prst="rect">
+            <a:avLst/>
+          </a:prstGeom>
+          <a:solidFill>
+            <a:srgbClr val="FFFFFF"/>
+          </a:solidFill>
+          <a:ln w="9525">
+            <a:solidFill>
+              <a:srgbClr val="000000"/>
+            </a:solidFill>
+            <a:miter lim="800000"/>
+            <a:headEnd/>
+            <a:tailEnd/>
+          </a:ln>
+        </p:spPr>
+        <p:txBody>
+          <a:bodyPr vert="horz" wrap="square" lIns="91440" tIns="45720" rIns="91440" bIns="45720" numCol="1" anchor="t" anchorCtr="0" compatLnSpc="1">
+            <a:prstTxWarp prst="textNoShape">
+              <a:avLst/>
+            </a:prstTxWarp>
+          </a:bodyPr>
+          <a:lstStyle/>
+          <a:p>
+            <a:pPr marL="0" marR="0" lvl="0" indent="0" algn="ctr" defTabSz="914400" rtl="0" eaLnBrk="1" fontAlgn="base" latinLnBrk="0" hangingPunct="1">
+              <a:lnSpc>
+                <a:spcPct val="100000"/>
+              </a:lnSpc>
+              <a:spcBef>
+                <a:spcPct val="0"/>
+              </a:spcBef>
+              <a:spcAft>
+                <a:spcPct val="0"/>
+              </a:spcAft>
+              <a:buClrTx/>
+              <a:buSzTx/>
+              <a:buFontTx/>
+              <a:buNone/>
+              <a:tabLst/>
+            </a:pPr>
+            <a:r>
+              <a:rPr kumimoji="0" lang="fr-FR" sz="1200" b="0" i="0" u="none" strike="noStrike" cap="none" normalizeH="0" baseline="0" dirty="0" smtClean="0">
+                <a:ln>
+                  <a:noFill/>
+                </a:ln>
+                <a:solidFill>
+                  <a:schemeClr val="tx1"/>
+                </a:solidFill>
+                <a:effectLst/>
+                <a:latin typeface="Calibri" pitchFamily="34" charset="0"/>
+                <a:ea typeface="Calibri" pitchFamily="34" charset="0"/>
+                <a:cs typeface="Times New Roman" pitchFamily="18" charset="0"/>
+              </a:rPr>
+              <a:t>Script AJAX</a:t>
+            </a:r>
+            <a:endParaRPr kumimoji="0" lang="fr-FR" sz="800" b="0" i="0" u="none" strike="noStrike" cap="none" normalizeH="0" baseline="0" dirty="0" smtClean="0">
+              <a:ln>
+                <a:noFill/>
+              </a:ln>
+              <a:solidFill>
+                <a:schemeClr val="tx1"/>
+              </a:solidFill>
+              <a:effectLst/>
+              <a:latin typeface="Arial" pitchFamily="34" charset="0"/>
+            </a:endParaRPr>
+          </a:p>
+          <a:p>
+            <a:pPr marL="0" marR="0" lvl="0" indent="0" algn="ctr" defTabSz="914400" rtl="0" eaLnBrk="0" fontAlgn="base" latinLnBrk="0" hangingPunct="0">
+              <a:lnSpc>
+                <a:spcPct val="100000"/>
+              </a:lnSpc>
+              <a:spcBef>
+                <a:spcPct val="0"/>
+              </a:spcBef>
+              <a:spcAft>
+                <a:spcPct val="0"/>
+              </a:spcAft>
+              <a:buClrTx/>
+              <a:buSzTx/>
+              <a:buFontTx/>
+              <a:buNone/>
+              <a:tabLst/>
+            </a:pPr>
+            <a:r>
+              <a:rPr kumimoji="0" lang="fr-FR" sz="1200" b="0" i="0" u="none" strike="noStrike" cap="none" normalizeH="0" baseline="0" dirty="0" smtClean="0">
+                <a:ln>
+                  <a:noFill/>
+                </a:ln>
+                <a:solidFill>
+                  <a:schemeClr val="tx1"/>
+                </a:solidFill>
+                <a:effectLst/>
+                <a:latin typeface="Calibri" pitchFamily="34" charset="0"/>
+                <a:ea typeface="Calibri" pitchFamily="34" charset="0"/>
+                <a:cs typeface="Times New Roman" pitchFamily="18" charset="0"/>
+              </a:rPr>
+              <a:t>(S’exécute à chaque nouvelle entrée)</a:t>
+            </a:r>
+            <a:endParaRPr kumimoji="0" lang="fr-FR" sz="1800" b="0" i="0" u="none" strike="noStrike" cap="none" normalizeH="0" baseline="0" dirty="0" smtClean="0">
+              <a:ln>
+                <a:noFill/>
+              </a:ln>
+              <a:solidFill>
+                <a:schemeClr val="tx1"/>
+              </a:solidFill>
+              <a:effectLst/>
+              <a:latin typeface="Arial" pitchFamily="34" charset="0"/>
+            </a:endParaRPr>
+          </a:p>
+        </p:txBody>
+      </p:sp>
+      <p:sp>
+        <p:nvSpPr>
+          <p:cNvPr id="29707" name="Text Box 11"/>
+          <p:cNvSpPr txBox="1">
+            <a:spLocks noChangeArrowheads="1"/>
+          </p:cNvSpPr>
+          <p:nvPr/>
+        </p:nvSpPr>
+        <p:spPr bwMode="auto">
+          <a:xfrm>
+            <a:off x="6804248" y="5445224"/>
+            <a:ext cx="1724025" cy="771525"/>
+          </a:xfrm>
+          <a:prstGeom prst="rect">
+            <a:avLst/>
+          </a:prstGeom>
+          <a:solidFill>
+            <a:srgbClr val="FFFFFF"/>
+          </a:solidFill>
+          <a:ln w="9525">
+            <a:solidFill>
+              <a:srgbClr val="000000"/>
+            </a:solidFill>
+            <a:miter lim="800000"/>
+            <a:headEnd/>
+            <a:tailEnd/>
+          </a:ln>
+        </p:spPr>
+        <p:txBody>
+          <a:bodyPr vert="horz" wrap="square" lIns="91440" tIns="45720" rIns="91440" bIns="45720" numCol="1" anchor="t" anchorCtr="0" compatLnSpc="1">
+            <a:prstTxWarp prst="textNoShape">
+              <a:avLst/>
+            </a:prstTxWarp>
+          </a:bodyPr>
+          <a:lstStyle/>
+          <a:p>
+            <a:pPr marL="0" marR="0" lvl="0" indent="0" algn="ctr" defTabSz="914400" rtl="0" eaLnBrk="1" fontAlgn="base" latinLnBrk="0" hangingPunct="1">
+              <a:lnSpc>
+                <a:spcPct val="100000"/>
+              </a:lnSpc>
+              <a:spcBef>
+                <a:spcPct val="0"/>
+              </a:spcBef>
+              <a:spcAft>
+                <a:spcPct val="0"/>
+              </a:spcAft>
+              <a:buClrTx/>
+              <a:buSzTx/>
+              <a:buFontTx/>
+              <a:buNone/>
+              <a:tabLst/>
+            </a:pPr>
+            <a:r>
+              <a:rPr kumimoji="0" lang="fr-FR" sz="1200" b="0" i="0" u="none" strike="noStrike" cap="none" normalizeH="0" baseline="0" dirty="0" smtClean="0">
+                <a:ln>
+                  <a:noFill/>
+                </a:ln>
+                <a:solidFill>
+                  <a:schemeClr val="tx1"/>
+                </a:solidFill>
+                <a:effectLst/>
+                <a:latin typeface="Calibri" pitchFamily="34" charset="0"/>
+                <a:ea typeface="Calibri" pitchFamily="34" charset="0"/>
+                <a:cs typeface="Times New Roman" pitchFamily="18" charset="0"/>
+              </a:rPr>
+              <a:t>Page PHP</a:t>
+            </a:r>
+            <a:endParaRPr kumimoji="0" lang="fr-FR" sz="800" b="0" i="0" u="none" strike="noStrike" cap="none" normalizeH="0" baseline="0" dirty="0" smtClean="0">
+              <a:ln>
+                <a:noFill/>
+              </a:ln>
+              <a:solidFill>
+                <a:schemeClr val="tx1"/>
+              </a:solidFill>
+              <a:effectLst/>
+              <a:latin typeface="Arial" pitchFamily="34" charset="0"/>
+            </a:endParaRPr>
+          </a:p>
+          <a:p>
+            <a:pPr marL="0" marR="0" lvl="0" indent="0" algn="just" defTabSz="914400" rtl="0" eaLnBrk="0" fontAlgn="base" latinLnBrk="0" hangingPunct="0">
+              <a:lnSpc>
+                <a:spcPct val="100000"/>
+              </a:lnSpc>
+              <a:spcBef>
+                <a:spcPct val="0"/>
+              </a:spcBef>
+              <a:spcAft>
+                <a:spcPct val="0"/>
+              </a:spcAft>
+              <a:buClrTx/>
+              <a:buSzTx/>
+              <a:buFontTx/>
+              <a:buNone/>
+              <a:tabLst/>
+            </a:pPr>
+            <a:r>
+              <a:rPr kumimoji="0" lang="fr-FR" sz="1200" b="0" i="0" u="none" strike="noStrike" cap="none" normalizeH="0" baseline="0" dirty="0" smtClean="0">
+                <a:ln>
+                  <a:noFill/>
+                </a:ln>
+                <a:solidFill>
+                  <a:schemeClr val="tx1"/>
+                </a:solidFill>
+                <a:effectLst/>
+                <a:latin typeface="Calibri" pitchFamily="34" charset="0"/>
+                <a:ea typeface="Calibri" pitchFamily="34" charset="0"/>
+                <a:cs typeface="Times New Roman" pitchFamily="18" charset="0"/>
+              </a:rPr>
+              <a:t>-inclus modèle</a:t>
+            </a:r>
+            <a:endParaRPr kumimoji="0" lang="fr-FR" sz="800" b="0" i="0" u="none" strike="noStrike" cap="none" normalizeH="0" baseline="0" dirty="0" smtClean="0">
+              <a:ln>
+                <a:noFill/>
+              </a:ln>
+              <a:solidFill>
+                <a:schemeClr val="tx1"/>
+              </a:solidFill>
+              <a:effectLst/>
+              <a:latin typeface="Arial" pitchFamily="34" charset="0"/>
+            </a:endParaRPr>
+          </a:p>
+          <a:p>
+            <a:pPr marL="0" marR="0" lvl="0" indent="0" algn="just" defTabSz="914400" rtl="0" eaLnBrk="0" fontAlgn="base" latinLnBrk="0" hangingPunct="0">
+              <a:lnSpc>
+                <a:spcPct val="100000"/>
+              </a:lnSpc>
+              <a:spcBef>
+                <a:spcPct val="0"/>
+              </a:spcBef>
+              <a:spcAft>
+                <a:spcPct val="0"/>
+              </a:spcAft>
+              <a:buClrTx/>
+              <a:buSzTx/>
+              <a:buFontTx/>
+              <a:buNone/>
+              <a:tabLst/>
+            </a:pPr>
+            <a:r>
+              <a:rPr kumimoji="0" lang="fr-FR" sz="1200" b="0" i="0" u="none" strike="noStrike" cap="none" normalizeH="0" baseline="0" dirty="0" smtClean="0">
+                <a:ln>
+                  <a:noFill/>
+                </a:ln>
+                <a:solidFill>
+                  <a:schemeClr val="tx1"/>
+                </a:solidFill>
+                <a:effectLst/>
+                <a:latin typeface="Calibri" pitchFamily="34" charset="0"/>
+                <a:ea typeface="Calibri" pitchFamily="34" charset="0"/>
+                <a:cs typeface="Times New Roman" pitchFamily="18" charset="0"/>
+              </a:rPr>
+              <a:t>-inclus vue</a:t>
+            </a:r>
+            <a:endParaRPr kumimoji="0" lang="fr-FR" sz="800" b="0" i="0" u="none" strike="noStrike" cap="none" normalizeH="0" baseline="0" dirty="0" smtClean="0">
+              <a:ln>
+                <a:noFill/>
+              </a:ln>
+              <a:solidFill>
+                <a:schemeClr val="tx1"/>
+              </a:solidFill>
+              <a:effectLst/>
+              <a:latin typeface="Arial" pitchFamily="34" charset="0"/>
+            </a:endParaRPr>
+          </a:p>
+          <a:p>
+            <a:pPr marL="0" marR="0" lvl="0" indent="0" algn="l" defTabSz="914400" rtl="0" eaLnBrk="0" fontAlgn="base" latinLnBrk="0" hangingPunct="0">
+              <a:lnSpc>
+                <a:spcPct val="100000"/>
+              </a:lnSpc>
+              <a:spcBef>
+                <a:spcPct val="0"/>
+              </a:spcBef>
+              <a:spcAft>
+                <a:spcPct val="0"/>
+              </a:spcAft>
+              <a:buClrTx/>
+              <a:buSzTx/>
+              <a:buFontTx/>
+              <a:buNone/>
+              <a:tabLst/>
+            </a:pPr>
+            <a:endParaRPr kumimoji="0" lang="fr-FR" sz="1800" b="0" i="0" u="none" strike="noStrike" cap="none" normalizeH="0" baseline="0" dirty="0" smtClean="0">
+              <a:ln>
+                <a:noFill/>
+              </a:ln>
+              <a:solidFill>
+                <a:schemeClr val="tx1"/>
+              </a:solidFill>
+              <a:effectLst/>
+              <a:latin typeface="Arial" pitchFamily="34" charset="0"/>
+            </a:endParaRPr>
+          </a:p>
+        </p:txBody>
+      </p:sp>
+      <p:sp>
+        <p:nvSpPr>
+          <p:cNvPr id="29706" name="AutoShape 10"/>
+          <p:cNvSpPr>
+            <a:spLocks noChangeArrowheads="1"/>
+          </p:cNvSpPr>
+          <p:nvPr/>
+        </p:nvSpPr>
+        <p:spPr bwMode="auto">
+          <a:xfrm rot="16200000">
+            <a:off x="6458496" y="5646960"/>
+            <a:ext cx="333375" cy="361950"/>
+          </a:xfrm>
+          <a:prstGeom prst="downArrow">
+            <a:avLst>
+              <a:gd name="adj1" fmla="val 50000"/>
+              <a:gd name="adj2" fmla="val 27143"/>
+            </a:avLst>
+          </a:prstGeom>
+          <a:solidFill>
+            <a:srgbClr val="FFFFFF"/>
+          </a:solidFill>
+          <a:ln w="9525">
+            <a:solidFill>
+              <a:srgbClr val="000000"/>
+            </a:solidFill>
+            <a:miter lim="800000"/>
+            <a:headEnd/>
+            <a:tailEnd/>
+          </a:ln>
+        </p:spPr>
+        <p:txBody>
+          <a:bodyPr vert="horz" wrap="square" lIns="91440" tIns="45720" rIns="91440" bIns="45720" numCol="1" anchor="t" anchorCtr="0" compatLnSpc="1">
+            <a:prstTxWarp prst="textNoShape">
+              <a:avLst/>
+            </a:prstTxWarp>
+          </a:bodyPr>
+          <a:lstStyle/>
+          <a:p>
+            <a:endParaRPr lang="fr-FR"/>
+          </a:p>
+        </p:txBody>
+      </p:sp>
+      <p:sp>
+        <p:nvSpPr>
+          <p:cNvPr id="29705" name="AutoShape 9"/>
+          <p:cNvSpPr>
+            <a:spLocks noChangeArrowheads="1"/>
+          </p:cNvSpPr>
+          <p:nvPr/>
+        </p:nvSpPr>
+        <p:spPr bwMode="auto">
+          <a:xfrm rot="16200000">
+            <a:off x="4376613" y="5640611"/>
+            <a:ext cx="333375" cy="374650"/>
+          </a:xfrm>
+          <a:prstGeom prst="downArrow">
+            <a:avLst>
+              <a:gd name="adj1" fmla="val 50000"/>
+              <a:gd name="adj2" fmla="val 28095"/>
+            </a:avLst>
+          </a:prstGeom>
+          <a:solidFill>
+            <a:srgbClr val="FFFFFF"/>
+          </a:solidFill>
+          <a:ln w="9525">
+            <a:solidFill>
+              <a:srgbClr val="000000"/>
+            </a:solidFill>
+            <a:miter lim="800000"/>
+            <a:headEnd/>
+            <a:tailEnd/>
+          </a:ln>
+        </p:spPr>
+        <p:txBody>
+          <a:bodyPr vert="horz" wrap="square" lIns="91440" tIns="45720" rIns="91440" bIns="45720" numCol="1" anchor="t" anchorCtr="0" compatLnSpc="1">
+            <a:prstTxWarp prst="textNoShape">
+              <a:avLst/>
+            </a:prstTxWarp>
+          </a:bodyPr>
+          <a:lstStyle/>
+          <a:p>
+            <a:endParaRPr lang="fr-FR"/>
+          </a:p>
+        </p:txBody>
+      </p:sp>
+      <p:sp>
+        <p:nvSpPr>
+          <p:cNvPr id="29709" name="Rectangle 13"/>
+          <p:cNvSpPr>
+            <a:spLocks noChangeArrowheads="1"/>
+          </p:cNvSpPr>
+          <p:nvPr/>
+        </p:nvSpPr>
+        <p:spPr bwMode="auto">
+          <a:xfrm>
+            <a:off x="0" y="0"/>
+            <a:ext cx="9144000" cy="457200"/>
+          </a:xfrm>
+          <a:prstGeom prst="rect">
+            <a:avLst/>
+          </a:prstGeom>
+          <a:noFill/>
+          <a:ln w="9525">
+            <a:noFill/>
+            <a:miter lim="800000"/>
+            <a:headEnd/>
+            <a:tailEnd/>
+          </a:ln>
+          <a:effectLst/>
+        </p:spPr>
+        <p:txBody>
+          <a:bodyPr vert="horz" wrap="none" lIns="91440" tIns="45720" rIns="91440" bIns="45720" numCol="1" anchor="ctr" anchorCtr="0" compatLnSpc="1">
+            <a:prstTxWarp prst="textNoShape">
+              <a:avLst/>
+            </a:prstTxWarp>
+            <a:spAutoFit/>
+          </a:bodyPr>
+          <a:lstStyle/>
+          <a:p>
+            <a:pPr marL="0" marR="0" lvl="0" indent="0" algn="l" defTabSz="914400" rtl="0" eaLnBrk="1" fontAlgn="base" latinLnBrk="0" hangingPunct="1">
+              <a:lnSpc>
+                <a:spcPct val="100000"/>
+              </a:lnSpc>
+              <a:spcBef>
+                <a:spcPct val="0"/>
+              </a:spcBef>
+              <a:spcAft>
+                <a:spcPct val="0"/>
+              </a:spcAft>
+              <a:buClrTx/>
+              <a:buSzTx/>
+              <a:buFontTx/>
+              <a:buNone/>
+              <a:tabLst/>
+            </a:pPr>
+            <a:endParaRPr kumimoji="0" lang="fr-FR" sz="1800" b="0" i="0" u="none" strike="noStrike" cap="none" normalizeH="0" baseline="0" smtClean="0">
+              <a:ln>
+                <a:noFill/>
+              </a:ln>
+              <a:solidFill>
+                <a:schemeClr val="tx1"/>
+              </a:solidFill>
+              <a:effectLst/>
+              <a:latin typeface="Arial" pitchFamily="34" charset="0"/>
+            </a:endParaRPr>
+          </a:p>
+        </p:txBody>
+      </p:sp>
+      <p:sp>
+        <p:nvSpPr>
+          <p:cNvPr id="29712" name="Rectangle 16"/>
+          <p:cNvSpPr>
+            <a:spLocks noChangeArrowheads="1"/>
+          </p:cNvSpPr>
+          <p:nvPr/>
+        </p:nvSpPr>
+        <p:spPr bwMode="auto">
+          <a:xfrm>
+            <a:off x="0" y="457200"/>
+            <a:ext cx="9144000" cy="0"/>
+          </a:xfrm>
+          <a:prstGeom prst="rect">
+            <a:avLst/>
+          </a:prstGeom>
+          <a:noFill/>
+          <a:ln w="9525">
+            <a:noFill/>
+            <a:miter lim="800000"/>
+            <a:headEnd/>
+            <a:tailEnd/>
+          </a:ln>
+          <a:effectLst/>
+        </p:spPr>
+        <p:txBody>
+          <a:bodyPr vert="horz" wrap="none" lIns="91440" tIns="45720" rIns="91440" bIns="45720" numCol="1" anchor="ctr" anchorCtr="0" compatLnSpc="1">
+            <a:prstTxWarp prst="textNoShape">
+              <a:avLst/>
+            </a:prstTxWarp>
+            <a:spAutoFit/>
+          </a:bodyPr>
+          <a:lstStyle/>
+          <a:p>
+            <a:pPr marL="0" marR="0" lvl="0" indent="0" algn="l" defTabSz="914400" rtl="0" eaLnBrk="1" fontAlgn="base" latinLnBrk="0" hangingPunct="1">
+              <a:lnSpc>
+                <a:spcPct val="100000"/>
+              </a:lnSpc>
+              <a:spcBef>
+                <a:spcPct val="0"/>
+              </a:spcBef>
+              <a:spcAft>
+                <a:spcPct val="0"/>
+              </a:spcAft>
+              <a:buClrTx/>
+              <a:buSzTx/>
+              <a:buFontTx/>
+              <a:buNone/>
+              <a:tabLst/>
+            </a:pPr>
+            <a:endParaRPr kumimoji="0" lang="fr-FR" sz="1800" b="0" i="0" u="none" strike="noStrike" cap="none" normalizeH="0" baseline="0" smtClean="0">
+              <a:ln>
+                <a:noFill/>
+              </a:ln>
+              <a:solidFill>
+                <a:schemeClr val="tx1"/>
+              </a:solidFill>
+              <a:effectLst/>
+              <a:latin typeface="Arial" pitchFamily="34" charset="0"/>
+            </a:endParaRPr>
+          </a:p>
+        </p:txBody>
+      </p:sp>
+      <p:sp>
+        <p:nvSpPr>
+          <p:cNvPr id="29713" name="Text Box 17"/>
+          <p:cNvSpPr txBox="1">
+            <a:spLocks noChangeArrowheads="1"/>
+          </p:cNvSpPr>
+          <p:nvPr/>
+        </p:nvSpPr>
+        <p:spPr bwMode="auto">
+          <a:xfrm>
+            <a:off x="2699792" y="5517232"/>
+            <a:ext cx="1724025" cy="657225"/>
+          </a:xfrm>
+          <a:prstGeom prst="rect">
+            <a:avLst/>
+          </a:prstGeom>
+          <a:solidFill>
+            <a:srgbClr val="FFFFFF"/>
+          </a:solidFill>
+          <a:ln w="9525">
+            <a:solidFill>
+              <a:srgbClr val="000000"/>
+            </a:solidFill>
+            <a:miter lim="800000"/>
+            <a:headEnd/>
+            <a:tailEnd/>
+          </a:ln>
+        </p:spPr>
+        <p:txBody>
+          <a:bodyPr vert="horz" wrap="square" lIns="91440" tIns="45720" rIns="91440" bIns="45720" numCol="1" anchor="t" anchorCtr="0" compatLnSpc="1">
+            <a:prstTxWarp prst="textNoShape">
+              <a:avLst/>
+            </a:prstTxWarp>
+          </a:bodyPr>
+          <a:lstStyle/>
+          <a:p>
+            <a:pPr marL="0" marR="0" lvl="0" indent="0" algn="ctr" defTabSz="914400" rtl="0" eaLnBrk="1" fontAlgn="base" latinLnBrk="0" hangingPunct="1">
+              <a:lnSpc>
+                <a:spcPct val="100000"/>
+              </a:lnSpc>
+              <a:spcBef>
+                <a:spcPct val="0"/>
+              </a:spcBef>
+              <a:spcAft>
+                <a:spcPts val="1000"/>
+              </a:spcAft>
+              <a:buClrTx/>
+              <a:buSzTx/>
+              <a:buFontTx/>
+              <a:buNone/>
+              <a:tabLst/>
+            </a:pPr>
+            <a:r>
+              <a:rPr kumimoji="0" lang="fr-FR" sz="1100" b="0" i="0" u="none" strike="noStrike" cap="none" normalizeH="0" baseline="0" dirty="0" smtClean="0">
+                <a:ln>
+                  <a:noFill/>
+                </a:ln>
+                <a:solidFill>
+                  <a:schemeClr val="tx1"/>
+                </a:solidFill>
+                <a:effectLst/>
+                <a:latin typeface="Calibri" pitchFamily="34" charset="0"/>
+              </a:rPr>
+              <a:t>Champ de recherche simple</a:t>
+            </a:r>
+            <a:endParaRPr kumimoji="0" lang="fr-FR" sz="1800" b="0" i="0" u="none" strike="noStrike" cap="none" normalizeH="0" baseline="0" dirty="0" smtClean="0">
+              <a:ln>
+                <a:noFill/>
+              </a:ln>
+              <a:solidFill>
+                <a:schemeClr val="tx1"/>
+              </a:solidFill>
+              <a:effectLst/>
+              <a:latin typeface="Arial" pitchFamily="34" charset="0"/>
+            </a:endParaRPr>
+          </a:p>
+        </p:txBody>
+      </p:sp>
+    </p:spTree>
+  </p:cSld>
+  <p:clrMapOvr>
+    <a:masterClrMapping/>
+  </p:clrMapOvr>
+  <p:timing>
+    <p:tnLst>
+      <p:par>
+        <p:cTn id="1" dur="indefinite" restart="never" nodeType="tmRoot"/>
+      </p:par>
+    </p:tnLst>
+  </p:timing>
+</p:sld>
+</file>
+
+<file path=ppt/slides/slide16.xml><?xml version="1.0" encoding="utf-8"?>
+<p:sld xmlns:a="http://schemas.openxmlformats.org/drawingml/2006/main" xmlns:r="http://schemas.openxmlformats.org/officeDocument/2006/relationships" xmlns:p="http://schemas.openxmlformats.org/presentationml/2006/main">
+  <p:cSld>
+    <p:spTree>
+      <p:nvGrpSpPr>
+        <p:cNvPr id="1" name=""/>
+        <p:cNvGrpSpPr/>
+        <p:nvPr/>
+      </p:nvGrpSpPr>
+      <p:grpSpPr>
+        <a:xfrm>
+          <a:off x="0" y="0"/>
+          <a:ext cx="0" cy="0"/>
+          <a:chOff x="0" y="0"/>
+          <a:chExt cx="0" cy="0"/>
+        </a:xfrm>
+      </p:grpSpPr>
+      <p:sp>
+        <p:nvSpPr>
+          <p:cNvPr id="2" name="Titre 1"/>
+          <p:cNvSpPr>
+            <a:spLocks noGrp="1"/>
+          </p:cNvSpPr>
+          <p:nvPr>
+            <p:ph type="title"/>
+          </p:nvPr>
+        </p:nvSpPr>
+        <p:spPr/>
+        <p:txBody>
+          <a:bodyPr>
+            <a:normAutofit/>
+          </a:bodyPr>
+          <a:lstStyle/>
+          <a:p>
+            <a:r>
+              <a:rPr lang="fr-FR" dirty="0" smtClean="0"/>
+              <a:t>Restitution</a:t>
+            </a:r>
+            <a:r>
+              <a:rPr lang="fr-FR" sz="1800" dirty="0" smtClean="0"/>
+              <a:t>(suite)</a:t>
+            </a:r>
+            <a:endParaRPr lang="fr-FR" dirty="0"/>
+          </a:p>
+        </p:txBody>
+      </p:sp>
+      <p:sp>
+        <p:nvSpPr>
+          <p:cNvPr id="3" name="Espace réservé du contenu 2"/>
+          <p:cNvSpPr>
+            <a:spLocks noGrp="1"/>
+          </p:cNvSpPr>
+          <p:nvPr>
+            <p:ph idx="1"/>
+          </p:nvPr>
+        </p:nvSpPr>
+        <p:spPr>
+          <a:xfrm>
+            <a:off x="2699792" y="1700808"/>
+            <a:ext cx="5976664" cy="4608512"/>
+          </a:xfrm>
+        </p:spPr>
+        <p:txBody>
+          <a:bodyPr>
+            <a:normAutofit/>
+          </a:bodyPr>
+          <a:lstStyle/>
+          <a:p>
+            <a:pPr algn="ctr">
+              <a:buNone/>
+            </a:pPr>
+            <a:r>
+              <a:rPr lang="fr-FR" sz="2800" b="1" dirty="0" smtClean="0">
+                <a:solidFill>
+                  <a:schemeClr val="accent5">
+                    <a:lumMod val="75000"/>
+                  </a:schemeClr>
+                </a:solidFill>
+              </a:rPr>
+              <a:t>Aspect Technique</a:t>
+            </a:r>
+          </a:p>
+          <a:p>
+            <a:pPr algn="ctr">
+              <a:buNone/>
+            </a:pPr>
+            <a:endParaRPr lang="fr-FR" sz="2800" b="1" dirty="0" smtClean="0">
+              <a:solidFill>
+                <a:schemeClr val="accent5">
+                  <a:lumMod val="75000"/>
+                </a:schemeClr>
+              </a:solidFill>
+            </a:endParaRPr>
+          </a:p>
+          <a:p>
+            <a:pPr>
+              <a:buNone/>
+            </a:pPr>
+            <a:r>
+              <a:rPr lang="fr-FR" sz="1500" dirty="0" smtClean="0"/>
+              <a:t>	</a:t>
+            </a:r>
+            <a:r>
+              <a:rPr lang="fr-FR" sz="1500" i="1" dirty="0" smtClean="0"/>
+              <a:t>$</a:t>
+            </a:r>
+            <a:r>
+              <a:rPr lang="fr-FR" sz="1500" i="1" dirty="0" err="1" smtClean="0"/>
+              <a:t>elements_totaux</a:t>
+            </a:r>
+            <a:r>
+              <a:rPr lang="fr-FR" sz="1500" i="1" dirty="0" smtClean="0"/>
+              <a:t> = 9 ;</a:t>
+            </a:r>
+          </a:p>
+          <a:p>
+            <a:pPr>
+              <a:buNone/>
+            </a:pPr>
+            <a:r>
+              <a:rPr lang="fr-FR" sz="1500" i="1" dirty="0" smtClean="0"/>
+              <a:t>	$</a:t>
+            </a:r>
+            <a:r>
+              <a:rPr lang="fr-FR" sz="1500" i="1" dirty="0" err="1" smtClean="0"/>
+              <a:t>nombre_par_page</a:t>
+            </a:r>
+            <a:r>
+              <a:rPr lang="fr-FR" sz="1500" i="1" dirty="0" smtClean="0"/>
+              <a:t> = 2 ;</a:t>
+            </a:r>
+          </a:p>
+          <a:p>
+            <a:pPr>
+              <a:buNone/>
+            </a:pPr>
+            <a:r>
+              <a:rPr lang="fr-FR" sz="1500" i="1" dirty="0" smtClean="0"/>
+              <a:t> </a:t>
+            </a:r>
+          </a:p>
+          <a:p>
+            <a:pPr>
+              <a:buNone/>
+            </a:pPr>
+            <a:r>
+              <a:rPr lang="fr-FR" sz="1500" i="1" dirty="0" smtClean="0"/>
+              <a:t>	//</a:t>
+            </a:r>
+            <a:r>
+              <a:rPr lang="fr-FR" sz="1500" i="1" dirty="0" err="1" smtClean="0"/>
+              <a:t>ceil</a:t>
+            </a:r>
+            <a:r>
+              <a:rPr lang="fr-FR" sz="1500" i="1" dirty="0" smtClean="0"/>
+              <a:t>() permet d’arrondir à l’unité supérieur ;</a:t>
+            </a:r>
+          </a:p>
+          <a:p>
+            <a:pPr>
+              <a:buNone/>
+            </a:pPr>
+            <a:r>
+              <a:rPr lang="fr-FR" sz="1500" i="1" dirty="0" smtClean="0"/>
+              <a:t>	//ne pas utiliser round() ;</a:t>
+            </a:r>
+          </a:p>
+          <a:p>
+            <a:pPr>
+              <a:buNone/>
+            </a:pPr>
+            <a:r>
+              <a:rPr lang="fr-FR" sz="1500" i="1" dirty="0" smtClean="0"/>
+              <a:t>$</a:t>
+            </a:r>
+            <a:r>
+              <a:rPr lang="fr-FR" sz="1500" i="1" dirty="0" err="1" smtClean="0"/>
+              <a:t>nb_pages</a:t>
+            </a:r>
+            <a:r>
+              <a:rPr lang="fr-FR" sz="1500" i="1" dirty="0" smtClean="0"/>
+              <a:t> = </a:t>
+            </a:r>
+            <a:r>
+              <a:rPr lang="fr-FR" sz="1500" i="1" dirty="0" err="1" smtClean="0"/>
+              <a:t>ceil</a:t>
+            </a:r>
+            <a:r>
+              <a:rPr lang="fr-FR" sz="1500" i="1" dirty="0" smtClean="0"/>
+              <a:t>($</a:t>
+            </a:r>
+            <a:r>
+              <a:rPr lang="fr-FR" sz="1500" i="1" dirty="0" err="1" smtClean="0"/>
+              <a:t>elements_totaux</a:t>
+            </a:r>
+            <a:r>
+              <a:rPr lang="fr-FR" sz="1500" i="1" dirty="0" smtClean="0"/>
+              <a:t>/$</a:t>
+            </a:r>
+            <a:r>
+              <a:rPr lang="fr-FR" sz="1500" i="1" dirty="0" err="1" smtClean="0"/>
+              <a:t>nombre_par_page</a:t>
+            </a:r>
+            <a:r>
+              <a:rPr lang="fr-FR" sz="1500" i="1" dirty="0" smtClean="0"/>
+              <a:t>) ;</a:t>
+            </a:r>
+          </a:p>
+          <a:p>
+            <a:pPr>
+              <a:buNone/>
+            </a:pPr>
+            <a:r>
+              <a:rPr lang="fr-FR" sz="1500" i="1" dirty="0" smtClean="0"/>
+              <a:t> </a:t>
+            </a:r>
+          </a:p>
+          <a:p>
+            <a:pPr>
+              <a:buNone/>
+            </a:pPr>
+            <a:r>
+              <a:rPr lang="fr-FR" sz="1500" i="1" dirty="0" smtClean="0"/>
+              <a:t>//affichage des pages</a:t>
+            </a:r>
+          </a:p>
+          <a:p>
+            <a:pPr>
+              <a:buNone/>
+            </a:pPr>
+            <a:r>
+              <a:rPr lang="fr-FR" sz="1500" i="1" dirty="0" smtClean="0"/>
+              <a:t>if ($</a:t>
+            </a:r>
+            <a:r>
+              <a:rPr lang="fr-FR" sz="1500" i="1" dirty="0" err="1" smtClean="0"/>
+              <a:t>nbpages</a:t>
+            </a:r>
+            <a:r>
+              <a:rPr lang="fr-FR" sz="1500" i="1" dirty="0" smtClean="0"/>
+              <a:t> &gt; 1 ){</a:t>
+            </a:r>
+          </a:p>
+          <a:p>
+            <a:pPr>
+              <a:buNone/>
+            </a:pPr>
+            <a:r>
+              <a:rPr lang="fr-FR" sz="1500" i="1" dirty="0" smtClean="0"/>
+              <a:t>		for ($i=1; $i&lt;=$</a:t>
+            </a:r>
+            <a:r>
+              <a:rPr lang="fr-FR" sz="1500" i="1" dirty="0" err="1" smtClean="0"/>
+              <a:t>nb_pages</a:t>
+            </a:r>
+            <a:r>
+              <a:rPr lang="fr-FR" sz="1500" i="1" dirty="0" smtClean="0"/>
+              <a:t>; $i++){</a:t>
+            </a:r>
+          </a:p>
+          <a:p>
+            <a:pPr>
+              <a:buNone/>
+            </a:pPr>
+            <a:r>
+              <a:rPr lang="fr-FR" sz="1500" i="1" dirty="0" smtClean="0"/>
+              <a:t>			</a:t>
+            </a:r>
+            <a:r>
+              <a:rPr lang="fr-FR" sz="1500" i="1" dirty="0" err="1" smtClean="0"/>
+              <a:t>echo</a:t>
+            </a:r>
+            <a:r>
+              <a:rPr lang="fr-FR" sz="1500" i="1" dirty="0" smtClean="0"/>
+              <a:t> $i ;</a:t>
+            </a:r>
+          </a:p>
+          <a:p>
+            <a:pPr>
+              <a:buNone/>
+            </a:pPr>
+            <a:r>
+              <a:rPr lang="fr-FR" sz="1500" i="1" dirty="0" smtClean="0"/>
+              <a:t>	}</a:t>
+            </a:r>
+          </a:p>
+          <a:p>
+            <a:pPr>
+              <a:buNone/>
+            </a:pPr>
+            <a:r>
+              <a:rPr lang="fr-FR" sz="1500" i="1" dirty="0" smtClean="0"/>
+              <a:t>}</a:t>
+            </a:r>
+          </a:p>
+          <a:p>
+            <a:pPr>
+              <a:buNone/>
+            </a:pPr>
+            <a:endParaRPr lang="fr-FR" sz="2800" b="1" dirty="0" smtClean="0">
+              <a:solidFill>
+                <a:schemeClr val="accent5">
+                  <a:lumMod val="75000"/>
+                </a:schemeClr>
+              </a:solidFill>
+            </a:endParaRPr>
+          </a:p>
+          <a:p>
+            <a:pPr algn="ctr">
+              <a:buNone/>
+            </a:pPr>
+            <a:endParaRPr lang="fr-FR" sz="2400" dirty="0"/>
+          </a:p>
+        </p:txBody>
+      </p:sp>
+      <p:sp>
+        <p:nvSpPr>
+          <p:cNvPr id="6" name="Espace réservé du contenu 2"/>
+          <p:cNvSpPr txBox="1">
+            <a:spLocks/>
+          </p:cNvSpPr>
+          <p:nvPr/>
+        </p:nvSpPr>
+        <p:spPr>
+          <a:xfrm>
+            <a:off x="179512" y="1700808"/>
+            <a:ext cx="2088232" cy="4536504"/>
+          </a:xfrm>
+          <a:prstGeom prst="rect">
+            <a:avLst/>
+          </a:prstGeom>
+        </p:spPr>
+        <p:txBody>
+          <a:bodyPr vert="horz">
+            <a:normAutofit/>
+          </a:bodyPr>
+          <a:lstStyle/>
+          <a:p>
+            <a:pPr marL="342900" marR="0" lvl="0" indent="-342900" algn="l" defTabSz="914400" rtl="0" eaLnBrk="1" fontAlgn="auto" latinLnBrk="0" hangingPunct="1">
+              <a:lnSpc>
+                <a:spcPct val="100000"/>
+              </a:lnSpc>
+              <a:spcBef>
+                <a:spcPct val="20000"/>
+              </a:spcBef>
+              <a:spcAft>
+                <a:spcPts val="0"/>
+              </a:spcAft>
+              <a:buClr>
+                <a:schemeClr val="accent1"/>
+              </a:buClr>
+              <a:buSzPct val="70000"/>
+              <a:buFont typeface="Wingdings 2"/>
+              <a:buChar char=""/>
+              <a:tabLst/>
+              <a:defRPr/>
+            </a:pPr>
+            <a:r>
+              <a:rPr kumimoji="0" lang="fr-FR" sz="2400" i="0" u="none" strike="noStrike" kern="1200" cap="none" spc="0" normalizeH="0" baseline="0" noProof="0" dirty="0" smtClean="0">
+                <a:ln>
+                  <a:noFill/>
+                </a:ln>
+                <a:solidFill>
+                  <a:schemeClr val="tx2"/>
+                </a:solidFill>
+                <a:effectLst/>
+                <a:uLnTx/>
+                <a:uFillTx/>
+                <a:latin typeface="+mn-lt"/>
+                <a:ea typeface="+mn-ea"/>
+                <a:cs typeface="+mn-cs"/>
+              </a:rPr>
+              <a:t>Introduction</a:t>
+            </a:r>
+          </a:p>
+          <a:p>
+            <a:pPr marL="342900" marR="0" lvl="0" indent="-342900" algn="l" defTabSz="914400" rtl="0" eaLnBrk="1" fontAlgn="auto" latinLnBrk="0" hangingPunct="1">
+              <a:lnSpc>
+                <a:spcPct val="100000"/>
+              </a:lnSpc>
+              <a:spcBef>
+                <a:spcPct val="20000"/>
+              </a:spcBef>
+              <a:spcAft>
+                <a:spcPts val="0"/>
+              </a:spcAft>
+              <a:buClr>
+                <a:schemeClr val="accent1"/>
+              </a:buClr>
+              <a:buSzPct val="70000"/>
+              <a:buFont typeface="Wingdings 2"/>
+              <a:buChar char=""/>
+              <a:tabLst/>
+              <a:defRPr/>
+            </a:pPr>
+            <a:r>
+              <a:rPr lang="fr-FR" sz="2400" dirty="0" smtClean="0">
+                <a:solidFill>
+                  <a:schemeClr val="tx2"/>
+                </a:solidFill>
+              </a:rPr>
+              <a:t>Extraction</a:t>
+            </a:r>
+          </a:p>
+          <a:p>
+            <a:pPr marL="342900" marR="0" lvl="0" indent="-342900" algn="l" defTabSz="914400" rtl="0" eaLnBrk="1" fontAlgn="auto" latinLnBrk="0" hangingPunct="1">
+              <a:lnSpc>
+                <a:spcPct val="100000"/>
+              </a:lnSpc>
+              <a:spcBef>
+                <a:spcPct val="20000"/>
+              </a:spcBef>
+              <a:spcAft>
+                <a:spcPts val="0"/>
+              </a:spcAft>
+              <a:buClr>
+                <a:schemeClr val="accent1"/>
+              </a:buClr>
+              <a:buSzPct val="70000"/>
+              <a:buFont typeface="Wingdings 2"/>
+              <a:buChar char=""/>
+              <a:tabLst/>
+              <a:defRPr/>
+            </a:pPr>
+            <a:r>
+              <a:rPr kumimoji="0" lang="fr-FR" sz="2400" b="0" i="0" u="none" strike="noStrike" kern="1200" cap="none" spc="0" normalizeH="0" baseline="0" noProof="0" dirty="0" smtClean="0">
+                <a:ln>
+                  <a:noFill/>
+                </a:ln>
+                <a:solidFill>
+                  <a:schemeClr val="tx2"/>
+                </a:solidFill>
+                <a:effectLst/>
+                <a:uLnTx/>
+                <a:uFillTx/>
+                <a:latin typeface="+mn-lt"/>
+                <a:ea typeface="+mn-ea"/>
+                <a:cs typeface="+mn-cs"/>
+              </a:rPr>
+              <a:t>Stockage</a:t>
+            </a:r>
+          </a:p>
+          <a:p>
+            <a:pPr marL="342900" marR="0" lvl="0" indent="-342900" algn="l" defTabSz="914400" rtl="0" eaLnBrk="1" fontAlgn="auto" latinLnBrk="0" hangingPunct="1">
+              <a:lnSpc>
+                <a:spcPct val="100000"/>
+              </a:lnSpc>
+              <a:spcBef>
+                <a:spcPct val="20000"/>
+              </a:spcBef>
+              <a:spcAft>
+                <a:spcPts val="0"/>
+              </a:spcAft>
+              <a:buClr>
+                <a:schemeClr val="accent1"/>
+              </a:buClr>
+              <a:buSzPct val="70000"/>
+              <a:buFont typeface="Wingdings 2"/>
+              <a:buChar char=""/>
+              <a:tabLst/>
+              <a:defRPr/>
+            </a:pPr>
+            <a:r>
+              <a:rPr lang="fr-FR" sz="2400" b="1" dirty="0" smtClean="0">
+                <a:solidFill>
+                  <a:schemeClr val="tx2"/>
+                </a:solidFill>
+              </a:rPr>
+              <a:t>Restitution</a:t>
+            </a:r>
+            <a:endParaRPr kumimoji="0" lang="fr-FR" sz="2400" b="1" i="0" u="none" strike="noStrike" kern="1200" cap="none" spc="0" normalizeH="0" baseline="0" noProof="0" dirty="0" smtClean="0">
+              <a:ln>
+                <a:noFill/>
+              </a:ln>
+              <a:solidFill>
+                <a:schemeClr val="tx2"/>
+              </a:solidFill>
+              <a:effectLst/>
+              <a:uLnTx/>
+              <a:uFillTx/>
+              <a:latin typeface="+mn-lt"/>
+              <a:ea typeface="+mn-ea"/>
+              <a:cs typeface="+mn-cs"/>
+            </a:endParaRPr>
+          </a:p>
+          <a:p>
+            <a:pPr marL="342900" marR="0" lvl="0" indent="-342900" algn="l" defTabSz="914400" rtl="0" eaLnBrk="1" fontAlgn="auto" latinLnBrk="0" hangingPunct="1">
+              <a:lnSpc>
+                <a:spcPct val="100000"/>
+              </a:lnSpc>
+              <a:spcBef>
+                <a:spcPct val="20000"/>
+              </a:spcBef>
+              <a:spcAft>
+                <a:spcPts val="0"/>
+              </a:spcAft>
+              <a:buClr>
+                <a:schemeClr val="accent1"/>
+              </a:buClr>
+              <a:buSzPct val="70000"/>
+              <a:buFont typeface="Wingdings 2"/>
+              <a:buChar char=""/>
+              <a:tabLst/>
+              <a:defRPr/>
+            </a:pPr>
+            <a:r>
+              <a:rPr lang="fr-FR" sz="2400" dirty="0" smtClean="0">
+                <a:solidFill>
+                  <a:schemeClr val="tx2"/>
+                </a:solidFill>
+              </a:rPr>
+              <a:t>Conclusion</a:t>
+            </a:r>
+            <a:endParaRPr kumimoji="0" lang="fr-FR" sz="2400" b="0" i="0" u="none" strike="noStrike" kern="1200" cap="none" spc="0" normalizeH="0" baseline="0" noProof="0" dirty="0">
+              <a:ln>
+                <a:noFill/>
+              </a:ln>
+              <a:solidFill>
+                <a:schemeClr val="tx2"/>
+              </a:solidFill>
+              <a:effectLst/>
+              <a:uLnTx/>
+              <a:uFillTx/>
+              <a:latin typeface="+mn-lt"/>
+              <a:ea typeface="+mn-ea"/>
+              <a:cs typeface="+mn-cs"/>
+            </a:endParaRPr>
+          </a:p>
+        </p:txBody>
+      </p:sp>
+      <p:sp>
+        <p:nvSpPr>
+          <p:cNvPr id="7" name="ZoneTexte 6"/>
+          <p:cNvSpPr txBox="1"/>
+          <p:nvPr/>
+        </p:nvSpPr>
+        <p:spPr>
+          <a:xfrm>
+            <a:off x="0" y="6581001"/>
+            <a:ext cx="2708919" cy="276999"/>
+          </a:xfrm>
+          <a:prstGeom prst="rect">
+            <a:avLst/>
+          </a:prstGeom>
+          <a:noFill/>
+          <a:scene3d>
+            <a:camera prst="orthographicFront">
+              <a:rot lat="0" lon="0" rev="5400000"/>
+            </a:camera>
+            <a:lightRig rig="threePt" dir="t"/>
+          </a:scene3d>
+        </p:spPr>
+        <p:txBody>
+          <a:bodyPr wrap="square" rtlCol="0">
+            <a:spAutoFit/>
+            <a:scene3d>
+              <a:camera prst="orthographicFront">
+                <a:rot lat="0" lon="0" rev="0"/>
+              </a:camera>
+              <a:lightRig rig="threePt" dir="t"/>
+            </a:scene3d>
+            <a:flatTx/>
+          </a:bodyPr>
+          <a:lstStyle/>
+          <a:p>
+            <a:r>
+              <a:rPr lang="fr-FR" sz="1200" dirty="0" smtClean="0"/>
+              <a:t>Soutenance projet LPD2I 2010/2011</a:t>
+            </a:r>
+            <a:endParaRPr lang="fr-FR" sz="1200" dirty="0"/>
+          </a:p>
+        </p:txBody>
+      </p:sp>
+      <p:sp>
+        <p:nvSpPr>
+          <p:cNvPr id="9" name="ZoneTexte 8"/>
+          <p:cNvSpPr txBox="1"/>
+          <p:nvPr/>
+        </p:nvSpPr>
+        <p:spPr>
+          <a:xfrm>
+            <a:off x="5508104" y="6581001"/>
+            <a:ext cx="3635896" cy="276999"/>
+          </a:xfrm>
+          <a:prstGeom prst="rect">
+            <a:avLst/>
+          </a:prstGeom>
+          <a:noFill/>
+          <a:scene3d>
+            <a:camera prst="orthographicFront">
+              <a:rot lat="0" lon="0" rev="5400000"/>
+            </a:camera>
+            <a:lightRig rig="threePt" dir="t"/>
+          </a:scene3d>
+        </p:spPr>
+        <p:txBody>
+          <a:bodyPr wrap="square" rtlCol="0">
+            <a:spAutoFit/>
+            <a:scene3d>
+              <a:camera prst="orthographicFront">
+                <a:rot lat="0" lon="0" rev="0"/>
+              </a:camera>
+              <a:lightRig rig="threePt" dir="t"/>
+            </a:scene3d>
+            <a:flatTx/>
+          </a:bodyPr>
+          <a:lstStyle/>
+          <a:p>
+            <a:r>
+              <a:rPr lang="fr-FR" sz="1200" dirty="0" smtClean="0"/>
+              <a:t>Leonhard Hermle – Julien Cellier – Xavier Mourgues</a:t>
+            </a:r>
+            <a:endParaRPr lang="fr-FR" sz="1200" dirty="0"/>
+          </a:p>
+        </p:txBody>
+      </p:sp>
+      <p:cxnSp>
+        <p:nvCxnSpPr>
+          <p:cNvPr id="12" name="Connecteur droit 11"/>
+          <p:cNvCxnSpPr/>
+          <p:nvPr/>
+        </p:nvCxnSpPr>
+        <p:spPr>
+          <a:xfrm rot="5400000">
+            <a:off x="107504" y="4077072"/>
+            <a:ext cx="4464496" cy="0"/>
+          </a:xfrm>
+          <a:prstGeom prst="line">
+            <a:avLst/>
+          </a:prstGeom>
+        </p:spPr>
+        <p:style>
+          <a:lnRef idx="1">
+            <a:schemeClr val="accent1"/>
+          </a:lnRef>
+          <a:fillRef idx="0">
+            <a:schemeClr val="accent1"/>
+          </a:fillRef>
+          <a:effectRef idx="0">
+            <a:schemeClr val="accent1"/>
+          </a:effectRef>
+          <a:fontRef idx="minor">
+            <a:schemeClr val="tx1"/>
+          </a:fontRef>
+        </p:style>
+      </p:cxnSp>
+      <p:sp>
+        <p:nvSpPr>
+          <p:cNvPr id="29709" name="Rectangle 13"/>
+          <p:cNvSpPr>
+            <a:spLocks noChangeArrowheads="1"/>
+          </p:cNvSpPr>
+          <p:nvPr/>
+        </p:nvSpPr>
+        <p:spPr bwMode="auto">
+          <a:xfrm>
+            <a:off x="0" y="0"/>
+            <a:ext cx="9144000" cy="457200"/>
+          </a:xfrm>
+          <a:prstGeom prst="rect">
+            <a:avLst/>
+          </a:prstGeom>
+          <a:noFill/>
+          <a:ln w="9525">
+            <a:noFill/>
+            <a:miter lim="800000"/>
+            <a:headEnd/>
+            <a:tailEnd/>
+          </a:ln>
+          <a:effectLst/>
+        </p:spPr>
+        <p:txBody>
+          <a:bodyPr vert="horz" wrap="none" lIns="91440" tIns="45720" rIns="91440" bIns="45720" numCol="1" anchor="ctr" anchorCtr="0" compatLnSpc="1">
+            <a:prstTxWarp prst="textNoShape">
+              <a:avLst/>
+            </a:prstTxWarp>
+            <a:spAutoFit/>
+          </a:bodyPr>
+          <a:lstStyle/>
+          <a:p>
+            <a:pPr marL="0" marR="0" lvl="0" indent="0" algn="l" defTabSz="914400" rtl="0" eaLnBrk="1" fontAlgn="base" latinLnBrk="0" hangingPunct="1">
+              <a:lnSpc>
+                <a:spcPct val="100000"/>
+              </a:lnSpc>
+              <a:spcBef>
+                <a:spcPct val="0"/>
+              </a:spcBef>
+              <a:spcAft>
+                <a:spcPct val="0"/>
+              </a:spcAft>
+              <a:buClrTx/>
+              <a:buSzTx/>
+              <a:buFontTx/>
+              <a:buNone/>
+              <a:tabLst/>
+            </a:pPr>
+            <a:endParaRPr kumimoji="0" lang="fr-FR" sz="1800" b="0" i="0" u="none" strike="noStrike" cap="none" normalizeH="0" baseline="0" smtClean="0">
+              <a:ln>
+                <a:noFill/>
+              </a:ln>
+              <a:solidFill>
+                <a:schemeClr val="tx1"/>
+              </a:solidFill>
+              <a:effectLst/>
+              <a:latin typeface="Arial" pitchFamily="34" charset="0"/>
+            </a:endParaRPr>
+          </a:p>
+        </p:txBody>
+      </p:sp>
+      <p:sp>
+        <p:nvSpPr>
+          <p:cNvPr id="29712" name="Rectangle 16"/>
+          <p:cNvSpPr>
+            <a:spLocks noChangeArrowheads="1"/>
+          </p:cNvSpPr>
+          <p:nvPr/>
+        </p:nvSpPr>
+        <p:spPr bwMode="auto">
+          <a:xfrm>
+            <a:off x="0" y="457200"/>
+            <a:ext cx="9144000" cy="0"/>
+          </a:xfrm>
+          <a:prstGeom prst="rect">
+            <a:avLst/>
+          </a:prstGeom>
+          <a:noFill/>
+          <a:ln w="9525">
+            <a:noFill/>
+            <a:miter lim="800000"/>
+            <a:headEnd/>
+            <a:tailEnd/>
+          </a:ln>
+          <a:effectLst/>
+        </p:spPr>
+        <p:txBody>
+          <a:bodyPr vert="horz" wrap="none" lIns="91440" tIns="45720" rIns="91440" bIns="45720" numCol="1" anchor="ctr" anchorCtr="0" compatLnSpc="1">
+            <a:prstTxWarp prst="textNoShape">
+              <a:avLst/>
+            </a:prstTxWarp>
+            <a:spAutoFit/>
+          </a:bodyPr>
+          <a:lstStyle/>
+          <a:p>
+            <a:pPr marL="0" marR="0" lvl="0" indent="0" algn="l" defTabSz="914400" rtl="0" eaLnBrk="1" fontAlgn="base" latinLnBrk="0" hangingPunct="1">
+              <a:lnSpc>
+                <a:spcPct val="100000"/>
+              </a:lnSpc>
+              <a:spcBef>
+                <a:spcPct val="0"/>
+              </a:spcBef>
+              <a:spcAft>
+                <a:spcPct val="0"/>
+              </a:spcAft>
+              <a:buClrTx/>
+              <a:buSzTx/>
+              <a:buFontTx/>
+              <a:buNone/>
+              <a:tabLst/>
+            </a:pPr>
+            <a:endParaRPr kumimoji="0" lang="fr-FR" sz="1800" b="0" i="0" u="none" strike="noStrike" cap="none" normalizeH="0" baseline="0" smtClean="0">
+              <a:ln>
+                <a:noFill/>
+              </a:ln>
+              <a:solidFill>
+                <a:schemeClr val="tx1"/>
+              </a:solidFill>
+              <a:effectLst/>
+              <a:latin typeface="Arial" pitchFamily="34" charset="0"/>
+            </a:endParaRPr>
+          </a:p>
+        </p:txBody>
+      </p:sp>
+      <p:sp>
+        <p:nvSpPr>
+          <p:cNvPr id="16" name="Rectangle 15"/>
+          <p:cNvSpPr/>
+          <p:nvPr/>
+        </p:nvSpPr>
+        <p:spPr>
+          <a:xfrm>
+            <a:off x="2699792" y="2420888"/>
+            <a:ext cx="5976664" cy="3888432"/>
+          </a:xfrm>
+          <a:prstGeom prst="rect">
+            <a:avLst/>
+          </a:prstGeom>
+          <a:noFill/>
+        </p:spPr>
+        <p:style>
+          <a:lnRef idx="2">
+            <a:schemeClr val="accent1">
+              <a:shade val="50000"/>
+            </a:schemeClr>
+          </a:lnRef>
+          <a:fillRef idx="1">
+            <a:schemeClr val="accent1"/>
+          </a:fillRef>
+          <a:effectRef idx="0">
+            <a:schemeClr val="accent1"/>
+          </a:effectRef>
+          <a:fontRef idx="minor">
+            <a:schemeClr val="lt1"/>
+          </a:fontRef>
+        </p:style>
+        <p:txBody>
+          <a:bodyPr rtlCol="0" anchor="ctr"/>
+          <a:lstStyle/>
+          <a:p>
+            <a:pPr algn="ctr"/>
+            <a:endParaRPr lang="fr-FR"/>
+          </a:p>
+        </p:txBody>
+      </p:sp>
+    </p:spTree>
+  </p:cSld>
+  <p:clrMapOvr>
+    <a:masterClrMapping/>
+  </p:clrMapOvr>
+  <p:timing>
+    <p:tnLst>
+      <p:par>
+        <p:cTn id="1" dur="indefinite" restart="never" nodeType="tmRoot"/>
+      </p:par>
+    </p:tnLst>
+  </p:timing>
+</p:sld>
+</file>
+
+<file path=ppt/slides/slide17.xml><?xml version="1.0" encoding="utf-8"?>
+<p:sld xmlns:a="http://schemas.openxmlformats.org/drawingml/2006/main" xmlns:r="http://schemas.openxmlformats.org/officeDocument/2006/relationships" xmlns:p="http://schemas.openxmlformats.org/presentationml/2006/main">
+  <p:cSld>
+    <p:spTree>
+      <p:nvGrpSpPr>
+        <p:cNvPr id="1" name=""/>
+        <p:cNvGrpSpPr/>
+        <p:nvPr/>
+      </p:nvGrpSpPr>
+      <p:grpSpPr>
+        <a:xfrm>
+          <a:off x="0" y="0"/>
+          <a:ext cx="0" cy="0"/>
+          <a:chOff x="0" y="0"/>
+          <a:chExt cx="0" cy="0"/>
+        </a:xfrm>
+      </p:grpSpPr>
+      <p:sp>
+        <p:nvSpPr>
+          <p:cNvPr id="2" name="Titre 1"/>
+          <p:cNvSpPr>
+            <a:spLocks noGrp="1"/>
+          </p:cNvSpPr>
+          <p:nvPr>
+            <p:ph type="title"/>
+          </p:nvPr>
+        </p:nvSpPr>
+        <p:spPr/>
+        <p:txBody>
+          <a:bodyPr>
+            <a:normAutofit/>
+          </a:bodyPr>
+          <a:lstStyle/>
+          <a:p>
+            <a:r>
+              <a:rPr lang="fr-FR" dirty="0" smtClean="0"/>
+              <a:t>Restitution</a:t>
+            </a:r>
+            <a:r>
+              <a:rPr lang="fr-FR" sz="1800" dirty="0" smtClean="0"/>
+              <a:t>(suite)</a:t>
+            </a:r>
+            <a:endParaRPr lang="fr-FR" dirty="0"/>
+          </a:p>
+        </p:txBody>
+      </p:sp>
+      <p:sp>
+        <p:nvSpPr>
+          <p:cNvPr id="3" name="Espace réservé du contenu 2"/>
+          <p:cNvSpPr>
+            <a:spLocks noGrp="1"/>
+          </p:cNvSpPr>
+          <p:nvPr>
+            <p:ph idx="1"/>
+          </p:nvPr>
+        </p:nvSpPr>
+        <p:spPr>
+          <a:xfrm>
+            <a:off x="2411760" y="1700808"/>
+            <a:ext cx="6552728" cy="4608512"/>
+          </a:xfrm>
+        </p:spPr>
+        <p:txBody>
+          <a:bodyPr>
+            <a:normAutofit/>
+          </a:bodyPr>
+          <a:lstStyle/>
+          <a:p>
+            <a:pPr algn="ctr">
+              <a:buNone/>
+            </a:pPr>
+            <a:r>
+              <a:rPr lang="fr-FR" sz="2800" b="1" dirty="0" smtClean="0">
+                <a:solidFill>
+                  <a:schemeClr val="accent5">
+                    <a:lumMod val="75000"/>
+                  </a:schemeClr>
+                </a:solidFill>
+              </a:rPr>
+              <a:t>Aspect Technique</a:t>
+            </a:r>
+          </a:p>
+          <a:p>
+            <a:r>
+              <a:rPr lang="fr-FR" sz="2000" dirty="0" smtClean="0">
+                <a:solidFill>
+                  <a:schemeClr val="accent5">
+                    <a:lumMod val="75000"/>
+                  </a:schemeClr>
+                </a:solidFill>
+              </a:rPr>
+              <a:t>Pagination</a:t>
+            </a:r>
+          </a:p>
+          <a:p>
+            <a:pPr>
+              <a:buNone/>
+            </a:pPr>
+            <a:endParaRPr lang="fr-FR" sz="2800" b="1" dirty="0" smtClean="0">
+              <a:solidFill>
+                <a:schemeClr val="accent5">
+                  <a:lumMod val="75000"/>
+                </a:schemeClr>
+              </a:solidFill>
+            </a:endParaRPr>
+          </a:p>
+          <a:p>
+            <a:pPr algn="ctr">
+              <a:buNone/>
+            </a:pPr>
+            <a:endParaRPr lang="fr-FR" sz="2400" dirty="0"/>
+          </a:p>
+        </p:txBody>
+      </p:sp>
+      <p:sp>
+        <p:nvSpPr>
+          <p:cNvPr id="6" name="Espace réservé du contenu 2"/>
+          <p:cNvSpPr txBox="1">
+            <a:spLocks/>
+          </p:cNvSpPr>
+          <p:nvPr/>
+        </p:nvSpPr>
+        <p:spPr>
+          <a:xfrm>
+            <a:off x="179512" y="1700808"/>
+            <a:ext cx="2088232" cy="4536504"/>
+          </a:xfrm>
+          <a:prstGeom prst="rect">
+            <a:avLst/>
+          </a:prstGeom>
+        </p:spPr>
+        <p:txBody>
+          <a:bodyPr vert="horz">
+            <a:normAutofit/>
+          </a:bodyPr>
+          <a:lstStyle/>
+          <a:p>
+            <a:pPr marL="342900" marR="0" lvl="0" indent="-342900" algn="l" defTabSz="914400" rtl="0" eaLnBrk="1" fontAlgn="auto" latinLnBrk="0" hangingPunct="1">
+              <a:lnSpc>
+                <a:spcPct val="100000"/>
+              </a:lnSpc>
+              <a:spcBef>
+                <a:spcPct val="20000"/>
+              </a:spcBef>
+              <a:spcAft>
+                <a:spcPts val="0"/>
+              </a:spcAft>
+              <a:buClr>
+                <a:schemeClr val="accent1"/>
+              </a:buClr>
+              <a:buSzPct val="70000"/>
+              <a:buFont typeface="Wingdings 2"/>
+              <a:buChar char=""/>
+              <a:tabLst/>
+              <a:defRPr/>
+            </a:pPr>
+            <a:r>
+              <a:rPr kumimoji="0" lang="fr-FR" sz="2400" i="0" u="none" strike="noStrike" kern="1200" cap="none" spc="0" normalizeH="0" baseline="0" noProof="0" dirty="0" smtClean="0">
+                <a:ln>
+                  <a:noFill/>
+                </a:ln>
+                <a:solidFill>
+                  <a:schemeClr val="tx2"/>
+                </a:solidFill>
+                <a:effectLst/>
+                <a:uLnTx/>
+                <a:uFillTx/>
+                <a:latin typeface="+mn-lt"/>
+                <a:ea typeface="+mn-ea"/>
+                <a:cs typeface="+mn-cs"/>
+              </a:rPr>
+              <a:t>Introduction</a:t>
+            </a:r>
+          </a:p>
+          <a:p>
+            <a:pPr marL="342900" marR="0" lvl="0" indent="-342900" algn="l" defTabSz="914400" rtl="0" eaLnBrk="1" fontAlgn="auto" latinLnBrk="0" hangingPunct="1">
+              <a:lnSpc>
+                <a:spcPct val="100000"/>
+              </a:lnSpc>
+              <a:spcBef>
+                <a:spcPct val="20000"/>
+              </a:spcBef>
+              <a:spcAft>
+                <a:spcPts val="0"/>
+              </a:spcAft>
+              <a:buClr>
+                <a:schemeClr val="accent1"/>
+              </a:buClr>
+              <a:buSzPct val="70000"/>
+              <a:buFont typeface="Wingdings 2"/>
+              <a:buChar char=""/>
+              <a:tabLst/>
+              <a:defRPr/>
+            </a:pPr>
+            <a:r>
+              <a:rPr lang="fr-FR" sz="2400" dirty="0" smtClean="0">
+                <a:solidFill>
+                  <a:schemeClr val="tx2"/>
+                </a:solidFill>
+              </a:rPr>
+              <a:t>Extraction</a:t>
+            </a:r>
+          </a:p>
+          <a:p>
+            <a:pPr marL="342900" marR="0" lvl="0" indent="-342900" algn="l" defTabSz="914400" rtl="0" eaLnBrk="1" fontAlgn="auto" latinLnBrk="0" hangingPunct="1">
+              <a:lnSpc>
+                <a:spcPct val="100000"/>
+              </a:lnSpc>
+              <a:spcBef>
+                <a:spcPct val="20000"/>
+              </a:spcBef>
+              <a:spcAft>
+                <a:spcPts val="0"/>
+              </a:spcAft>
+              <a:buClr>
+                <a:schemeClr val="accent1"/>
+              </a:buClr>
+              <a:buSzPct val="70000"/>
+              <a:buFont typeface="Wingdings 2"/>
+              <a:buChar char=""/>
+              <a:tabLst/>
+              <a:defRPr/>
+            </a:pPr>
+            <a:r>
+              <a:rPr kumimoji="0" lang="fr-FR" sz="2400" b="0" i="0" u="none" strike="noStrike" kern="1200" cap="none" spc="0" normalizeH="0" baseline="0" noProof="0" dirty="0" smtClean="0">
+                <a:ln>
+                  <a:noFill/>
+                </a:ln>
+                <a:solidFill>
+                  <a:schemeClr val="tx2"/>
+                </a:solidFill>
+                <a:effectLst/>
+                <a:uLnTx/>
+                <a:uFillTx/>
+                <a:latin typeface="+mn-lt"/>
+                <a:ea typeface="+mn-ea"/>
+                <a:cs typeface="+mn-cs"/>
+              </a:rPr>
+              <a:t>Stockage</a:t>
+            </a:r>
+          </a:p>
+          <a:p>
+            <a:pPr marL="342900" marR="0" lvl="0" indent="-342900" algn="l" defTabSz="914400" rtl="0" eaLnBrk="1" fontAlgn="auto" latinLnBrk="0" hangingPunct="1">
+              <a:lnSpc>
+                <a:spcPct val="100000"/>
+              </a:lnSpc>
+              <a:spcBef>
+                <a:spcPct val="20000"/>
+              </a:spcBef>
+              <a:spcAft>
+                <a:spcPts val="0"/>
+              </a:spcAft>
+              <a:buClr>
+                <a:schemeClr val="accent1"/>
+              </a:buClr>
+              <a:buSzPct val="70000"/>
+              <a:buFont typeface="Wingdings 2"/>
+              <a:buChar char=""/>
+              <a:tabLst/>
+              <a:defRPr/>
+            </a:pPr>
+            <a:r>
+              <a:rPr lang="fr-FR" sz="2400" b="1" dirty="0" smtClean="0">
+                <a:solidFill>
+                  <a:schemeClr val="tx2"/>
+                </a:solidFill>
+              </a:rPr>
+              <a:t>Restitution</a:t>
+            </a:r>
+            <a:endParaRPr kumimoji="0" lang="fr-FR" sz="2400" b="1" i="0" u="none" strike="noStrike" kern="1200" cap="none" spc="0" normalizeH="0" baseline="0" noProof="0" dirty="0" smtClean="0">
+              <a:ln>
+                <a:noFill/>
+              </a:ln>
+              <a:solidFill>
+                <a:schemeClr val="tx2"/>
+              </a:solidFill>
+              <a:effectLst/>
+              <a:uLnTx/>
+              <a:uFillTx/>
+              <a:latin typeface="+mn-lt"/>
+              <a:ea typeface="+mn-ea"/>
+              <a:cs typeface="+mn-cs"/>
+            </a:endParaRPr>
+          </a:p>
+          <a:p>
+            <a:pPr marL="342900" marR="0" lvl="0" indent="-342900" algn="l" defTabSz="914400" rtl="0" eaLnBrk="1" fontAlgn="auto" latinLnBrk="0" hangingPunct="1">
+              <a:lnSpc>
+                <a:spcPct val="100000"/>
+              </a:lnSpc>
+              <a:spcBef>
+                <a:spcPct val="20000"/>
+              </a:spcBef>
+              <a:spcAft>
+                <a:spcPts val="0"/>
+              </a:spcAft>
+              <a:buClr>
+                <a:schemeClr val="accent1"/>
+              </a:buClr>
+              <a:buSzPct val="70000"/>
+              <a:buFont typeface="Wingdings 2"/>
+              <a:buChar char=""/>
+              <a:tabLst/>
+              <a:defRPr/>
+            </a:pPr>
+            <a:r>
+              <a:rPr lang="fr-FR" sz="2400" dirty="0" smtClean="0">
+                <a:solidFill>
+                  <a:schemeClr val="tx2"/>
+                </a:solidFill>
+              </a:rPr>
+              <a:t>Conclusion</a:t>
+            </a:r>
+            <a:endParaRPr kumimoji="0" lang="fr-FR" sz="2400" b="0" i="0" u="none" strike="noStrike" kern="1200" cap="none" spc="0" normalizeH="0" baseline="0" noProof="0" dirty="0">
+              <a:ln>
+                <a:noFill/>
+              </a:ln>
+              <a:solidFill>
+                <a:schemeClr val="tx2"/>
+              </a:solidFill>
+              <a:effectLst/>
+              <a:uLnTx/>
+              <a:uFillTx/>
+              <a:latin typeface="+mn-lt"/>
+              <a:ea typeface="+mn-ea"/>
+              <a:cs typeface="+mn-cs"/>
+            </a:endParaRPr>
+          </a:p>
+        </p:txBody>
+      </p:sp>
+      <p:sp>
+        <p:nvSpPr>
+          <p:cNvPr id="7" name="ZoneTexte 6"/>
+          <p:cNvSpPr txBox="1"/>
+          <p:nvPr/>
+        </p:nvSpPr>
+        <p:spPr>
+          <a:xfrm>
+            <a:off x="0" y="6581001"/>
+            <a:ext cx="2708919" cy="276999"/>
+          </a:xfrm>
+          <a:prstGeom prst="rect">
+            <a:avLst/>
+          </a:prstGeom>
+          <a:noFill/>
+          <a:scene3d>
+            <a:camera prst="orthographicFront">
+              <a:rot lat="0" lon="0" rev="5400000"/>
+            </a:camera>
+            <a:lightRig rig="threePt" dir="t"/>
+          </a:scene3d>
+        </p:spPr>
+        <p:txBody>
+          <a:bodyPr wrap="square" rtlCol="0">
+            <a:spAutoFit/>
+            <a:scene3d>
+              <a:camera prst="orthographicFront">
+                <a:rot lat="0" lon="0" rev="0"/>
+              </a:camera>
+              <a:lightRig rig="threePt" dir="t"/>
+            </a:scene3d>
+            <a:flatTx/>
+          </a:bodyPr>
+          <a:lstStyle/>
+          <a:p>
+            <a:r>
+              <a:rPr lang="fr-FR" sz="1200" dirty="0" smtClean="0"/>
+              <a:t>Soutenance projet LPD2I 2010/2011</a:t>
+            </a:r>
+            <a:endParaRPr lang="fr-FR" sz="1200" dirty="0"/>
+          </a:p>
+        </p:txBody>
+      </p:sp>
+      <p:sp>
+        <p:nvSpPr>
+          <p:cNvPr id="9" name="ZoneTexte 8"/>
+          <p:cNvSpPr txBox="1"/>
+          <p:nvPr/>
+        </p:nvSpPr>
+        <p:spPr>
+          <a:xfrm>
+            <a:off x="5508104" y="6581001"/>
+            <a:ext cx="3635896" cy="276999"/>
+          </a:xfrm>
+          <a:prstGeom prst="rect">
+            <a:avLst/>
+          </a:prstGeom>
+          <a:noFill/>
+          <a:scene3d>
+            <a:camera prst="orthographicFront">
+              <a:rot lat="0" lon="0" rev="5400000"/>
+            </a:camera>
+            <a:lightRig rig="threePt" dir="t"/>
+          </a:scene3d>
+        </p:spPr>
+        <p:txBody>
+          <a:bodyPr wrap="square" rtlCol="0">
+            <a:spAutoFit/>
+            <a:scene3d>
+              <a:camera prst="orthographicFront">
+                <a:rot lat="0" lon="0" rev="0"/>
+              </a:camera>
+              <a:lightRig rig="threePt" dir="t"/>
+            </a:scene3d>
+            <a:flatTx/>
+          </a:bodyPr>
+          <a:lstStyle/>
+          <a:p>
+            <a:r>
+              <a:rPr lang="fr-FR" sz="1200" dirty="0" smtClean="0"/>
+              <a:t>Leonhard Hermle – Julien Cellier – Xavier Mourgues</a:t>
+            </a:r>
+            <a:endParaRPr lang="fr-FR" sz="1200" dirty="0"/>
+          </a:p>
+        </p:txBody>
+      </p:sp>
+      <p:cxnSp>
+        <p:nvCxnSpPr>
+          <p:cNvPr id="12" name="Connecteur droit 11"/>
+          <p:cNvCxnSpPr/>
+          <p:nvPr/>
+        </p:nvCxnSpPr>
+        <p:spPr>
+          <a:xfrm rot="5400000">
+            <a:off x="107504" y="4077072"/>
+            <a:ext cx="4464496" cy="0"/>
+          </a:xfrm>
+          <a:prstGeom prst="line">
+            <a:avLst/>
+          </a:prstGeom>
+        </p:spPr>
+        <p:style>
+          <a:lnRef idx="1">
+            <a:schemeClr val="accent1"/>
+          </a:lnRef>
+          <a:fillRef idx="0">
+            <a:schemeClr val="accent1"/>
+          </a:fillRef>
+          <a:effectRef idx="0">
+            <a:schemeClr val="accent1"/>
+          </a:effectRef>
+          <a:fontRef idx="minor">
+            <a:schemeClr val="tx1"/>
+          </a:fontRef>
+        </p:style>
+      </p:cxnSp>
+      <p:pic>
+        <p:nvPicPr>
+          <p:cNvPr id="11" name="Image 10" descr="Z:\Projet tut\projettuteurexml\screenshots\pagination.JPG"/>
+          <p:cNvPicPr/>
+          <p:nvPr/>
+        </p:nvPicPr>
+        <p:blipFill>
+          <a:blip r:embed="rId2" cstate="print"/>
+          <a:srcRect/>
+          <a:stretch>
+            <a:fillRect/>
+          </a:stretch>
+        </p:blipFill>
+        <p:spPr bwMode="auto">
+          <a:xfrm>
+            <a:off x="2699792" y="2780928"/>
+            <a:ext cx="5753100" cy="1943100"/>
+          </a:xfrm>
+          <a:prstGeom prst="rect">
+            <a:avLst/>
+          </a:prstGeom>
+          <a:noFill/>
+          <a:ln w="9525">
+            <a:noFill/>
+            <a:miter lim="800000"/>
+            <a:headEnd/>
+            <a:tailEnd/>
+          </a:ln>
+        </p:spPr>
+      </p:pic>
+    </p:spTree>
+  </p:cSld>
+  <p:clrMapOvr>
+    <a:masterClrMapping/>
+  </p:clrMapOvr>
+  <p:timing>
+    <p:tnLst>
+      <p:par>
+        <p:cTn id="1" dur="indefinite" restart="never" nodeType="tmRoot"/>
+      </p:par>
+    </p:tnLst>
+  </p:timing>
+</p:sld>
+</file>
+
+<file path=ppt/slides/slide18.xml><?xml version="1.0" encoding="utf-8"?>
+<p:sld xmlns:a="http://schemas.openxmlformats.org/drawingml/2006/main" xmlns:r="http://schemas.openxmlformats.org/officeDocument/2006/relationships" xmlns:p="http://schemas.openxmlformats.org/presentationml/2006/main">
+  <p:cSld>
+    <p:spTree>
+      <p:nvGrpSpPr>
+        <p:cNvPr id="1" name=""/>
+        <p:cNvGrpSpPr/>
+        <p:nvPr/>
+      </p:nvGrpSpPr>
+      <p:grpSpPr>
+        <a:xfrm>
+          <a:off x="0" y="0"/>
+          <a:ext cx="0" cy="0"/>
+          <a:chOff x="0" y="0"/>
+          <a:chExt cx="0" cy="0"/>
+        </a:xfrm>
+      </p:grpSpPr>
+      <p:sp>
+        <p:nvSpPr>
+          <p:cNvPr id="2" name="Titre 1"/>
+          <p:cNvSpPr>
+            <a:spLocks noGrp="1"/>
+          </p:cNvSpPr>
+          <p:nvPr>
+            <p:ph type="title"/>
+          </p:nvPr>
+        </p:nvSpPr>
+        <p:spPr/>
+        <p:txBody>
+          <a:bodyPr>
+            <a:normAutofit/>
+          </a:bodyPr>
+          <a:lstStyle/>
+          <a:p>
+            <a:r>
+              <a:rPr lang="fr-FR" dirty="0" smtClean="0"/>
+              <a:t>Restitution</a:t>
+            </a:r>
+            <a:r>
+              <a:rPr lang="fr-FR" sz="1800" dirty="0" smtClean="0"/>
+              <a:t>(suite)</a:t>
+            </a:r>
+            <a:endParaRPr lang="fr-FR" dirty="0"/>
+          </a:p>
+        </p:txBody>
+      </p:sp>
+      <p:sp>
+        <p:nvSpPr>
+          <p:cNvPr id="3" name="Espace réservé du contenu 2"/>
+          <p:cNvSpPr>
+            <a:spLocks noGrp="1"/>
+          </p:cNvSpPr>
+          <p:nvPr>
+            <p:ph idx="1"/>
+          </p:nvPr>
+        </p:nvSpPr>
+        <p:spPr>
+          <a:xfrm>
+            <a:off x="2411760" y="1700808"/>
+            <a:ext cx="6552728" cy="4608512"/>
+          </a:xfrm>
+        </p:spPr>
+        <p:txBody>
+          <a:bodyPr>
+            <a:normAutofit/>
+          </a:bodyPr>
+          <a:lstStyle/>
+          <a:p>
+            <a:pPr algn="ctr">
+              <a:buNone/>
+            </a:pPr>
+            <a:r>
+              <a:rPr lang="fr-FR" sz="2800" b="1" dirty="0" smtClean="0">
+                <a:solidFill>
+                  <a:schemeClr val="accent5">
+                    <a:lumMod val="75000"/>
+                  </a:schemeClr>
+                </a:solidFill>
+              </a:rPr>
+              <a:t>Aspect Technique</a:t>
+            </a:r>
+          </a:p>
+          <a:p>
+            <a:r>
+              <a:rPr lang="fr-FR" sz="2000" dirty="0" smtClean="0">
+                <a:solidFill>
+                  <a:schemeClr val="accent5">
+                    <a:lumMod val="75000"/>
+                  </a:schemeClr>
+                </a:solidFill>
+              </a:rPr>
+              <a:t>Notation par étoiles</a:t>
+            </a:r>
+            <a:endParaRPr lang="fr-FR" sz="2000" dirty="0" smtClean="0">
+              <a:solidFill>
+                <a:schemeClr val="accent5">
+                  <a:lumMod val="75000"/>
+                </a:schemeClr>
+              </a:solidFill>
+            </a:endParaRPr>
+          </a:p>
+          <a:p>
+            <a:pPr>
+              <a:buNone/>
+            </a:pPr>
+            <a:endParaRPr lang="fr-FR" sz="2800" b="1" dirty="0" smtClean="0">
+              <a:solidFill>
+                <a:schemeClr val="accent5">
+                  <a:lumMod val="75000"/>
+                </a:schemeClr>
+              </a:solidFill>
+            </a:endParaRPr>
+          </a:p>
+          <a:p>
+            <a:pPr algn="ctr">
+              <a:buNone/>
+            </a:pPr>
+            <a:endParaRPr lang="fr-FR" sz="2400" dirty="0"/>
+          </a:p>
+        </p:txBody>
+      </p:sp>
+      <p:sp>
+        <p:nvSpPr>
+          <p:cNvPr id="6" name="Espace réservé du contenu 2"/>
+          <p:cNvSpPr txBox="1">
+            <a:spLocks/>
+          </p:cNvSpPr>
+          <p:nvPr/>
+        </p:nvSpPr>
+        <p:spPr>
+          <a:xfrm>
+            <a:off x="179512" y="1700808"/>
+            <a:ext cx="2088232" cy="4536504"/>
+          </a:xfrm>
+          <a:prstGeom prst="rect">
+            <a:avLst/>
+          </a:prstGeom>
+        </p:spPr>
+        <p:txBody>
+          <a:bodyPr vert="horz">
+            <a:normAutofit/>
+          </a:bodyPr>
+          <a:lstStyle/>
+          <a:p>
+            <a:pPr marL="342900" marR="0" lvl="0" indent="-342900" algn="l" defTabSz="914400" rtl="0" eaLnBrk="1" fontAlgn="auto" latinLnBrk="0" hangingPunct="1">
+              <a:lnSpc>
+                <a:spcPct val="100000"/>
+              </a:lnSpc>
+              <a:spcBef>
+                <a:spcPct val="20000"/>
+              </a:spcBef>
+              <a:spcAft>
+                <a:spcPts val="0"/>
+              </a:spcAft>
+              <a:buClr>
+                <a:schemeClr val="accent1"/>
+              </a:buClr>
+              <a:buSzPct val="70000"/>
+              <a:buFont typeface="Wingdings 2"/>
+              <a:buChar char=""/>
+              <a:tabLst/>
+              <a:defRPr/>
+            </a:pPr>
+            <a:r>
+              <a:rPr kumimoji="0" lang="fr-FR" sz="2400" i="0" u="none" strike="noStrike" kern="1200" cap="none" spc="0" normalizeH="0" baseline="0" noProof="0" dirty="0" smtClean="0">
+                <a:ln>
+                  <a:noFill/>
+                </a:ln>
+                <a:solidFill>
+                  <a:schemeClr val="tx2"/>
+                </a:solidFill>
+                <a:effectLst/>
+                <a:uLnTx/>
+                <a:uFillTx/>
+                <a:latin typeface="+mn-lt"/>
+                <a:ea typeface="+mn-ea"/>
+                <a:cs typeface="+mn-cs"/>
+              </a:rPr>
+              <a:t>Introduction</a:t>
+            </a:r>
+          </a:p>
+          <a:p>
+            <a:pPr marL="342900" marR="0" lvl="0" indent="-342900" algn="l" defTabSz="914400" rtl="0" eaLnBrk="1" fontAlgn="auto" latinLnBrk="0" hangingPunct="1">
+              <a:lnSpc>
+                <a:spcPct val="100000"/>
+              </a:lnSpc>
+              <a:spcBef>
+                <a:spcPct val="20000"/>
+              </a:spcBef>
+              <a:spcAft>
+                <a:spcPts val="0"/>
+              </a:spcAft>
+              <a:buClr>
+                <a:schemeClr val="accent1"/>
+              </a:buClr>
+              <a:buSzPct val="70000"/>
+              <a:buFont typeface="Wingdings 2"/>
+              <a:buChar char=""/>
+              <a:tabLst/>
+              <a:defRPr/>
+            </a:pPr>
+            <a:r>
+              <a:rPr lang="fr-FR" sz="2400" dirty="0" smtClean="0">
+                <a:solidFill>
+                  <a:schemeClr val="tx2"/>
+                </a:solidFill>
+              </a:rPr>
+              <a:t>Extraction</a:t>
+            </a:r>
+          </a:p>
+          <a:p>
+            <a:pPr marL="342900" marR="0" lvl="0" indent="-342900" algn="l" defTabSz="914400" rtl="0" eaLnBrk="1" fontAlgn="auto" latinLnBrk="0" hangingPunct="1">
+              <a:lnSpc>
+                <a:spcPct val="100000"/>
+              </a:lnSpc>
+              <a:spcBef>
+                <a:spcPct val="20000"/>
+              </a:spcBef>
+              <a:spcAft>
+                <a:spcPts val="0"/>
+              </a:spcAft>
+              <a:buClr>
+                <a:schemeClr val="accent1"/>
+              </a:buClr>
+              <a:buSzPct val="70000"/>
+              <a:buFont typeface="Wingdings 2"/>
+              <a:buChar char=""/>
+              <a:tabLst/>
+              <a:defRPr/>
+            </a:pPr>
+            <a:r>
+              <a:rPr kumimoji="0" lang="fr-FR" sz="2400" b="0" i="0" u="none" strike="noStrike" kern="1200" cap="none" spc="0" normalizeH="0" baseline="0" noProof="0" dirty="0" smtClean="0">
+                <a:ln>
+                  <a:noFill/>
+                </a:ln>
+                <a:solidFill>
+                  <a:schemeClr val="tx2"/>
+                </a:solidFill>
+                <a:effectLst/>
+                <a:uLnTx/>
+                <a:uFillTx/>
+                <a:latin typeface="+mn-lt"/>
+                <a:ea typeface="+mn-ea"/>
+                <a:cs typeface="+mn-cs"/>
+              </a:rPr>
+              <a:t>Stockage</a:t>
+            </a:r>
+          </a:p>
+          <a:p>
+            <a:pPr marL="342900" marR="0" lvl="0" indent="-342900" algn="l" defTabSz="914400" rtl="0" eaLnBrk="1" fontAlgn="auto" latinLnBrk="0" hangingPunct="1">
+              <a:lnSpc>
+                <a:spcPct val="100000"/>
+              </a:lnSpc>
+              <a:spcBef>
+                <a:spcPct val="20000"/>
+              </a:spcBef>
+              <a:spcAft>
+                <a:spcPts val="0"/>
+              </a:spcAft>
+              <a:buClr>
+                <a:schemeClr val="accent1"/>
+              </a:buClr>
+              <a:buSzPct val="70000"/>
+              <a:buFont typeface="Wingdings 2"/>
+              <a:buChar char=""/>
+              <a:tabLst/>
+              <a:defRPr/>
+            </a:pPr>
+            <a:r>
+              <a:rPr lang="fr-FR" sz="2400" b="1" dirty="0" smtClean="0">
+                <a:solidFill>
+                  <a:schemeClr val="tx2"/>
+                </a:solidFill>
+              </a:rPr>
+              <a:t>Restitution</a:t>
+            </a:r>
+            <a:endParaRPr kumimoji="0" lang="fr-FR" sz="2400" b="1" i="0" u="none" strike="noStrike" kern="1200" cap="none" spc="0" normalizeH="0" baseline="0" noProof="0" dirty="0" smtClean="0">
+              <a:ln>
+                <a:noFill/>
+              </a:ln>
+              <a:solidFill>
+                <a:schemeClr val="tx2"/>
+              </a:solidFill>
+              <a:effectLst/>
+              <a:uLnTx/>
+              <a:uFillTx/>
+              <a:latin typeface="+mn-lt"/>
+              <a:ea typeface="+mn-ea"/>
+              <a:cs typeface="+mn-cs"/>
+            </a:endParaRPr>
+          </a:p>
+          <a:p>
+            <a:pPr marL="342900" marR="0" lvl="0" indent="-342900" algn="l" defTabSz="914400" rtl="0" eaLnBrk="1" fontAlgn="auto" latinLnBrk="0" hangingPunct="1">
+              <a:lnSpc>
+                <a:spcPct val="100000"/>
+              </a:lnSpc>
+              <a:spcBef>
+                <a:spcPct val="20000"/>
+              </a:spcBef>
+              <a:spcAft>
+                <a:spcPts val="0"/>
+              </a:spcAft>
+              <a:buClr>
+                <a:schemeClr val="accent1"/>
+              </a:buClr>
+              <a:buSzPct val="70000"/>
+              <a:buFont typeface="Wingdings 2"/>
+              <a:buChar char=""/>
+              <a:tabLst/>
+              <a:defRPr/>
+            </a:pPr>
+            <a:r>
+              <a:rPr lang="fr-FR" sz="2400" dirty="0" smtClean="0">
+                <a:solidFill>
+                  <a:schemeClr val="tx2"/>
+                </a:solidFill>
+              </a:rPr>
+              <a:t>Conclusion</a:t>
+            </a:r>
+            <a:endParaRPr kumimoji="0" lang="fr-FR" sz="2400" b="0" i="0" u="none" strike="noStrike" kern="1200" cap="none" spc="0" normalizeH="0" baseline="0" noProof="0" dirty="0">
+              <a:ln>
+                <a:noFill/>
+              </a:ln>
+              <a:solidFill>
+                <a:schemeClr val="tx2"/>
+              </a:solidFill>
+              <a:effectLst/>
+              <a:uLnTx/>
+              <a:uFillTx/>
+              <a:latin typeface="+mn-lt"/>
+              <a:ea typeface="+mn-ea"/>
+              <a:cs typeface="+mn-cs"/>
+            </a:endParaRPr>
+          </a:p>
+        </p:txBody>
+      </p:sp>
+      <p:sp>
+        <p:nvSpPr>
+          <p:cNvPr id="7" name="ZoneTexte 6"/>
+          <p:cNvSpPr txBox="1"/>
+          <p:nvPr/>
+        </p:nvSpPr>
+        <p:spPr>
+          <a:xfrm>
+            <a:off x="0" y="6581001"/>
+            <a:ext cx="2708919" cy="276999"/>
+          </a:xfrm>
+          <a:prstGeom prst="rect">
+            <a:avLst/>
+          </a:prstGeom>
+          <a:noFill/>
+          <a:scene3d>
+            <a:camera prst="orthographicFront">
+              <a:rot lat="0" lon="0" rev="5400000"/>
+            </a:camera>
+            <a:lightRig rig="threePt" dir="t"/>
+          </a:scene3d>
+        </p:spPr>
+        <p:txBody>
+          <a:bodyPr wrap="square" rtlCol="0">
+            <a:spAutoFit/>
+            <a:scene3d>
+              <a:camera prst="orthographicFront">
+                <a:rot lat="0" lon="0" rev="0"/>
+              </a:camera>
+              <a:lightRig rig="threePt" dir="t"/>
+            </a:scene3d>
+            <a:flatTx/>
+          </a:bodyPr>
+          <a:lstStyle/>
+          <a:p>
+            <a:r>
+              <a:rPr lang="fr-FR" sz="1200" dirty="0" smtClean="0"/>
+              <a:t>Soutenance projet LPD2I 2010/2011</a:t>
+            </a:r>
+            <a:endParaRPr lang="fr-FR" sz="1200" dirty="0"/>
+          </a:p>
+        </p:txBody>
+      </p:sp>
+      <p:sp>
+        <p:nvSpPr>
+          <p:cNvPr id="9" name="ZoneTexte 8"/>
+          <p:cNvSpPr txBox="1"/>
+          <p:nvPr/>
+        </p:nvSpPr>
+        <p:spPr>
+          <a:xfrm>
+            <a:off x="5508104" y="6581001"/>
+            <a:ext cx="3635896" cy="276999"/>
+          </a:xfrm>
+          <a:prstGeom prst="rect">
+            <a:avLst/>
+          </a:prstGeom>
+          <a:noFill/>
+          <a:scene3d>
+            <a:camera prst="orthographicFront">
+              <a:rot lat="0" lon="0" rev="5400000"/>
+            </a:camera>
+            <a:lightRig rig="threePt" dir="t"/>
+          </a:scene3d>
+        </p:spPr>
+        <p:txBody>
+          <a:bodyPr wrap="square" rtlCol="0">
+            <a:spAutoFit/>
+            <a:scene3d>
+              <a:camera prst="orthographicFront">
+                <a:rot lat="0" lon="0" rev="0"/>
+              </a:camera>
+              <a:lightRig rig="threePt" dir="t"/>
+            </a:scene3d>
+            <a:flatTx/>
+          </a:bodyPr>
+          <a:lstStyle/>
+          <a:p>
+            <a:r>
+              <a:rPr lang="fr-FR" sz="1200" dirty="0" smtClean="0"/>
+              <a:t>Leonhard Hermle – Julien Cellier – Xavier Mourgues</a:t>
+            </a:r>
+            <a:endParaRPr lang="fr-FR" sz="1200" dirty="0"/>
+          </a:p>
+        </p:txBody>
+      </p:sp>
+      <p:cxnSp>
+        <p:nvCxnSpPr>
+          <p:cNvPr id="12" name="Connecteur droit 11"/>
+          <p:cNvCxnSpPr/>
+          <p:nvPr/>
+        </p:nvCxnSpPr>
+        <p:spPr>
+          <a:xfrm rot="5400000">
+            <a:off x="107504" y="4077072"/>
+            <a:ext cx="4464496" cy="0"/>
+          </a:xfrm>
+          <a:prstGeom prst="line">
+            <a:avLst/>
+          </a:prstGeom>
+        </p:spPr>
+        <p:style>
+          <a:lnRef idx="1">
+            <a:schemeClr val="accent1"/>
+          </a:lnRef>
+          <a:fillRef idx="0">
+            <a:schemeClr val="accent1"/>
+          </a:fillRef>
+          <a:effectRef idx="0">
+            <a:schemeClr val="accent1"/>
+          </a:effectRef>
+          <a:fontRef idx="minor">
+            <a:schemeClr val="tx1"/>
+          </a:fontRef>
+        </p:style>
+      </p:cxnSp>
+      <p:pic>
+        <p:nvPicPr>
+          <p:cNvPr id="10" name="Image 9" descr="Z:\Projet tut\projettuteurexml\screenshots\notation.JPG"/>
+          <p:cNvPicPr/>
+          <p:nvPr/>
+        </p:nvPicPr>
+        <p:blipFill>
+          <a:blip r:embed="rId2" cstate="print"/>
+          <a:srcRect/>
+          <a:stretch>
+            <a:fillRect/>
+          </a:stretch>
+        </p:blipFill>
+        <p:spPr bwMode="auto">
+          <a:xfrm>
+            <a:off x="2771800" y="2780928"/>
+            <a:ext cx="5762625" cy="885825"/>
+          </a:xfrm>
+          <a:prstGeom prst="rect">
+            <a:avLst/>
+          </a:prstGeom>
+          <a:noFill/>
+          <a:ln w="9525">
+            <a:noFill/>
+            <a:miter lim="800000"/>
+            <a:headEnd/>
+            <a:tailEnd/>
+          </a:ln>
+        </p:spPr>
+      </p:pic>
+      <p:pic>
+        <p:nvPicPr>
+          <p:cNvPr id="13" name="Image 12" descr="Z:\Projet tut\projettuteurexml\screenshots\detail film.JPG"/>
+          <p:cNvPicPr/>
+          <p:nvPr/>
+        </p:nvPicPr>
+        <p:blipFill>
+          <a:blip r:embed="rId3" cstate="print"/>
+          <a:srcRect/>
+          <a:stretch>
+            <a:fillRect/>
+          </a:stretch>
+        </p:blipFill>
+        <p:spPr bwMode="auto">
+          <a:xfrm>
+            <a:off x="2771800" y="3789040"/>
+            <a:ext cx="5753100" cy="1228725"/>
+          </a:xfrm>
+          <a:prstGeom prst="rect">
+            <a:avLst/>
+          </a:prstGeom>
+          <a:noFill/>
+          <a:ln w="9525">
+            <a:noFill/>
+            <a:miter lim="800000"/>
+            <a:headEnd/>
+            <a:tailEnd/>
+          </a:ln>
+        </p:spPr>
+      </p:pic>
+    </p:spTree>
+  </p:cSld>
+  <p:clrMapOvr>
+    <a:masterClrMapping/>
+  </p:clrMapOvr>
+  <p:timing>
+    <p:tnLst>
+      <p:par>
+        <p:cTn id="1" dur="indefinite" restart="never" nodeType="tmRoot"/>
+      </p:par>
+    </p:tnLst>
+  </p:timing>
+</p:sld>
+</file>
+
+<file path=ppt/slides/slide19.xml><?xml version="1.0" encoding="utf-8"?>
+<p:sld xmlns:a="http://schemas.openxmlformats.org/drawingml/2006/main" xmlns:r="http://schemas.openxmlformats.org/officeDocument/2006/relationships" xmlns:p="http://schemas.openxmlformats.org/presentationml/2006/main">
+  <p:cSld>
+    <p:spTree>
+      <p:nvGrpSpPr>
+        <p:cNvPr id="1" name=""/>
+        <p:cNvGrpSpPr/>
+        <p:nvPr/>
+      </p:nvGrpSpPr>
+      <p:grpSpPr>
+        <a:xfrm>
+          <a:off x="0" y="0"/>
+          <a:ext cx="0" cy="0"/>
+          <a:chOff x="0" y="0"/>
+          <a:chExt cx="0" cy="0"/>
+        </a:xfrm>
+      </p:grpSpPr>
+      <p:sp>
+        <p:nvSpPr>
+          <p:cNvPr id="2" name="Titre 1"/>
+          <p:cNvSpPr>
+            <a:spLocks noGrp="1"/>
+          </p:cNvSpPr>
+          <p:nvPr>
+            <p:ph type="title"/>
+          </p:nvPr>
+        </p:nvSpPr>
+        <p:spPr/>
+        <p:txBody>
+          <a:bodyPr>
+            <a:normAutofit/>
+          </a:bodyPr>
+          <a:lstStyle/>
+          <a:p>
+            <a:r>
+              <a:rPr lang="fr-FR" dirty="0" smtClean="0"/>
+              <a:t>Restitution</a:t>
+            </a:r>
+            <a:r>
+              <a:rPr lang="fr-FR" sz="1800" dirty="0" smtClean="0"/>
+              <a:t>(suite)</a:t>
+            </a:r>
+            <a:endParaRPr lang="fr-FR" dirty="0"/>
+          </a:p>
+        </p:txBody>
+      </p:sp>
+      <p:sp>
+        <p:nvSpPr>
+          <p:cNvPr id="3" name="Espace réservé du contenu 2"/>
+          <p:cNvSpPr>
+            <a:spLocks noGrp="1"/>
+          </p:cNvSpPr>
+          <p:nvPr>
+            <p:ph idx="1"/>
+          </p:nvPr>
+        </p:nvSpPr>
+        <p:spPr>
+          <a:xfrm>
+            <a:off x="2411760" y="1700808"/>
+            <a:ext cx="6552728" cy="4608512"/>
+          </a:xfrm>
+        </p:spPr>
+        <p:txBody>
+          <a:bodyPr>
+            <a:normAutofit/>
+          </a:bodyPr>
+          <a:lstStyle/>
+          <a:p>
+            <a:pPr algn="ctr">
+              <a:buNone/>
+            </a:pPr>
+            <a:r>
+              <a:rPr lang="fr-FR" sz="2800" b="1" dirty="0" smtClean="0">
+                <a:solidFill>
+                  <a:schemeClr val="accent5">
+                    <a:lumMod val="75000"/>
+                  </a:schemeClr>
+                </a:solidFill>
+              </a:rPr>
+              <a:t>Aspect Technique</a:t>
+            </a:r>
+          </a:p>
+          <a:p>
+            <a:pPr algn="ctr">
+              <a:buNone/>
+            </a:pPr>
+            <a:endParaRPr lang="fr-FR" sz="2800" b="1" dirty="0" smtClean="0">
+              <a:solidFill>
+                <a:schemeClr val="accent5">
+                  <a:lumMod val="75000"/>
+                </a:schemeClr>
+              </a:solidFill>
+            </a:endParaRPr>
+          </a:p>
+          <a:p>
+            <a:r>
+              <a:rPr lang="fr-FR" sz="2400" dirty="0" smtClean="0">
+                <a:solidFill>
+                  <a:schemeClr val="accent5">
+                    <a:lumMod val="75000"/>
+                  </a:schemeClr>
+                </a:solidFill>
+              </a:rPr>
+              <a:t>Recherche et ajout d’un film</a:t>
+            </a:r>
+            <a:endParaRPr lang="fr-FR" sz="2400" dirty="0" smtClean="0">
+              <a:solidFill>
+                <a:schemeClr val="accent5">
+                  <a:lumMod val="75000"/>
+                </a:schemeClr>
+              </a:solidFill>
+            </a:endParaRPr>
+          </a:p>
+          <a:p>
+            <a:pPr>
+              <a:buNone/>
+            </a:pPr>
+            <a:endParaRPr lang="fr-FR" sz="2800" b="1" dirty="0" smtClean="0">
+              <a:solidFill>
+                <a:schemeClr val="accent5">
+                  <a:lumMod val="75000"/>
+                </a:schemeClr>
+              </a:solidFill>
+            </a:endParaRPr>
+          </a:p>
+          <a:p>
+            <a:pPr algn="ctr">
+              <a:buNone/>
+            </a:pPr>
+            <a:endParaRPr lang="fr-FR" sz="2400" dirty="0" smtClean="0"/>
+          </a:p>
+          <a:p>
+            <a:pPr algn="ctr">
+              <a:buNone/>
+            </a:pPr>
+            <a:endParaRPr lang="fr-FR" sz="2400" dirty="0" smtClean="0"/>
+          </a:p>
+          <a:p>
+            <a:pPr algn="ctr">
+              <a:buNone/>
+            </a:pPr>
+            <a:endParaRPr lang="fr-FR" sz="2400" dirty="0" smtClean="0"/>
+          </a:p>
+          <a:p>
+            <a:pPr algn="ctr">
+              <a:buNone/>
+            </a:pPr>
+            <a:endParaRPr lang="fr-FR" sz="2400" dirty="0" smtClean="0"/>
+          </a:p>
+          <a:p>
+            <a:pPr algn="ctr">
+              <a:buNone/>
+            </a:pPr>
+            <a:r>
+              <a:rPr lang="fr-FR" sz="1400" i="1" dirty="0" smtClean="0"/>
+              <a:t>Utilisation de la fonction « </a:t>
+            </a:r>
+            <a:r>
+              <a:rPr lang="fr-FR" sz="1400" i="1" dirty="0" err="1" smtClean="0"/>
+              <a:t>exec</a:t>
+            </a:r>
+            <a:r>
+              <a:rPr lang="fr-FR" sz="1400" i="1" dirty="0" smtClean="0"/>
+              <a:t> » qui permet d’exécuter une application Java.</a:t>
+            </a:r>
+            <a:endParaRPr lang="fr-FR" sz="1400" i="1" dirty="0"/>
+          </a:p>
+        </p:txBody>
+      </p:sp>
+      <p:sp>
+        <p:nvSpPr>
+          <p:cNvPr id="6" name="Espace réservé du contenu 2"/>
+          <p:cNvSpPr txBox="1">
+            <a:spLocks/>
+          </p:cNvSpPr>
+          <p:nvPr/>
+        </p:nvSpPr>
+        <p:spPr>
+          <a:xfrm>
+            <a:off x="179512" y="1700808"/>
+            <a:ext cx="2088232" cy="4536504"/>
+          </a:xfrm>
+          <a:prstGeom prst="rect">
+            <a:avLst/>
+          </a:prstGeom>
+        </p:spPr>
+        <p:txBody>
+          <a:bodyPr vert="horz">
+            <a:normAutofit/>
+          </a:bodyPr>
+          <a:lstStyle/>
+          <a:p>
+            <a:pPr marL="342900" marR="0" lvl="0" indent="-342900" algn="l" defTabSz="914400" rtl="0" eaLnBrk="1" fontAlgn="auto" latinLnBrk="0" hangingPunct="1">
+              <a:lnSpc>
+                <a:spcPct val="100000"/>
+              </a:lnSpc>
+              <a:spcBef>
+                <a:spcPct val="20000"/>
+              </a:spcBef>
+              <a:spcAft>
+                <a:spcPts val="0"/>
+              </a:spcAft>
+              <a:buClr>
+                <a:schemeClr val="accent1"/>
+              </a:buClr>
+              <a:buSzPct val="70000"/>
+              <a:buFont typeface="Wingdings 2"/>
+              <a:buChar char=""/>
+              <a:tabLst/>
+              <a:defRPr/>
+            </a:pPr>
+            <a:r>
+              <a:rPr kumimoji="0" lang="fr-FR" sz="2400" i="0" u="none" strike="noStrike" kern="1200" cap="none" spc="0" normalizeH="0" baseline="0" noProof="0" dirty="0" smtClean="0">
+                <a:ln>
+                  <a:noFill/>
+                </a:ln>
+                <a:solidFill>
+                  <a:schemeClr val="tx2"/>
+                </a:solidFill>
+                <a:effectLst/>
+                <a:uLnTx/>
+                <a:uFillTx/>
+                <a:latin typeface="+mn-lt"/>
+                <a:ea typeface="+mn-ea"/>
+                <a:cs typeface="+mn-cs"/>
+              </a:rPr>
+              <a:t>Introduction</a:t>
+            </a:r>
+          </a:p>
+          <a:p>
+            <a:pPr marL="342900" marR="0" lvl="0" indent="-342900" algn="l" defTabSz="914400" rtl="0" eaLnBrk="1" fontAlgn="auto" latinLnBrk="0" hangingPunct="1">
+              <a:lnSpc>
+                <a:spcPct val="100000"/>
+              </a:lnSpc>
+              <a:spcBef>
+                <a:spcPct val="20000"/>
+              </a:spcBef>
+              <a:spcAft>
+                <a:spcPts val="0"/>
+              </a:spcAft>
+              <a:buClr>
+                <a:schemeClr val="accent1"/>
+              </a:buClr>
+              <a:buSzPct val="70000"/>
+              <a:buFont typeface="Wingdings 2"/>
+              <a:buChar char=""/>
+              <a:tabLst/>
+              <a:defRPr/>
+            </a:pPr>
+            <a:r>
+              <a:rPr lang="fr-FR" sz="2400" dirty="0" smtClean="0">
+                <a:solidFill>
+                  <a:schemeClr val="tx2"/>
+                </a:solidFill>
+              </a:rPr>
+              <a:t>Extraction</a:t>
+            </a:r>
+          </a:p>
+          <a:p>
+            <a:pPr marL="342900" marR="0" lvl="0" indent="-342900" algn="l" defTabSz="914400" rtl="0" eaLnBrk="1" fontAlgn="auto" latinLnBrk="0" hangingPunct="1">
+              <a:lnSpc>
+                <a:spcPct val="100000"/>
+              </a:lnSpc>
+              <a:spcBef>
+                <a:spcPct val="20000"/>
+              </a:spcBef>
+              <a:spcAft>
+                <a:spcPts val="0"/>
+              </a:spcAft>
+              <a:buClr>
+                <a:schemeClr val="accent1"/>
+              </a:buClr>
+              <a:buSzPct val="70000"/>
+              <a:buFont typeface="Wingdings 2"/>
+              <a:buChar char=""/>
+              <a:tabLst/>
+              <a:defRPr/>
+            </a:pPr>
+            <a:r>
+              <a:rPr kumimoji="0" lang="fr-FR" sz="2400" b="0" i="0" u="none" strike="noStrike" kern="1200" cap="none" spc="0" normalizeH="0" baseline="0" noProof="0" dirty="0" smtClean="0">
+                <a:ln>
+                  <a:noFill/>
+                </a:ln>
+                <a:solidFill>
+                  <a:schemeClr val="tx2"/>
+                </a:solidFill>
+                <a:effectLst/>
+                <a:uLnTx/>
+                <a:uFillTx/>
+                <a:latin typeface="+mn-lt"/>
+                <a:ea typeface="+mn-ea"/>
+                <a:cs typeface="+mn-cs"/>
+              </a:rPr>
+              <a:t>Stockage</a:t>
+            </a:r>
+          </a:p>
+          <a:p>
+            <a:pPr marL="342900" marR="0" lvl="0" indent="-342900" algn="l" defTabSz="914400" rtl="0" eaLnBrk="1" fontAlgn="auto" latinLnBrk="0" hangingPunct="1">
+              <a:lnSpc>
+                <a:spcPct val="100000"/>
+              </a:lnSpc>
+              <a:spcBef>
+                <a:spcPct val="20000"/>
+              </a:spcBef>
+              <a:spcAft>
+                <a:spcPts val="0"/>
+              </a:spcAft>
+              <a:buClr>
+                <a:schemeClr val="accent1"/>
+              </a:buClr>
+              <a:buSzPct val="70000"/>
+              <a:buFont typeface="Wingdings 2"/>
+              <a:buChar char=""/>
+              <a:tabLst/>
+              <a:defRPr/>
+            </a:pPr>
+            <a:r>
+              <a:rPr lang="fr-FR" sz="2400" b="1" dirty="0" smtClean="0">
+                <a:solidFill>
+                  <a:schemeClr val="tx2"/>
+                </a:solidFill>
+              </a:rPr>
+              <a:t>Restitution</a:t>
+            </a:r>
+            <a:endParaRPr kumimoji="0" lang="fr-FR" sz="2400" b="1" i="0" u="none" strike="noStrike" kern="1200" cap="none" spc="0" normalizeH="0" baseline="0" noProof="0" dirty="0" smtClean="0">
+              <a:ln>
+                <a:noFill/>
+              </a:ln>
+              <a:solidFill>
+                <a:schemeClr val="tx2"/>
+              </a:solidFill>
+              <a:effectLst/>
+              <a:uLnTx/>
+              <a:uFillTx/>
+              <a:latin typeface="+mn-lt"/>
+              <a:ea typeface="+mn-ea"/>
+              <a:cs typeface="+mn-cs"/>
+            </a:endParaRPr>
+          </a:p>
+          <a:p>
+            <a:pPr marL="342900" marR="0" lvl="0" indent="-342900" algn="l" defTabSz="914400" rtl="0" eaLnBrk="1" fontAlgn="auto" latinLnBrk="0" hangingPunct="1">
+              <a:lnSpc>
+                <a:spcPct val="100000"/>
+              </a:lnSpc>
+              <a:spcBef>
+                <a:spcPct val="20000"/>
+              </a:spcBef>
+              <a:spcAft>
+                <a:spcPts val="0"/>
+              </a:spcAft>
+              <a:buClr>
+                <a:schemeClr val="accent1"/>
+              </a:buClr>
+              <a:buSzPct val="70000"/>
+              <a:buFont typeface="Wingdings 2"/>
+              <a:buChar char=""/>
+              <a:tabLst/>
+              <a:defRPr/>
+            </a:pPr>
+            <a:r>
+              <a:rPr lang="fr-FR" sz="2400" dirty="0" smtClean="0">
+                <a:solidFill>
+                  <a:schemeClr val="tx2"/>
+                </a:solidFill>
+              </a:rPr>
+              <a:t>Conclusion</a:t>
+            </a:r>
+            <a:endParaRPr kumimoji="0" lang="fr-FR" sz="2400" b="0" i="0" u="none" strike="noStrike" kern="1200" cap="none" spc="0" normalizeH="0" baseline="0" noProof="0" dirty="0">
+              <a:ln>
+                <a:noFill/>
+              </a:ln>
+              <a:solidFill>
+                <a:schemeClr val="tx2"/>
+              </a:solidFill>
+              <a:effectLst/>
+              <a:uLnTx/>
+              <a:uFillTx/>
+              <a:latin typeface="+mn-lt"/>
+              <a:ea typeface="+mn-ea"/>
+              <a:cs typeface="+mn-cs"/>
+            </a:endParaRPr>
+          </a:p>
+        </p:txBody>
+      </p:sp>
+      <p:sp>
+        <p:nvSpPr>
+          <p:cNvPr id="7" name="ZoneTexte 6"/>
+          <p:cNvSpPr txBox="1"/>
+          <p:nvPr/>
+        </p:nvSpPr>
+        <p:spPr>
+          <a:xfrm>
+            <a:off x="0" y="6581001"/>
+            <a:ext cx="2708919" cy="276999"/>
+          </a:xfrm>
+          <a:prstGeom prst="rect">
+            <a:avLst/>
+          </a:prstGeom>
+          <a:noFill/>
+          <a:scene3d>
+            <a:camera prst="orthographicFront">
+              <a:rot lat="0" lon="0" rev="5400000"/>
+            </a:camera>
+            <a:lightRig rig="threePt" dir="t"/>
+          </a:scene3d>
+        </p:spPr>
+        <p:txBody>
+          <a:bodyPr wrap="square" rtlCol="0">
+            <a:spAutoFit/>
+            <a:scene3d>
+              <a:camera prst="orthographicFront">
+                <a:rot lat="0" lon="0" rev="0"/>
+              </a:camera>
+              <a:lightRig rig="threePt" dir="t"/>
+            </a:scene3d>
+            <a:flatTx/>
+          </a:bodyPr>
+          <a:lstStyle/>
+          <a:p>
+            <a:r>
+              <a:rPr lang="fr-FR" sz="1200" dirty="0" smtClean="0"/>
+              <a:t>Soutenance projet LPD2I 2010/2011</a:t>
+            </a:r>
+            <a:endParaRPr lang="fr-FR" sz="1200" dirty="0"/>
+          </a:p>
+        </p:txBody>
+      </p:sp>
+      <p:sp>
+        <p:nvSpPr>
+          <p:cNvPr id="9" name="ZoneTexte 8"/>
+          <p:cNvSpPr txBox="1"/>
+          <p:nvPr/>
+        </p:nvSpPr>
+        <p:spPr>
+          <a:xfrm>
+            <a:off x="5508104" y="6581001"/>
+            <a:ext cx="3635896" cy="276999"/>
+          </a:xfrm>
+          <a:prstGeom prst="rect">
+            <a:avLst/>
+          </a:prstGeom>
+          <a:noFill/>
+          <a:scene3d>
+            <a:camera prst="orthographicFront">
+              <a:rot lat="0" lon="0" rev="5400000"/>
+            </a:camera>
+            <a:lightRig rig="threePt" dir="t"/>
+          </a:scene3d>
+        </p:spPr>
+        <p:txBody>
+          <a:bodyPr wrap="square" rtlCol="0">
+            <a:spAutoFit/>
+            <a:scene3d>
+              <a:camera prst="orthographicFront">
+                <a:rot lat="0" lon="0" rev="0"/>
+              </a:camera>
+              <a:lightRig rig="threePt" dir="t"/>
+            </a:scene3d>
+            <a:flatTx/>
+          </a:bodyPr>
+          <a:lstStyle/>
+          <a:p>
+            <a:r>
+              <a:rPr lang="fr-FR" sz="1200" dirty="0" smtClean="0"/>
+              <a:t>Leonhard Hermle – Julien Cellier – Xavier Mourgues</a:t>
+            </a:r>
+            <a:endParaRPr lang="fr-FR" sz="1200" dirty="0"/>
+          </a:p>
+        </p:txBody>
+      </p:sp>
+      <p:cxnSp>
+        <p:nvCxnSpPr>
+          <p:cNvPr id="12" name="Connecteur droit 11"/>
+          <p:cNvCxnSpPr/>
+          <p:nvPr/>
+        </p:nvCxnSpPr>
+        <p:spPr>
+          <a:xfrm rot="5400000">
+            <a:off x="107504" y="4077072"/>
+            <a:ext cx="4464496" cy="0"/>
+          </a:xfrm>
+          <a:prstGeom prst="line">
+            <a:avLst/>
+          </a:prstGeom>
+        </p:spPr>
+        <p:style>
+          <a:lnRef idx="1">
+            <a:schemeClr val="accent1"/>
+          </a:lnRef>
+          <a:fillRef idx="0">
+            <a:schemeClr val="accent1"/>
+          </a:fillRef>
+          <a:effectRef idx="0">
+            <a:schemeClr val="accent1"/>
+          </a:effectRef>
+          <a:fontRef idx="minor">
+            <a:schemeClr val="tx1"/>
+          </a:fontRef>
+        </p:style>
+      </p:cxnSp>
+      <p:pic>
+        <p:nvPicPr>
+          <p:cNvPr id="11" name="Image 10" descr="Z:\Projet tut\projettuteurexml\screenshots\ajout film.JPG"/>
+          <p:cNvPicPr/>
+          <p:nvPr/>
+        </p:nvPicPr>
+        <p:blipFill>
+          <a:blip r:embed="rId2" cstate="print"/>
+          <a:srcRect/>
+          <a:stretch>
+            <a:fillRect/>
+          </a:stretch>
+        </p:blipFill>
+        <p:spPr bwMode="auto">
+          <a:xfrm>
+            <a:off x="2627784" y="3284984"/>
+            <a:ext cx="6313476" cy="1944216"/>
+          </a:xfrm>
+          <a:prstGeom prst="rect">
+            <a:avLst/>
+          </a:prstGeom>
+          <a:noFill/>
+          <a:ln w="9525">
+            <a:noFill/>
+            <a:miter lim="800000"/>
+            <a:headEnd/>
+            <a:tailEnd/>
+          </a:ln>
+        </p:spPr>
+      </p:pic>
     </p:spTree>
   </p:cSld>
   <p:clrMapOvr>
@@ -4826,15 +10156,7 @@
             </a:r>
             <a:r>
               <a:rPr lang="fr-FR" sz="2400" dirty="0" smtClean="0"/>
-              <a:t> </a:t>
-            </a:r>
-            <a:r>
-              <a:rPr lang="fr-FR" sz="2400" dirty="0" smtClean="0"/>
-              <a:t>du contenu de pages </a:t>
-            </a:r>
-            <a:r>
-              <a:rPr lang="fr-FR" sz="2400" dirty="0" smtClean="0"/>
-              <a:t>HTML.</a:t>
+              <a:t> du contenu de pages HTML.</a:t>
             </a:r>
           </a:p>
           <a:p>
@@ -4844,15 +10166,7 @@
             </a:r>
             <a:r>
               <a:rPr lang="fr-FR" sz="2400" dirty="0" smtClean="0"/>
-              <a:t> au format </a:t>
-            </a:r>
-            <a:r>
-              <a:rPr lang="fr-FR" sz="2400" dirty="0" smtClean="0"/>
-              <a:t>XML dans une base de </a:t>
-            </a:r>
-            <a:r>
-              <a:rPr lang="fr-FR" sz="2400" dirty="0" smtClean="0"/>
-              <a:t>données. </a:t>
+              <a:t> au format XML dans une base de données. </a:t>
             </a:r>
           </a:p>
           <a:p>
@@ -4862,19 +10176,7 @@
             </a:r>
             <a:r>
               <a:rPr lang="fr-FR" sz="2400" dirty="0" smtClean="0"/>
-              <a:t> ces données </a:t>
-            </a:r>
-            <a:r>
-              <a:rPr lang="fr-FR" sz="2400" dirty="0" smtClean="0"/>
-              <a:t>dans une </a:t>
-            </a:r>
-            <a:r>
-              <a:rPr lang="fr-FR" sz="2400" dirty="0" smtClean="0"/>
-              <a:t>interface </a:t>
-            </a:r>
-            <a:r>
-              <a:rPr lang="fr-FR" sz="2400" dirty="0" smtClean="0"/>
-              <a:t>graphique.</a:t>
+              <a:t> ces données dans une interface graphique.</a:t>
             </a:r>
             <a:endParaRPr lang="fr-FR" sz="2400" dirty="0"/>
           </a:p>
@@ -5211,6 +10513,1999 @@
           </a:fontRef>
         </p:style>
       </p:cxnSp>
+    </p:spTree>
+  </p:cSld>
+  <p:clrMapOvr>
+    <a:masterClrMapping/>
+  </p:clrMapOvr>
+  <p:timing>
+    <p:tnLst>
+      <p:par>
+        <p:cTn id="1" dur="indefinite" restart="never" nodeType="tmRoot"/>
+      </p:par>
+    </p:tnLst>
+  </p:timing>
+</p:sld>
+</file>
+
+<file path=ppt/slides/slide20.xml><?xml version="1.0" encoding="utf-8"?>
+<p:sld xmlns:a="http://schemas.openxmlformats.org/drawingml/2006/main" xmlns:r="http://schemas.openxmlformats.org/officeDocument/2006/relationships" xmlns:p="http://schemas.openxmlformats.org/presentationml/2006/main">
+  <p:cSld>
+    <p:spTree>
+      <p:nvGrpSpPr>
+        <p:cNvPr id="1" name=""/>
+        <p:cNvGrpSpPr/>
+        <p:nvPr/>
+      </p:nvGrpSpPr>
+      <p:grpSpPr>
+        <a:xfrm>
+          <a:off x="0" y="0"/>
+          <a:ext cx="0" cy="0"/>
+          <a:chOff x="0" y="0"/>
+          <a:chExt cx="0" cy="0"/>
+        </a:xfrm>
+      </p:grpSpPr>
+      <p:sp>
+        <p:nvSpPr>
+          <p:cNvPr id="2" name="Titre 1"/>
+          <p:cNvSpPr>
+            <a:spLocks noGrp="1"/>
+          </p:cNvSpPr>
+          <p:nvPr>
+            <p:ph type="title"/>
+          </p:nvPr>
+        </p:nvSpPr>
+        <p:spPr/>
+        <p:txBody>
+          <a:bodyPr>
+            <a:normAutofit/>
+          </a:bodyPr>
+          <a:lstStyle/>
+          <a:p>
+            <a:r>
+              <a:rPr lang="fr-FR" dirty="0" smtClean="0"/>
+              <a:t>Restitution</a:t>
+            </a:r>
+            <a:r>
+              <a:rPr lang="fr-FR" sz="1800" dirty="0" smtClean="0"/>
+              <a:t>(suite)</a:t>
+            </a:r>
+            <a:endParaRPr lang="fr-FR" dirty="0"/>
+          </a:p>
+        </p:txBody>
+      </p:sp>
+      <p:sp>
+        <p:nvSpPr>
+          <p:cNvPr id="3" name="Espace réservé du contenu 2"/>
+          <p:cNvSpPr>
+            <a:spLocks noGrp="1"/>
+          </p:cNvSpPr>
+          <p:nvPr>
+            <p:ph idx="1"/>
+          </p:nvPr>
+        </p:nvSpPr>
+        <p:spPr>
+          <a:xfrm>
+            <a:off x="2411760" y="1700808"/>
+            <a:ext cx="6552728" cy="504056"/>
+          </a:xfrm>
+        </p:spPr>
+        <p:txBody>
+          <a:bodyPr>
+            <a:normAutofit lnSpcReduction="10000"/>
+          </a:bodyPr>
+          <a:lstStyle/>
+          <a:p>
+            <a:pPr algn="ctr">
+              <a:buNone/>
+            </a:pPr>
+            <a:r>
+              <a:rPr lang="fr-FR" sz="2800" b="1" dirty="0" smtClean="0">
+                <a:solidFill>
+                  <a:schemeClr val="accent5">
+                    <a:lumMod val="75000"/>
+                  </a:schemeClr>
+                </a:solidFill>
+              </a:rPr>
+              <a:t>Structure de l’interface</a:t>
+            </a:r>
+            <a:endParaRPr lang="fr-FR" sz="2400" dirty="0"/>
+          </a:p>
+        </p:txBody>
+      </p:sp>
+      <p:sp>
+        <p:nvSpPr>
+          <p:cNvPr id="6" name="Espace réservé du contenu 2"/>
+          <p:cNvSpPr txBox="1">
+            <a:spLocks/>
+          </p:cNvSpPr>
+          <p:nvPr/>
+        </p:nvSpPr>
+        <p:spPr>
+          <a:xfrm>
+            <a:off x="179512" y="1700808"/>
+            <a:ext cx="2088232" cy="4536504"/>
+          </a:xfrm>
+          <a:prstGeom prst="rect">
+            <a:avLst/>
+          </a:prstGeom>
+        </p:spPr>
+        <p:txBody>
+          <a:bodyPr vert="horz">
+            <a:normAutofit/>
+          </a:bodyPr>
+          <a:lstStyle/>
+          <a:p>
+            <a:pPr marL="342900" marR="0" lvl="0" indent="-342900" algn="l" defTabSz="914400" rtl="0" eaLnBrk="1" fontAlgn="auto" latinLnBrk="0" hangingPunct="1">
+              <a:lnSpc>
+                <a:spcPct val="100000"/>
+              </a:lnSpc>
+              <a:spcBef>
+                <a:spcPct val="20000"/>
+              </a:spcBef>
+              <a:spcAft>
+                <a:spcPts val="0"/>
+              </a:spcAft>
+              <a:buClr>
+                <a:schemeClr val="accent1"/>
+              </a:buClr>
+              <a:buSzPct val="70000"/>
+              <a:buFont typeface="Wingdings 2"/>
+              <a:buChar char=""/>
+              <a:tabLst/>
+              <a:defRPr/>
+            </a:pPr>
+            <a:r>
+              <a:rPr kumimoji="0" lang="fr-FR" sz="2400" i="0" u="none" strike="noStrike" kern="1200" cap="none" spc="0" normalizeH="0" baseline="0" noProof="0" dirty="0" smtClean="0">
+                <a:ln>
+                  <a:noFill/>
+                </a:ln>
+                <a:solidFill>
+                  <a:schemeClr val="tx2"/>
+                </a:solidFill>
+                <a:effectLst/>
+                <a:uLnTx/>
+                <a:uFillTx/>
+                <a:latin typeface="+mn-lt"/>
+                <a:ea typeface="+mn-ea"/>
+                <a:cs typeface="+mn-cs"/>
+              </a:rPr>
+              <a:t>Introduction</a:t>
+            </a:r>
+          </a:p>
+          <a:p>
+            <a:pPr marL="342900" marR="0" lvl="0" indent="-342900" algn="l" defTabSz="914400" rtl="0" eaLnBrk="1" fontAlgn="auto" latinLnBrk="0" hangingPunct="1">
+              <a:lnSpc>
+                <a:spcPct val="100000"/>
+              </a:lnSpc>
+              <a:spcBef>
+                <a:spcPct val="20000"/>
+              </a:spcBef>
+              <a:spcAft>
+                <a:spcPts val="0"/>
+              </a:spcAft>
+              <a:buClr>
+                <a:schemeClr val="accent1"/>
+              </a:buClr>
+              <a:buSzPct val="70000"/>
+              <a:buFont typeface="Wingdings 2"/>
+              <a:buChar char=""/>
+              <a:tabLst/>
+              <a:defRPr/>
+            </a:pPr>
+            <a:r>
+              <a:rPr lang="fr-FR" sz="2400" dirty="0" smtClean="0">
+                <a:solidFill>
+                  <a:schemeClr val="tx2"/>
+                </a:solidFill>
+              </a:rPr>
+              <a:t>Extraction</a:t>
+            </a:r>
+          </a:p>
+          <a:p>
+            <a:pPr marL="342900" marR="0" lvl="0" indent="-342900" algn="l" defTabSz="914400" rtl="0" eaLnBrk="1" fontAlgn="auto" latinLnBrk="0" hangingPunct="1">
+              <a:lnSpc>
+                <a:spcPct val="100000"/>
+              </a:lnSpc>
+              <a:spcBef>
+                <a:spcPct val="20000"/>
+              </a:spcBef>
+              <a:spcAft>
+                <a:spcPts val="0"/>
+              </a:spcAft>
+              <a:buClr>
+                <a:schemeClr val="accent1"/>
+              </a:buClr>
+              <a:buSzPct val="70000"/>
+              <a:buFont typeface="Wingdings 2"/>
+              <a:buChar char=""/>
+              <a:tabLst/>
+              <a:defRPr/>
+            </a:pPr>
+            <a:r>
+              <a:rPr kumimoji="0" lang="fr-FR" sz="2400" b="0" i="0" u="none" strike="noStrike" kern="1200" cap="none" spc="0" normalizeH="0" baseline="0" noProof="0" dirty="0" smtClean="0">
+                <a:ln>
+                  <a:noFill/>
+                </a:ln>
+                <a:solidFill>
+                  <a:schemeClr val="tx2"/>
+                </a:solidFill>
+                <a:effectLst/>
+                <a:uLnTx/>
+                <a:uFillTx/>
+                <a:latin typeface="+mn-lt"/>
+                <a:ea typeface="+mn-ea"/>
+                <a:cs typeface="+mn-cs"/>
+              </a:rPr>
+              <a:t>Stockage</a:t>
+            </a:r>
+          </a:p>
+          <a:p>
+            <a:pPr marL="342900" marR="0" lvl="0" indent="-342900" algn="l" defTabSz="914400" rtl="0" eaLnBrk="1" fontAlgn="auto" latinLnBrk="0" hangingPunct="1">
+              <a:lnSpc>
+                <a:spcPct val="100000"/>
+              </a:lnSpc>
+              <a:spcBef>
+                <a:spcPct val="20000"/>
+              </a:spcBef>
+              <a:spcAft>
+                <a:spcPts val="0"/>
+              </a:spcAft>
+              <a:buClr>
+                <a:schemeClr val="accent1"/>
+              </a:buClr>
+              <a:buSzPct val="70000"/>
+              <a:buFont typeface="Wingdings 2"/>
+              <a:buChar char=""/>
+              <a:tabLst/>
+              <a:defRPr/>
+            </a:pPr>
+            <a:r>
+              <a:rPr lang="fr-FR" sz="2400" b="1" dirty="0" smtClean="0">
+                <a:solidFill>
+                  <a:schemeClr val="tx2"/>
+                </a:solidFill>
+              </a:rPr>
+              <a:t>Restitution</a:t>
+            </a:r>
+            <a:endParaRPr kumimoji="0" lang="fr-FR" sz="2400" b="1" i="0" u="none" strike="noStrike" kern="1200" cap="none" spc="0" normalizeH="0" baseline="0" noProof="0" dirty="0" smtClean="0">
+              <a:ln>
+                <a:noFill/>
+              </a:ln>
+              <a:solidFill>
+                <a:schemeClr val="tx2"/>
+              </a:solidFill>
+              <a:effectLst/>
+              <a:uLnTx/>
+              <a:uFillTx/>
+              <a:latin typeface="+mn-lt"/>
+              <a:ea typeface="+mn-ea"/>
+              <a:cs typeface="+mn-cs"/>
+            </a:endParaRPr>
+          </a:p>
+          <a:p>
+            <a:pPr marL="342900" marR="0" lvl="0" indent="-342900" algn="l" defTabSz="914400" rtl="0" eaLnBrk="1" fontAlgn="auto" latinLnBrk="0" hangingPunct="1">
+              <a:lnSpc>
+                <a:spcPct val="100000"/>
+              </a:lnSpc>
+              <a:spcBef>
+                <a:spcPct val="20000"/>
+              </a:spcBef>
+              <a:spcAft>
+                <a:spcPts val="0"/>
+              </a:spcAft>
+              <a:buClr>
+                <a:schemeClr val="accent1"/>
+              </a:buClr>
+              <a:buSzPct val="70000"/>
+              <a:buFont typeface="Wingdings 2"/>
+              <a:buChar char=""/>
+              <a:tabLst/>
+              <a:defRPr/>
+            </a:pPr>
+            <a:r>
+              <a:rPr lang="fr-FR" sz="2400" dirty="0" smtClean="0">
+                <a:solidFill>
+                  <a:schemeClr val="tx2"/>
+                </a:solidFill>
+              </a:rPr>
+              <a:t>Conclusion</a:t>
+            </a:r>
+            <a:endParaRPr kumimoji="0" lang="fr-FR" sz="2400" b="0" i="0" u="none" strike="noStrike" kern="1200" cap="none" spc="0" normalizeH="0" baseline="0" noProof="0" dirty="0">
+              <a:ln>
+                <a:noFill/>
+              </a:ln>
+              <a:solidFill>
+                <a:schemeClr val="tx2"/>
+              </a:solidFill>
+              <a:effectLst/>
+              <a:uLnTx/>
+              <a:uFillTx/>
+              <a:latin typeface="+mn-lt"/>
+              <a:ea typeface="+mn-ea"/>
+              <a:cs typeface="+mn-cs"/>
+            </a:endParaRPr>
+          </a:p>
+        </p:txBody>
+      </p:sp>
+      <p:sp>
+        <p:nvSpPr>
+          <p:cNvPr id="7" name="ZoneTexte 6"/>
+          <p:cNvSpPr txBox="1"/>
+          <p:nvPr/>
+        </p:nvSpPr>
+        <p:spPr>
+          <a:xfrm>
+            <a:off x="0" y="6581001"/>
+            <a:ext cx="2708919" cy="276999"/>
+          </a:xfrm>
+          <a:prstGeom prst="rect">
+            <a:avLst/>
+          </a:prstGeom>
+          <a:noFill/>
+          <a:scene3d>
+            <a:camera prst="orthographicFront">
+              <a:rot lat="0" lon="0" rev="5400000"/>
+            </a:camera>
+            <a:lightRig rig="threePt" dir="t"/>
+          </a:scene3d>
+        </p:spPr>
+        <p:txBody>
+          <a:bodyPr wrap="square" rtlCol="0">
+            <a:spAutoFit/>
+            <a:scene3d>
+              <a:camera prst="orthographicFront">
+                <a:rot lat="0" lon="0" rev="0"/>
+              </a:camera>
+              <a:lightRig rig="threePt" dir="t"/>
+            </a:scene3d>
+            <a:flatTx/>
+          </a:bodyPr>
+          <a:lstStyle/>
+          <a:p>
+            <a:r>
+              <a:rPr lang="fr-FR" sz="1200" dirty="0" smtClean="0"/>
+              <a:t>Soutenance projet LPD2I 2010/2011</a:t>
+            </a:r>
+            <a:endParaRPr lang="fr-FR" sz="1200" dirty="0"/>
+          </a:p>
+        </p:txBody>
+      </p:sp>
+      <p:sp>
+        <p:nvSpPr>
+          <p:cNvPr id="9" name="ZoneTexte 8"/>
+          <p:cNvSpPr txBox="1"/>
+          <p:nvPr/>
+        </p:nvSpPr>
+        <p:spPr>
+          <a:xfrm>
+            <a:off x="5508104" y="6581001"/>
+            <a:ext cx="3635896" cy="276999"/>
+          </a:xfrm>
+          <a:prstGeom prst="rect">
+            <a:avLst/>
+          </a:prstGeom>
+          <a:noFill/>
+          <a:scene3d>
+            <a:camera prst="orthographicFront">
+              <a:rot lat="0" lon="0" rev="5400000"/>
+            </a:camera>
+            <a:lightRig rig="threePt" dir="t"/>
+          </a:scene3d>
+        </p:spPr>
+        <p:txBody>
+          <a:bodyPr wrap="square" rtlCol="0">
+            <a:spAutoFit/>
+            <a:scene3d>
+              <a:camera prst="orthographicFront">
+                <a:rot lat="0" lon="0" rev="0"/>
+              </a:camera>
+              <a:lightRig rig="threePt" dir="t"/>
+            </a:scene3d>
+            <a:flatTx/>
+          </a:bodyPr>
+          <a:lstStyle/>
+          <a:p>
+            <a:r>
+              <a:rPr lang="fr-FR" sz="1200" dirty="0" smtClean="0"/>
+              <a:t>Leonhard Hermle – Julien Cellier – Xavier Mourgues</a:t>
+            </a:r>
+            <a:endParaRPr lang="fr-FR" sz="1200" dirty="0"/>
+          </a:p>
+        </p:txBody>
+      </p:sp>
+      <p:cxnSp>
+        <p:nvCxnSpPr>
+          <p:cNvPr id="12" name="Connecteur droit 11"/>
+          <p:cNvCxnSpPr/>
+          <p:nvPr/>
+        </p:nvCxnSpPr>
+        <p:spPr>
+          <a:xfrm rot="5400000">
+            <a:off x="107504" y="4077072"/>
+            <a:ext cx="4464496" cy="0"/>
+          </a:xfrm>
+          <a:prstGeom prst="line">
+            <a:avLst/>
+          </a:prstGeom>
+        </p:spPr>
+        <p:style>
+          <a:lnRef idx="1">
+            <a:schemeClr val="accent1"/>
+          </a:lnRef>
+          <a:fillRef idx="0">
+            <a:schemeClr val="accent1"/>
+          </a:fillRef>
+          <a:effectRef idx="0">
+            <a:schemeClr val="accent1"/>
+          </a:effectRef>
+          <a:fontRef idx="minor">
+            <a:schemeClr val="tx1"/>
+          </a:fontRef>
+        </p:style>
+      </p:cxnSp>
+      <p:sp>
+        <p:nvSpPr>
+          <p:cNvPr id="2065" name="Text Box 17"/>
+          <p:cNvSpPr txBox="1">
+            <a:spLocks noChangeArrowheads="1"/>
+          </p:cNvSpPr>
+          <p:nvPr/>
+        </p:nvSpPr>
+        <p:spPr bwMode="auto">
+          <a:xfrm>
+            <a:off x="4427984" y="2780928"/>
+            <a:ext cx="1990725" cy="238125"/>
+          </a:xfrm>
+          <a:prstGeom prst="rect">
+            <a:avLst/>
+          </a:prstGeom>
+          <a:solidFill>
+            <a:srgbClr val="FFFFFF"/>
+          </a:solidFill>
+          <a:ln w="9525">
+            <a:solidFill>
+              <a:srgbClr val="000000"/>
+            </a:solidFill>
+            <a:miter lim="800000"/>
+            <a:headEnd/>
+            <a:tailEnd/>
+          </a:ln>
+        </p:spPr>
+        <p:txBody>
+          <a:bodyPr vert="horz" wrap="square" lIns="91440" tIns="45720" rIns="91440" bIns="45720" numCol="1" anchor="t" anchorCtr="0" compatLnSpc="1">
+            <a:prstTxWarp prst="textNoShape">
+              <a:avLst/>
+            </a:prstTxWarp>
+          </a:bodyPr>
+          <a:lstStyle/>
+          <a:p>
+            <a:pPr marL="0" marR="0" lvl="0" indent="0" algn="ctr" defTabSz="914400" rtl="0" eaLnBrk="1" fontAlgn="base" latinLnBrk="0" hangingPunct="1">
+              <a:lnSpc>
+                <a:spcPct val="100000"/>
+              </a:lnSpc>
+              <a:spcBef>
+                <a:spcPct val="0"/>
+              </a:spcBef>
+              <a:spcAft>
+                <a:spcPct val="0"/>
+              </a:spcAft>
+              <a:buClrTx/>
+              <a:buSzTx/>
+              <a:buFontTx/>
+              <a:buNone/>
+              <a:tabLst/>
+            </a:pPr>
+            <a:r>
+              <a:rPr kumimoji="0" lang="fr-FR" sz="1000" b="0" i="0" u="none" strike="noStrike" cap="none" normalizeH="0" baseline="0" dirty="0" smtClean="0">
+                <a:ln>
+                  <a:noFill/>
+                </a:ln>
+                <a:solidFill>
+                  <a:schemeClr val="tx1"/>
+                </a:solidFill>
+                <a:effectLst/>
+                <a:latin typeface="Calibri" pitchFamily="34" charset="0"/>
+                <a:ea typeface="Calibri" pitchFamily="34" charset="0"/>
+                <a:cs typeface="Times New Roman" pitchFamily="18" charset="0"/>
+              </a:rPr>
+              <a:t>Menu</a:t>
+            </a:r>
+            <a:endParaRPr kumimoji="0" lang="fr-FR" sz="1800" b="0" i="0" u="none" strike="noStrike" cap="none" normalizeH="0" baseline="0" dirty="0" smtClean="0">
+              <a:ln>
+                <a:noFill/>
+              </a:ln>
+              <a:solidFill>
+                <a:schemeClr val="tx1"/>
+              </a:solidFill>
+              <a:effectLst/>
+              <a:latin typeface="Arial" pitchFamily="34" charset="0"/>
+            </a:endParaRPr>
+          </a:p>
+        </p:txBody>
+      </p:sp>
+      <p:sp>
+        <p:nvSpPr>
+          <p:cNvPr id="2064" name="Text Box 16"/>
+          <p:cNvSpPr txBox="1">
+            <a:spLocks noChangeArrowheads="1"/>
+          </p:cNvSpPr>
+          <p:nvPr/>
+        </p:nvSpPr>
+        <p:spPr bwMode="auto">
+          <a:xfrm>
+            <a:off x="2799209" y="3501008"/>
+            <a:ext cx="1495425" cy="1190625"/>
+          </a:xfrm>
+          <a:prstGeom prst="rect">
+            <a:avLst/>
+          </a:prstGeom>
+          <a:solidFill>
+            <a:srgbClr val="FFFFFF"/>
+          </a:solidFill>
+          <a:ln w="9525">
+            <a:solidFill>
+              <a:srgbClr val="000000"/>
+            </a:solidFill>
+            <a:miter lim="800000"/>
+            <a:headEnd/>
+            <a:tailEnd/>
+          </a:ln>
+        </p:spPr>
+        <p:txBody>
+          <a:bodyPr vert="horz" wrap="square" lIns="91440" tIns="45720" rIns="91440" bIns="45720" numCol="1" anchor="t" anchorCtr="0" compatLnSpc="1">
+            <a:prstTxWarp prst="textNoShape">
+              <a:avLst/>
+            </a:prstTxWarp>
+          </a:bodyPr>
+          <a:lstStyle/>
+          <a:p>
+            <a:pPr marL="0" marR="0" lvl="0" indent="0" algn="ctr" defTabSz="914400" rtl="0" eaLnBrk="1" fontAlgn="base" latinLnBrk="0" hangingPunct="1">
+              <a:lnSpc>
+                <a:spcPct val="100000"/>
+              </a:lnSpc>
+              <a:spcBef>
+                <a:spcPct val="0"/>
+              </a:spcBef>
+              <a:spcAft>
+                <a:spcPct val="0"/>
+              </a:spcAft>
+              <a:buClrTx/>
+              <a:buSzTx/>
+              <a:buFontTx/>
+              <a:buNone/>
+              <a:tabLst/>
+            </a:pPr>
+            <a:r>
+              <a:rPr kumimoji="0" lang="fr-FR" sz="1000" b="0" i="0" u="none" strike="noStrike" cap="none" normalizeH="0" baseline="0" smtClean="0">
+                <a:ln>
+                  <a:noFill/>
+                </a:ln>
+                <a:solidFill>
+                  <a:schemeClr val="tx1"/>
+                </a:solidFill>
+                <a:effectLst/>
+                <a:latin typeface="Calibri" pitchFamily="34" charset="0"/>
+                <a:ea typeface="Calibri" pitchFamily="34" charset="0"/>
+                <a:cs typeface="Times New Roman" pitchFamily="18" charset="0"/>
+              </a:rPr>
+              <a:t>Page films (propose un tri par alphabet)</a:t>
+            </a:r>
+            <a:endParaRPr kumimoji="0" lang="fr-FR" sz="1800" b="0" i="0" u="none" strike="noStrike" cap="none" normalizeH="0" baseline="0" smtClean="0">
+              <a:ln>
+                <a:noFill/>
+              </a:ln>
+              <a:solidFill>
+                <a:schemeClr val="tx1"/>
+              </a:solidFill>
+              <a:effectLst/>
+              <a:latin typeface="Arial" pitchFamily="34" charset="0"/>
+            </a:endParaRPr>
+          </a:p>
+        </p:txBody>
+      </p:sp>
+      <p:sp>
+        <p:nvSpPr>
+          <p:cNvPr id="2063" name="Text Box 15"/>
+          <p:cNvSpPr txBox="1">
+            <a:spLocks noChangeArrowheads="1"/>
+          </p:cNvSpPr>
+          <p:nvPr/>
+        </p:nvSpPr>
+        <p:spPr bwMode="auto">
+          <a:xfrm>
+            <a:off x="4427984" y="3501008"/>
+            <a:ext cx="1362075" cy="1190625"/>
+          </a:xfrm>
+          <a:prstGeom prst="rect">
+            <a:avLst/>
+          </a:prstGeom>
+          <a:solidFill>
+            <a:srgbClr val="FFFFFF"/>
+          </a:solidFill>
+          <a:ln w="9525">
+            <a:solidFill>
+              <a:srgbClr val="000000"/>
+            </a:solidFill>
+            <a:miter lim="800000"/>
+            <a:headEnd/>
+            <a:tailEnd/>
+          </a:ln>
+        </p:spPr>
+        <p:txBody>
+          <a:bodyPr vert="horz" wrap="square" lIns="91440" tIns="45720" rIns="91440" bIns="45720" numCol="1" anchor="t" anchorCtr="0" compatLnSpc="1">
+            <a:prstTxWarp prst="textNoShape">
+              <a:avLst/>
+            </a:prstTxWarp>
+          </a:bodyPr>
+          <a:lstStyle/>
+          <a:p>
+            <a:pPr marL="0" marR="0" lvl="0" indent="0" algn="ctr" defTabSz="914400" rtl="0" eaLnBrk="1" fontAlgn="base" latinLnBrk="0" hangingPunct="1">
+              <a:lnSpc>
+                <a:spcPct val="100000"/>
+              </a:lnSpc>
+              <a:spcBef>
+                <a:spcPct val="0"/>
+              </a:spcBef>
+              <a:spcAft>
+                <a:spcPct val="0"/>
+              </a:spcAft>
+              <a:buClrTx/>
+              <a:buSzTx/>
+              <a:buFontTx/>
+              <a:buNone/>
+              <a:tabLst/>
+            </a:pPr>
+            <a:r>
+              <a:rPr kumimoji="0" lang="fr-FR" sz="1000" b="0" i="0" u="none" strike="noStrike" cap="none" normalizeH="0" baseline="0" dirty="0" smtClean="0">
+                <a:ln>
+                  <a:noFill/>
+                </a:ln>
+                <a:solidFill>
+                  <a:schemeClr val="tx1"/>
+                </a:solidFill>
+                <a:effectLst/>
+                <a:latin typeface="Calibri" pitchFamily="34" charset="0"/>
+                <a:ea typeface="Calibri" pitchFamily="34" charset="0"/>
+                <a:cs typeface="Times New Roman" pitchFamily="18" charset="0"/>
+              </a:rPr>
+              <a:t>Page genres (affichage des genres disponibles dans la base de données Oracle)</a:t>
+            </a:r>
+            <a:endParaRPr kumimoji="0" lang="fr-FR" sz="1800" b="0" i="0" u="none" strike="noStrike" cap="none" normalizeH="0" baseline="0" dirty="0" smtClean="0">
+              <a:ln>
+                <a:noFill/>
+              </a:ln>
+              <a:solidFill>
+                <a:schemeClr val="tx1"/>
+              </a:solidFill>
+              <a:effectLst/>
+              <a:latin typeface="Arial" pitchFamily="34" charset="0"/>
+            </a:endParaRPr>
+          </a:p>
+        </p:txBody>
+      </p:sp>
+      <p:sp>
+        <p:nvSpPr>
+          <p:cNvPr id="2062" name="Text Box 14"/>
+          <p:cNvSpPr txBox="1">
+            <a:spLocks noChangeArrowheads="1"/>
+          </p:cNvSpPr>
+          <p:nvPr/>
+        </p:nvSpPr>
+        <p:spPr bwMode="auto">
+          <a:xfrm>
+            <a:off x="5894834" y="3501008"/>
+            <a:ext cx="1295400" cy="1190625"/>
+          </a:xfrm>
+          <a:prstGeom prst="rect">
+            <a:avLst/>
+          </a:prstGeom>
+          <a:solidFill>
+            <a:srgbClr val="FFFFFF"/>
+          </a:solidFill>
+          <a:ln w="9525">
+            <a:solidFill>
+              <a:srgbClr val="000000"/>
+            </a:solidFill>
+            <a:miter lim="800000"/>
+            <a:headEnd/>
+            <a:tailEnd/>
+          </a:ln>
+        </p:spPr>
+        <p:txBody>
+          <a:bodyPr vert="horz" wrap="square" lIns="91440" tIns="45720" rIns="91440" bIns="45720" numCol="1" anchor="t" anchorCtr="0" compatLnSpc="1">
+            <a:prstTxWarp prst="textNoShape">
+              <a:avLst/>
+            </a:prstTxWarp>
+          </a:bodyPr>
+          <a:lstStyle/>
+          <a:p>
+            <a:pPr marL="0" marR="0" lvl="0" indent="0" algn="ctr" defTabSz="914400" rtl="0" eaLnBrk="1" fontAlgn="base" latinLnBrk="0" hangingPunct="1">
+              <a:lnSpc>
+                <a:spcPct val="100000"/>
+              </a:lnSpc>
+              <a:spcBef>
+                <a:spcPct val="0"/>
+              </a:spcBef>
+              <a:spcAft>
+                <a:spcPct val="0"/>
+              </a:spcAft>
+              <a:buClrTx/>
+              <a:buSzTx/>
+              <a:buFontTx/>
+              <a:buNone/>
+              <a:tabLst/>
+            </a:pPr>
+            <a:r>
+              <a:rPr kumimoji="0" lang="fr-FR" sz="1000" b="0" i="0" u="none" strike="noStrike" cap="none" normalizeH="0" baseline="0" smtClean="0">
+                <a:ln>
+                  <a:noFill/>
+                </a:ln>
+                <a:solidFill>
+                  <a:schemeClr val="tx1"/>
+                </a:solidFill>
+                <a:effectLst/>
+                <a:latin typeface="Calibri" pitchFamily="34" charset="0"/>
+                <a:ea typeface="Calibri" pitchFamily="34" charset="0"/>
+                <a:cs typeface="Times New Roman" pitchFamily="18" charset="0"/>
+              </a:rPr>
+              <a:t>Page recherche simple (fonction Ajax qui fait une recherche approximative d’un film par nom)</a:t>
+            </a:r>
+            <a:endParaRPr kumimoji="0" lang="fr-FR" sz="1800" b="0" i="0" u="none" strike="noStrike" cap="none" normalizeH="0" baseline="0" smtClean="0">
+              <a:ln>
+                <a:noFill/>
+              </a:ln>
+              <a:solidFill>
+                <a:schemeClr val="tx1"/>
+              </a:solidFill>
+              <a:effectLst/>
+              <a:latin typeface="Arial" pitchFamily="34" charset="0"/>
+            </a:endParaRPr>
+          </a:p>
+        </p:txBody>
+      </p:sp>
+      <p:sp>
+        <p:nvSpPr>
+          <p:cNvPr id="2061" name="Text Box 13"/>
+          <p:cNvSpPr txBox="1">
+            <a:spLocks noChangeArrowheads="1"/>
+          </p:cNvSpPr>
+          <p:nvPr/>
+        </p:nvSpPr>
+        <p:spPr bwMode="auto">
+          <a:xfrm>
+            <a:off x="7298184" y="3501008"/>
+            <a:ext cx="1358900" cy="1190625"/>
+          </a:xfrm>
+          <a:prstGeom prst="rect">
+            <a:avLst/>
+          </a:prstGeom>
+          <a:solidFill>
+            <a:srgbClr val="FFFFFF"/>
+          </a:solidFill>
+          <a:ln w="9525">
+            <a:solidFill>
+              <a:srgbClr val="000000"/>
+            </a:solidFill>
+            <a:miter lim="800000"/>
+            <a:headEnd/>
+            <a:tailEnd/>
+          </a:ln>
+        </p:spPr>
+        <p:txBody>
+          <a:bodyPr vert="horz" wrap="square" lIns="91440" tIns="45720" rIns="91440" bIns="45720" numCol="1" anchor="t" anchorCtr="0" compatLnSpc="1">
+            <a:prstTxWarp prst="textNoShape">
+              <a:avLst/>
+            </a:prstTxWarp>
+          </a:bodyPr>
+          <a:lstStyle/>
+          <a:p>
+            <a:pPr marL="0" marR="0" lvl="0" indent="0" algn="ctr" defTabSz="914400" rtl="0" eaLnBrk="1" fontAlgn="base" latinLnBrk="0" hangingPunct="1">
+              <a:lnSpc>
+                <a:spcPct val="100000"/>
+              </a:lnSpc>
+              <a:spcBef>
+                <a:spcPct val="0"/>
+              </a:spcBef>
+              <a:spcAft>
+                <a:spcPct val="0"/>
+              </a:spcAft>
+              <a:buClrTx/>
+              <a:buSzTx/>
+              <a:buFontTx/>
+              <a:buNone/>
+              <a:tabLst/>
+            </a:pPr>
+            <a:r>
+              <a:rPr kumimoji="0" lang="fr-FR" sz="1000" b="0" i="0" u="none" strike="noStrike" cap="none" normalizeH="0" baseline="0" smtClean="0">
+                <a:ln>
+                  <a:noFill/>
+                </a:ln>
+                <a:solidFill>
+                  <a:schemeClr val="tx1"/>
+                </a:solidFill>
+                <a:effectLst/>
+                <a:latin typeface="Calibri" pitchFamily="34" charset="0"/>
+                <a:ea typeface="Calibri" pitchFamily="34" charset="0"/>
+                <a:cs typeface="Times New Roman" pitchFamily="18" charset="0"/>
+              </a:rPr>
+              <a:t>Ajouter un film (permet la recherche d’un film grâce à un formulaire via l’application java)</a:t>
+            </a:r>
+            <a:endParaRPr kumimoji="0" lang="fr-FR" sz="1800" b="0" i="0" u="none" strike="noStrike" cap="none" normalizeH="0" baseline="0" smtClean="0">
+              <a:ln>
+                <a:noFill/>
+              </a:ln>
+              <a:solidFill>
+                <a:schemeClr val="tx1"/>
+              </a:solidFill>
+              <a:effectLst/>
+              <a:latin typeface="Arial" pitchFamily="34" charset="0"/>
+            </a:endParaRPr>
+          </a:p>
+        </p:txBody>
+      </p:sp>
+      <p:sp>
+        <p:nvSpPr>
+          <p:cNvPr id="2060" name="AutoShape 12"/>
+          <p:cNvSpPr>
+            <a:spLocks noChangeShapeType="1"/>
+          </p:cNvSpPr>
+          <p:nvPr/>
+        </p:nvSpPr>
+        <p:spPr bwMode="auto">
+          <a:xfrm flipH="1">
+            <a:off x="3542159" y="2970783"/>
+            <a:ext cx="885825" cy="542925"/>
+          </a:xfrm>
+          <a:prstGeom prst="straightConnector1">
+            <a:avLst/>
+          </a:prstGeom>
+          <a:noFill/>
+          <a:ln w="9525">
+            <a:solidFill>
+              <a:srgbClr val="000000"/>
+            </a:solidFill>
+            <a:round/>
+            <a:headEnd/>
+            <a:tailEnd type="triangle" w="med" len="med"/>
+          </a:ln>
+        </p:spPr>
+        <p:txBody>
+          <a:bodyPr vert="horz" wrap="square" lIns="91440" tIns="45720" rIns="91440" bIns="45720" numCol="1" anchor="t" anchorCtr="0" compatLnSpc="1">
+            <a:prstTxWarp prst="textNoShape">
+              <a:avLst/>
+            </a:prstTxWarp>
+          </a:bodyPr>
+          <a:lstStyle/>
+          <a:p>
+            <a:endParaRPr lang="fr-FR"/>
+          </a:p>
+        </p:txBody>
+      </p:sp>
+      <p:sp>
+        <p:nvSpPr>
+          <p:cNvPr id="2059" name="AutoShape 11"/>
+          <p:cNvSpPr>
+            <a:spLocks noChangeShapeType="1"/>
+          </p:cNvSpPr>
+          <p:nvPr/>
+        </p:nvSpPr>
+        <p:spPr bwMode="auto">
+          <a:xfrm flipH="1">
+            <a:off x="5085207" y="3068960"/>
+            <a:ext cx="134864" cy="444748"/>
+          </a:xfrm>
+          <a:prstGeom prst="straightConnector1">
+            <a:avLst/>
+          </a:prstGeom>
+          <a:noFill/>
+          <a:ln w="9525">
+            <a:solidFill>
+              <a:srgbClr val="000000"/>
+            </a:solidFill>
+            <a:round/>
+            <a:headEnd/>
+            <a:tailEnd type="triangle" w="med" len="med"/>
+          </a:ln>
+        </p:spPr>
+        <p:txBody>
+          <a:bodyPr vert="horz" wrap="square" lIns="91440" tIns="45720" rIns="91440" bIns="45720" numCol="1" anchor="t" anchorCtr="0" compatLnSpc="1">
+            <a:prstTxWarp prst="textNoShape">
+              <a:avLst/>
+            </a:prstTxWarp>
+          </a:bodyPr>
+          <a:lstStyle/>
+          <a:p>
+            <a:endParaRPr lang="fr-FR"/>
+          </a:p>
+        </p:txBody>
+      </p:sp>
+      <p:sp>
+        <p:nvSpPr>
+          <p:cNvPr id="2058" name="AutoShape 10"/>
+          <p:cNvSpPr>
+            <a:spLocks noChangeShapeType="1"/>
+          </p:cNvSpPr>
+          <p:nvPr/>
+        </p:nvSpPr>
+        <p:spPr bwMode="auto">
+          <a:xfrm>
+            <a:off x="5724128" y="2996952"/>
+            <a:ext cx="780306" cy="516756"/>
+          </a:xfrm>
+          <a:prstGeom prst="straightConnector1">
+            <a:avLst/>
+          </a:prstGeom>
+          <a:noFill/>
+          <a:ln w="9525">
+            <a:solidFill>
+              <a:srgbClr val="000000"/>
+            </a:solidFill>
+            <a:round/>
+            <a:headEnd/>
+            <a:tailEnd type="triangle" w="med" len="med"/>
+          </a:ln>
+        </p:spPr>
+        <p:txBody>
+          <a:bodyPr vert="horz" wrap="square" lIns="91440" tIns="45720" rIns="91440" bIns="45720" numCol="1" anchor="t" anchorCtr="0" compatLnSpc="1">
+            <a:prstTxWarp prst="textNoShape">
+              <a:avLst/>
+            </a:prstTxWarp>
+          </a:bodyPr>
+          <a:lstStyle/>
+          <a:p>
+            <a:endParaRPr lang="fr-FR"/>
+          </a:p>
+        </p:txBody>
+      </p:sp>
+      <p:sp>
+        <p:nvSpPr>
+          <p:cNvPr id="2057" name="AutoShape 9"/>
+          <p:cNvSpPr>
+            <a:spLocks noChangeShapeType="1"/>
+          </p:cNvSpPr>
+          <p:nvPr/>
+        </p:nvSpPr>
+        <p:spPr bwMode="auto">
+          <a:xfrm>
+            <a:off x="6418709" y="2970783"/>
+            <a:ext cx="1562100" cy="542925"/>
+          </a:xfrm>
+          <a:prstGeom prst="straightConnector1">
+            <a:avLst/>
+          </a:prstGeom>
+          <a:noFill/>
+          <a:ln w="9525">
+            <a:solidFill>
+              <a:srgbClr val="000000"/>
+            </a:solidFill>
+            <a:round/>
+            <a:headEnd/>
+            <a:tailEnd type="triangle" w="med" len="med"/>
+          </a:ln>
+        </p:spPr>
+        <p:txBody>
+          <a:bodyPr vert="horz" wrap="square" lIns="91440" tIns="45720" rIns="91440" bIns="45720" numCol="1" anchor="t" anchorCtr="0" compatLnSpc="1">
+            <a:prstTxWarp prst="textNoShape">
+              <a:avLst/>
+            </a:prstTxWarp>
+          </a:bodyPr>
+          <a:lstStyle/>
+          <a:p>
+            <a:endParaRPr lang="fr-FR"/>
+          </a:p>
+        </p:txBody>
+      </p:sp>
+      <p:sp>
+        <p:nvSpPr>
+          <p:cNvPr id="2056" name="Text Box 8"/>
+          <p:cNvSpPr txBox="1">
+            <a:spLocks noChangeArrowheads="1"/>
+          </p:cNvSpPr>
+          <p:nvPr/>
+        </p:nvSpPr>
+        <p:spPr bwMode="auto">
+          <a:xfrm>
+            <a:off x="3993009" y="5123433"/>
+            <a:ext cx="1990725" cy="762000"/>
+          </a:xfrm>
+          <a:prstGeom prst="rect">
+            <a:avLst/>
+          </a:prstGeom>
+          <a:solidFill>
+            <a:srgbClr val="FFFFFF"/>
+          </a:solidFill>
+          <a:ln w="9525">
+            <a:solidFill>
+              <a:srgbClr val="000000"/>
+            </a:solidFill>
+            <a:miter lim="800000"/>
+            <a:headEnd/>
+            <a:tailEnd/>
+          </a:ln>
+        </p:spPr>
+        <p:txBody>
+          <a:bodyPr vert="horz" wrap="square" lIns="91440" tIns="45720" rIns="91440" bIns="45720" numCol="1" anchor="t" anchorCtr="0" compatLnSpc="1">
+            <a:prstTxWarp prst="textNoShape">
+              <a:avLst/>
+            </a:prstTxWarp>
+          </a:bodyPr>
+          <a:lstStyle/>
+          <a:p>
+            <a:pPr marL="0" marR="0" lvl="0" indent="0" algn="ctr" defTabSz="914400" rtl="0" eaLnBrk="1" fontAlgn="base" latinLnBrk="0" hangingPunct="1">
+              <a:lnSpc>
+                <a:spcPct val="100000"/>
+              </a:lnSpc>
+              <a:spcBef>
+                <a:spcPct val="0"/>
+              </a:spcBef>
+              <a:spcAft>
+                <a:spcPct val="0"/>
+              </a:spcAft>
+              <a:buClrTx/>
+              <a:buSzTx/>
+              <a:buFontTx/>
+              <a:buNone/>
+              <a:tabLst/>
+            </a:pPr>
+            <a:r>
+              <a:rPr kumimoji="0" lang="fr-FR" sz="1000" b="0" i="0" u="none" strike="noStrike" cap="none" normalizeH="0" baseline="0" smtClean="0">
+                <a:ln>
+                  <a:noFill/>
+                </a:ln>
+                <a:solidFill>
+                  <a:schemeClr val="tx1"/>
+                </a:solidFill>
+                <a:effectLst/>
+                <a:latin typeface="Calibri" pitchFamily="34" charset="0"/>
+                <a:ea typeface="Calibri" pitchFamily="34" charset="0"/>
+                <a:cs typeface="Times New Roman" pitchFamily="18" charset="0"/>
+              </a:rPr>
+              <a:t>Page liste film (liste les films disponibles selon les options sélectionnées. C’est un affichage simple)</a:t>
+            </a:r>
+            <a:endParaRPr kumimoji="0" lang="fr-FR" sz="1800" b="0" i="0" u="none" strike="noStrike" cap="none" normalizeH="0" baseline="0" smtClean="0">
+              <a:ln>
+                <a:noFill/>
+              </a:ln>
+              <a:solidFill>
+                <a:schemeClr val="tx1"/>
+              </a:solidFill>
+              <a:effectLst/>
+              <a:latin typeface="Arial" pitchFamily="34" charset="0"/>
+            </a:endParaRPr>
+          </a:p>
+        </p:txBody>
+      </p:sp>
+      <p:sp>
+        <p:nvSpPr>
+          <p:cNvPr id="2055" name="AutoShape 7"/>
+          <p:cNvSpPr>
+            <a:spLocks noChangeShapeType="1"/>
+          </p:cNvSpPr>
+          <p:nvPr/>
+        </p:nvSpPr>
+        <p:spPr bwMode="auto">
+          <a:xfrm>
+            <a:off x="3542159" y="4664645"/>
+            <a:ext cx="1323975" cy="466725"/>
+          </a:xfrm>
+          <a:prstGeom prst="straightConnector1">
+            <a:avLst/>
+          </a:prstGeom>
+          <a:noFill/>
+          <a:ln w="9525">
+            <a:solidFill>
+              <a:srgbClr val="000000"/>
+            </a:solidFill>
+            <a:round/>
+            <a:headEnd/>
+            <a:tailEnd type="triangle" w="med" len="med"/>
+          </a:ln>
+        </p:spPr>
+        <p:txBody>
+          <a:bodyPr vert="horz" wrap="square" lIns="91440" tIns="45720" rIns="91440" bIns="45720" numCol="1" anchor="t" anchorCtr="0" compatLnSpc="1">
+            <a:prstTxWarp prst="textNoShape">
+              <a:avLst/>
+            </a:prstTxWarp>
+          </a:bodyPr>
+          <a:lstStyle/>
+          <a:p>
+            <a:endParaRPr lang="fr-FR"/>
+          </a:p>
+        </p:txBody>
+      </p:sp>
+      <p:sp>
+        <p:nvSpPr>
+          <p:cNvPr id="2054" name="AutoShape 6"/>
+          <p:cNvSpPr>
+            <a:spLocks noChangeShapeType="1"/>
+          </p:cNvSpPr>
+          <p:nvPr/>
+        </p:nvSpPr>
+        <p:spPr bwMode="auto">
+          <a:xfrm flipH="1">
+            <a:off x="5085209" y="4664645"/>
+            <a:ext cx="47625" cy="466725"/>
+          </a:xfrm>
+          <a:prstGeom prst="straightConnector1">
+            <a:avLst/>
+          </a:prstGeom>
+          <a:noFill/>
+          <a:ln w="9525">
+            <a:solidFill>
+              <a:srgbClr val="000000"/>
+            </a:solidFill>
+            <a:round/>
+            <a:headEnd/>
+            <a:tailEnd type="triangle" w="med" len="med"/>
+          </a:ln>
+        </p:spPr>
+        <p:txBody>
+          <a:bodyPr vert="horz" wrap="square" lIns="91440" tIns="45720" rIns="91440" bIns="45720" numCol="1" anchor="t" anchorCtr="0" compatLnSpc="1">
+            <a:prstTxWarp prst="textNoShape">
+              <a:avLst/>
+            </a:prstTxWarp>
+          </a:bodyPr>
+          <a:lstStyle/>
+          <a:p>
+            <a:endParaRPr lang="fr-FR"/>
+          </a:p>
+        </p:txBody>
+      </p:sp>
+      <p:sp>
+        <p:nvSpPr>
+          <p:cNvPr id="2053" name="AutoShape 5"/>
+          <p:cNvSpPr>
+            <a:spLocks noChangeShapeType="1"/>
+          </p:cNvSpPr>
+          <p:nvPr/>
+        </p:nvSpPr>
+        <p:spPr bwMode="auto">
+          <a:xfrm flipH="1">
+            <a:off x="5409059" y="4664645"/>
+            <a:ext cx="1171575" cy="466725"/>
+          </a:xfrm>
+          <a:prstGeom prst="straightConnector1">
+            <a:avLst/>
+          </a:prstGeom>
+          <a:noFill/>
+          <a:ln w="9525">
+            <a:solidFill>
+              <a:srgbClr val="000000"/>
+            </a:solidFill>
+            <a:round/>
+            <a:headEnd/>
+            <a:tailEnd type="triangle" w="med" len="med"/>
+          </a:ln>
+        </p:spPr>
+        <p:txBody>
+          <a:bodyPr vert="horz" wrap="square" lIns="91440" tIns="45720" rIns="91440" bIns="45720" numCol="1" anchor="t" anchorCtr="0" compatLnSpc="1">
+            <a:prstTxWarp prst="textNoShape">
+              <a:avLst/>
+            </a:prstTxWarp>
+          </a:bodyPr>
+          <a:lstStyle/>
+          <a:p>
+            <a:endParaRPr lang="fr-FR"/>
+          </a:p>
+        </p:txBody>
+      </p:sp>
+      <p:sp>
+        <p:nvSpPr>
+          <p:cNvPr id="2052" name="Text Box 4"/>
+          <p:cNvSpPr txBox="1">
+            <a:spLocks noChangeArrowheads="1"/>
+          </p:cNvSpPr>
+          <p:nvPr/>
+        </p:nvSpPr>
+        <p:spPr bwMode="auto">
+          <a:xfrm>
+            <a:off x="3993009" y="6029895"/>
+            <a:ext cx="1990725" cy="238125"/>
+          </a:xfrm>
+          <a:prstGeom prst="rect">
+            <a:avLst/>
+          </a:prstGeom>
+          <a:solidFill>
+            <a:srgbClr val="FFFFFF"/>
+          </a:solidFill>
+          <a:ln w="9525">
+            <a:solidFill>
+              <a:srgbClr val="000000"/>
+            </a:solidFill>
+            <a:miter lim="800000"/>
+            <a:headEnd/>
+            <a:tailEnd/>
+          </a:ln>
+        </p:spPr>
+        <p:txBody>
+          <a:bodyPr vert="horz" wrap="square" lIns="91440" tIns="45720" rIns="91440" bIns="45720" numCol="1" anchor="t" anchorCtr="0" compatLnSpc="1">
+            <a:prstTxWarp prst="textNoShape">
+              <a:avLst/>
+            </a:prstTxWarp>
+          </a:bodyPr>
+          <a:lstStyle/>
+          <a:p>
+            <a:pPr marL="0" marR="0" lvl="0" indent="0" algn="ctr" defTabSz="914400" rtl="0" eaLnBrk="1" fontAlgn="base" latinLnBrk="0" hangingPunct="1">
+              <a:lnSpc>
+                <a:spcPct val="100000"/>
+              </a:lnSpc>
+              <a:spcBef>
+                <a:spcPct val="0"/>
+              </a:spcBef>
+              <a:spcAft>
+                <a:spcPct val="0"/>
+              </a:spcAft>
+              <a:buClrTx/>
+              <a:buSzTx/>
+              <a:buFontTx/>
+              <a:buNone/>
+              <a:tabLst/>
+            </a:pPr>
+            <a:r>
+              <a:rPr kumimoji="0" lang="fr-FR" sz="1000" b="0" i="0" u="none" strike="noStrike" cap="none" normalizeH="0" baseline="0" smtClean="0">
+                <a:ln>
+                  <a:noFill/>
+                </a:ln>
+                <a:solidFill>
+                  <a:schemeClr val="tx1"/>
+                </a:solidFill>
+                <a:effectLst/>
+                <a:latin typeface="Calibri" pitchFamily="34" charset="0"/>
+                <a:ea typeface="Calibri" pitchFamily="34" charset="0"/>
+                <a:cs typeface="Times New Roman" pitchFamily="18" charset="0"/>
+              </a:rPr>
+              <a:t>Affichage détaillé d’un film</a:t>
+            </a:r>
+            <a:endParaRPr kumimoji="0" lang="fr-FR" sz="1800" b="0" i="0" u="none" strike="noStrike" cap="none" normalizeH="0" baseline="0" smtClean="0">
+              <a:ln>
+                <a:noFill/>
+              </a:ln>
+              <a:solidFill>
+                <a:schemeClr val="tx1"/>
+              </a:solidFill>
+              <a:effectLst/>
+              <a:latin typeface="Arial" pitchFamily="34" charset="0"/>
+            </a:endParaRPr>
+          </a:p>
+        </p:txBody>
+      </p:sp>
+      <p:sp>
+        <p:nvSpPr>
+          <p:cNvPr id="2051" name="Text Box 3"/>
+          <p:cNvSpPr txBox="1">
+            <a:spLocks noChangeArrowheads="1"/>
+          </p:cNvSpPr>
+          <p:nvPr/>
+        </p:nvSpPr>
+        <p:spPr bwMode="auto">
+          <a:xfrm>
+            <a:off x="6666359" y="5123433"/>
+            <a:ext cx="1990725" cy="657225"/>
+          </a:xfrm>
+          <a:prstGeom prst="rect">
+            <a:avLst/>
+          </a:prstGeom>
+          <a:solidFill>
+            <a:srgbClr val="FFFFFF"/>
+          </a:solidFill>
+          <a:ln w="9525">
+            <a:solidFill>
+              <a:srgbClr val="000000"/>
+            </a:solidFill>
+            <a:miter lim="800000"/>
+            <a:headEnd/>
+            <a:tailEnd/>
+          </a:ln>
+        </p:spPr>
+        <p:txBody>
+          <a:bodyPr vert="horz" wrap="square" lIns="91440" tIns="45720" rIns="91440" bIns="45720" numCol="1" anchor="t" anchorCtr="0" compatLnSpc="1">
+            <a:prstTxWarp prst="textNoShape">
+              <a:avLst/>
+            </a:prstTxWarp>
+          </a:bodyPr>
+          <a:lstStyle/>
+          <a:p>
+            <a:pPr marL="0" marR="0" lvl="0" indent="0" algn="ctr" defTabSz="914400" rtl="0" eaLnBrk="1" fontAlgn="base" latinLnBrk="0" hangingPunct="1">
+              <a:lnSpc>
+                <a:spcPct val="100000"/>
+              </a:lnSpc>
+              <a:spcBef>
+                <a:spcPct val="0"/>
+              </a:spcBef>
+              <a:spcAft>
+                <a:spcPct val="0"/>
+              </a:spcAft>
+              <a:buClrTx/>
+              <a:buSzTx/>
+              <a:buFontTx/>
+              <a:buNone/>
+              <a:tabLst/>
+            </a:pPr>
+            <a:r>
+              <a:rPr kumimoji="0" lang="fr-FR" sz="1000" b="0" i="0" u="none" strike="noStrike" cap="none" normalizeH="0" baseline="0" smtClean="0">
+                <a:ln>
+                  <a:noFill/>
+                </a:ln>
+                <a:solidFill>
+                  <a:schemeClr val="tx1"/>
+                </a:solidFill>
+                <a:effectLst/>
+                <a:latin typeface="Calibri" pitchFamily="34" charset="0"/>
+                <a:ea typeface="Calibri" pitchFamily="34" charset="0"/>
+                <a:cs typeface="Times New Roman" pitchFamily="18" charset="0"/>
+              </a:rPr>
+              <a:t>Affichage des films disponibles sur les sites. Permet de choisir le bon résultat.</a:t>
+            </a:r>
+            <a:endParaRPr kumimoji="0" lang="fr-FR" sz="1800" b="0" i="0" u="none" strike="noStrike" cap="none" normalizeH="0" baseline="0" smtClean="0">
+              <a:ln>
+                <a:noFill/>
+              </a:ln>
+              <a:solidFill>
+                <a:schemeClr val="tx1"/>
+              </a:solidFill>
+              <a:effectLst/>
+              <a:latin typeface="Arial" pitchFamily="34" charset="0"/>
+            </a:endParaRPr>
+          </a:p>
+        </p:txBody>
+      </p:sp>
+      <p:sp>
+        <p:nvSpPr>
+          <p:cNvPr id="2050" name="AutoShape 2"/>
+          <p:cNvSpPr>
+            <a:spLocks noChangeShapeType="1"/>
+          </p:cNvSpPr>
+          <p:nvPr/>
+        </p:nvSpPr>
+        <p:spPr bwMode="auto">
+          <a:xfrm>
+            <a:off x="4999484" y="5871145"/>
+            <a:ext cx="0" cy="161925"/>
+          </a:xfrm>
+          <a:prstGeom prst="straightConnector1">
+            <a:avLst/>
+          </a:prstGeom>
+          <a:noFill/>
+          <a:ln w="9525">
+            <a:solidFill>
+              <a:srgbClr val="000000"/>
+            </a:solidFill>
+            <a:round/>
+            <a:headEnd/>
+            <a:tailEnd type="triangle" w="med" len="med"/>
+          </a:ln>
+        </p:spPr>
+        <p:txBody>
+          <a:bodyPr vert="horz" wrap="square" lIns="91440" tIns="45720" rIns="91440" bIns="45720" numCol="1" anchor="t" anchorCtr="0" compatLnSpc="1">
+            <a:prstTxWarp prst="textNoShape">
+              <a:avLst/>
+            </a:prstTxWarp>
+          </a:bodyPr>
+          <a:lstStyle/>
+          <a:p>
+            <a:endParaRPr lang="fr-FR"/>
+          </a:p>
+        </p:txBody>
+      </p:sp>
+      <p:sp>
+        <p:nvSpPr>
+          <p:cNvPr id="2049" name="AutoShape 1"/>
+          <p:cNvSpPr>
+            <a:spLocks noChangeShapeType="1"/>
+          </p:cNvSpPr>
+          <p:nvPr/>
+        </p:nvSpPr>
+        <p:spPr bwMode="auto">
+          <a:xfrm>
+            <a:off x="7980809" y="4664645"/>
+            <a:ext cx="0" cy="466725"/>
+          </a:xfrm>
+          <a:prstGeom prst="straightConnector1">
+            <a:avLst/>
+          </a:prstGeom>
+          <a:noFill/>
+          <a:ln w="9525">
+            <a:solidFill>
+              <a:srgbClr val="000000"/>
+            </a:solidFill>
+            <a:round/>
+            <a:headEnd/>
+            <a:tailEnd type="triangle" w="med" len="med"/>
+          </a:ln>
+        </p:spPr>
+        <p:txBody>
+          <a:bodyPr vert="horz" wrap="square" lIns="91440" tIns="45720" rIns="91440" bIns="45720" numCol="1" anchor="t" anchorCtr="0" compatLnSpc="1">
+            <a:prstTxWarp prst="textNoShape">
+              <a:avLst/>
+            </a:prstTxWarp>
+          </a:bodyPr>
+          <a:lstStyle/>
+          <a:p>
+            <a:endParaRPr lang="fr-FR"/>
+          </a:p>
+        </p:txBody>
+      </p:sp>
+      <p:sp>
+        <p:nvSpPr>
+          <p:cNvPr id="2066" name="Rectangle 18"/>
+          <p:cNvSpPr>
+            <a:spLocks noChangeArrowheads="1"/>
+          </p:cNvSpPr>
+          <p:nvPr/>
+        </p:nvSpPr>
+        <p:spPr bwMode="auto">
+          <a:xfrm>
+            <a:off x="0" y="0"/>
+            <a:ext cx="9144000" cy="457200"/>
+          </a:xfrm>
+          <a:prstGeom prst="rect">
+            <a:avLst/>
+          </a:prstGeom>
+          <a:noFill/>
+          <a:ln w="9525">
+            <a:noFill/>
+            <a:miter lim="800000"/>
+            <a:headEnd/>
+            <a:tailEnd/>
+          </a:ln>
+          <a:effectLst/>
+        </p:spPr>
+        <p:txBody>
+          <a:bodyPr vert="horz" wrap="none" lIns="91440" tIns="45720" rIns="91440" bIns="45720" numCol="1" anchor="ctr" anchorCtr="0" compatLnSpc="1">
+            <a:prstTxWarp prst="textNoShape">
+              <a:avLst/>
+            </a:prstTxWarp>
+            <a:spAutoFit/>
+          </a:bodyPr>
+          <a:lstStyle/>
+          <a:p>
+            <a:pPr marL="0" marR="0" lvl="0" indent="0" algn="l" defTabSz="914400" rtl="0" eaLnBrk="1" fontAlgn="base" latinLnBrk="0" hangingPunct="1">
+              <a:lnSpc>
+                <a:spcPct val="100000"/>
+              </a:lnSpc>
+              <a:spcBef>
+                <a:spcPct val="0"/>
+              </a:spcBef>
+              <a:spcAft>
+                <a:spcPct val="0"/>
+              </a:spcAft>
+              <a:buClrTx/>
+              <a:buSzTx/>
+              <a:buFontTx/>
+              <a:buNone/>
+              <a:tabLst/>
+            </a:pPr>
+            <a:endParaRPr kumimoji="0" lang="fr-FR" sz="1800" b="0" i="0" u="none" strike="noStrike" cap="none" normalizeH="0" baseline="0" smtClean="0">
+              <a:ln>
+                <a:noFill/>
+              </a:ln>
+              <a:solidFill>
+                <a:schemeClr val="tx1"/>
+              </a:solidFill>
+              <a:effectLst/>
+              <a:latin typeface="Arial" pitchFamily="34" charset="0"/>
+            </a:endParaRPr>
+          </a:p>
+        </p:txBody>
+      </p:sp>
+      <p:sp>
+        <p:nvSpPr>
+          <p:cNvPr id="2075" name="Rectangle 27"/>
+          <p:cNvSpPr>
+            <a:spLocks noChangeArrowheads="1"/>
+          </p:cNvSpPr>
+          <p:nvPr/>
+        </p:nvSpPr>
+        <p:spPr bwMode="auto">
+          <a:xfrm>
+            <a:off x="0" y="457200"/>
+            <a:ext cx="9144000" cy="457200"/>
+          </a:xfrm>
+          <a:prstGeom prst="rect">
+            <a:avLst/>
+          </a:prstGeom>
+          <a:noFill/>
+          <a:ln w="9525">
+            <a:noFill/>
+            <a:miter lim="800000"/>
+            <a:headEnd/>
+            <a:tailEnd/>
+          </a:ln>
+          <a:effectLst/>
+        </p:spPr>
+        <p:txBody>
+          <a:bodyPr vert="horz" wrap="none" lIns="91440" tIns="45720" rIns="91440" bIns="45720" numCol="1" anchor="ctr" anchorCtr="0" compatLnSpc="1">
+            <a:prstTxWarp prst="textNoShape">
+              <a:avLst/>
+            </a:prstTxWarp>
+            <a:spAutoFit/>
+          </a:bodyPr>
+          <a:lstStyle/>
+          <a:p>
+            <a:pPr marL="0" marR="0" lvl="0" indent="0" algn="l" defTabSz="914400" rtl="0" eaLnBrk="1" fontAlgn="base" latinLnBrk="0" hangingPunct="1">
+              <a:lnSpc>
+                <a:spcPct val="100000"/>
+              </a:lnSpc>
+              <a:spcBef>
+                <a:spcPct val="0"/>
+              </a:spcBef>
+              <a:spcAft>
+                <a:spcPct val="0"/>
+              </a:spcAft>
+              <a:buClrTx/>
+              <a:buSzTx/>
+              <a:buFontTx/>
+              <a:buNone/>
+              <a:tabLst/>
+            </a:pPr>
+            <a:endParaRPr kumimoji="0" lang="fr-FR" sz="1800" b="0" i="0" u="none" strike="noStrike" cap="none" normalizeH="0" baseline="0" smtClean="0">
+              <a:ln>
+                <a:noFill/>
+              </a:ln>
+              <a:solidFill>
+                <a:schemeClr val="tx1"/>
+              </a:solidFill>
+              <a:effectLst/>
+              <a:latin typeface="Arial" pitchFamily="34" charset="0"/>
+            </a:endParaRPr>
+          </a:p>
+        </p:txBody>
+      </p:sp>
+      <p:sp>
+        <p:nvSpPr>
+          <p:cNvPr id="2104" name="Text Box 56"/>
+          <p:cNvSpPr txBox="1">
+            <a:spLocks noChangeArrowheads="1"/>
+          </p:cNvSpPr>
+          <p:nvPr/>
+        </p:nvSpPr>
+        <p:spPr bwMode="auto">
+          <a:xfrm>
+            <a:off x="4427984" y="2276872"/>
+            <a:ext cx="1990725" cy="466725"/>
+          </a:xfrm>
+          <a:prstGeom prst="rect">
+            <a:avLst/>
+          </a:prstGeom>
+          <a:solidFill>
+            <a:srgbClr val="FFFFFF"/>
+          </a:solidFill>
+          <a:ln w="9525">
+            <a:solidFill>
+              <a:srgbClr val="000000"/>
+            </a:solidFill>
+            <a:miter lim="800000"/>
+            <a:headEnd/>
+            <a:tailEnd/>
+          </a:ln>
+        </p:spPr>
+        <p:txBody>
+          <a:bodyPr vert="horz" wrap="square" lIns="91440" tIns="45720" rIns="91440" bIns="45720" numCol="1" anchor="t" anchorCtr="0" compatLnSpc="1">
+            <a:prstTxWarp prst="textNoShape">
+              <a:avLst/>
+            </a:prstTxWarp>
+          </a:bodyPr>
+          <a:lstStyle/>
+          <a:p>
+            <a:pPr marL="0" marR="0" lvl="0" indent="0" algn="ctr" defTabSz="914400" rtl="0" eaLnBrk="1" fontAlgn="base" latinLnBrk="0" hangingPunct="1">
+              <a:lnSpc>
+                <a:spcPct val="100000"/>
+              </a:lnSpc>
+              <a:spcBef>
+                <a:spcPct val="0"/>
+              </a:spcBef>
+              <a:spcAft>
+                <a:spcPts val="1000"/>
+              </a:spcAft>
+              <a:buClrTx/>
+              <a:buSzTx/>
+              <a:buFontTx/>
+              <a:buNone/>
+              <a:tabLst/>
+            </a:pPr>
+            <a:r>
+              <a:rPr kumimoji="0" lang="fr-FR" sz="1000" b="0" i="0" u="none" strike="noStrike" cap="none" normalizeH="0" baseline="0" dirty="0" smtClean="0">
+                <a:ln>
+                  <a:noFill/>
+                </a:ln>
+                <a:solidFill>
+                  <a:schemeClr val="tx1"/>
+                </a:solidFill>
+                <a:effectLst/>
+                <a:latin typeface="Calibri" pitchFamily="34" charset="0"/>
+              </a:rPr>
+              <a:t>Page principale (affiche tous les films par défaut).</a:t>
+            </a:r>
+          </a:p>
+          <a:p>
+            <a:pPr marL="0" marR="0" lvl="0" indent="0" algn="l" defTabSz="914400" rtl="0" eaLnBrk="1" fontAlgn="base" latinLnBrk="0" hangingPunct="1">
+              <a:lnSpc>
+                <a:spcPct val="100000"/>
+              </a:lnSpc>
+              <a:spcBef>
+                <a:spcPct val="0"/>
+              </a:spcBef>
+              <a:spcAft>
+                <a:spcPct val="0"/>
+              </a:spcAft>
+              <a:buClrTx/>
+              <a:buSzTx/>
+              <a:buFontTx/>
+              <a:buNone/>
+              <a:tabLst/>
+            </a:pPr>
+            <a:endParaRPr kumimoji="0" lang="fr-FR" sz="1800" b="0" i="0" u="none" strike="noStrike" cap="none" normalizeH="0" baseline="0" dirty="0" smtClean="0">
+              <a:ln>
+                <a:noFill/>
+              </a:ln>
+              <a:solidFill>
+                <a:schemeClr val="tx1"/>
+              </a:solidFill>
+              <a:effectLst/>
+              <a:latin typeface="Arial" pitchFamily="34" charset="0"/>
+            </a:endParaRPr>
+          </a:p>
+        </p:txBody>
+      </p:sp>
+    </p:spTree>
+  </p:cSld>
+  <p:clrMapOvr>
+    <a:masterClrMapping/>
+  </p:clrMapOvr>
+  <p:timing>
+    <p:tnLst>
+      <p:par>
+        <p:cTn id="1" dur="indefinite" restart="never" nodeType="tmRoot"/>
+      </p:par>
+    </p:tnLst>
+  </p:timing>
+</p:sld>
+</file>
+
+<file path=ppt/slides/slide21.xml><?xml version="1.0" encoding="utf-8"?>
+<p:sld xmlns:a="http://schemas.openxmlformats.org/drawingml/2006/main" xmlns:r="http://schemas.openxmlformats.org/officeDocument/2006/relationships" xmlns:p="http://schemas.openxmlformats.org/presentationml/2006/main">
+  <p:cSld>
+    <p:spTree>
+      <p:nvGrpSpPr>
+        <p:cNvPr id="1" name=""/>
+        <p:cNvGrpSpPr/>
+        <p:nvPr/>
+      </p:nvGrpSpPr>
+      <p:grpSpPr>
+        <a:xfrm>
+          <a:off x="0" y="0"/>
+          <a:ext cx="0" cy="0"/>
+          <a:chOff x="0" y="0"/>
+          <a:chExt cx="0" cy="0"/>
+        </a:xfrm>
+      </p:grpSpPr>
+      <p:sp>
+        <p:nvSpPr>
+          <p:cNvPr id="2" name="Titre 1"/>
+          <p:cNvSpPr>
+            <a:spLocks noGrp="1"/>
+          </p:cNvSpPr>
+          <p:nvPr>
+            <p:ph type="title"/>
+          </p:nvPr>
+        </p:nvSpPr>
+        <p:spPr/>
+        <p:txBody>
+          <a:bodyPr>
+            <a:normAutofit/>
+          </a:bodyPr>
+          <a:lstStyle/>
+          <a:p>
+            <a:r>
+              <a:rPr lang="fr-FR" dirty="0" smtClean="0"/>
+              <a:t>Conclusion</a:t>
+            </a:r>
+            <a:endParaRPr lang="fr-FR" dirty="0"/>
+          </a:p>
+        </p:txBody>
+      </p:sp>
+      <p:sp>
+        <p:nvSpPr>
+          <p:cNvPr id="6" name="Espace réservé du contenu 2"/>
+          <p:cNvSpPr txBox="1">
+            <a:spLocks/>
+          </p:cNvSpPr>
+          <p:nvPr/>
+        </p:nvSpPr>
+        <p:spPr>
+          <a:xfrm>
+            <a:off x="179512" y="1700808"/>
+            <a:ext cx="8352928" cy="4536504"/>
+          </a:xfrm>
+          <a:prstGeom prst="rect">
+            <a:avLst/>
+          </a:prstGeom>
+        </p:spPr>
+        <p:txBody>
+          <a:bodyPr vert="horz">
+            <a:normAutofit/>
+          </a:bodyPr>
+          <a:lstStyle/>
+          <a:p>
+            <a:pPr marL="342900" marR="0" lvl="0" indent="-342900" algn="l" defTabSz="914400" rtl="0" eaLnBrk="1" fontAlgn="auto" latinLnBrk="0" hangingPunct="1">
+              <a:lnSpc>
+                <a:spcPct val="100000"/>
+              </a:lnSpc>
+              <a:spcBef>
+                <a:spcPct val="20000"/>
+              </a:spcBef>
+              <a:spcAft>
+                <a:spcPts val="0"/>
+              </a:spcAft>
+              <a:buClr>
+                <a:schemeClr val="accent1"/>
+              </a:buClr>
+              <a:buSzPct val="70000"/>
+              <a:buFont typeface="Wingdings 2"/>
+              <a:buChar char=""/>
+              <a:tabLst/>
+              <a:defRPr/>
+            </a:pPr>
+            <a:r>
+              <a:rPr kumimoji="0" lang="fr-FR" sz="2400" i="0" u="none" strike="noStrike" kern="1200" cap="none" spc="0" normalizeH="0" baseline="0" noProof="0" dirty="0" smtClean="0">
+                <a:ln>
+                  <a:noFill/>
+                </a:ln>
+                <a:solidFill>
+                  <a:schemeClr val="tx2"/>
+                </a:solidFill>
+                <a:effectLst/>
+                <a:uLnTx/>
+                <a:uFillTx/>
+                <a:latin typeface="+mn-lt"/>
+                <a:ea typeface="+mn-ea"/>
+                <a:cs typeface="+mn-cs"/>
+              </a:rPr>
+              <a:t>Introduction</a:t>
+            </a:r>
+          </a:p>
+          <a:p>
+            <a:pPr marL="342900" marR="0" lvl="0" indent="-342900" algn="l" defTabSz="914400" rtl="0" eaLnBrk="1" fontAlgn="auto" latinLnBrk="0" hangingPunct="1">
+              <a:lnSpc>
+                <a:spcPct val="100000"/>
+              </a:lnSpc>
+              <a:spcBef>
+                <a:spcPct val="20000"/>
+              </a:spcBef>
+              <a:spcAft>
+                <a:spcPts val="0"/>
+              </a:spcAft>
+              <a:buClr>
+                <a:schemeClr val="accent1"/>
+              </a:buClr>
+              <a:buSzPct val="70000"/>
+              <a:buFont typeface="Wingdings 2"/>
+              <a:buChar char=""/>
+              <a:tabLst/>
+              <a:defRPr/>
+            </a:pPr>
+            <a:r>
+              <a:rPr lang="fr-FR" sz="2400" dirty="0" smtClean="0">
+                <a:solidFill>
+                  <a:schemeClr val="tx2"/>
+                </a:solidFill>
+              </a:rPr>
+              <a:t>Extraction</a:t>
+            </a:r>
+          </a:p>
+          <a:p>
+            <a:pPr marL="342900" marR="0" lvl="0" indent="-342900" algn="l" defTabSz="914400" rtl="0" eaLnBrk="1" fontAlgn="auto" latinLnBrk="0" hangingPunct="1">
+              <a:lnSpc>
+                <a:spcPct val="100000"/>
+              </a:lnSpc>
+              <a:spcBef>
+                <a:spcPct val="20000"/>
+              </a:spcBef>
+              <a:spcAft>
+                <a:spcPts val="0"/>
+              </a:spcAft>
+              <a:buClr>
+                <a:schemeClr val="accent1"/>
+              </a:buClr>
+              <a:buSzPct val="70000"/>
+              <a:buFont typeface="Wingdings 2"/>
+              <a:buChar char=""/>
+              <a:tabLst/>
+              <a:defRPr/>
+            </a:pPr>
+            <a:r>
+              <a:rPr kumimoji="0" lang="fr-FR" sz="2400" b="0" i="0" u="none" strike="noStrike" kern="1200" cap="none" spc="0" normalizeH="0" baseline="0" noProof="0" dirty="0" smtClean="0">
+                <a:ln>
+                  <a:noFill/>
+                </a:ln>
+                <a:solidFill>
+                  <a:schemeClr val="tx2"/>
+                </a:solidFill>
+                <a:effectLst/>
+                <a:uLnTx/>
+                <a:uFillTx/>
+                <a:latin typeface="+mn-lt"/>
+                <a:ea typeface="+mn-ea"/>
+                <a:cs typeface="+mn-cs"/>
+              </a:rPr>
+              <a:t>Stockage</a:t>
+            </a:r>
+          </a:p>
+          <a:p>
+            <a:pPr marL="342900" marR="0" lvl="0" indent="-342900" algn="l" defTabSz="914400" rtl="0" eaLnBrk="1" fontAlgn="auto" latinLnBrk="0" hangingPunct="1">
+              <a:lnSpc>
+                <a:spcPct val="100000"/>
+              </a:lnSpc>
+              <a:spcBef>
+                <a:spcPct val="20000"/>
+              </a:spcBef>
+              <a:spcAft>
+                <a:spcPts val="0"/>
+              </a:spcAft>
+              <a:buClr>
+                <a:schemeClr val="accent1"/>
+              </a:buClr>
+              <a:buSzPct val="70000"/>
+              <a:buFont typeface="Wingdings 2"/>
+              <a:buChar char=""/>
+              <a:tabLst/>
+              <a:defRPr/>
+            </a:pPr>
+            <a:r>
+              <a:rPr lang="fr-FR" sz="2400" dirty="0" smtClean="0">
+                <a:solidFill>
+                  <a:schemeClr val="tx2"/>
+                </a:solidFill>
+              </a:rPr>
+              <a:t>Restitution</a:t>
+            </a:r>
+            <a:endParaRPr kumimoji="0" lang="fr-FR" sz="2400" b="0" i="0" u="none" strike="noStrike" kern="1200" cap="none" spc="0" normalizeH="0" baseline="0" noProof="0" dirty="0" smtClean="0">
+              <a:ln>
+                <a:noFill/>
+              </a:ln>
+              <a:solidFill>
+                <a:schemeClr val="tx2"/>
+              </a:solidFill>
+              <a:effectLst/>
+              <a:uLnTx/>
+              <a:uFillTx/>
+              <a:latin typeface="+mn-lt"/>
+              <a:ea typeface="+mn-ea"/>
+              <a:cs typeface="+mn-cs"/>
+            </a:endParaRPr>
+          </a:p>
+          <a:p>
+            <a:pPr marL="342900" marR="0" lvl="0" indent="-342900" algn="l" defTabSz="914400" rtl="0" eaLnBrk="1" fontAlgn="auto" latinLnBrk="0" hangingPunct="1">
+              <a:lnSpc>
+                <a:spcPct val="100000"/>
+              </a:lnSpc>
+              <a:spcBef>
+                <a:spcPct val="20000"/>
+              </a:spcBef>
+              <a:spcAft>
+                <a:spcPts val="0"/>
+              </a:spcAft>
+              <a:buClr>
+                <a:schemeClr val="accent1"/>
+              </a:buClr>
+              <a:buSzPct val="70000"/>
+              <a:buFont typeface="Wingdings 2"/>
+              <a:buChar char=""/>
+              <a:tabLst/>
+              <a:defRPr/>
+            </a:pPr>
+            <a:r>
+              <a:rPr lang="fr-FR" sz="9600" b="1" dirty="0" smtClean="0">
+                <a:solidFill>
+                  <a:schemeClr val="tx2"/>
+                </a:solidFill>
+              </a:rPr>
+              <a:t>Conclusion</a:t>
+            </a:r>
+            <a:endParaRPr kumimoji="0" lang="fr-FR" sz="9600" b="1" i="0" u="none" strike="noStrike" kern="1200" cap="none" spc="0" normalizeH="0" baseline="0" noProof="0" dirty="0">
+              <a:ln>
+                <a:noFill/>
+              </a:ln>
+              <a:solidFill>
+                <a:schemeClr val="tx2"/>
+              </a:solidFill>
+              <a:effectLst/>
+              <a:uLnTx/>
+              <a:uFillTx/>
+              <a:latin typeface="+mn-lt"/>
+              <a:ea typeface="+mn-ea"/>
+              <a:cs typeface="+mn-cs"/>
+            </a:endParaRPr>
+          </a:p>
+        </p:txBody>
+      </p:sp>
+      <p:sp>
+        <p:nvSpPr>
+          <p:cNvPr id="7" name="ZoneTexte 6"/>
+          <p:cNvSpPr txBox="1"/>
+          <p:nvPr/>
+        </p:nvSpPr>
+        <p:spPr>
+          <a:xfrm>
+            <a:off x="0" y="6581001"/>
+            <a:ext cx="2708919" cy="276999"/>
+          </a:xfrm>
+          <a:prstGeom prst="rect">
+            <a:avLst/>
+          </a:prstGeom>
+          <a:noFill/>
+          <a:scene3d>
+            <a:camera prst="orthographicFront">
+              <a:rot lat="0" lon="0" rev="5400000"/>
+            </a:camera>
+            <a:lightRig rig="threePt" dir="t"/>
+          </a:scene3d>
+        </p:spPr>
+        <p:txBody>
+          <a:bodyPr wrap="square" rtlCol="0">
+            <a:spAutoFit/>
+            <a:scene3d>
+              <a:camera prst="orthographicFront">
+                <a:rot lat="0" lon="0" rev="0"/>
+              </a:camera>
+              <a:lightRig rig="threePt" dir="t"/>
+            </a:scene3d>
+            <a:flatTx/>
+          </a:bodyPr>
+          <a:lstStyle/>
+          <a:p>
+            <a:r>
+              <a:rPr lang="fr-FR" sz="1200" dirty="0" smtClean="0"/>
+              <a:t>Soutenance projet LPD2I 2010/2011</a:t>
+            </a:r>
+            <a:endParaRPr lang="fr-FR" sz="1200" dirty="0"/>
+          </a:p>
+        </p:txBody>
+      </p:sp>
+      <p:sp>
+        <p:nvSpPr>
+          <p:cNvPr id="9" name="ZoneTexte 8"/>
+          <p:cNvSpPr txBox="1"/>
+          <p:nvPr/>
+        </p:nvSpPr>
+        <p:spPr>
+          <a:xfrm>
+            <a:off x="5508104" y="6581001"/>
+            <a:ext cx="3635896" cy="276999"/>
+          </a:xfrm>
+          <a:prstGeom prst="rect">
+            <a:avLst/>
+          </a:prstGeom>
+          <a:noFill/>
+          <a:scene3d>
+            <a:camera prst="orthographicFront">
+              <a:rot lat="0" lon="0" rev="5400000"/>
+            </a:camera>
+            <a:lightRig rig="threePt" dir="t"/>
+          </a:scene3d>
+        </p:spPr>
+        <p:txBody>
+          <a:bodyPr wrap="square" rtlCol="0">
+            <a:spAutoFit/>
+            <a:scene3d>
+              <a:camera prst="orthographicFront">
+                <a:rot lat="0" lon="0" rev="0"/>
+              </a:camera>
+              <a:lightRig rig="threePt" dir="t"/>
+            </a:scene3d>
+            <a:flatTx/>
+          </a:bodyPr>
+          <a:lstStyle/>
+          <a:p>
+            <a:r>
+              <a:rPr lang="fr-FR" sz="1200" dirty="0" smtClean="0"/>
+              <a:t>Leonhard Hermle – Julien Cellier – Xavier Mourgues</a:t>
+            </a:r>
+            <a:endParaRPr lang="fr-FR" sz="1200" dirty="0"/>
+          </a:p>
+        </p:txBody>
+      </p:sp>
     </p:spTree>
   </p:cSld>
   <p:clrMapOvr>
@@ -5733,11 +13028,7 @@
           <a:p>
             <a:r>
               <a:rPr lang="fr-FR" dirty="0" smtClean="0"/>
-              <a:t>Introduction</a:t>
-            </a:r>
-            <a:r>
-              <a:rPr lang="fr-FR" dirty="0" smtClean="0"/>
-              <a:t> </a:t>
+              <a:t>Introduction </a:t>
             </a:r>
             <a:r>
               <a:rPr lang="fr-FR" sz="2000" dirty="0" smtClean="0"/>
@@ -5824,7 +13115,6 @@
               <a:rPr lang="fr-FR" sz="2400" dirty="0" smtClean="0"/>
               <a:t>.</a:t>
             </a:r>
-            <a:endParaRPr lang="fr-FR" sz="2400" dirty="0" smtClean="0"/>
           </a:p>
           <a:p>
             <a:pPr>
@@ -7670,41 +14960,21 @@
             <a:pPr lvl="1"/>
             <a:r>
               <a:rPr lang="fr-FR" dirty="0" smtClean="0"/>
-              <a:t>Un type de données XML </a:t>
-            </a:r>
+              <a:t>Un type de données XML utilisé pour stocker et gérer du contenu XML.</a:t>
+            </a:r>
+          </a:p>
+          <a:p>
+            <a:pPr lvl="1"/>
             <a:r>
               <a:rPr lang="fr-FR" dirty="0" smtClean="0"/>
-              <a:t>utilisé </a:t>
-            </a:r>
+              <a:t>Une collection de méthodes et opérateurs SQL permettant d'agir sur du XML.</a:t>
+            </a:r>
+          </a:p>
+          <a:p>
+            <a:pPr lvl="1"/>
             <a:r>
               <a:rPr lang="fr-FR" dirty="0" smtClean="0"/>
-              <a:t>pour stocker et gérer du contenu XML.</a:t>
-            </a:r>
-          </a:p>
-          <a:p>
-            <a:pPr lvl="1"/>
-            <a:r>
-              <a:rPr lang="fr-FR" dirty="0" smtClean="0"/>
-              <a:t>Une collection de méthodes et </a:t>
-            </a:r>
-            <a:r>
-              <a:rPr lang="fr-FR" dirty="0" smtClean="0"/>
-              <a:t>opérateurs </a:t>
-            </a:r>
-            <a:r>
-              <a:rPr lang="fr-FR" dirty="0" smtClean="0"/>
-              <a:t>SQL permettant d'agir sur du XML.</a:t>
-            </a:r>
-          </a:p>
-          <a:p>
-            <a:pPr lvl="1"/>
-            <a:r>
-              <a:rPr lang="fr-FR" dirty="0" smtClean="0"/>
-              <a:t>Enregistrer </a:t>
-            </a:r>
-            <a:r>
-              <a:rPr lang="fr-FR" dirty="0" smtClean="0"/>
-              <a:t>un schéma conforme au W3C dans la base de données Oracle.</a:t>
+              <a:t>Enregistrer un schéma conforme au W3C dans la base de données Oracle.</a:t>
             </a:r>
           </a:p>
           <a:p>
@@ -8128,7 +15398,7 @@
         <p:spPr>
           <a:xfrm>
             <a:off x="2915816" y="1700808"/>
-            <a:ext cx="5616624" cy="4248472"/>
+            <a:ext cx="5616624" cy="4896544"/>
           </a:xfrm>
         </p:spPr>
         <p:txBody>
@@ -8198,17 +15468,7 @@
                   </a:schemeClr>
                 </a:solidFill>
               </a:rPr>
-              <a:t>INSERT </a:t>
-            </a:r>
-            <a:r>
-              <a:rPr lang="fr-FR" sz="2800" i="1" dirty="0" smtClean="0">
-                <a:solidFill>
-                  <a:schemeClr val="tx2">
-                    <a:lumMod val="50000"/>
-                  </a:schemeClr>
-                </a:solidFill>
-              </a:rPr>
-              <a:t>INTO film</a:t>
+              <a:t>INSERT INTO film</a:t>
             </a:r>
             <a:endParaRPr lang="fr-FR" sz="2800" dirty="0" smtClean="0">
               <a:solidFill>
@@ -8778,8 +16038,13 @@
                   </a:schemeClr>
                 </a:solidFill>
               </a:rPr>
-              <a:t>&lt;/film&gt;'),'' </a:t>
-            </a:r>
+              <a:t>&lt;/film&gt;'),'' )</a:t>
+            </a:r>
+          </a:p>
+          <a:p>
+            <a:pPr>
+              <a:buNone/>
+            </a:pPr>
             <a:r>
               <a:rPr lang="fr-FR" sz="2800" i="1" dirty="0" smtClean="0">
                 <a:solidFill>
@@ -8788,11 +16053,23 @@
                   </a:schemeClr>
                 </a:solidFill>
               </a:rPr>
-              <a:t>)</a:t>
+              <a:t>/</a:t>
             </a:r>
           </a:p>
           <a:p>
             <a:pPr>
+              <a:buNone/>
+            </a:pPr>
+            <a:endParaRPr lang="fr-FR" sz="2800" i="1" dirty="0" smtClean="0">
+              <a:solidFill>
+                <a:schemeClr val="tx2">
+                  <a:lumMod val="50000"/>
+                </a:schemeClr>
+              </a:solidFill>
+            </a:endParaRPr>
+          </a:p>
+          <a:p>
+            <a:pPr algn="ctr">
               <a:buNone/>
             </a:pPr>
             <a:r>
@@ -8803,9 +16080,29 @@
                   </a:schemeClr>
                 </a:solidFill>
               </a:rPr>
-              <a:t>/</a:t>
-            </a:r>
-            <a:endParaRPr lang="fr-FR" sz="2800" dirty="0" smtClean="0">
+              <a:t>Exemple d’insertion de XML dans la base de données grâce au </a:t>
+            </a:r>
+            <a:r>
+              <a:rPr lang="fr-FR" sz="2800" i="1" dirty="0" err="1" smtClean="0">
+                <a:solidFill>
+                  <a:schemeClr val="tx2">
+                    <a:lumMod val="50000"/>
+                  </a:schemeClr>
+                </a:solidFill>
+              </a:rPr>
+              <a:t>XMLType</a:t>
+            </a:r>
+            <a:r>
+              <a:rPr lang="fr-FR" sz="2800" i="1" dirty="0" smtClean="0">
+                <a:solidFill>
+                  <a:schemeClr val="tx2">
+                    <a:lumMod val="50000"/>
+                  </a:schemeClr>
+                </a:solidFill>
+              </a:rPr>
+              <a:t>.</a:t>
+            </a:r>
+            <a:endParaRPr lang="fr-FR" sz="2800" i="1" dirty="0" smtClean="0">
               <a:solidFill>
                 <a:schemeClr val="tx2">
                   <a:lumMod val="50000"/>

--- a/pwp soutenance.pptx
+++ b/pwp soutenance.pptx
@@ -9,23 +9,24 @@
     <p:sldId id="262" r:id="rId3"/>
     <p:sldId id="263" r:id="rId4"/>
     <p:sldId id="264" r:id="rId5"/>
-    <p:sldId id="265" r:id="rId6"/>
-    <p:sldId id="269" r:id="rId7"/>
-    <p:sldId id="270" r:id="rId8"/>
-    <p:sldId id="271" r:id="rId9"/>
-    <p:sldId id="274" r:id="rId10"/>
-    <p:sldId id="276" r:id="rId11"/>
-    <p:sldId id="275" r:id="rId12"/>
-    <p:sldId id="267" r:id="rId13"/>
-    <p:sldId id="278" r:id="rId14"/>
-    <p:sldId id="280" r:id="rId15"/>
-    <p:sldId id="281" r:id="rId16"/>
-    <p:sldId id="283" r:id="rId17"/>
-    <p:sldId id="282" r:id="rId18"/>
-    <p:sldId id="284" r:id="rId19"/>
-    <p:sldId id="279" r:id="rId20"/>
-    <p:sldId id="277" r:id="rId21"/>
-    <p:sldId id="268" r:id="rId22"/>
+    <p:sldId id="285" r:id="rId6"/>
+    <p:sldId id="265" r:id="rId7"/>
+    <p:sldId id="269" r:id="rId8"/>
+    <p:sldId id="270" r:id="rId9"/>
+    <p:sldId id="271" r:id="rId10"/>
+    <p:sldId id="274" r:id="rId11"/>
+    <p:sldId id="276" r:id="rId12"/>
+    <p:sldId id="275" r:id="rId13"/>
+    <p:sldId id="267" r:id="rId14"/>
+    <p:sldId id="278" r:id="rId15"/>
+    <p:sldId id="280" r:id="rId16"/>
+    <p:sldId id="281" r:id="rId17"/>
+    <p:sldId id="283" r:id="rId18"/>
+    <p:sldId id="282" r:id="rId19"/>
+    <p:sldId id="284" r:id="rId20"/>
+    <p:sldId id="279" r:id="rId21"/>
+    <p:sldId id="277" r:id="rId22"/>
+    <p:sldId id="268" r:id="rId23"/>
   </p:sldIdLst>
   <p:sldSz cx="9144000" cy="6858000" type="screen4x3"/>
   <p:notesSz cx="6858000" cy="9144000"/>
@@ -3538,7 +3539,7 @@
         </p:spPr>
         <p:txBody>
           <a:bodyPr>
-            <a:normAutofit/>
+            <a:normAutofit fontScale="47500" lnSpcReduction="20000"/>
           </a:bodyPr>
           <a:lstStyle/>
           <a:p>
@@ -3546,7 +3547,7 @@
               <a:buNone/>
             </a:pPr>
             <a:r>
-              <a:rPr lang="fr-FR" sz="2800" b="1" dirty="0" smtClean="0">
+              <a:rPr lang="fr-FR" sz="5900" b="1" dirty="0" smtClean="0">
                 <a:solidFill>
                   <a:schemeClr val="accent5">
                     <a:lumMod val="75000"/>
@@ -3556,7 +3557,7 @@
               <a:t>XML et Oracle : </a:t>
             </a:r>
             <a:r>
-              <a:rPr lang="fr-FR" sz="2800" b="1" dirty="0" err="1" smtClean="0">
+              <a:rPr lang="fr-FR" sz="5900" b="1" dirty="0" err="1" smtClean="0">
                 <a:solidFill>
                   <a:schemeClr val="accent5">
                     <a:lumMod val="75000"/>
@@ -3565,6 +3566,18 @@
               </a:rPr>
               <a:t>XMLType</a:t>
             </a:r>
+            <a:endParaRPr lang="fr-FR" sz="5900" b="1" dirty="0" smtClean="0">
+              <a:solidFill>
+                <a:schemeClr val="accent5">
+                  <a:lumMod val="75000"/>
+                </a:schemeClr>
+              </a:solidFill>
+            </a:endParaRPr>
+          </a:p>
+          <a:p>
+            <a:pPr algn="ctr">
+              <a:buNone/>
+            </a:pPr>
             <a:endParaRPr lang="fr-FR" sz="2800" b="1" dirty="0" smtClean="0">
               <a:solidFill>
                 <a:schemeClr val="accent5">
@@ -3574,132 +3587,657 @@
             </a:endParaRPr>
           </a:p>
           <a:p>
-            <a:pPr algn="ctr">
-              <a:buNone/>
-            </a:pPr>
-            <a:endParaRPr lang="fr-FR" sz="2800" b="1" dirty="0" smtClean="0">
-              <a:solidFill>
-                <a:schemeClr val="accent5">
-                  <a:lumMod val="75000"/>
-                </a:schemeClr>
-              </a:solidFill>
-            </a:endParaRPr>
-          </a:p>
-          <a:p>
             <a:pPr>
               <a:buNone/>
             </a:pPr>
-            <a:r>
-              <a:rPr lang="fr-FR" sz="1700" i="1" dirty="0" smtClean="0"/>
-              <a:t>SELECT  </a:t>
-            </a:r>
-            <a:r>
-              <a:rPr lang="fr-FR" sz="1700" i="1" dirty="0" err="1" smtClean="0"/>
-              <a:t>f.commentaire</a:t>
-            </a:r>
-            <a:r>
-              <a:rPr lang="fr-FR" sz="1700" i="1" dirty="0" smtClean="0"/>
-              <a:t>.</a:t>
-            </a:r>
-            <a:r>
-              <a:rPr lang="fr-FR" sz="1700" i="1" dirty="0" err="1" smtClean="0"/>
-              <a:t>extract</a:t>
-            </a:r>
-            <a:r>
-              <a:rPr lang="fr-FR" sz="1700" i="1" dirty="0" smtClean="0"/>
-              <a:t>('/film/commentaire/</a:t>
-            </a:r>
-            <a:r>
-              <a:rPr lang="fr-FR" sz="1700" i="1" dirty="0" err="1" smtClean="0"/>
-              <a:t>com</a:t>
-            </a:r>
-            <a:r>
-              <a:rPr lang="fr-FR" sz="1700" i="1" dirty="0" smtClean="0"/>
-              <a:t>/</a:t>
-            </a:r>
-            <a:r>
-              <a:rPr lang="fr-FR" sz="1700" i="1" dirty="0" err="1" smtClean="0"/>
-              <a:t>text</a:t>
-            </a:r>
-            <a:r>
-              <a:rPr lang="fr-FR" sz="1700" i="1" dirty="0" smtClean="0"/>
-              <a:t>()')</a:t>
-            </a:r>
+            <a:endParaRPr lang="fr-FR" sz="2800" i="1" dirty="0" smtClean="0"/>
           </a:p>
           <a:p>
             <a:pPr>
               <a:buNone/>
             </a:pPr>
             <a:r>
-              <a:rPr lang="fr-FR" sz="1700" i="1" dirty="0" smtClean="0"/>
-              <a:t>FROM film f;</a:t>
-            </a:r>
-          </a:p>
-          <a:p>
-            <a:pPr algn="ctr">
-              <a:buNone/>
-            </a:pPr>
-            <a:endParaRPr lang="fr-FR" sz="2800" b="1" dirty="0" smtClean="0">
-              <a:solidFill>
-                <a:schemeClr val="accent5">
-                  <a:lumMod val="75000"/>
-                </a:schemeClr>
-              </a:solidFill>
-            </a:endParaRPr>
-          </a:p>
-          <a:p>
-            <a:r>
-              <a:rPr lang="fr-FR" sz="2000" u="sng" dirty="0" smtClean="0">
-                <a:solidFill>
-                  <a:schemeClr val="accent2">
-                    <a:lumMod val="50000"/>
-                  </a:schemeClr>
-                </a:solidFill>
-              </a:rPr>
-              <a:t>Utilisation de </a:t>
-            </a:r>
-            <a:r>
-              <a:rPr lang="fr-FR" sz="2000" u="sng" dirty="0" err="1" smtClean="0">
-                <a:solidFill>
-                  <a:schemeClr val="accent2">
-                    <a:lumMod val="50000"/>
-                  </a:schemeClr>
-                </a:solidFill>
-              </a:rPr>
-              <a:t>Xpath</a:t>
-            </a:r>
-            <a:r>
-              <a:rPr lang="fr-FR" sz="2000" u="sng" dirty="0" smtClean="0">
-                <a:solidFill>
-                  <a:schemeClr val="accent2">
-                    <a:lumMod val="50000"/>
-                  </a:schemeClr>
-                </a:solidFill>
-              </a:rPr>
-              <a:t> pour l’extraction du XML.</a:t>
-            </a:r>
-          </a:p>
-          <a:p>
-            <a:pPr algn="ctr">
-              <a:buNone/>
-            </a:pPr>
-            <a:r>
-              <a:rPr lang="fr-FR" sz="1600" i="1" dirty="0" smtClean="0">
+              <a:rPr lang="fr-FR" sz="2800" i="1" dirty="0" smtClean="0">
                 <a:solidFill>
                   <a:schemeClr val="tx2">
                     <a:lumMod val="50000"/>
                   </a:schemeClr>
                 </a:solidFill>
               </a:rPr>
-              <a:t>(ici extraction des commentaires)</a:t>
-            </a:r>
-            <a:endParaRPr lang="fr-FR" sz="1600" i="1" dirty="0" smtClean="0">
+              <a:t>INSERT INTO film</a:t>
+            </a:r>
+            <a:endParaRPr lang="fr-FR" sz="2800" dirty="0" smtClean="0">
               <a:solidFill>
                 <a:schemeClr val="tx2">
                   <a:lumMod val="50000"/>
                 </a:schemeClr>
               </a:solidFill>
             </a:endParaRPr>
+          </a:p>
+          <a:p>
+            <a:pPr>
+              <a:buNone/>
+            </a:pPr>
+            <a:r>
+              <a:rPr lang="fr-FR" sz="2800" i="1" dirty="0" smtClean="0">
+                <a:solidFill>
+                  <a:schemeClr val="tx2">
+                    <a:lumMod val="50000"/>
+                  </a:schemeClr>
+                </a:solidFill>
+              </a:rPr>
+              <a:t>VALUES ( 6, '</a:t>
+            </a:r>
+            <a:r>
+              <a:rPr lang="fr-FR" sz="2800" i="1" dirty="0" err="1" smtClean="0">
+                <a:solidFill>
+                  <a:schemeClr val="tx2">
+                    <a:lumMod val="50000"/>
+                  </a:schemeClr>
+                </a:solidFill>
+              </a:rPr>
+              <a:t>gran</a:t>
+            </a:r>
+            <a:r>
+              <a:rPr lang="fr-FR" sz="2800" i="1" dirty="0" smtClean="0">
+                <a:solidFill>
+                  <a:schemeClr val="tx2">
+                    <a:lumMod val="50000"/>
+                  </a:schemeClr>
+                </a:solidFill>
+              </a:rPr>
+              <a:t> </a:t>
+            </a:r>
+            <a:r>
+              <a:rPr lang="fr-FR" sz="2800" i="1" dirty="0" err="1" smtClean="0">
+                <a:solidFill>
+                  <a:schemeClr val="tx2">
+                    <a:lumMod val="50000"/>
+                  </a:schemeClr>
+                </a:solidFill>
+              </a:rPr>
+              <a:t>torino</a:t>
+            </a:r>
+            <a:r>
+              <a:rPr lang="fr-FR" sz="2800" i="1" dirty="0" smtClean="0">
+                <a:solidFill>
+                  <a:schemeClr val="tx2">
+                    <a:lumMod val="50000"/>
+                  </a:schemeClr>
+                </a:solidFill>
+              </a:rPr>
+              <a:t>', 138, 2010, 9 ,9.5 ,'</a:t>
+            </a:r>
+            <a:r>
+              <a:rPr lang="fr-FR" sz="2800" i="1" dirty="0" err="1" smtClean="0">
+                <a:solidFill>
+                  <a:schemeClr val="tx2">
+                    <a:lumMod val="50000"/>
+                  </a:schemeClr>
+                </a:solidFill>
+              </a:rPr>
+              <a:t>clint</a:t>
+            </a:r>
+            <a:r>
+              <a:rPr lang="fr-FR" sz="2800" i="1" dirty="0" smtClean="0">
+                <a:solidFill>
+                  <a:schemeClr val="tx2">
+                    <a:lumMod val="50000"/>
+                  </a:schemeClr>
+                </a:solidFill>
+              </a:rPr>
+              <a:t> a la retraite...',</a:t>
+            </a:r>
+            <a:r>
+              <a:rPr lang="fr-FR" sz="2800" i="1" dirty="0" err="1" smtClean="0">
+                <a:solidFill>
+                  <a:schemeClr val="tx2">
+                    <a:lumMod val="50000"/>
+                  </a:schemeClr>
+                </a:solidFill>
+              </a:rPr>
+              <a:t>XMLType</a:t>
+            </a:r>
+            <a:r>
+              <a:rPr lang="fr-FR" sz="2800" i="1" dirty="0" smtClean="0">
+                <a:solidFill>
+                  <a:schemeClr val="tx2">
+                    <a:lumMod val="50000"/>
+                  </a:schemeClr>
+                </a:solidFill>
+              </a:rPr>
+              <a:t>('</a:t>
+            </a:r>
+            <a:endParaRPr lang="fr-FR" sz="2800" dirty="0" smtClean="0">
+              <a:solidFill>
+                <a:schemeClr val="tx2">
+                  <a:lumMod val="50000"/>
+                </a:schemeClr>
+              </a:solidFill>
+            </a:endParaRPr>
+          </a:p>
+          <a:p>
+            <a:pPr>
+              <a:buNone/>
+            </a:pPr>
+            <a:r>
+              <a:rPr lang="fr-FR" sz="2800" i="1" dirty="0" smtClean="0">
+                <a:solidFill>
+                  <a:schemeClr val="tx2">
+                    <a:lumMod val="50000"/>
+                  </a:schemeClr>
+                </a:solidFill>
+              </a:rPr>
+              <a:t>&lt;film&gt; </a:t>
+            </a:r>
+            <a:endParaRPr lang="fr-FR" sz="2800" dirty="0" smtClean="0">
+              <a:solidFill>
+                <a:schemeClr val="tx2">
+                  <a:lumMod val="50000"/>
+                </a:schemeClr>
+              </a:solidFill>
+            </a:endParaRPr>
+          </a:p>
+          <a:p>
+            <a:pPr>
+              <a:buNone/>
+            </a:pPr>
+            <a:r>
+              <a:rPr lang="fr-FR" sz="2800" i="1" dirty="0" smtClean="0">
+                <a:solidFill>
+                  <a:schemeClr val="tx2">
+                    <a:lumMod val="50000"/>
+                  </a:schemeClr>
+                </a:solidFill>
+              </a:rPr>
+              <a:t>    &lt;commentaire&gt;</a:t>
+            </a:r>
+            <a:endParaRPr lang="fr-FR" sz="2800" dirty="0" smtClean="0">
+              <a:solidFill>
+                <a:schemeClr val="tx2">
+                  <a:lumMod val="50000"/>
+                </a:schemeClr>
+              </a:solidFill>
+            </a:endParaRPr>
+          </a:p>
+          <a:p>
+            <a:pPr>
+              <a:buNone/>
+            </a:pPr>
+            <a:r>
+              <a:rPr lang="fr-FR" sz="2800" i="1" dirty="0" smtClean="0">
+                <a:solidFill>
+                  <a:schemeClr val="tx2">
+                    <a:lumMod val="50000"/>
+                  </a:schemeClr>
+                </a:solidFill>
+              </a:rPr>
+              <a:t>	&lt;pseudo&gt;ford_48&lt;/pseudo&gt;</a:t>
+            </a:r>
+            <a:endParaRPr lang="fr-FR" sz="2800" dirty="0" smtClean="0">
+              <a:solidFill>
+                <a:schemeClr val="tx2">
+                  <a:lumMod val="50000"/>
+                </a:schemeClr>
+              </a:solidFill>
+            </a:endParaRPr>
+          </a:p>
+          <a:p>
+            <a:pPr>
+              <a:buNone/>
+            </a:pPr>
+            <a:r>
+              <a:rPr lang="fr-FR" sz="2800" i="1" dirty="0" smtClean="0">
+                <a:solidFill>
+                  <a:schemeClr val="tx2">
+                    <a:lumMod val="50000"/>
+                  </a:schemeClr>
+                </a:solidFill>
+              </a:rPr>
+              <a:t>	&lt;</a:t>
+            </a:r>
+            <a:r>
+              <a:rPr lang="fr-FR" sz="2800" i="1" dirty="0" err="1" smtClean="0">
+                <a:solidFill>
+                  <a:schemeClr val="tx2">
+                    <a:lumMod val="50000"/>
+                  </a:schemeClr>
+                </a:solidFill>
+              </a:rPr>
+              <a:t>com</a:t>
+            </a:r>
+            <a:r>
+              <a:rPr lang="fr-FR" sz="2800" i="1" dirty="0" smtClean="0">
+                <a:solidFill>
+                  <a:schemeClr val="tx2">
+                    <a:lumMod val="50000"/>
+                  </a:schemeClr>
+                </a:solidFill>
+              </a:rPr>
+              <a:t>&gt;</a:t>
+            </a:r>
+            <a:r>
+              <a:rPr lang="fr-FR" sz="2800" i="1" dirty="0" err="1" smtClean="0">
+                <a:solidFill>
+                  <a:schemeClr val="tx2">
+                    <a:lumMod val="50000"/>
+                  </a:schemeClr>
+                </a:solidFill>
+              </a:rPr>
+              <a:t>trés</a:t>
+            </a:r>
+            <a:r>
+              <a:rPr lang="fr-FR" sz="2800" i="1" dirty="0" smtClean="0">
+                <a:solidFill>
+                  <a:schemeClr val="tx2">
+                    <a:lumMod val="50000"/>
+                  </a:schemeClr>
+                </a:solidFill>
+              </a:rPr>
+              <a:t> bon film avec M. </a:t>
+            </a:r>
+            <a:r>
+              <a:rPr lang="fr-FR" sz="2800" i="1" dirty="0" err="1" smtClean="0">
+                <a:solidFill>
+                  <a:schemeClr val="tx2">
+                    <a:lumMod val="50000"/>
+                  </a:schemeClr>
+                </a:solidFill>
+              </a:rPr>
+              <a:t>Eastwood</a:t>
+            </a:r>
+            <a:r>
+              <a:rPr lang="fr-FR" sz="2800" i="1" dirty="0" smtClean="0">
+                <a:solidFill>
+                  <a:schemeClr val="tx2">
+                    <a:lumMod val="50000"/>
+                  </a:schemeClr>
+                </a:solidFill>
+              </a:rPr>
+              <a:t>&lt;/</a:t>
+            </a:r>
+            <a:r>
+              <a:rPr lang="fr-FR" sz="2800" i="1" dirty="0" err="1" smtClean="0">
+                <a:solidFill>
+                  <a:schemeClr val="tx2">
+                    <a:lumMod val="50000"/>
+                  </a:schemeClr>
+                </a:solidFill>
+              </a:rPr>
+              <a:t>com</a:t>
+            </a:r>
+            <a:r>
+              <a:rPr lang="fr-FR" sz="2800" i="1" dirty="0" smtClean="0">
+                <a:solidFill>
+                  <a:schemeClr val="tx2">
+                    <a:lumMod val="50000"/>
+                  </a:schemeClr>
+                </a:solidFill>
+              </a:rPr>
+              <a:t>&gt;</a:t>
+            </a:r>
+            <a:endParaRPr lang="fr-FR" sz="2800" dirty="0" smtClean="0">
+              <a:solidFill>
+                <a:schemeClr val="tx2">
+                  <a:lumMod val="50000"/>
+                </a:schemeClr>
+              </a:solidFill>
+            </a:endParaRPr>
+          </a:p>
+          <a:p>
+            <a:pPr>
+              <a:buNone/>
+            </a:pPr>
+            <a:r>
+              <a:rPr lang="fr-FR" sz="2800" i="1" dirty="0" smtClean="0">
+                <a:solidFill>
+                  <a:schemeClr val="tx2">
+                    <a:lumMod val="50000"/>
+                  </a:schemeClr>
+                </a:solidFill>
+              </a:rPr>
+              <a:t>	&lt;note&gt;10&lt;/note&gt;</a:t>
+            </a:r>
+            <a:endParaRPr lang="fr-FR" sz="2800" dirty="0" smtClean="0">
+              <a:solidFill>
+                <a:schemeClr val="tx2">
+                  <a:lumMod val="50000"/>
+                </a:schemeClr>
+              </a:solidFill>
+            </a:endParaRPr>
+          </a:p>
+          <a:p>
+            <a:pPr>
+              <a:buNone/>
+            </a:pPr>
+            <a:r>
+              <a:rPr lang="fr-FR" sz="2800" i="1" dirty="0" smtClean="0">
+                <a:solidFill>
+                  <a:schemeClr val="tx2">
+                    <a:lumMod val="50000"/>
+                  </a:schemeClr>
+                </a:solidFill>
+              </a:rPr>
+              <a:t>	&lt;source&gt;</a:t>
+            </a:r>
+            <a:r>
+              <a:rPr lang="fr-FR" sz="2800" i="1" dirty="0" err="1" smtClean="0">
+                <a:solidFill>
+                  <a:schemeClr val="tx2">
+                    <a:lumMod val="50000"/>
+                  </a:schemeClr>
+                </a:solidFill>
+              </a:rPr>
+              <a:t>Allocine</a:t>
+            </a:r>
+            <a:r>
+              <a:rPr lang="fr-FR" sz="2800" i="1" dirty="0" smtClean="0">
+                <a:solidFill>
+                  <a:schemeClr val="tx2">
+                    <a:lumMod val="50000"/>
+                  </a:schemeClr>
+                </a:solidFill>
+              </a:rPr>
+              <a:t>&lt;/source&gt;</a:t>
+            </a:r>
+            <a:endParaRPr lang="fr-FR" sz="2800" dirty="0" smtClean="0">
+              <a:solidFill>
+                <a:schemeClr val="tx2">
+                  <a:lumMod val="50000"/>
+                </a:schemeClr>
+              </a:solidFill>
+            </a:endParaRPr>
+          </a:p>
+          <a:p>
+            <a:pPr>
+              <a:buNone/>
+            </a:pPr>
+            <a:r>
+              <a:rPr lang="fr-FR" sz="2800" i="1" dirty="0" smtClean="0">
+                <a:solidFill>
+                  <a:schemeClr val="tx2">
+                    <a:lumMod val="50000"/>
+                  </a:schemeClr>
+                </a:solidFill>
+              </a:rPr>
+              <a:t>    &lt;/commentaire&gt;</a:t>
+            </a:r>
+            <a:endParaRPr lang="fr-FR" sz="2800" dirty="0" smtClean="0">
+              <a:solidFill>
+                <a:schemeClr val="tx2">
+                  <a:lumMod val="50000"/>
+                </a:schemeClr>
+              </a:solidFill>
+            </a:endParaRPr>
+          </a:p>
+          <a:p>
+            <a:pPr>
+              <a:buNone/>
+            </a:pPr>
+            <a:r>
+              <a:rPr lang="fr-FR" sz="2800" i="1" dirty="0" smtClean="0">
+                <a:solidFill>
+                  <a:schemeClr val="tx2">
+                    <a:lumMod val="50000"/>
+                  </a:schemeClr>
+                </a:solidFill>
+              </a:rPr>
+              <a:t>    &lt;commentaire&gt;</a:t>
+            </a:r>
+            <a:endParaRPr lang="fr-FR" sz="2800" dirty="0" smtClean="0">
+              <a:solidFill>
+                <a:schemeClr val="tx2">
+                  <a:lumMod val="50000"/>
+                </a:schemeClr>
+              </a:solidFill>
+            </a:endParaRPr>
+          </a:p>
+          <a:p>
+            <a:pPr>
+              <a:buNone/>
+            </a:pPr>
+            <a:r>
+              <a:rPr lang="fr-FR" sz="2800" i="1" dirty="0" smtClean="0">
+                <a:solidFill>
+                  <a:schemeClr val="tx2">
+                    <a:lumMod val="50000"/>
+                  </a:schemeClr>
+                </a:solidFill>
+              </a:rPr>
+              <a:t>	&lt;pseudo&gt;jojodu12&lt;/pseudo&gt;</a:t>
+            </a:r>
+            <a:endParaRPr lang="fr-FR" sz="2800" dirty="0" smtClean="0">
+              <a:solidFill>
+                <a:schemeClr val="tx2">
+                  <a:lumMod val="50000"/>
+                </a:schemeClr>
+              </a:solidFill>
+            </a:endParaRPr>
+          </a:p>
+          <a:p>
+            <a:pPr>
+              <a:buNone/>
+            </a:pPr>
+            <a:r>
+              <a:rPr lang="fr-FR" sz="2800" i="1" dirty="0" smtClean="0">
+                <a:solidFill>
+                  <a:schemeClr val="tx2">
+                    <a:lumMod val="50000"/>
+                  </a:schemeClr>
+                </a:solidFill>
+              </a:rPr>
+              <a:t>	&lt;</a:t>
+            </a:r>
+            <a:r>
+              <a:rPr lang="fr-FR" sz="2800" i="1" dirty="0" err="1" smtClean="0">
+                <a:solidFill>
+                  <a:schemeClr val="tx2">
+                    <a:lumMod val="50000"/>
+                  </a:schemeClr>
+                </a:solidFill>
+              </a:rPr>
+              <a:t>com</a:t>
+            </a:r>
+            <a:r>
+              <a:rPr lang="fr-FR" sz="2800" i="1" dirty="0" smtClean="0">
+                <a:solidFill>
+                  <a:schemeClr val="tx2">
+                    <a:lumMod val="50000"/>
+                  </a:schemeClr>
+                </a:solidFill>
+              </a:rPr>
+              <a:t>&gt;Clint encore une fois énorme !!&lt;/</a:t>
+            </a:r>
+            <a:r>
+              <a:rPr lang="fr-FR" sz="2800" i="1" dirty="0" err="1" smtClean="0">
+                <a:solidFill>
+                  <a:schemeClr val="tx2">
+                    <a:lumMod val="50000"/>
+                  </a:schemeClr>
+                </a:solidFill>
+              </a:rPr>
+              <a:t>com</a:t>
+            </a:r>
+            <a:r>
+              <a:rPr lang="fr-FR" sz="2800" i="1" dirty="0" smtClean="0">
+                <a:solidFill>
+                  <a:schemeClr val="tx2">
+                    <a:lumMod val="50000"/>
+                  </a:schemeClr>
+                </a:solidFill>
+              </a:rPr>
+              <a:t>&gt;</a:t>
+            </a:r>
+            <a:endParaRPr lang="fr-FR" sz="2800" dirty="0" smtClean="0">
+              <a:solidFill>
+                <a:schemeClr val="tx2">
+                  <a:lumMod val="50000"/>
+                </a:schemeClr>
+              </a:solidFill>
+            </a:endParaRPr>
+          </a:p>
+          <a:p>
+            <a:pPr>
+              <a:buNone/>
+            </a:pPr>
+            <a:r>
+              <a:rPr lang="fr-FR" sz="2800" i="1" dirty="0" smtClean="0">
+                <a:solidFill>
+                  <a:schemeClr val="tx2">
+                    <a:lumMod val="50000"/>
+                  </a:schemeClr>
+                </a:solidFill>
+              </a:rPr>
+              <a:t>	&lt;note&gt;8&lt;/note&gt;</a:t>
+            </a:r>
+            <a:endParaRPr lang="fr-FR" sz="2800" dirty="0" smtClean="0">
+              <a:solidFill>
+                <a:schemeClr val="tx2">
+                  <a:lumMod val="50000"/>
+                </a:schemeClr>
+              </a:solidFill>
+            </a:endParaRPr>
+          </a:p>
+          <a:p>
+            <a:pPr>
+              <a:buNone/>
+            </a:pPr>
+            <a:r>
+              <a:rPr lang="fr-FR" sz="2800" i="1" dirty="0" smtClean="0">
+                <a:solidFill>
+                  <a:schemeClr val="tx2">
+                    <a:lumMod val="50000"/>
+                  </a:schemeClr>
+                </a:solidFill>
+              </a:rPr>
+              <a:t>	&lt;source&gt;</a:t>
+            </a:r>
+            <a:r>
+              <a:rPr lang="fr-FR" sz="2800" i="1" dirty="0" err="1" smtClean="0">
+                <a:solidFill>
+                  <a:schemeClr val="tx2">
+                    <a:lumMod val="50000"/>
+                  </a:schemeClr>
+                </a:solidFill>
+              </a:rPr>
+              <a:t>Allocine</a:t>
+            </a:r>
+            <a:r>
+              <a:rPr lang="fr-FR" sz="2800" i="1" dirty="0" smtClean="0">
+                <a:solidFill>
+                  <a:schemeClr val="tx2">
+                    <a:lumMod val="50000"/>
+                  </a:schemeClr>
+                </a:solidFill>
+              </a:rPr>
+              <a:t>&lt;/source&gt;</a:t>
+            </a:r>
+            <a:endParaRPr lang="fr-FR" sz="2800" dirty="0" smtClean="0">
+              <a:solidFill>
+                <a:schemeClr val="tx2">
+                  <a:lumMod val="50000"/>
+                </a:schemeClr>
+              </a:solidFill>
+            </a:endParaRPr>
+          </a:p>
+          <a:p>
+            <a:pPr>
+              <a:buNone/>
+            </a:pPr>
+            <a:r>
+              <a:rPr lang="fr-FR" sz="2800" i="1" dirty="0" smtClean="0">
+                <a:solidFill>
+                  <a:schemeClr val="tx2">
+                    <a:lumMod val="50000"/>
+                  </a:schemeClr>
+                </a:solidFill>
+              </a:rPr>
+              <a:t>    &lt;/commentaire&gt;</a:t>
+            </a:r>
+            <a:endParaRPr lang="fr-FR" sz="2800" dirty="0" smtClean="0">
+              <a:solidFill>
+                <a:schemeClr val="tx2">
+                  <a:lumMod val="50000"/>
+                </a:schemeClr>
+              </a:solidFill>
+            </a:endParaRPr>
+          </a:p>
+          <a:p>
+            <a:pPr>
+              <a:buNone/>
+            </a:pPr>
+            <a:r>
+              <a:rPr lang="fr-FR" sz="2800" i="1" dirty="0" smtClean="0">
+                <a:solidFill>
+                  <a:schemeClr val="tx2">
+                    <a:lumMod val="50000"/>
+                  </a:schemeClr>
+                </a:solidFill>
+              </a:rPr>
+              <a:t>&lt;/film&gt;'),'' )</a:t>
+            </a:r>
+          </a:p>
+          <a:p>
+            <a:pPr>
+              <a:buNone/>
+            </a:pPr>
+            <a:r>
+              <a:rPr lang="fr-FR" sz="2800" i="1" dirty="0" smtClean="0">
+                <a:solidFill>
+                  <a:schemeClr val="tx2">
+                    <a:lumMod val="50000"/>
+                  </a:schemeClr>
+                </a:solidFill>
+              </a:rPr>
+              <a:t>/</a:t>
+            </a:r>
+          </a:p>
+          <a:p>
+            <a:pPr>
+              <a:buNone/>
+            </a:pPr>
+            <a:endParaRPr lang="fr-FR" sz="2800" i="1" dirty="0" smtClean="0">
+              <a:solidFill>
+                <a:schemeClr val="tx2">
+                  <a:lumMod val="50000"/>
+                </a:schemeClr>
+              </a:solidFill>
+            </a:endParaRPr>
+          </a:p>
+          <a:p>
+            <a:pPr algn="ctr">
+              <a:buNone/>
+            </a:pPr>
+            <a:r>
+              <a:rPr lang="fr-FR" sz="2800" i="1" dirty="0" smtClean="0">
+                <a:solidFill>
+                  <a:schemeClr val="tx2">
+                    <a:lumMod val="50000"/>
+                  </a:schemeClr>
+                </a:solidFill>
+              </a:rPr>
+              <a:t>Exemple d’insertion de XML dans la base de données grâce au </a:t>
+            </a:r>
+            <a:r>
+              <a:rPr lang="fr-FR" sz="2800" i="1" dirty="0" err="1" smtClean="0">
+                <a:solidFill>
+                  <a:schemeClr val="tx2">
+                    <a:lumMod val="50000"/>
+                  </a:schemeClr>
+                </a:solidFill>
+              </a:rPr>
+              <a:t>XMLType</a:t>
+            </a:r>
+            <a:r>
+              <a:rPr lang="fr-FR" sz="2800" i="1" dirty="0" smtClean="0">
+                <a:solidFill>
+                  <a:schemeClr val="tx2">
+                    <a:lumMod val="50000"/>
+                  </a:schemeClr>
+                </a:solidFill>
+              </a:rPr>
+              <a:t>.</a:t>
+            </a:r>
           </a:p>
         </p:txBody>
       </p:sp>
@@ -4042,8 +4580,8 @@
         </p:nvSpPr>
         <p:spPr>
           <a:xfrm>
-            <a:off x="2915816" y="2564904"/>
-            <a:ext cx="5616624" cy="1224136"/>
+            <a:off x="2915816" y="2420888"/>
+            <a:ext cx="5616624" cy="3456384"/>
           </a:xfrm>
           <a:prstGeom prst="rect">
             <a:avLst/>
@@ -4152,13 +4690,13 @@
         </p:nvSpPr>
         <p:spPr>
           <a:xfrm>
-            <a:off x="2555776" y="1700808"/>
-            <a:ext cx="6120680" cy="4248472"/>
+            <a:off x="2915816" y="1700808"/>
+            <a:ext cx="5616624" cy="4896544"/>
           </a:xfrm>
         </p:spPr>
         <p:txBody>
           <a:bodyPr>
-            <a:normAutofit fontScale="55000" lnSpcReduction="20000"/>
+            <a:normAutofit/>
           </a:bodyPr>
           <a:lstStyle/>
           <a:p>
@@ -4166,267 +4704,25 @@
               <a:buNone/>
             </a:pPr>
             <a:r>
-              <a:rPr lang="fr-FR" sz="4400" b="1" dirty="0" smtClean="0">
+              <a:rPr lang="fr-FR" sz="2800" b="1" dirty="0" smtClean="0">
                 <a:solidFill>
                   <a:schemeClr val="accent5">
                     <a:lumMod val="75000"/>
                   </a:schemeClr>
                 </a:solidFill>
               </a:rPr>
-              <a:t>Trigger et </a:t>
-            </a:r>
-            <a:r>
-              <a:rPr lang="fr-FR" sz="4400" b="1" dirty="0" smtClean="0">
+              <a:t>XML et Oracle : </a:t>
+            </a:r>
+            <a:r>
+              <a:rPr lang="fr-FR" sz="2800" b="1" dirty="0" err="1" smtClean="0">
                 <a:solidFill>
                   <a:schemeClr val="accent5">
                     <a:lumMod val="75000"/>
                   </a:schemeClr>
                 </a:solidFill>
               </a:rPr>
-              <a:t>vues</a:t>
-            </a:r>
-          </a:p>
-          <a:p>
-            <a:pPr algn="ctr">
-              <a:buNone/>
-            </a:pPr>
-            <a:endParaRPr lang="fr-FR" sz="2000" dirty="0" smtClean="0">
-              <a:solidFill>
-                <a:schemeClr val="accent5">
-                  <a:lumMod val="75000"/>
-                </a:schemeClr>
-              </a:solidFill>
-            </a:endParaRPr>
-          </a:p>
-          <a:p>
-            <a:r>
-              <a:rPr lang="fr-FR" sz="3600" dirty="0" smtClean="0">
-                <a:solidFill>
-                  <a:schemeClr val="accent2">
-                    <a:lumMod val="50000"/>
-                  </a:schemeClr>
-                </a:solidFill>
-              </a:rPr>
-              <a:t>Projet d’utiliser une vue afin de rendre transparent l’utilisation de XML dans le code PHP.</a:t>
-            </a:r>
-          </a:p>
-          <a:p>
-            <a:r>
-              <a:rPr lang="fr-FR" sz="3600" dirty="0" smtClean="0">
-                <a:solidFill>
-                  <a:schemeClr val="accent2">
-                    <a:lumMod val="50000"/>
-                  </a:schemeClr>
-                </a:solidFill>
-              </a:rPr>
-              <a:t>Création d’un Trigger pour mettre à jour la moyenne des notes des utilisateurs.</a:t>
-            </a:r>
-          </a:p>
-          <a:p>
-            <a:pPr>
-              <a:buNone/>
-            </a:pPr>
-            <a:endParaRPr lang="fr-FR" sz="2000" dirty="0" smtClean="0">
-              <a:solidFill>
-                <a:schemeClr val="accent5">
-                  <a:lumMod val="75000"/>
-                </a:schemeClr>
-              </a:solidFill>
-            </a:endParaRPr>
-          </a:p>
-          <a:p>
-            <a:pPr>
-              <a:buNone/>
-            </a:pPr>
-            <a:endParaRPr lang="fr-FR" sz="2200" i="1" dirty="0" smtClean="0"/>
-          </a:p>
-          <a:p>
-            <a:pPr>
-              <a:buNone/>
-            </a:pPr>
-            <a:r>
-              <a:rPr lang="fr-FR" sz="2200" i="1" dirty="0" smtClean="0"/>
-              <a:t>CREATE </a:t>
-            </a:r>
-            <a:r>
-              <a:rPr lang="fr-FR" sz="2200" i="1" dirty="0" smtClean="0"/>
-              <a:t>OR REPLACE TRIGGER moyenne</a:t>
-            </a:r>
-          </a:p>
-          <a:p>
-            <a:pPr>
-              <a:buNone/>
-            </a:pPr>
-            <a:r>
-              <a:rPr lang="fr-FR" sz="2200" i="1" dirty="0" smtClean="0"/>
-              <a:t>AFTER INSERT OR UPDATE ON film</a:t>
-            </a:r>
-          </a:p>
-          <a:p>
-            <a:pPr>
-              <a:buNone/>
-            </a:pPr>
-            <a:r>
-              <a:rPr lang="fr-FR" sz="2200" i="1" dirty="0" smtClean="0"/>
-              <a:t>FOR EACH ROW</a:t>
-            </a:r>
-          </a:p>
-          <a:p>
-            <a:pPr>
-              <a:buNone/>
-            </a:pPr>
-            <a:r>
-              <a:rPr lang="fr-FR" sz="2200" i="1" dirty="0" smtClean="0"/>
-              <a:t>	BEGIN</a:t>
-            </a:r>
-          </a:p>
-          <a:p>
-            <a:pPr>
-              <a:buNone/>
-            </a:pPr>
-            <a:r>
-              <a:rPr lang="fr-FR" sz="2200" i="1" dirty="0" smtClean="0"/>
-              <a:t>                   NEW.</a:t>
-            </a:r>
-            <a:r>
-              <a:rPr lang="fr-FR" sz="2200" i="1" dirty="0" err="1" smtClean="0"/>
-              <a:t>notes_util</a:t>
-            </a:r>
-            <a:r>
-              <a:rPr lang="fr-FR" sz="2200" i="1" dirty="0" smtClean="0"/>
-              <a:t> := (SELECT AVG(</a:t>
-            </a:r>
-            <a:r>
-              <a:rPr lang="fr-FR" sz="2200" i="1" dirty="0" err="1" smtClean="0"/>
-              <a:t>extract</a:t>
-            </a:r>
-            <a:r>
-              <a:rPr lang="fr-FR" sz="2200" i="1" dirty="0" smtClean="0"/>
-              <a:t>(value(note),'note/</a:t>
-            </a:r>
-            <a:r>
-              <a:rPr lang="fr-FR" sz="2200" i="1" dirty="0" err="1" smtClean="0"/>
-              <a:t>text</a:t>
-            </a:r>
-            <a:r>
-              <a:rPr lang="fr-FR" sz="2200" i="1" dirty="0" smtClean="0"/>
-              <a:t>()').</a:t>
-            </a:r>
-            <a:r>
-              <a:rPr lang="fr-FR" sz="2200" i="1" dirty="0" err="1" smtClean="0"/>
-              <a:t>getNumberVal</a:t>
-            </a:r>
-            <a:r>
-              <a:rPr lang="fr-FR" sz="2200" i="1" dirty="0" smtClean="0"/>
-              <a:t>())</a:t>
-            </a:r>
-          </a:p>
-          <a:p>
-            <a:pPr>
-              <a:buNone/>
-            </a:pPr>
-            <a:r>
-              <a:rPr lang="fr-FR" sz="2200" i="1" dirty="0" smtClean="0"/>
-              <a:t>FROM film f, table(</a:t>
-            </a:r>
-            <a:r>
-              <a:rPr lang="fr-FR" sz="2200" i="1" dirty="0" err="1" smtClean="0"/>
-              <a:t>xmlsequence</a:t>
-            </a:r>
-            <a:r>
-              <a:rPr lang="fr-FR" sz="2200" i="1" dirty="0" smtClean="0"/>
-              <a:t>(</a:t>
-            </a:r>
-            <a:r>
-              <a:rPr lang="fr-FR" sz="2200" i="1" dirty="0" err="1" smtClean="0"/>
-              <a:t>extract</a:t>
-            </a:r>
-            <a:r>
-              <a:rPr lang="fr-FR" sz="2200" i="1" dirty="0" smtClean="0"/>
-              <a:t>(</a:t>
-            </a:r>
-            <a:r>
-              <a:rPr lang="fr-FR" sz="2200" i="1" dirty="0" err="1" smtClean="0"/>
-              <a:t>f.commentaire</a:t>
-            </a:r>
-            <a:r>
-              <a:rPr lang="fr-FR" sz="2200" i="1" dirty="0" smtClean="0"/>
-              <a:t>,'/film/commentaire/note')))  note</a:t>
-            </a:r>
-          </a:p>
-          <a:p>
-            <a:pPr>
-              <a:buNone/>
-            </a:pPr>
-            <a:r>
-              <a:rPr lang="fr-FR" sz="2200" i="1" dirty="0" smtClean="0"/>
-              <a:t>				WHERE </a:t>
-            </a:r>
-            <a:r>
-              <a:rPr lang="fr-FR" sz="2200" i="1" dirty="0" err="1" smtClean="0"/>
-              <a:t>id_film</a:t>
-            </a:r>
-            <a:r>
-              <a:rPr lang="fr-FR" sz="2200" i="1" dirty="0" smtClean="0"/>
-              <a:t> = NEW.id_film)</a:t>
-            </a:r>
-          </a:p>
-          <a:p>
-            <a:pPr>
-              <a:buNone/>
-            </a:pPr>
-            <a:r>
-              <a:rPr lang="fr-FR" sz="2200" i="1" dirty="0" smtClean="0"/>
-              <a:t>	END;</a:t>
-            </a:r>
-          </a:p>
-          <a:p>
-            <a:pPr>
-              <a:buNone/>
-            </a:pPr>
-            <a:r>
-              <a:rPr lang="fr-FR" sz="2200" i="1" dirty="0" smtClean="0"/>
-              <a:t>END moyenne;</a:t>
-            </a:r>
-          </a:p>
-          <a:p>
-            <a:pPr>
-              <a:buNone/>
-            </a:pPr>
-            <a:r>
-              <a:rPr lang="fr-FR" sz="2200" dirty="0" smtClean="0">
-                <a:solidFill>
-                  <a:schemeClr val="accent5">
-                    <a:lumMod val="75000"/>
-                  </a:schemeClr>
-                </a:solidFill>
-              </a:rPr>
-              <a:t> </a:t>
-            </a:r>
-            <a:endParaRPr lang="fr-FR" sz="2200" dirty="0" smtClean="0">
-              <a:solidFill>
-                <a:schemeClr val="accent5">
-                  <a:lumMod val="75000"/>
-                </a:schemeClr>
-              </a:solidFill>
-            </a:endParaRPr>
-          </a:p>
-          <a:p>
-            <a:pPr>
-              <a:buNone/>
-            </a:pPr>
-            <a:endParaRPr lang="fr-FR" sz="2800" dirty="0" smtClean="0">
-              <a:solidFill>
-                <a:schemeClr val="accent5">
-                  <a:lumMod val="75000"/>
-                </a:schemeClr>
-              </a:solidFill>
-            </a:endParaRPr>
-          </a:p>
-          <a:p>
-            <a:pPr algn="ctr">
-              <a:buNone/>
-            </a:pPr>
+              <a:t>XMLType</a:t>
+            </a:r>
             <a:endParaRPr lang="fr-FR" sz="2800" b="1" dirty="0" smtClean="0">
               <a:solidFill>
                 <a:schemeClr val="accent5">
@@ -4434,6 +4730,127 @@
                 </a:schemeClr>
               </a:solidFill>
             </a:endParaRPr>
+          </a:p>
+          <a:p>
+            <a:pPr algn="ctr">
+              <a:buNone/>
+            </a:pPr>
+            <a:endParaRPr lang="fr-FR" sz="2800" b="1" dirty="0" smtClean="0">
+              <a:solidFill>
+                <a:schemeClr val="accent5">
+                  <a:lumMod val="75000"/>
+                </a:schemeClr>
+              </a:solidFill>
+            </a:endParaRPr>
+          </a:p>
+          <a:p>
+            <a:pPr>
+              <a:buNone/>
+            </a:pPr>
+            <a:r>
+              <a:rPr lang="fr-FR" sz="1700" i="1" dirty="0" smtClean="0"/>
+              <a:t>SELECT  </a:t>
+            </a:r>
+            <a:r>
+              <a:rPr lang="fr-FR" sz="1700" i="1" dirty="0" err="1" smtClean="0"/>
+              <a:t>f.commentaire</a:t>
+            </a:r>
+            <a:r>
+              <a:rPr lang="fr-FR" sz="1700" i="1" dirty="0" smtClean="0"/>
+              <a:t>.</a:t>
+            </a:r>
+            <a:r>
+              <a:rPr lang="fr-FR" sz="1700" i="1" dirty="0" err="1" smtClean="0"/>
+              <a:t>extract</a:t>
+            </a:r>
+            <a:r>
+              <a:rPr lang="fr-FR" sz="1700" i="1" dirty="0" smtClean="0"/>
+              <a:t>('/film/commentaire/</a:t>
+            </a:r>
+            <a:r>
+              <a:rPr lang="fr-FR" sz="1700" i="1" dirty="0" err="1" smtClean="0"/>
+              <a:t>com</a:t>
+            </a:r>
+            <a:r>
+              <a:rPr lang="fr-FR" sz="1700" i="1" dirty="0" smtClean="0"/>
+              <a:t>/</a:t>
+            </a:r>
+            <a:r>
+              <a:rPr lang="fr-FR" sz="1700" i="1" dirty="0" err="1" smtClean="0"/>
+              <a:t>text</a:t>
+            </a:r>
+            <a:r>
+              <a:rPr lang="fr-FR" sz="1700" i="1" dirty="0" smtClean="0"/>
+              <a:t>()')</a:t>
+            </a:r>
+          </a:p>
+          <a:p>
+            <a:pPr>
+              <a:buNone/>
+            </a:pPr>
+            <a:r>
+              <a:rPr lang="fr-FR" sz="1700" i="1" dirty="0" smtClean="0"/>
+              <a:t>FROM film f;</a:t>
+            </a:r>
+          </a:p>
+          <a:p>
+            <a:pPr algn="ctr">
+              <a:buNone/>
+            </a:pPr>
+            <a:endParaRPr lang="fr-FR" sz="2800" b="1" dirty="0" smtClean="0">
+              <a:solidFill>
+                <a:schemeClr val="accent5">
+                  <a:lumMod val="75000"/>
+                </a:schemeClr>
+              </a:solidFill>
+            </a:endParaRPr>
+          </a:p>
+          <a:p>
+            <a:r>
+              <a:rPr lang="fr-FR" sz="2000" u="sng" dirty="0" smtClean="0">
+                <a:solidFill>
+                  <a:schemeClr val="accent2">
+                    <a:lumMod val="50000"/>
+                  </a:schemeClr>
+                </a:solidFill>
+              </a:rPr>
+              <a:t>Utilisation de </a:t>
+            </a:r>
+            <a:r>
+              <a:rPr lang="fr-FR" sz="2000" u="sng" dirty="0" err="1" smtClean="0">
+                <a:solidFill>
+                  <a:schemeClr val="accent2">
+                    <a:lumMod val="50000"/>
+                  </a:schemeClr>
+                </a:solidFill>
+              </a:rPr>
+              <a:t>Xpath</a:t>
+            </a:r>
+            <a:r>
+              <a:rPr lang="fr-FR" sz="2000" u="sng" dirty="0" smtClean="0">
+                <a:solidFill>
+                  <a:schemeClr val="accent2">
+                    <a:lumMod val="50000"/>
+                  </a:schemeClr>
+                </a:solidFill>
+              </a:rPr>
+              <a:t> pour l’extraction du XML.</a:t>
+            </a:r>
+          </a:p>
+          <a:p>
+            <a:pPr algn="ctr">
+              <a:buNone/>
+            </a:pPr>
+            <a:r>
+              <a:rPr lang="fr-FR" sz="1600" i="1" dirty="0" smtClean="0">
+                <a:solidFill>
+                  <a:schemeClr val="tx2">
+                    <a:lumMod val="50000"/>
+                  </a:schemeClr>
+                </a:solidFill>
+              </a:rPr>
+              <a:t>(ici extraction des commentaires)</a:t>
+            </a:r>
           </a:p>
         </p:txBody>
       </p:sp>
@@ -4776,8 +5193,8 @@
         </p:nvSpPr>
         <p:spPr>
           <a:xfrm>
-            <a:off x="2555776" y="3356992"/>
-            <a:ext cx="6120680" cy="2160240"/>
+            <a:off x="2915816" y="2564904"/>
+            <a:ext cx="5616624" cy="1224136"/>
           </a:xfrm>
           <a:prstGeom prst="rect">
             <a:avLst/>
@@ -4786,16 +5203,18 @@
         </p:spPr>
         <p:style>
           <a:lnRef idx="2">
-            <a:schemeClr val="accent6"/>
+            <a:schemeClr val="accent1">
+              <a:shade val="50000"/>
+            </a:schemeClr>
           </a:lnRef>
           <a:fillRef idx="1">
-            <a:schemeClr val="lt1"/>
+            <a:schemeClr val="accent1"/>
           </a:fillRef>
           <a:effectRef idx="0">
-            <a:schemeClr val="accent6"/>
+            <a:schemeClr val="accent1"/>
           </a:effectRef>
           <a:fontRef idx="minor">
-            <a:schemeClr val="dk1"/>
+            <a:schemeClr val="lt1"/>
           </a:fontRef>
         </p:style>
         <p:txBody>
@@ -4803,9 +5222,7 @@
           <a:lstStyle/>
           <a:p>
             <a:pPr algn="ctr"/>
-            <a:endParaRPr lang="fr-FR" dirty="0">
-              <a:noFill/>
-            </a:endParaRPr>
+            <a:endParaRPr lang="fr-FR"/>
           </a:p>
         </p:txBody>
       </p:sp>
@@ -4859,6 +5276,719 @@
           <a:lstStyle/>
           <a:p>
             <a:r>
+              <a:rPr lang="fr-FR" cap="none" dirty="0" smtClean="0">
+                <a:effectLst/>
+              </a:rPr>
+              <a:t>STOCKAGES</a:t>
+            </a:r>
+            <a:r>
+              <a:rPr lang="fr-FR" sz="2000" cap="none" dirty="0" smtClean="0">
+                <a:effectLst/>
+              </a:rPr>
+              <a:t>(suite)</a:t>
+            </a:r>
+            <a:endParaRPr lang="fr-FR" sz="2000" dirty="0"/>
+          </a:p>
+        </p:txBody>
+      </p:sp>
+      <p:sp>
+        <p:nvSpPr>
+          <p:cNvPr id="3" name="Espace réservé du contenu 2"/>
+          <p:cNvSpPr>
+            <a:spLocks noGrp="1"/>
+          </p:cNvSpPr>
+          <p:nvPr>
+            <p:ph idx="1"/>
+          </p:nvPr>
+        </p:nvSpPr>
+        <p:spPr>
+          <a:xfrm>
+            <a:off x="2555776" y="1700808"/>
+            <a:ext cx="6120680" cy="4248472"/>
+          </a:xfrm>
+        </p:spPr>
+        <p:txBody>
+          <a:bodyPr>
+            <a:normAutofit fontScale="55000" lnSpcReduction="20000"/>
+          </a:bodyPr>
+          <a:lstStyle/>
+          <a:p>
+            <a:pPr algn="ctr">
+              <a:buNone/>
+            </a:pPr>
+            <a:r>
+              <a:rPr lang="fr-FR" sz="4400" b="1" dirty="0" smtClean="0">
+                <a:solidFill>
+                  <a:schemeClr val="accent5">
+                    <a:lumMod val="75000"/>
+                  </a:schemeClr>
+                </a:solidFill>
+              </a:rPr>
+              <a:t>Trigger et vues</a:t>
+            </a:r>
+          </a:p>
+          <a:p>
+            <a:pPr algn="ctr">
+              <a:buNone/>
+            </a:pPr>
+            <a:endParaRPr lang="fr-FR" sz="2000" dirty="0" smtClean="0">
+              <a:solidFill>
+                <a:schemeClr val="accent5">
+                  <a:lumMod val="75000"/>
+                </a:schemeClr>
+              </a:solidFill>
+            </a:endParaRPr>
+          </a:p>
+          <a:p>
+            <a:r>
+              <a:rPr lang="fr-FR" sz="3600" dirty="0" smtClean="0">
+                <a:solidFill>
+                  <a:schemeClr val="accent2">
+                    <a:lumMod val="50000"/>
+                  </a:schemeClr>
+                </a:solidFill>
+              </a:rPr>
+              <a:t>Projet d’utiliser une vue afin de rendre transparent l’utilisation de XML dans le code PHP.</a:t>
+            </a:r>
+          </a:p>
+          <a:p>
+            <a:r>
+              <a:rPr lang="fr-FR" sz="3600" dirty="0" smtClean="0">
+                <a:solidFill>
+                  <a:schemeClr val="accent2">
+                    <a:lumMod val="50000"/>
+                  </a:schemeClr>
+                </a:solidFill>
+              </a:rPr>
+              <a:t>Création d’un Trigger pour mettre à jour la moyenne des notes des utilisateurs.</a:t>
+            </a:r>
+          </a:p>
+          <a:p>
+            <a:pPr>
+              <a:buNone/>
+            </a:pPr>
+            <a:endParaRPr lang="fr-FR" sz="2000" dirty="0" smtClean="0">
+              <a:solidFill>
+                <a:schemeClr val="accent5">
+                  <a:lumMod val="75000"/>
+                </a:schemeClr>
+              </a:solidFill>
+            </a:endParaRPr>
+          </a:p>
+          <a:p>
+            <a:pPr>
+              <a:buNone/>
+            </a:pPr>
+            <a:endParaRPr lang="fr-FR" sz="2200" i="1" dirty="0" smtClean="0"/>
+          </a:p>
+          <a:p>
+            <a:pPr>
+              <a:buNone/>
+            </a:pPr>
+            <a:r>
+              <a:rPr lang="fr-FR" sz="2200" i="1" dirty="0" smtClean="0"/>
+              <a:t>CREATE OR REPLACE TRIGGER moyenne</a:t>
+            </a:r>
+          </a:p>
+          <a:p>
+            <a:pPr>
+              <a:buNone/>
+            </a:pPr>
+            <a:r>
+              <a:rPr lang="fr-FR" sz="2200" i="1" dirty="0" smtClean="0"/>
+              <a:t>AFTER INSERT OR UPDATE ON film</a:t>
+            </a:r>
+          </a:p>
+          <a:p>
+            <a:pPr>
+              <a:buNone/>
+            </a:pPr>
+            <a:r>
+              <a:rPr lang="fr-FR" sz="2200" i="1" dirty="0" smtClean="0"/>
+              <a:t>FOR EACH ROW</a:t>
+            </a:r>
+          </a:p>
+          <a:p>
+            <a:pPr>
+              <a:buNone/>
+            </a:pPr>
+            <a:r>
+              <a:rPr lang="fr-FR" sz="2200" i="1" dirty="0" smtClean="0"/>
+              <a:t>	BEGIN</a:t>
+            </a:r>
+          </a:p>
+          <a:p>
+            <a:pPr>
+              <a:buNone/>
+            </a:pPr>
+            <a:r>
+              <a:rPr lang="fr-FR" sz="2200" i="1" dirty="0" smtClean="0"/>
+              <a:t>                   NEW.</a:t>
+            </a:r>
+            <a:r>
+              <a:rPr lang="fr-FR" sz="2200" i="1" dirty="0" err="1" smtClean="0"/>
+              <a:t>notes_util</a:t>
+            </a:r>
+            <a:r>
+              <a:rPr lang="fr-FR" sz="2200" i="1" dirty="0" smtClean="0"/>
+              <a:t> := (SELECT AVG(</a:t>
+            </a:r>
+            <a:r>
+              <a:rPr lang="fr-FR" sz="2200" i="1" dirty="0" err="1" smtClean="0"/>
+              <a:t>extract</a:t>
+            </a:r>
+            <a:r>
+              <a:rPr lang="fr-FR" sz="2200" i="1" dirty="0" smtClean="0"/>
+              <a:t>(value(note),'note/</a:t>
+            </a:r>
+            <a:r>
+              <a:rPr lang="fr-FR" sz="2200" i="1" dirty="0" err="1" smtClean="0"/>
+              <a:t>text</a:t>
+            </a:r>
+            <a:r>
+              <a:rPr lang="fr-FR" sz="2200" i="1" dirty="0" smtClean="0"/>
+              <a:t>()').</a:t>
+            </a:r>
+            <a:r>
+              <a:rPr lang="fr-FR" sz="2200" i="1" dirty="0" err="1" smtClean="0"/>
+              <a:t>getNumberVal</a:t>
+            </a:r>
+            <a:r>
+              <a:rPr lang="fr-FR" sz="2200" i="1" dirty="0" smtClean="0"/>
+              <a:t>())</a:t>
+            </a:r>
+          </a:p>
+          <a:p>
+            <a:pPr>
+              <a:buNone/>
+            </a:pPr>
+            <a:r>
+              <a:rPr lang="fr-FR" sz="2200" i="1" dirty="0" smtClean="0"/>
+              <a:t>FROM film f, table(</a:t>
+            </a:r>
+            <a:r>
+              <a:rPr lang="fr-FR" sz="2200" i="1" dirty="0" err="1" smtClean="0"/>
+              <a:t>xmlsequence</a:t>
+            </a:r>
+            <a:r>
+              <a:rPr lang="fr-FR" sz="2200" i="1" dirty="0" smtClean="0"/>
+              <a:t>(</a:t>
+            </a:r>
+            <a:r>
+              <a:rPr lang="fr-FR" sz="2200" i="1" dirty="0" err="1" smtClean="0"/>
+              <a:t>extract</a:t>
+            </a:r>
+            <a:r>
+              <a:rPr lang="fr-FR" sz="2200" i="1" dirty="0" smtClean="0"/>
+              <a:t>(</a:t>
+            </a:r>
+            <a:r>
+              <a:rPr lang="fr-FR" sz="2200" i="1" dirty="0" err="1" smtClean="0"/>
+              <a:t>f.commentaire</a:t>
+            </a:r>
+            <a:r>
+              <a:rPr lang="fr-FR" sz="2200" i="1" dirty="0" smtClean="0"/>
+              <a:t>,'/film/commentaire/note')))  note</a:t>
+            </a:r>
+          </a:p>
+          <a:p>
+            <a:pPr>
+              <a:buNone/>
+            </a:pPr>
+            <a:r>
+              <a:rPr lang="fr-FR" sz="2200" i="1" dirty="0" smtClean="0"/>
+              <a:t>				WHERE </a:t>
+            </a:r>
+            <a:r>
+              <a:rPr lang="fr-FR" sz="2200" i="1" dirty="0" err="1" smtClean="0"/>
+              <a:t>id_film</a:t>
+            </a:r>
+            <a:r>
+              <a:rPr lang="fr-FR" sz="2200" i="1" dirty="0" smtClean="0"/>
+              <a:t> = NEW.id_film)</a:t>
+            </a:r>
+          </a:p>
+          <a:p>
+            <a:pPr>
+              <a:buNone/>
+            </a:pPr>
+            <a:r>
+              <a:rPr lang="fr-FR" sz="2200" i="1" dirty="0" smtClean="0"/>
+              <a:t>	END;</a:t>
+            </a:r>
+          </a:p>
+          <a:p>
+            <a:pPr>
+              <a:buNone/>
+            </a:pPr>
+            <a:r>
+              <a:rPr lang="fr-FR" sz="2200" i="1" dirty="0" smtClean="0"/>
+              <a:t>END moyenne;</a:t>
+            </a:r>
+          </a:p>
+          <a:p>
+            <a:pPr>
+              <a:buNone/>
+            </a:pPr>
+            <a:r>
+              <a:rPr lang="fr-FR" sz="2200" dirty="0" smtClean="0">
+                <a:solidFill>
+                  <a:schemeClr val="accent5">
+                    <a:lumMod val="75000"/>
+                  </a:schemeClr>
+                </a:solidFill>
+              </a:rPr>
+              <a:t> </a:t>
+            </a:r>
+          </a:p>
+          <a:p>
+            <a:pPr>
+              <a:buNone/>
+            </a:pPr>
+            <a:endParaRPr lang="fr-FR" sz="2800" dirty="0" smtClean="0">
+              <a:solidFill>
+                <a:schemeClr val="accent5">
+                  <a:lumMod val="75000"/>
+                </a:schemeClr>
+              </a:solidFill>
+            </a:endParaRPr>
+          </a:p>
+          <a:p>
+            <a:pPr algn="ctr">
+              <a:buNone/>
+            </a:pPr>
+            <a:endParaRPr lang="fr-FR" sz="2800" b="1" dirty="0" smtClean="0">
+              <a:solidFill>
+                <a:schemeClr val="accent5">
+                  <a:lumMod val="75000"/>
+                </a:schemeClr>
+              </a:solidFill>
+            </a:endParaRPr>
+          </a:p>
+        </p:txBody>
+      </p:sp>
+      <p:sp>
+        <p:nvSpPr>
+          <p:cNvPr id="6" name="Espace réservé du contenu 2"/>
+          <p:cNvSpPr txBox="1">
+            <a:spLocks/>
+          </p:cNvSpPr>
+          <p:nvPr/>
+        </p:nvSpPr>
+        <p:spPr>
+          <a:xfrm>
+            <a:off x="179512" y="1700808"/>
+            <a:ext cx="2088232" cy="4536504"/>
+          </a:xfrm>
+          <a:prstGeom prst="rect">
+            <a:avLst/>
+          </a:prstGeom>
+        </p:spPr>
+        <p:txBody>
+          <a:bodyPr vert="horz">
+            <a:normAutofit/>
+          </a:bodyPr>
+          <a:lstStyle/>
+          <a:p>
+            <a:pPr marL="342900" marR="0" lvl="0" indent="-342900" algn="l" defTabSz="914400" rtl="0" eaLnBrk="1" fontAlgn="auto" latinLnBrk="0" hangingPunct="1">
+              <a:lnSpc>
+                <a:spcPct val="100000"/>
+              </a:lnSpc>
+              <a:spcBef>
+                <a:spcPct val="20000"/>
+              </a:spcBef>
+              <a:spcAft>
+                <a:spcPts val="0"/>
+              </a:spcAft>
+              <a:buClr>
+                <a:schemeClr val="accent1"/>
+              </a:buClr>
+              <a:buSzPct val="70000"/>
+              <a:buFont typeface="Wingdings 2"/>
+              <a:buChar char=""/>
+              <a:tabLst/>
+              <a:defRPr/>
+            </a:pPr>
+            <a:r>
+              <a:rPr kumimoji="0" lang="fr-FR" sz="2400" i="0" u="none" strike="noStrike" kern="1200" cap="none" spc="0" normalizeH="0" baseline="0" noProof="0" dirty="0" smtClean="0">
+                <a:ln>
+                  <a:noFill/>
+                </a:ln>
+                <a:solidFill>
+                  <a:schemeClr val="tx2"/>
+                </a:solidFill>
+                <a:effectLst/>
+                <a:uLnTx/>
+                <a:uFillTx/>
+                <a:latin typeface="+mn-lt"/>
+                <a:ea typeface="+mn-ea"/>
+                <a:cs typeface="+mn-cs"/>
+              </a:rPr>
+              <a:t>Introduction</a:t>
+            </a:r>
+          </a:p>
+          <a:p>
+            <a:pPr marL="342900" marR="0" lvl="0" indent="-342900" algn="l" defTabSz="914400" rtl="0" eaLnBrk="1" fontAlgn="auto" latinLnBrk="0" hangingPunct="1">
+              <a:lnSpc>
+                <a:spcPct val="100000"/>
+              </a:lnSpc>
+              <a:spcBef>
+                <a:spcPct val="20000"/>
+              </a:spcBef>
+              <a:spcAft>
+                <a:spcPts val="0"/>
+              </a:spcAft>
+              <a:buClr>
+                <a:schemeClr val="accent1"/>
+              </a:buClr>
+              <a:buSzPct val="70000"/>
+              <a:buFont typeface="Wingdings 2"/>
+              <a:buChar char=""/>
+              <a:tabLst/>
+              <a:defRPr/>
+            </a:pPr>
+            <a:r>
+              <a:rPr lang="fr-FR" sz="2400" dirty="0" smtClean="0">
+                <a:solidFill>
+                  <a:schemeClr val="tx2"/>
+                </a:solidFill>
+              </a:rPr>
+              <a:t>Extraction</a:t>
+            </a:r>
+          </a:p>
+          <a:p>
+            <a:pPr marL="342900" marR="0" lvl="0" indent="-342900" algn="l" defTabSz="914400" rtl="0" eaLnBrk="1" fontAlgn="auto" latinLnBrk="0" hangingPunct="1">
+              <a:lnSpc>
+                <a:spcPct val="100000"/>
+              </a:lnSpc>
+              <a:spcBef>
+                <a:spcPct val="20000"/>
+              </a:spcBef>
+              <a:spcAft>
+                <a:spcPts val="0"/>
+              </a:spcAft>
+              <a:buClr>
+                <a:schemeClr val="accent1"/>
+              </a:buClr>
+              <a:buSzPct val="70000"/>
+              <a:buFont typeface="Wingdings 2"/>
+              <a:buChar char=""/>
+              <a:tabLst/>
+              <a:defRPr/>
+            </a:pPr>
+            <a:r>
+              <a:rPr kumimoji="0" lang="fr-FR" sz="2400" b="1" i="0" u="none" strike="noStrike" kern="1200" cap="none" spc="0" normalizeH="0" baseline="0" noProof="0" dirty="0" smtClean="0">
+                <a:ln>
+                  <a:noFill/>
+                </a:ln>
+                <a:solidFill>
+                  <a:schemeClr val="tx2"/>
+                </a:solidFill>
+                <a:effectLst/>
+                <a:uLnTx/>
+                <a:uFillTx/>
+                <a:latin typeface="+mn-lt"/>
+                <a:ea typeface="+mn-ea"/>
+                <a:cs typeface="+mn-cs"/>
+              </a:rPr>
+              <a:t>Stockage</a:t>
+            </a:r>
+          </a:p>
+          <a:p>
+            <a:pPr marL="342900" marR="0" lvl="0" indent="-342900" algn="l" defTabSz="914400" rtl="0" eaLnBrk="1" fontAlgn="auto" latinLnBrk="0" hangingPunct="1">
+              <a:lnSpc>
+                <a:spcPct val="100000"/>
+              </a:lnSpc>
+              <a:spcBef>
+                <a:spcPct val="20000"/>
+              </a:spcBef>
+              <a:spcAft>
+                <a:spcPts val="0"/>
+              </a:spcAft>
+              <a:buClr>
+                <a:schemeClr val="accent1"/>
+              </a:buClr>
+              <a:buSzPct val="70000"/>
+              <a:buFont typeface="Wingdings 2"/>
+              <a:buChar char=""/>
+              <a:tabLst/>
+              <a:defRPr/>
+            </a:pPr>
+            <a:r>
+              <a:rPr lang="fr-FR" sz="2400" dirty="0" smtClean="0">
+                <a:solidFill>
+                  <a:schemeClr val="tx2"/>
+                </a:solidFill>
+              </a:rPr>
+              <a:t>Restitution</a:t>
+            </a:r>
+            <a:endParaRPr kumimoji="0" lang="fr-FR" sz="2400" b="0" i="0" u="none" strike="noStrike" kern="1200" cap="none" spc="0" normalizeH="0" baseline="0" noProof="0" dirty="0" smtClean="0">
+              <a:ln>
+                <a:noFill/>
+              </a:ln>
+              <a:solidFill>
+                <a:schemeClr val="tx2"/>
+              </a:solidFill>
+              <a:effectLst/>
+              <a:uLnTx/>
+              <a:uFillTx/>
+              <a:latin typeface="+mn-lt"/>
+              <a:ea typeface="+mn-ea"/>
+              <a:cs typeface="+mn-cs"/>
+            </a:endParaRPr>
+          </a:p>
+          <a:p>
+            <a:pPr marL="342900" marR="0" lvl="0" indent="-342900" algn="l" defTabSz="914400" rtl="0" eaLnBrk="1" fontAlgn="auto" latinLnBrk="0" hangingPunct="1">
+              <a:lnSpc>
+                <a:spcPct val="100000"/>
+              </a:lnSpc>
+              <a:spcBef>
+                <a:spcPct val="20000"/>
+              </a:spcBef>
+              <a:spcAft>
+                <a:spcPts val="0"/>
+              </a:spcAft>
+              <a:buClr>
+                <a:schemeClr val="accent1"/>
+              </a:buClr>
+              <a:buSzPct val="70000"/>
+              <a:buFont typeface="Wingdings 2"/>
+              <a:buChar char=""/>
+              <a:tabLst/>
+              <a:defRPr/>
+            </a:pPr>
+            <a:r>
+              <a:rPr lang="fr-FR" sz="2400" dirty="0" smtClean="0">
+                <a:solidFill>
+                  <a:schemeClr val="tx2"/>
+                </a:solidFill>
+              </a:rPr>
+              <a:t>Conclusion</a:t>
+            </a:r>
+            <a:endParaRPr kumimoji="0" lang="fr-FR" sz="2400" b="0" i="0" u="none" strike="noStrike" kern="1200" cap="none" spc="0" normalizeH="0" baseline="0" noProof="0" dirty="0">
+              <a:ln>
+                <a:noFill/>
+              </a:ln>
+              <a:solidFill>
+                <a:schemeClr val="tx2"/>
+              </a:solidFill>
+              <a:effectLst/>
+              <a:uLnTx/>
+              <a:uFillTx/>
+              <a:latin typeface="+mn-lt"/>
+              <a:ea typeface="+mn-ea"/>
+              <a:cs typeface="+mn-cs"/>
+            </a:endParaRPr>
+          </a:p>
+        </p:txBody>
+      </p:sp>
+      <p:sp>
+        <p:nvSpPr>
+          <p:cNvPr id="7" name="ZoneTexte 6"/>
+          <p:cNvSpPr txBox="1"/>
+          <p:nvPr/>
+        </p:nvSpPr>
+        <p:spPr>
+          <a:xfrm>
+            <a:off x="0" y="6581001"/>
+            <a:ext cx="2708919" cy="276999"/>
+          </a:xfrm>
+          <a:prstGeom prst="rect">
+            <a:avLst/>
+          </a:prstGeom>
+          <a:noFill/>
+          <a:scene3d>
+            <a:camera prst="orthographicFront">
+              <a:rot lat="0" lon="0" rev="5400000"/>
+            </a:camera>
+            <a:lightRig rig="threePt" dir="t"/>
+          </a:scene3d>
+        </p:spPr>
+        <p:txBody>
+          <a:bodyPr wrap="square" rtlCol="0">
+            <a:spAutoFit/>
+            <a:scene3d>
+              <a:camera prst="orthographicFront">
+                <a:rot lat="0" lon="0" rev="0"/>
+              </a:camera>
+              <a:lightRig rig="threePt" dir="t"/>
+            </a:scene3d>
+            <a:flatTx/>
+          </a:bodyPr>
+          <a:lstStyle/>
+          <a:p>
+            <a:r>
+              <a:rPr lang="fr-FR" sz="1200" dirty="0" smtClean="0"/>
+              <a:t>Soutenance projet LPD2I 2010/2011</a:t>
+            </a:r>
+            <a:endParaRPr lang="fr-FR" sz="1200" dirty="0"/>
+          </a:p>
+        </p:txBody>
+      </p:sp>
+      <p:sp>
+        <p:nvSpPr>
+          <p:cNvPr id="9" name="ZoneTexte 8"/>
+          <p:cNvSpPr txBox="1"/>
+          <p:nvPr/>
+        </p:nvSpPr>
+        <p:spPr>
+          <a:xfrm>
+            <a:off x="5508104" y="6581001"/>
+            <a:ext cx="3635896" cy="276999"/>
+          </a:xfrm>
+          <a:prstGeom prst="rect">
+            <a:avLst/>
+          </a:prstGeom>
+          <a:noFill/>
+          <a:scene3d>
+            <a:camera prst="orthographicFront">
+              <a:rot lat="0" lon="0" rev="5400000"/>
+            </a:camera>
+            <a:lightRig rig="threePt" dir="t"/>
+          </a:scene3d>
+        </p:spPr>
+        <p:txBody>
+          <a:bodyPr wrap="square" rtlCol="0">
+            <a:spAutoFit/>
+            <a:scene3d>
+              <a:camera prst="orthographicFront">
+                <a:rot lat="0" lon="0" rev="0"/>
+              </a:camera>
+              <a:lightRig rig="threePt" dir="t"/>
+            </a:scene3d>
+            <a:flatTx/>
+          </a:bodyPr>
+          <a:lstStyle/>
+          <a:p>
+            <a:r>
+              <a:rPr lang="fr-FR" sz="1200" dirty="0" smtClean="0"/>
+              <a:t>Leonhard Hermle – Julien Cellier – Xavier Mourgues</a:t>
+            </a:r>
+            <a:endParaRPr lang="fr-FR" sz="1200" dirty="0"/>
+          </a:p>
+        </p:txBody>
+      </p:sp>
+      <p:cxnSp>
+        <p:nvCxnSpPr>
+          <p:cNvPr id="12" name="Connecteur droit 11"/>
+          <p:cNvCxnSpPr/>
+          <p:nvPr/>
+        </p:nvCxnSpPr>
+        <p:spPr>
+          <a:xfrm rot="5400000">
+            <a:off x="107504" y="4077072"/>
+            <a:ext cx="4464496" cy="0"/>
+          </a:xfrm>
+          <a:prstGeom prst="line">
+            <a:avLst/>
+          </a:prstGeom>
+        </p:spPr>
+        <p:style>
+          <a:lnRef idx="1">
+            <a:schemeClr val="accent1"/>
+          </a:lnRef>
+          <a:fillRef idx="0">
+            <a:schemeClr val="accent1"/>
+          </a:fillRef>
+          <a:effectRef idx="0">
+            <a:schemeClr val="accent1"/>
+          </a:effectRef>
+          <a:fontRef idx="minor">
+            <a:schemeClr val="tx1"/>
+          </a:fontRef>
+        </p:style>
+      </p:cxnSp>
+      <p:sp>
+        <p:nvSpPr>
+          <p:cNvPr id="8" name="Rectangle 7"/>
+          <p:cNvSpPr/>
+          <p:nvPr/>
+        </p:nvSpPr>
+        <p:spPr>
+          <a:xfrm>
+            <a:off x="2555776" y="3356992"/>
+            <a:ext cx="6120680" cy="2160240"/>
+          </a:xfrm>
+          <a:prstGeom prst="rect">
+            <a:avLst/>
+          </a:prstGeom>
+          <a:noFill/>
+        </p:spPr>
+        <p:style>
+          <a:lnRef idx="2">
+            <a:schemeClr val="accent6"/>
+          </a:lnRef>
+          <a:fillRef idx="1">
+            <a:schemeClr val="lt1"/>
+          </a:fillRef>
+          <a:effectRef idx="0">
+            <a:schemeClr val="accent6"/>
+          </a:effectRef>
+          <a:fontRef idx="minor">
+            <a:schemeClr val="dk1"/>
+          </a:fontRef>
+        </p:style>
+        <p:txBody>
+          <a:bodyPr rtlCol="0" anchor="ctr"/>
+          <a:lstStyle/>
+          <a:p>
+            <a:pPr algn="ctr"/>
+            <a:endParaRPr lang="fr-FR" dirty="0">
+              <a:noFill/>
+            </a:endParaRPr>
+          </a:p>
+        </p:txBody>
+      </p:sp>
+    </p:spTree>
+  </p:cSld>
+  <p:clrMapOvr>
+    <a:masterClrMapping/>
+  </p:clrMapOvr>
+  <p:timing>
+    <p:tnLst>
+      <p:par>
+        <p:cTn id="1" dur="indefinite" restart="never" nodeType="tmRoot"/>
+      </p:par>
+    </p:tnLst>
+  </p:timing>
+</p:sld>
+</file>
+
+<file path=ppt/slides/slide13.xml><?xml version="1.0" encoding="utf-8"?>
+<p:sld xmlns:a="http://schemas.openxmlformats.org/drawingml/2006/main" xmlns:r="http://schemas.openxmlformats.org/officeDocument/2006/relationships" xmlns:p="http://schemas.openxmlformats.org/presentationml/2006/main">
+  <p:cSld>
+    <p:spTree>
+      <p:nvGrpSpPr>
+        <p:cNvPr id="1" name=""/>
+        <p:cNvGrpSpPr/>
+        <p:nvPr/>
+      </p:nvGrpSpPr>
+      <p:grpSpPr>
+        <a:xfrm>
+          <a:off x="0" y="0"/>
+          <a:ext cx="0" cy="0"/>
+          <a:chOff x="0" y="0"/>
+          <a:chExt cx="0" cy="0"/>
+        </a:xfrm>
+      </p:grpSpPr>
+      <p:sp>
+        <p:nvSpPr>
+          <p:cNvPr id="2" name="Titre 1"/>
+          <p:cNvSpPr>
+            <a:spLocks noGrp="1"/>
+          </p:cNvSpPr>
+          <p:nvPr>
+            <p:ph type="title"/>
+          </p:nvPr>
+        </p:nvSpPr>
+        <p:spPr/>
+        <p:txBody>
+          <a:bodyPr>
+            <a:normAutofit/>
+          </a:bodyPr>
+          <a:lstStyle/>
+          <a:p>
+            <a:r>
               <a:rPr lang="fr-FR" dirty="0" smtClean="0"/>
               <a:t>Restitution</a:t>
             </a:r>
@@ -5253,551 +6383,6 @@
           <a:xfrm>
             <a:off x="2843808" y="2348880"/>
             <a:ext cx="5734050" cy="3987254"/>
-          </a:xfrm>
-          <a:prstGeom prst="rect">
-            <a:avLst/>
-          </a:prstGeom>
-          <a:noFill/>
-          <a:ln w="9525">
-            <a:noFill/>
-            <a:miter lim="800000"/>
-            <a:headEnd/>
-            <a:tailEnd/>
-          </a:ln>
-        </p:spPr>
-      </p:pic>
-    </p:spTree>
-  </p:cSld>
-  <p:clrMapOvr>
-    <a:masterClrMapping/>
-  </p:clrMapOvr>
-  <p:timing>
-    <p:tnLst>
-      <p:par>
-        <p:cTn id="1" dur="indefinite" restart="never" nodeType="tmRoot"/>
-      </p:par>
-    </p:tnLst>
-  </p:timing>
-</p:sld>
-</file>
-
-<file path=ppt/slides/slide13.xml><?xml version="1.0" encoding="utf-8"?>
-<p:sld xmlns:a="http://schemas.openxmlformats.org/drawingml/2006/main" xmlns:r="http://schemas.openxmlformats.org/officeDocument/2006/relationships" xmlns:p="http://schemas.openxmlformats.org/presentationml/2006/main">
-  <p:cSld>
-    <p:spTree>
-      <p:nvGrpSpPr>
-        <p:cNvPr id="1" name=""/>
-        <p:cNvGrpSpPr/>
-        <p:nvPr/>
-      </p:nvGrpSpPr>
-      <p:grpSpPr>
-        <a:xfrm>
-          <a:off x="0" y="0"/>
-          <a:ext cx="0" cy="0"/>
-          <a:chOff x="0" y="0"/>
-          <a:chExt cx="0" cy="0"/>
-        </a:xfrm>
-      </p:grpSpPr>
-      <p:sp>
-        <p:nvSpPr>
-          <p:cNvPr id="2" name="Titre 1"/>
-          <p:cNvSpPr>
-            <a:spLocks noGrp="1"/>
-          </p:cNvSpPr>
-          <p:nvPr>
-            <p:ph type="title"/>
-          </p:nvPr>
-        </p:nvSpPr>
-        <p:spPr/>
-        <p:txBody>
-          <a:bodyPr>
-            <a:normAutofit/>
-          </a:bodyPr>
-          <a:lstStyle/>
-          <a:p>
-            <a:r>
-              <a:rPr lang="fr-FR" dirty="0" smtClean="0"/>
-              <a:t>Restitution</a:t>
-            </a:r>
-            <a:r>
-              <a:rPr lang="fr-FR" sz="1800" dirty="0" smtClean="0"/>
-              <a:t>(suite)</a:t>
-            </a:r>
-            <a:endParaRPr lang="fr-FR" sz="1800" dirty="0"/>
-          </a:p>
-        </p:txBody>
-      </p:sp>
-      <p:sp>
-        <p:nvSpPr>
-          <p:cNvPr id="3" name="Espace réservé du contenu 2"/>
-          <p:cNvSpPr>
-            <a:spLocks noGrp="1"/>
-          </p:cNvSpPr>
-          <p:nvPr>
-            <p:ph idx="1"/>
-          </p:nvPr>
-        </p:nvSpPr>
-        <p:spPr>
-          <a:xfrm>
-            <a:off x="2411760" y="1700808"/>
-            <a:ext cx="6552728" cy="4608512"/>
-          </a:xfrm>
-        </p:spPr>
-        <p:txBody>
-          <a:bodyPr>
-            <a:normAutofit/>
-          </a:bodyPr>
-          <a:lstStyle/>
-          <a:p>
-            <a:pPr algn="ctr">
-              <a:buNone/>
-            </a:pPr>
-            <a:r>
-              <a:rPr lang="fr-FR" sz="2800" b="1" dirty="0" smtClean="0">
-                <a:solidFill>
-                  <a:schemeClr val="accent5">
-                    <a:lumMod val="75000"/>
-                  </a:schemeClr>
-                </a:solidFill>
-              </a:rPr>
-              <a:t>Aspect Technique</a:t>
-            </a:r>
-          </a:p>
-          <a:p>
-            <a:pPr algn="ctr">
-              <a:buNone/>
-            </a:pPr>
-            <a:endParaRPr lang="fr-FR" sz="2800" b="1" dirty="0" smtClean="0">
-              <a:solidFill>
-                <a:schemeClr val="accent5">
-                  <a:lumMod val="75000"/>
-                </a:schemeClr>
-              </a:solidFill>
-            </a:endParaRPr>
-          </a:p>
-          <a:p>
-            <a:r>
-              <a:rPr lang="fr-FR" sz="2000" dirty="0" smtClean="0">
-                <a:solidFill>
-                  <a:schemeClr val="accent5">
-                    <a:lumMod val="75000"/>
-                  </a:schemeClr>
-                </a:solidFill>
-              </a:rPr>
-              <a:t>Fichier conf.ini</a:t>
-            </a:r>
-          </a:p>
-          <a:p>
-            <a:pPr lvl="1"/>
-            <a:r>
-              <a:rPr lang="fr-FR" sz="1600" dirty="0" smtClean="0">
-                <a:solidFill>
-                  <a:schemeClr val="accent5">
-                    <a:lumMod val="75000"/>
-                  </a:schemeClr>
-                </a:solidFill>
-              </a:rPr>
-              <a:t>Contient les paramètre par </a:t>
-            </a:r>
-            <a:r>
-              <a:rPr lang="fr-FR" sz="1600" dirty="0" err="1" smtClean="0">
-                <a:solidFill>
-                  <a:schemeClr val="accent5">
-                    <a:lumMod val="75000"/>
-                  </a:schemeClr>
-                </a:solidFill>
-              </a:rPr>
-              <a:t>défaults</a:t>
-            </a:r>
-            <a:r>
-              <a:rPr lang="fr-FR" sz="1600" dirty="0" smtClean="0">
-                <a:solidFill>
-                  <a:schemeClr val="accent5">
-                    <a:lumMod val="75000"/>
-                  </a:schemeClr>
-                </a:solidFill>
-              </a:rPr>
-              <a:t> utiles (identifiants de Base de Données, Nombre de films par page…).</a:t>
-            </a:r>
-          </a:p>
-          <a:p>
-            <a:pPr lvl="1"/>
-            <a:endParaRPr lang="fr-FR" sz="2800" b="1" dirty="0" smtClean="0">
-              <a:solidFill>
-                <a:schemeClr val="accent5">
-                  <a:lumMod val="75000"/>
-                </a:schemeClr>
-              </a:solidFill>
-            </a:endParaRPr>
-          </a:p>
-          <a:p>
-            <a:r>
-              <a:rPr lang="fr-FR" sz="2000" dirty="0" smtClean="0">
-                <a:solidFill>
-                  <a:schemeClr val="accent5">
-                    <a:lumMod val="75000"/>
-                  </a:schemeClr>
-                </a:solidFill>
-              </a:rPr>
-              <a:t>Recherche par genre</a:t>
-            </a:r>
-          </a:p>
-          <a:p>
-            <a:pPr algn="ctr">
-              <a:buNone/>
-            </a:pPr>
-            <a:endParaRPr lang="fr-FR" sz="2400" dirty="0"/>
-          </a:p>
-        </p:txBody>
-      </p:sp>
-      <p:sp>
-        <p:nvSpPr>
-          <p:cNvPr id="6" name="Espace réservé du contenu 2"/>
-          <p:cNvSpPr txBox="1">
-            <a:spLocks/>
-          </p:cNvSpPr>
-          <p:nvPr/>
-        </p:nvSpPr>
-        <p:spPr>
-          <a:xfrm>
-            <a:off x="179512" y="1700808"/>
-            <a:ext cx="2088232" cy="4536504"/>
-          </a:xfrm>
-          <a:prstGeom prst="rect">
-            <a:avLst/>
-          </a:prstGeom>
-        </p:spPr>
-        <p:txBody>
-          <a:bodyPr vert="horz">
-            <a:normAutofit/>
-          </a:bodyPr>
-          <a:lstStyle/>
-          <a:p>
-            <a:pPr marL="342900" marR="0" lvl="0" indent="-342900" algn="l" defTabSz="914400" rtl="0" eaLnBrk="1" fontAlgn="auto" latinLnBrk="0" hangingPunct="1">
-              <a:lnSpc>
-                <a:spcPct val="100000"/>
-              </a:lnSpc>
-              <a:spcBef>
-                <a:spcPct val="20000"/>
-              </a:spcBef>
-              <a:spcAft>
-                <a:spcPts val="0"/>
-              </a:spcAft>
-              <a:buClr>
-                <a:schemeClr val="accent1"/>
-              </a:buClr>
-              <a:buSzPct val="70000"/>
-              <a:buFont typeface="Wingdings 2"/>
-              <a:buChar char=""/>
-              <a:tabLst/>
-              <a:defRPr/>
-            </a:pPr>
-            <a:r>
-              <a:rPr kumimoji="0" lang="fr-FR" sz="2400" i="0" u="none" strike="noStrike" kern="1200" cap="none" spc="0" normalizeH="0" baseline="0" noProof="0" dirty="0" smtClean="0">
-                <a:ln>
-                  <a:noFill/>
-                </a:ln>
-                <a:solidFill>
-                  <a:schemeClr val="tx2"/>
-                </a:solidFill>
-                <a:effectLst/>
-                <a:uLnTx/>
-                <a:uFillTx/>
-                <a:latin typeface="+mn-lt"/>
-                <a:ea typeface="+mn-ea"/>
-                <a:cs typeface="+mn-cs"/>
-              </a:rPr>
-              <a:t>Introduction</a:t>
-            </a:r>
-          </a:p>
-          <a:p>
-            <a:pPr marL="342900" marR="0" lvl="0" indent="-342900" algn="l" defTabSz="914400" rtl="0" eaLnBrk="1" fontAlgn="auto" latinLnBrk="0" hangingPunct="1">
-              <a:lnSpc>
-                <a:spcPct val="100000"/>
-              </a:lnSpc>
-              <a:spcBef>
-                <a:spcPct val="20000"/>
-              </a:spcBef>
-              <a:spcAft>
-                <a:spcPts val="0"/>
-              </a:spcAft>
-              <a:buClr>
-                <a:schemeClr val="accent1"/>
-              </a:buClr>
-              <a:buSzPct val="70000"/>
-              <a:buFont typeface="Wingdings 2"/>
-              <a:buChar char=""/>
-              <a:tabLst/>
-              <a:defRPr/>
-            </a:pPr>
-            <a:r>
-              <a:rPr lang="fr-FR" sz="2400" dirty="0" smtClean="0">
-                <a:solidFill>
-                  <a:schemeClr val="tx2"/>
-                </a:solidFill>
-              </a:rPr>
-              <a:t>Extraction</a:t>
-            </a:r>
-          </a:p>
-          <a:p>
-            <a:pPr marL="342900" marR="0" lvl="0" indent="-342900" algn="l" defTabSz="914400" rtl="0" eaLnBrk="1" fontAlgn="auto" latinLnBrk="0" hangingPunct="1">
-              <a:lnSpc>
-                <a:spcPct val="100000"/>
-              </a:lnSpc>
-              <a:spcBef>
-                <a:spcPct val="20000"/>
-              </a:spcBef>
-              <a:spcAft>
-                <a:spcPts val="0"/>
-              </a:spcAft>
-              <a:buClr>
-                <a:schemeClr val="accent1"/>
-              </a:buClr>
-              <a:buSzPct val="70000"/>
-              <a:buFont typeface="Wingdings 2"/>
-              <a:buChar char=""/>
-              <a:tabLst/>
-              <a:defRPr/>
-            </a:pPr>
-            <a:r>
-              <a:rPr kumimoji="0" lang="fr-FR" sz="2400" b="0" i="0" u="none" strike="noStrike" kern="1200" cap="none" spc="0" normalizeH="0" baseline="0" noProof="0" dirty="0" smtClean="0">
-                <a:ln>
-                  <a:noFill/>
-                </a:ln>
-                <a:solidFill>
-                  <a:schemeClr val="tx2"/>
-                </a:solidFill>
-                <a:effectLst/>
-                <a:uLnTx/>
-                <a:uFillTx/>
-                <a:latin typeface="+mn-lt"/>
-                <a:ea typeface="+mn-ea"/>
-                <a:cs typeface="+mn-cs"/>
-              </a:rPr>
-              <a:t>Stockage</a:t>
-            </a:r>
-          </a:p>
-          <a:p>
-            <a:pPr marL="342900" marR="0" lvl="0" indent="-342900" algn="l" defTabSz="914400" rtl="0" eaLnBrk="1" fontAlgn="auto" latinLnBrk="0" hangingPunct="1">
-              <a:lnSpc>
-                <a:spcPct val="100000"/>
-              </a:lnSpc>
-              <a:spcBef>
-                <a:spcPct val="20000"/>
-              </a:spcBef>
-              <a:spcAft>
-                <a:spcPts val="0"/>
-              </a:spcAft>
-              <a:buClr>
-                <a:schemeClr val="accent1"/>
-              </a:buClr>
-              <a:buSzPct val="70000"/>
-              <a:buFont typeface="Wingdings 2"/>
-              <a:buChar char=""/>
-              <a:tabLst/>
-              <a:defRPr/>
-            </a:pPr>
-            <a:r>
-              <a:rPr lang="fr-FR" sz="2400" b="1" dirty="0" smtClean="0">
-                <a:solidFill>
-                  <a:schemeClr val="tx2"/>
-                </a:solidFill>
-              </a:rPr>
-              <a:t>Restitution</a:t>
-            </a:r>
-            <a:endParaRPr kumimoji="0" lang="fr-FR" sz="2400" b="1" i="0" u="none" strike="noStrike" kern="1200" cap="none" spc="0" normalizeH="0" baseline="0" noProof="0" dirty="0" smtClean="0">
-              <a:ln>
-                <a:noFill/>
-              </a:ln>
-              <a:solidFill>
-                <a:schemeClr val="tx2"/>
-              </a:solidFill>
-              <a:effectLst/>
-              <a:uLnTx/>
-              <a:uFillTx/>
-              <a:latin typeface="+mn-lt"/>
-              <a:ea typeface="+mn-ea"/>
-              <a:cs typeface="+mn-cs"/>
-            </a:endParaRPr>
-          </a:p>
-          <a:p>
-            <a:pPr marL="342900" marR="0" lvl="0" indent="-342900" algn="l" defTabSz="914400" rtl="0" eaLnBrk="1" fontAlgn="auto" latinLnBrk="0" hangingPunct="1">
-              <a:lnSpc>
-                <a:spcPct val="100000"/>
-              </a:lnSpc>
-              <a:spcBef>
-                <a:spcPct val="20000"/>
-              </a:spcBef>
-              <a:spcAft>
-                <a:spcPts val="0"/>
-              </a:spcAft>
-              <a:buClr>
-                <a:schemeClr val="accent1"/>
-              </a:buClr>
-              <a:buSzPct val="70000"/>
-              <a:buFont typeface="Wingdings 2"/>
-              <a:buChar char=""/>
-              <a:tabLst/>
-              <a:defRPr/>
-            </a:pPr>
-            <a:r>
-              <a:rPr lang="fr-FR" sz="2400" dirty="0" smtClean="0">
-                <a:solidFill>
-                  <a:schemeClr val="tx2"/>
-                </a:solidFill>
-              </a:rPr>
-              <a:t>Conclusion</a:t>
-            </a:r>
-            <a:endParaRPr kumimoji="0" lang="fr-FR" sz="2400" b="0" i="0" u="none" strike="noStrike" kern="1200" cap="none" spc="0" normalizeH="0" baseline="0" noProof="0" dirty="0">
-              <a:ln>
-                <a:noFill/>
-              </a:ln>
-              <a:solidFill>
-                <a:schemeClr val="tx2"/>
-              </a:solidFill>
-              <a:effectLst/>
-              <a:uLnTx/>
-              <a:uFillTx/>
-              <a:latin typeface="+mn-lt"/>
-              <a:ea typeface="+mn-ea"/>
-              <a:cs typeface="+mn-cs"/>
-            </a:endParaRPr>
-          </a:p>
-        </p:txBody>
-      </p:sp>
-      <p:sp>
-        <p:nvSpPr>
-          <p:cNvPr id="7" name="ZoneTexte 6"/>
-          <p:cNvSpPr txBox="1"/>
-          <p:nvPr/>
-        </p:nvSpPr>
-        <p:spPr>
-          <a:xfrm>
-            <a:off x="0" y="6581001"/>
-            <a:ext cx="2708919" cy="276999"/>
-          </a:xfrm>
-          <a:prstGeom prst="rect">
-            <a:avLst/>
-          </a:prstGeom>
-          <a:noFill/>
-          <a:scene3d>
-            <a:camera prst="orthographicFront">
-              <a:rot lat="0" lon="0" rev="5400000"/>
-            </a:camera>
-            <a:lightRig rig="threePt" dir="t"/>
-          </a:scene3d>
-        </p:spPr>
-        <p:txBody>
-          <a:bodyPr wrap="square" rtlCol="0">
-            <a:spAutoFit/>
-            <a:scene3d>
-              <a:camera prst="orthographicFront">
-                <a:rot lat="0" lon="0" rev="0"/>
-              </a:camera>
-              <a:lightRig rig="threePt" dir="t"/>
-            </a:scene3d>
-            <a:flatTx/>
-          </a:bodyPr>
-          <a:lstStyle/>
-          <a:p>
-            <a:r>
-              <a:rPr lang="fr-FR" sz="1200" dirty="0" smtClean="0"/>
-              <a:t>Soutenance projet LPD2I 2010/2011</a:t>
-            </a:r>
-            <a:endParaRPr lang="fr-FR" sz="1200" dirty="0"/>
-          </a:p>
-        </p:txBody>
-      </p:sp>
-      <p:sp>
-        <p:nvSpPr>
-          <p:cNvPr id="9" name="ZoneTexte 8"/>
-          <p:cNvSpPr txBox="1"/>
-          <p:nvPr/>
-        </p:nvSpPr>
-        <p:spPr>
-          <a:xfrm>
-            <a:off x="5508104" y="6581001"/>
-            <a:ext cx="3635896" cy="276999"/>
-          </a:xfrm>
-          <a:prstGeom prst="rect">
-            <a:avLst/>
-          </a:prstGeom>
-          <a:noFill/>
-          <a:scene3d>
-            <a:camera prst="orthographicFront">
-              <a:rot lat="0" lon="0" rev="5400000"/>
-            </a:camera>
-            <a:lightRig rig="threePt" dir="t"/>
-          </a:scene3d>
-        </p:spPr>
-        <p:txBody>
-          <a:bodyPr wrap="square" rtlCol="0">
-            <a:spAutoFit/>
-            <a:scene3d>
-              <a:camera prst="orthographicFront">
-                <a:rot lat="0" lon="0" rev="0"/>
-              </a:camera>
-              <a:lightRig rig="threePt" dir="t"/>
-            </a:scene3d>
-            <a:flatTx/>
-          </a:bodyPr>
-          <a:lstStyle/>
-          <a:p>
-            <a:r>
-              <a:rPr lang="fr-FR" sz="1200" dirty="0" smtClean="0"/>
-              <a:t>Leonhard Hermle – Julien Cellier – Xavier Mourgues</a:t>
-            </a:r>
-            <a:endParaRPr lang="fr-FR" sz="1200" dirty="0"/>
-          </a:p>
-        </p:txBody>
-      </p:sp>
-      <p:cxnSp>
-        <p:nvCxnSpPr>
-          <p:cNvPr id="12" name="Connecteur droit 11"/>
-          <p:cNvCxnSpPr/>
-          <p:nvPr/>
-        </p:nvCxnSpPr>
-        <p:spPr>
-          <a:xfrm rot="5400000">
-            <a:off x="107504" y="4077072"/>
-            <a:ext cx="4464496" cy="0"/>
-          </a:xfrm>
-          <a:prstGeom prst="line">
-            <a:avLst/>
-          </a:prstGeom>
-        </p:spPr>
-        <p:style>
-          <a:lnRef idx="1">
-            <a:schemeClr val="accent1"/>
-          </a:lnRef>
-          <a:fillRef idx="0">
-            <a:schemeClr val="accent1"/>
-          </a:fillRef>
-          <a:effectRef idx="0">
-            <a:schemeClr val="accent1"/>
-          </a:effectRef>
-          <a:fontRef idx="minor">
-            <a:schemeClr val="tx1"/>
-          </a:fontRef>
-        </p:style>
-      </p:cxnSp>
-      <p:pic>
-        <p:nvPicPr>
-          <p:cNvPr id="13" name="Image 12" descr="Z:\Projet tut\projettuteurexml\screenshots\page genre.JPG"/>
-          <p:cNvPicPr/>
-          <p:nvPr/>
-        </p:nvPicPr>
-        <p:blipFill>
-          <a:blip r:embed="rId2" cstate="print"/>
-          <a:srcRect/>
-          <a:stretch>
-            <a:fillRect/>
-          </a:stretch>
-        </p:blipFill>
-        <p:spPr bwMode="auto">
-          <a:xfrm>
-            <a:off x="2555776" y="4653136"/>
-            <a:ext cx="5753100" cy="1085850"/>
           </a:xfrm>
           <a:prstGeom prst="rect">
             <a:avLst/>
@@ -5868,7 +6453,7 @@
               <a:rPr lang="fr-FR" sz="1800" dirty="0" smtClean="0"/>
               <a:t>(suite)</a:t>
             </a:r>
-            <a:endParaRPr lang="fr-FR" dirty="0"/>
+            <a:endParaRPr lang="fr-FR" sz="1800" dirty="0"/>
           </a:p>
         </p:txBody>
       </p:sp>
@@ -5884,6 +6469,551 @@
         </p:nvSpPr>
         <p:spPr>
           <a:xfrm>
+            <a:off x="2411760" y="1700808"/>
+            <a:ext cx="6552728" cy="4608512"/>
+          </a:xfrm>
+        </p:spPr>
+        <p:txBody>
+          <a:bodyPr>
+            <a:normAutofit/>
+          </a:bodyPr>
+          <a:lstStyle/>
+          <a:p>
+            <a:pPr algn="ctr">
+              <a:buNone/>
+            </a:pPr>
+            <a:r>
+              <a:rPr lang="fr-FR" sz="2800" b="1" dirty="0" smtClean="0">
+                <a:solidFill>
+                  <a:schemeClr val="accent5">
+                    <a:lumMod val="75000"/>
+                  </a:schemeClr>
+                </a:solidFill>
+              </a:rPr>
+              <a:t>Aspect Technique</a:t>
+            </a:r>
+          </a:p>
+          <a:p>
+            <a:pPr algn="ctr">
+              <a:buNone/>
+            </a:pPr>
+            <a:endParaRPr lang="fr-FR" sz="2800" b="1" dirty="0" smtClean="0">
+              <a:solidFill>
+                <a:schemeClr val="accent5">
+                  <a:lumMod val="75000"/>
+                </a:schemeClr>
+              </a:solidFill>
+            </a:endParaRPr>
+          </a:p>
+          <a:p>
+            <a:r>
+              <a:rPr lang="fr-FR" sz="2000" dirty="0" smtClean="0">
+                <a:solidFill>
+                  <a:schemeClr val="accent5">
+                    <a:lumMod val="75000"/>
+                  </a:schemeClr>
+                </a:solidFill>
+              </a:rPr>
+              <a:t>Fichier conf.ini</a:t>
+            </a:r>
+          </a:p>
+          <a:p>
+            <a:pPr lvl="1"/>
+            <a:r>
+              <a:rPr lang="fr-FR" sz="1600" dirty="0" smtClean="0">
+                <a:solidFill>
+                  <a:schemeClr val="accent5">
+                    <a:lumMod val="75000"/>
+                  </a:schemeClr>
+                </a:solidFill>
+              </a:rPr>
+              <a:t>Contient les paramètre par </a:t>
+            </a:r>
+            <a:r>
+              <a:rPr lang="fr-FR" sz="1600" dirty="0" err="1" smtClean="0">
+                <a:solidFill>
+                  <a:schemeClr val="accent5">
+                    <a:lumMod val="75000"/>
+                  </a:schemeClr>
+                </a:solidFill>
+              </a:rPr>
+              <a:t>défaults</a:t>
+            </a:r>
+            <a:r>
+              <a:rPr lang="fr-FR" sz="1600" dirty="0" smtClean="0">
+                <a:solidFill>
+                  <a:schemeClr val="accent5">
+                    <a:lumMod val="75000"/>
+                  </a:schemeClr>
+                </a:solidFill>
+              </a:rPr>
+              <a:t> utiles (identifiants de Base de Données, Nombre de films par page…).</a:t>
+            </a:r>
+          </a:p>
+          <a:p>
+            <a:pPr lvl="1"/>
+            <a:endParaRPr lang="fr-FR" sz="2800" b="1" dirty="0" smtClean="0">
+              <a:solidFill>
+                <a:schemeClr val="accent5">
+                  <a:lumMod val="75000"/>
+                </a:schemeClr>
+              </a:solidFill>
+            </a:endParaRPr>
+          </a:p>
+          <a:p>
+            <a:r>
+              <a:rPr lang="fr-FR" sz="2000" dirty="0" smtClean="0">
+                <a:solidFill>
+                  <a:schemeClr val="accent5">
+                    <a:lumMod val="75000"/>
+                  </a:schemeClr>
+                </a:solidFill>
+              </a:rPr>
+              <a:t>Recherche par genre</a:t>
+            </a:r>
+          </a:p>
+          <a:p>
+            <a:pPr algn="ctr">
+              <a:buNone/>
+            </a:pPr>
+            <a:endParaRPr lang="fr-FR" sz="2400" dirty="0"/>
+          </a:p>
+        </p:txBody>
+      </p:sp>
+      <p:sp>
+        <p:nvSpPr>
+          <p:cNvPr id="6" name="Espace réservé du contenu 2"/>
+          <p:cNvSpPr txBox="1">
+            <a:spLocks/>
+          </p:cNvSpPr>
+          <p:nvPr/>
+        </p:nvSpPr>
+        <p:spPr>
+          <a:xfrm>
+            <a:off x="179512" y="1700808"/>
+            <a:ext cx="2088232" cy="4536504"/>
+          </a:xfrm>
+          <a:prstGeom prst="rect">
+            <a:avLst/>
+          </a:prstGeom>
+        </p:spPr>
+        <p:txBody>
+          <a:bodyPr vert="horz">
+            <a:normAutofit/>
+          </a:bodyPr>
+          <a:lstStyle/>
+          <a:p>
+            <a:pPr marL="342900" marR="0" lvl="0" indent="-342900" algn="l" defTabSz="914400" rtl="0" eaLnBrk="1" fontAlgn="auto" latinLnBrk="0" hangingPunct="1">
+              <a:lnSpc>
+                <a:spcPct val="100000"/>
+              </a:lnSpc>
+              <a:spcBef>
+                <a:spcPct val="20000"/>
+              </a:spcBef>
+              <a:spcAft>
+                <a:spcPts val="0"/>
+              </a:spcAft>
+              <a:buClr>
+                <a:schemeClr val="accent1"/>
+              </a:buClr>
+              <a:buSzPct val="70000"/>
+              <a:buFont typeface="Wingdings 2"/>
+              <a:buChar char=""/>
+              <a:tabLst/>
+              <a:defRPr/>
+            </a:pPr>
+            <a:r>
+              <a:rPr kumimoji="0" lang="fr-FR" sz="2400" i="0" u="none" strike="noStrike" kern="1200" cap="none" spc="0" normalizeH="0" baseline="0" noProof="0" dirty="0" smtClean="0">
+                <a:ln>
+                  <a:noFill/>
+                </a:ln>
+                <a:solidFill>
+                  <a:schemeClr val="tx2"/>
+                </a:solidFill>
+                <a:effectLst/>
+                <a:uLnTx/>
+                <a:uFillTx/>
+                <a:latin typeface="+mn-lt"/>
+                <a:ea typeface="+mn-ea"/>
+                <a:cs typeface="+mn-cs"/>
+              </a:rPr>
+              <a:t>Introduction</a:t>
+            </a:r>
+          </a:p>
+          <a:p>
+            <a:pPr marL="342900" marR="0" lvl="0" indent="-342900" algn="l" defTabSz="914400" rtl="0" eaLnBrk="1" fontAlgn="auto" latinLnBrk="0" hangingPunct="1">
+              <a:lnSpc>
+                <a:spcPct val="100000"/>
+              </a:lnSpc>
+              <a:spcBef>
+                <a:spcPct val="20000"/>
+              </a:spcBef>
+              <a:spcAft>
+                <a:spcPts val="0"/>
+              </a:spcAft>
+              <a:buClr>
+                <a:schemeClr val="accent1"/>
+              </a:buClr>
+              <a:buSzPct val="70000"/>
+              <a:buFont typeface="Wingdings 2"/>
+              <a:buChar char=""/>
+              <a:tabLst/>
+              <a:defRPr/>
+            </a:pPr>
+            <a:r>
+              <a:rPr lang="fr-FR" sz="2400" dirty="0" smtClean="0">
+                <a:solidFill>
+                  <a:schemeClr val="tx2"/>
+                </a:solidFill>
+              </a:rPr>
+              <a:t>Extraction</a:t>
+            </a:r>
+          </a:p>
+          <a:p>
+            <a:pPr marL="342900" marR="0" lvl="0" indent="-342900" algn="l" defTabSz="914400" rtl="0" eaLnBrk="1" fontAlgn="auto" latinLnBrk="0" hangingPunct="1">
+              <a:lnSpc>
+                <a:spcPct val="100000"/>
+              </a:lnSpc>
+              <a:spcBef>
+                <a:spcPct val="20000"/>
+              </a:spcBef>
+              <a:spcAft>
+                <a:spcPts val="0"/>
+              </a:spcAft>
+              <a:buClr>
+                <a:schemeClr val="accent1"/>
+              </a:buClr>
+              <a:buSzPct val="70000"/>
+              <a:buFont typeface="Wingdings 2"/>
+              <a:buChar char=""/>
+              <a:tabLst/>
+              <a:defRPr/>
+            </a:pPr>
+            <a:r>
+              <a:rPr kumimoji="0" lang="fr-FR" sz="2400" b="0" i="0" u="none" strike="noStrike" kern="1200" cap="none" spc="0" normalizeH="0" baseline="0" noProof="0" dirty="0" smtClean="0">
+                <a:ln>
+                  <a:noFill/>
+                </a:ln>
+                <a:solidFill>
+                  <a:schemeClr val="tx2"/>
+                </a:solidFill>
+                <a:effectLst/>
+                <a:uLnTx/>
+                <a:uFillTx/>
+                <a:latin typeface="+mn-lt"/>
+                <a:ea typeface="+mn-ea"/>
+                <a:cs typeface="+mn-cs"/>
+              </a:rPr>
+              <a:t>Stockage</a:t>
+            </a:r>
+          </a:p>
+          <a:p>
+            <a:pPr marL="342900" marR="0" lvl="0" indent="-342900" algn="l" defTabSz="914400" rtl="0" eaLnBrk="1" fontAlgn="auto" latinLnBrk="0" hangingPunct="1">
+              <a:lnSpc>
+                <a:spcPct val="100000"/>
+              </a:lnSpc>
+              <a:spcBef>
+                <a:spcPct val="20000"/>
+              </a:spcBef>
+              <a:spcAft>
+                <a:spcPts val="0"/>
+              </a:spcAft>
+              <a:buClr>
+                <a:schemeClr val="accent1"/>
+              </a:buClr>
+              <a:buSzPct val="70000"/>
+              <a:buFont typeface="Wingdings 2"/>
+              <a:buChar char=""/>
+              <a:tabLst/>
+              <a:defRPr/>
+            </a:pPr>
+            <a:r>
+              <a:rPr lang="fr-FR" sz="2400" b="1" dirty="0" smtClean="0">
+                <a:solidFill>
+                  <a:schemeClr val="tx2"/>
+                </a:solidFill>
+              </a:rPr>
+              <a:t>Restitution</a:t>
+            </a:r>
+            <a:endParaRPr kumimoji="0" lang="fr-FR" sz="2400" b="1" i="0" u="none" strike="noStrike" kern="1200" cap="none" spc="0" normalizeH="0" baseline="0" noProof="0" dirty="0" smtClean="0">
+              <a:ln>
+                <a:noFill/>
+              </a:ln>
+              <a:solidFill>
+                <a:schemeClr val="tx2"/>
+              </a:solidFill>
+              <a:effectLst/>
+              <a:uLnTx/>
+              <a:uFillTx/>
+              <a:latin typeface="+mn-lt"/>
+              <a:ea typeface="+mn-ea"/>
+              <a:cs typeface="+mn-cs"/>
+            </a:endParaRPr>
+          </a:p>
+          <a:p>
+            <a:pPr marL="342900" marR="0" lvl="0" indent="-342900" algn="l" defTabSz="914400" rtl="0" eaLnBrk="1" fontAlgn="auto" latinLnBrk="0" hangingPunct="1">
+              <a:lnSpc>
+                <a:spcPct val="100000"/>
+              </a:lnSpc>
+              <a:spcBef>
+                <a:spcPct val="20000"/>
+              </a:spcBef>
+              <a:spcAft>
+                <a:spcPts val="0"/>
+              </a:spcAft>
+              <a:buClr>
+                <a:schemeClr val="accent1"/>
+              </a:buClr>
+              <a:buSzPct val="70000"/>
+              <a:buFont typeface="Wingdings 2"/>
+              <a:buChar char=""/>
+              <a:tabLst/>
+              <a:defRPr/>
+            </a:pPr>
+            <a:r>
+              <a:rPr lang="fr-FR" sz="2400" dirty="0" smtClean="0">
+                <a:solidFill>
+                  <a:schemeClr val="tx2"/>
+                </a:solidFill>
+              </a:rPr>
+              <a:t>Conclusion</a:t>
+            </a:r>
+            <a:endParaRPr kumimoji="0" lang="fr-FR" sz="2400" b="0" i="0" u="none" strike="noStrike" kern="1200" cap="none" spc="0" normalizeH="0" baseline="0" noProof="0" dirty="0">
+              <a:ln>
+                <a:noFill/>
+              </a:ln>
+              <a:solidFill>
+                <a:schemeClr val="tx2"/>
+              </a:solidFill>
+              <a:effectLst/>
+              <a:uLnTx/>
+              <a:uFillTx/>
+              <a:latin typeface="+mn-lt"/>
+              <a:ea typeface="+mn-ea"/>
+              <a:cs typeface="+mn-cs"/>
+            </a:endParaRPr>
+          </a:p>
+        </p:txBody>
+      </p:sp>
+      <p:sp>
+        <p:nvSpPr>
+          <p:cNvPr id="7" name="ZoneTexte 6"/>
+          <p:cNvSpPr txBox="1"/>
+          <p:nvPr/>
+        </p:nvSpPr>
+        <p:spPr>
+          <a:xfrm>
+            <a:off x="0" y="6581001"/>
+            <a:ext cx="2708919" cy="276999"/>
+          </a:xfrm>
+          <a:prstGeom prst="rect">
+            <a:avLst/>
+          </a:prstGeom>
+          <a:noFill/>
+          <a:scene3d>
+            <a:camera prst="orthographicFront">
+              <a:rot lat="0" lon="0" rev="5400000"/>
+            </a:camera>
+            <a:lightRig rig="threePt" dir="t"/>
+          </a:scene3d>
+        </p:spPr>
+        <p:txBody>
+          <a:bodyPr wrap="square" rtlCol="0">
+            <a:spAutoFit/>
+            <a:scene3d>
+              <a:camera prst="orthographicFront">
+                <a:rot lat="0" lon="0" rev="0"/>
+              </a:camera>
+              <a:lightRig rig="threePt" dir="t"/>
+            </a:scene3d>
+            <a:flatTx/>
+          </a:bodyPr>
+          <a:lstStyle/>
+          <a:p>
+            <a:r>
+              <a:rPr lang="fr-FR" sz="1200" dirty="0" smtClean="0"/>
+              <a:t>Soutenance projet LPD2I 2010/2011</a:t>
+            </a:r>
+            <a:endParaRPr lang="fr-FR" sz="1200" dirty="0"/>
+          </a:p>
+        </p:txBody>
+      </p:sp>
+      <p:sp>
+        <p:nvSpPr>
+          <p:cNvPr id="9" name="ZoneTexte 8"/>
+          <p:cNvSpPr txBox="1"/>
+          <p:nvPr/>
+        </p:nvSpPr>
+        <p:spPr>
+          <a:xfrm>
+            <a:off x="5508104" y="6581001"/>
+            <a:ext cx="3635896" cy="276999"/>
+          </a:xfrm>
+          <a:prstGeom prst="rect">
+            <a:avLst/>
+          </a:prstGeom>
+          <a:noFill/>
+          <a:scene3d>
+            <a:camera prst="orthographicFront">
+              <a:rot lat="0" lon="0" rev="5400000"/>
+            </a:camera>
+            <a:lightRig rig="threePt" dir="t"/>
+          </a:scene3d>
+        </p:spPr>
+        <p:txBody>
+          <a:bodyPr wrap="square" rtlCol="0">
+            <a:spAutoFit/>
+            <a:scene3d>
+              <a:camera prst="orthographicFront">
+                <a:rot lat="0" lon="0" rev="0"/>
+              </a:camera>
+              <a:lightRig rig="threePt" dir="t"/>
+            </a:scene3d>
+            <a:flatTx/>
+          </a:bodyPr>
+          <a:lstStyle/>
+          <a:p>
+            <a:r>
+              <a:rPr lang="fr-FR" sz="1200" dirty="0" smtClean="0"/>
+              <a:t>Leonhard Hermle – Julien Cellier – Xavier Mourgues</a:t>
+            </a:r>
+            <a:endParaRPr lang="fr-FR" sz="1200" dirty="0"/>
+          </a:p>
+        </p:txBody>
+      </p:sp>
+      <p:cxnSp>
+        <p:nvCxnSpPr>
+          <p:cNvPr id="12" name="Connecteur droit 11"/>
+          <p:cNvCxnSpPr/>
+          <p:nvPr/>
+        </p:nvCxnSpPr>
+        <p:spPr>
+          <a:xfrm rot="5400000">
+            <a:off x="107504" y="4077072"/>
+            <a:ext cx="4464496" cy="0"/>
+          </a:xfrm>
+          <a:prstGeom prst="line">
+            <a:avLst/>
+          </a:prstGeom>
+        </p:spPr>
+        <p:style>
+          <a:lnRef idx="1">
+            <a:schemeClr val="accent1"/>
+          </a:lnRef>
+          <a:fillRef idx="0">
+            <a:schemeClr val="accent1"/>
+          </a:fillRef>
+          <a:effectRef idx="0">
+            <a:schemeClr val="accent1"/>
+          </a:effectRef>
+          <a:fontRef idx="minor">
+            <a:schemeClr val="tx1"/>
+          </a:fontRef>
+        </p:style>
+      </p:cxnSp>
+      <p:pic>
+        <p:nvPicPr>
+          <p:cNvPr id="13" name="Image 12" descr="Z:\Projet tut\projettuteurexml\screenshots\page genre.JPG"/>
+          <p:cNvPicPr/>
+          <p:nvPr/>
+        </p:nvPicPr>
+        <p:blipFill>
+          <a:blip r:embed="rId2" cstate="print"/>
+          <a:srcRect/>
+          <a:stretch>
+            <a:fillRect/>
+          </a:stretch>
+        </p:blipFill>
+        <p:spPr bwMode="auto">
+          <a:xfrm>
+            <a:off x="2555776" y="4653136"/>
+            <a:ext cx="5753100" cy="1085850"/>
+          </a:xfrm>
+          <a:prstGeom prst="rect">
+            <a:avLst/>
+          </a:prstGeom>
+          <a:noFill/>
+          <a:ln w="9525">
+            <a:noFill/>
+            <a:miter lim="800000"/>
+            <a:headEnd/>
+            <a:tailEnd/>
+          </a:ln>
+        </p:spPr>
+      </p:pic>
+    </p:spTree>
+  </p:cSld>
+  <p:clrMapOvr>
+    <a:masterClrMapping/>
+  </p:clrMapOvr>
+  <p:timing>
+    <p:tnLst>
+      <p:par>
+        <p:cTn id="1" dur="indefinite" restart="never" nodeType="tmRoot"/>
+      </p:par>
+    </p:tnLst>
+  </p:timing>
+</p:sld>
+</file>
+
+<file path=ppt/slides/slide15.xml><?xml version="1.0" encoding="utf-8"?>
+<p:sld xmlns:a="http://schemas.openxmlformats.org/drawingml/2006/main" xmlns:r="http://schemas.openxmlformats.org/officeDocument/2006/relationships" xmlns:p="http://schemas.openxmlformats.org/presentationml/2006/main">
+  <p:cSld>
+    <p:spTree>
+      <p:nvGrpSpPr>
+        <p:cNvPr id="1" name=""/>
+        <p:cNvGrpSpPr/>
+        <p:nvPr/>
+      </p:nvGrpSpPr>
+      <p:grpSpPr>
+        <a:xfrm>
+          <a:off x="0" y="0"/>
+          <a:ext cx="0" cy="0"/>
+          <a:chOff x="0" y="0"/>
+          <a:chExt cx="0" cy="0"/>
+        </a:xfrm>
+      </p:grpSpPr>
+      <p:sp>
+        <p:nvSpPr>
+          <p:cNvPr id="2" name="Titre 1"/>
+          <p:cNvSpPr>
+            <a:spLocks noGrp="1"/>
+          </p:cNvSpPr>
+          <p:nvPr>
+            <p:ph type="title"/>
+          </p:nvPr>
+        </p:nvSpPr>
+        <p:spPr/>
+        <p:txBody>
+          <a:bodyPr>
+            <a:normAutofit/>
+          </a:bodyPr>
+          <a:lstStyle/>
+          <a:p>
+            <a:r>
+              <a:rPr lang="fr-FR" dirty="0" smtClean="0"/>
+              <a:t>Restitution</a:t>
+            </a:r>
+            <a:r>
+              <a:rPr lang="fr-FR" sz="1800" dirty="0" smtClean="0"/>
+              <a:t>(suite)</a:t>
+            </a:r>
+            <a:endParaRPr lang="fr-FR" dirty="0"/>
+          </a:p>
+        </p:txBody>
+      </p:sp>
+      <p:sp>
+        <p:nvSpPr>
+          <p:cNvPr id="3" name="Espace réservé du contenu 2"/>
+          <p:cNvSpPr>
+            <a:spLocks noGrp="1"/>
+          </p:cNvSpPr>
+          <p:nvPr>
+            <p:ph idx="1"/>
+          </p:nvPr>
+        </p:nvSpPr>
+        <p:spPr>
+          <a:xfrm>
             <a:off x="2555776" y="1700808"/>
             <a:ext cx="6408712" cy="4752528"/>
           </a:xfrm>
@@ -5980,11 +7110,7 @@
             </a:r>
             <a:r>
               <a:rPr lang="fr-FR" sz="1400" dirty="0" smtClean="0"/>
-              <a:t> </a:t>
-            </a:r>
-            <a:r>
-              <a:rPr lang="fr-FR" sz="1400" dirty="0" smtClean="0"/>
-              <a:t>"&lt;</a:t>
+              <a:t> "&lt;</a:t>
             </a:r>
             <a:r>
               <a:rPr lang="fr-FR" sz="1400" dirty="0" err="1" smtClean="0"/>
@@ -6515,7 +7641,7 @@
 </p:sld>
 </file>
 
-<file path=ppt/slides/slide15.xml><?xml version="1.0" encoding="utf-8"?>
+<file path=ppt/slides/slide16.xml><?xml version="1.0" encoding="utf-8"?>
 <p:sld xmlns:a="http://schemas.openxmlformats.org/drawingml/2006/main" xmlns:r="http://schemas.openxmlformats.org/officeDocument/2006/relationships" xmlns:p="http://schemas.openxmlformats.org/presentationml/2006/main">
   <p:cSld>
     <p:spTree>
@@ -7681,7 +8807,7 @@
 </p:sld>
 </file>
 
-<file path=ppt/slides/slide16.xml><?xml version="1.0" encoding="utf-8"?>
+<file path=ppt/slides/slide17.xml><?xml version="1.0" encoding="utf-8"?>
 <p:sld xmlns:a="http://schemas.openxmlformats.org/drawingml/2006/main" xmlns:r="http://schemas.openxmlformats.org/officeDocument/2006/relationships" xmlns:p="http://schemas.openxmlformats.org/presentationml/2006/main">
   <p:cSld>
     <p:spTree>
@@ -8509,7 +9635,7 @@
 </p:sld>
 </file>
 
-<file path=ppt/slides/slide17.xml><?xml version="1.0" encoding="utf-8"?>
+<file path=ppt/slides/slide18.xml><?xml version="1.0" encoding="utf-8"?>
 <p:sld xmlns:a="http://schemas.openxmlformats.org/drawingml/2006/main" xmlns:r="http://schemas.openxmlformats.org/officeDocument/2006/relationships" xmlns:p="http://schemas.openxmlformats.org/presentationml/2006/main">
   <p:cSld>
     <p:spTree>
@@ -8971,533 +10097,6 @@
           <a:xfrm>
             <a:off x="2699792" y="2780928"/>
             <a:ext cx="5753100" cy="1943100"/>
-          </a:xfrm>
-          <a:prstGeom prst="rect">
-            <a:avLst/>
-          </a:prstGeom>
-          <a:noFill/>
-          <a:ln w="9525">
-            <a:noFill/>
-            <a:miter lim="800000"/>
-            <a:headEnd/>
-            <a:tailEnd/>
-          </a:ln>
-        </p:spPr>
-      </p:pic>
-    </p:spTree>
-  </p:cSld>
-  <p:clrMapOvr>
-    <a:masterClrMapping/>
-  </p:clrMapOvr>
-  <p:timing>
-    <p:tnLst>
-      <p:par>
-        <p:cTn id="1" dur="indefinite" restart="never" nodeType="tmRoot"/>
-      </p:par>
-    </p:tnLst>
-  </p:timing>
-</p:sld>
-</file>
-
-<file path=ppt/slides/slide18.xml><?xml version="1.0" encoding="utf-8"?>
-<p:sld xmlns:a="http://schemas.openxmlformats.org/drawingml/2006/main" xmlns:r="http://schemas.openxmlformats.org/officeDocument/2006/relationships" xmlns:p="http://schemas.openxmlformats.org/presentationml/2006/main">
-  <p:cSld>
-    <p:spTree>
-      <p:nvGrpSpPr>
-        <p:cNvPr id="1" name=""/>
-        <p:cNvGrpSpPr/>
-        <p:nvPr/>
-      </p:nvGrpSpPr>
-      <p:grpSpPr>
-        <a:xfrm>
-          <a:off x="0" y="0"/>
-          <a:ext cx="0" cy="0"/>
-          <a:chOff x="0" y="0"/>
-          <a:chExt cx="0" cy="0"/>
-        </a:xfrm>
-      </p:grpSpPr>
-      <p:sp>
-        <p:nvSpPr>
-          <p:cNvPr id="2" name="Titre 1"/>
-          <p:cNvSpPr>
-            <a:spLocks noGrp="1"/>
-          </p:cNvSpPr>
-          <p:nvPr>
-            <p:ph type="title"/>
-          </p:nvPr>
-        </p:nvSpPr>
-        <p:spPr/>
-        <p:txBody>
-          <a:bodyPr>
-            <a:normAutofit/>
-          </a:bodyPr>
-          <a:lstStyle/>
-          <a:p>
-            <a:r>
-              <a:rPr lang="fr-FR" dirty="0" smtClean="0"/>
-              <a:t>Restitution</a:t>
-            </a:r>
-            <a:r>
-              <a:rPr lang="fr-FR" sz="1800" dirty="0" smtClean="0"/>
-              <a:t>(suite)</a:t>
-            </a:r>
-            <a:endParaRPr lang="fr-FR" dirty="0"/>
-          </a:p>
-        </p:txBody>
-      </p:sp>
-      <p:sp>
-        <p:nvSpPr>
-          <p:cNvPr id="3" name="Espace réservé du contenu 2"/>
-          <p:cNvSpPr>
-            <a:spLocks noGrp="1"/>
-          </p:cNvSpPr>
-          <p:nvPr>
-            <p:ph idx="1"/>
-          </p:nvPr>
-        </p:nvSpPr>
-        <p:spPr>
-          <a:xfrm>
-            <a:off x="2411760" y="1700808"/>
-            <a:ext cx="6552728" cy="4608512"/>
-          </a:xfrm>
-        </p:spPr>
-        <p:txBody>
-          <a:bodyPr>
-            <a:normAutofit/>
-          </a:bodyPr>
-          <a:lstStyle/>
-          <a:p>
-            <a:pPr algn="ctr">
-              <a:buNone/>
-            </a:pPr>
-            <a:r>
-              <a:rPr lang="fr-FR" sz="2800" b="1" dirty="0" smtClean="0">
-                <a:solidFill>
-                  <a:schemeClr val="accent5">
-                    <a:lumMod val="75000"/>
-                  </a:schemeClr>
-                </a:solidFill>
-              </a:rPr>
-              <a:t>Aspect Technique</a:t>
-            </a:r>
-          </a:p>
-          <a:p>
-            <a:r>
-              <a:rPr lang="fr-FR" sz="2000" dirty="0" smtClean="0">
-                <a:solidFill>
-                  <a:schemeClr val="accent5">
-                    <a:lumMod val="75000"/>
-                  </a:schemeClr>
-                </a:solidFill>
-              </a:rPr>
-              <a:t>Notation par étoiles</a:t>
-            </a:r>
-            <a:endParaRPr lang="fr-FR" sz="2000" dirty="0" smtClean="0">
-              <a:solidFill>
-                <a:schemeClr val="accent5">
-                  <a:lumMod val="75000"/>
-                </a:schemeClr>
-              </a:solidFill>
-            </a:endParaRPr>
-          </a:p>
-          <a:p>
-            <a:pPr>
-              <a:buNone/>
-            </a:pPr>
-            <a:endParaRPr lang="fr-FR" sz="2800" b="1" dirty="0" smtClean="0">
-              <a:solidFill>
-                <a:schemeClr val="accent5">
-                  <a:lumMod val="75000"/>
-                </a:schemeClr>
-              </a:solidFill>
-            </a:endParaRPr>
-          </a:p>
-          <a:p>
-            <a:pPr algn="ctr">
-              <a:buNone/>
-            </a:pPr>
-            <a:endParaRPr lang="fr-FR" sz="2400" dirty="0"/>
-          </a:p>
-        </p:txBody>
-      </p:sp>
-      <p:sp>
-        <p:nvSpPr>
-          <p:cNvPr id="6" name="Espace réservé du contenu 2"/>
-          <p:cNvSpPr txBox="1">
-            <a:spLocks/>
-          </p:cNvSpPr>
-          <p:nvPr/>
-        </p:nvSpPr>
-        <p:spPr>
-          <a:xfrm>
-            <a:off x="179512" y="1700808"/>
-            <a:ext cx="2088232" cy="4536504"/>
-          </a:xfrm>
-          <a:prstGeom prst="rect">
-            <a:avLst/>
-          </a:prstGeom>
-        </p:spPr>
-        <p:txBody>
-          <a:bodyPr vert="horz">
-            <a:normAutofit/>
-          </a:bodyPr>
-          <a:lstStyle/>
-          <a:p>
-            <a:pPr marL="342900" marR="0" lvl="0" indent="-342900" algn="l" defTabSz="914400" rtl="0" eaLnBrk="1" fontAlgn="auto" latinLnBrk="0" hangingPunct="1">
-              <a:lnSpc>
-                <a:spcPct val="100000"/>
-              </a:lnSpc>
-              <a:spcBef>
-                <a:spcPct val="20000"/>
-              </a:spcBef>
-              <a:spcAft>
-                <a:spcPts val="0"/>
-              </a:spcAft>
-              <a:buClr>
-                <a:schemeClr val="accent1"/>
-              </a:buClr>
-              <a:buSzPct val="70000"/>
-              <a:buFont typeface="Wingdings 2"/>
-              <a:buChar char=""/>
-              <a:tabLst/>
-              <a:defRPr/>
-            </a:pPr>
-            <a:r>
-              <a:rPr kumimoji="0" lang="fr-FR" sz="2400" i="0" u="none" strike="noStrike" kern="1200" cap="none" spc="0" normalizeH="0" baseline="0" noProof="0" dirty="0" smtClean="0">
-                <a:ln>
-                  <a:noFill/>
-                </a:ln>
-                <a:solidFill>
-                  <a:schemeClr val="tx2"/>
-                </a:solidFill>
-                <a:effectLst/>
-                <a:uLnTx/>
-                <a:uFillTx/>
-                <a:latin typeface="+mn-lt"/>
-                <a:ea typeface="+mn-ea"/>
-                <a:cs typeface="+mn-cs"/>
-              </a:rPr>
-              <a:t>Introduction</a:t>
-            </a:r>
-          </a:p>
-          <a:p>
-            <a:pPr marL="342900" marR="0" lvl="0" indent="-342900" algn="l" defTabSz="914400" rtl="0" eaLnBrk="1" fontAlgn="auto" latinLnBrk="0" hangingPunct="1">
-              <a:lnSpc>
-                <a:spcPct val="100000"/>
-              </a:lnSpc>
-              <a:spcBef>
-                <a:spcPct val="20000"/>
-              </a:spcBef>
-              <a:spcAft>
-                <a:spcPts val="0"/>
-              </a:spcAft>
-              <a:buClr>
-                <a:schemeClr val="accent1"/>
-              </a:buClr>
-              <a:buSzPct val="70000"/>
-              <a:buFont typeface="Wingdings 2"/>
-              <a:buChar char=""/>
-              <a:tabLst/>
-              <a:defRPr/>
-            </a:pPr>
-            <a:r>
-              <a:rPr lang="fr-FR" sz="2400" dirty="0" smtClean="0">
-                <a:solidFill>
-                  <a:schemeClr val="tx2"/>
-                </a:solidFill>
-              </a:rPr>
-              <a:t>Extraction</a:t>
-            </a:r>
-          </a:p>
-          <a:p>
-            <a:pPr marL="342900" marR="0" lvl="0" indent="-342900" algn="l" defTabSz="914400" rtl="0" eaLnBrk="1" fontAlgn="auto" latinLnBrk="0" hangingPunct="1">
-              <a:lnSpc>
-                <a:spcPct val="100000"/>
-              </a:lnSpc>
-              <a:spcBef>
-                <a:spcPct val="20000"/>
-              </a:spcBef>
-              <a:spcAft>
-                <a:spcPts val="0"/>
-              </a:spcAft>
-              <a:buClr>
-                <a:schemeClr val="accent1"/>
-              </a:buClr>
-              <a:buSzPct val="70000"/>
-              <a:buFont typeface="Wingdings 2"/>
-              <a:buChar char=""/>
-              <a:tabLst/>
-              <a:defRPr/>
-            </a:pPr>
-            <a:r>
-              <a:rPr kumimoji="0" lang="fr-FR" sz="2400" b="0" i="0" u="none" strike="noStrike" kern="1200" cap="none" spc="0" normalizeH="0" baseline="0" noProof="0" dirty="0" smtClean="0">
-                <a:ln>
-                  <a:noFill/>
-                </a:ln>
-                <a:solidFill>
-                  <a:schemeClr val="tx2"/>
-                </a:solidFill>
-                <a:effectLst/>
-                <a:uLnTx/>
-                <a:uFillTx/>
-                <a:latin typeface="+mn-lt"/>
-                <a:ea typeface="+mn-ea"/>
-                <a:cs typeface="+mn-cs"/>
-              </a:rPr>
-              <a:t>Stockage</a:t>
-            </a:r>
-          </a:p>
-          <a:p>
-            <a:pPr marL="342900" marR="0" lvl="0" indent="-342900" algn="l" defTabSz="914400" rtl="0" eaLnBrk="1" fontAlgn="auto" latinLnBrk="0" hangingPunct="1">
-              <a:lnSpc>
-                <a:spcPct val="100000"/>
-              </a:lnSpc>
-              <a:spcBef>
-                <a:spcPct val="20000"/>
-              </a:spcBef>
-              <a:spcAft>
-                <a:spcPts val="0"/>
-              </a:spcAft>
-              <a:buClr>
-                <a:schemeClr val="accent1"/>
-              </a:buClr>
-              <a:buSzPct val="70000"/>
-              <a:buFont typeface="Wingdings 2"/>
-              <a:buChar char=""/>
-              <a:tabLst/>
-              <a:defRPr/>
-            </a:pPr>
-            <a:r>
-              <a:rPr lang="fr-FR" sz="2400" b="1" dirty="0" smtClean="0">
-                <a:solidFill>
-                  <a:schemeClr val="tx2"/>
-                </a:solidFill>
-              </a:rPr>
-              <a:t>Restitution</a:t>
-            </a:r>
-            <a:endParaRPr kumimoji="0" lang="fr-FR" sz="2400" b="1" i="0" u="none" strike="noStrike" kern="1200" cap="none" spc="0" normalizeH="0" baseline="0" noProof="0" dirty="0" smtClean="0">
-              <a:ln>
-                <a:noFill/>
-              </a:ln>
-              <a:solidFill>
-                <a:schemeClr val="tx2"/>
-              </a:solidFill>
-              <a:effectLst/>
-              <a:uLnTx/>
-              <a:uFillTx/>
-              <a:latin typeface="+mn-lt"/>
-              <a:ea typeface="+mn-ea"/>
-              <a:cs typeface="+mn-cs"/>
-            </a:endParaRPr>
-          </a:p>
-          <a:p>
-            <a:pPr marL="342900" marR="0" lvl="0" indent="-342900" algn="l" defTabSz="914400" rtl="0" eaLnBrk="1" fontAlgn="auto" latinLnBrk="0" hangingPunct="1">
-              <a:lnSpc>
-                <a:spcPct val="100000"/>
-              </a:lnSpc>
-              <a:spcBef>
-                <a:spcPct val="20000"/>
-              </a:spcBef>
-              <a:spcAft>
-                <a:spcPts val="0"/>
-              </a:spcAft>
-              <a:buClr>
-                <a:schemeClr val="accent1"/>
-              </a:buClr>
-              <a:buSzPct val="70000"/>
-              <a:buFont typeface="Wingdings 2"/>
-              <a:buChar char=""/>
-              <a:tabLst/>
-              <a:defRPr/>
-            </a:pPr>
-            <a:r>
-              <a:rPr lang="fr-FR" sz="2400" dirty="0" smtClean="0">
-                <a:solidFill>
-                  <a:schemeClr val="tx2"/>
-                </a:solidFill>
-              </a:rPr>
-              <a:t>Conclusion</a:t>
-            </a:r>
-            <a:endParaRPr kumimoji="0" lang="fr-FR" sz="2400" b="0" i="0" u="none" strike="noStrike" kern="1200" cap="none" spc="0" normalizeH="0" baseline="0" noProof="0" dirty="0">
-              <a:ln>
-                <a:noFill/>
-              </a:ln>
-              <a:solidFill>
-                <a:schemeClr val="tx2"/>
-              </a:solidFill>
-              <a:effectLst/>
-              <a:uLnTx/>
-              <a:uFillTx/>
-              <a:latin typeface="+mn-lt"/>
-              <a:ea typeface="+mn-ea"/>
-              <a:cs typeface="+mn-cs"/>
-            </a:endParaRPr>
-          </a:p>
-        </p:txBody>
-      </p:sp>
-      <p:sp>
-        <p:nvSpPr>
-          <p:cNvPr id="7" name="ZoneTexte 6"/>
-          <p:cNvSpPr txBox="1"/>
-          <p:nvPr/>
-        </p:nvSpPr>
-        <p:spPr>
-          <a:xfrm>
-            <a:off x="0" y="6581001"/>
-            <a:ext cx="2708919" cy="276999"/>
-          </a:xfrm>
-          <a:prstGeom prst="rect">
-            <a:avLst/>
-          </a:prstGeom>
-          <a:noFill/>
-          <a:scene3d>
-            <a:camera prst="orthographicFront">
-              <a:rot lat="0" lon="0" rev="5400000"/>
-            </a:camera>
-            <a:lightRig rig="threePt" dir="t"/>
-          </a:scene3d>
-        </p:spPr>
-        <p:txBody>
-          <a:bodyPr wrap="square" rtlCol="0">
-            <a:spAutoFit/>
-            <a:scene3d>
-              <a:camera prst="orthographicFront">
-                <a:rot lat="0" lon="0" rev="0"/>
-              </a:camera>
-              <a:lightRig rig="threePt" dir="t"/>
-            </a:scene3d>
-            <a:flatTx/>
-          </a:bodyPr>
-          <a:lstStyle/>
-          <a:p>
-            <a:r>
-              <a:rPr lang="fr-FR" sz="1200" dirty="0" smtClean="0"/>
-              <a:t>Soutenance projet LPD2I 2010/2011</a:t>
-            </a:r>
-            <a:endParaRPr lang="fr-FR" sz="1200" dirty="0"/>
-          </a:p>
-        </p:txBody>
-      </p:sp>
-      <p:sp>
-        <p:nvSpPr>
-          <p:cNvPr id="9" name="ZoneTexte 8"/>
-          <p:cNvSpPr txBox="1"/>
-          <p:nvPr/>
-        </p:nvSpPr>
-        <p:spPr>
-          <a:xfrm>
-            <a:off x="5508104" y="6581001"/>
-            <a:ext cx="3635896" cy="276999"/>
-          </a:xfrm>
-          <a:prstGeom prst="rect">
-            <a:avLst/>
-          </a:prstGeom>
-          <a:noFill/>
-          <a:scene3d>
-            <a:camera prst="orthographicFront">
-              <a:rot lat="0" lon="0" rev="5400000"/>
-            </a:camera>
-            <a:lightRig rig="threePt" dir="t"/>
-          </a:scene3d>
-        </p:spPr>
-        <p:txBody>
-          <a:bodyPr wrap="square" rtlCol="0">
-            <a:spAutoFit/>
-            <a:scene3d>
-              <a:camera prst="orthographicFront">
-                <a:rot lat="0" lon="0" rev="0"/>
-              </a:camera>
-              <a:lightRig rig="threePt" dir="t"/>
-            </a:scene3d>
-            <a:flatTx/>
-          </a:bodyPr>
-          <a:lstStyle/>
-          <a:p>
-            <a:r>
-              <a:rPr lang="fr-FR" sz="1200" dirty="0" smtClean="0"/>
-              <a:t>Leonhard Hermle – Julien Cellier – Xavier Mourgues</a:t>
-            </a:r>
-            <a:endParaRPr lang="fr-FR" sz="1200" dirty="0"/>
-          </a:p>
-        </p:txBody>
-      </p:sp>
-      <p:cxnSp>
-        <p:nvCxnSpPr>
-          <p:cNvPr id="12" name="Connecteur droit 11"/>
-          <p:cNvCxnSpPr/>
-          <p:nvPr/>
-        </p:nvCxnSpPr>
-        <p:spPr>
-          <a:xfrm rot="5400000">
-            <a:off x="107504" y="4077072"/>
-            <a:ext cx="4464496" cy="0"/>
-          </a:xfrm>
-          <a:prstGeom prst="line">
-            <a:avLst/>
-          </a:prstGeom>
-        </p:spPr>
-        <p:style>
-          <a:lnRef idx="1">
-            <a:schemeClr val="accent1"/>
-          </a:lnRef>
-          <a:fillRef idx="0">
-            <a:schemeClr val="accent1"/>
-          </a:fillRef>
-          <a:effectRef idx="0">
-            <a:schemeClr val="accent1"/>
-          </a:effectRef>
-          <a:fontRef idx="minor">
-            <a:schemeClr val="tx1"/>
-          </a:fontRef>
-        </p:style>
-      </p:cxnSp>
-      <p:pic>
-        <p:nvPicPr>
-          <p:cNvPr id="10" name="Image 9" descr="Z:\Projet tut\projettuteurexml\screenshots\notation.JPG"/>
-          <p:cNvPicPr/>
-          <p:nvPr/>
-        </p:nvPicPr>
-        <p:blipFill>
-          <a:blip r:embed="rId2" cstate="print"/>
-          <a:srcRect/>
-          <a:stretch>
-            <a:fillRect/>
-          </a:stretch>
-        </p:blipFill>
-        <p:spPr bwMode="auto">
-          <a:xfrm>
-            <a:off x="2771800" y="2780928"/>
-            <a:ext cx="5762625" cy="885825"/>
-          </a:xfrm>
-          <a:prstGeom prst="rect">
-            <a:avLst/>
-          </a:prstGeom>
-          <a:noFill/>
-          <a:ln w="9525">
-            <a:noFill/>
-            <a:miter lim="800000"/>
-            <a:headEnd/>
-            <a:tailEnd/>
-          </a:ln>
-        </p:spPr>
-      </p:pic>
-      <p:pic>
-        <p:nvPicPr>
-          <p:cNvPr id="13" name="Image 12" descr="Z:\Projet tut\projettuteurexml\screenshots\detail film.JPG"/>
-          <p:cNvPicPr/>
-          <p:nvPr/>
-        </p:nvPicPr>
-        <p:blipFill>
-          <a:blip r:embed="rId3" cstate="print"/>
-          <a:srcRect/>
-          <a:stretch>
-            <a:fillRect/>
-          </a:stretch>
-        </p:blipFill>
-        <p:spPr bwMode="auto">
-          <a:xfrm>
-            <a:off x="2771800" y="3789040"/>
-            <a:ext cx="5753100" cy="1228725"/>
           </a:xfrm>
           <a:prstGeom prst="rect">
             <a:avLst/>
@@ -9609,7 +10208,19 @@
             </a:r>
           </a:p>
           <a:p>
-            <a:pPr algn="ctr">
+            <a:r>
+              <a:rPr lang="fr-FR" sz="2000" dirty="0" smtClean="0">
+                <a:solidFill>
+                  <a:schemeClr val="accent5">
+                    <a:lumMod val="75000"/>
+                  </a:schemeClr>
+                </a:solidFill>
+              </a:rPr>
+              <a:t>Notation par étoiles</a:t>
+            </a:r>
+          </a:p>
+          <a:p>
+            <a:pPr>
               <a:buNone/>
             </a:pPr>
             <a:endParaRPr lang="fr-FR" sz="2800" b="1" dirty="0" smtClean="0">
@@ -9621,77 +10232,10 @@
             </a:endParaRPr>
           </a:p>
           <a:p>
-            <a:r>
-              <a:rPr lang="fr-FR" sz="2400" dirty="0" smtClean="0">
-                <a:solidFill>
-                  <a:schemeClr val="accent5">
-                    <a:lumMod val="75000"/>
-                  </a:schemeClr>
-                </a:solidFill>
-              </a:rPr>
-              <a:t>Recherche et ajout d’un film</a:t>
-            </a:r>
-            <a:endParaRPr lang="fr-FR" sz="2400" dirty="0" smtClean="0">
-              <a:solidFill>
-                <a:schemeClr val="accent5">
-                  <a:lumMod val="75000"/>
-                </a:schemeClr>
-              </a:solidFill>
-            </a:endParaRPr>
-          </a:p>
-          <a:p>
-            <a:pPr>
-              <a:buNone/>
-            </a:pPr>
-            <a:endParaRPr lang="fr-FR" sz="2800" b="1" dirty="0" smtClean="0">
-              <a:solidFill>
-                <a:schemeClr val="accent5">
-                  <a:lumMod val="75000"/>
-                </a:schemeClr>
-              </a:solidFill>
-            </a:endParaRPr>
-          </a:p>
-          <a:p>
             <a:pPr algn="ctr">
               <a:buNone/>
             </a:pPr>
-            <a:endParaRPr lang="fr-FR" sz="2400" dirty="0" smtClean="0"/>
-          </a:p>
-          <a:p>
-            <a:pPr algn="ctr">
-              <a:buNone/>
-            </a:pPr>
-            <a:endParaRPr lang="fr-FR" sz="2400" dirty="0" smtClean="0"/>
-          </a:p>
-          <a:p>
-            <a:pPr algn="ctr">
-              <a:buNone/>
-            </a:pPr>
-            <a:endParaRPr lang="fr-FR" sz="2400" dirty="0" smtClean="0"/>
-          </a:p>
-          <a:p>
-            <a:pPr algn="ctr">
-              <a:buNone/>
-            </a:pPr>
-            <a:endParaRPr lang="fr-FR" sz="2400" dirty="0" smtClean="0"/>
-          </a:p>
-          <a:p>
-            <a:pPr algn="ctr">
-              <a:buNone/>
-            </a:pPr>
-            <a:r>
-              <a:rPr lang="fr-FR" sz="1400" i="1" dirty="0" smtClean="0"/>
-              <a:t>Utilisation de la fonction « </a:t>
-            </a:r>
-            <a:r>
-              <a:rPr lang="fr-FR" sz="1400" i="1" dirty="0" err="1" smtClean="0"/>
-              <a:t>exec</a:t>
-            </a:r>
-            <a:r>
-              <a:rPr lang="fr-FR" sz="1400" i="1" dirty="0" smtClean="0"/>
-              <a:t> » qui permet d’exécuter une application Java.</a:t>
-            </a:r>
-            <a:endParaRPr lang="fr-FR" sz="1400" i="1" dirty="0"/>
+            <a:endParaRPr lang="fr-FR" sz="2400" dirty="0"/>
           </a:p>
         </p:txBody>
       </p:sp>
@@ -10028,7 +10572,7 @@
       </p:cxnSp>
       <p:pic>
         <p:nvPicPr>
-          <p:cNvPr id="11" name="Image 10" descr="Z:\Projet tut\projettuteurexml\screenshots\ajout film.JPG"/>
+          <p:cNvPr id="10" name="Image 9" descr="Z:\Projet tut\projettuteurexml\screenshots\notation.JPG"/>
           <p:cNvPicPr/>
           <p:nvPr/>
         </p:nvPicPr>
@@ -10041,8 +10585,38 @@
         </p:blipFill>
         <p:spPr bwMode="auto">
           <a:xfrm>
-            <a:off x="2627784" y="3284984"/>
-            <a:ext cx="6313476" cy="1944216"/>
+            <a:off x="2771800" y="2780928"/>
+            <a:ext cx="5762625" cy="885825"/>
+          </a:xfrm>
+          <a:prstGeom prst="rect">
+            <a:avLst/>
+          </a:prstGeom>
+          <a:noFill/>
+          <a:ln w="9525">
+            <a:noFill/>
+            <a:miter lim="800000"/>
+            <a:headEnd/>
+            <a:tailEnd/>
+          </a:ln>
+        </p:spPr>
+      </p:pic>
+      <p:pic>
+        <p:nvPicPr>
+          <p:cNvPr id="13" name="Image 12" descr="Z:\Projet tut\projettuteurexml\screenshots\detail film.JPG"/>
+          <p:cNvPicPr/>
+          <p:nvPr/>
+        </p:nvPicPr>
+        <p:blipFill>
+          <a:blip r:embed="rId3" cstate="print"/>
+          <a:srcRect/>
+          <a:stretch>
+            <a:fillRect/>
+          </a:stretch>
+        </p:blipFill>
+        <p:spPr bwMode="auto">
+          <a:xfrm>
+            <a:off x="2771800" y="3789040"/>
+            <a:ext cx="5753100" cy="1228725"/>
           </a:xfrm>
           <a:prstGeom prst="rect">
             <a:avLst/>
@@ -10587,12 +11161,12 @@
         <p:spPr>
           <a:xfrm>
             <a:off x="2411760" y="1700808"/>
-            <a:ext cx="6552728" cy="504056"/>
+            <a:ext cx="6552728" cy="4608512"/>
           </a:xfrm>
         </p:spPr>
         <p:txBody>
           <a:bodyPr>
-            <a:normAutofit lnSpcReduction="10000"/>
+            <a:normAutofit/>
           </a:bodyPr>
           <a:lstStyle/>
           <a:p>
@@ -10607,9 +11181,86 @@
                   </a:schemeClr>
                 </a:solidFill>
               </a:rPr>
-              <a:t>Structure de l’interface</a:t>
-            </a:r>
-            <a:endParaRPr lang="fr-FR" sz="2400" dirty="0"/>
+              <a:t>Aspect Technique</a:t>
+            </a:r>
+          </a:p>
+          <a:p>
+            <a:pPr algn="ctr">
+              <a:buNone/>
+            </a:pPr>
+            <a:endParaRPr lang="fr-FR" sz="2800" b="1" dirty="0" smtClean="0">
+              <a:solidFill>
+                <a:schemeClr val="accent5">
+                  <a:lumMod val="75000"/>
+                </a:schemeClr>
+              </a:solidFill>
+            </a:endParaRPr>
+          </a:p>
+          <a:p>
+            <a:r>
+              <a:rPr lang="fr-FR" sz="2400" dirty="0" smtClean="0">
+                <a:solidFill>
+                  <a:schemeClr val="accent5">
+                    <a:lumMod val="75000"/>
+                  </a:schemeClr>
+                </a:solidFill>
+              </a:rPr>
+              <a:t>Recherche et ajout d’un film</a:t>
+            </a:r>
+          </a:p>
+          <a:p>
+            <a:pPr>
+              <a:buNone/>
+            </a:pPr>
+            <a:endParaRPr lang="fr-FR" sz="2800" b="1" dirty="0" smtClean="0">
+              <a:solidFill>
+                <a:schemeClr val="accent5">
+                  <a:lumMod val="75000"/>
+                </a:schemeClr>
+              </a:solidFill>
+            </a:endParaRPr>
+          </a:p>
+          <a:p>
+            <a:pPr algn="ctr">
+              <a:buNone/>
+            </a:pPr>
+            <a:endParaRPr lang="fr-FR" sz="2400" dirty="0" smtClean="0"/>
+          </a:p>
+          <a:p>
+            <a:pPr algn="ctr">
+              <a:buNone/>
+            </a:pPr>
+            <a:endParaRPr lang="fr-FR" sz="2400" dirty="0" smtClean="0"/>
+          </a:p>
+          <a:p>
+            <a:pPr algn="ctr">
+              <a:buNone/>
+            </a:pPr>
+            <a:endParaRPr lang="fr-FR" sz="2400" dirty="0" smtClean="0"/>
+          </a:p>
+          <a:p>
+            <a:pPr algn="ctr">
+              <a:buNone/>
+            </a:pPr>
+            <a:endParaRPr lang="fr-FR" sz="2400" dirty="0" smtClean="0"/>
+          </a:p>
+          <a:p>
+            <a:pPr algn="ctr">
+              <a:buNone/>
+            </a:pPr>
+            <a:r>
+              <a:rPr lang="fr-FR" sz="1400" i="1" dirty="0" smtClean="0"/>
+              <a:t>Utilisation de la fonction « </a:t>
+            </a:r>
+            <a:r>
+              <a:rPr lang="fr-FR" sz="1400" i="1" dirty="0" err="1" smtClean="0"/>
+              <a:t>exec</a:t>
+            </a:r>
+            <a:r>
+              <a:rPr lang="fr-FR" sz="1400" i="1" dirty="0" smtClean="0"/>
+              <a:t> » qui permet d’exécuter une application Java.</a:t>
+            </a:r>
+            <a:endParaRPr lang="fr-FR" sz="1400" i="1" dirty="0"/>
           </a:p>
         </p:txBody>
       </p:sp>
@@ -10944,1000 +11595,23 @@
           </a:fontRef>
         </p:style>
       </p:cxnSp>
-      <p:sp>
-        <p:nvSpPr>
-          <p:cNvPr id="2065" name="Text Box 17"/>
-          <p:cNvSpPr txBox="1">
-            <a:spLocks noChangeArrowheads="1"/>
-          </p:cNvSpPr>
+      <p:pic>
+        <p:nvPicPr>
+          <p:cNvPr id="11" name="Image 10" descr="Z:\Projet tut\projettuteurexml\screenshots\ajout film.JPG"/>
+          <p:cNvPicPr/>
           <p:nvPr/>
-        </p:nvSpPr>
+        </p:nvPicPr>
+        <p:blipFill>
+          <a:blip r:embed="rId2" cstate="print"/>
+          <a:srcRect/>
+          <a:stretch>
+            <a:fillRect/>
+          </a:stretch>
+        </p:blipFill>
         <p:spPr bwMode="auto">
           <a:xfrm>
-            <a:off x="4427984" y="2780928"/>
-            <a:ext cx="1990725" cy="238125"/>
-          </a:xfrm>
-          <a:prstGeom prst="rect">
-            <a:avLst/>
-          </a:prstGeom>
-          <a:solidFill>
-            <a:srgbClr val="FFFFFF"/>
-          </a:solidFill>
-          <a:ln w="9525">
-            <a:solidFill>
-              <a:srgbClr val="000000"/>
-            </a:solidFill>
-            <a:miter lim="800000"/>
-            <a:headEnd/>
-            <a:tailEnd/>
-          </a:ln>
-        </p:spPr>
-        <p:txBody>
-          <a:bodyPr vert="horz" wrap="square" lIns="91440" tIns="45720" rIns="91440" bIns="45720" numCol="1" anchor="t" anchorCtr="0" compatLnSpc="1">
-            <a:prstTxWarp prst="textNoShape">
-              <a:avLst/>
-            </a:prstTxWarp>
-          </a:bodyPr>
-          <a:lstStyle/>
-          <a:p>
-            <a:pPr marL="0" marR="0" lvl="0" indent="0" algn="ctr" defTabSz="914400" rtl="0" eaLnBrk="1" fontAlgn="base" latinLnBrk="0" hangingPunct="1">
-              <a:lnSpc>
-                <a:spcPct val="100000"/>
-              </a:lnSpc>
-              <a:spcBef>
-                <a:spcPct val="0"/>
-              </a:spcBef>
-              <a:spcAft>
-                <a:spcPct val="0"/>
-              </a:spcAft>
-              <a:buClrTx/>
-              <a:buSzTx/>
-              <a:buFontTx/>
-              <a:buNone/>
-              <a:tabLst/>
-            </a:pPr>
-            <a:r>
-              <a:rPr kumimoji="0" lang="fr-FR" sz="1000" b="0" i="0" u="none" strike="noStrike" cap="none" normalizeH="0" baseline="0" dirty="0" smtClean="0">
-                <a:ln>
-                  <a:noFill/>
-                </a:ln>
-                <a:solidFill>
-                  <a:schemeClr val="tx1"/>
-                </a:solidFill>
-                <a:effectLst/>
-                <a:latin typeface="Calibri" pitchFamily="34" charset="0"/>
-                <a:ea typeface="Calibri" pitchFamily="34" charset="0"/>
-                <a:cs typeface="Times New Roman" pitchFamily="18" charset="0"/>
-              </a:rPr>
-              <a:t>Menu</a:t>
-            </a:r>
-            <a:endParaRPr kumimoji="0" lang="fr-FR" sz="1800" b="0" i="0" u="none" strike="noStrike" cap="none" normalizeH="0" baseline="0" dirty="0" smtClean="0">
-              <a:ln>
-                <a:noFill/>
-              </a:ln>
-              <a:solidFill>
-                <a:schemeClr val="tx1"/>
-              </a:solidFill>
-              <a:effectLst/>
-              <a:latin typeface="Arial" pitchFamily="34" charset="0"/>
-            </a:endParaRPr>
-          </a:p>
-        </p:txBody>
-      </p:sp>
-      <p:sp>
-        <p:nvSpPr>
-          <p:cNvPr id="2064" name="Text Box 16"/>
-          <p:cNvSpPr txBox="1">
-            <a:spLocks noChangeArrowheads="1"/>
-          </p:cNvSpPr>
-          <p:nvPr/>
-        </p:nvSpPr>
-        <p:spPr bwMode="auto">
-          <a:xfrm>
-            <a:off x="2799209" y="3501008"/>
-            <a:ext cx="1495425" cy="1190625"/>
-          </a:xfrm>
-          <a:prstGeom prst="rect">
-            <a:avLst/>
-          </a:prstGeom>
-          <a:solidFill>
-            <a:srgbClr val="FFFFFF"/>
-          </a:solidFill>
-          <a:ln w="9525">
-            <a:solidFill>
-              <a:srgbClr val="000000"/>
-            </a:solidFill>
-            <a:miter lim="800000"/>
-            <a:headEnd/>
-            <a:tailEnd/>
-          </a:ln>
-        </p:spPr>
-        <p:txBody>
-          <a:bodyPr vert="horz" wrap="square" lIns="91440" tIns="45720" rIns="91440" bIns="45720" numCol="1" anchor="t" anchorCtr="0" compatLnSpc="1">
-            <a:prstTxWarp prst="textNoShape">
-              <a:avLst/>
-            </a:prstTxWarp>
-          </a:bodyPr>
-          <a:lstStyle/>
-          <a:p>
-            <a:pPr marL="0" marR="0" lvl="0" indent="0" algn="ctr" defTabSz="914400" rtl="0" eaLnBrk="1" fontAlgn="base" latinLnBrk="0" hangingPunct="1">
-              <a:lnSpc>
-                <a:spcPct val="100000"/>
-              </a:lnSpc>
-              <a:spcBef>
-                <a:spcPct val="0"/>
-              </a:spcBef>
-              <a:spcAft>
-                <a:spcPct val="0"/>
-              </a:spcAft>
-              <a:buClrTx/>
-              <a:buSzTx/>
-              <a:buFontTx/>
-              <a:buNone/>
-              <a:tabLst/>
-            </a:pPr>
-            <a:r>
-              <a:rPr kumimoji="0" lang="fr-FR" sz="1000" b="0" i="0" u="none" strike="noStrike" cap="none" normalizeH="0" baseline="0" smtClean="0">
-                <a:ln>
-                  <a:noFill/>
-                </a:ln>
-                <a:solidFill>
-                  <a:schemeClr val="tx1"/>
-                </a:solidFill>
-                <a:effectLst/>
-                <a:latin typeface="Calibri" pitchFamily="34" charset="0"/>
-                <a:ea typeface="Calibri" pitchFamily="34" charset="0"/>
-                <a:cs typeface="Times New Roman" pitchFamily="18" charset="0"/>
-              </a:rPr>
-              <a:t>Page films (propose un tri par alphabet)</a:t>
-            </a:r>
-            <a:endParaRPr kumimoji="0" lang="fr-FR" sz="1800" b="0" i="0" u="none" strike="noStrike" cap="none" normalizeH="0" baseline="0" smtClean="0">
-              <a:ln>
-                <a:noFill/>
-              </a:ln>
-              <a:solidFill>
-                <a:schemeClr val="tx1"/>
-              </a:solidFill>
-              <a:effectLst/>
-              <a:latin typeface="Arial" pitchFamily="34" charset="0"/>
-            </a:endParaRPr>
-          </a:p>
-        </p:txBody>
-      </p:sp>
-      <p:sp>
-        <p:nvSpPr>
-          <p:cNvPr id="2063" name="Text Box 15"/>
-          <p:cNvSpPr txBox="1">
-            <a:spLocks noChangeArrowheads="1"/>
-          </p:cNvSpPr>
-          <p:nvPr/>
-        </p:nvSpPr>
-        <p:spPr bwMode="auto">
-          <a:xfrm>
-            <a:off x="4427984" y="3501008"/>
-            <a:ext cx="1362075" cy="1190625"/>
-          </a:xfrm>
-          <a:prstGeom prst="rect">
-            <a:avLst/>
-          </a:prstGeom>
-          <a:solidFill>
-            <a:srgbClr val="FFFFFF"/>
-          </a:solidFill>
-          <a:ln w="9525">
-            <a:solidFill>
-              <a:srgbClr val="000000"/>
-            </a:solidFill>
-            <a:miter lim="800000"/>
-            <a:headEnd/>
-            <a:tailEnd/>
-          </a:ln>
-        </p:spPr>
-        <p:txBody>
-          <a:bodyPr vert="horz" wrap="square" lIns="91440" tIns="45720" rIns="91440" bIns="45720" numCol="1" anchor="t" anchorCtr="0" compatLnSpc="1">
-            <a:prstTxWarp prst="textNoShape">
-              <a:avLst/>
-            </a:prstTxWarp>
-          </a:bodyPr>
-          <a:lstStyle/>
-          <a:p>
-            <a:pPr marL="0" marR="0" lvl="0" indent="0" algn="ctr" defTabSz="914400" rtl="0" eaLnBrk="1" fontAlgn="base" latinLnBrk="0" hangingPunct="1">
-              <a:lnSpc>
-                <a:spcPct val="100000"/>
-              </a:lnSpc>
-              <a:spcBef>
-                <a:spcPct val="0"/>
-              </a:spcBef>
-              <a:spcAft>
-                <a:spcPct val="0"/>
-              </a:spcAft>
-              <a:buClrTx/>
-              <a:buSzTx/>
-              <a:buFontTx/>
-              <a:buNone/>
-              <a:tabLst/>
-            </a:pPr>
-            <a:r>
-              <a:rPr kumimoji="0" lang="fr-FR" sz="1000" b="0" i="0" u="none" strike="noStrike" cap="none" normalizeH="0" baseline="0" dirty="0" smtClean="0">
-                <a:ln>
-                  <a:noFill/>
-                </a:ln>
-                <a:solidFill>
-                  <a:schemeClr val="tx1"/>
-                </a:solidFill>
-                <a:effectLst/>
-                <a:latin typeface="Calibri" pitchFamily="34" charset="0"/>
-                <a:ea typeface="Calibri" pitchFamily="34" charset="0"/>
-                <a:cs typeface="Times New Roman" pitchFamily="18" charset="0"/>
-              </a:rPr>
-              <a:t>Page genres (affichage des genres disponibles dans la base de données Oracle)</a:t>
-            </a:r>
-            <a:endParaRPr kumimoji="0" lang="fr-FR" sz="1800" b="0" i="0" u="none" strike="noStrike" cap="none" normalizeH="0" baseline="0" dirty="0" smtClean="0">
-              <a:ln>
-                <a:noFill/>
-              </a:ln>
-              <a:solidFill>
-                <a:schemeClr val="tx1"/>
-              </a:solidFill>
-              <a:effectLst/>
-              <a:latin typeface="Arial" pitchFamily="34" charset="0"/>
-            </a:endParaRPr>
-          </a:p>
-        </p:txBody>
-      </p:sp>
-      <p:sp>
-        <p:nvSpPr>
-          <p:cNvPr id="2062" name="Text Box 14"/>
-          <p:cNvSpPr txBox="1">
-            <a:spLocks noChangeArrowheads="1"/>
-          </p:cNvSpPr>
-          <p:nvPr/>
-        </p:nvSpPr>
-        <p:spPr bwMode="auto">
-          <a:xfrm>
-            <a:off x="5894834" y="3501008"/>
-            <a:ext cx="1295400" cy="1190625"/>
-          </a:xfrm>
-          <a:prstGeom prst="rect">
-            <a:avLst/>
-          </a:prstGeom>
-          <a:solidFill>
-            <a:srgbClr val="FFFFFF"/>
-          </a:solidFill>
-          <a:ln w="9525">
-            <a:solidFill>
-              <a:srgbClr val="000000"/>
-            </a:solidFill>
-            <a:miter lim="800000"/>
-            <a:headEnd/>
-            <a:tailEnd/>
-          </a:ln>
-        </p:spPr>
-        <p:txBody>
-          <a:bodyPr vert="horz" wrap="square" lIns="91440" tIns="45720" rIns="91440" bIns="45720" numCol="1" anchor="t" anchorCtr="0" compatLnSpc="1">
-            <a:prstTxWarp prst="textNoShape">
-              <a:avLst/>
-            </a:prstTxWarp>
-          </a:bodyPr>
-          <a:lstStyle/>
-          <a:p>
-            <a:pPr marL="0" marR="0" lvl="0" indent="0" algn="ctr" defTabSz="914400" rtl="0" eaLnBrk="1" fontAlgn="base" latinLnBrk="0" hangingPunct="1">
-              <a:lnSpc>
-                <a:spcPct val="100000"/>
-              </a:lnSpc>
-              <a:spcBef>
-                <a:spcPct val="0"/>
-              </a:spcBef>
-              <a:spcAft>
-                <a:spcPct val="0"/>
-              </a:spcAft>
-              <a:buClrTx/>
-              <a:buSzTx/>
-              <a:buFontTx/>
-              <a:buNone/>
-              <a:tabLst/>
-            </a:pPr>
-            <a:r>
-              <a:rPr kumimoji="0" lang="fr-FR" sz="1000" b="0" i="0" u="none" strike="noStrike" cap="none" normalizeH="0" baseline="0" smtClean="0">
-                <a:ln>
-                  <a:noFill/>
-                </a:ln>
-                <a:solidFill>
-                  <a:schemeClr val="tx1"/>
-                </a:solidFill>
-                <a:effectLst/>
-                <a:latin typeface="Calibri" pitchFamily="34" charset="0"/>
-                <a:ea typeface="Calibri" pitchFamily="34" charset="0"/>
-                <a:cs typeface="Times New Roman" pitchFamily="18" charset="0"/>
-              </a:rPr>
-              <a:t>Page recherche simple (fonction Ajax qui fait une recherche approximative d’un film par nom)</a:t>
-            </a:r>
-            <a:endParaRPr kumimoji="0" lang="fr-FR" sz="1800" b="0" i="0" u="none" strike="noStrike" cap="none" normalizeH="0" baseline="0" smtClean="0">
-              <a:ln>
-                <a:noFill/>
-              </a:ln>
-              <a:solidFill>
-                <a:schemeClr val="tx1"/>
-              </a:solidFill>
-              <a:effectLst/>
-              <a:latin typeface="Arial" pitchFamily="34" charset="0"/>
-            </a:endParaRPr>
-          </a:p>
-        </p:txBody>
-      </p:sp>
-      <p:sp>
-        <p:nvSpPr>
-          <p:cNvPr id="2061" name="Text Box 13"/>
-          <p:cNvSpPr txBox="1">
-            <a:spLocks noChangeArrowheads="1"/>
-          </p:cNvSpPr>
-          <p:nvPr/>
-        </p:nvSpPr>
-        <p:spPr bwMode="auto">
-          <a:xfrm>
-            <a:off x="7298184" y="3501008"/>
-            <a:ext cx="1358900" cy="1190625"/>
-          </a:xfrm>
-          <a:prstGeom prst="rect">
-            <a:avLst/>
-          </a:prstGeom>
-          <a:solidFill>
-            <a:srgbClr val="FFFFFF"/>
-          </a:solidFill>
-          <a:ln w="9525">
-            <a:solidFill>
-              <a:srgbClr val="000000"/>
-            </a:solidFill>
-            <a:miter lim="800000"/>
-            <a:headEnd/>
-            <a:tailEnd/>
-          </a:ln>
-        </p:spPr>
-        <p:txBody>
-          <a:bodyPr vert="horz" wrap="square" lIns="91440" tIns="45720" rIns="91440" bIns="45720" numCol="1" anchor="t" anchorCtr="0" compatLnSpc="1">
-            <a:prstTxWarp prst="textNoShape">
-              <a:avLst/>
-            </a:prstTxWarp>
-          </a:bodyPr>
-          <a:lstStyle/>
-          <a:p>
-            <a:pPr marL="0" marR="0" lvl="0" indent="0" algn="ctr" defTabSz="914400" rtl="0" eaLnBrk="1" fontAlgn="base" latinLnBrk="0" hangingPunct="1">
-              <a:lnSpc>
-                <a:spcPct val="100000"/>
-              </a:lnSpc>
-              <a:spcBef>
-                <a:spcPct val="0"/>
-              </a:spcBef>
-              <a:spcAft>
-                <a:spcPct val="0"/>
-              </a:spcAft>
-              <a:buClrTx/>
-              <a:buSzTx/>
-              <a:buFontTx/>
-              <a:buNone/>
-              <a:tabLst/>
-            </a:pPr>
-            <a:r>
-              <a:rPr kumimoji="0" lang="fr-FR" sz="1000" b="0" i="0" u="none" strike="noStrike" cap="none" normalizeH="0" baseline="0" smtClean="0">
-                <a:ln>
-                  <a:noFill/>
-                </a:ln>
-                <a:solidFill>
-                  <a:schemeClr val="tx1"/>
-                </a:solidFill>
-                <a:effectLst/>
-                <a:latin typeface="Calibri" pitchFamily="34" charset="0"/>
-                <a:ea typeface="Calibri" pitchFamily="34" charset="0"/>
-                <a:cs typeface="Times New Roman" pitchFamily="18" charset="0"/>
-              </a:rPr>
-              <a:t>Ajouter un film (permet la recherche d’un film grâce à un formulaire via l’application java)</a:t>
-            </a:r>
-            <a:endParaRPr kumimoji="0" lang="fr-FR" sz="1800" b="0" i="0" u="none" strike="noStrike" cap="none" normalizeH="0" baseline="0" smtClean="0">
-              <a:ln>
-                <a:noFill/>
-              </a:ln>
-              <a:solidFill>
-                <a:schemeClr val="tx1"/>
-              </a:solidFill>
-              <a:effectLst/>
-              <a:latin typeface="Arial" pitchFamily="34" charset="0"/>
-            </a:endParaRPr>
-          </a:p>
-        </p:txBody>
-      </p:sp>
-      <p:sp>
-        <p:nvSpPr>
-          <p:cNvPr id="2060" name="AutoShape 12"/>
-          <p:cNvSpPr>
-            <a:spLocks noChangeShapeType="1"/>
-          </p:cNvSpPr>
-          <p:nvPr/>
-        </p:nvSpPr>
-        <p:spPr bwMode="auto">
-          <a:xfrm flipH="1">
-            <a:off x="3542159" y="2970783"/>
-            <a:ext cx="885825" cy="542925"/>
-          </a:xfrm>
-          <a:prstGeom prst="straightConnector1">
-            <a:avLst/>
-          </a:prstGeom>
-          <a:noFill/>
-          <a:ln w="9525">
-            <a:solidFill>
-              <a:srgbClr val="000000"/>
-            </a:solidFill>
-            <a:round/>
-            <a:headEnd/>
-            <a:tailEnd type="triangle" w="med" len="med"/>
-          </a:ln>
-        </p:spPr>
-        <p:txBody>
-          <a:bodyPr vert="horz" wrap="square" lIns="91440" tIns="45720" rIns="91440" bIns="45720" numCol="1" anchor="t" anchorCtr="0" compatLnSpc="1">
-            <a:prstTxWarp prst="textNoShape">
-              <a:avLst/>
-            </a:prstTxWarp>
-          </a:bodyPr>
-          <a:lstStyle/>
-          <a:p>
-            <a:endParaRPr lang="fr-FR"/>
-          </a:p>
-        </p:txBody>
-      </p:sp>
-      <p:sp>
-        <p:nvSpPr>
-          <p:cNvPr id="2059" name="AutoShape 11"/>
-          <p:cNvSpPr>
-            <a:spLocks noChangeShapeType="1"/>
-          </p:cNvSpPr>
-          <p:nvPr/>
-        </p:nvSpPr>
-        <p:spPr bwMode="auto">
-          <a:xfrm flipH="1">
-            <a:off x="5085207" y="3068960"/>
-            <a:ext cx="134864" cy="444748"/>
-          </a:xfrm>
-          <a:prstGeom prst="straightConnector1">
-            <a:avLst/>
-          </a:prstGeom>
-          <a:noFill/>
-          <a:ln w="9525">
-            <a:solidFill>
-              <a:srgbClr val="000000"/>
-            </a:solidFill>
-            <a:round/>
-            <a:headEnd/>
-            <a:tailEnd type="triangle" w="med" len="med"/>
-          </a:ln>
-        </p:spPr>
-        <p:txBody>
-          <a:bodyPr vert="horz" wrap="square" lIns="91440" tIns="45720" rIns="91440" bIns="45720" numCol="1" anchor="t" anchorCtr="0" compatLnSpc="1">
-            <a:prstTxWarp prst="textNoShape">
-              <a:avLst/>
-            </a:prstTxWarp>
-          </a:bodyPr>
-          <a:lstStyle/>
-          <a:p>
-            <a:endParaRPr lang="fr-FR"/>
-          </a:p>
-        </p:txBody>
-      </p:sp>
-      <p:sp>
-        <p:nvSpPr>
-          <p:cNvPr id="2058" name="AutoShape 10"/>
-          <p:cNvSpPr>
-            <a:spLocks noChangeShapeType="1"/>
-          </p:cNvSpPr>
-          <p:nvPr/>
-        </p:nvSpPr>
-        <p:spPr bwMode="auto">
-          <a:xfrm>
-            <a:off x="5724128" y="2996952"/>
-            <a:ext cx="780306" cy="516756"/>
-          </a:xfrm>
-          <a:prstGeom prst="straightConnector1">
-            <a:avLst/>
-          </a:prstGeom>
-          <a:noFill/>
-          <a:ln w="9525">
-            <a:solidFill>
-              <a:srgbClr val="000000"/>
-            </a:solidFill>
-            <a:round/>
-            <a:headEnd/>
-            <a:tailEnd type="triangle" w="med" len="med"/>
-          </a:ln>
-        </p:spPr>
-        <p:txBody>
-          <a:bodyPr vert="horz" wrap="square" lIns="91440" tIns="45720" rIns="91440" bIns="45720" numCol="1" anchor="t" anchorCtr="0" compatLnSpc="1">
-            <a:prstTxWarp prst="textNoShape">
-              <a:avLst/>
-            </a:prstTxWarp>
-          </a:bodyPr>
-          <a:lstStyle/>
-          <a:p>
-            <a:endParaRPr lang="fr-FR"/>
-          </a:p>
-        </p:txBody>
-      </p:sp>
-      <p:sp>
-        <p:nvSpPr>
-          <p:cNvPr id="2057" name="AutoShape 9"/>
-          <p:cNvSpPr>
-            <a:spLocks noChangeShapeType="1"/>
-          </p:cNvSpPr>
-          <p:nvPr/>
-        </p:nvSpPr>
-        <p:spPr bwMode="auto">
-          <a:xfrm>
-            <a:off x="6418709" y="2970783"/>
-            <a:ext cx="1562100" cy="542925"/>
-          </a:xfrm>
-          <a:prstGeom prst="straightConnector1">
-            <a:avLst/>
-          </a:prstGeom>
-          <a:noFill/>
-          <a:ln w="9525">
-            <a:solidFill>
-              <a:srgbClr val="000000"/>
-            </a:solidFill>
-            <a:round/>
-            <a:headEnd/>
-            <a:tailEnd type="triangle" w="med" len="med"/>
-          </a:ln>
-        </p:spPr>
-        <p:txBody>
-          <a:bodyPr vert="horz" wrap="square" lIns="91440" tIns="45720" rIns="91440" bIns="45720" numCol="1" anchor="t" anchorCtr="0" compatLnSpc="1">
-            <a:prstTxWarp prst="textNoShape">
-              <a:avLst/>
-            </a:prstTxWarp>
-          </a:bodyPr>
-          <a:lstStyle/>
-          <a:p>
-            <a:endParaRPr lang="fr-FR"/>
-          </a:p>
-        </p:txBody>
-      </p:sp>
-      <p:sp>
-        <p:nvSpPr>
-          <p:cNvPr id="2056" name="Text Box 8"/>
-          <p:cNvSpPr txBox="1">
-            <a:spLocks noChangeArrowheads="1"/>
-          </p:cNvSpPr>
-          <p:nvPr/>
-        </p:nvSpPr>
-        <p:spPr bwMode="auto">
-          <a:xfrm>
-            <a:off x="3993009" y="5123433"/>
-            <a:ext cx="1990725" cy="762000"/>
-          </a:xfrm>
-          <a:prstGeom prst="rect">
-            <a:avLst/>
-          </a:prstGeom>
-          <a:solidFill>
-            <a:srgbClr val="FFFFFF"/>
-          </a:solidFill>
-          <a:ln w="9525">
-            <a:solidFill>
-              <a:srgbClr val="000000"/>
-            </a:solidFill>
-            <a:miter lim="800000"/>
-            <a:headEnd/>
-            <a:tailEnd/>
-          </a:ln>
-        </p:spPr>
-        <p:txBody>
-          <a:bodyPr vert="horz" wrap="square" lIns="91440" tIns="45720" rIns="91440" bIns="45720" numCol="1" anchor="t" anchorCtr="0" compatLnSpc="1">
-            <a:prstTxWarp prst="textNoShape">
-              <a:avLst/>
-            </a:prstTxWarp>
-          </a:bodyPr>
-          <a:lstStyle/>
-          <a:p>
-            <a:pPr marL="0" marR="0" lvl="0" indent="0" algn="ctr" defTabSz="914400" rtl="0" eaLnBrk="1" fontAlgn="base" latinLnBrk="0" hangingPunct="1">
-              <a:lnSpc>
-                <a:spcPct val="100000"/>
-              </a:lnSpc>
-              <a:spcBef>
-                <a:spcPct val="0"/>
-              </a:spcBef>
-              <a:spcAft>
-                <a:spcPct val="0"/>
-              </a:spcAft>
-              <a:buClrTx/>
-              <a:buSzTx/>
-              <a:buFontTx/>
-              <a:buNone/>
-              <a:tabLst/>
-            </a:pPr>
-            <a:r>
-              <a:rPr kumimoji="0" lang="fr-FR" sz="1000" b="0" i="0" u="none" strike="noStrike" cap="none" normalizeH="0" baseline="0" smtClean="0">
-                <a:ln>
-                  <a:noFill/>
-                </a:ln>
-                <a:solidFill>
-                  <a:schemeClr val="tx1"/>
-                </a:solidFill>
-                <a:effectLst/>
-                <a:latin typeface="Calibri" pitchFamily="34" charset="0"/>
-                <a:ea typeface="Calibri" pitchFamily="34" charset="0"/>
-                <a:cs typeface="Times New Roman" pitchFamily="18" charset="0"/>
-              </a:rPr>
-              <a:t>Page liste film (liste les films disponibles selon les options sélectionnées. C’est un affichage simple)</a:t>
-            </a:r>
-            <a:endParaRPr kumimoji="0" lang="fr-FR" sz="1800" b="0" i="0" u="none" strike="noStrike" cap="none" normalizeH="0" baseline="0" smtClean="0">
-              <a:ln>
-                <a:noFill/>
-              </a:ln>
-              <a:solidFill>
-                <a:schemeClr val="tx1"/>
-              </a:solidFill>
-              <a:effectLst/>
-              <a:latin typeface="Arial" pitchFamily="34" charset="0"/>
-            </a:endParaRPr>
-          </a:p>
-        </p:txBody>
-      </p:sp>
-      <p:sp>
-        <p:nvSpPr>
-          <p:cNvPr id="2055" name="AutoShape 7"/>
-          <p:cNvSpPr>
-            <a:spLocks noChangeShapeType="1"/>
-          </p:cNvSpPr>
-          <p:nvPr/>
-        </p:nvSpPr>
-        <p:spPr bwMode="auto">
-          <a:xfrm>
-            <a:off x="3542159" y="4664645"/>
-            <a:ext cx="1323975" cy="466725"/>
-          </a:xfrm>
-          <a:prstGeom prst="straightConnector1">
-            <a:avLst/>
-          </a:prstGeom>
-          <a:noFill/>
-          <a:ln w="9525">
-            <a:solidFill>
-              <a:srgbClr val="000000"/>
-            </a:solidFill>
-            <a:round/>
-            <a:headEnd/>
-            <a:tailEnd type="triangle" w="med" len="med"/>
-          </a:ln>
-        </p:spPr>
-        <p:txBody>
-          <a:bodyPr vert="horz" wrap="square" lIns="91440" tIns="45720" rIns="91440" bIns="45720" numCol="1" anchor="t" anchorCtr="0" compatLnSpc="1">
-            <a:prstTxWarp prst="textNoShape">
-              <a:avLst/>
-            </a:prstTxWarp>
-          </a:bodyPr>
-          <a:lstStyle/>
-          <a:p>
-            <a:endParaRPr lang="fr-FR"/>
-          </a:p>
-        </p:txBody>
-      </p:sp>
-      <p:sp>
-        <p:nvSpPr>
-          <p:cNvPr id="2054" name="AutoShape 6"/>
-          <p:cNvSpPr>
-            <a:spLocks noChangeShapeType="1"/>
-          </p:cNvSpPr>
-          <p:nvPr/>
-        </p:nvSpPr>
-        <p:spPr bwMode="auto">
-          <a:xfrm flipH="1">
-            <a:off x="5085209" y="4664645"/>
-            <a:ext cx="47625" cy="466725"/>
-          </a:xfrm>
-          <a:prstGeom prst="straightConnector1">
-            <a:avLst/>
-          </a:prstGeom>
-          <a:noFill/>
-          <a:ln w="9525">
-            <a:solidFill>
-              <a:srgbClr val="000000"/>
-            </a:solidFill>
-            <a:round/>
-            <a:headEnd/>
-            <a:tailEnd type="triangle" w="med" len="med"/>
-          </a:ln>
-        </p:spPr>
-        <p:txBody>
-          <a:bodyPr vert="horz" wrap="square" lIns="91440" tIns="45720" rIns="91440" bIns="45720" numCol="1" anchor="t" anchorCtr="0" compatLnSpc="1">
-            <a:prstTxWarp prst="textNoShape">
-              <a:avLst/>
-            </a:prstTxWarp>
-          </a:bodyPr>
-          <a:lstStyle/>
-          <a:p>
-            <a:endParaRPr lang="fr-FR"/>
-          </a:p>
-        </p:txBody>
-      </p:sp>
-      <p:sp>
-        <p:nvSpPr>
-          <p:cNvPr id="2053" name="AutoShape 5"/>
-          <p:cNvSpPr>
-            <a:spLocks noChangeShapeType="1"/>
-          </p:cNvSpPr>
-          <p:nvPr/>
-        </p:nvSpPr>
-        <p:spPr bwMode="auto">
-          <a:xfrm flipH="1">
-            <a:off x="5409059" y="4664645"/>
-            <a:ext cx="1171575" cy="466725"/>
-          </a:xfrm>
-          <a:prstGeom prst="straightConnector1">
-            <a:avLst/>
-          </a:prstGeom>
-          <a:noFill/>
-          <a:ln w="9525">
-            <a:solidFill>
-              <a:srgbClr val="000000"/>
-            </a:solidFill>
-            <a:round/>
-            <a:headEnd/>
-            <a:tailEnd type="triangle" w="med" len="med"/>
-          </a:ln>
-        </p:spPr>
-        <p:txBody>
-          <a:bodyPr vert="horz" wrap="square" lIns="91440" tIns="45720" rIns="91440" bIns="45720" numCol="1" anchor="t" anchorCtr="0" compatLnSpc="1">
-            <a:prstTxWarp prst="textNoShape">
-              <a:avLst/>
-            </a:prstTxWarp>
-          </a:bodyPr>
-          <a:lstStyle/>
-          <a:p>
-            <a:endParaRPr lang="fr-FR"/>
-          </a:p>
-        </p:txBody>
-      </p:sp>
-      <p:sp>
-        <p:nvSpPr>
-          <p:cNvPr id="2052" name="Text Box 4"/>
-          <p:cNvSpPr txBox="1">
-            <a:spLocks noChangeArrowheads="1"/>
-          </p:cNvSpPr>
-          <p:nvPr/>
-        </p:nvSpPr>
-        <p:spPr bwMode="auto">
-          <a:xfrm>
-            <a:off x="3993009" y="6029895"/>
-            <a:ext cx="1990725" cy="238125"/>
-          </a:xfrm>
-          <a:prstGeom prst="rect">
-            <a:avLst/>
-          </a:prstGeom>
-          <a:solidFill>
-            <a:srgbClr val="FFFFFF"/>
-          </a:solidFill>
-          <a:ln w="9525">
-            <a:solidFill>
-              <a:srgbClr val="000000"/>
-            </a:solidFill>
-            <a:miter lim="800000"/>
-            <a:headEnd/>
-            <a:tailEnd/>
-          </a:ln>
-        </p:spPr>
-        <p:txBody>
-          <a:bodyPr vert="horz" wrap="square" lIns="91440" tIns="45720" rIns="91440" bIns="45720" numCol="1" anchor="t" anchorCtr="0" compatLnSpc="1">
-            <a:prstTxWarp prst="textNoShape">
-              <a:avLst/>
-            </a:prstTxWarp>
-          </a:bodyPr>
-          <a:lstStyle/>
-          <a:p>
-            <a:pPr marL="0" marR="0" lvl="0" indent="0" algn="ctr" defTabSz="914400" rtl="0" eaLnBrk="1" fontAlgn="base" latinLnBrk="0" hangingPunct="1">
-              <a:lnSpc>
-                <a:spcPct val="100000"/>
-              </a:lnSpc>
-              <a:spcBef>
-                <a:spcPct val="0"/>
-              </a:spcBef>
-              <a:spcAft>
-                <a:spcPct val="0"/>
-              </a:spcAft>
-              <a:buClrTx/>
-              <a:buSzTx/>
-              <a:buFontTx/>
-              <a:buNone/>
-              <a:tabLst/>
-            </a:pPr>
-            <a:r>
-              <a:rPr kumimoji="0" lang="fr-FR" sz="1000" b="0" i="0" u="none" strike="noStrike" cap="none" normalizeH="0" baseline="0" smtClean="0">
-                <a:ln>
-                  <a:noFill/>
-                </a:ln>
-                <a:solidFill>
-                  <a:schemeClr val="tx1"/>
-                </a:solidFill>
-                <a:effectLst/>
-                <a:latin typeface="Calibri" pitchFamily="34" charset="0"/>
-                <a:ea typeface="Calibri" pitchFamily="34" charset="0"/>
-                <a:cs typeface="Times New Roman" pitchFamily="18" charset="0"/>
-              </a:rPr>
-              <a:t>Affichage détaillé d’un film</a:t>
-            </a:r>
-            <a:endParaRPr kumimoji="0" lang="fr-FR" sz="1800" b="0" i="0" u="none" strike="noStrike" cap="none" normalizeH="0" baseline="0" smtClean="0">
-              <a:ln>
-                <a:noFill/>
-              </a:ln>
-              <a:solidFill>
-                <a:schemeClr val="tx1"/>
-              </a:solidFill>
-              <a:effectLst/>
-              <a:latin typeface="Arial" pitchFamily="34" charset="0"/>
-            </a:endParaRPr>
-          </a:p>
-        </p:txBody>
-      </p:sp>
-      <p:sp>
-        <p:nvSpPr>
-          <p:cNvPr id="2051" name="Text Box 3"/>
-          <p:cNvSpPr txBox="1">
-            <a:spLocks noChangeArrowheads="1"/>
-          </p:cNvSpPr>
-          <p:nvPr/>
-        </p:nvSpPr>
-        <p:spPr bwMode="auto">
-          <a:xfrm>
-            <a:off x="6666359" y="5123433"/>
-            <a:ext cx="1990725" cy="657225"/>
-          </a:xfrm>
-          <a:prstGeom prst="rect">
-            <a:avLst/>
-          </a:prstGeom>
-          <a:solidFill>
-            <a:srgbClr val="FFFFFF"/>
-          </a:solidFill>
-          <a:ln w="9525">
-            <a:solidFill>
-              <a:srgbClr val="000000"/>
-            </a:solidFill>
-            <a:miter lim="800000"/>
-            <a:headEnd/>
-            <a:tailEnd/>
-          </a:ln>
-        </p:spPr>
-        <p:txBody>
-          <a:bodyPr vert="horz" wrap="square" lIns="91440" tIns="45720" rIns="91440" bIns="45720" numCol="1" anchor="t" anchorCtr="0" compatLnSpc="1">
-            <a:prstTxWarp prst="textNoShape">
-              <a:avLst/>
-            </a:prstTxWarp>
-          </a:bodyPr>
-          <a:lstStyle/>
-          <a:p>
-            <a:pPr marL="0" marR="0" lvl="0" indent="0" algn="ctr" defTabSz="914400" rtl="0" eaLnBrk="1" fontAlgn="base" latinLnBrk="0" hangingPunct="1">
-              <a:lnSpc>
-                <a:spcPct val="100000"/>
-              </a:lnSpc>
-              <a:spcBef>
-                <a:spcPct val="0"/>
-              </a:spcBef>
-              <a:spcAft>
-                <a:spcPct val="0"/>
-              </a:spcAft>
-              <a:buClrTx/>
-              <a:buSzTx/>
-              <a:buFontTx/>
-              <a:buNone/>
-              <a:tabLst/>
-            </a:pPr>
-            <a:r>
-              <a:rPr kumimoji="0" lang="fr-FR" sz="1000" b="0" i="0" u="none" strike="noStrike" cap="none" normalizeH="0" baseline="0" smtClean="0">
-                <a:ln>
-                  <a:noFill/>
-                </a:ln>
-                <a:solidFill>
-                  <a:schemeClr val="tx1"/>
-                </a:solidFill>
-                <a:effectLst/>
-                <a:latin typeface="Calibri" pitchFamily="34" charset="0"/>
-                <a:ea typeface="Calibri" pitchFamily="34" charset="0"/>
-                <a:cs typeface="Times New Roman" pitchFamily="18" charset="0"/>
-              </a:rPr>
-              <a:t>Affichage des films disponibles sur les sites. Permet de choisir le bon résultat.</a:t>
-            </a:r>
-            <a:endParaRPr kumimoji="0" lang="fr-FR" sz="1800" b="0" i="0" u="none" strike="noStrike" cap="none" normalizeH="0" baseline="0" smtClean="0">
-              <a:ln>
-                <a:noFill/>
-              </a:ln>
-              <a:solidFill>
-                <a:schemeClr val="tx1"/>
-              </a:solidFill>
-              <a:effectLst/>
-              <a:latin typeface="Arial" pitchFamily="34" charset="0"/>
-            </a:endParaRPr>
-          </a:p>
-        </p:txBody>
-      </p:sp>
-      <p:sp>
-        <p:nvSpPr>
-          <p:cNvPr id="2050" name="AutoShape 2"/>
-          <p:cNvSpPr>
-            <a:spLocks noChangeShapeType="1"/>
-          </p:cNvSpPr>
-          <p:nvPr/>
-        </p:nvSpPr>
-        <p:spPr bwMode="auto">
-          <a:xfrm>
-            <a:off x="4999484" y="5871145"/>
-            <a:ext cx="0" cy="161925"/>
-          </a:xfrm>
-          <a:prstGeom prst="straightConnector1">
-            <a:avLst/>
-          </a:prstGeom>
-          <a:noFill/>
-          <a:ln w="9525">
-            <a:solidFill>
-              <a:srgbClr val="000000"/>
-            </a:solidFill>
-            <a:round/>
-            <a:headEnd/>
-            <a:tailEnd type="triangle" w="med" len="med"/>
-          </a:ln>
-        </p:spPr>
-        <p:txBody>
-          <a:bodyPr vert="horz" wrap="square" lIns="91440" tIns="45720" rIns="91440" bIns="45720" numCol="1" anchor="t" anchorCtr="0" compatLnSpc="1">
-            <a:prstTxWarp prst="textNoShape">
-              <a:avLst/>
-            </a:prstTxWarp>
-          </a:bodyPr>
-          <a:lstStyle/>
-          <a:p>
-            <a:endParaRPr lang="fr-FR"/>
-          </a:p>
-        </p:txBody>
-      </p:sp>
-      <p:sp>
-        <p:nvSpPr>
-          <p:cNvPr id="2049" name="AutoShape 1"/>
-          <p:cNvSpPr>
-            <a:spLocks noChangeShapeType="1"/>
-          </p:cNvSpPr>
-          <p:nvPr/>
-        </p:nvSpPr>
-        <p:spPr bwMode="auto">
-          <a:xfrm>
-            <a:off x="7980809" y="4664645"/>
-            <a:ext cx="0" cy="466725"/>
-          </a:xfrm>
-          <a:prstGeom prst="straightConnector1">
-            <a:avLst/>
-          </a:prstGeom>
-          <a:noFill/>
-          <a:ln w="9525">
-            <a:solidFill>
-              <a:srgbClr val="000000"/>
-            </a:solidFill>
-            <a:round/>
-            <a:headEnd/>
-            <a:tailEnd type="triangle" w="med" len="med"/>
-          </a:ln>
-        </p:spPr>
-        <p:txBody>
-          <a:bodyPr vert="horz" wrap="square" lIns="91440" tIns="45720" rIns="91440" bIns="45720" numCol="1" anchor="t" anchorCtr="0" compatLnSpc="1">
-            <a:prstTxWarp prst="textNoShape">
-              <a:avLst/>
-            </a:prstTxWarp>
-          </a:bodyPr>
-          <a:lstStyle/>
-          <a:p>
-            <a:endParaRPr lang="fr-FR"/>
-          </a:p>
-        </p:txBody>
-      </p:sp>
-      <p:sp>
-        <p:nvSpPr>
-          <p:cNvPr id="2066" name="Rectangle 18"/>
-          <p:cNvSpPr>
-            <a:spLocks noChangeArrowheads="1"/>
-          </p:cNvSpPr>
-          <p:nvPr/>
-        </p:nvSpPr>
-        <p:spPr bwMode="auto">
-          <a:xfrm>
-            <a:off x="0" y="0"/>
-            <a:ext cx="9144000" cy="457200"/>
+            <a:off x="2627784" y="3284984"/>
+            <a:ext cx="6313476" cy="1944216"/>
           </a:xfrm>
           <a:prstGeom prst="rect">
             <a:avLst/>
@@ -11949,205 +11623,8 @@
             <a:headEnd/>
             <a:tailEnd/>
           </a:ln>
-          <a:effectLst/>
-        </p:spPr>
-        <p:txBody>
-          <a:bodyPr vert="horz" wrap="none" lIns="91440" tIns="45720" rIns="91440" bIns="45720" numCol="1" anchor="ctr" anchorCtr="0" compatLnSpc="1">
-            <a:prstTxWarp prst="textNoShape">
-              <a:avLst/>
-            </a:prstTxWarp>
-            <a:spAutoFit/>
-          </a:bodyPr>
-          <a:lstStyle/>
-          <a:p>
-            <a:pPr marL="0" marR="0" lvl="0" indent="0" algn="l" defTabSz="914400" rtl="0" eaLnBrk="1" fontAlgn="base" latinLnBrk="0" hangingPunct="1">
-              <a:lnSpc>
-                <a:spcPct val="100000"/>
-              </a:lnSpc>
-              <a:spcBef>
-                <a:spcPct val="0"/>
-              </a:spcBef>
-              <a:spcAft>
-                <a:spcPct val="0"/>
-              </a:spcAft>
-              <a:buClrTx/>
-              <a:buSzTx/>
-              <a:buFontTx/>
-              <a:buNone/>
-              <a:tabLst/>
-            </a:pPr>
-            <a:endParaRPr kumimoji="0" lang="fr-FR" sz="1800" b="0" i="0" u="none" strike="noStrike" cap="none" normalizeH="0" baseline="0" smtClean="0">
-              <a:ln>
-                <a:noFill/>
-              </a:ln>
-              <a:solidFill>
-                <a:schemeClr val="tx1"/>
-              </a:solidFill>
-              <a:effectLst/>
-              <a:latin typeface="Arial" pitchFamily="34" charset="0"/>
-            </a:endParaRPr>
-          </a:p>
-        </p:txBody>
-      </p:sp>
-      <p:sp>
-        <p:nvSpPr>
-          <p:cNvPr id="2075" name="Rectangle 27"/>
-          <p:cNvSpPr>
-            <a:spLocks noChangeArrowheads="1"/>
-          </p:cNvSpPr>
-          <p:nvPr/>
-        </p:nvSpPr>
-        <p:spPr bwMode="auto">
-          <a:xfrm>
-            <a:off x="0" y="457200"/>
-            <a:ext cx="9144000" cy="457200"/>
-          </a:xfrm>
-          <a:prstGeom prst="rect">
-            <a:avLst/>
-          </a:prstGeom>
-          <a:noFill/>
-          <a:ln w="9525">
-            <a:noFill/>
-            <a:miter lim="800000"/>
-            <a:headEnd/>
-            <a:tailEnd/>
-          </a:ln>
-          <a:effectLst/>
-        </p:spPr>
-        <p:txBody>
-          <a:bodyPr vert="horz" wrap="none" lIns="91440" tIns="45720" rIns="91440" bIns="45720" numCol="1" anchor="ctr" anchorCtr="0" compatLnSpc="1">
-            <a:prstTxWarp prst="textNoShape">
-              <a:avLst/>
-            </a:prstTxWarp>
-            <a:spAutoFit/>
-          </a:bodyPr>
-          <a:lstStyle/>
-          <a:p>
-            <a:pPr marL="0" marR="0" lvl="0" indent="0" algn="l" defTabSz="914400" rtl="0" eaLnBrk="1" fontAlgn="base" latinLnBrk="0" hangingPunct="1">
-              <a:lnSpc>
-                <a:spcPct val="100000"/>
-              </a:lnSpc>
-              <a:spcBef>
-                <a:spcPct val="0"/>
-              </a:spcBef>
-              <a:spcAft>
-                <a:spcPct val="0"/>
-              </a:spcAft>
-              <a:buClrTx/>
-              <a:buSzTx/>
-              <a:buFontTx/>
-              <a:buNone/>
-              <a:tabLst/>
-            </a:pPr>
-            <a:endParaRPr kumimoji="0" lang="fr-FR" sz="1800" b="0" i="0" u="none" strike="noStrike" cap="none" normalizeH="0" baseline="0" smtClean="0">
-              <a:ln>
-                <a:noFill/>
-              </a:ln>
-              <a:solidFill>
-                <a:schemeClr val="tx1"/>
-              </a:solidFill>
-              <a:effectLst/>
-              <a:latin typeface="Arial" pitchFamily="34" charset="0"/>
-            </a:endParaRPr>
-          </a:p>
-        </p:txBody>
-      </p:sp>
-      <p:sp>
-        <p:nvSpPr>
-          <p:cNvPr id="2104" name="Text Box 56"/>
-          <p:cNvSpPr txBox="1">
-            <a:spLocks noChangeArrowheads="1"/>
-          </p:cNvSpPr>
-          <p:nvPr/>
-        </p:nvSpPr>
-        <p:spPr bwMode="auto">
-          <a:xfrm>
-            <a:off x="4427984" y="2276872"/>
-            <a:ext cx="1990725" cy="466725"/>
-          </a:xfrm>
-          <a:prstGeom prst="rect">
-            <a:avLst/>
-          </a:prstGeom>
-          <a:solidFill>
-            <a:srgbClr val="FFFFFF"/>
-          </a:solidFill>
-          <a:ln w="9525">
-            <a:solidFill>
-              <a:srgbClr val="000000"/>
-            </a:solidFill>
-            <a:miter lim="800000"/>
-            <a:headEnd/>
-            <a:tailEnd/>
-          </a:ln>
-        </p:spPr>
-        <p:txBody>
-          <a:bodyPr vert="horz" wrap="square" lIns="91440" tIns="45720" rIns="91440" bIns="45720" numCol="1" anchor="t" anchorCtr="0" compatLnSpc="1">
-            <a:prstTxWarp prst="textNoShape">
-              <a:avLst/>
-            </a:prstTxWarp>
-          </a:bodyPr>
-          <a:lstStyle/>
-          <a:p>
-            <a:pPr marL="0" marR="0" lvl="0" indent="0" algn="ctr" defTabSz="914400" rtl="0" eaLnBrk="1" fontAlgn="base" latinLnBrk="0" hangingPunct="1">
-              <a:lnSpc>
-                <a:spcPct val="100000"/>
-              </a:lnSpc>
-              <a:spcBef>
-                <a:spcPct val="0"/>
-              </a:spcBef>
-              <a:spcAft>
-                <a:spcPts val="1000"/>
-              </a:spcAft>
-              <a:buClrTx/>
-              <a:buSzTx/>
-              <a:buFontTx/>
-              <a:buNone/>
-              <a:tabLst/>
-            </a:pPr>
-            <a:r>
-              <a:rPr kumimoji="0" lang="fr-FR" sz="1000" b="0" i="0" u="none" strike="noStrike" cap="none" normalizeH="0" baseline="0" dirty="0" smtClean="0">
-                <a:ln>
-                  <a:noFill/>
-                </a:ln>
-                <a:solidFill>
-                  <a:schemeClr val="tx1"/>
-                </a:solidFill>
-                <a:effectLst/>
-                <a:latin typeface="Calibri" pitchFamily="34" charset="0"/>
-              </a:rPr>
-              <a:t>Page principale (affiche tous les films par défaut).</a:t>
-            </a:r>
-          </a:p>
-          <a:p>
-            <a:pPr marL="0" marR="0" lvl="0" indent="0" algn="l" defTabSz="914400" rtl="0" eaLnBrk="1" fontAlgn="base" latinLnBrk="0" hangingPunct="1">
-              <a:lnSpc>
-                <a:spcPct val="100000"/>
-              </a:lnSpc>
-              <a:spcBef>
-                <a:spcPct val="0"/>
-              </a:spcBef>
-              <a:spcAft>
-                <a:spcPct val="0"/>
-              </a:spcAft>
-              <a:buClrTx/>
-              <a:buSzTx/>
-              <a:buFontTx/>
-              <a:buNone/>
-              <a:tabLst/>
-            </a:pPr>
-            <a:endParaRPr kumimoji="0" lang="fr-FR" sz="1800" b="0" i="0" u="none" strike="noStrike" cap="none" normalizeH="0" baseline="0" dirty="0" smtClean="0">
-              <a:ln>
-                <a:noFill/>
-              </a:ln>
-              <a:solidFill>
-                <a:schemeClr val="tx1"/>
-              </a:solidFill>
-              <a:effectLst/>
-              <a:latin typeface="Arial" pitchFamily="34" charset="0"/>
-            </a:endParaRPr>
-          </a:p>
-        </p:txBody>
-      </p:sp>
+        </p:spPr>
+      </p:pic>
     </p:spTree>
   </p:cSld>
   <p:clrMapOvr>
@@ -12164,6 +11641,1641 @@
 </file>
 
 <file path=ppt/slides/slide21.xml><?xml version="1.0" encoding="utf-8"?>
+<p:sld xmlns:a="http://schemas.openxmlformats.org/drawingml/2006/main" xmlns:r="http://schemas.openxmlformats.org/officeDocument/2006/relationships" xmlns:p="http://schemas.openxmlformats.org/presentationml/2006/main">
+  <p:cSld>
+    <p:spTree>
+      <p:nvGrpSpPr>
+        <p:cNvPr id="1" name=""/>
+        <p:cNvGrpSpPr/>
+        <p:nvPr/>
+      </p:nvGrpSpPr>
+      <p:grpSpPr>
+        <a:xfrm>
+          <a:off x="0" y="0"/>
+          <a:ext cx="0" cy="0"/>
+          <a:chOff x="0" y="0"/>
+          <a:chExt cx="0" cy="0"/>
+        </a:xfrm>
+      </p:grpSpPr>
+      <p:sp>
+        <p:nvSpPr>
+          <p:cNvPr id="2" name="Titre 1"/>
+          <p:cNvSpPr>
+            <a:spLocks noGrp="1"/>
+          </p:cNvSpPr>
+          <p:nvPr>
+            <p:ph type="title"/>
+          </p:nvPr>
+        </p:nvSpPr>
+        <p:spPr/>
+        <p:txBody>
+          <a:bodyPr>
+            <a:normAutofit/>
+          </a:bodyPr>
+          <a:lstStyle/>
+          <a:p>
+            <a:r>
+              <a:rPr lang="fr-FR" dirty="0" smtClean="0"/>
+              <a:t>Restitution</a:t>
+            </a:r>
+            <a:r>
+              <a:rPr lang="fr-FR" sz="1800" dirty="0" smtClean="0"/>
+              <a:t>(suite)</a:t>
+            </a:r>
+            <a:endParaRPr lang="fr-FR" dirty="0"/>
+          </a:p>
+        </p:txBody>
+      </p:sp>
+      <p:sp>
+        <p:nvSpPr>
+          <p:cNvPr id="3" name="Espace réservé du contenu 2"/>
+          <p:cNvSpPr>
+            <a:spLocks noGrp="1"/>
+          </p:cNvSpPr>
+          <p:nvPr>
+            <p:ph idx="1"/>
+          </p:nvPr>
+        </p:nvSpPr>
+        <p:spPr>
+          <a:xfrm>
+            <a:off x="2411760" y="1700808"/>
+            <a:ext cx="6552728" cy="504056"/>
+          </a:xfrm>
+        </p:spPr>
+        <p:txBody>
+          <a:bodyPr>
+            <a:normAutofit lnSpcReduction="10000"/>
+          </a:bodyPr>
+          <a:lstStyle/>
+          <a:p>
+            <a:pPr algn="ctr">
+              <a:buNone/>
+            </a:pPr>
+            <a:r>
+              <a:rPr lang="fr-FR" sz="2800" b="1" dirty="0" smtClean="0">
+                <a:solidFill>
+                  <a:schemeClr val="accent5">
+                    <a:lumMod val="75000"/>
+                  </a:schemeClr>
+                </a:solidFill>
+              </a:rPr>
+              <a:t>Structure de l’interface</a:t>
+            </a:r>
+            <a:endParaRPr lang="fr-FR" sz="2400" dirty="0"/>
+          </a:p>
+        </p:txBody>
+      </p:sp>
+      <p:sp>
+        <p:nvSpPr>
+          <p:cNvPr id="6" name="Espace réservé du contenu 2"/>
+          <p:cNvSpPr txBox="1">
+            <a:spLocks/>
+          </p:cNvSpPr>
+          <p:nvPr/>
+        </p:nvSpPr>
+        <p:spPr>
+          <a:xfrm>
+            <a:off x="179512" y="1700808"/>
+            <a:ext cx="2088232" cy="4536504"/>
+          </a:xfrm>
+          <a:prstGeom prst="rect">
+            <a:avLst/>
+          </a:prstGeom>
+        </p:spPr>
+        <p:txBody>
+          <a:bodyPr vert="horz">
+            <a:normAutofit/>
+          </a:bodyPr>
+          <a:lstStyle/>
+          <a:p>
+            <a:pPr marL="342900" marR="0" lvl="0" indent="-342900" algn="l" defTabSz="914400" rtl="0" eaLnBrk="1" fontAlgn="auto" latinLnBrk="0" hangingPunct="1">
+              <a:lnSpc>
+                <a:spcPct val="100000"/>
+              </a:lnSpc>
+              <a:spcBef>
+                <a:spcPct val="20000"/>
+              </a:spcBef>
+              <a:spcAft>
+                <a:spcPts val="0"/>
+              </a:spcAft>
+              <a:buClr>
+                <a:schemeClr val="accent1"/>
+              </a:buClr>
+              <a:buSzPct val="70000"/>
+              <a:buFont typeface="Wingdings 2"/>
+              <a:buChar char=""/>
+              <a:tabLst/>
+              <a:defRPr/>
+            </a:pPr>
+            <a:r>
+              <a:rPr kumimoji="0" lang="fr-FR" sz="2400" i="0" u="none" strike="noStrike" kern="1200" cap="none" spc="0" normalizeH="0" baseline="0" noProof="0" dirty="0" smtClean="0">
+                <a:ln>
+                  <a:noFill/>
+                </a:ln>
+                <a:solidFill>
+                  <a:schemeClr val="tx2"/>
+                </a:solidFill>
+                <a:effectLst/>
+                <a:uLnTx/>
+                <a:uFillTx/>
+                <a:latin typeface="+mn-lt"/>
+                <a:ea typeface="+mn-ea"/>
+                <a:cs typeface="+mn-cs"/>
+              </a:rPr>
+              <a:t>Introduction</a:t>
+            </a:r>
+          </a:p>
+          <a:p>
+            <a:pPr marL="342900" marR="0" lvl="0" indent="-342900" algn="l" defTabSz="914400" rtl="0" eaLnBrk="1" fontAlgn="auto" latinLnBrk="0" hangingPunct="1">
+              <a:lnSpc>
+                <a:spcPct val="100000"/>
+              </a:lnSpc>
+              <a:spcBef>
+                <a:spcPct val="20000"/>
+              </a:spcBef>
+              <a:spcAft>
+                <a:spcPts val="0"/>
+              </a:spcAft>
+              <a:buClr>
+                <a:schemeClr val="accent1"/>
+              </a:buClr>
+              <a:buSzPct val="70000"/>
+              <a:buFont typeface="Wingdings 2"/>
+              <a:buChar char=""/>
+              <a:tabLst/>
+              <a:defRPr/>
+            </a:pPr>
+            <a:r>
+              <a:rPr lang="fr-FR" sz="2400" dirty="0" smtClean="0">
+                <a:solidFill>
+                  <a:schemeClr val="tx2"/>
+                </a:solidFill>
+              </a:rPr>
+              <a:t>Extraction</a:t>
+            </a:r>
+          </a:p>
+          <a:p>
+            <a:pPr marL="342900" marR="0" lvl="0" indent="-342900" algn="l" defTabSz="914400" rtl="0" eaLnBrk="1" fontAlgn="auto" latinLnBrk="0" hangingPunct="1">
+              <a:lnSpc>
+                <a:spcPct val="100000"/>
+              </a:lnSpc>
+              <a:spcBef>
+                <a:spcPct val="20000"/>
+              </a:spcBef>
+              <a:spcAft>
+                <a:spcPts val="0"/>
+              </a:spcAft>
+              <a:buClr>
+                <a:schemeClr val="accent1"/>
+              </a:buClr>
+              <a:buSzPct val="70000"/>
+              <a:buFont typeface="Wingdings 2"/>
+              <a:buChar char=""/>
+              <a:tabLst/>
+              <a:defRPr/>
+            </a:pPr>
+            <a:r>
+              <a:rPr kumimoji="0" lang="fr-FR" sz="2400" b="0" i="0" u="none" strike="noStrike" kern="1200" cap="none" spc="0" normalizeH="0" baseline="0" noProof="0" dirty="0" smtClean="0">
+                <a:ln>
+                  <a:noFill/>
+                </a:ln>
+                <a:solidFill>
+                  <a:schemeClr val="tx2"/>
+                </a:solidFill>
+                <a:effectLst/>
+                <a:uLnTx/>
+                <a:uFillTx/>
+                <a:latin typeface="+mn-lt"/>
+                <a:ea typeface="+mn-ea"/>
+                <a:cs typeface="+mn-cs"/>
+              </a:rPr>
+              <a:t>Stockage</a:t>
+            </a:r>
+          </a:p>
+          <a:p>
+            <a:pPr marL="342900" marR="0" lvl="0" indent="-342900" algn="l" defTabSz="914400" rtl="0" eaLnBrk="1" fontAlgn="auto" latinLnBrk="0" hangingPunct="1">
+              <a:lnSpc>
+                <a:spcPct val="100000"/>
+              </a:lnSpc>
+              <a:spcBef>
+                <a:spcPct val="20000"/>
+              </a:spcBef>
+              <a:spcAft>
+                <a:spcPts val="0"/>
+              </a:spcAft>
+              <a:buClr>
+                <a:schemeClr val="accent1"/>
+              </a:buClr>
+              <a:buSzPct val="70000"/>
+              <a:buFont typeface="Wingdings 2"/>
+              <a:buChar char=""/>
+              <a:tabLst/>
+              <a:defRPr/>
+            </a:pPr>
+            <a:r>
+              <a:rPr lang="fr-FR" sz="2400" b="1" dirty="0" smtClean="0">
+                <a:solidFill>
+                  <a:schemeClr val="tx2"/>
+                </a:solidFill>
+              </a:rPr>
+              <a:t>Restitution</a:t>
+            </a:r>
+            <a:endParaRPr kumimoji="0" lang="fr-FR" sz="2400" b="1" i="0" u="none" strike="noStrike" kern="1200" cap="none" spc="0" normalizeH="0" baseline="0" noProof="0" dirty="0" smtClean="0">
+              <a:ln>
+                <a:noFill/>
+              </a:ln>
+              <a:solidFill>
+                <a:schemeClr val="tx2"/>
+              </a:solidFill>
+              <a:effectLst/>
+              <a:uLnTx/>
+              <a:uFillTx/>
+              <a:latin typeface="+mn-lt"/>
+              <a:ea typeface="+mn-ea"/>
+              <a:cs typeface="+mn-cs"/>
+            </a:endParaRPr>
+          </a:p>
+          <a:p>
+            <a:pPr marL="342900" marR="0" lvl="0" indent="-342900" algn="l" defTabSz="914400" rtl="0" eaLnBrk="1" fontAlgn="auto" latinLnBrk="0" hangingPunct="1">
+              <a:lnSpc>
+                <a:spcPct val="100000"/>
+              </a:lnSpc>
+              <a:spcBef>
+                <a:spcPct val="20000"/>
+              </a:spcBef>
+              <a:spcAft>
+                <a:spcPts val="0"/>
+              </a:spcAft>
+              <a:buClr>
+                <a:schemeClr val="accent1"/>
+              </a:buClr>
+              <a:buSzPct val="70000"/>
+              <a:buFont typeface="Wingdings 2"/>
+              <a:buChar char=""/>
+              <a:tabLst/>
+              <a:defRPr/>
+            </a:pPr>
+            <a:r>
+              <a:rPr lang="fr-FR" sz="2400" dirty="0" smtClean="0">
+                <a:solidFill>
+                  <a:schemeClr val="tx2"/>
+                </a:solidFill>
+              </a:rPr>
+              <a:t>Conclusion</a:t>
+            </a:r>
+            <a:endParaRPr kumimoji="0" lang="fr-FR" sz="2400" b="0" i="0" u="none" strike="noStrike" kern="1200" cap="none" spc="0" normalizeH="0" baseline="0" noProof="0" dirty="0">
+              <a:ln>
+                <a:noFill/>
+              </a:ln>
+              <a:solidFill>
+                <a:schemeClr val="tx2"/>
+              </a:solidFill>
+              <a:effectLst/>
+              <a:uLnTx/>
+              <a:uFillTx/>
+              <a:latin typeface="+mn-lt"/>
+              <a:ea typeface="+mn-ea"/>
+              <a:cs typeface="+mn-cs"/>
+            </a:endParaRPr>
+          </a:p>
+        </p:txBody>
+      </p:sp>
+      <p:sp>
+        <p:nvSpPr>
+          <p:cNvPr id="7" name="ZoneTexte 6"/>
+          <p:cNvSpPr txBox="1"/>
+          <p:nvPr/>
+        </p:nvSpPr>
+        <p:spPr>
+          <a:xfrm>
+            <a:off x="0" y="6581001"/>
+            <a:ext cx="2708919" cy="276999"/>
+          </a:xfrm>
+          <a:prstGeom prst="rect">
+            <a:avLst/>
+          </a:prstGeom>
+          <a:noFill/>
+          <a:scene3d>
+            <a:camera prst="orthographicFront">
+              <a:rot lat="0" lon="0" rev="5400000"/>
+            </a:camera>
+            <a:lightRig rig="threePt" dir="t"/>
+          </a:scene3d>
+        </p:spPr>
+        <p:txBody>
+          <a:bodyPr wrap="square" rtlCol="0">
+            <a:spAutoFit/>
+            <a:scene3d>
+              <a:camera prst="orthographicFront">
+                <a:rot lat="0" lon="0" rev="0"/>
+              </a:camera>
+              <a:lightRig rig="threePt" dir="t"/>
+            </a:scene3d>
+            <a:flatTx/>
+          </a:bodyPr>
+          <a:lstStyle/>
+          <a:p>
+            <a:r>
+              <a:rPr lang="fr-FR" sz="1200" dirty="0" smtClean="0"/>
+              <a:t>Soutenance projet LPD2I 2010/2011</a:t>
+            </a:r>
+            <a:endParaRPr lang="fr-FR" sz="1200" dirty="0"/>
+          </a:p>
+        </p:txBody>
+      </p:sp>
+      <p:sp>
+        <p:nvSpPr>
+          <p:cNvPr id="9" name="ZoneTexte 8"/>
+          <p:cNvSpPr txBox="1"/>
+          <p:nvPr/>
+        </p:nvSpPr>
+        <p:spPr>
+          <a:xfrm>
+            <a:off x="5508104" y="6581001"/>
+            <a:ext cx="3635896" cy="276999"/>
+          </a:xfrm>
+          <a:prstGeom prst="rect">
+            <a:avLst/>
+          </a:prstGeom>
+          <a:noFill/>
+          <a:scene3d>
+            <a:camera prst="orthographicFront">
+              <a:rot lat="0" lon="0" rev="5400000"/>
+            </a:camera>
+            <a:lightRig rig="threePt" dir="t"/>
+          </a:scene3d>
+        </p:spPr>
+        <p:txBody>
+          <a:bodyPr wrap="square" rtlCol="0">
+            <a:spAutoFit/>
+            <a:scene3d>
+              <a:camera prst="orthographicFront">
+                <a:rot lat="0" lon="0" rev="0"/>
+              </a:camera>
+              <a:lightRig rig="threePt" dir="t"/>
+            </a:scene3d>
+            <a:flatTx/>
+          </a:bodyPr>
+          <a:lstStyle/>
+          <a:p>
+            <a:r>
+              <a:rPr lang="fr-FR" sz="1200" dirty="0" smtClean="0"/>
+              <a:t>Leonhard Hermle – Julien Cellier – Xavier Mourgues</a:t>
+            </a:r>
+            <a:endParaRPr lang="fr-FR" sz="1200" dirty="0"/>
+          </a:p>
+        </p:txBody>
+      </p:sp>
+      <p:cxnSp>
+        <p:nvCxnSpPr>
+          <p:cNvPr id="12" name="Connecteur droit 11"/>
+          <p:cNvCxnSpPr/>
+          <p:nvPr/>
+        </p:nvCxnSpPr>
+        <p:spPr>
+          <a:xfrm rot="5400000">
+            <a:off x="107504" y="4077072"/>
+            <a:ext cx="4464496" cy="0"/>
+          </a:xfrm>
+          <a:prstGeom prst="line">
+            <a:avLst/>
+          </a:prstGeom>
+        </p:spPr>
+        <p:style>
+          <a:lnRef idx="1">
+            <a:schemeClr val="accent1"/>
+          </a:lnRef>
+          <a:fillRef idx="0">
+            <a:schemeClr val="accent1"/>
+          </a:fillRef>
+          <a:effectRef idx="0">
+            <a:schemeClr val="accent1"/>
+          </a:effectRef>
+          <a:fontRef idx="minor">
+            <a:schemeClr val="tx1"/>
+          </a:fontRef>
+        </p:style>
+      </p:cxnSp>
+      <p:sp>
+        <p:nvSpPr>
+          <p:cNvPr id="2065" name="Text Box 17"/>
+          <p:cNvSpPr txBox="1">
+            <a:spLocks noChangeArrowheads="1"/>
+          </p:cNvSpPr>
+          <p:nvPr/>
+        </p:nvSpPr>
+        <p:spPr bwMode="auto">
+          <a:xfrm>
+            <a:off x="4427984" y="2780928"/>
+            <a:ext cx="1990725" cy="238125"/>
+          </a:xfrm>
+          <a:prstGeom prst="rect">
+            <a:avLst/>
+          </a:prstGeom>
+          <a:solidFill>
+            <a:srgbClr val="FFFFFF"/>
+          </a:solidFill>
+          <a:ln w="9525">
+            <a:solidFill>
+              <a:srgbClr val="000000"/>
+            </a:solidFill>
+            <a:miter lim="800000"/>
+            <a:headEnd/>
+            <a:tailEnd/>
+          </a:ln>
+        </p:spPr>
+        <p:txBody>
+          <a:bodyPr vert="horz" wrap="square" lIns="91440" tIns="45720" rIns="91440" bIns="45720" numCol="1" anchor="t" anchorCtr="0" compatLnSpc="1">
+            <a:prstTxWarp prst="textNoShape">
+              <a:avLst/>
+            </a:prstTxWarp>
+          </a:bodyPr>
+          <a:lstStyle/>
+          <a:p>
+            <a:pPr marL="0" marR="0" lvl="0" indent="0" algn="ctr" defTabSz="914400" rtl="0" eaLnBrk="1" fontAlgn="base" latinLnBrk="0" hangingPunct="1">
+              <a:lnSpc>
+                <a:spcPct val="100000"/>
+              </a:lnSpc>
+              <a:spcBef>
+                <a:spcPct val="0"/>
+              </a:spcBef>
+              <a:spcAft>
+                <a:spcPct val="0"/>
+              </a:spcAft>
+              <a:buClrTx/>
+              <a:buSzTx/>
+              <a:buFontTx/>
+              <a:buNone/>
+              <a:tabLst/>
+            </a:pPr>
+            <a:r>
+              <a:rPr kumimoji="0" lang="fr-FR" sz="1000" b="0" i="0" u="none" strike="noStrike" cap="none" normalizeH="0" baseline="0" dirty="0" smtClean="0">
+                <a:ln>
+                  <a:noFill/>
+                </a:ln>
+                <a:solidFill>
+                  <a:schemeClr val="tx1"/>
+                </a:solidFill>
+                <a:effectLst/>
+                <a:latin typeface="Calibri" pitchFamily="34" charset="0"/>
+                <a:ea typeface="Calibri" pitchFamily="34" charset="0"/>
+                <a:cs typeface="Times New Roman" pitchFamily="18" charset="0"/>
+              </a:rPr>
+              <a:t>Menu</a:t>
+            </a:r>
+            <a:endParaRPr kumimoji="0" lang="fr-FR" sz="1800" b="0" i="0" u="none" strike="noStrike" cap="none" normalizeH="0" baseline="0" dirty="0" smtClean="0">
+              <a:ln>
+                <a:noFill/>
+              </a:ln>
+              <a:solidFill>
+                <a:schemeClr val="tx1"/>
+              </a:solidFill>
+              <a:effectLst/>
+              <a:latin typeface="Arial" pitchFamily="34" charset="0"/>
+            </a:endParaRPr>
+          </a:p>
+        </p:txBody>
+      </p:sp>
+      <p:sp>
+        <p:nvSpPr>
+          <p:cNvPr id="2064" name="Text Box 16"/>
+          <p:cNvSpPr txBox="1">
+            <a:spLocks noChangeArrowheads="1"/>
+          </p:cNvSpPr>
+          <p:nvPr/>
+        </p:nvSpPr>
+        <p:spPr bwMode="auto">
+          <a:xfrm>
+            <a:off x="2799209" y="3501008"/>
+            <a:ext cx="1495425" cy="1190625"/>
+          </a:xfrm>
+          <a:prstGeom prst="rect">
+            <a:avLst/>
+          </a:prstGeom>
+          <a:solidFill>
+            <a:srgbClr val="FFFFFF"/>
+          </a:solidFill>
+          <a:ln w="9525">
+            <a:solidFill>
+              <a:srgbClr val="000000"/>
+            </a:solidFill>
+            <a:miter lim="800000"/>
+            <a:headEnd/>
+            <a:tailEnd/>
+          </a:ln>
+        </p:spPr>
+        <p:txBody>
+          <a:bodyPr vert="horz" wrap="square" lIns="91440" tIns="45720" rIns="91440" bIns="45720" numCol="1" anchor="t" anchorCtr="0" compatLnSpc="1">
+            <a:prstTxWarp prst="textNoShape">
+              <a:avLst/>
+            </a:prstTxWarp>
+          </a:bodyPr>
+          <a:lstStyle/>
+          <a:p>
+            <a:pPr marL="0" marR="0" lvl="0" indent="0" algn="ctr" defTabSz="914400" rtl="0" eaLnBrk="1" fontAlgn="base" latinLnBrk="0" hangingPunct="1">
+              <a:lnSpc>
+                <a:spcPct val="100000"/>
+              </a:lnSpc>
+              <a:spcBef>
+                <a:spcPct val="0"/>
+              </a:spcBef>
+              <a:spcAft>
+                <a:spcPct val="0"/>
+              </a:spcAft>
+              <a:buClrTx/>
+              <a:buSzTx/>
+              <a:buFontTx/>
+              <a:buNone/>
+              <a:tabLst/>
+            </a:pPr>
+            <a:r>
+              <a:rPr kumimoji="0" lang="fr-FR" sz="1000" b="0" i="0" u="none" strike="noStrike" cap="none" normalizeH="0" baseline="0" smtClean="0">
+                <a:ln>
+                  <a:noFill/>
+                </a:ln>
+                <a:solidFill>
+                  <a:schemeClr val="tx1"/>
+                </a:solidFill>
+                <a:effectLst/>
+                <a:latin typeface="Calibri" pitchFamily="34" charset="0"/>
+                <a:ea typeface="Calibri" pitchFamily="34" charset="0"/>
+                <a:cs typeface="Times New Roman" pitchFamily="18" charset="0"/>
+              </a:rPr>
+              <a:t>Page films (propose un tri par alphabet)</a:t>
+            </a:r>
+            <a:endParaRPr kumimoji="0" lang="fr-FR" sz="1800" b="0" i="0" u="none" strike="noStrike" cap="none" normalizeH="0" baseline="0" smtClean="0">
+              <a:ln>
+                <a:noFill/>
+              </a:ln>
+              <a:solidFill>
+                <a:schemeClr val="tx1"/>
+              </a:solidFill>
+              <a:effectLst/>
+              <a:latin typeface="Arial" pitchFamily="34" charset="0"/>
+            </a:endParaRPr>
+          </a:p>
+        </p:txBody>
+      </p:sp>
+      <p:sp>
+        <p:nvSpPr>
+          <p:cNvPr id="2063" name="Text Box 15"/>
+          <p:cNvSpPr txBox="1">
+            <a:spLocks noChangeArrowheads="1"/>
+          </p:cNvSpPr>
+          <p:nvPr/>
+        </p:nvSpPr>
+        <p:spPr bwMode="auto">
+          <a:xfrm>
+            <a:off x="4427984" y="3501008"/>
+            <a:ext cx="1362075" cy="1190625"/>
+          </a:xfrm>
+          <a:prstGeom prst="rect">
+            <a:avLst/>
+          </a:prstGeom>
+          <a:solidFill>
+            <a:srgbClr val="FFFFFF"/>
+          </a:solidFill>
+          <a:ln w="9525">
+            <a:solidFill>
+              <a:srgbClr val="000000"/>
+            </a:solidFill>
+            <a:miter lim="800000"/>
+            <a:headEnd/>
+            <a:tailEnd/>
+          </a:ln>
+        </p:spPr>
+        <p:txBody>
+          <a:bodyPr vert="horz" wrap="square" lIns="91440" tIns="45720" rIns="91440" bIns="45720" numCol="1" anchor="t" anchorCtr="0" compatLnSpc="1">
+            <a:prstTxWarp prst="textNoShape">
+              <a:avLst/>
+            </a:prstTxWarp>
+          </a:bodyPr>
+          <a:lstStyle/>
+          <a:p>
+            <a:pPr marL="0" marR="0" lvl="0" indent="0" algn="ctr" defTabSz="914400" rtl="0" eaLnBrk="1" fontAlgn="base" latinLnBrk="0" hangingPunct="1">
+              <a:lnSpc>
+                <a:spcPct val="100000"/>
+              </a:lnSpc>
+              <a:spcBef>
+                <a:spcPct val="0"/>
+              </a:spcBef>
+              <a:spcAft>
+                <a:spcPct val="0"/>
+              </a:spcAft>
+              <a:buClrTx/>
+              <a:buSzTx/>
+              <a:buFontTx/>
+              <a:buNone/>
+              <a:tabLst/>
+            </a:pPr>
+            <a:r>
+              <a:rPr kumimoji="0" lang="fr-FR" sz="1000" b="0" i="0" u="none" strike="noStrike" cap="none" normalizeH="0" baseline="0" dirty="0" smtClean="0">
+                <a:ln>
+                  <a:noFill/>
+                </a:ln>
+                <a:solidFill>
+                  <a:schemeClr val="tx1"/>
+                </a:solidFill>
+                <a:effectLst/>
+                <a:latin typeface="Calibri" pitchFamily="34" charset="0"/>
+                <a:ea typeface="Calibri" pitchFamily="34" charset="0"/>
+                <a:cs typeface="Times New Roman" pitchFamily="18" charset="0"/>
+              </a:rPr>
+              <a:t>Page genres (affichage des genres disponibles dans la base de données Oracle)</a:t>
+            </a:r>
+            <a:endParaRPr kumimoji="0" lang="fr-FR" sz="1800" b="0" i="0" u="none" strike="noStrike" cap="none" normalizeH="0" baseline="0" dirty="0" smtClean="0">
+              <a:ln>
+                <a:noFill/>
+              </a:ln>
+              <a:solidFill>
+                <a:schemeClr val="tx1"/>
+              </a:solidFill>
+              <a:effectLst/>
+              <a:latin typeface="Arial" pitchFamily="34" charset="0"/>
+            </a:endParaRPr>
+          </a:p>
+        </p:txBody>
+      </p:sp>
+      <p:sp>
+        <p:nvSpPr>
+          <p:cNvPr id="2062" name="Text Box 14"/>
+          <p:cNvSpPr txBox="1">
+            <a:spLocks noChangeArrowheads="1"/>
+          </p:cNvSpPr>
+          <p:nvPr/>
+        </p:nvSpPr>
+        <p:spPr bwMode="auto">
+          <a:xfrm>
+            <a:off x="5894834" y="3501008"/>
+            <a:ext cx="1295400" cy="1190625"/>
+          </a:xfrm>
+          <a:prstGeom prst="rect">
+            <a:avLst/>
+          </a:prstGeom>
+          <a:solidFill>
+            <a:srgbClr val="FFFFFF"/>
+          </a:solidFill>
+          <a:ln w="9525">
+            <a:solidFill>
+              <a:srgbClr val="000000"/>
+            </a:solidFill>
+            <a:miter lim="800000"/>
+            <a:headEnd/>
+            <a:tailEnd/>
+          </a:ln>
+        </p:spPr>
+        <p:txBody>
+          <a:bodyPr vert="horz" wrap="square" lIns="91440" tIns="45720" rIns="91440" bIns="45720" numCol="1" anchor="t" anchorCtr="0" compatLnSpc="1">
+            <a:prstTxWarp prst="textNoShape">
+              <a:avLst/>
+            </a:prstTxWarp>
+          </a:bodyPr>
+          <a:lstStyle/>
+          <a:p>
+            <a:pPr marL="0" marR="0" lvl="0" indent="0" algn="ctr" defTabSz="914400" rtl="0" eaLnBrk="1" fontAlgn="base" latinLnBrk="0" hangingPunct="1">
+              <a:lnSpc>
+                <a:spcPct val="100000"/>
+              </a:lnSpc>
+              <a:spcBef>
+                <a:spcPct val="0"/>
+              </a:spcBef>
+              <a:spcAft>
+                <a:spcPct val="0"/>
+              </a:spcAft>
+              <a:buClrTx/>
+              <a:buSzTx/>
+              <a:buFontTx/>
+              <a:buNone/>
+              <a:tabLst/>
+            </a:pPr>
+            <a:r>
+              <a:rPr kumimoji="0" lang="fr-FR" sz="1000" b="0" i="0" u="none" strike="noStrike" cap="none" normalizeH="0" baseline="0" smtClean="0">
+                <a:ln>
+                  <a:noFill/>
+                </a:ln>
+                <a:solidFill>
+                  <a:schemeClr val="tx1"/>
+                </a:solidFill>
+                <a:effectLst/>
+                <a:latin typeface="Calibri" pitchFamily="34" charset="0"/>
+                <a:ea typeface="Calibri" pitchFamily="34" charset="0"/>
+                <a:cs typeface="Times New Roman" pitchFamily="18" charset="0"/>
+              </a:rPr>
+              <a:t>Page recherche simple (fonction Ajax qui fait une recherche approximative d’un film par nom)</a:t>
+            </a:r>
+            <a:endParaRPr kumimoji="0" lang="fr-FR" sz="1800" b="0" i="0" u="none" strike="noStrike" cap="none" normalizeH="0" baseline="0" smtClean="0">
+              <a:ln>
+                <a:noFill/>
+              </a:ln>
+              <a:solidFill>
+                <a:schemeClr val="tx1"/>
+              </a:solidFill>
+              <a:effectLst/>
+              <a:latin typeface="Arial" pitchFamily="34" charset="0"/>
+            </a:endParaRPr>
+          </a:p>
+        </p:txBody>
+      </p:sp>
+      <p:sp>
+        <p:nvSpPr>
+          <p:cNvPr id="2061" name="Text Box 13"/>
+          <p:cNvSpPr txBox="1">
+            <a:spLocks noChangeArrowheads="1"/>
+          </p:cNvSpPr>
+          <p:nvPr/>
+        </p:nvSpPr>
+        <p:spPr bwMode="auto">
+          <a:xfrm>
+            <a:off x="7298184" y="3501008"/>
+            <a:ext cx="1358900" cy="1190625"/>
+          </a:xfrm>
+          <a:prstGeom prst="rect">
+            <a:avLst/>
+          </a:prstGeom>
+          <a:solidFill>
+            <a:srgbClr val="FFFFFF"/>
+          </a:solidFill>
+          <a:ln w="9525">
+            <a:solidFill>
+              <a:srgbClr val="000000"/>
+            </a:solidFill>
+            <a:miter lim="800000"/>
+            <a:headEnd/>
+            <a:tailEnd/>
+          </a:ln>
+        </p:spPr>
+        <p:txBody>
+          <a:bodyPr vert="horz" wrap="square" lIns="91440" tIns="45720" rIns="91440" bIns="45720" numCol="1" anchor="t" anchorCtr="0" compatLnSpc="1">
+            <a:prstTxWarp prst="textNoShape">
+              <a:avLst/>
+            </a:prstTxWarp>
+          </a:bodyPr>
+          <a:lstStyle/>
+          <a:p>
+            <a:pPr marL="0" marR="0" lvl="0" indent="0" algn="ctr" defTabSz="914400" rtl="0" eaLnBrk="1" fontAlgn="base" latinLnBrk="0" hangingPunct="1">
+              <a:lnSpc>
+                <a:spcPct val="100000"/>
+              </a:lnSpc>
+              <a:spcBef>
+                <a:spcPct val="0"/>
+              </a:spcBef>
+              <a:spcAft>
+                <a:spcPct val="0"/>
+              </a:spcAft>
+              <a:buClrTx/>
+              <a:buSzTx/>
+              <a:buFontTx/>
+              <a:buNone/>
+              <a:tabLst/>
+            </a:pPr>
+            <a:r>
+              <a:rPr kumimoji="0" lang="fr-FR" sz="1000" b="0" i="0" u="none" strike="noStrike" cap="none" normalizeH="0" baseline="0" smtClean="0">
+                <a:ln>
+                  <a:noFill/>
+                </a:ln>
+                <a:solidFill>
+                  <a:schemeClr val="tx1"/>
+                </a:solidFill>
+                <a:effectLst/>
+                <a:latin typeface="Calibri" pitchFamily="34" charset="0"/>
+                <a:ea typeface="Calibri" pitchFamily="34" charset="0"/>
+                <a:cs typeface="Times New Roman" pitchFamily="18" charset="0"/>
+              </a:rPr>
+              <a:t>Ajouter un film (permet la recherche d’un film grâce à un formulaire via l’application java)</a:t>
+            </a:r>
+            <a:endParaRPr kumimoji="0" lang="fr-FR" sz="1800" b="0" i="0" u="none" strike="noStrike" cap="none" normalizeH="0" baseline="0" smtClean="0">
+              <a:ln>
+                <a:noFill/>
+              </a:ln>
+              <a:solidFill>
+                <a:schemeClr val="tx1"/>
+              </a:solidFill>
+              <a:effectLst/>
+              <a:latin typeface="Arial" pitchFamily="34" charset="0"/>
+            </a:endParaRPr>
+          </a:p>
+        </p:txBody>
+      </p:sp>
+      <p:sp>
+        <p:nvSpPr>
+          <p:cNvPr id="2060" name="AutoShape 12"/>
+          <p:cNvSpPr>
+            <a:spLocks noChangeShapeType="1"/>
+          </p:cNvSpPr>
+          <p:nvPr/>
+        </p:nvSpPr>
+        <p:spPr bwMode="auto">
+          <a:xfrm flipH="1">
+            <a:off x="3542159" y="2970783"/>
+            <a:ext cx="885825" cy="542925"/>
+          </a:xfrm>
+          <a:prstGeom prst="straightConnector1">
+            <a:avLst/>
+          </a:prstGeom>
+          <a:noFill/>
+          <a:ln w="9525">
+            <a:solidFill>
+              <a:srgbClr val="000000"/>
+            </a:solidFill>
+            <a:round/>
+            <a:headEnd/>
+            <a:tailEnd type="triangle" w="med" len="med"/>
+          </a:ln>
+        </p:spPr>
+        <p:txBody>
+          <a:bodyPr vert="horz" wrap="square" lIns="91440" tIns="45720" rIns="91440" bIns="45720" numCol="1" anchor="t" anchorCtr="0" compatLnSpc="1">
+            <a:prstTxWarp prst="textNoShape">
+              <a:avLst/>
+            </a:prstTxWarp>
+          </a:bodyPr>
+          <a:lstStyle/>
+          <a:p>
+            <a:endParaRPr lang="fr-FR"/>
+          </a:p>
+        </p:txBody>
+      </p:sp>
+      <p:sp>
+        <p:nvSpPr>
+          <p:cNvPr id="2059" name="AutoShape 11"/>
+          <p:cNvSpPr>
+            <a:spLocks noChangeShapeType="1"/>
+          </p:cNvSpPr>
+          <p:nvPr/>
+        </p:nvSpPr>
+        <p:spPr bwMode="auto">
+          <a:xfrm flipH="1">
+            <a:off x="5085207" y="3068960"/>
+            <a:ext cx="134864" cy="444748"/>
+          </a:xfrm>
+          <a:prstGeom prst="straightConnector1">
+            <a:avLst/>
+          </a:prstGeom>
+          <a:noFill/>
+          <a:ln w="9525">
+            <a:solidFill>
+              <a:srgbClr val="000000"/>
+            </a:solidFill>
+            <a:round/>
+            <a:headEnd/>
+            <a:tailEnd type="triangle" w="med" len="med"/>
+          </a:ln>
+        </p:spPr>
+        <p:txBody>
+          <a:bodyPr vert="horz" wrap="square" lIns="91440" tIns="45720" rIns="91440" bIns="45720" numCol="1" anchor="t" anchorCtr="0" compatLnSpc="1">
+            <a:prstTxWarp prst="textNoShape">
+              <a:avLst/>
+            </a:prstTxWarp>
+          </a:bodyPr>
+          <a:lstStyle/>
+          <a:p>
+            <a:endParaRPr lang="fr-FR"/>
+          </a:p>
+        </p:txBody>
+      </p:sp>
+      <p:sp>
+        <p:nvSpPr>
+          <p:cNvPr id="2058" name="AutoShape 10"/>
+          <p:cNvSpPr>
+            <a:spLocks noChangeShapeType="1"/>
+          </p:cNvSpPr>
+          <p:nvPr/>
+        </p:nvSpPr>
+        <p:spPr bwMode="auto">
+          <a:xfrm>
+            <a:off x="5724128" y="2996952"/>
+            <a:ext cx="780306" cy="516756"/>
+          </a:xfrm>
+          <a:prstGeom prst="straightConnector1">
+            <a:avLst/>
+          </a:prstGeom>
+          <a:noFill/>
+          <a:ln w="9525">
+            <a:solidFill>
+              <a:srgbClr val="000000"/>
+            </a:solidFill>
+            <a:round/>
+            <a:headEnd/>
+            <a:tailEnd type="triangle" w="med" len="med"/>
+          </a:ln>
+        </p:spPr>
+        <p:txBody>
+          <a:bodyPr vert="horz" wrap="square" lIns="91440" tIns="45720" rIns="91440" bIns="45720" numCol="1" anchor="t" anchorCtr="0" compatLnSpc="1">
+            <a:prstTxWarp prst="textNoShape">
+              <a:avLst/>
+            </a:prstTxWarp>
+          </a:bodyPr>
+          <a:lstStyle/>
+          <a:p>
+            <a:endParaRPr lang="fr-FR"/>
+          </a:p>
+        </p:txBody>
+      </p:sp>
+      <p:sp>
+        <p:nvSpPr>
+          <p:cNvPr id="2057" name="AutoShape 9"/>
+          <p:cNvSpPr>
+            <a:spLocks noChangeShapeType="1"/>
+          </p:cNvSpPr>
+          <p:nvPr/>
+        </p:nvSpPr>
+        <p:spPr bwMode="auto">
+          <a:xfrm>
+            <a:off x="6418709" y="2970783"/>
+            <a:ext cx="1562100" cy="542925"/>
+          </a:xfrm>
+          <a:prstGeom prst="straightConnector1">
+            <a:avLst/>
+          </a:prstGeom>
+          <a:noFill/>
+          <a:ln w="9525">
+            <a:solidFill>
+              <a:srgbClr val="000000"/>
+            </a:solidFill>
+            <a:round/>
+            <a:headEnd/>
+            <a:tailEnd type="triangle" w="med" len="med"/>
+          </a:ln>
+        </p:spPr>
+        <p:txBody>
+          <a:bodyPr vert="horz" wrap="square" lIns="91440" tIns="45720" rIns="91440" bIns="45720" numCol="1" anchor="t" anchorCtr="0" compatLnSpc="1">
+            <a:prstTxWarp prst="textNoShape">
+              <a:avLst/>
+            </a:prstTxWarp>
+          </a:bodyPr>
+          <a:lstStyle/>
+          <a:p>
+            <a:endParaRPr lang="fr-FR"/>
+          </a:p>
+        </p:txBody>
+      </p:sp>
+      <p:sp>
+        <p:nvSpPr>
+          <p:cNvPr id="2056" name="Text Box 8"/>
+          <p:cNvSpPr txBox="1">
+            <a:spLocks noChangeArrowheads="1"/>
+          </p:cNvSpPr>
+          <p:nvPr/>
+        </p:nvSpPr>
+        <p:spPr bwMode="auto">
+          <a:xfrm>
+            <a:off x="3993009" y="5123433"/>
+            <a:ext cx="1990725" cy="762000"/>
+          </a:xfrm>
+          <a:prstGeom prst="rect">
+            <a:avLst/>
+          </a:prstGeom>
+          <a:solidFill>
+            <a:srgbClr val="FFFFFF"/>
+          </a:solidFill>
+          <a:ln w="9525">
+            <a:solidFill>
+              <a:srgbClr val="000000"/>
+            </a:solidFill>
+            <a:miter lim="800000"/>
+            <a:headEnd/>
+            <a:tailEnd/>
+          </a:ln>
+        </p:spPr>
+        <p:txBody>
+          <a:bodyPr vert="horz" wrap="square" lIns="91440" tIns="45720" rIns="91440" bIns="45720" numCol="1" anchor="t" anchorCtr="0" compatLnSpc="1">
+            <a:prstTxWarp prst="textNoShape">
+              <a:avLst/>
+            </a:prstTxWarp>
+          </a:bodyPr>
+          <a:lstStyle/>
+          <a:p>
+            <a:pPr marL="0" marR="0" lvl="0" indent="0" algn="ctr" defTabSz="914400" rtl="0" eaLnBrk="1" fontAlgn="base" latinLnBrk="0" hangingPunct="1">
+              <a:lnSpc>
+                <a:spcPct val="100000"/>
+              </a:lnSpc>
+              <a:spcBef>
+                <a:spcPct val="0"/>
+              </a:spcBef>
+              <a:spcAft>
+                <a:spcPct val="0"/>
+              </a:spcAft>
+              <a:buClrTx/>
+              <a:buSzTx/>
+              <a:buFontTx/>
+              <a:buNone/>
+              <a:tabLst/>
+            </a:pPr>
+            <a:r>
+              <a:rPr kumimoji="0" lang="fr-FR" sz="1000" b="0" i="0" u="none" strike="noStrike" cap="none" normalizeH="0" baseline="0" smtClean="0">
+                <a:ln>
+                  <a:noFill/>
+                </a:ln>
+                <a:solidFill>
+                  <a:schemeClr val="tx1"/>
+                </a:solidFill>
+                <a:effectLst/>
+                <a:latin typeface="Calibri" pitchFamily="34" charset="0"/>
+                <a:ea typeface="Calibri" pitchFamily="34" charset="0"/>
+                <a:cs typeface="Times New Roman" pitchFamily="18" charset="0"/>
+              </a:rPr>
+              <a:t>Page liste film (liste les films disponibles selon les options sélectionnées. C’est un affichage simple)</a:t>
+            </a:r>
+            <a:endParaRPr kumimoji="0" lang="fr-FR" sz="1800" b="0" i="0" u="none" strike="noStrike" cap="none" normalizeH="0" baseline="0" smtClean="0">
+              <a:ln>
+                <a:noFill/>
+              </a:ln>
+              <a:solidFill>
+                <a:schemeClr val="tx1"/>
+              </a:solidFill>
+              <a:effectLst/>
+              <a:latin typeface="Arial" pitchFamily="34" charset="0"/>
+            </a:endParaRPr>
+          </a:p>
+        </p:txBody>
+      </p:sp>
+      <p:sp>
+        <p:nvSpPr>
+          <p:cNvPr id="2055" name="AutoShape 7"/>
+          <p:cNvSpPr>
+            <a:spLocks noChangeShapeType="1"/>
+          </p:cNvSpPr>
+          <p:nvPr/>
+        </p:nvSpPr>
+        <p:spPr bwMode="auto">
+          <a:xfrm>
+            <a:off x="3542159" y="4664645"/>
+            <a:ext cx="1323975" cy="466725"/>
+          </a:xfrm>
+          <a:prstGeom prst="straightConnector1">
+            <a:avLst/>
+          </a:prstGeom>
+          <a:noFill/>
+          <a:ln w="9525">
+            <a:solidFill>
+              <a:srgbClr val="000000"/>
+            </a:solidFill>
+            <a:round/>
+            <a:headEnd/>
+            <a:tailEnd type="triangle" w="med" len="med"/>
+          </a:ln>
+        </p:spPr>
+        <p:txBody>
+          <a:bodyPr vert="horz" wrap="square" lIns="91440" tIns="45720" rIns="91440" bIns="45720" numCol="1" anchor="t" anchorCtr="0" compatLnSpc="1">
+            <a:prstTxWarp prst="textNoShape">
+              <a:avLst/>
+            </a:prstTxWarp>
+          </a:bodyPr>
+          <a:lstStyle/>
+          <a:p>
+            <a:endParaRPr lang="fr-FR"/>
+          </a:p>
+        </p:txBody>
+      </p:sp>
+      <p:sp>
+        <p:nvSpPr>
+          <p:cNvPr id="2054" name="AutoShape 6"/>
+          <p:cNvSpPr>
+            <a:spLocks noChangeShapeType="1"/>
+          </p:cNvSpPr>
+          <p:nvPr/>
+        </p:nvSpPr>
+        <p:spPr bwMode="auto">
+          <a:xfrm flipH="1">
+            <a:off x="5085209" y="4664645"/>
+            <a:ext cx="47625" cy="466725"/>
+          </a:xfrm>
+          <a:prstGeom prst="straightConnector1">
+            <a:avLst/>
+          </a:prstGeom>
+          <a:noFill/>
+          <a:ln w="9525">
+            <a:solidFill>
+              <a:srgbClr val="000000"/>
+            </a:solidFill>
+            <a:round/>
+            <a:headEnd/>
+            <a:tailEnd type="triangle" w="med" len="med"/>
+          </a:ln>
+        </p:spPr>
+        <p:txBody>
+          <a:bodyPr vert="horz" wrap="square" lIns="91440" tIns="45720" rIns="91440" bIns="45720" numCol="1" anchor="t" anchorCtr="0" compatLnSpc="1">
+            <a:prstTxWarp prst="textNoShape">
+              <a:avLst/>
+            </a:prstTxWarp>
+          </a:bodyPr>
+          <a:lstStyle/>
+          <a:p>
+            <a:endParaRPr lang="fr-FR"/>
+          </a:p>
+        </p:txBody>
+      </p:sp>
+      <p:sp>
+        <p:nvSpPr>
+          <p:cNvPr id="2053" name="AutoShape 5"/>
+          <p:cNvSpPr>
+            <a:spLocks noChangeShapeType="1"/>
+          </p:cNvSpPr>
+          <p:nvPr/>
+        </p:nvSpPr>
+        <p:spPr bwMode="auto">
+          <a:xfrm flipH="1">
+            <a:off x="5409059" y="4664645"/>
+            <a:ext cx="1171575" cy="466725"/>
+          </a:xfrm>
+          <a:prstGeom prst="straightConnector1">
+            <a:avLst/>
+          </a:prstGeom>
+          <a:noFill/>
+          <a:ln w="9525">
+            <a:solidFill>
+              <a:srgbClr val="000000"/>
+            </a:solidFill>
+            <a:round/>
+            <a:headEnd/>
+            <a:tailEnd type="triangle" w="med" len="med"/>
+          </a:ln>
+        </p:spPr>
+        <p:txBody>
+          <a:bodyPr vert="horz" wrap="square" lIns="91440" tIns="45720" rIns="91440" bIns="45720" numCol="1" anchor="t" anchorCtr="0" compatLnSpc="1">
+            <a:prstTxWarp prst="textNoShape">
+              <a:avLst/>
+            </a:prstTxWarp>
+          </a:bodyPr>
+          <a:lstStyle/>
+          <a:p>
+            <a:endParaRPr lang="fr-FR"/>
+          </a:p>
+        </p:txBody>
+      </p:sp>
+      <p:sp>
+        <p:nvSpPr>
+          <p:cNvPr id="2052" name="Text Box 4"/>
+          <p:cNvSpPr txBox="1">
+            <a:spLocks noChangeArrowheads="1"/>
+          </p:cNvSpPr>
+          <p:nvPr/>
+        </p:nvSpPr>
+        <p:spPr bwMode="auto">
+          <a:xfrm>
+            <a:off x="3993009" y="6029895"/>
+            <a:ext cx="1990725" cy="238125"/>
+          </a:xfrm>
+          <a:prstGeom prst="rect">
+            <a:avLst/>
+          </a:prstGeom>
+          <a:solidFill>
+            <a:srgbClr val="FFFFFF"/>
+          </a:solidFill>
+          <a:ln w="9525">
+            <a:solidFill>
+              <a:srgbClr val="000000"/>
+            </a:solidFill>
+            <a:miter lim="800000"/>
+            <a:headEnd/>
+            <a:tailEnd/>
+          </a:ln>
+        </p:spPr>
+        <p:txBody>
+          <a:bodyPr vert="horz" wrap="square" lIns="91440" tIns="45720" rIns="91440" bIns="45720" numCol="1" anchor="t" anchorCtr="0" compatLnSpc="1">
+            <a:prstTxWarp prst="textNoShape">
+              <a:avLst/>
+            </a:prstTxWarp>
+          </a:bodyPr>
+          <a:lstStyle/>
+          <a:p>
+            <a:pPr marL="0" marR="0" lvl="0" indent="0" algn="ctr" defTabSz="914400" rtl="0" eaLnBrk="1" fontAlgn="base" latinLnBrk="0" hangingPunct="1">
+              <a:lnSpc>
+                <a:spcPct val="100000"/>
+              </a:lnSpc>
+              <a:spcBef>
+                <a:spcPct val="0"/>
+              </a:spcBef>
+              <a:spcAft>
+                <a:spcPct val="0"/>
+              </a:spcAft>
+              <a:buClrTx/>
+              <a:buSzTx/>
+              <a:buFontTx/>
+              <a:buNone/>
+              <a:tabLst/>
+            </a:pPr>
+            <a:r>
+              <a:rPr kumimoji="0" lang="fr-FR" sz="1000" b="0" i="0" u="none" strike="noStrike" cap="none" normalizeH="0" baseline="0" smtClean="0">
+                <a:ln>
+                  <a:noFill/>
+                </a:ln>
+                <a:solidFill>
+                  <a:schemeClr val="tx1"/>
+                </a:solidFill>
+                <a:effectLst/>
+                <a:latin typeface="Calibri" pitchFamily="34" charset="0"/>
+                <a:ea typeface="Calibri" pitchFamily="34" charset="0"/>
+                <a:cs typeface="Times New Roman" pitchFamily="18" charset="0"/>
+              </a:rPr>
+              <a:t>Affichage détaillé d’un film</a:t>
+            </a:r>
+            <a:endParaRPr kumimoji="0" lang="fr-FR" sz="1800" b="0" i="0" u="none" strike="noStrike" cap="none" normalizeH="0" baseline="0" smtClean="0">
+              <a:ln>
+                <a:noFill/>
+              </a:ln>
+              <a:solidFill>
+                <a:schemeClr val="tx1"/>
+              </a:solidFill>
+              <a:effectLst/>
+              <a:latin typeface="Arial" pitchFamily="34" charset="0"/>
+            </a:endParaRPr>
+          </a:p>
+        </p:txBody>
+      </p:sp>
+      <p:sp>
+        <p:nvSpPr>
+          <p:cNvPr id="2051" name="Text Box 3"/>
+          <p:cNvSpPr txBox="1">
+            <a:spLocks noChangeArrowheads="1"/>
+          </p:cNvSpPr>
+          <p:nvPr/>
+        </p:nvSpPr>
+        <p:spPr bwMode="auto">
+          <a:xfrm>
+            <a:off x="6666359" y="5123433"/>
+            <a:ext cx="1990725" cy="657225"/>
+          </a:xfrm>
+          <a:prstGeom prst="rect">
+            <a:avLst/>
+          </a:prstGeom>
+          <a:solidFill>
+            <a:srgbClr val="FFFFFF"/>
+          </a:solidFill>
+          <a:ln w="9525">
+            <a:solidFill>
+              <a:srgbClr val="000000"/>
+            </a:solidFill>
+            <a:miter lim="800000"/>
+            <a:headEnd/>
+            <a:tailEnd/>
+          </a:ln>
+        </p:spPr>
+        <p:txBody>
+          <a:bodyPr vert="horz" wrap="square" lIns="91440" tIns="45720" rIns="91440" bIns="45720" numCol="1" anchor="t" anchorCtr="0" compatLnSpc="1">
+            <a:prstTxWarp prst="textNoShape">
+              <a:avLst/>
+            </a:prstTxWarp>
+          </a:bodyPr>
+          <a:lstStyle/>
+          <a:p>
+            <a:pPr marL="0" marR="0" lvl="0" indent="0" algn="ctr" defTabSz="914400" rtl="0" eaLnBrk="1" fontAlgn="base" latinLnBrk="0" hangingPunct="1">
+              <a:lnSpc>
+                <a:spcPct val="100000"/>
+              </a:lnSpc>
+              <a:spcBef>
+                <a:spcPct val="0"/>
+              </a:spcBef>
+              <a:spcAft>
+                <a:spcPct val="0"/>
+              </a:spcAft>
+              <a:buClrTx/>
+              <a:buSzTx/>
+              <a:buFontTx/>
+              <a:buNone/>
+              <a:tabLst/>
+            </a:pPr>
+            <a:r>
+              <a:rPr kumimoji="0" lang="fr-FR" sz="1000" b="0" i="0" u="none" strike="noStrike" cap="none" normalizeH="0" baseline="0" smtClean="0">
+                <a:ln>
+                  <a:noFill/>
+                </a:ln>
+                <a:solidFill>
+                  <a:schemeClr val="tx1"/>
+                </a:solidFill>
+                <a:effectLst/>
+                <a:latin typeface="Calibri" pitchFamily="34" charset="0"/>
+                <a:ea typeface="Calibri" pitchFamily="34" charset="0"/>
+                <a:cs typeface="Times New Roman" pitchFamily="18" charset="0"/>
+              </a:rPr>
+              <a:t>Affichage des films disponibles sur les sites. Permet de choisir le bon résultat.</a:t>
+            </a:r>
+            <a:endParaRPr kumimoji="0" lang="fr-FR" sz="1800" b="0" i="0" u="none" strike="noStrike" cap="none" normalizeH="0" baseline="0" smtClean="0">
+              <a:ln>
+                <a:noFill/>
+              </a:ln>
+              <a:solidFill>
+                <a:schemeClr val="tx1"/>
+              </a:solidFill>
+              <a:effectLst/>
+              <a:latin typeface="Arial" pitchFamily="34" charset="0"/>
+            </a:endParaRPr>
+          </a:p>
+        </p:txBody>
+      </p:sp>
+      <p:sp>
+        <p:nvSpPr>
+          <p:cNvPr id="2050" name="AutoShape 2"/>
+          <p:cNvSpPr>
+            <a:spLocks noChangeShapeType="1"/>
+          </p:cNvSpPr>
+          <p:nvPr/>
+        </p:nvSpPr>
+        <p:spPr bwMode="auto">
+          <a:xfrm>
+            <a:off x="4999484" y="5871145"/>
+            <a:ext cx="0" cy="161925"/>
+          </a:xfrm>
+          <a:prstGeom prst="straightConnector1">
+            <a:avLst/>
+          </a:prstGeom>
+          <a:noFill/>
+          <a:ln w="9525">
+            <a:solidFill>
+              <a:srgbClr val="000000"/>
+            </a:solidFill>
+            <a:round/>
+            <a:headEnd/>
+            <a:tailEnd type="triangle" w="med" len="med"/>
+          </a:ln>
+        </p:spPr>
+        <p:txBody>
+          <a:bodyPr vert="horz" wrap="square" lIns="91440" tIns="45720" rIns="91440" bIns="45720" numCol="1" anchor="t" anchorCtr="0" compatLnSpc="1">
+            <a:prstTxWarp prst="textNoShape">
+              <a:avLst/>
+            </a:prstTxWarp>
+          </a:bodyPr>
+          <a:lstStyle/>
+          <a:p>
+            <a:endParaRPr lang="fr-FR"/>
+          </a:p>
+        </p:txBody>
+      </p:sp>
+      <p:sp>
+        <p:nvSpPr>
+          <p:cNvPr id="2049" name="AutoShape 1"/>
+          <p:cNvSpPr>
+            <a:spLocks noChangeShapeType="1"/>
+          </p:cNvSpPr>
+          <p:nvPr/>
+        </p:nvSpPr>
+        <p:spPr bwMode="auto">
+          <a:xfrm>
+            <a:off x="7980809" y="4664645"/>
+            <a:ext cx="0" cy="466725"/>
+          </a:xfrm>
+          <a:prstGeom prst="straightConnector1">
+            <a:avLst/>
+          </a:prstGeom>
+          <a:noFill/>
+          <a:ln w="9525">
+            <a:solidFill>
+              <a:srgbClr val="000000"/>
+            </a:solidFill>
+            <a:round/>
+            <a:headEnd/>
+            <a:tailEnd type="triangle" w="med" len="med"/>
+          </a:ln>
+        </p:spPr>
+        <p:txBody>
+          <a:bodyPr vert="horz" wrap="square" lIns="91440" tIns="45720" rIns="91440" bIns="45720" numCol="1" anchor="t" anchorCtr="0" compatLnSpc="1">
+            <a:prstTxWarp prst="textNoShape">
+              <a:avLst/>
+            </a:prstTxWarp>
+          </a:bodyPr>
+          <a:lstStyle/>
+          <a:p>
+            <a:endParaRPr lang="fr-FR"/>
+          </a:p>
+        </p:txBody>
+      </p:sp>
+      <p:sp>
+        <p:nvSpPr>
+          <p:cNvPr id="2066" name="Rectangle 18"/>
+          <p:cNvSpPr>
+            <a:spLocks noChangeArrowheads="1"/>
+          </p:cNvSpPr>
+          <p:nvPr/>
+        </p:nvSpPr>
+        <p:spPr bwMode="auto">
+          <a:xfrm>
+            <a:off x="0" y="0"/>
+            <a:ext cx="9144000" cy="457200"/>
+          </a:xfrm>
+          <a:prstGeom prst="rect">
+            <a:avLst/>
+          </a:prstGeom>
+          <a:noFill/>
+          <a:ln w="9525">
+            <a:noFill/>
+            <a:miter lim="800000"/>
+            <a:headEnd/>
+            <a:tailEnd/>
+          </a:ln>
+          <a:effectLst/>
+        </p:spPr>
+        <p:txBody>
+          <a:bodyPr vert="horz" wrap="none" lIns="91440" tIns="45720" rIns="91440" bIns="45720" numCol="1" anchor="ctr" anchorCtr="0" compatLnSpc="1">
+            <a:prstTxWarp prst="textNoShape">
+              <a:avLst/>
+            </a:prstTxWarp>
+            <a:spAutoFit/>
+          </a:bodyPr>
+          <a:lstStyle/>
+          <a:p>
+            <a:pPr marL="0" marR="0" lvl="0" indent="0" algn="l" defTabSz="914400" rtl="0" eaLnBrk="1" fontAlgn="base" latinLnBrk="0" hangingPunct="1">
+              <a:lnSpc>
+                <a:spcPct val="100000"/>
+              </a:lnSpc>
+              <a:spcBef>
+                <a:spcPct val="0"/>
+              </a:spcBef>
+              <a:spcAft>
+                <a:spcPct val="0"/>
+              </a:spcAft>
+              <a:buClrTx/>
+              <a:buSzTx/>
+              <a:buFontTx/>
+              <a:buNone/>
+              <a:tabLst/>
+            </a:pPr>
+            <a:endParaRPr kumimoji="0" lang="fr-FR" sz="1800" b="0" i="0" u="none" strike="noStrike" cap="none" normalizeH="0" baseline="0" smtClean="0">
+              <a:ln>
+                <a:noFill/>
+              </a:ln>
+              <a:solidFill>
+                <a:schemeClr val="tx1"/>
+              </a:solidFill>
+              <a:effectLst/>
+              <a:latin typeface="Arial" pitchFamily="34" charset="0"/>
+            </a:endParaRPr>
+          </a:p>
+        </p:txBody>
+      </p:sp>
+      <p:sp>
+        <p:nvSpPr>
+          <p:cNvPr id="2075" name="Rectangle 27"/>
+          <p:cNvSpPr>
+            <a:spLocks noChangeArrowheads="1"/>
+          </p:cNvSpPr>
+          <p:nvPr/>
+        </p:nvSpPr>
+        <p:spPr bwMode="auto">
+          <a:xfrm>
+            <a:off x="0" y="457200"/>
+            <a:ext cx="9144000" cy="457200"/>
+          </a:xfrm>
+          <a:prstGeom prst="rect">
+            <a:avLst/>
+          </a:prstGeom>
+          <a:noFill/>
+          <a:ln w="9525">
+            <a:noFill/>
+            <a:miter lim="800000"/>
+            <a:headEnd/>
+            <a:tailEnd/>
+          </a:ln>
+          <a:effectLst/>
+        </p:spPr>
+        <p:txBody>
+          <a:bodyPr vert="horz" wrap="none" lIns="91440" tIns="45720" rIns="91440" bIns="45720" numCol="1" anchor="ctr" anchorCtr="0" compatLnSpc="1">
+            <a:prstTxWarp prst="textNoShape">
+              <a:avLst/>
+            </a:prstTxWarp>
+            <a:spAutoFit/>
+          </a:bodyPr>
+          <a:lstStyle/>
+          <a:p>
+            <a:pPr marL="0" marR="0" lvl="0" indent="0" algn="l" defTabSz="914400" rtl="0" eaLnBrk="1" fontAlgn="base" latinLnBrk="0" hangingPunct="1">
+              <a:lnSpc>
+                <a:spcPct val="100000"/>
+              </a:lnSpc>
+              <a:spcBef>
+                <a:spcPct val="0"/>
+              </a:spcBef>
+              <a:spcAft>
+                <a:spcPct val="0"/>
+              </a:spcAft>
+              <a:buClrTx/>
+              <a:buSzTx/>
+              <a:buFontTx/>
+              <a:buNone/>
+              <a:tabLst/>
+            </a:pPr>
+            <a:endParaRPr kumimoji="0" lang="fr-FR" sz="1800" b="0" i="0" u="none" strike="noStrike" cap="none" normalizeH="0" baseline="0" smtClean="0">
+              <a:ln>
+                <a:noFill/>
+              </a:ln>
+              <a:solidFill>
+                <a:schemeClr val="tx1"/>
+              </a:solidFill>
+              <a:effectLst/>
+              <a:latin typeface="Arial" pitchFamily="34" charset="0"/>
+            </a:endParaRPr>
+          </a:p>
+        </p:txBody>
+      </p:sp>
+      <p:sp>
+        <p:nvSpPr>
+          <p:cNvPr id="2104" name="Text Box 56"/>
+          <p:cNvSpPr txBox="1">
+            <a:spLocks noChangeArrowheads="1"/>
+          </p:cNvSpPr>
+          <p:nvPr/>
+        </p:nvSpPr>
+        <p:spPr bwMode="auto">
+          <a:xfrm>
+            <a:off x="4427984" y="2276872"/>
+            <a:ext cx="1990725" cy="466725"/>
+          </a:xfrm>
+          <a:prstGeom prst="rect">
+            <a:avLst/>
+          </a:prstGeom>
+          <a:solidFill>
+            <a:srgbClr val="FFFFFF"/>
+          </a:solidFill>
+          <a:ln w="9525">
+            <a:solidFill>
+              <a:srgbClr val="000000"/>
+            </a:solidFill>
+            <a:miter lim="800000"/>
+            <a:headEnd/>
+            <a:tailEnd/>
+          </a:ln>
+        </p:spPr>
+        <p:txBody>
+          <a:bodyPr vert="horz" wrap="square" lIns="91440" tIns="45720" rIns="91440" bIns="45720" numCol="1" anchor="t" anchorCtr="0" compatLnSpc="1">
+            <a:prstTxWarp prst="textNoShape">
+              <a:avLst/>
+            </a:prstTxWarp>
+          </a:bodyPr>
+          <a:lstStyle/>
+          <a:p>
+            <a:pPr marL="0" marR="0" lvl="0" indent="0" algn="ctr" defTabSz="914400" rtl="0" eaLnBrk="1" fontAlgn="base" latinLnBrk="0" hangingPunct="1">
+              <a:lnSpc>
+                <a:spcPct val="100000"/>
+              </a:lnSpc>
+              <a:spcBef>
+                <a:spcPct val="0"/>
+              </a:spcBef>
+              <a:spcAft>
+                <a:spcPts val="1000"/>
+              </a:spcAft>
+              <a:buClrTx/>
+              <a:buSzTx/>
+              <a:buFontTx/>
+              <a:buNone/>
+              <a:tabLst/>
+            </a:pPr>
+            <a:r>
+              <a:rPr kumimoji="0" lang="fr-FR" sz="1000" b="0" i="0" u="none" strike="noStrike" cap="none" normalizeH="0" baseline="0" dirty="0" smtClean="0">
+                <a:ln>
+                  <a:noFill/>
+                </a:ln>
+                <a:solidFill>
+                  <a:schemeClr val="tx1"/>
+                </a:solidFill>
+                <a:effectLst/>
+                <a:latin typeface="Calibri" pitchFamily="34" charset="0"/>
+              </a:rPr>
+              <a:t>Page principale (affiche tous les films par défaut).</a:t>
+            </a:r>
+          </a:p>
+          <a:p>
+            <a:pPr marL="0" marR="0" lvl="0" indent="0" algn="l" defTabSz="914400" rtl="0" eaLnBrk="1" fontAlgn="base" latinLnBrk="0" hangingPunct="1">
+              <a:lnSpc>
+                <a:spcPct val="100000"/>
+              </a:lnSpc>
+              <a:spcBef>
+                <a:spcPct val="0"/>
+              </a:spcBef>
+              <a:spcAft>
+                <a:spcPct val="0"/>
+              </a:spcAft>
+              <a:buClrTx/>
+              <a:buSzTx/>
+              <a:buFontTx/>
+              <a:buNone/>
+              <a:tabLst/>
+            </a:pPr>
+            <a:endParaRPr kumimoji="0" lang="fr-FR" sz="1800" b="0" i="0" u="none" strike="noStrike" cap="none" normalizeH="0" baseline="0" dirty="0" smtClean="0">
+              <a:ln>
+                <a:noFill/>
+              </a:ln>
+              <a:solidFill>
+                <a:schemeClr val="tx1"/>
+              </a:solidFill>
+              <a:effectLst/>
+              <a:latin typeface="Arial" pitchFamily="34" charset="0"/>
+            </a:endParaRPr>
+          </a:p>
+        </p:txBody>
+      </p:sp>
+    </p:spTree>
+  </p:cSld>
+  <p:clrMapOvr>
+    <a:masterClrMapping/>
+  </p:clrMapOvr>
+  <p:timing>
+    <p:tnLst>
+      <p:par>
+        <p:cTn id="1" dur="indefinite" restart="never" nodeType="tmRoot"/>
+      </p:par>
+    </p:tnLst>
+  </p:timing>
+</p:sld>
+</file>
+
+<file path=ppt/slides/slide22.xml><?xml version="1.0" encoding="utf-8"?>
 <p:sld xmlns:a="http://schemas.openxmlformats.org/drawingml/2006/main" xmlns:r="http://schemas.openxmlformats.org/officeDocument/2006/relationships" xmlns:p="http://schemas.openxmlformats.org/presentationml/2006/main">
   <p:cSld>
     <p:spTree>
@@ -13544,46 +14656,107 @@
               <a:buNone/>
             </a:pPr>
             <a:r>
-              <a:rPr lang="fr-FR" sz="2800" b="1" dirty="0" smtClean="0">
-                <a:solidFill>
-                  <a:schemeClr val="accent5">
-                    <a:lumMod val="75000"/>
-                  </a:schemeClr>
-                </a:solidFill>
-              </a:rPr>
-              <a:t>Objectifs</a:t>
-            </a:r>
-          </a:p>
-          <a:p>
-            <a:r>
-              <a:rPr lang="fr-FR" sz="2400" u="sng" dirty="0" smtClean="0"/>
-              <a:t>Exploiter</a:t>
-            </a:r>
-            <a:r>
-              <a:rPr lang="fr-FR" sz="2400" dirty="0" smtClean="0"/>
-              <a:t> du contenu de pages HTML.</a:t>
-            </a:r>
-          </a:p>
-          <a:p>
-            <a:r>
-              <a:rPr lang="fr-FR" sz="2400" u="sng" dirty="0" smtClean="0"/>
-              <a:t>Stocker</a:t>
-            </a:r>
-            <a:r>
-              <a:rPr lang="fr-FR" sz="2400" dirty="0" smtClean="0"/>
-              <a:t> au format XML dans une base de données. </a:t>
-            </a:r>
-          </a:p>
-          <a:p>
-            <a:r>
-              <a:rPr lang="fr-FR" sz="2400" u="sng" dirty="0" smtClean="0"/>
-              <a:t>Restituer</a:t>
-            </a:r>
-            <a:r>
-              <a:rPr lang="fr-FR" sz="2400" dirty="0" smtClean="0"/>
-              <a:t> ces données dans une interface graphique.</a:t>
-            </a:r>
-            <a:endParaRPr lang="fr-FR" sz="2400" dirty="0"/>
+              <a:rPr lang="fr-FR" sz="2800" b="1" dirty="0" smtClean="0"/>
+              <a:t>Principe de fonctionnement</a:t>
+            </a:r>
+          </a:p>
+          <a:p>
+            <a:pPr lvl="0"/>
+            <a:r>
+              <a:rPr lang="fr-FR" sz="2000" dirty="0" smtClean="0"/>
+              <a:t>Démarrage de l’application avec </a:t>
+            </a:r>
+            <a:r>
+              <a:rPr lang="fr-FR" sz="2000" dirty="0" smtClean="0"/>
+              <a:t>une url </a:t>
+            </a:r>
+            <a:r>
+              <a:rPr lang="fr-FR" sz="2000" dirty="0" smtClean="0"/>
+              <a:t>de </a:t>
+            </a:r>
+            <a:r>
+              <a:rPr lang="fr-FR" sz="2000" dirty="0" smtClean="0"/>
+              <a:t>film qui l’intéresse (</a:t>
+            </a:r>
+            <a:r>
+              <a:rPr lang="fr-FR" sz="2000" dirty="0" err="1" smtClean="0"/>
+              <a:t>Allociné</a:t>
+            </a:r>
+            <a:r>
+              <a:rPr lang="fr-FR" sz="2000" dirty="0" smtClean="0"/>
+              <a:t> uniquement).</a:t>
+            </a:r>
+          </a:p>
+          <a:p>
+            <a:pPr lvl="0"/>
+            <a:r>
+              <a:rPr lang="fr-FR" sz="2000" dirty="0" smtClean="0"/>
+              <a:t>Le programme télécharge alors toute la page.</a:t>
+            </a:r>
+          </a:p>
+          <a:p>
+            <a:pPr lvl="0"/>
+            <a:r>
+              <a:rPr lang="fr-FR" sz="2000" dirty="0" smtClean="0"/>
+              <a:t>La librairie </a:t>
+            </a:r>
+            <a:r>
+              <a:rPr lang="fr-FR" sz="2000" dirty="0" err="1" smtClean="0"/>
+              <a:t>Jtidy</a:t>
+            </a:r>
+            <a:r>
+              <a:rPr lang="fr-FR" sz="2000" dirty="0" smtClean="0"/>
+              <a:t> rend la page accessible en tant que format XML</a:t>
+            </a:r>
+          </a:p>
+          <a:p>
+            <a:pPr lvl="0"/>
+            <a:r>
+              <a:rPr lang="fr-FR" sz="2000" dirty="0" smtClean="0"/>
+              <a:t>On cible alors l’information nécessaire </a:t>
+            </a:r>
+            <a:r>
+              <a:rPr lang="fr-FR" sz="2000" dirty="0" smtClean="0"/>
+              <a:t>(le </a:t>
+            </a:r>
+            <a:r>
+              <a:rPr lang="fr-FR" sz="2000" dirty="0" smtClean="0"/>
+              <a:t>titre du film, la durée, les acteurs, les commentaires, </a:t>
+            </a:r>
+            <a:r>
+              <a:rPr lang="fr-FR" sz="2000" dirty="0" err="1" smtClean="0"/>
+              <a:t>etc</a:t>
+            </a:r>
+            <a:r>
+              <a:rPr lang="fr-FR" sz="2000" dirty="0" smtClean="0"/>
+              <a:t>…).</a:t>
+            </a:r>
+            <a:endParaRPr lang="fr-FR" sz="2000" dirty="0" smtClean="0"/>
+          </a:p>
+          <a:p>
+            <a:pPr lvl="0"/>
+            <a:r>
+              <a:rPr lang="fr-FR" sz="2000" dirty="0" smtClean="0"/>
+              <a:t>stockage </a:t>
+            </a:r>
+            <a:r>
+              <a:rPr lang="fr-FR" sz="2000" dirty="0" smtClean="0"/>
+              <a:t>dans une base de données </a:t>
+            </a:r>
+            <a:r>
+              <a:rPr lang="fr-FR" sz="2000" dirty="0" smtClean="0"/>
+              <a:t>Oracle</a:t>
+            </a:r>
+            <a:r>
+              <a:rPr lang="fr-FR" sz="2000" dirty="0" smtClean="0"/>
+              <a:t>.</a:t>
+            </a:r>
+          </a:p>
+          <a:p>
+            <a:pPr>
+              <a:buNone/>
+            </a:pPr>
+            <a:endParaRPr lang="fr-FR" sz="2000" dirty="0"/>
           </a:p>
         </p:txBody>
       </p:sp>
@@ -13968,6 +15141,470 @@
           <a:lstStyle/>
           <a:p>
             <a:r>
+              <a:rPr lang="fr-FR" dirty="0" smtClean="0"/>
+              <a:t>Extraction</a:t>
+            </a:r>
+            <a:r>
+              <a:rPr lang="fr-FR" sz="2000" dirty="0" smtClean="0"/>
+              <a:t>(suite)</a:t>
+            </a:r>
+            <a:endParaRPr lang="fr-FR" sz="2000" dirty="0"/>
+          </a:p>
+        </p:txBody>
+      </p:sp>
+      <p:sp>
+        <p:nvSpPr>
+          <p:cNvPr id="3" name="Espace réservé du contenu 2"/>
+          <p:cNvSpPr>
+            <a:spLocks noGrp="1"/>
+          </p:cNvSpPr>
+          <p:nvPr>
+            <p:ph idx="1"/>
+          </p:nvPr>
+        </p:nvSpPr>
+        <p:spPr>
+          <a:xfrm>
+            <a:off x="2411760" y="1700808"/>
+            <a:ext cx="6552728" cy="4536504"/>
+          </a:xfrm>
+        </p:spPr>
+        <p:txBody>
+          <a:bodyPr>
+            <a:normAutofit/>
+          </a:bodyPr>
+          <a:lstStyle/>
+          <a:p>
+            <a:pPr algn="ctr">
+              <a:buNone/>
+            </a:pPr>
+            <a:r>
+              <a:rPr lang="fr-FR" sz="2800" b="1" dirty="0" smtClean="0"/>
+              <a:t>Difficultés et problèmes</a:t>
+            </a:r>
+          </a:p>
+          <a:p>
+            <a:pPr algn="ctr">
+              <a:buNone/>
+            </a:pPr>
+            <a:endParaRPr lang="fr-FR" sz="2800" b="1" dirty="0" smtClean="0"/>
+          </a:p>
+          <a:p>
+            <a:r>
+              <a:rPr lang="fr-FR" sz="2000" dirty="0" smtClean="0"/>
+              <a:t>Ciblage de l’information différent pour chaque site.</a:t>
+            </a:r>
+          </a:p>
+          <a:p>
+            <a:endParaRPr lang="fr-FR" sz="2000" dirty="0" smtClean="0"/>
+          </a:p>
+          <a:p>
+            <a:r>
+              <a:rPr lang="fr-FR" sz="2000" dirty="0" smtClean="0"/>
+              <a:t>Impossibilité d’extraction sur le site IMDB.</a:t>
+            </a:r>
+            <a:endParaRPr lang="fr-FR" sz="2000" dirty="0" smtClean="0"/>
+          </a:p>
+          <a:p>
+            <a:endParaRPr lang="fr-FR" sz="2000" dirty="0" smtClean="0"/>
+          </a:p>
+          <a:p>
+            <a:r>
+              <a:rPr lang="fr-FR" sz="2000" dirty="0" smtClean="0"/>
+              <a:t>Délais insuffisants pour effectuer le </a:t>
+            </a:r>
+            <a:r>
+              <a:rPr lang="fr-FR" sz="2000" dirty="0" err="1" smtClean="0"/>
+              <a:t>parsing</a:t>
+            </a:r>
+            <a:r>
+              <a:rPr lang="fr-FR" sz="2000" dirty="0" smtClean="0"/>
+              <a:t> d’un second site.</a:t>
+            </a:r>
+            <a:endParaRPr lang="fr-FR" sz="2000" dirty="0"/>
+          </a:p>
+        </p:txBody>
+      </p:sp>
+      <p:sp>
+        <p:nvSpPr>
+          <p:cNvPr id="6" name="Espace réservé du contenu 2"/>
+          <p:cNvSpPr txBox="1">
+            <a:spLocks/>
+          </p:cNvSpPr>
+          <p:nvPr/>
+        </p:nvSpPr>
+        <p:spPr>
+          <a:xfrm>
+            <a:off x="179512" y="1700808"/>
+            <a:ext cx="2088232" cy="4536504"/>
+          </a:xfrm>
+          <a:prstGeom prst="rect">
+            <a:avLst/>
+          </a:prstGeom>
+        </p:spPr>
+        <p:txBody>
+          <a:bodyPr vert="horz">
+            <a:normAutofit/>
+          </a:bodyPr>
+          <a:lstStyle/>
+          <a:p>
+            <a:pPr marL="342900" marR="0" lvl="0" indent="-342900" algn="l" defTabSz="914400" rtl="0" eaLnBrk="1" fontAlgn="auto" latinLnBrk="0" hangingPunct="1">
+              <a:lnSpc>
+                <a:spcPct val="100000"/>
+              </a:lnSpc>
+              <a:spcBef>
+                <a:spcPct val="20000"/>
+              </a:spcBef>
+              <a:spcAft>
+                <a:spcPts val="0"/>
+              </a:spcAft>
+              <a:buClr>
+                <a:schemeClr val="accent1"/>
+              </a:buClr>
+              <a:buSzPct val="70000"/>
+              <a:buFont typeface="Wingdings 2"/>
+              <a:buChar char=""/>
+              <a:tabLst/>
+              <a:defRPr/>
+            </a:pPr>
+            <a:r>
+              <a:rPr kumimoji="0" lang="fr-FR" sz="2400" i="0" u="none" strike="noStrike" kern="1200" cap="none" spc="0" normalizeH="0" baseline="0" noProof="0" dirty="0" smtClean="0">
+                <a:ln>
+                  <a:noFill/>
+                </a:ln>
+                <a:solidFill>
+                  <a:schemeClr val="tx2"/>
+                </a:solidFill>
+                <a:effectLst/>
+                <a:uLnTx/>
+                <a:uFillTx/>
+                <a:latin typeface="+mn-lt"/>
+                <a:ea typeface="+mn-ea"/>
+                <a:cs typeface="+mn-cs"/>
+              </a:rPr>
+              <a:t>Introduction</a:t>
+            </a:r>
+          </a:p>
+          <a:p>
+            <a:pPr marL="342900" marR="0" lvl="0" indent="-342900" algn="l" defTabSz="914400" rtl="0" eaLnBrk="1" fontAlgn="auto" latinLnBrk="0" hangingPunct="1">
+              <a:lnSpc>
+                <a:spcPct val="100000"/>
+              </a:lnSpc>
+              <a:spcBef>
+                <a:spcPct val="20000"/>
+              </a:spcBef>
+              <a:spcAft>
+                <a:spcPts val="0"/>
+              </a:spcAft>
+              <a:buClr>
+                <a:schemeClr val="accent1"/>
+              </a:buClr>
+              <a:buSzPct val="70000"/>
+              <a:buFont typeface="Wingdings 2"/>
+              <a:buChar char=""/>
+              <a:tabLst/>
+              <a:defRPr/>
+            </a:pPr>
+            <a:r>
+              <a:rPr lang="fr-FR" sz="2400" b="1" dirty="0" smtClean="0">
+                <a:solidFill>
+                  <a:schemeClr val="tx2"/>
+                </a:solidFill>
+              </a:rPr>
+              <a:t>Extraction</a:t>
+            </a:r>
+          </a:p>
+          <a:p>
+            <a:pPr marL="342900" marR="0" lvl="0" indent="-342900" algn="l" defTabSz="914400" rtl="0" eaLnBrk="1" fontAlgn="auto" latinLnBrk="0" hangingPunct="1">
+              <a:lnSpc>
+                <a:spcPct val="100000"/>
+              </a:lnSpc>
+              <a:spcBef>
+                <a:spcPct val="20000"/>
+              </a:spcBef>
+              <a:spcAft>
+                <a:spcPts val="0"/>
+              </a:spcAft>
+              <a:buClr>
+                <a:schemeClr val="accent1"/>
+              </a:buClr>
+              <a:buSzPct val="70000"/>
+              <a:buFont typeface="Wingdings 2"/>
+              <a:buChar char=""/>
+              <a:tabLst/>
+              <a:defRPr/>
+            </a:pPr>
+            <a:r>
+              <a:rPr kumimoji="0" lang="fr-FR" sz="2400" b="0" i="0" u="none" strike="noStrike" kern="1200" cap="none" spc="0" normalizeH="0" baseline="0" noProof="0" dirty="0" smtClean="0">
+                <a:ln>
+                  <a:noFill/>
+                </a:ln>
+                <a:solidFill>
+                  <a:schemeClr val="tx2"/>
+                </a:solidFill>
+                <a:effectLst/>
+                <a:uLnTx/>
+                <a:uFillTx/>
+                <a:latin typeface="+mn-lt"/>
+                <a:ea typeface="+mn-ea"/>
+                <a:cs typeface="+mn-cs"/>
+              </a:rPr>
+              <a:t>Stockage</a:t>
+            </a:r>
+          </a:p>
+          <a:p>
+            <a:pPr marL="342900" marR="0" lvl="0" indent="-342900" algn="l" defTabSz="914400" rtl="0" eaLnBrk="1" fontAlgn="auto" latinLnBrk="0" hangingPunct="1">
+              <a:lnSpc>
+                <a:spcPct val="100000"/>
+              </a:lnSpc>
+              <a:spcBef>
+                <a:spcPct val="20000"/>
+              </a:spcBef>
+              <a:spcAft>
+                <a:spcPts val="0"/>
+              </a:spcAft>
+              <a:buClr>
+                <a:schemeClr val="accent1"/>
+              </a:buClr>
+              <a:buSzPct val="70000"/>
+              <a:buFont typeface="Wingdings 2"/>
+              <a:buChar char=""/>
+              <a:tabLst/>
+              <a:defRPr/>
+            </a:pPr>
+            <a:r>
+              <a:rPr lang="fr-FR" sz="2400" dirty="0" smtClean="0">
+                <a:solidFill>
+                  <a:schemeClr val="tx2"/>
+                </a:solidFill>
+              </a:rPr>
+              <a:t>Restitution</a:t>
+            </a:r>
+            <a:endParaRPr kumimoji="0" lang="fr-FR" sz="2400" b="0" i="0" u="none" strike="noStrike" kern="1200" cap="none" spc="0" normalizeH="0" baseline="0" noProof="0" dirty="0" smtClean="0">
+              <a:ln>
+                <a:noFill/>
+              </a:ln>
+              <a:solidFill>
+                <a:schemeClr val="tx2"/>
+              </a:solidFill>
+              <a:effectLst/>
+              <a:uLnTx/>
+              <a:uFillTx/>
+              <a:latin typeface="+mn-lt"/>
+              <a:ea typeface="+mn-ea"/>
+              <a:cs typeface="+mn-cs"/>
+            </a:endParaRPr>
+          </a:p>
+          <a:p>
+            <a:pPr marL="342900" marR="0" lvl="0" indent="-342900" algn="l" defTabSz="914400" rtl="0" eaLnBrk="1" fontAlgn="auto" latinLnBrk="0" hangingPunct="1">
+              <a:lnSpc>
+                <a:spcPct val="100000"/>
+              </a:lnSpc>
+              <a:spcBef>
+                <a:spcPct val="20000"/>
+              </a:spcBef>
+              <a:spcAft>
+                <a:spcPts val="0"/>
+              </a:spcAft>
+              <a:buClr>
+                <a:schemeClr val="accent1"/>
+              </a:buClr>
+              <a:buSzPct val="70000"/>
+              <a:buFont typeface="Wingdings 2"/>
+              <a:buChar char=""/>
+              <a:tabLst/>
+              <a:defRPr/>
+            </a:pPr>
+            <a:r>
+              <a:rPr lang="fr-FR" sz="2400" dirty="0" smtClean="0">
+                <a:solidFill>
+                  <a:schemeClr val="tx2"/>
+                </a:solidFill>
+              </a:rPr>
+              <a:t>Conclusion</a:t>
+            </a:r>
+            <a:endParaRPr kumimoji="0" lang="fr-FR" sz="2400" b="0" i="0" u="none" strike="noStrike" kern="1200" cap="none" spc="0" normalizeH="0" baseline="0" noProof="0" dirty="0">
+              <a:ln>
+                <a:noFill/>
+              </a:ln>
+              <a:solidFill>
+                <a:schemeClr val="tx2"/>
+              </a:solidFill>
+              <a:effectLst/>
+              <a:uLnTx/>
+              <a:uFillTx/>
+              <a:latin typeface="+mn-lt"/>
+              <a:ea typeface="+mn-ea"/>
+              <a:cs typeface="+mn-cs"/>
+            </a:endParaRPr>
+          </a:p>
+        </p:txBody>
+      </p:sp>
+      <p:sp>
+        <p:nvSpPr>
+          <p:cNvPr id="7" name="ZoneTexte 6"/>
+          <p:cNvSpPr txBox="1"/>
+          <p:nvPr/>
+        </p:nvSpPr>
+        <p:spPr>
+          <a:xfrm>
+            <a:off x="0" y="6581001"/>
+            <a:ext cx="2708919" cy="276999"/>
+          </a:xfrm>
+          <a:prstGeom prst="rect">
+            <a:avLst/>
+          </a:prstGeom>
+          <a:noFill/>
+          <a:scene3d>
+            <a:camera prst="orthographicFront">
+              <a:rot lat="0" lon="0" rev="5400000"/>
+            </a:camera>
+            <a:lightRig rig="threePt" dir="t"/>
+          </a:scene3d>
+        </p:spPr>
+        <p:txBody>
+          <a:bodyPr wrap="square" rtlCol="0">
+            <a:spAutoFit/>
+            <a:scene3d>
+              <a:camera prst="orthographicFront">
+                <a:rot lat="0" lon="0" rev="0"/>
+              </a:camera>
+              <a:lightRig rig="threePt" dir="t"/>
+            </a:scene3d>
+            <a:flatTx/>
+          </a:bodyPr>
+          <a:lstStyle/>
+          <a:p>
+            <a:r>
+              <a:rPr lang="fr-FR" sz="1200" dirty="0" smtClean="0"/>
+              <a:t>Soutenance projet LPD2I 2010/2011</a:t>
+            </a:r>
+            <a:endParaRPr lang="fr-FR" sz="1200" dirty="0"/>
+          </a:p>
+        </p:txBody>
+      </p:sp>
+      <p:sp>
+        <p:nvSpPr>
+          <p:cNvPr id="9" name="ZoneTexte 8"/>
+          <p:cNvSpPr txBox="1"/>
+          <p:nvPr/>
+        </p:nvSpPr>
+        <p:spPr>
+          <a:xfrm>
+            <a:off x="5508104" y="6581001"/>
+            <a:ext cx="3635896" cy="276999"/>
+          </a:xfrm>
+          <a:prstGeom prst="rect">
+            <a:avLst/>
+          </a:prstGeom>
+          <a:noFill/>
+          <a:scene3d>
+            <a:camera prst="orthographicFront">
+              <a:rot lat="0" lon="0" rev="5400000"/>
+            </a:camera>
+            <a:lightRig rig="threePt" dir="t"/>
+          </a:scene3d>
+        </p:spPr>
+        <p:txBody>
+          <a:bodyPr wrap="square" rtlCol="0">
+            <a:spAutoFit/>
+            <a:scene3d>
+              <a:camera prst="orthographicFront">
+                <a:rot lat="0" lon="0" rev="0"/>
+              </a:camera>
+              <a:lightRig rig="threePt" dir="t"/>
+            </a:scene3d>
+            <a:flatTx/>
+          </a:bodyPr>
+          <a:lstStyle/>
+          <a:p>
+            <a:r>
+              <a:rPr lang="fr-FR" sz="1200" dirty="0" smtClean="0"/>
+              <a:t>Leonhard Hermle – Julien Cellier – Xavier Mourgues</a:t>
+            </a:r>
+            <a:endParaRPr lang="fr-FR" sz="1200" dirty="0"/>
+          </a:p>
+        </p:txBody>
+      </p:sp>
+      <p:cxnSp>
+        <p:nvCxnSpPr>
+          <p:cNvPr id="12" name="Connecteur droit 11"/>
+          <p:cNvCxnSpPr/>
+          <p:nvPr/>
+        </p:nvCxnSpPr>
+        <p:spPr>
+          <a:xfrm rot="5400000">
+            <a:off x="107504" y="4077072"/>
+            <a:ext cx="4464496" cy="0"/>
+          </a:xfrm>
+          <a:prstGeom prst="line">
+            <a:avLst/>
+          </a:prstGeom>
+        </p:spPr>
+        <p:style>
+          <a:lnRef idx="1">
+            <a:schemeClr val="accent1"/>
+          </a:lnRef>
+          <a:fillRef idx="0">
+            <a:schemeClr val="accent1"/>
+          </a:fillRef>
+          <a:effectRef idx="0">
+            <a:schemeClr val="accent1"/>
+          </a:effectRef>
+          <a:fontRef idx="minor">
+            <a:schemeClr val="tx1"/>
+          </a:fontRef>
+        </p:style>
+      </p:cxnSp>
+    </p:spTree>
+  </p:cSld>
+  <p:clrMapOvr>
+    <a:masterClrMapping/>
+  </p:clrMapOvr>
+  <p:timing>
+    <p:tnLst>
+      <p:par>
+        <p:cTn id="1" dur="indefinite" restart="never" nodeType="tmRoot"/>
+      </p:par>
+    </p:tnLst>
+  </p:timing>
+</p:sld>
+</file>
+
+<file path=ppt/slides/slide7.xml><?xml version="1.0" encoding="utf-8"?>
+<p:sld xmlns:a="http://schemas.openxmlformats.org/drawingml/2006/main" xmlns:r="http://schemas.openxmlformats.org/officeDocument/2006/relationships" xmlns:p="http://schemas.openxmlformats.org/presentationml/2006/main">
+  <p:cSld>
+    <p:spTree>
+      <p:nvGrpSpPr>
+        <p:cNvPr id="1" name=""/>
+        <p:cNvGrpSpPr/>
+        <p:nvPr/>
+      </p:nvGrpSpPr>
+      <p:grpSpPr>
+        <a:xfrm>
+          <a:off x="0" y="0"/>
+          <a:ext cx="0" cy="0"/>
+          <a:chOff x="0" y="0"/>
+          <a:chExt cx="0" cy="0"/>
+        </a:xfrm>
+      </p:grpSpPr>
+      <p:sp>
+        <p:nvSpPr>
+          <p:cNvPr id="2" name="Titre 1"/>
+          <p:cNvSpPr>
+            <a:spLocks noGrp="1"/>
+          </p:cNvSpPr>
+          <p:nvPr>
+            <p:ph type="title"/>
+          </p:nvPr>
+        </p:nvSpPr>
+        <p:spPr/>
+        <p:txBody>
+          <a:bodyPr>
+            <a:normAutofit/>
+          </a:bodyPr>
+          <a:lstStyle/>
+          <a:p>
+            <a:r>
               <a:rPr lang="fr-FR" cap="none" dirty="0" smtClean="0">
                 <a:effectLst/>
               </a:rPr>
@@ -14363,485 +16000,6 @@
           <a:xfrm>
             <a:off x="3131840" y="2276872"/>
             <a:ext cx="5040560" cy="3969441"/>
-          </a:xfrm>
-          <a:prstGeom prst="rect">
-            <a:avLst/>
-          </a:prstGeom>
-          <a:noFill/>
-          <a:ln w="9525">
-            <a:noFill/>
-            <a:miter lim="800000"/>
-            <a:headEnd/>
-            <a:tailEnd/>
-          </a:ln>
-        </p:spPr>
-      </p:pic>
-    </p:spTree>
-  </p:cSld>
-  <p:clrMapOvr>
-    <a:masterClrMapping/>
-  </p:clrMapOvr>
-  <p:timing>
-    <p:tnLst>
-      <p:par>
-        <p:cTn id="1" dur="indefinite" restart="never" nodeType="tmRoot"/>
-      </p:par>
-    </p:tnLst>
-  </p:timing>
-</p:sld>
-</file>
-
-<file path=ppt/slides/slide7.xml><?xml version="1.0" encoding="utf-8"?>
-<p:sld xmlns:a="http://schemas.openxmlformats.org/drawingml/2006/main" xmlns:r="http://schemas.openxmlformats.org/officeDocument/2006/relationships" xmlns:p="http://schemas.openxmlformats.org/presentationml/2006/main">
-  <p:cSld>
-    <p:spTree>
-      <p:nvGrpSpPr>
-        <p:cNvPr id="1" name=""/>
-        <p:cNvGrpSpPr/>
-        <p:nvPr/>
-      </p:nvGrpSpPr>
-      <p:grpSpPr>
-        <a:xfrm>
-          <a:off x="0" y="0"/>
-          <a:ext cx="0" cy="0"/>
-          <a:chOff x="0" y="0"/>
-          <a:chExt cx="0" cy="0"/>
-        </a:xfrm>
-      </p:grpSpPr>
-      <p:sp>
-        <p:nvSpPr>
-          <p:cNvPr id="2" name="Titre 1"/>
-          <p:cNvSpPr>
-            <a:spLocks noGrp="1"/>
-          </p:cNvSpPr>
-          <p:nvPr>
-            <p:ph type="title"/>
-          </p:nvPr>
-        </p:nvSpPr>
-        <p:spPr/>
-        <p:txBody>
-          <a:bodyPr>
-            <a:normAutofit/>
-          </a:bodyPr>
-          <a:lstStyle/>
-          <a:p>
-            <a:r>
-              <a:rPr lang="fr-FR" cap="none" dirty="0" smtClean="0">
-                <a:effectLst/>
-              </a:rPr>
-              <a:t>STOCKAGES</a:t>
-            </a:r>
-            <a:r>
-              <a:rPr lang="fr-FR" sz="2000" cap="none" dirty="0" smtClean="0">
-                <a:effectLst/>
-              </a:rPr>
-              <a:t>(suite)</a:t>
-            </a:r>
-            <a:endParaRPr lang="fr-FR" sz="2000" dirty="0"/>
-          </a:p>
-        </p:txBody>
-      </p:sp>
-      <p:sp>
-        <p:nvSpPr>
-          <p:cNvPr id="3" name="Espace réservé du contenu 2"/>
-          <p:cNvSpPr>
-            <a:spLocks noGrp="1"/>
-          </p:cNvSpPr>
-          <p:nvPr>
-            <p:ph idx="1"/>
-          </p:nvPr>
-        </p:nvSpPr>
-        <p:spPr>
-          <a:xfrm>
-            <a:off x="2411760" y="1700808"/>
-            <a:ext cx="6552728" cy="864096"/>
-          </a:xfrm>
-        </p:spPr>
-        <p:txBody>
-          <a:bodyPr>
-            <a:normAutofit/>
-          </a:bodyPr>
-          <a:lstStyle/>
-          <a:p>
-            <a:pPr algn="ctr">
-              <a:buNone/>
-            </a:pPr>
-            <a:r>
-              <a:rPr lang="fr-FR" sz="2800" b="1" dirty="0" smtClean="0">
-                <a:solidFill>
-                  <a:schemeClr val="accent5">
-                    <a:lumMod val="75000"/>
-                  </a:schemeClr>
-                </a:solidFill>
-              </a:rPr>
-              <a:t>Schéma XSD</a:t>
-            </a:r>
-          </a:p>
-          <a:p>
-            <a:pPr algn="ctr">
-              <a:buNone/>
-            </a:pPr>
-            <a:r>
-              <a:rPr lang="fr-FR" sz="1600" dirty="0" smtClean="0">
-                <a:solidFill>
-                  <a:schemeClr val="accent5">
-                    <a:lumMod val="75000"/>
-                  </a:schemeClr>
-                </a:solidFill>
-              </a:rPr>
-              <a:t>(XML Schéma Définition)</a:t>
-            </a:r>
-          </a:p>
-        </p:txBody>
-      </p:sp>
-      <p:sp>
-        <p:nvSpPr>
-          <p:cNvPr id="6" name="Espace réservé du contenu 2"/>
-          <p:cNvSpPr txBox="1">
-            <a:spLocks/>
-          </p:cNvSpPr>
-          <p:nvPr/>
-        </p:nvSpPr>
-        <p:spPr>
-          <a:xfrm>
-            <a:off x="179512" y="1700808"/>
-            <a:ext cx="2088232" cy="4536504"/>
-          </a:xfrm>
-          <a:prstGeom prst="rect">
-            <a:avLst/>
-          </a:prstGeom>
-        </p:spPr>
-        <p:txBody>
-          <a:bodyPr vert="horz">
-            <a:normAutofit/>
-          </a:bodyPr>
-          <a:lstStyle/>
-          <a:p>
-            <a:pPr marL="342900" marR="0" lvl="0" indent="-342900" algn="l" defTabSz="914400" rtl="0" eaLnBrk="1" fontAlgn="auto" latinLnBrk="0" hangingPunct="1">
-              <a:lnSpc>
-                <a:spcPct val="100000"/>
-              </a:lnSpc>
-              <a:spcBef>
-                <a:spcPct val="20000"/>
-              </a:spcBef>
-              <a:spcAft>
-                <a:spcPts val="0"/>
-              </a:spcAft>
-              <a:buClr>
-                <a:schemeClr val="accent1"/>
-              </a:buClr>
-              <a:buSzPct val="70000"/>
-              <a:buFont typeface="Wingdings 2"/>
-              <a:buChar char=""/>
-              <a:tabLst/>
-              <a:defRPr/>
-            </a:pPr>
-            <a:r>
-              <a:rPr kumimoji="0" lang="fr-FR" sz="2400" i="0" u="none" strike="noStrike" kern="1200" cap="none" spc="0" normalizeH="0" baseline="0" noProof="0" dirty="0" smtClean="0">
-                <a:ln>
-                  <a:noFill/>
-                </a:ln>
-                <a:solidFill>
-                  <a:schemeClr val="tx2"/>
-                </a:solidFill>
-                <a:effectLst/>
-                <a:uLnTx/>
-                <a:uFillTx/>
-                <a:latin typeface="+mn-lt"/>
-                <a:ea typeface="+mn-ea"/>
-                <a:cs typeface="+mn-cs"/>
-              </a:rPr>
-              <a:t>Introduction</a:t>
-            </a:r>
-          </a:p>
-          <a:p>
-            <a:pPr marL="342900" marR="0" lvl="0" indent="-342900" algn="l" defTabSz="914400" rtl="0" eaLnBrk="1" fontAlgn="auto" latinLnBrk="0" hangingPunct="1">
-              <a:lnSpc>
-                <a:spcPct val="100000"/>
-              </a:lnSpc>
-              <a:spcBef>
-                <a:spcPct val="20000"/>
-              </a:spcBef>
-              <a:spcAft>
-                <a:spcPts val="0"/>
-              </a:spcAft>
-              <a:buClr>
-                <a:schemeClr val="accent1"/>
-              </a:buClr>
-              <a:buSzPct val="70000"/>
-              <a:buFont typeface="Wingdings 2"/>
-              <a:buChar char=""/>
-              <a:tabLst/>
-              <a:defRPr/>
-            </a:pPr>
-            <a:r>
-              <a:rPr lang="fr-FR" sz="2400" dirty="0" smtClean="0">
-                <a:solidFill>
-                  <a:schemeClr val="tx2"/>
-                </a:solidFill>
-              </a:rPr>
-              <a:t>Extraction</a:t>
-            </a:r>
-          </a:p>
-          <a:p>
-            <a:pPr marL="342900" marR="0" lvl="0" indent="-342900" algn="l" defTabSz="914400" rtl="0" eaLnBrk="1" fontAlgn="auto" latinLnBrk="0" hangingPunct="1">
-              <a:lnSpc>
-                <a:spcPct val="100000"/>
-              </a:lnSpc>
-              <a:spcBef>
-                <a:spcPct val="20000"/>
-              </a:spcBef>
-              <a:spcAft>
-                <a:spcPts val="0"/>
-              </a:spcAft>
-              <a:buClr>
-                <a:schemeClr val="accent1"/>
-              </a:buClr>
-              <a:buSzPct val="70000"/>
-              <a:buFont typeface="Wingdings 2"/>
-              <a:buChar char=""/>
-              <a:tabLst/>
-              <a:defRPr/>
-            </a:pPr>
-            <a:r>
-              <a:rPr kumimoji="0" lang="fr-FR" sz="2400" b="1" i="0" u="none" strike="noStrike" kern="1200" cap="none" spc="0" normalizeH="0" baseline="0" noProof="0" dirty="0" smtClean="0">
-                <a:ln>
-                  <a:noFill/>
-                </a:ln>
-                <a:solidFill>
-                  <a:schemeClr val="tx2"/>
-                </a:solidFill>
-                <a:effectLst/>
-                <a:uLnTx/>
-                <a:uFillTx/>
-                <a:latin typeface="+mn-lt"/>
-                <a:ea typeface="+mn-ea"/>
-                <a:cs typeface="+mn-cs"/>
-              </a:rPr>
-              <a:t>Stockage</a:t>
-            </a:r>
-          </a:p>
-          <a:p>
-            <a:pPr marL="342900" marR="0" lvl="0" indent="-342900" algn="l" defTabSz="914400" rtl="0" eaLnBrk="1" fontAlgn="auto" latinLnBrk="0" hangingPunct="1">
-              <a:lnSpc>
-                <a:spcPct val="100000"/>
-              </a:lnSpc>
-              <a:spcBef>
-                <a:spcPct val="20000"/>
-              </a:spcBef>
-              <a:spcAft>
-                <a:spcPts val="0"/>
-              </a:spcAft>
-              <a:buClr>
-                <a:schemeClr val="accent1"/>
-              </a:buClr>
-              <a:buSzPct val="70000"/>
-              <a:buFont typeface="Wingdings 2"/>
-              <a:buChar char=""/>
-              <a:tabLst/>
-              <a:defRPr/>
-            </a:pPr>
-            <a:r>
-              <a:rPr lang="fr-FR" sz="2400" dirty="0" smtClean="0">
-                <a:solidFill>
-                  <a:schemeClr val="tx2"/>
-                </a:solidFill>
-              </a:rPr>
-              <a:t>Restitution</a:t>
-            </a:r>
-            <a:endParaRPr kumimoji="0" lang="fr-FR" sz="2400" b="0" i="0" u="none" strike="noStrike" kern="1200" cap="none" spc="0" normalizeH="0" baseline="0" noProof="0" dirty="0" smtClean="0">
-              <a:ln>
-                <a:noFill/>
-              </a:ln>
-              <a:solidFill>
-                <a:schemeClr val="tx2"/>
-              </a:solidFill>
-              <a:effectLst/>
-              <a:uLnTx/>
-              <a:uFillTx/>
-              <a:latin typeface="+mn-lt"/>
-              <a:ea typeface="+mn-ea"/>
-              <a:cs typeface="+mn-cs"/>
-            </a:endParaRPr>
-          </a:p>
-          <a:p>
-            <a:pPr marL="342900" marR="0" lvl="0" indent="-342900" algn="l" defTabSz="914400" rtl="0" eaLnBrk="1" fontAlgn="auto" latinLnBrk="0" hangingPunct="1">
-              <a:lnSpc>
-                <a:spcPct val="100000"/>
-              </a:lnSpc>
-              <a:spcBef>
-                <a:spcPct val="20000"/>
-              </a:spcBef>
-              <a:spcAft>
-                <a:spcPts val="0"/>
-              </a:spcAft>
-              <a:buClr>
-                <a:schemeClr val="accent1"/>
-              </a:buClr>
-              <a:buSzPct val="70000"/>
-              <a:buFont typeface="Wingdings 2"/>
-              <a:buChar char=""/>
-              <a:tabLst/>
-              <a:defRPr/>
-            </a:pPr>
-            <a:r>
-              <a:rPr lang="fr-FR" sz="2400" dirty="0" smtClean="0">
-                <a:solidFill>
-                  <a:schemeClr val="tx2"/>
-                </a:solidFill>
-              </a:rPr>
-              <a:t>Conclusion</a:t>
-            </a:r>
-            <a:endParaRPr kumimoji="0" lang="fr-FR" sz="2400" b="0" i="0" u="none" strike="noStrike" kern="1200" cap="none" spc="0" normalizeH="0" baseline="0" noProof="0" dirty="0">
-              <a:ln>
-                <a:noFill/>
-              </a:ln>
-              <a:solidFill>
-                <a:schemeClr val="tx2"/>
-              </a:solidFill>
-              <a:effectLst/>
-              <a:uLnTx/>
-              <a:uFillTx/>
-              <a:latin typeface="+mn-lt"/>
-              <a:ea typeface="+mn-ea"/>
-              <a:cs typeface="+mn-cs"/>
-            </a:endParaRPr>
-          </a:p>
-        </p:txBody>
-      </p:sp>
-      <p:sp>
-        <p:nvSpPr>
-          <p:cNvPr id="7" name="ZoneTexte 6"/>
-          <p:cNvSpPr txBox="1"/>
-          <p:nvPr/>
-        </p:nvSpPr>
-        <p:spPr>
-          <a:xfrm>
-            <a:off x="0" y="6581001"/>
-            <a:ext cx="2708919" cy="276999"/>
-          </a:xfrm>
-          <a:prstGeom prst="rect">
-            <a:avLst/>
-          </a:prstGeom>
-          <a:noFill/>
-          <a:scene3d>
-            <a:camera prst="orthographicFront">
-              <a:rot lat="0" lon="0" rev="5400000"/>
-            </a:camera>
-            <a:lightRig rig="threePt" dir="t"/>
-          </a:scene3d>
-        </p:spPr>
-        <p:txBody>
-          <a:bodyPr wrap="square" rtlCol="0">
-            <a:spAutoFit/>
-            <a:scene3d>
-              <a:camera prst="orthographicFront">
-                <a:rot lat="0" lon="0" rev="0"/>
-              </a:camera>
-              <a:lightRig rig="threePt" dir="t"/>
-            </a:scene3d>
-            <a:flatTx/>
-          </a:bodyPr>
-          <a:lstStyle/>
-          <a:p>
-            <a:r>
-              <a:rPr lang="fr-FR" sz="1200" dirty="0" smtClean="0"/>
-              <a:t>Soutenance projet LPD2I 2010/2011</a:t>
-            </a:r>
-            <a:endParaRPr lang="fr-FR" sz="1200" dirty="0"/>
-          </a:p>
-        </p:txBody>
-      </p:sp>
-      <p:sp>
-        <p:nvSpPr>
-          <p:cNvPr id="9" name="ZoneTexte 8"/>
-          <p:cNvSpPr txBox="1"/>
-          <p:nvPr/>
-        </p:nvSpPr>
-        <p:spPr>
-          <a:xfrm>
-            <a:off x="5508104" y="6581001"/>
-            <a:ext cx="3635896" cy="276999"/>
-          </a:xfrm>
-          <a:prstGeom prst="rect">
-            <a:avLst/>
-          </a:prstGeom>
-          <a:noFill/>
-          <a:scene3d>
-            <a:camera prst="orthographicFront">
-              <a:rot lat="0" lon="0" rev="5400000"/>
-            </a:camera>
-            <a:lightRig rig="threePt" dir="t"/>
-          </a:scene3d>
-        </p:spPr>
-        <p:txBody>
-          <a:bodyPr wrap="square" rtlCol="0">
-            <a:spAutoFit/>
-            <a:scene3d>
-              <a:camera prst="orthographicFront">
-                <a:rot lat="0" lon="0" rev="0"/>
-              </a:camera>
-              <a:lightRig rig="threePt" dir="t"/>
-            </a:scene3d>
-            <a:flatTx/>
-          </a:bodyPr>
-          <a:lstStyle/>
-          <a:p>
-            <a:r>
-              <a:rPr lang="fr-FR" sz="1200" dirty="0" smtClean="0"/>
-              <a:t>Leonhard Hermle – Julien Cellier – Xavier Mourgues</a:t>
-            </a:r>
-            <a:endParaRPr lang="fr-FR" sz="1200" dirty="0"/>
-          </a:p>
-        </p:txBody>
-      </p:sp>
-      <p:cxnSp>
-        <p:nvCxnSpPr>
-          <p:cNvPr id="12" name="Connecteur droit 11"/>
-          <p:cNvCxnSpPr/>
-          <p:nvPr/>
-        </p:nvCxnSpPr>
-        <p:spPr>
-          <a:xfrm rot="5400000">
-            <a:off x="107504" y="4077072"/>
-            <a:ext cx="4464496" cy="0"/>
-          </a:xfrm>
-          <a:prstGeom prst="line">
-            <a:avLst/>
-          </a:prstGeom>
-        </p:spPr>
-        <p:style>
-          <a:lnRef idx="1">
-            <a:schemeClr val="accent1"/>
-          </a:lnRef>
-          <a:fillRef idx="0">
-            <a:schemeClr val="accent1"/>
-          </a:fillRef>
-          <a:effectRef idx="0">
-            <a:schemeClr val="accent1"/>
-          </a:effectRef>
-          <a:fontRef idx="minor">
-            <a:schemeClr val="tx1"/>
-          </a:fontRef>
-        </p:style>
-      </p:cxnSp>
-      <p:pic>
-        <p:nvPicPr>
-          <p:cNvPr id="10" name="Image 9"/>
-          <p:cNvPicPr/>
-          <p:nvPr/>
-        </p:nvPicPr>
-        <p:blipFill>
-          <a:blip r:embed="rId2" cstate="print"/>
-          <a:srcRect/>
-          <a:stretch>
-            <a:fillRect/>
-          </a:stretch>
-        </p:blipFill>
-        <p:spPr bwMode="auto">
-          <a:xfrm>
-            <a:off x="2771800" y="2852936"/>
-            <a:ext cx="5904656" cy="1951104"/>
           </a:xfrm>
           <a:prstGeom prst="rect">
             <a:avLst/>
@@ -14933,7 +16091,7 @@
         <p:spPr>
           <a:xfrm>
             <a:off x="2411760" y="1700808"/>
-            <a:ext cx="6552728" cy="4248472"/>
+            <a:ext cx="6552728" cy="864096"/>
           </a:xfrm>
         </p:spPr>
         <p:txBody>
@@ -14953,39 +16111,23 @@
                   </a:schemeClr>
                 </a:solidFill>
               </a:rPr>
-              <a:t>XML et Oracle : XML DB</a:t>
-            </a:r>
-          </a:p>
-          <a:p>
-            <a:pPr lvl="1"/>
-            <a:r>
-              <a:rPr lang="fr-FR" dirty="0" smtClean="0"/>
-              <a:t>Un type de données XML utilisé pour stocker et gérer du contenu XML.</a:t>
-            </a:r>
-          </a:p>
-          <a:p>
-            <a:pPr lvl="1"/>
-            <a:r>
-              <a:rPr lang="fr-FR" dirty="0" smtClean="0"/>
-              <a:t>Une collection de méthodes et opérateurs SQL permettant d'agir sur du XML.</a:t>
-            </a:r>
-          </a:p>
-          <a:p>
-            <a:pPr lvl="1"/>
-            <a:r>
-              <a:rPr lang="fr-FR" dirty="0" smtClean="0"/>
-              <a:t>Enregistrer un schéma conforme au W3C dans la base de données Oracle.</a:t>
-            </a:r>
-          </a:p>
-          <a:p>
-            <a:pPr lvl="1"/>
-            <a:endParaRPr lang="fr-FR" sz="2400" b="1" dirty="0" smtClean="0">
-              <a:solidFill>
-                <a:schemeClr val="accent5">
-                  <a:lumMod val="75000"/>
-                </a:schemeClr>
-              </a:solidFill>
-            </a:endParaRPr>
+              <a:t>Schéma XSD</a:t>
+            </a:r>
+          </a:p>
+          <a:p>
+            <a:pPr algn="ctr">
+              <a:buNone/>
+            </a:pPr>
+            <a:r>
+              <a:rPr lang="fr-FR" sz="1600" dirty="0" smtClean="0">
+                <a:solidFill>
+                  <a:schemeClr val="accent5">
+                    <a:lumMod val="75000"/>
+                  </a:schemeClr>
+                </a:solidFill>
+              </a:rPr>
+              <a:t>(XML Schéma Définition)</a:t>
+            </a:r>
           </a:p>
         </p:txBody>
       </p:sp>
@@ -15320,6 +16462,36 @@
           </a:fontRef>
         </p:style>
       </p:cxnSp>
+      <p:pic>
+        <p:nvPicPr>
+          <p:cNvPr id="10" name="Image 9"/>
+          <p:cNvPicPr/>
+          <p:nvPr/>
+        </p:nvPicPr>
+        <p:blipFill>
+          <a:blip r:embed="rId2" cstate="print"/>
+          <a:srcRect/>
+          <a:stretch>
+            <a:fillRect/>
+          </a:stretch>
+        </p:blipFill>
+        <p:spPr bwMode="auto">
+          <a:xfrm>
+            <a:off x="2771800" y="2852936"/>
+            <a:ext cx="5904656" cy="1951104"/>
+          </a:xfrm>
+          <a:prstGeom prst="rect">
+            <a:avLst/>
+          </a:prstGeom>
+          <a:noFill/>
+          <a:ln w="9525">
+            <a:noFill/>
+            <a:miter lim="800000"/>
+            <a:headEnd/>
+            <a:tailEnd/>
+          </a:ln>
+        </p:spPr>
+      </p:pic>
     </p:spTree>
   </p:cSld>
   <p:clrMapOvr>
@@ -15397,13 +16569,13 @@
         </p:nvSpPr>
         <p:spPr>
           <a:xfrm>
-            <a:off x="2915816" y="1700808"/>
-            <a:ext cx="5616624" cy="4896544"/>
+            <a:off x="2411760" y="1700808"/>
+            <a:ext cx="6552728" cy="4248472"/>
           </a:xfrm>
         </p:spPr>
         <p:txBody>
           <a:bodyPr>
-            <a:normAutofit fontScale="47500" lnSpcReduction="20000"/>
+            <a:normAutofit/>
           </a:bodyPr>
           <a:lstStyle/>
           <a:p>
@@ -15411,701 +16583,43 @@
               <a:buNone/>
             </a:pPr>
             <a:r>
-              <a:rPr lang="fr-FR" sz="5900" b="1" dirty="0" smtClean="0">
+              <a:rPr lang="fr-FR" sz="2800" b="1" dirty="0" smtClean="0">
                 <a:solidFill>
                   <a:schemeClr val="accent5">
                     <a:lumMod val="75000"/>
                   </a:schemeClr>
                 </a:solidFill>
               </a:rPr>
-              <a:t>XML et Oracle : </a:t>
-            </a:r>
-            <a:r>
-              <a:rPr lang="fr-FR" sz="5900" b="1" dirty="0" err="1" smtClean="0">
-                <a:solidFill>
-                  <a:schemeClr val="accent5">
-                    <a:lumMod val="75000"/>
-                  </a:schemeClr>
-                </a:solidFill>
-              </a:rPr>
-              <a:t>XMLType</a:t>
-            </a:r>
-            <a:endParaRPr lang="fr-FR" sz="5900" b="1" dirty="0" smtClean="0">
+              <a:t>XML et Oracle : XML DB</a:t>
+            </a:r>
+          </a:p>
+          <a:p>
+            <a:pPr lvl="1"/>
+            <a:r>
+              <a:rPr lang="fr-FR" dirty="0" smtClean="0"/>
+              <a:t>Un type de données XML utilisé pour stocker et gérer du contenu XML.</a:t>
+            </a:r>
+          </a:p>
+          <a:p>
+            <a:pPr lvl="1"/>
+            <a:r>
+              <a:rPr lang="fr-FR" dirty="0" smtClean="0"/>
+              <a:t>Une collection de méthodes et opérateurs SQL permettant d'agir sur du XML.</a:t>
+            </a:r>
+          </a:p>
+          <a:p>
+            <a:pPr lvl="1"/>
+            <a:r>
+              <a:rPr lang="fr-FR" dirty="0" smtClean="0"/>
+              <a:t>Enregistrer un schéma conforme au W3C dans la base de données Oracle.</a:t>
+            </a:r>
+          </a:p>
+          <a:p>
+            <a:pPr lvl="1"/>
+            <a:endParaRPr lang="fr-FR" sz="2400" b="1" dirty="0" smtClean="0">
               <a:solidFill>
                 <a:schemeClr val="accent5">
                   <a:lumMod val="75000"/>
-                </a:schemeClr>
-              </a:solidFill>
-            </a:endParaRPr>
-          </a:p>
-          <a:p>
-            <a:pPr algn="ctr">
-              <a:buNone/>
-            </a:pPr>
-            <a:endParaRPr lang="fr-FR" sz="2800" b="1" dirty="0" smtClean="0">
-              <a:solidFill>
-                <a:schemeClr val="accent5">
-                  <a:lumMod val="75000"/>
-                </a:schemeClr>
-              </a:solidFill>
-            </a:endParaRPr>
-          </a:p>
-          <a:p>
-            <a:pPr>
-              <a:buNone/>
-            </a:pPr>
-            <a:endParaRPr lang="fr-FR" sz="2800" i="1" dirty="0" smtClean="0"/>
-          </a:p>
-          <a:p>
-            <a:pPr>
-              <a:buNone/>
-            </a:pPr>
-            <a:r>
-              <a:rPr lang="fr-FR" sz="2800" i="1" dirty="0" smtClean="0">
-                <a:solidFill>
-                  <a:schemeClr val="tx2">
-                    <a:lumMod val="50000"/>
-                  </a:schemeClr>
-                </a:solidFill>
-              </a:rPr>
-              <a:t>INSERT INTO film</a:t>
-            </a:r>
-            <a:endParaRPr lang="fr-FR" sz="2800" dirty="0" smtClean="0">
-              <a:solidFill>
-                <a:schemeClr val="tx2">
-                  <a:lumMod val="50000"/>
-                </a:schemeClr>
-              </a:solidFill>
-            </a:endParaRPr>
-          </a:p>
-          <a:p>
-            <a:pPr>
-              <a:buNone/>
-            </a:pPr>
-            <a:r>
-              <a:rPr lang="fr-FR" sz="2800" i="1" dirty="0" smtClean="0">
-                <a:solidFill>
-                  <a:schemeClr val="tx2">
-                    <a:lumMod val="50000"/>
-                  </a:schemeClr>
-                </a:solidFill>
-              </a:rPr>
-              <a:t>VALUES ( 6, '</a:t>
-            </a:r>
-            <a:r>
-              <a:rPr lang="fr-FR" sz="2800" i="1" dirty="0" err="1" smtClean="0">
-                <a:solidFill>
-                  <a:schemeClr val="tx2">
-                    <a:lumMod val="50000"/>
-                  </a:schemeClr>
-                </a:solidFill>
-              </a:rPr>
-              <a:t>gran</a:t>
-            </a:r>
-            <a:r>
-              <a:rPr lang="fr-FR" sz="2800" i="1" dirty="0" smtClean="0">
-                <a:solidFill>
-                  <a:schemeClr val="tx2">
-                    <a:lumMod val="50000"/>
-                  </a:schemeClr>
-                </a:solidFill>
-              </a:rPr>
-              <a:t> </a:t>
-            </a:r>
-            <a:r>
-              <a:rPr lang="fr-FR" sz="2800" i="1" dirty="0" err="1" smtClean="0">
-                <a:solidFill>
-                  <a:schemeClr val="tx2">
-                    <a:lumMod val="50000"/>
-                  </a:schemeClr>
-                </a:solidFill>
-              </a:rPr>
-              <a:t>torino</a:t>
-            </a:r>
-            <a:r>
-              <a:rPr lang="fr-FR" sz="2800" i="1" dirty="0" smtClean="0">
-                <a:solidFill>
-                  <a:schemeClr val="tx2">
-                    <a:lumMod val="50000"/>
-                  </a:schemeClr>
-                </a:solidFill>
-              </a:rPr>
-              <a:t>', 138, 2010, 9 ,9.5 ,'</a:t>
-            </a:r>
-            <a:r>
-              <a:rPr lang="fr-FR" sz="2800" i="1" dirty="0" err="1" smtClean="0">
-                <a:solidFill>
-                  <a:schemeClr val="tx2">
-                    <a:lumMod val="50000"/>
-                  </a:schemeClr>
-                </a:solidFill>
-              </a:rPr>
-              <a:t>clint</a:t>
-            </a:r>
-            <a:r>
-              <a:rPr lang="fr-FR" sz="2800" i="1" dirty="0" smtClean="0">
-                <a:solidFill>
-                  <a:schemeClr val="tx2">
-                    <a:lumMod val="50000"/>
-                  </a:schemeClr>
-                </a:solidFill>
-              </a:rPr>
-              <a:t> a la retraite...',</a:t>
-            </a:r>
-            <a:r>
-              <a:rPr lang="fr-FR" sz="2800" i="1" dirty="0" err="1" smtClean="0">
-                <a:solidFill>
-                  <a:schemeClr val="tx2">
-                    <a:lumMod val="50000"/>
-                  </a:schemeClr>
-                </a:solidFill>
-              </a:rPr>
-              <a:t>XMLType</a:t>
-            </a:r>
-            <a:r>
-              <a:rPr lang="fr-FR" sz="2800" i="1" dirty="0" smtClean="0">
-                <a:solidFill>
-                  <a:schemeClr val="tx2">
-                    <a:lumMod val="50000"/>
-                  </a:schemeClr>
-                </a:solidFill>
-              </a:rPr>
-              <a:t>('</a:t>
-            </a:r>
-            <a:endParaRPr lang="fr-FR" sz="2800" dirty="0" smtClean="0">
-              <a:solidFill>
-                <a:schemeClr val="tx2">
-                  <a:lumMod val="50000"/>
-                </a:schemeClr>
-              </a:solidFill>
-            </a:endParaRPr>
-          </a:p>
-          <a:p>
-            <a:pPr>
-              <a:buNone/>
-            </a:pPr>
-            <a:r>
-              <a:rPr lang="fr-FR" sz="2800" i="1" dirty="0" smtClean="0">
-                <a:solidFill>
-                  <a:schemeClr val="tx2">
-                    <a:lumMod val="50000"/>
-                  </a:schemeClr>
-                </a:solidFill>
-              </a:rPr>
-              <a:t>&lt;film&gt; </a:t>
-            </a:r>
-            <a:endParaRPr lang="fr-FR" sz="2800" dirty="0" smtClean="0">
-              <a:solidFill>
-                <a:schemeClr val="tx2">
-                  <a:lumMod val="50000"/>
-                </a:schemeClr>
-              </a:solidFill>
-            </a:endParaRPr>
-          </a:p>
-          <a:p>
-            <a:pPr>
-              <a:buNone/>
-            </a:pPr>
-            <a:r>
-              <a:rPr lang="fr-FR" sz="2800" i="1" dirty="0" smtClean="0">
-                <a:solidFill>
-                  <a:schemeClr val="tx2">
-                    <a:lumMod val="50000"/>
-                  </a:schemeClr>
-                </a:solidFill>
-              </a:rPr>
-              <a:t>    &lt;commentaire&gt;</a:t>
-            </a:r>
-            <a:endParaRPr lang="fr-FR" sz="2800" dirty="0" smtClean="0">
-              <a:solidFill>
-                <a:schemeClr val="tx2">
-                  <a:lumMod val="50000"/>
-                </a:schemeClr>
-              </a:solidFill>
-            </a:endParaRPr>
-          </a:p>
-          <a:p>
-            <a:pPr>
-              <a:buNone/>
-            </a:pPr>
-            <a:r>
-              <a:rPr lang="fr-FR" sz="2800" i="1" dirty="0" smtClean="0">
-                <a:solidFill>
-                  <a:schemeClr val="tx2">
-                    <a:lumMod val="50000"/>
-                  </a:schemeClr>
-                </a:solidFill>
-              </a:rPr>
-              <a:t>	&lt;pseudo&gt;ford_48&lt;/pseudo&gt;</a:t>
-            </a:r>
-            <a:endParaRPr lang="fr-FR" sz="2800" dirty="0" smtClean="0">
-              <a:solidFill>
-                <a:schemeClr val="tx2">
-                  <a:lumMod val="50000"/>
-                </a:schemeClr>
-              </a:solidFill>
-            </a:endParaRPr>
-          </a:p>
-          <a:p>
-            <a:pPr>
-              <a:buNone/>
-            </a:pPr>
-            <a:r>
-              <a:rPr lang="fr-FR" sz="2800" i="1" dirty="0" smtClean="0">
-                <a:solidFill>
-                  <a:schemeClr val="tx2">
-                    <a:lumMod val="50000"/>
-                  </a:schemeClr>
-                </a:solidFill>
-              </a:rPr>
-              <a:t>	&lt;</a:t>
-            </a:r>
-            <a:r>
-              <a:rPr lang="fr-FR" sz="2800" i="1" dirty="0" err="1" smtClean="0">
-                <a:solidFill>
-                  <a:schemeClr val="tx2">
-                    <a:lumMod val="50000"/>
-                  </a:schemeClr>
-                </a:solidFill>
-              </a:rPr>
-              <a:t>com</a:t>
-            </a:r>
-            <a:r>
-              <a:rPr lang="fr-FR" sz="2800" i="1" dirty="0" smtClean="0">
-                <a:solidFill>
-                  <a:schemeClr val="tx2">
-                    <a:lumMod val="50000"/>
-                  </a:schemeClr>
-                </a:solidFill>
-              </a:rPr>
-              <a:t>&gt;</a:t>
-            </a:r>
-            <a:r>
-              <a:rPr lang="fr-FR" sz="2800" i="1" dirty="0" err="1" smtClean="0">
-                <a:solidFill>
-                  <a:schemeClr val="tx2">
-                    <a:lumMod val="50000"/>
-                  </a:schemeClr>
-                </a:solidFill>
-              </a:rPr>
-              <a:t>trés</a:t>
-            </a:r>
-            <a:r>
-              <a:rPr lang="fr-FR" sz="2800" i="1" dirty="0" smtClean="0">
-                <a:solidFill>
-                  <a:schemeClr val="tx2">
-                    <a:lumMod val="50000"/>
-                  </a:schemeClr>
-                </a:solidFill>
-              </a:rPr>
-              <a:t> bon film avec M. </a:t>
-            </a:r>
-            <a:r>
-              <a:rPr lang="fr-FR" sz="2800" i="1" dirty="0" err="1" smtClean="0">
-                <a:solidFill>
-                  <a:schemeClr val="tx2">
-                    <a:lumMod val="50000"/>
-                  </a:schemeClr>
-                </a:solidFill>
-              </a:rPr>
-              <a:t>Eastwood</a:t>
-            </a:r>
-            <a:r>
-              <a:rPr lang="fr-FR" sz="2800" i="1" dirty="0" smtClean="0">
-                <a:solidFill>
-                  <a:schemeClr val="tx2">
-                    <a:lumMod val="50000"/>
-                  </a:schemeClr>
-                </a:solidFill>
-              </a:rPr>
-              <a:t>&lt;/</a:t>
-            </a:r>
-            <a:r>
-              <a:rPr lang="fr-FR" sz="2800" i="1" dirty="0" err="1" smtClean="0">
-                <a:solidFill>
-                  <a:schemeClr val="tx2">
-                    <a:lumMod val="50000"/>
-                  </a:schemeClr>
-                </a:solidFill>
-              </a:rPr>
-              <a:t>com</a:t>
-            </a:r>
-            <a:r>
-              <a:rPr lang="fr-FR" sz="2800" i="1" dirty="0" smtClean="0">
-                <a:solidFill>
-                  <a:schemeClr val="tx2">
-                    <a:lumMod val="50000"/>
-                  </a:schemeClr>
-                </a:solidFill>
-              </a:rPr>
-              <a:t>&gt;</a:t>
-            </a:r>
-            <a:endParaRPr lang="fr-FR" sz="2800" dirty="0" smtClean="0">
-              <a:solidFill>
-                <a:schemeClr val="tx2">
-                  <a:lumMod val="50000"/>
-                </a:schemeClr>
-              </a:solidFill>
-            </a:endParaRPr>
-          </a:p>
-          <a:p>
-            <a:pPr>
-              <a:buNone/>
-            </a:pPr>
-            <a:r>
-              <a:rPr lang="fr-FR" sz="2800" i="1" dirty="0" smtClean="0">
-                <a:solidFill>
-                  <a:schemeClr val="tx2">
-                    <a:lumMod val="50000"/>
-                  </a:schemeClr>
-                </a:solidFill>
-              </a:rPr>
-              <a:t>	&lt;note&gt;10&lt;/note&gt;</a:t>
-            </a:r>
-            <a:endParaRPr lang="fr-FR" sz="2800" dirty="0" smtClean="0">
-              <a:solidFill>
-                <a:schemeClr val="tx2">
-                  <a:lumMod val="50000"/>
-                </a:schemeClr>
-              </a:solidFill>
-            </a:endParaRPr>
-          </a:p>
-          <a:p>
-            <a:pPr>
-              <a:buNone/>
-            </a:pPr>
-            <a:r>
-              <a:rPr lang="fr-FR" sz="2800" i="1" dirty="0" smtClean="0">
-                <a:solidFill>
-                  <a:schemeClr val="tx2">
-                    <a:lumMod val="50000"/>
-                  </a:schemeClr>
-                </a:solidFill>
-              </a:rPr>
-              <a:t>	&lt;source&gt;</a:t>
-            </a:r>
-            <a:r>
-              <a:rPr lang="fr-FR" sz="2800" i="1" dirty="0" err="1" smtClean="0">
-                <a:solidFill>
-                  <a:schemeClr val="tx2">
-                    <a:lumMod val="50000"/>
-                  </a:schemeClr>
-                </a:solidFill>
-              </a:rPr>
-              <a:t>Allocine</a:t>
-            </a:r>
-            <a:r>
-              <a:rPr lang="fr-FR" sz="2800" i="1" dirty="0" smtClean="0">
-                <a:solidFill>
-                  <a:schemeClr val="tx2">
-                    <a:lumMod val="50000"/>
-                  </a:schemeClr>
-                </a:solidFill>
-              </a:rPr>
-              <a:t>&lt;/source&gt;</a:t>
-            </a:r>
-            <a:endParaRPr lang="fr-FR" sz="2800" dirty="0" smtClean="0">
-              <a:solidFill>
-                <a:schemeClr val="tx2">
-                  <a:lumMod val="50000"/>
-                </a:schemeClr>
-              </a:solidFill>
-            </a:endParaRPr>
-          </a:p>
-          <a:p>
-            <a:pPr>
-              <a:buNone/>
-            </a:pPr>
-            <a:r>
-              <a:rPr lang="fr-FR" sz="2800" i="1" dirty="0" smtClean="0">
-                <a:solidFill>
-                  <a:schemeClr val="tx2">
-                    <a:lumMod val="50000"/>
-                  </a:schemeClr>
-                </a:solidFill>
-              </a:rPr>
-              <a:t>    &lt;/commentaire&gt;</a:t>
-            </a:r>
-            <a:endParaRPr lang="fr-FR" sz="2800" dirty="0" smtClean="0">
-              <a:solidFill>
-                <a:schemeClr val="tx2">
-                  <a:lumMod val="50000"/>
-                </a:schemeClr>
-              </a:solidFill>
-            </a:endParaRPr>
-          </a:p>
-          <a:p>
-            <a:pPr>
-              <a:buNone/>
-            </a:pPr>
-            <a:r>
-              <a:rPr lang="fr-FR" sz="2800" i="1" dirty="0" smtClean="0">
-                <a:solidFill>
-                  <a:schemeClr val="tx2">
-                    <a:lumMod val="50000"/>
-                  </a:schemeClr>
-                </a:solidFill>
-              </a:rPr>
-              <a:t>    &lt;commentaire&gt;</a:t>
-            </a:r>
-            <a:endParaRPr lang="fr-FR" sz="2800" dirty="0" smtClean="0">
-              <a:solidFill>
-                <a:schemeClr val="tx2">
-                  <a:lumMod val="50000"/>
-                </a:schemeClr>
-              </a:solidFill>
-            </a:endParaRPr>
-          </a:p>
-          <a:p>
-            <a:pPr>
-              <a:buNone/>
-            </a:pPr>
-            <a:r>
-              <a:rPr lang="fr-FR" sz="2800" i="1" dirty="0" smtClean="0">
-                <a:solidFill>
-                  <a:schemeClr val="tx2">
-                    <a:lumMod val="50000"/>
-                  </a:schemeClr>
-                </a:solidFill>
-              </a:rPr>
-              <a:t>	&lt;pseudo&gt;jojodu12&lt;/pseudo&gt;</a:t>
-            </a:r>
-            <a:endParaRPr lang="fr-FR" sz="2800" dirty="0" smtClean="0">
-              <a:solidFill>
-                <a:schemeClr val="tx2">
-                  <a:lumMod val="50000"/>
-                </a:schemeClr>
-              </a:solidFill>
-            </a:endParaRPr>
-          </a:p>
-          <a:p>
-            <a:pPr>
-              <a:buNone/>
-            </a:pPr>
-            <a:r>
-              <a:rPr lang="fr-FR" sz="2800" i="1" dirty="0" smtClean="0">
-                <a:solidFill>
-                  <a:schemeClr val="tx2">
-                    <a:lumMod val="50000"/>
-                  </a:schemeClr>
-                </a:solidFill>
-              </a:rPr>
-              <a:t>	&lt;</a:t>
-            </a:r>
-            <a:r>
-              <a:rPr lang="fr-FR" sz="2800" i="1" dirty="0" err="1" smtClean="0">
-                <a:solidFill>
-                  <a:schemeClr val="tx2">
-                    <a:lumMod val="50000"/>
-                  </a:schemeClr>
-                </a:solidFill>
-              </a:rPr>
-              <a:t>com</a:t>
-            </a:r>
-            <a:r>
-              <a:rPr lang="fr-FR" sz="2800" i="1" dirty="0" smtClean="0">
-                <a:solidFill>
-                  <a:schemeClr val="tx2">
-                    <a:lumMod val="50000"/>
-                  </a:schemeClr>
-                </a:solidFill>
-              </a:rPr>
-              <a:t>&gt;Clint encore une fois énorme !!&lt;/</a:t>
-            </a:r>
-            <a:r>
-              <a:rPr lang="fr-FR" sz="2800" i="1" dirty="0" err="1" smtClean="0">
-                <a:solidFill>
-                  <a:schemeClr val="tx2">
-                    <a:lumMod val="50000"/>
-                  </a:schemeClr>
-                </a:solidFill>
-              </a:rPr>
-              <a:t>com</a:t>
-            </a:r>
-            <a:r>
-              <a:rPr lang="fr-FR" sz="2800" i="1" dirty="0" smtClean="0">
-                <a:solidFill>
-                  <a:schemeClr val="tx2">
-                    <a:lumMod val="50000"/>
-                  </a:schemeClr>
-                </a:solidFill>
-              </a:rPr>
-              <a:t>&gt;</a:t>
-            </a:r>
-            <a:endParaRPr lang="fr-FR" sz="2800" dirty="0" smtClean="0">
-              <a:solidFill>
-                <a:schemeClr val="tx2">
-                  <a:lumMod val="50000"/>
-                </a:schemeClr>
-              </a:solidFill>
-            </a:endParaRPr>
-          </a:p>
-          <a:p>
-            <a:pPr>
-              <a:buNone/>
-            </a:pPr>
-            <a:r>
-              <a:rPr lang="fr-FR" sz="2800" i="1" dirty="0" smtClean="0">
-                <a:solidFill>
-                  <a:schemeClr val="tx2">
-                    <a:lumMod val="50000"/>
-                  </a:schemeClr>
-                </a:solidFill>
-              </a:rPr>
-              <a:t>	&lt;note&gt;8&lt;/note&gt;</a:t>
-            </a:r>
-            <a:endParaRPr lang="fr-FR" sz="2800" dirty="0" smtClean="0">
-              <a:solidFill>
-                <a:schemeClr val="tx2">
-                  <a:lumMod val="50000"/>
-                </a:schemeClr>
-              </a:solidFill>
-            </a:endParaRPr>
-          </a:p>
-          <a:p>
-            <a:pPr>
-              <a:buNone/>
-            </a:pPr>
-            <a:r>
-              <a:rPr lang="fr-FR" sz="2800" i="1" dirty="0" smtClean="0">
-                <a:solidFill>
-                  <a:schemeClr val="tx2">
-                    <a:lumMod val="50000"/>
-                  </a:schemeClr>
-                </a:solidFill>
-              </a:rPr>
-              <a:t>	&lt;source&gt;</a:t>
-            </a:r>
-            <a:r>
-              <a:rPr lang="fr-FR" sz="2800" i="1" dirty="0" err="1" smtClean="0">
-                <a:solidFill>
-                  <a:schemeClr val="tx2">
-                    <a:lumMod val="50000"/>
-                  </a:schemeClr>
-                </a:solidFill>
-              </a:rPr>
-              <a:t>Allocine</a:t>
-            </a:r>
-            <a:r>
-              <a:rPr lang="fr-FR" sz="2800" i="1" dirty="0" smtClean="0">
-                <a:solidFill>
-                  <a:schemeClr val="tx2">
-                    <a:lumMod val="50000"/>
-                  </a:schemeClr>
-                </a:solidFill>
-              </a:rPr>
-              <a:t>&lt;/source&gt;</a:t>
-            </a:r>
-            <a:endParaRPr lang="fr-FR" sz="2800" dirty="0" smtClean="0">
-              <a:solidFill>
-                <a:schemeClr val="tx2">
-                  <a:lumMod val="50000"/>
-                </a:schemeClr>
-              </a:solidFill>
-            </a:endParaRPr>
-          </a:p>
-          <a:p>
-            <a:pPr>
-              <a:buNone/>
-            </a:pPr>
-            <a:r>
-              <a:rPr lang="fr-FR" sz="2800" i="1" dirty="0" smtClean="0">
-                <a:solidFill>
-                  <a:schemeClr val="tx2">
-                    <a:lumMod val="50000"/>
-                  </a:schemeClr>
-                </a:solidFill>
-              </a:rPr>
-              <a:t>    &lt;/commentaire&gt;</a:t>
-            </a:r>
-            <a:endParaRPr lang="fr-FR" sz="2800" dirty="0" smtClean="0">
-              <a:solidFill>
-                <a:schemeClr val="tx2">
-                  <a:lumMod val="50000"/>
-                </a:schemeClr>
-              </a:solidFill>
-            </a:endParaRPr>
-          </a:p>
-          <a:p>
-            <a:pPr>
-              <a:buNone/>
-            </a:pPr>
-            <a:r>
-              <a:rPr lang="fr-FR" sz="2800" i="1" dirty="0" smtClean="0">
-                <a:solidFill>
-                  <a:schemeClr val="tx2">
-                    <a:lumMod val="50000"/>
-                  </a:schemeClr>
-                </a:solidFill>
-              </a:rPr>
-              <a:t>&lt;/film&gt;'),'' )</a:t>
-            </a:r>
-          </a:p>
-          <a:p>
-            <a:pPr>
-              <a:buNone/>
-            </a:pPr>
-            <a:r>
-              <a:rPr lang="fr-FR" sz="2800" i="1" dirty="0" smtClean="0">
-                <a:solidFill>
-                  <a:schemeClr val="tx2">
-                    <a:lumMod val="50000"/>
-                  </a:schemeClr>
-                </a:solidFill>
-              </a:rPr>
-              <a:t>/</a:t>
-            </a:r>
-          </a:p>
-          <a:p>
-            <a:pPr>
-              <a:buNone/>
-            </a:pPr>
-            <a:endParaRPr lang="fr-FR" sz="2800" i="1" dirty="0" smtClean="0">
-              <a:solidFill>
-                <a:schemeClr val="tx2">
-                  <a:lumMod val="50000"/>
-                </a:schemeClr>
-              </a:solidFill>
-            </a:endParaRPr>
-          </a:p>
-          <a:p>
-            <a:pPr algn="ctr">
-              <a:buNone/>
-            </a:pPr>
-            <a:r>
-              <a:rPr lang="fr-FR" sz="2800" i="1" dirty="0" smtClean="0">
-                <a:solidFill>
-                  <a:schemeClr val="tx2">
-                    <a:lumMod val="50000"/>
-                  </a:schemeClr>
-                </a:solidFill>
-              </a:rPr>
-              <a:t>Exemple d’insertion de XML dans la base de données grâce au </a:t>
-            </a:r>
-            <a:r>
-              <a:rPr lang="fr-FR" sz="2800" i="1" dirty="0" err="1" smtClean="0">
-                <a:solidFill>
-                  <a:schemeClr val="tx2">
-                    <a:lumMod val="50000"/>
-                  </a:schemeClr>
-                </a:solidFill>
-              </a:rPr>
-              <a:t>XMLType</a:t>
-            </a:r>
-            <a:r>
-              <a:rPr lang="fr-FR" sz="2800" i="1" dirty="0" smtClean="0">
-                <a:solidFill>
-                  <a:schemeClr val="tx2">
-                    <a:lumMod val="50000"/>
-                  </a:schemeClr>
-                </a:solidFill>
-              </a:rPr>
-              <a:t>.</a:t>
-            </a:r>
-            <a:endParaRPr lang="fr-FR" sz="2800" i="1" dirty="0" smtClean="0">
-              <a:solidFill>
-                <a:schemeClr val="tx2">
-                  <a:lumMod val="50000"/>
                 </a:schemeClr>
               </a:solidFill>
             </a:endParaRPr>
@@ -16443,47 +16957,6 @@
           </a:fontRef>
         </p:style>
       </p:cxnSp>
-      <p:sp>
-        <p:nvSpPr>
-          <p:cNvPr id="8" name="Rectangle 7"/>
-          <p:cNvSpPr/>
-          <p:nvPr/>
-        </p:nvSpPr>
-        <p:spPr>
-          <a:xfrm>
-            <a:off x="2915816" y="2420888"/>
-            <a:ext cx="5616624" cy="3456384"/>
-          </a:xfrm>
-          <a:prstGeom prst="rect">
-            <a:avLst/>
-          </a:prstGeom>
-          <a:noFill/>
-        </p:spPr>
-        <p:style>
-          <a:lnRef idx="2">
-            <a:schemeClr val="accent1">
-              <a:shade val="50000"/>
-            </a:schemeClr>
-          </a:lnRef>
-          <a:fillRef idx="1">
-            <a:schemeClr val="accent1"/>
-          </a:fillRef>
-          <a:effectRef idx="0">
-            <a:schemeClr val="accent1"/>
-          </a:effectRef>
-          <a:fontRef idx="minor">
-            <a:schemeClr val="lt1"/>
-          </a:fontRef>
-        </p:style>
-        <p:txBody>
-          <a:bodyPr rtlCol="0" anchor="ctr"/>
-          <a:lstStyle/>
-          <a:p>
-            <a:pPr algn="ctr"/>
-            <a:endParaRPr lang="fr-FR"/>
-          </a:p>
-        </p:txBody>
-      </p:sp>
     </p:spTree>
   </p:cSld>
   <p:clrMapOvr>

--- a/pwp soutenance.pptx
+++ b/pwp soutenance.pptx
@@ -10,23 +10,27 @@
     <p:sldId id="263" r:id="rId4"/>
     <p:sldId id="264" r:id="rId5"/>
     <p:sldId id="285" r:id="rId6"/>
-    <p:sldId id="265" r:id="rId7"/>
-    <p:sldId id="269" r:id="rId8"/>
-    <p:sldId id="270" r:id="rId9"/>
-    <p:sldId id="271" r:id="rId10"/>
-    <p:sldId id="274" r:id="rId11"/>
-    <p:sldId id="276" r:id="rId12"/>
-    <p:sldId id="275" r:id="rId13"/>
-    <p:sldId id="267" r:id="rId14"/>
-    <p:sldId id="278" r:id="rId15"/>
-    <p:sldId id="280" r:id="rId16"/>
-    <p:sldId id="281" r:id="rId17"/>
-    <p:sldId id="283" r:id="rId18"/>
-    <p:sldId id="282" r:id="rId19"/>
-    <p:sldId id="284" r:id="rId20"/>
-    <p:sldId id="279" r:id="rId21"/>
-    <p:sldId id="277" r:id="rId22"/>
-    <p:sldId id="268" r:id="rId23"/>
+    <p:sldId id="287" r:id="rId7"/>
+    <p:sldId id="288" r:id="rId8"/>
+    <p:sldId id="265" r:id="rId9"/>
+    <p:sldId id="289" r:id="rId10"/>
+    <p:sldId id="269" r:id="rId11"/>
+    <p:sldId id="270" r:id="rId12"/>
+    <p:sldId id="271" r:id="rId13"/>
+    <p:sldId id="274" r:id="rId14"/>
+    <p:sldId id="276" r:id="rId15"/>
+    <p:sldId id="275" r:id="rId16"/>
+    <p:sldId id="267" r:id="rId17"/>
+    <p:sldId id="278" r:id="rId18"/>
+    <p:sldId id="280" r:id="rId19"/>
+    <p:sldId id="281" r:id="rId20"/>
+    <p:sldId id="283" r:id="rId21"/>
+    <p:sldId id="282" r:id="rId22"/>
+    <p:sldId id="284" r:id="rId23"/>
+    <p:sldId id="279" r:id="rId24"/>
+    <p:sldId id="277" r:id="rId25"/>
+    <p:sldId id="268" r:id="rId26"/>
+    <p:sldId id="286" r:id="rId27"/>
   </p:sldIdLst>
   <p:sldSz cx="9144000" cy="6858000" type="screen4x3"/>
   <p:notesSz cx="6858000" cy="9144000"/>
@@ -304,7 +308,7 @@
             <a:fld id="{47E776F3-D1A9-4326-92FB-E3DA03CAF959}" type="datetimeFigureOut">
               <a:rPr lang="fr-FR" smtClean="0"/>
               <a:pPr/>
-              <a:t>09/03/2011</a:t>
+              <a:t>10/03/2011</a:t>
             </a:fld>
             <a:endParaRPr lang="fr-FR"/>
           </a:p>
@@ -476,7 +480,7 @@
             <a:fld id="{47E776F3-D1A9-4326-92FB-E3DA03CAF959}" type="datetimeFigureOut">
               <a:rPr lang="fr-FR" smtClean="0"/>
               <a:pPr/>
-              <a:t>09/03/2011</a:t>
+              <a:t>10/03/2011</a:t>
             </a:fld>
             <a:endParaRPr lang="fr-FR"/>
           </a:p>
@@ -653,7 +657,7 @@
             <a:fld id="{47E776F3-D1A9-4326-92FB-E3DA03CAF959}" type="datetimeFigureOut">
               <a:rPr lang="fr-FR" smtClean="0"/>
               <a:pPr/>
-              <a:t>09/03/2011</a:t>
+              <a:t>10/03/2011</a:t>
             </a:fld>
             <a:endParaRPr lang="fr-FR"/>
           </a:p>
@@ -820,7 +824,7 @@
             <a:fld id="{47E776F3-D1A9-4326-92FB-E3DA03CAF959}" type="datetimeFigureOut">
               <a:rPr lang="fr-FR" smtClean="0"/>
               <a:pPr/>
-              <a:t>09/03/2011</a:t>
+              <a:t>10/03/2011</a:t>
             </a:fld>
             <a:endParaRPr lang="fr-FR"/>
           </a:p>
@@ -1056,7 +1060,7 @@
             <a:fld id="{47E776F3-D1A9-4326-92FB-E3DA03CAF959}" type="datetimeFigureOut">
               <a:rPr lang="fr-FR" smtClean="0"/>
               <a:pPr/>
-              <a:t>09/03/2011</a:t>
+              <a:t>10/03/2011</a:t>
             </a:fld>
             <a:endParaRPr lang="fr-FR"/>
           </a:p>
@@ -1354,7 +1358,7 @@
             <a:fld id="{47E776F3-D1A9-4326-92FB-E3DA03CAF959}" type="datetimeFigureOut">
               <a:rPr lang="fr-FR" smtClean="0"/>
               <a:pPr/>
-              <a:t>09/03/2011</a:t>
+              <a:t>10/03/2011</a:t>
             </a:fld>
             <a:endParaRPr lang="fr-FR"/>
           </a:p>
@@ -1740,7 +1744,7 @@
             <a:fld id="{47E776F3-D1A9-4326-92FB-E3DA03CAF959}" type="datetimeFigureOut">
               <a:rPr lang="fr-FR" smtClean="0"/>
               <a:pPr/>
-              <a:t>09/03/2011</a:t>
+              <a:t>10/03/2011</a:t>
             </a:fld>
             <a:endParaRPr lang="fr-FR"/>
           </a:p>
@@ -1915,7 +1919,7 @@
             <a:fld id="{47E776F3-D1A9-4326-92FB-E3DA03CAF959}" type="datetimeFigureOut">
               <a:rPr lang="fr-FR" smtClean="0"/>
               <a:pPr/>
-              <a:t>09/03/2011</a:t>
+              <a:t>10/03/2011</a:t>
             </a:fld>
             <a:endParaRPr lang="fr-FR"/>
           </a:p>
@@ -2007,7 +2011,7 @@
             <a:fld id="{47E776F3-D1A9-4326-92FB-E3DA03CAF959}" type="datetimeFigureOut">
               <a:rPr lang="fr-FR" smtClean="0"/>
               <a:pPr/>
-              <a:t>09/03/2011</a:t>
+              <a:t>10/03/2011</a:t>
             </a:fld>
             <a:endParaRPr lang="fr-FR"/>
           </a:p>
@@ -2304,7 +2308,7 @@
             <a:fld id="{47E776F3-D1A9-4326-92FB-E3DA03CAF959}" type="datetimeFigureOut">
               <a:rPr lang="fr-FR" smtClean="0"/>
               <a:pPr/>
-              <a:t>09/03/2011</a:t>
+              <a:t>10/03/2011</a:t>
             </a:fld>
             <a:endParaRPr lang="fr-FR"/>
           </a:p>
@@ -2440,7 +2444,7 @@
             <a:fld id="{47E776F3-D1A9-4326-92FB-E3DA03CAF959}" type="datetimeFigureOut">
               <a:rPr lang="fr-FR" smtClean="0"/>
               <a:pPr/>
-              <a:t>09/03/2011</a:t>
+              <a:t>10/03/2011</a:t>
             </a:fld>
             <a:endParaRPr lang="fr-FR"/>
           </a:p>
@@ -2745,7 +2749,7 @@
             <a:fld id="{47E776F3-D1A9-4326-92FB-E3DA03CAF959}" type="datetimeFigureOut">
               <a:rPr lang="fr-FR" smtClean="0"/>
               <a:pPr/>
-              <a:t>09/03/2011</a:t>
+              <a:t>10/03/2011</a:t>
             </a:fld>
             <a:endParaRPr lang="fr-FR"/>
           </a:p>
@@ -3326,8 +3330,16 @@
           <a:lstStyle/>
           <a:p>
             <a:r>
+              <a:rPr lang="fr-FR" sz="1600" dirty="0" err="1" smtClean="0"/>
+              <a:t>Scraping</a:t>
+            </a:r>
+            <a:r>
               <a:rPr lang="fr-FR" sz="1600" dirty="0" smtClean="0"/>
-              <a:t>Scrapping java - base de données Oracle - XML - PUI PHP</a:t>
+              <a:t> </a:t>
+            </a:r>
+            <a:r>
+              <a:rPr lang="fr-FR" sz="1600" dirty="0" smtClean="0"/>
+              <a:t>java - base de données Oracle - XML - PUI PHP</a:t>
             </a:r>
             <a:endParaRPr lang="fr-FR" sz="1600" dirty="0"/>
           </a:p>
@@ -3511,13 +3523,7 @@
               </a:rPr>
               <a:t>STOCKAGES</a:t>
             </a:r>
-            <a:r>
-              <a:rPr lang="fr-FR" sz="2000" cap="none" dirty="0" smtClean="0">
-                <a:effectLst/>
-              </a:rPr>
-              <a:t>(suite)</a:t>
-            </a:r>
-            <a:endParaRPr lang="fr-FR" sz="2000" dirty="0"/>
+            <a:endParaRPr lang="fr-FR" dirty="0"/>
           </a:p>
         </p:txBody>
       </p:sp>
@@ -3533,13 +3539,13 @@
         </p:nvSpPr>
         <p:spPr>
           <a:xfrm>
-            <a:off x="2915816" y="1700808"/>
-            <a:ext cx="5616624" cy="4896544"/>
+            <a:off x="2411760" y="1700808"/>
+            <a:ext cx="6552728" cy="576064"/>
           </a:xfrm>
         </p:spPr>
         <p:txBody>
           <a:bodyPr>
-            <a:normAutofit fontScale="47500" lnSpcReduction="20000"/>
+            <a:normAutofit/>
           </a:bodyPr>
           <a:lstStyle/>
           <a:p>
@@ -3547,37 +3553,25 @@
               <a:buNone/>
             </a:pPr>
             <a:r>
-              <a:rPr lang="fr-FR" sz="5900" b="1" dirty="0" smtClean="0">
+              <a:rPr lang="fr-FR" sz="2800" b="1" dirty="0" smtClean="0">
                 <a:solidFill>
                   <a:schemeClr val="accent5">
                     <a:lumMod val="75000"/>
                   </a:schemeClr>
                 </a:solidFill>
               </a:rPr>
-              <a:t>XML et Oracle : </a:t>
-            </a:r>
-            <a:r>
-              <a:rPr lang="fr-FR" sz="5900" b="1" dirty="0" err="1" smtClean="0">
+              <a:t>Modèle Conceptuel </a:t>
+            </a:r>
+            <a:r>
+              <a:rPr lang="fr-FR" sz="2800" b="1" dirty="0" smtClean="0">
                 <a:solidFill>
                   <a:schemeClr val="accent5">
                     <a:lumMod val="75000"/>
                   </a:schemeClr>
                 </a:solidFill>
               </a:rPr>
-              <a:t>XMLType</a:t>
-            </a:r>
-            <a:endParaRPr lang="fr-FR" sz="5900" b="1" dirty="0" smtClean="0">
-              <a:solidFill>
-                <a:schemeClr val="accent5">
-                  <a:lumMod val="75000"/>
-                </a:schemeClr>
-              </a:solidFill>
-            </a:endParaRPr>
-          </a:p>
-          <a:p>
-            <a:pPr algn="ctr">
-              <a:buNone/>
-            </a:pPr>
+              <a:t>de Données</a:t>
+            </a:r>
             <a:endParaRPr lang="fr-FR" sz="2800" b="1" dirty="0" smtClean="0">
               <a:solidFill>
                 <a:schemeClr val="accent5">
@@ -3585,659 +3579,6 @@
                 </a:schemeClr>
               </a:solidFill>
             </a:endParaRPr>
-          </a:p>
-          <a:p>
-            <a:pPr>
-              <a:buNone/>
-            </a:pPr>
-            <a:endParaRPr lang="fr-FR" sz="2800" i="1" dirty="0" smtClean="0"/>
-          </a:p>
-          <a:p>
-            <a:pPr>
-              <a:buNone/>
-            </a:pPr>
-            <a:r>
-              <a:rPr lang="fr-FR" sz="2800" i="1" dirty="0" smtClean="0">
-                <a:solidFill>
-                  <a:schemeClr val="tx2">
-                    <a:lumMod val="50000"/>
-                  </a:schemeClr>
-                </a:solidFill>
-              </a:rPr>
-              <a:t>INSERT INTO film</a:t>
-            </a:r>
-            <a:endParaRPr lang="fr-FR" sz="2800" dirty="0" smtClean="0">
-              <a:solidFill>
-                <a:schemeClr val="tx2">
-                  <a:lumMod val="50000"/>
-                </a:schemeClr>
-              </a:solidFill>
-            </a:endParaRPr>
-          </a:p>
-          <a:p>
-            <a:pPr>
-              <a:buNone/>
-            </a:pPr>
-            <a:r>
-              <a:rPr lang="fr-FR" sz="2800" i="1" dirty="0" smtClean="0">
-                <a:solidFill>
-                  <a:schemeClr val="tx2">
-                    <a:lumMod val="50000"/>
-                  </a:schemeClr>
-                </a:solidFill>
-              </a:rPr>
-              <a:t>VALUES ( 6, '</a:t>
-            </a:r>
-            <a:r>
-              <a:rPr lang="fr-FR" sz="2800" i="1" dirty="0" err="1" smtClean="0">
-                <a:solidFill>
-                  <a:schemeClr val="tx2">
-                    <a:lumMod val="50000"/>
-                  </a:schemeClr>
-                </a:solidFill>
-              </a:rPr>
-              <a:t>gran</a:t>
-            </a:r>
-            <a:r>
-              <a:rPr lang="fr-FR" sz="2800" i="1" dirty="0" smtClean="0">
-                <a:solidFill>
-                  <a:schemeClr val="tx2">
-                    <a:lumMod val="50000"/>
-                  </a:schemeClr>
-                </a:solidFill>
-              </a:rPr>
-              <a:t> </a:t>
-            </a:r>
-            <a:r>
-              <a:rPr lang="fr-FR" sz="2800" i="1" dirty="0" err="1" smtClean="0">
-                <a:solidFill>
-                  <a:schemeClr val="tx2">
-                    <a:lumMod val="50000"/>
-                  </a:schemeClr>
-                </a:solidFill>
-              </a:rPr>
-              <a:t>torino</a:t>
-            </a:r>
-            <a:r>
-              <a:rPr lang="fr-FR" sz="2800" i="1" dirty="0" smtClean="0">
-                <a:solidFill>
-                  <a:schemeClr val="tx2">
-                    <a:lumMod val="50000"/>
-                  </a:schemeClr>
-                </a:solidFill>
-              </a:rPr>
-              <a:t>', 138, 2010, 9 ,9.5 ,'</a:t>
-            </a:r>
-            <a:r>
-              <a:rPr lang="fr-FR" sz="2800" i="1" dirty="0" err="1" smtClean="0">
-                <a:solidFill>
-                  <a:schemeClr val="tx2">
-                    <a:lumMod val="50000"/>
-                  </a:schemeClr>
-                </a:solidFill>
-              </a:rPr>
-              <a:t>clint</a:t>
-            </a:r>
-            <a:r>
-              <a:rPr lang="fr-FR" sz="2800" i="1" dirty="0" smtClean="0">
-                <a:solidFill>
-                  <a:schemeClr val="tx2">
-                    <a:lumMod val="50000"/>
-                  </a:schemeClr>
-                </a:solidFill>
-              </a:rPr>
-              <a:t> a la retraite...',</a:t>
-            </a:r>
-            <a:r>
-              <a:rPr lang="fr-FR" sz="2800" i="1" dirty="0" err="1" smtClean="0">
-                <a:solidFill>
-                  <a:schemeClr val="tx2">
-                    <a:lumMod val="50000"/>
-                  </a:schemeClr>
-                </a:solidFill>
-              </a:rPr>
-              <a:t>XMLType</a:t>
-            </a:r>
-            <a:r>
-              <a:rPr lang="fr-FR" sz="2800" i="1" dirty="0" smtClean="0">
-                <a:solidFill>
-                  <a:schemeClr val="tx2">
-                    <a:lumMod val="50000"/>
-                  </a:schemeClr>
-                </a:solidFill>
-              </a:rPr>
-              <a:t>('</a:t>
-            </a:r>
-            <a:endParaRPr lang="fr-FR" sz="2800" dirty="0" smtClean="0">
-              <a:solidFill>
-                <a:schemeClr val="tx2">
-                  <a:lumMod val="50000"/>
-                </a:schemeClr>
-              </a:solidFill>
-            </a:endParaRPr>
-          </a:p>
-          <a:p>
-            <a:pPr>
-              <a:buNone/>
-            </a:pPr>
-            <a:r>
-              <a:rPr lang="fr-FR" sz="2800" i="1" dirty="0" smtClean="0">
-                <a:solidFill>
-                  <a:schemeClr val="tx2">
-                    <a:lumMod val="50000"/>
-                  </a:schemeClr>
-                </a:solidFill>
-              </a:rPr>
-              <a:t>&lt;film&gt; </a:t>
-            </a:r>
-            <a:endParaRPr lang="fr-FR" sz="2800" dirty="0" smtClean="0">
-              <a:solidFill>
-                <a:schemeClr val="tx2">
-                  <a:lumMod val="50000"/>
-                </a:schemeClr>
-              </a:solidFill>
-            </a:endParaRPr>
-          </a:p>
-          <a:p>
-            <a:pPr>
-              <a:buNone/>
-            </a:pPr>
-            <a:r>
-              <a:rPr lang="fr-FR" sz="2800" i="1" dirty="0" smtClean="0">
-                <a:solidFill>
-                  <a:schemeClr val="tx2">
-                    <a:lumMod val="50000"/>
-                  </a:schemeClr>
-                </a:solidFill>
-              </a:rPr>
-              <a:t>    &lt;commentaire&gt;</a:t>
-            </a:r>
-            <a:endParaRPr lang="fr-FR" sz="2800" dirty="0" smtClean="0">
-              <a:solidFill>
-                <a:schemeClr val="tx2">
-                  <a:lumMod val="50000"/>
-                </a:schemeClr>
-              </a:solidFill>
-            </a:endParaRPr>
-          </a:p>
-          <a:p>
-            <a:pPr>
-              <a:buNone/>
-            </a:pPr>
-            <a:r>
-              <a:rPr lang="fr-FR" sz="2800" i="1" dirty="0" smtClean="0">
-                <a:solidFill>
-                  <a:schemeClr val="tx2">
-                    <a:lumMod val="50000"/>
-                  </a:schemeClr>
-                </a:solidFill>
-              </a:rPr>
-              <a:t>	&lt;pseudo&gt;ford_48&lt;/pseudo&gt;</a:t>
-            </a:r>
-            <a:endParaRPr lang="fr-FR" sz="2800" dirty="0" smtClean="0">
-              <a:solidFill>
-                <a:schemeClr val="tx2">
-                  <a:lumMod val="50000"/>
-                </a:schemeClr>
-              </a:solidFill>
-            </a:endParaRPr>
-          </a:p>
-          <a:p>
-            <a:pPr>
-              <a:buNone/>
-            </a:pPr>
-            <a:r>
-              <a:rPr lang="fr-FR" sz="2800" i="1" dirty="0" smtClean="0">
-                <a:solidFill>
-                  <a:schemeClr val="tx2">
-                    <a:lumMod val="50000"/>
-                  </a:schemeClr>
-                </a:solidFill>
-              </a:rPr>
-              <a:t>	&lt;</a:t>
-            </a:r>
-            <a:r>
-              <a:rPr lang="fr-FR" sz="2800" i="1" dirty="0" err="1" smtClean="0">
-                <a:solidFill>
-                  <a:schemeClr val="tx2">
-                    <a:lumMod val="50000"/>
-                  </a:schemeClr>
-                </a:solidFill>
-              </a:rPr>
-              <a:t>com</a:t>
-            </a:r>
-            <a:r>
-              <a:rPr lang="fr-FR" sz="2800" i="1" dirty="0" smtClean="0">
-                <a:solidFill>
-                  <a:schemeClr val="tx2">
-                    <a:lumMod val="50000"/>
-                  </a:schemeClr>
-                </a:solidFill>
-              </a:rPr>
-              <a:t>&gt;</a:t>
-            </a:r>
-            <a:r>
-              <a:rPr lang="fr-FR" sz="2800" i="1" dirty="0" err="1" smtClean="0">
-                <a:solidFill>
-                  <a:schemeClr val="tx2">
-                    <a:lumMod val="50000"/>
-                  </a:schemeClr>
-                </a:solidFill>
-              </a:rPr>
-              <a:t>trés</a:t>
-            </a:r>
-            <a:r>
-              <a:rPr lang="fr-FR" sz="2800" i="1" dirty="0" smtClean="0">
-                <a:solidFill>
-                  <a:schemeClr val="tx2">
-                    <a:lumMod val="50000"/>
-                  </a:schemeClr>
-                </a:solidFill>
-              </a:rPr>
-              <a:t> bon film avec M. </a:t>
-            </a:r>
-            <a:r>
-              <a:rPr lang="fr-FR" sz="2800" i="1" dirty="0" err="1" smtClean="0">
-                <a:solidFill>
-                  <a:schemeClr val="tx2">
-                    <a:lumMod val="50000"/>
-                  </a:schemeClr>
-                </a:solidFill>
-              </a:rPr>
-              <a:t>Eastwood</a:t>
-            </a:r>
-            <a:r>
-              <a:rPr lang="fr-FR" sz="2800" i="1" dirty="0" smtClean="0">
-                <a:solidFill>
-                  <a:schemeClr val="tx2">
-                    <a:lumMod val="50000"/>
-                  </a:schemeClr>
-                </a:solidFill>
-              </a:rPr>
-              <a:t>&lt;/</a:t>
-            </a:r>
-            <a:r>
-              <a:rPr lang="fr-FR" sz="2800" i="1" dirty="0" err="1" smtClean="0">
-                <a:solidFill>
-                  <a:schemeClr val="tx2">
-                    <a:lumMod val="50000"/>
-                  </a:schemeClr>
-                </a:solidFill>
-              </a:rPr>
-              <a:t>com</a:t>
-            </a:r>
-            <a:r>
-              <a:rPr lang="fr-FR" sz="2800" i="1" dirty="0" smtClean="0">
-                <a:solidFill>
-                  <a:schemeClr val="tx2">
-                    <a:lumMod val="50000"/>
-                  </a:schemeClr>
-                </a:solidFill>
-              </a:rPr>
-              <a:t>&gt;</a:t>
-            </a:r>
-            <a:endParaRPr lang="fr-FR" sz="2800" dirty="0" smtClean="0">
-              <a:solidFill>
-                <a:schemeClr val="tx2">
-                  <a:lumMod val="50000"/>
-                </a:schemeClr>
-              </a:solidFill>
-            </a:endParaRPr>
-          </a:p>
-          <a:p>
-            <a:pPr>
-              <a:buNone/>
-            </a:pPr>
-            <a:r>
-              <a:rPr lang="fr-FR" sz="2800" i="1" dirty="0" smtClean="0">
-                <a:solidFill>
-                  <a:schemeClr val="tx2">
-                    <a:lumMod val="50000"/>
-                  </a:schemeClr>
-                </a:solidFill>
-              </a:rPr>
-              <a:t>	&lt;note&gt;10&lt;/note&gt;</a:t>
-            </a:r>
-            <a:endParaRPr lang="fr-FR" sz="2800" dirty="0" smtClean="0">
-              <a:solidFill>
-                <a:schemeClr val="tx2">
-                  <a:lumMod val="50000"/>
-                </a:schemeClr>
-              </a:solidFill>
-            </a:endParaRPr>
-          </a:p>
-          <a:p>
-            <a:pPr>
-              <a:buNone/>
-            </a:pPr>
-            <a:r>
-              <a:rPr lang="fr-FR" sz="2800" i="1" dirty="0" smtClean="0">
-                <a:solidFill>
-                  <a:schemeClr val="tx2">
-                    <a:lumMod val="50000"/>
-                  </a:schemeClr>
-                </a:solidFill>
-              </a:rPr>
-              <a:t>	&lt;source&gt;</a:t>
-            </a:r>
-            <a:r>
-              <a:rPr lang="fr-FR" sz="2800" i="1" dirty="0" err="1" smtClean="0">
-                <a:solidFill>
-                  <a:schemeClr val="tx2">
-                    <a:lumMod val="50000"/>
-                  </a:schemeClr>
-                </a:solidFill>
-              </a:rPr>
-              <a:t>Allocine</a:t>
-            </a:r>
-            <a:r>
-              <a:rPr lang="fr-FR" sz="2800" i="1" dirty="0" smtClean="0">
-                <a:solidFill>
-                  <a:schemeClr val="tx2">
-                    <a:lumMod val="50000"/>
-                  </a:schemeClr>
-                </a:solidFill>
-              </a:rPr>
-              <a:t>&lt;/source&gt;</a:t>
-            </a:r>
-            <a:endParaRPr lang="fr-FR" sz="2800" dirty="0" smtClean="0">
-              <a:solidFill>
-                <a:schemeClr val="tx2">
-                  <a:lumMod val="50000"/>
-                </a:schemeClr>
-              </a:solidFill>
-            </a:endParaRPr>
-          </a:p>
-          <a:p>
-            <a:pPr>
-              <a:buNone/>
-            </a:pPr>
-            <a:r>
-              <a:rPr lang="fr-FR" sz="2800" i="1" dirty="0" smtClean="0">
-                <a:solidFill>
-                  <a:schemeClr val="tx2">
-                    <a:lumMod val="50000"/>
-                  </a:schemeClr>
-                </a:solidFill>
-              </a:rPr>
-              <a:t>    &lt;/commentaire&gt;</a:t>
-            </a:r>
-            <a:endParaRPr lang="fr-FR" sz="2800" dirty="0" smtClean="0">
-              <a:solidFill>
-                <a:schemeClr val="tx2">
-                  <a:lumMod val="50000"/>
-                </a:schemeClr>
-              </a:solidFill>
-            </a:endParaRPr>
-          </a:p>
-          <a:p>
-            <a:pPr>
-              <a:buNone/>
-            </a:pPr>
-            <a:r>
-              <a:rPr lang="fr-FR" sz="2800" i="1" dirty="0" smtClean="0">
-                <a:solidFill>
-                  <a:schemeClr val="tx2">
-                    <a:lumMod val="50000"/>
-                  </a:schemeClr>
-                </a:solidFill>
-              </a:rPr>
-              <a:t>    &lt;commentaire&gt;</a:t>
-            </a:r>
-            <a:endParaRPr lang="fr-FR" sz="2800" dirty="0" smtClean="0">
-              <a:solidFill>
-                <a:schemeClr val="tx2">
-                  <a:lumMod val="50000"/>
-                </a:schemeClr>
-              </a:solidFill>
-            </a:endParaRPr>
-          </a:p>
-          <a:p>
-            <a:pPr>
-              <a:buNone/>
-            </a:pPr>
-            <a:r>
-              <a:rPr lang="fr-FR" sz="2800" i="1" dirty="0" smtClean="0">
-                <a:solidFill>
-                  <a:schemeClr val="tx2">
-                    <a:lumMod val="50000"/>
-                  </a:schemeClr>
-                </a:solidFill>
-              </a:rPr>
-              <a:t>	&lt;pseudo&gt;jojodu12&lt;/pseudo&gt;</a:t>
-            </a:r>
-            <a:endParaRPr lang="fr-FR" sz="2800" dirty="0" smtClean="0">
-              <a:solidFill>
-                <a:schemeClr val="tx2">
-                  <a:lumMod val="50000"/>
-                </a:schemeClr>
-              </a:solidFill>
-            </a:endParaRPr>
-          </a:p>
-          <a:p>
-            <a:pPr>
-              <a:buNone/>
-            </a:pPr>
-            <a:r>
-              <a:rPr lang="fr-FR" sz="2800" i="1" dirty="0" smtClean="0">
-                <a:solidFill>
-                  <a:schemeClr val="tx2">
-                    <a:lumMod val="50000"/>
-                  </a:schemeClr>
-                </a:solidFill>
-              </a:rPr>
-              <a:t>	&lt;</a:t>
-            </a:r>
-            <a:r>
-              <a:rPr lang="fr-FR" sz="2800" i="1" dirty="0" err="1" smtClean="0">
-                <a:solidFill>
-                  <a:schemeClr val="tx2">
-                    <a:lumMod val="50000"/>
-                  </a:schemeClr>
-                </a:solidFill>
-              </a:rPr>
-              <a:t>com</a:t>
-            </a:r>
-            <a:r>
-              <a:rPr lang="fr-FR" sz="2800" i="1" dirty="0" smtClean="0">
-                <a:solidFill>
-                  <a:schemeClr val="tx2">
-                    <a:lumMod val="50000"/>
-                  </a:schemeClr>
-                </a:solidFill>
-              </a:rPr>
-              <a:t>&gt;Clint encore une fois énorme !!&lt;/</a:t>
-            </a:r>
-            <a:r>
-              <a:rPr lang="fr-FR" sz="2800" i="1" dirty="0" err="1" smtClean="0">
-                <a:solidFill>
-                  <a:schemeClr val="tx2">
-                    <a:lumMod val="50000"/>
-                  </a:schemeClr>
-                </a:solidFill>
-              </a:rPr>
-              <a:t>com</a:t>
-            </a:r>
-            <a:r>
-              <a:rPr lang="fr-FR" sz="2800" i="1" dirty="0" smtClean="0">
-                <a:solidFill>
-                  <a:schemeClr val="tx2">
-                    <a:lumMod val="50000"/>
-                  </a:schemeClr>
-                </a:solidFill>
-              </a:rPr>
-              <a:t>&gt;</a:t>
-            </a:r>
-            <a:endParaRPr lang="fr-FR" sz="2800" dirty="0" smtClean="0">
-              <a:solidFill>
-                <a:schemeClr val="tx2">
-                  <a:lumMod val="50000"/>
-                </a:schemeClr>
-              </a:solidFill>
-            </a:endParaRPr>
-          </a:p>
-          <a:p>
-            <a:pPr>
-              <a:buNone/>
-            </a:pPr>
-            <a:r>
-              <a:rPr lang="fr-FR" sz="2800" i="1" dirty="0" smtClean="0">
-                <a:solidFill>
-                  <a:schemeClr val="tx2">
-                    <a:lumMod val="50000"/>
-                  </a:schemeClr>
-                </a:solidFill>
-              </a:rPr>
-              <a:t>	&lt;note&gt;8&lt;/note&gt;</a:t>
-            </a:r>
-            <a:endParaRPr lang="fr-FR" sz="2800" dirty="0" smtClean="0">
-              <a:solidFill>
-                <a:schemeClr val="tx2">
-                  <a:lumMod val="50000"/>
-                </a:schemeClr>
-              </a:solidFill>
-            </a:endParaRPr>
-          </a:p>
-          <a:p>
-            <a:pPr>
-              <a:buNone/>
-            </a:pPr>
-            <a:r>
-              <a:rPr lang="fr-FR" sz="2800" i="1" dirty="0" smtClean="0">
-                <a:solidFill>
-                  <a:schemeClr val="tx2">
-                    <a:lumMod val="50000"/>
-                  </a:schemeClr>
-                </a:solidFill>
-              </a:rPr>
-              <a:t>	&lt;source&gt;</a:t>
-            </a:r>
-            <a:r>
-              <a:rPr lang="fr-FR" sz="2800" i="1" dirty="0" err="1" smtClean="0">
-                <a:solidFill>
-                  <a:schemeClr val="tx2">
-                    <a:lumMod val="50000"/>
-                  </a:schemeClr>
-                </a:solidFill>
-              </a:rPr>
-              <a:t>Allocine</a:t>
-            </a:r>
-            <a:r>
-              <a:rPr lang="fr-FR" sz="2800" i="1" dirty="0" smtClean="0">
-                <a:solidFill>
-                  <a:schemeClr val="tx2">
-                    <a:lumMod val="50000"/>
-                  </a:schemeClr>
-                </a:solidFill>
-              </a:rPr>
-              <a:t>&lt;/source&gt;</a:t>
-            </a:r>
-            <a:endParaRPr lang="fr-FR" sz="2800" dirty="0" smtClean="0">
-              <a:solidFill>
-                <a:schemeClr val="tx2">
-                  <a:lumMod val="50000"/>
-                </a:schemeClr>
-              </a:solidFill>
-            </a:endParaRPr>
-          </a:p>
-          <a:p>
-            <a:pPr>
-              <a:buNone/>
-            </a:pPr>
-            <a:r>
-              <a:rPr lang="fr-FR" sz="2800" i="1" dirty="0" smtClean="0">
-                <a:solidFill>
-                  <a:schemeClr val="tx2">
-                    <a:lumMod val="50000"/>
-                  </a:schemeClr>
-                </a:solidFill>
-              </a:rPr>
-              <a:t>    &lt;/commentaire&gt;</a:t>
-            </a:r>
-            <a:endParaRPr lang="fr-FR" sz="2800" dirty="0" smtClean="0">
-              <a:solidFill>
-                <a:schemeClr val="tx2">
-                  <a:lumMod val="50000"/>
-                </a:schemeClr>
-              </a:solidFill>
-            </a:endParaRPr>
-          </a:p>
-          <a:p>
-            <a:pPr>
-              <a:buNone/>
-            </a:pPr>
-            <a:r>
-              <a:rPr lang="fr-FR" sz="2800" i="1" dirty="0" smtClean="0">
-                <a:solidFill>
-                  <a:schemeClr val="tx2">
-                    <a:lumMod val="50000"/>
-                  </a:schemeClr>
-                </a:solidFill>
-              </a:rPr>
-              <a:t>&lt;/film&gt;'),'' )</a:t>
-            </a:r>
-          </a:p>
-          <a:p>
-            <a:pPr>
-              <a:buNone/>
-            </a:pPr>
-            <a:r>
-              <a:rPr lang="fr-FR" sz="2800" i="1" dirty="0" smtClean="0">
-                <a:solidFill>
-                  <a:schemeClr val="tx2">
-                    <a:lumMod val="50000"/>
-                  </a:schemeClr>
-                </a:solidFill>
-              </a:rPr>
-              <a:t>/</a:t>
-            </a:r>
-          </a:p>
-          <a:p>
-            <a:pPr>
-              <a:buNone/>
-            </a:pPr>
-            <a:endParaRPr lang="fr-FR" sz="2800" i="1" dirty="0" smtClean="0">
-              <a:solidFill>
-                <a:schemeClr val="tx2">
-                  <a:lumMod val="50000"/>
-                </a:schemeClr>
-              </a:solidFill>
-            </a:endParaRPr>
-          </a:p>
-          <a:p>
-            <a:pPr algn="ctr">
-              <a:buNone/>
-            </a:pPr>
-            <a:r>
-              <a:rPr lang="fr-FR" sz="2800" i="1" dirty="0" smtClean="0">
-                <a:solidFill>
-                  <a:schemeClr val="tx2">
-                    <a:lumMod val="50000"/>
-                  </a:schemeClr>
-                </a:solidFill>
-              </a:rPr>
-              <a:t>Exemple d’insertion de XML dans la base de données grâce au </a:t>
-            </a:r>
-            <a:r>
-              <a:rPr lang="fr-FR" sz="2800" i="1" dirty="0" err="1" smtClean="0">
-                <a:solidFill>
-                  <a:schemeClr val="tx2">
-                    <a:lumMod val="50000"/>
-                  </a:schemeClr>
-                </a:solidFill>
-              </a:rPr>
-              <a:t>XMLType</a:t>
-            </a:r>
-            <a:r>
-              <a:rPr lang="fr-FR" sz="2800" i="1" dirty="0" smtClean="0">
-                <a:solidFill>
-                  <a:schemeClr val="tx2">
-                    <a:lumMod val="50000"/>
-                  </a:schemeClr>
-                </a:solidFill>
-              </a:rPr>
-              <a:t>.</a:t>
-            </a:r>
           </a:p>
         </p:txBody>
       </p:sp>
@@ -4572,47 +3913,36 @@
           </a:fontRef>
         </p:style>
       </p:cxnSp>
-      <p:sp>
-        <p:nvSpPr>
-          <p:cNvPr id="8" name="Rectangle 7"/>
-          <p:cNvSpPr/>
+      <p:pic>
+        <p:nvPicPr>
+          <p:cNvPr id="11" name="Image 10"/>
+          <p:cNvPicPr/>
           <p:nvPr/>
-        </p:nvSpPr>
-        <p:spPr>
+        </p:nvPicPr>
+        <p:blipFill>
+          <a:blip r:embed="rId2" cstate="print"/>
+          <a:srcRect/>
+          <a:stretch>
+            <a:fillRect/>
+          </a:stretch>
+        </p:blipFill>
+        <p:spPr bwMode="auto">
           <a:xfrm>
-            <a:off x="2915816" y="2420888"/>
-            <a:ext cx="5616624" cy="3456384"/>
+            <a:off x="3131840" y="2276872"/>
+            <a:ext cx="5040560" cy="3969441"/>
           </a:xfrm>
           <a:prstGeom prst="rect">
             <a:avLst/>
           </a:prstGeom>
           <a:noFill/>
-        </p:spPr>
-        <p:style>
-          <a:lnRef idx="2">
-            <a:schemeClr val="accent1">
-              <a:shade val="50000"/>
-            </a:schemeClr>
-          </a:lnRef>
-          <a:fillRef idx="1">
-            <a:schemeClr val="accent1"/>
-          </a:fillRef>
-          <a:effectRef idx="0">
-            <a:schemeClr val="accent1"/>
-          </a:effectRef>
-          <a:fontRef idx="minor">
-            <a:schemeClr val="lt1"/>
-          </a:fontRef>
-        </p:style>
-        <p:txBody>
-          <a:bodyPr rtlCol="0" anchor="ctr"/>
-          <a:lstStyle/>
-          <a:p>
-            <a:pPr algn="ctr"/>
-            <a:endParaRPr lang="fr-FR"/>
-          </a:p>
-        </p:txBody>
-      </p:sp>
+          <a:ln w="9525">
+            <a:noFill/>
+            <a:miter lim="800000"/>
+            <a:headEnd/>
+            <a:tailEnd/>
+          </a:ln>
+        </p:spPr>
+      </p:pic>
     </p:spTree>
   </p:cSld>
   <p:clrMapOvr>
@@ -4690,8 +4020,8 @@
         </p:nvSpPr>
         <p:spPr>
           <a:xfrm>
-            <a:off x="2915816" y="1700808"/>
-            <a:ext cx="5616624" cy="4896544"/>
+            <a:off x="2411760" y="1700808"/>
+            <a:ext cx="6552728" cy="864096"/>
           </a:xfrm>
         </p:spPr>
         <p:txBody>
@@ -4711,145 +4041,22 @@
                   </a:schemeClr>
                 </a:solidFill>
               </a:rPr>
-              <a:t>XML et Oracle : </a:t>
-            </a:r>
-            <a:r>
-              <a:rPr lang="fr-FR" sz="2800" b="1" dirty="0" err="1" smtClean="0">
+              <a:t>Schéma XSD</a:t>
+            </a:r>
+          </a:p>
+          <a:p>
+            <a:pPr algn="ctr">
+              <a:buNone/>
+            </a:pPr>
+            <a:r>
+              <a:rPr lang="fr-FR" sz="1600" dirty="0" smtClean="0">
                 <a:solidFill>
                   <a:schemeClr val="accent5">
                     <a:lumMod val="75000"/>
                   </a:schemeClr>
                 </a:solidFill>
               </a:rPr>
-              <a:t>XMLType</a:t>
-            </a:r>
-            <a:endParaRPr lang="fr-FR" sz="2800" b="1" dirty="0" smtClean="0">
-              <a:solidFill>
-                <a:schemeClr val="accent5">
-                  <a:lumMod val="75000"/>
-                </a:schemeClr>
-              </a:solidFill>
-            </a:endParaRPr>
-          </a:p>
-          <a:p>
-            <a:pPr algn="ctr">
-              <a:buNone/>
-            </a:pPr>
-            <a:endParaRPr lang="fr-FR" sz="2800" b="1" dirty="0" smtClean="0">
-              <a:solidFill>
-                <a:schemeClr val="accent5">
-                  <a:lumMod val="75000"/>
-                </a:schemeClr>
-              </a:solidFill>
-            </a:endParaRPr>
-          </a:p>
-          <a:p>
-            <a:pPr>
-              <a:buNone/>
-            </a:pPr>
-            <a:r>
-              <a:rPr lang="fr-FR" sz="1700" i="1" dirty="0" smtClean="0"/>
-              <a:t>SELECT  </a:t>
-            </a:r>
-            <a:r>
-              <a:rPr lang="fr-FR" sz="1700" i="1" dirty="0" err="1" smtClean="0"/>
-              <a:t>f.commentaire</a:t>
-            </a:r>
-            <a:r>
-              <a:rPr lang="fr-FR" sz="1700" i="1" dirty="0" smtClean="0"/>
-              <a:t>.</a:t>
-            </a:r>
-            <a:r>
-              <a:rPr lang="fr-FR" sz="1700" i="1" dirty="0" err="1" smtClean="0"/>
-              <a:t>extract</a:t>
-            </a:r>
-            <a:r>
-              <a:rPr lang="fr-FR" sz="1700" i="1" dirty="0" smtClean="0"/>
-              <a:t>('/film/commentaire/</a:t>
-            </a:r>
-            <a:r>
-              <a:rPr lang="fr-FR" sz="1700" i="1" dirty="0" err="1" smtClean="0"/>
-              <a:t>com</a:t>
-            </a:r>
-            <a:r>
-              <a:rPr lang="fr-FR" sz="1700" i="1" dirty="0" smtClean="0"/>
-              <a:t>/</a:t>
-            </a:r>
-            <a:r>
-              <a:rPr lang="fr-FR" sz="1700" i="1" dirty="0" err="1" smtClean="0"/>
-              <a:t>text</a:t>
-            </a:r>
-            <a:r>
-              <a:rPr lang="fr-FR" sz="1700" i="1" dirty="0" smtClean="0"/>
-              <a:t>()')</a:t>
-            </a:r>
-          </a:p>
-          <a:p>
-            <a:pPr>
-              <a:buNone/>
-            </a:pPr>
-            <a:r>
-              <a:rPr lang="fr-FR" sz="1700" i="1" dirty="0" smtClean="0"/>
-              <a:t>FROM film f;</a:t>
-            </a:r>
-          </a:p>
-          <a:p>
-            <a:pPr algn="ctr">
-              <a:buNone/>
-            </a:pPr>
-            <a:endParaRPr lang="fr-FR" sz="2800" b="1" dirty="0" smtClean="0">
-              <a:solidFill>
-                <a:schemeClr val="accent5">
-                  <a:lumMod val="75000"/>
-                </a:schemeClr>
-              </a:solidFill>
-            </a:endParaRPr>
-          </a:p>
-          <a:p>
-            <a:r>
-              <a:rPr lang="fr-FR" sz="2000" u="sng" dirty="0" smtClean="0">
-                <a:solidFill>
-                  <a:schemeClr val="accent2">
-                    <a:lumMod val="50000"/>
-                  </a:schemeClr>
-                </a:solidFill>
-              </a:rPr>
-              <a:t>Utilisation de </a:t>
-            </a:r>
-            <a:r>
-              <a:rPr lang="fr-FR" sz="2000" u="sng" dirty="0" err="1" smtClean="0">
-                <a:solidFill>
-                  <a:schemeClr val="accent2">
-                    <a:lumMod val="50000"/>
-                  </a:schemeClr>
-                </a:solidFill>
-              </a:rPr>
-              <a:t>Xpath</a:t>
-            </a:r>
-            <a:r>
-              <a:rPr lang="fr-FR" sz="2000" u="sng" dirty="0" smtClean="0">
-                <a:solidFill>
-                  <a:schemeClr val="accent2">
-                    <a:lumMod val="50000"/>
-                  </a:schemeClr>
-                </a:solidFill>
-              </a:rPr>
-              <a:t> pour l’extraction du XML.</a:t>
-            </a:r>
-          </a:p>
-          <a:p>
-            <a:pPr algn="ctr">
-              <a:buNone/>
-            </a:pPr>
-            <a:r>
-              <a:rPr lang="fr-FR" sz="1600" i="1" dirty="0" smtClean="0">
-                <a:solidFill>
-                  <a:schemeClr val="tx2">
-                    <a:lumMod val="50000"/>
-                  </a:schemeClr>
-                </a:solidFill>
-              </a:rPr>
-              <a:t>(ici extraction des commentaires)</a:t>
+              <a:t>(XML Schéma Définition)</a:t>
             </a:r>
           </a:p>
         </p:txBody>
@@ -5185,47 +4392,36 @@
           </a:fontRef>
         </p:style>
       </p:cxnSp>
-      <p:sp>
-        <p:nvSpPr>
-          <p:cNvPr id="8" name="Rectangle 7"/>
-          <p:cNvSpPr/>
+      <p:pic>
+        <p:nvPicPr>
+          <p:cNvPr id="10" name="Image 9"/>
+          <p:cNvPicPr/>
           <p:nvPr/>
-        </p:nvSpPr>
-        <p:spPr>
+        </p:nvPicPr>
+        <p:blipFill>
+          <a:blip r:embed="rId2" cstate="print"/>
+          <a:srcRect/>
+          <a:stretch>
+            <a:fillRect/>
+          </a:stretch>
+        </p:blipFill>
+        <p:spPr bwMode="auto">
           <a:xfrm>
-            <a:off x="2915816" y="2564904"/>
-            <a:ext cx="5616624" cy="1224136"/>
+            <a:off x="2771800" y="2852936"/>
+            <a:ext cx="5904656" cy="1951104"/>
           </a:xfrm>
           <a:prstGeom prst="rect">
             <a:avLst/>
           </a:prstGeom>
           <a:noFill/>
-        </p:spPr>
-        <p:style>
-          <a:lnRef idx="2">
-            <a:schemeClr val="accent1">
-              <a:shade val="50000"/>
-            </a:schemeClr>
-          </a:lnRef>
-          <a:fillRef idx="1">
-            <a:schemeClr val="accent1"/>
-          </a:fillRef>
-          <a:effectRef idx="0">
-            <a:schemeClr val="accent1"/>
-          </a:effectRef>
-          <a:fontRef idx="minor">
-            <a:schemeClr val="lt1"/>
-          </a:fontRef>
-        </p:style>
-        <p:txBody>
-          <a:bodyPr rtlCol="0" anchor="ctr"/>
-          <a:lstStyle/>
-          <a:p>
-            <a:pPr algn="ctr"/>
-            <a:endParaRPr lang="fr-FR"/>
-          </a:p>
-        </p:txBody>
-      </p:sp>
+          <a:ln w="9525">
+            <a:noFill/>
+            <a:miter lim="800000"/>
+            <a:headEnd/>
+            <a:tailEnd/>
+          </a:ln>
+        </p:spPr>
+      </p:pic>
     </p:spTree>
   </p:cSld>
   <p:clrMapOvr>
@@ -5303,13 +4499,13 @@
         </p:nvSpPr>
         <p:spPr>
           <a:xfrm>
-            <a:off x="2555776" y="1700808"/>
-            <a:ext cx="6120680" cy="4248472"/>
+            <a:off x="2411760" y="1700808"/>
+            <a:ext cx="6552728" cy="4248472"/>
           </a:xfrm>
         </p:spPr>
         <p:txBody>
           <a:bodyPr>
-            <a:normAutofit fontScale="55000" lnSpcReduction="20000"/>
+            <a:normAutofit/>
           </a:bodyPr>
           <a:lstStyle/>
           <a:p>
@@ -5317,21 +4513,31 @@
               <a:buNone/>
             </a:pPr>
             <a:r>
-              <a:rPr lang="fr-FR" sz="4400" b="1" dirty="0" smtClean="0">
+              <a:rPr lang="fr-FR" sz="2800" b="1" dirty="0" smtClean="0">
                 <a:solidFill>
                   <a:schemeClr val="accent5">
                     <a:lumMod val="75000"/>
                   </a:schemeClr>
                 </a:solidFill>
               </a:rPr>
-              <a:t>Trigger et vues</a:t>
+              <a:t>XML et Oracle : XML </a:t>
+            </a:r>
+            <a:r>
+              <a:rPr lang="fr-FR" sz="2800" b="1" dirty="0" smtClean="0">
+                <a:solidFill>
+                  <a:schemeClr val="accent5">
+                    <a:lumMod val="75000"/>
+                  </a:schemeClr>
+                </a:solidFill>
+              </a:rPr>
+              <a:t>DB</a:t>
             </a:r>
           </a:p>
           <a:p>
             <a:pPr algn="ctr">
               <a:buNone/>
             </a:pPr>
-            <a:endParaRPr lang="fr-FR" sz="2000" dirty="0" smtClean="0">
+            <a:endParaRPr lang="fr-FR" sz="2800" b="1" dirty="0" smtClean="0">
               <a:solidFill>
                 <a:schemeClr val="accent5">
                   <a:lumMod val="75000"/>
@@ -5341,223 +4547,25 @@
           </a:p>
           <a:p>
             <a:r>
-              <a:rPr lang="fr-FR" sz="3600" dirty="0" smtClean="0">
-                <a:solidFill>
-                  <a:schemeClr val="accent2">
-                    <a:lumMod val="50000"/>
-                  </a:schemeClr>
-                </a:solidFill>
-              </a:rPr>
-              <a:t>Projet d’utiliser une vue afin de rendre transparent l’utilisation de XML dans le code PHP.</a:t>
-            </a:r>
-          </a:p>
-          <a:p>
-            <a:r>
-              <a:rPr lang="fr-FR" sz="3600" dirty="0" smtClean="0">
-                <a:solidFill>
-                  <a:schemeClr val="accent2">
-                    <a:lumMod val="50000"/>
-                  </a:schemeClr>
-                </a:solidFill>
-              </a:rPr>
-              <a:t>Création d’un Trigger pour mettre à jour la moyenne des notes des utilisateurs.</a:t>
-            </a:r>
-          </a:p>
-          <a:p>
-            <a:pPr>
-              <a:buNone/>
-            </a:pPr>
-            <a:endParaRPr lang="fr-FR" sz="2000" dirty="0" smtClean="0">
-              <a:solidFill>
-                <a:schemeClr val="accent5">
-                  <a:lumMod val="75000"/>
-                </a:schemeClr>
-              </a:solidFill>
-            </a:endParaRPr>
-          </a:p>
-          <a:p>
-            <a:pPr>
-              <a:buNone/>
-            </a:pPr>
-            <a:endParaRPr lang="fr-FR" sz="2200" i="1" dirty="0" smtClean="0"/>
-          </a:p>
-          <a:p>
-            <a:pPr>
-              <a:buNone/>
-            </a:pPr>
-            <a:r>
-              <a:rPr lang="fr-FR" sz="2200" i="1" dirty="0" smtClean="0"/>
-              <a:t>CREATE OR REPLACE TRIGGER moyenne</a:t>
-            </a:r>
-          </a:p>
-          <a:p>
-            <a:pPr>
-              <a:buNone/>
-            </a:pPr>
-            <a:r>
-              <a:rPr lang="fr-FR" sz="2200" i="1" dirty="0" smtClean="0"/>
-              <a:t>AFTER INSERT OR UPDATE ON film</a:t>
-            </a:r>
-          </a:p>
-          <a:p>
-            <a:pPr>
-              <a:buNone/>
-            </a:pPr>
-            <a:r>
-              <a:rPr lang="fr-FR" sz="2200" i="1" dirty="0" smtClean="0"/>
-              <a:t>FOR EACH ROW</a:t>
-            </a:r>
-          </a:p>
-          <a:p>
-            <a:pPr>
-              <a:buNone/>
-            </a:pPr>
-            <a:r>
-              <a:rPr lang="fr-FR" sz="2200" i="1" dirty="0" smtClean="0"/>
-              <a:t>	BEGIN</a:t>
-            </a:r>
-          </a:p>
-          <a:p>
-            <a:pPr>
-              <a:buNone/>
-            </a:pPr>
-            <a:r>
-              <a:rPr lang="fr-FR" sz="2200" i="1" dirty="0" smtClean="0"/>
-              <a:t>                   NEW.</a:t>
-            </a:r>
-            <a:r>
-              <a:rPr lang="fr-FR" sz="2200" i="1" dirty="0" err="1" smtClean="0"/>
-              <a:t>notes_util</a:t>
-            </a:r>
-            <a:r>
-              <a:rPr lang="fr-FR" sz="2200" i="1" dirty="0" smtClean="0"/>
-              <a:t> := (SELECT AVG(</a:t>
-            </a:r>
-            <a:r>
-              <a:rPr lang="fr-FR" sz="2200" i="1" dirty="0" err="1" smtClean="0"/>
-              <a:t>extract</a:t>
-            </a:r>
-            <a:r>
-              <a:rPr lang="fr-FR" sz="2200" i="1" dirty="0" smtClean="0"/>
-              <a:t>(value(note),'note/</a:t>
-            </a:r>
-            <a:r>
-              <a:rPr lang="fr-FR" sz="2200" i="1" dirty="0" err="1" smtClean="0"/>
-              <a:t>text</a:t>
-            </a:r>
-            <a:r>
-              <a:rPr lang="fr-FR" sz="2200" i="1" dirty="0" smtClean="0"/>
-              <a:t>()').</a:t>
-            </a:r>
-            <a:r>
-              <a:rPr lang="fr-FR" sz="2200" i="1" dirty="0" err="1" smtClean="0"/>
-              <a:t>getNumberVal</a:t>
-            </a:r>
-            <a:r>
-              <a:rPr lang="fr-FR" sz="2200" i="1" dirty="0" smtClean="0"/>
-              <a:t>())</a:t>
-            </a:r>
-          </a:p>
-          <a:p>
-            <a:pPr>
-              <a:buNone/>
-            </a:pPr>
-            <a:r>
-              <a:rPr lang="fr-FR" sz="2200" i="1" dirty="0" smtClean="0"/>
-              <a:t>FROM film f, table(</a:t>
-            </a:r>
-            <a:r>
-              <a:rPr lang="fr-FR" sz="2200" i="1" dirty="0" err="1" smtClean="0"/>
-              <a:t>xmlsequence</a:t>
-            </a:r>
-            <a:r>
-              <a:rPr lang="fr-FR" sz="2200" i="1" dirty="0" smtClean="0"/>
-              <a:t>(</a:t>
-            </a:r>
-            <a:r>
-              <a:rPr lang="fr-FR" sz="2200" i="1" dirty="0" err="1" smtClean="0"/>
-              <a:t>extract</a:t>
-            </a:r>
-            <a:r>
-              <a:rPr lang="fr-FR" sz="2200" i="1" dirty="0" smtClean="0"/>
-              <a:t>(</a:t>
-            </a:r>
-            <a:r>
-              <a:rPr lang="fr-FR" sz="2200" i="1" dirty="0" err="1" smtClean="0"/>
-              <a:t>f.commentaire</a:t>
-            </a:r>
-            <a:r>
-              <a:rPr lang="fr-FR" sz="2200" i="1" dirty="0" smtClean="0"/>
-              <a:t>,'/film/commentaire/note')))  note</a:t>
-            </a:r>
-          </a:p>
-          <a:p>
-            <a:pPr>
-              <a:buNone/>
-            </a:pPr>
-            <a:r>
-              <a:rPr lang="fr-FR" sz="2200" i="1" dirty="0" smtClean="0"/>
-              <a:t>				WHERE </a:t>
-            </a:r>
-            <a:r>
-              <a:rPr lang="fr-FR" sz="2200" i="1" dirty="0" err="1" smtClean="0"/>
-              <a:t>id_film</a:t>
-            </a:r>
-            <a:r>
-              <a:rPr lang="fr-FR" sz="2200" i="1" dirty="0" smtClean="0"/>
-              <a:t> = NEW.id_film)</a:t>
-            </a:r>
-          </a:p>
-          <a:p>
-            <a:pPr>
-              <a:buNone/>
-            </a:pPr>
-            <a:r>
-              <a:rPr lang="fr-FR" sz="2200" i="1" dirty="0" smtClean="0"/>
-              <a:t>	END;</a:t>
-            </a:r>
-          </a:p>
-          <a:p>
-            <a:pPr>
-              <a:buNone/>
-            </a:pPr>
-            <a:r>
-              <a:rPr lang="fr-FR" sz="2200" i="1" dirty="0" smtClean="0"/>
-              <a:t>END moyenne;</a:t>
-            </a:r>
-          </a:p>
-          <a:p>
-            <a:pPr>
-              <a:buNone/>
-            </a:pPr>
-            <a:r>
-              <a:rPr lang="fr-FR" sz="2200" dirty="0" smtClean="0">
-                <a:solidFill>
-                  <a:schemeClr val="accent5">
-                    <a:lumMod val="75000"/>
-                  </a:schemeClr>
-                </a:solidFill>
-              </a:rPr>
-              <a:t> </a:t>
-            </a:r>
-          </a:p>
-          <a:p>
-            <a:pPr>
-              <a:buNone/>
-            </a:pPr>
-            <a:endParaRPr lang="fr-FR" sz="2800" dirty="0" smtClean="0">
-              <a:solidFill>
-                <a:schemeClr val="accent5">
-                  <a:lumMod val="75000"/>
-                </a:schemeClr>
-              </a:solidFill>
-            </a:endParaRPr>
-          </a:p>
-          <a:p>
-            <a:pPr algn="ctr">
-              <a:buNone/>
-            </a:pPr>
-            <a:endParaRPr lang="fr-FR" sz="2800" b="1" dirty="0" smtClean="0">
+              <a:rPr lang="fr-FR" sz="2400" dirty="0" smtClean="0"/>
+              <a:t>Un type de données XML utilisé pour stocker et gérer du contenu XML.</a:t>
+            </a:r>
+          </a:p>
+          <a:p>
+            <a:r>
+              <a:rPr lang="fr-FR" sz="2400" dirty="0" smtClean="0"/>
+              <a:t>Une collection de méthodes et opérateurs SQL permettant d'agir sur du XML.</a:t>
+            </a:r>
+          </a:p>
+          <a:p>
+            <a:r>
+              <a:rPr lang="fr-FR" sz="2400" dirty="0" smtClean="0"/>
+              <a:t>Enregistrer un schéma conforme au W3C dans la base de données Oracle.</a:t>
+            </a:r>
+          </a:p>
+          <a:p>
+            <a:pPr lvl="1"/>
+            <a:endParaRPr lang="fr-FR" sz="2400" b="1" dirty="0" smtClean="0">
               <a:solidFill>
                 <a:schemeClr val="accent5">
                   <a:lumMod val="75000"/>
@@ -5898,47 +4906,6 @@
           </a:fontRef>
         </p:style>
       </p:cxnSp>
-      <p:sp>
-        <p:nvSpPr>
-          <p:cNvPr id="8" name="Rectangle 7"/>
-          <p:cNvSpPr/>
-          <p:nvPr/>
-        </p:nvSpPr>
-        <p:spPr>
-          <a:xfrm>
-            <a:off x="2555776" y="3356992"/>
-            <a:ext cx="6120680" cy="2160240"/>
-          </a:xfrm>
-          <a:prstGeom prst="rect">
-            <a:avLst/>
-          </a:prstGeom>
-          <a:noFill/>
-        </p:spPr>
-        <p:style>
-          <a:lnRef idx="2">
-            <a:schemeClr val="accent6"/>
-          </a:lnRef>
-          <a:fillRef idx="1">
-            <a:schemeClr val="lt1"/>
-          </a:fillRef>
-          <a:effectRef idx="0">
-            <a:schemeClr val="accent6"/>
-          </a:effectRef>
-          <a:fontRef idx="minor">
-            <a:schemeClr val="dk1"/>
-          </a:fontRef>
-        </p:style>
-        <p:txBody>
-          <a:bodyPr rtlCol="0" anchor="ctr"/>
-          <a:lstStyle/>
-          <a:p>
-            <a:pPr algn="ctr"/>
-            <a:endParaRPr lang="fr-FR" dirty="0">
-              <a:noFill/>
-            </a:endParaRPr>
-          </a:p>
-        </p:txBody>
-      </p:sp>
     </p:spTree>
   </p:cSld>
   <p:clrMapOvr>
@@ -5989,6 +4956,2509 @@
           <a:lstStyle/>
           <a:p>
             <a:r>
+              <a:rPr lang="fr-FR" cap="none" dirty="0" smtClean="0">
+                <a:effectLst/>
+              </a:rPr>
+              <a:t>STOCKAGES</a:t>
+            </a:r>
+            <a:r>
+              <a:rPr lang="fr-FR" sz="2000" cap="none" dirty="0" smtClean="0">
+                <a:effectLst/>
+              </a:rPr>
+              <a:t>(suite)</a:t>
+            </a:r>
+            <a:endParaRPr lang="fr-FR" sz="2000" dirty="0"/>
+          </a:p>
+        </p:txBody>
+      </p:sp>
+      <p:sp>
+        <p:nvSpPr>
+          <p:cNvPr id="3" name="Espace réservé du contenu 2"/>
+          <p:cNvSpPr>
+            <a:spLocks noGrp="1"/>
+          </p:cNvSpPr>
+          <p:nvPr>
+            <p:ph idx="1"/>
+          </p:nvPr>
+        </p:nvSpPr>
+        <p:spPr>
+          <a:xfrm>
+            <a:off x="2915816" y="1700808"/>
+            <a:ext cx="5616624" cy="4896544"/>
+          </a:xfrm>
+        </p:spPr>
+        <p:txBody>
+          <a:bodyPr>
+            <a:normAutofit fontScale="47500" lnSpcReduction="20000"/>
+          </a:bodyPr>
+          <a:lstStyle/>
+          <a:p>
+            <a:pPr algn="ctr">
+              <a:buNone/>
+            </a:pPr>
+            <a:r>
+              <a:rPr lang="fr-FR" sz="5900" b="1" dirty="0" smtClean="0">
+                <a:solidFill>
+                  <a:schemeClr val="accent5">
+                    <a:lumMod val="75000"/>
+                  </a:schemeClr>
+                </a:solidFill>
+              </a:rPr>
+              <a:t>XML et Oracle : </a:t>
+            </a:r>
+            <a:r>
+              <a:rPr lang="fr-FR" sz="5900" b="1" dirty="0" err="1" smtClean="0">
+                <a:solidFill>
+                  <a:schemeClr val="accent5">
+                    <a:lumMod val="75000"/>
+                  </a:schemeClr>
+                </a:solidFill>
+              </a:rPr>
+              <a:t>XMLType</a:t>
+            </a:r>
+            <a:endParaRPr lang="fr-FR" sz="5900" b="1" dirty="0" smtClean="0">
+              <a:solidFill>
+                <a:schemeClr val="accent5">
+                  <a:lumMod val="75000"/>
+                </a:schemeClr>
+              </a:solidFill>
+            </a:endParaRPr>
+          </a:p>
+          <a:p>
+            <a:pPr algn="ctr">
+              <a:buNone/>
+            </a:pPr>
+            <a:endParaRPr lang="fr-FR" sz="2800" b="1" dirty="0" smtClean="0">
+              <a:solidFill>
+                <a:schemeClr val="accent5">
+                  <a:lumMod val="75000"/>
+                </a:schemeClr>
+              </a:solidFill>
+            </a:endParaRPr>
+          </a:p>
+          <a:p>
+            <a:pPr>
+              <a:buNone/>
+            </a:pPr>
+            <a:endParaRPr lang="fr-FR" sz="2800" i="1" dirty="0" smtClean="0"/>
+          </a:p>
+          <a:p>
+            <a:pPr>
+              <a:buNone/>
+            </a:pPr>
+            <a:r>
+              <a:rPr lang="fr-FR" sz="2800" i="1" dirty="0" smtClean="0">
+                <a:solidFill>
+                  <a:schemeClr val="tx2">
+                    <a:lumMod val="50000"/>
+                  </a:schemeClr>
+                </a:solidFill>
+              </a:rPr>
+              <a:t>INSERT INTO film</a:t>
+            </a:r>
+            <a:endParaRPr lang="fr-FR" sz="2800" dirty="0" smtClean="0">
+              <a:solidFill>
+                <a:schemeClr val="tx2">
+                  <a:lumMod val="50000"/>
+                </a:schemeClr>
+              </a:solidFill>
+            </a:endParaRPr>
+          </a:p>
+          <a:p>
+            <a:pPr>
+              <a:buNone/>
+            </a:pPr>
+            <a:r>
+              <a:rPr lang="fr-FR" sz="2800" i="1" dirty="0" smtClean="0">
+                <a:solidFill>
+                  <a:schemeClr val="tx2">
+                    <a:lumMod val="50000"/>
+                  </a:schemeClr>
+                </a:solidFill>
+              </a:rPr>
+              <a:t>VALUES ( 6, '</a:t>
+            </a:r>
+            <a:r>
+              <a:rPr lang="fr-FR" sz="2800" i="1" dirty="0" err="1" smtClean="0">
+                <a:solidFill>
+                  <a:schemeClr val="tx2">
+                    <a:lumMod val="50000"/>
+                  </a:schemeClr>
+                </a:solidFill>
+              </a:rPr>
+              <a:t>gran</a:t>
+            </a:r>
+            <a:r>
+              <a:rPr lang="fr-FR" sz="2800" i="1" dirty="0" smtClean="0">
+                <a:solidFill>
+                  <a:schemeClr val="tx2">
+                    <a:lumMod val="50000"/>
+                  </a:schemeClr>
+                </a:solidFill>
+              </a:rPr>
+              <a:t> </a:t>
+            </a:r>
+            <a:r>
+              <a:rPr lang="fr-FR" sz="2800" i="1" dirty="0" err="1" smtClean="0">
+                <a:solidFill>
+                  <a:schemeClr val="tx2">
+                    <a:lumMod val="50000"/>
+                  </a:schemeClr>
+                </a:solidFill>
+              </a:rPr>
+              <a:t>torino</a:t>
+            </a:r>
+            <a:r>
+              <a:rPr lang="fr-FR" sz="2800" i="1" dirty="0" smtClean="0">
+                <a:solidFill>
+                  <a:schemeClr val="tx2">
+                    <a:lumMod val="50000"/>
+                  </a:schemeClr>
+                </a:solidFill>
+              </a:rPr>
+              <a:t>', 138, 2010, 9 ,9.5 ,'</a:t>
+            </a:r>
+            <a:r>
+              <a:rPr lang="fr-FR" sz="2800" i="1" dirty="0" err="1" smtClean="0">
+                <a:solidFill>
+                  <a:schemeClr val="tx2">
+                    <a:lumMod val="50000"/>
+                  </a:schemeClr>
+                </a:solidFill>
+              </a:rPr>
+              <a:t>clint</a:t>
+            </a:r>
+            <a:r>
+              <a:rPr lang="fr-FR" sz="2800" i="1" dirty="0" smtClean="0">
+                <a:solidFill>
+                  <a:schemeClr val="tx2">
+                    <a:lumMod val="50000"/>
+                  </a:schemeClr>
+                </a:solidFill>
+              </a:rPr>
+              <a:t> </a:t>
+            </a:r>
+            <a:r>
+              <a:rPr lang="fr-FR" sz="2800" i="1" dirty="0" smtClean="0">
+                <a:solidFill>
+                  <a:schemeClr val="tx2">
+                    <a:lumMod val="50000"/>
+                  </a:schemeClr>
+                </a:solidFill>
+              </a:rPr>
+              <a:t>à </a:t>
+            </a:r>
+            <a:r>
+              <a:rPr lang="fr-FR" sz="2800" i="1" dirty="0" smtClean="0">
+                <a:solidFill>
+                  <a:schemeClr val="tx2">
+                    <a:lumMod val="50000"/>
+                  </a:schemeClr>
+                </a:solidFill>
+              </a:rPr>
+              <a:t>la retraite...',</a:t>
+            </a:r>
+            <a:r>
+              <a:rPr lang="fr-FR" sz="2800" i="1" dirty="0" err="1" smtClean="0">
+                <a:solidFill>
+                  <a:schemeClr val="tx2">
+                    <a:lumMod val="50000"/>
+                  </a:schemeClr>
+                </a:solidFill>
+              </a:rPr>
+              <a:t>XMLType</a:t>
+            </a:r>
+            <a:r>
+              <a:rPr lang="fr-FR" sz="2800" i="1" dirty="0" smtClean="0">
+                <a:solidFill>
+                  <a:schemeClr val="tx2">
+                    <a:lumMod val="50000"/>
+                  </a:schemeClr>
+                </a:solidFill>
+              </a:rPr>
+              <a:t>('</a:t>
+            </a:r>
+            <a:endParaRPr lang="fr-FR" sz="2800" dirty="0" smtClean="0">
+              <a:solidFill>
+                <a:schemeClr val="tx2">
+                  <a:lumMod val="50000"/>
+                </a:schemeClr>
+              </a:solidFill>
+            </a:endParaRPr>
+          </a:p>
+          <a:p>
+            <a:pPr>
+              <a:buNone/>
+            </a:pPr>
+            <a:r>
+              <a:rPr lang="fr-FR" sz="2800" i="1" dirty="0" smtClean="0">
+                <a:solidFill>
+                  <a:schemeClr val="tx2">
+                    <a:lumMod val="50000"/>
+                  </a:schemeClr>
+                </a:solidFill>
+              </a:rPr>
+              <a:t>&lt;film&gt; </a:t>
+            </a:r>
+            <a:endParaRPr lang="fr-FR" sz="2800" dirty="0" smtClean="0">
+              <a:solidFill>
+                <a:schemeClr val="tx2">
+                  <a:lumMod val="50000"/>
+                </a:schemeClr>
+              </a:solidFill>
+            </a:endParaRPr>
+          </a:p>
+          <a:p>
+            <a:pPr>
+              <a:buNone/>
+            </a:pPr>
+            <a:r>
+              <a:rPr lang="fr-FR" sz="2800" i="1" dirty="0" smtClean="0">
+                <a:solidFill>
+                  <a:schemeClr val="tx2">
+                    <a:lumMod val="50000"/>
+                  </a:schemeClr>
+                </a:solidFill>
+              </a:rPr>
+              <a:t>    &lt;commentaire&gt;</a:t>
+            </a:r>
+            <a:endParaRPr lang="fr-FR" sz="2800" dirty="0" smtClean="0">
+              <a:solidFill>
+                <a:schemeClr val="tx2">
+                  <a:lumMod val="50000"/>
+                </a:schemeClr>
+              </a:solidFill>
+            </a:endParaRPr>
+          </a:p>
+          <a:p>
+            <a:pPr>
+              <a:buNone/>
+            </a:pPr>
+            <a:r>
+              <a:rPr lang="fr-FR" sz="2800" i="1" dirty="0" smtClean="0">
+                <a:solidFill>
+                  <a:schemeClr val="tx2">
+                    <a:lumMod val="50000"/>
+                  </a:schemeClr>
+                </a:solidFill>
+              </a:rPr>
+              <a:t>	&lt;pseudo&gt;ford_48&lt;/pseudo&gt;</a:t>
+            </a:r>
+            <a:endParaRPr lang="fr-FR" sz="2800" dirty="0" smtClean="0">
+              <a:solidFill>
+                <a:schemeClr val="tx2">
+                  <a:lumMod val="50000"/>
+                </a:schemeClr>
+              </a:solidFill>
+            </a:endParaRPr>
+          </a:p>
+          <a:p>
+            <a:pPr>
+              <a:buNone/>
+            </a:pPr>
+            <a:r>
+              <a:rPr lang="fr-FR" sz="2800" i="1" dirty="0" smtClean="0">
+                <a:solidFill>
+                  <a:schemeClr val="tx2">
+                    <a:lumMod val="50000"/>
+                  </a:schemeClr>
+                </a:solidFill>
+              </a:rPr>
+              <a:t>	&lt;</a:t>
+            </a:r>
+            <a:r>
+              <a:rPr lang="fr-FR" sz="2800" i="1" dirty="0" err="1" smtClean="0">
+                <a:solidFill>
+                  <a:schemeClr val="tx2">
+                    <a:lumMod val="50000"/>
+                  </a:schemeClr>
+                </a:solidFill>
+              </a:rPr>
+              <a:t>com</a:t>
+            </a:r>
+            <a:r>
+              <a:rPr lang="fr-FR" sz="2800" i="1" dirty="0" smtClean="0">
+                <a:solidFill>
+                  <a:schemeClr val="tx2">
+                    <a:lumMod val="50000"/>
+                  </a:schemeClr>
+                </a:solidFill>
+              </a:rPr>
+              <a:t>&gt;</a:t>
+            </a:r>
+            <a:r>
+              <a:rPr lang="fr-FR" sz="2800" i="1" dirty="0" err="1" smtClean="0">
+                <a:solidFill>
+                  <a:schemeClr val="tx2">
+                    <a:lumMod val="50000"/>
+                  </a:schemeClr>
+                </a:solidFill>
+              </a:rPr>
+              <a:t>trés</a:t>
+            </a:r>
+            <a:r>
+              <a:rPr lang="fr-FR" sz="2800" i="1" dirty="0" smtClean="0">
+                <a:solidFill>
+                  <a:schemeClr val="tx2">
+                    <a:lumMod val="50000"/>
+                  </a:schemeClr>
+                </a:solidFill>
+              </a:rPr>
+              <a:t> bon film avec M. </a:t>
+            </a:r>
+            <a:r>
+              <a:rPr lang="fr-FR" sz="2800" i="1" dirty="0" err="1" smtClean="0">
+                <a:solidFill>
+                  <a:schemeClr val="tx2">
+                    <a:lumMod val="50000"/>
+                  </a:schemeClr>
+                </a:solidFill>
+              </a:rPr>
+              <a:t>Eastwood</a:t>
+            </a:r>
+            <a:r>
+              <a:rPr lang="fr-FR" sz="2800" i="1" dirty="0" smtClean="0">
+                <a:solidFill>
+                  <a:schemeClr val="tx2">
+                    <a:lumMod val="50000"/>
+                  </a:schemeClr>
+                </a:solidFill>
+              </a:rPr>
+              <a:t>&lt;/</a:t>
+            </a:r>
+            <a:r>
+              <a:rPr lang="fr-FR" sz="2800" i="1" dirty="0" err="1" smtClean="0">
+                <a:solidFill>
+                  <a:schemeClr val="tx2">
+                    <a:lumMod val="50000"/>
+                  </a:schemeClr>
+                </a:solidFill>
+              </a:rPr>
+              <a:t>com</a:t>
+            </a:r>
+            <a:r>
+              <a:rPr lang="fr-FR" sz="2800" i="1" dirty="0" smtClean="0">
+                <a:solidFill>
+                  <a:schemeClr val="tx2">
+                    <a:lumMod val="50000"/>
+                  </a:schemeClr>
+                </a:solidFill>
+              </a:rPr>
+              <a:t>&gt;</a:t>
+            </a:r>
+            <a:endParaRPr lang="fr-FR" sz="2800" dirty="0" smtClean="0">
+              <a:solidFill>
+                <a:schemeClr val="tx2">
+                  <a:lumMod val="50000"/>
+                </a:schemeClr>
+              </a:solidFill>
+            </a:endParaRPr>
+          </a:p>
+          <a:p>
+            <a:pPr>
+              <a:buNone/>
+            </a:pPr>
+            <a:r>
+              <a:rPr lang="fr-FR" sz="2800" i="1" dirty="0" smtClean="0">
+                <a:solidFill>
+                  <a:schemeClr val="tx2">
+                    <a:lumMod val="50000"/>
+                  </a:schemeClr>
+                </a:solidFill>
+              </a:rPr>
+              <a:t>	&lt;note&gt;10&lt;/note&gt;</a:t>
+            </a:r>
+            <a:endParaRPr lang="fr-FR" sz="2800" dirty="0" smtClean="0">
+              <a:solidFill>
+                <a:schemeClr val="tx2">
+                  <a:lumMod val="50000"/>
+                </a:schemeClr>
+              </a:solidFill>
+            </a:endParaRPr>
+          </a:p>
+          <a:p>
+            <a:pPr>
+              <a:buNone/>
+            </a:pPr>
+            <a:r>
+              <a:rPr lang="fr-FR" sz="2800" i="1" dirty="0" smtClean="0">
+                <a:solidFill>
+                  <a:schemeClr val="tx2">
+                    <a:lumMod val="50000"/>
+                  </a:schemeClr>
+                </a:solidFill>
+              </a:rPr>
+              <a:t>	&lt;source&gt;</a:t>
+            </a:r>
+            <a:r>
+              <a:rPr lang="fr-FR" sz="2800" i="1" dirty="0" err="1" smtClean="0">
+                <a:solidFill>
+                  <a:schemeClr val="tx2">
+                    <a:lumMod val="50000"/>
+                  </a:schemeClr>
+                </a:solidFill>
+              </a:rPr>
+              <a:t>Allocine</a:t>
+            </a:r>
+            <a:r>
+              <a:rPr lang="fr-FR" sz="2800" i="1" dirty="0" smtClean="0">
+                <a:solidFill>
+                  <a:schemeClr val="tx2">
+                    <a:lumMod val="50000"/>
+                  </a:schemeClr>
+                </a:solidFill>
+              </a:rPr>
+              <a:t>&lt;/source&gt;</a:t>
+            </a:r>
+            <a:endParaRPr lang="fr-FR" sz="2800" dirty="0" smtClean="0">
+              <a:solidFill>
+                <a:schemeClr val="tx2">
+                  <a:lumMod val="50000"/>
+                </a:schemeClr>
+              </a:solidFill>
+            </a:endParaRPr>
+          </a:p>
+          <a:p>
+            <a:pPr>
+              <a:buNone/>
+            </a:pPr>
+            <a:r>
+              <a:rPr lang="fr-FR" sz="2800" i="1" dirty="0" smtClean="0">
+                <a:solidFill>
+                  <a:schemeClr val="tx2">
+                    <a:lumMod val="50000"/>
+                  </a:schemeClr>
+                </a:solidFill>
+              </a:rPr>
+              <a:t>    &lt;/commentaire&gt;</a:t>
+            </a:r>
+            <a:endParaRPr lang="fr-FR" sz="2800" dirty="0" smtClean="0">
+              <a:solidFill>
+                <a:schemeClr val="tx2">
+                  <a:lumMod val="50000"/>
+                </a:schemeClr>
+              </a:solidFill>
+            </a:endParaRPr>
+          </a:p>
+          <a:p>
+            <a:pPr>
+              <a:buNone/>
+            </a:pPr>
+            <a:r>
+              <a:rPr lang="fr-FR" sz="2800" i="1" dirty="0" smtClean="0">
+                <a:solidFill>
+                  <a:schemeClr val="tx2">
+                    <a:lumMod val="50000"/>
+                  </a:schemeClr>
+                </a:solidFill>
+              </a:rPr>
+              <a:t>    &lt;commentaire&gt;</a:t>
+            </a:r>
+            <a:endParaRPr lang="fr-FR" sz="2800" dirty="0" smtClean="0">
+              <a:solidFill>
+                <a:schemeClr val="tx2">
+                  <a:lumMod val="50000"/>
+                </a:schemeClr>
+              </a:solidFill>
+            </a:endParaRPr>
+          </a:p>
+          <a:p>
+            <a:pPr>
+              <a:buNone/>
+            </a:pPr>
+            <a:r>
+              <a:rPr lang="fr-FR" sz="2800" i="1" dirty="0" smtClean="0">
+                <a:solidFill>
+                  <a:schemeClr val="tx2">
+                    <a:lumMod val="50000"/>
+                  </a:schemeClr>
+                </a:solidFill>
+              </a:rPr>
+              <a:t>	&lt;pseudo&gt;jojodu12&lt;/pseudo&gt;</a:t>
+            </a:r>
+            <a:endParaRPr lang="fr-FR" sz="2800" dirty="0" smtClean="0">
+              <a:solidFill>
+                <a:schemeClr val="tx2">
+                  <a:lumMod val="50000"/>
+                </a:schemeClr>
+              </a:solidFill>
+            </a:endParaRPr>
+          </a:p>
+          <a:p>
+            <a:pPr>
+              <a:buNone/>
+            </a:pPr>
+            <a:r>
+              <a:rPr lang="fr-FR" sz="2800" i="1" dirty="0" smtClean="0">
+                <a:solidFill>
+                  <a:schemeClr val="tx2">
+                    <a:lumMod val="50000"/>
+                  </a:schemeClr>
+                </a:solidFill>
+              </a:rPr>
+              <a:t>	&lt;</a:t>
+            </a:r>
+            <a:r>
+              <a:rPr lang="fr-FR" sz="2800" i="1" dirty="0" err="1" smtClean="0">
+                <a:solidFill>
+                  <a:schemeClr val="tx2">
+                    <a:lumMod val="50000"/>
+                  </a:schemeClr>
+                </a:solidFill>
+              </a:rPr>
+              <a:t>com</a:t>
+            </a:r>
+            <a:r>
+              <a:rPr lang="fr-FR" sz="2800" i="1" dirty="0" smtClean="0">
+                <a:solidFill>
+                  <a:schemeClr val="tx2">
+                    <a:lumMod val="50000"/>
+                  </a:schemeClr>
+                </a:solidFill>
+              </a:rPr>
+              <a:t>&gt;Clint encore une fois énorme !!&lt;/</a:t>
+            </a:r>
+            <a:r>
+              <a:rPr lang="fr-FR" sz="2800" i="1" dirty="0" err="1" smtClean="0">
+                <a:solidFill>
+                  <a:schemeClr val="tx2">
+                    <a:lumMod val="50000"/>
+                  </a:schemeClr>
+                </a:solidFill>
+              </a:rPr>
+              <a:t>com</a:t>
+            </a:r>
+            <a:r>
+              <a:rPr lang="fr-FR" sz="2800" i="1" dirty="0" smtClean="0">
+                <a:solidFill>
+                  <a:schemeClr val="tx2">
+                    <a:lumMod val="50000"/>
+                  </a:schemeClr>
+                </a:solidFill>
+              </a:rPr>
+              <a:t>&gt;</a:t>
+            </a:r>
+            <a:endParaRPr lang="fr-FR" sz="2800" dirty="0" smtClean="0">
+              <a:solidFill>
+                <a:schemeClr val="tx2">
+                  <a:lumMod val="50000"/>
+                </a:schemeClr>
+              </a:solidFill>
+            </a:endParaRPr>
+          </a:p>
+          <a:p>
+            <a:pPr>
+              <a:buNone/>
+            </a:pPr>
+            <a:r>
+              <a:rPr lang="fr-FR" sz="2800" i="1" dirty="0" smtClean="0">
+                <a:solidFill>
+                  <a:schemeClr val="tx2">
+                    <a:lumMod val="50000"/>
+                  </a:schemeClr>
+                </a:solidFill>
+              </a:rPr>
+              <a:t>	&lt;note&gt;8&lt;/note&gt;</a:t>
+            </a:r>
+            <a:endParaRPr lang="fr-FR" sz="2800" dirty="0" smtClean="0">
+              <a:solidFill>
+                <a:schemeClr val="tx2">
+                  <a:lumMod val="50000"/>
+                </a:schemeClr>
+              </a:solidFill>
+            </a:endParaRPr>
+          </a:p>
+          <a:p>
+            <a:pPr>
+              <a:buNone/>
+            </a:pPr>
+            <a:r>
+              <a:rPr lang="fr-FR" sz="2800" i="1" dirty="0" smtClean="0">
+                <a:solidFill>
+                  <a:schemeClr val="tx2">
+                    <a:lumMod val="50000"/>
+                  </a:schemeClr>
+                </a:solidFill>
+              </a:rPr>
+              <a:t>	&lt;source&gt;</a:t>
+            </a:r>
+            <a:r>
+              <a:rPr lang="fr-FR" sz="2800" i="1" dirty="0" err="1" smtClean="0">
+                <a:solidFill>
+                  <a:schemeClr val="tx2">
+                    <a:lumMod val="50000"/>
+                  </a:schemeClr>
+                </a:solidFill>
+              </a:rPr>
+              <a:t>Allocine</a:t>
+            </a:r>
+            <a:r>
+              <a:rPr lang="fr-FR" sz="2800" i="1" dirty="0" smtClean="0">
+                <a:solidFill>
+                  <a:schemeClr val="tx2">
+                    <a:lumMod val="50000"/>
+                  </a:schemeClr>
+                </a:solidFill>
+              </a:rPr>
+              <a:t>&lt;/source&gt;</a:t>
+            </a:r>
+            <a:endParaRPr lang="fr-FR" sz="2800" dirty="0" smtClean="0">
+              <a:solidFill>
+                <a:schemeClr val="tx2">
+                  <a:lumMod val="50000"/>
+                </a:schemeClr>
+              </a:solidFill>
+            </a:endParaRPr>
+          </a:p>
+          <a:p>
+            <a:pPr>
+              <a:buNone/>
+            </a:pPr>
+            <a:r>
+              <a:rPr lang="fr-FR" sz="2800" i="1" dirty="0" smtClean="0">
+                <a:solidFill>
+                  <a:schemeClr val="tx2">
+                    <a:lumMod val="50000"/>
+                  </a:schemeClr>
+                </a:solidFill>
+              </a:rPr>
+              <a:t>    &lt;/commentaire&gt;</a:t>
+            </a:r>
+            <a:endParaRPr lang="fr-FR" sz="2800" dirty="0" smtClean="0">
+              <a:solidFill>
+                <a:schemeClr val="tx2">
+                  <a:lumMod val="50000"/>
+                </a:schemeClr>
+              </a:solidFill>
+            </a:endParaRPr>
+          </a:p>
+          <a:p>
+            <a:pPr>
+              <a:buNone/>
+            </a:pPr>
+            <a:r>
+              <a:rPr lang="fr-FR" sz="2800" i="1" dirty="0" smtClean="0">
+                <a:solidFill>
+                  <a:schemeClr val="tx2">
+                    <a:lumMod val="50000"/>
+                  </a:schemeClr>
+                </a:solidFill>
+              </a:rPr>
+              <a:t>&lt;/film&gt;'),'' )</a:t>
+            </a:r>
+          </a:p>
+          <a:p>
+            <a:pPr>
+              <a:buNone/>
+            </a:pPr>
+            <a:r>
+              <a:rPr lang="fr-FR" sz="2800" i="1" dirty="0" smtClean="0">
+                <a:solidFill>
+                  <a:schemeClr val="tx2">
+                    <a:lumMod val="50000"/>
+                  </a:schemeClr>
+                </a:solidFill>
+              </a:rPr>
+              <a:t>/</a:t>
+            </a:r>
+          </a:p>
+          <a:p>
+            <a:pPr>
+              <a:buNone/>
+            </a:pPr>
+            <a:endParaRPr lang="fr-FR" sz="2800" i="1" dirty="0" smtClean="0">
+              <a:solidFill>
+                <a:schemeClr val="tx2">
+                  <a:lumMod val="50000"/>
+                </a:schemeClr>
+              </a:solidFill>
+            </a:endParaRPr>
+          </a:p>
+          <a:p>
+            <a:pPr algn="ctr">
+              <a:buNone/>
+            </a:pPr>
+            <a:r>
+              <a:rPr lang="fr-FR" sz="2800" i="1" dirty="0" smtClean="0">
+                <a:solidFill>
+                  <a:schemeClr val="tx2">
+                    <a:lumMod val="50000"/>
+                  </a:schemeClr>
+                </a:solidFill>
+              </a:rPr>
+              <a:t>Exemple d’insertion de XML dans la base de données grâce au </a:t>
+            </a:r>
+            <a:r>
+              <a:rPr lang="fr-FR" sz="2800" i="1" dirty="0" err="1" smtClean="0">
+                <a:solidFill>
+                  <a:schemeClr val="tx2">
+                    <a:lumMod val="50000"/>
+                  </a:schemeClr>
+                </a:solidFill>
+              </a:rPr>
+              <a:t>XMLType</a:t>
+            </a:r>
+            <a:r>
+              <a:rPr lang="fr-FR" sz="2800" i="1" dirty="0" smtClean="0">
+                <a:solidFill>
+                  <a:schemeClr val="tx2">
+                    <a:lumMod val="50000"/>
+                  </a:schemeClr>
+                </a:solidFill>
+              </a:rPr>
+              <a:t>.</a:t>
+            </a:r>
+          </a:p>
+        </p:txBody>
+      </p:sp>
+      <p:sp>
+        <p:nvSpPr>
+          <p:cNvPr id="6" name="Espace réservé du contenu 2"/>
+          <p:cNvSpPr txBox="1">
+            <a:spLocks/>
+          </p:cNvSpPr>
+          <p:nvPr/>
+        </p:nvSpPr>
+        <p:spPr>
+          <a:xfrm>
+            <a:off x="179512" y="1700808"/>
+            <a:ext cx="2088232" cy="4536504"/>
+          </a:xfrm>
+          <a:prstGeom prst="rect">
+            <a:avLst/>
+          </a:prstGeom>
+        </p:spPr>
+        <p:txBody>
+          <a:bodyPr vert="horz">
+            <a:normAutofit/>
+          </a:bodyPr>
+          <a:lstStyle/>
+          <a:p>
+            <a:pPr marL="342900" marR="0" lvl="0" indent="-342900" algn="l" defTabSz="914400" rtl="0" eaLnBrk="1" fontAlgn="auto" latinLnBrk="0" hangingPunct="1">
+              <a:lnSpc>
+                <a:spcPct val="100000"/>
+              </a:lnSpc>
+              <a:spcBef>
+                <a:spcPct val="20000"/>
+              </a:spcBef>
+              <a:spcAft>
+                <a:spcPts val="0"/>
+              </a:spcAft>
+              <a:buClr>
+                <a:schemeClr val="accent1"/>
+              </a:buClr>
+              <a:buSzPct val="70000"/>
+              <a:buFont typeface="Wingdings 2"/>
+              <a:buChar char=""/>
+              <a:tabLst/>
+              <a:defRPr/>
+            </a:pPr>
+            <a:r>
+              <a:rPr kumimoji="0" lang="fr-FR" sz="2400" i="0" u="none" strike="noStrike" kern="1200" cap="none" spc="0" normalizeH="0" baseline="0" noProof="0" dirty="0" smtClean="0">
+                <a:ln>
+                  <a:noFill/>
+                </a:ln>
+                <a:solidFill>
+                  <a:schemeClr val="tx2"/>
+                </a:solidFill>
+                <a:effectLst/>
+                <a:uLnTx/>
+                <a:uFillTx/>
+                <a:latin typeface="+mn-lt"/>
+                <a:ea typeface="+mn-ea"/>
+                <a:cs typeface="+mn-cs"/>
+              </a:rPr>
+              <a:t>Introduction</a:t>
+            </a:r>
+          </a:p>
+          <a:p>
+            <a:pPr marL="342900" marR="0" lvl="0" indent="-342900" algn="l" defTabSz="914400" rtl="0" eaLnBrk="1" fontAlgn="auto" latinLnBrk="0" hangingPunct="1">
+              <a:lnSpc>
+                <a:spcPct val="100000"/>
+              </a:lnSpc>
+              <a:spcBef>
+                <a:spcPct val="20000"/>
+              </a:spcBef>
+              <a:spcAft>
+                <a:spcPts val="0"/>
+              </a:spcAft>
+              <a:buClr>
+                <a:schemeClr val="accent1"/>
+              </a:buClr>
+              <a:buSzPct val="70000"/>
+              <a:buFont typeface="Wingdings 2"/>
+              <a:buChar char=""/>
+              <a:tabLst/>
+              <a:defRPr/>
+            </a:pPr>
+            <a:r>
+              <a:rPr lang="fr-FR" sz="2400" dirty="0" smtClean="0">
+                <a:solidFill>
+                  <a:schemeClr val="tx2"/>
+                </a:solidFill>
+              </a:rPr>
+              <a:t>Extraction</a:t>
+            </a:r>
+          </a:p>
+          <a:p>
+            <a:pPr marL="342900" marR="0" lvl="0" indent="-342900" algn="l" defTabSz="914400" rtl="0" eaLnBrk="1" fontAlgn="auto" latinLnBrk="0" hangingPunct="1">
+              <a:lnSpc>
+                <a:spcPct val="100000"/>
+              </a:lnSpc>
+              <a:spcBef>
+                <a:spcPct val="20000"/>
+              </a:spcBef>
+              <a:spcAft>
+                <a:spcPts val="0"/>
+              </a:spcAft>
+              <a:buClr>
+                <a:schemeClr val="accent1"/>
+              </a:buClr>
+              <a:buSzPct val="70000"/>
+              <a:buFont typeface="Wingdings 2"/>
+              <a:buChar char=""/>
+              <a:tabLst/>
+              <a:defRPr/>
+            </a:pPr>
+            <a:r>
+              <a:rPr kumimoji="0" lang="fr-FR" sz="2400" b="1" i="0" u="none" strike="noStrike" kern="1200" cap="none" spc="0" normalizeH="0" baseline="0" noProof="0" dirty="0" smtClean="0">
+                <a:ln>
+                  <a:noFill/>
+                </a:ln>
+                <a:solidFill>
+                  <a:schemeClr val="tx2"/>
+                </a:solidFill>
+                <a:effectLst/>
+                <a:uLnTx/>
+                <a:uFillTx/>
+                <a:latin typeface="+mn-lt"/>
+                <a:ea typeface="+mn-ea"/>
+                <a:cs typeface="+mn-cs"/>
+              </a:rPr>
+              <a:t>Stockage</a:t>
+            </a:r>
+          </a:p>
+          <a:p>
+            <a:pPr marL="342900" marR="0" lvl="0" indent="-342900" algn="l" defTabSz="914400" rtl="0" eaLnBrk="1" fontAlgn="auto" latinLnBrk="0" hangingPunct="1">
+              <a:lnSpc>
+                <a:spcPct val="100000"/>
+              </a:lnSpc>
+              <a:spcBef>
+                <a:spcPct val="20000"/>
+              </a:spcBef>
+              <a:spcAft>
+                <a:spcPts val="0"/>
+              </a:spcAft>
+              <a:buClr>
+                <a:schemeClr val="accent1"/>
+              </a:buClr>
+              <a:buSzPct val="70000"/>
+              <a:buFont typeface="Wingdings 2"/>
+              <a:buChar char=""/>
+              <a:tabLst/>
+              <a:defRPr/>
+            </a:pPr>
+            <a:r>
+              <a:rPr lang="fr-FR" sz="2400" dirty="0" smtClean="0">
+                <a:solidFill>
+                  <a:schemeClr val="tx2"/>
+                </a:solidFill>
+              </a:rPr>
+              <a:t>Restitution</a:t>
+            </a:r>
+            <a:endParaRPr kumimoji="0" lang="fr-FR" sz="2400" b="0" i="0" u="none" strike="noStrike" kern="1200" cap="none" spc="0" normalizeH="0" baseline="0" noProof="0" dirty="0" smtClean="0">
+              <a:ln>
+                <a:noFill/>
+              </a:ln>
+              <a:solidFill>
+                <a:schemeClr val="tx2"/>
+              </a:solidFill>
+              <a:effectLst/>
+              <a:uLnTx/>
+              <a:uFillTx/>
+              <a:latin typeface="+mn-lt"/>
+              <a:ea typeface="+mn-ea"/>
+              <a:cs typeface="+mn-cs"/>
+            </a:endParaRPr>
+          </a:p>
+          <a:p>
+            <a:pPr marL="342900" marR="0" lvl="0" indent="-342900" algn="l" defTabSz="914400" rtl="0" eaLnBrk="1" fontAlgn="auto" latinLnBrk="0" hangingPunct="1">
+              <a:lnSpc>
+                <a:spcPct val="100000"/>
+              </a:lnSpc>
+              <a:spcBef>
+                <a:spcPct val="20000"/>
+              </a:spcBef>
+              <a:spcAft>
+                <a:spcPts val="0"/>
+              </a:spcAft>
+              <a:buClr>
+                <a:schemeClr val="accent1"/>
+              </a:buClr>
+              <a:buSzPct val="70000"/>
+              <a:buFont typeface="Wingdings 2"/>
+              <a:buChar char=""/>
+              <a:tabLst/>
+              <a:defRPr/>
+            </a:pPr>
+            <a:r>
+              <a:rPr lang="fr-FR" sz="2400" dirty="0" smtClean="0">
+                <a:solidFill>
+                  <a:schemeClr val="tx2"/>
+                </a:solidFill>
+              </a:rPr>
+              <a:t>Conclusion</a:t>
+            </a:r>
+            <a:endParaRPr kumimoji="0" lang="fr-FR" sz="2400" b="0" i="0" u="none" strike="noStrike" kern="1200" cap="none" spc="0" normalizeH="0" baseline="0" noProof="0" dirty="0">
+              <a:ln>
+                <a:noFill/>
+              </a:ln>
+              <a:solidFill>
+                <a:schemeClr val="tx2"/>
+              </a:solidFill>
+              <a:effectLst/>
+              <a:uLnTx/>
+              <a:uFillTx/>
+              <a:latin typeface="+mn-lt"/>
+              <a:ea typeface="+mn-ea"/>
+              <a:cs typeface="+mn-cs"/>
+            </a:endParaRPr>
+          </a:p>
+        </p:txBody>
+      </p:sp>
+      <p:sp>
+        <p:nvSpPr>
+          <p:cNvPr id="7" name="ZoneTexte 6"/>
+          <p:cNvSpPr txBox="1"/>
+          <p:nvPr/>
+        </p:nvSpPr>
+        <p:spPr>
+          <a:xfrm>
+            <a:off x="0" y="6581001"/>
+            <a:ext cx="2708919" cy="276999"/>
+          </a:xfrm>
+          <a:prstGeom prst="rect">
+            <a:avLst/>
+          </a:prstGeom>
+          <a:noFill/>
+          <a:scene3d>
+            <a:camera prst="orthographicFront">
+              <a:rot lat="0" lon="0" rev="5400000"/>
+            </a:camera>
+            <a:lightRig rig="threePt" dir="t"/>
+          </a:scene3d>
+        </p:spPr>
+        <p:txBody>
+          <a:bodyPr wrap="square" rtlCol="0">
+            <a:spAutoFit/>
+            <a:scene3d>
+              <a:camera prst="orthographicFront">
+                <a:rot lat="0" lon="0" rev="0"/>
+              </a:camera>
+              <a:lightRig rig="threePt" dir="t"/>
+            </a:scene3d>
+            <a:flatTx/>
+          </a:bodyPr>
+          <a:lstStyle/>
+          <a:p>
+            <a:r>
+              <a:rPr lang="fr-FR" sz="1200" dirty="0" smtClean="0"/>
+              <a:t>Soutenance projet LPD2I 2010/2011</a:t>
+            </a:r>
+            <a:endParaRPr lang="fr-FR" sz="1200" dirty="0"/>
+          </a:p>
+        </p:txBody>
+      </p:sp>
+      <p:sp>
+        <p:nvSpPr>
+          <p:cNvPr id="9" name="ZoneTexte 8"/>
+          <p:cNvSpPr txBox="1"/>
+          <p:nvPr/>
+        </p:nvSpPr>
+        <p:spPr>
+          <a:xfrm>
+            <a:off x="5508104" y="6581001"/>
+            <a:ext cx="3635896" cy="276999"/>
+          </a:xfrm>
+          <a:prstGeom prst="rect">
+            <a:avLst/>
+          </a:prstGeom>
+          <a:noFill/>
+          <a:scene3d>
+            <a:camera prst="orthographicFront">
+              <a:rot lat="0" lon="0" rev="5400000"/>
+            </a:camera>
+            <a:lightRig rig="threePt" dir="t"/>
+          </a:scene3d>
+        </p:spPr>
+        <p:txBody>
+          <a:bodyPr wrap="square" rtlCol="0">
+            <a:spAutoFit/>
+            <a:scene3d>
+              <a:camera prst="orthographicFront">
+                <a:rot lat="0" lon="0" rev="0"/>
+              </a:camera>
+              <a:lightRig rig="threePt" dir="t"/>
+            </a:scene3d>
+            <a:flatTx/>
+          </a:bodyPr>
+          <a:lstStyle/>
+          <a:p>
+            <a:r>
+              <a:rPr lang="fr-FR" sz="1200" dirty="0" smtClean="0"/>
+              <a:t>Leonhard Hermle – Julien Cellier – Xavier Mourgues</a:t>
+            </a:r>
+            <a:endParaRPr lang="fr-FR" sz="1200" dirty="0"/>
+          </a:p>
+        </p:txBody>
+      </p:sp>
+      <p:cxnSp>
+        <p:nvCxnSpPr>
+          <p:cNvPr id="12" name="Connecteur droit 11"/>
+          <p:cNvCxnSpPr/>
+          <p:nvPr/>
+        </p:nvCxnSpPr>
+        <p:spPr>
+          <a:xfrm rot="5400000">
+            <a:off x="107504" y="4077072"/>
+            <a:ext cx="4464496" cy="0"/>
+          </a:xfrm>
+          <a:prstGeom prst="line">
+            <a:avLst/>
+          </a:prstGeom>
+        </p:spPr>
+        <p:style>
+          <a:lnRef idx="1">
+            <a:schemeClr val="accent1"/>
+          </a:lnRef>
+          <a:fillRef idx="0">
+            <a:schemeClr val="accent1"/>
+          </a:fillRef>
+          <a:effectRef idx="0">
+            <a:schemeClr val="accent1"/>
+          </a:effectRef>
+          <a:fontRef idx="minor">
+            <a:schemeClr val="tx1"/>
+          </a:fontRef>
+        </p:style>
+      </p:cxnSp>
+      <p:sp>
+        <p:nvSpPr>
+          <p:cNvPr id="8" name="Rectangle 7"/>
+          <p:cNvSpPr/>
+          <p:nvPr/>
+        </p:nvSpPr>
+        <p:spPr>
+          <a:xfrm>
+            <a:off x="2915816" y="2420888"/>
+            <a:ext cx="5616624" cy="3456384"/>
+          </a:xfrm>
+          <a:prstGeom prst="rect">
+            <a:avLst/>
+          </a:prstGeom>
+          <a:noFill/>
+        </p:spPr>
+        <p:style>
+          <a:lnRef idx="2">
+            <a:schemeClr val="accent1">
+              <a:shade val="50000"/>
+            </a:schemeClr>
+          </a:lnRef>
+          <a:fillRef idx="1">
+            <a:schemeClr val="accent1"/>
+          </a:fillRef>
+          <a:effectRef idx="0">
+            <a:schemeClr val="accent1"/>
+          </a:effectRef>
+          <a:fontRef idx="minor">
+            <a:schemeClr val="lt1"/>
+          </a:fontRef>
+        </p:style>
+        <p:txBody>
+          <a:bodyPr rtlCol="0" anchor="ctr"/>
+          <a:lstStyle/>
+          <a:p>
+            <a:pPr algn="ctr"/>
+            <a:endParaRPr lang="fr-FR"/>
+          </a:p>
+        </p:txBody>
+      </p:sp>
+    </p:spTree>
+  </p:cSld>
+  <p:clrMapOvr>
+    <a:masterClrMapping/>
+  </p:clrMapOvr>
+  <p:timing>
+    <p:tnLst>
+      <p:par>
+        <p:cTn id="1" dur="indefinite" restart="never" nodeType="tmRoot"/>
+      </p:par>
+    </p:tnLst>
+  </p:timing>
+</p:sld>
+</file>
+
+<file path=ppt/slides/slide14.xml><?xml version="1.0" encoding="utf-8"?>
+<p:sld xmlns:a="http://schemas.openxmlformats.org/drawingml/2006/main" xmlns:r="http://schemas.openxmlformats.org/officeDocument/2006/relationships" xmlns:p="http://schemas.openxmlformats.org/presentationml/2006/main">
+  <p:cSld>
+    <p:spTree>
+      <p:nvGrpSpPr>
+        <p:cNvPr id="1" name=""/>
+        <p:cNvGrpSpPr/>
+        <p:nvPr/>
+      </p:nvGrpSpPr>
+      <p:grpSpPr>
+        <a:xfrm>
+          <a:off x="0" y="0"/>
+          <a:ext cx="0" cy="0"/>
+          <a:chOff x="0" y="0"/>
+          <a:chExt cx="0" cy="0"/>
+        </a:xfrm>
+      </p:grpSpPr>
+      <p:sp>
+        <p:nvSpPr>
+          <p:cNvPr id="2" name="Titre 1"/>
+          <p:cNvSpPr>
+            <a:spLocks noGrp="1"/>
+          </p:cNvSpPr>
+          <p:nvPr>
+            <p:ph type="title"/>
+          </p:nvPr>
+        </p:nvSpPr>
+        <p:spPr/>
+        <p:txBody>
+          <a:bodyPr>
+            <a:normAutofit/>
+          </a:bodyPr>
+          <a:lstStyle/>
+          <a:p>
+            <a:r>
+              <a:rPr lang="fr-FR" cap="none" dirty="0" smtClean="0">
+                <a:effectLst/>
+              </a:rPr>
+              <a:t>STOCKAGES</a:t>
+            </a:r>
+            <a:r>
+              <a:rPr lang="fr-FR" sz="2000" cap="none" dirty="0" smtClean="0">
+                <a:effectLst/>
+              </a:rPr>
+              <a:t>(suite)</a:t>
+            </a:r>
+            <a:endParaRPr lang="fr-FR" sz="2000" dirty="0"/>
+          </a:p>
+        </p:txBody>
+      </p:sp>
+      <p:sp>
+        <p:nvSpPr>
+          <p:cNvPr id="3" name="Espace réservé du contenu 2"/>
+          <p:cNvSpPr>
+            <a:spLocks noGrp="1"/>
+          </p:cNvSpPr>
+          <p:nvPr>
+            <p:ph idx="1"/>
+          </p:nvPr>
+        </p:nvSpPr>
+        <p:spPr>
+          <a:xfrm>
+            <a:off x="2915816" y="1700808"/>
+            <a:ext cx="5616624" cy="4896544"/>
+          </a:xfrm>
+        </p:spPr>
+        <p:txBody>
+          <a:bodyPr>
+            <a:normAutofit/>
+          </a:bodyPr>
+          <a:lstStyle/>
+          <a:p>
+            <a:pPr algn="ctr">
+              <a:buNone/>
+            </a:pPr>
+            <a:r>
+              <a:rPr lang="fr-FR" sz="2800" b="1" dirty="0" smtClean="0">
+                <a:solidFill>
+                  <a:schemeClr val="accent5">
+                    <a:lumMod val="75000"/>
+                  </a:schemeClr>
+                </a:solidFill>
+              </a:rPr>
+              <a:t>XML et Oracle : </a:t>
+            </a:r>
+            <a:r>
+              <a:rPr lang="fr-FR" sz="2800" b="1" dirty="0" err="1" smtClean="0">
+                <a:solidFill>
+                  <a:schemeClr val="accent5">
+                    <a:lumMod val="75000"/>
+                  </a:schemeClr>
+                </a:solidFill>
+              </a:rPr>
+              <a:t>XMLType</a:t>
+            </a:r>
+            <a:endParaRPr lang="fr-FR" sz="2800" b="1" dirty="0" smtClean="0">
+              <a:solidFill>
+                <a:schemeClr val="accent5">
+                  <a:lumMod val="75000"/>
+                </a:schemeClr>
+              </a:solidFill>
+            </a:endParaRPr>
+          </a:p>
+          <a:p>
+            <a:pPr algn="ctr">
+              <a:buNone/>
+            </a:pPr>
+            <a:endParaRPr lang="fr-FR" sz="2800" b="1" dirty="0" smtClean="0">
+              <a:solidFill>
+                <a:schemeClr val="accent5">
+                  <a:lumMod val="75000"/>
+                </a:schemeClr>
+              </a:solidFill>
+            </a:endParaRPr>
+          </a:p>
+          <a:p>
+            <a:pPr>
+              <a:buNone/>
+            </a:pPr>
+            <a:r>
+              <a:rPr lang="fr-FR" sz="1700" i="1" dirty="0" smtClean="0"/>
+              <a:t>SELECT  </a:t>
+            </a:r>
+            <a:r>
+              <a:rPr lang="fr-FR" sz="1700" i="1" dirty="0" err="1" smtClean="0"/>
+              <a:t>f.commentaire</a:t>
+            </a:r>
+            <a:r>
+              <a:rPr lang="fr-FR" sz="1700" i="1" dirty="0" smtClean="0"/>
+              <a:t>.</a:t>
+            </a:r>
+            <a:r>
+              <a:rPr lang="fr-FR" sz="1700" i="1" dirty="0" err="1" smtClean="0"/>
+              <a:t>extract</a:t>
+            </a:r>
+            <a:r>
+              <a:rPr lang="fr-FR" sz="1700" i="1" dirty="0" smtClean="0"/>
+              <a:t>('/film/commentaire/</a:t>
+            </a:r>
+            <a:r>
+              <a:rPr lang="fr-FR" sz="1700" i="1" dirty="0" err="1" smtClean="0"/>
+              <a:t>com</a:t>
+            </a:r>
+            <a:r>
+              <a:rPr lang="fr-FR" sz="1700" i="1" dirty="0" smtClean="0"/>
+              <a:t>/</a:t>
+            </a:r>
+            <a:r>
+              <a:rPr lang="fr-FR" sz="1700" i="1" dirty="0" err="1" smtClean="0"/>
+              <a:t>text</a:t>
+            </a:r>
+            <a:r>
+              <a:rPr lang="fr-FR" sz="1700" i="1" dirty="0" smtClean="0"/>
+              <a:t>()')</a:t>
+            </a:r>
+          </a:p>
+          <a:p>
+            <a:pPr>
+              <a:buNone/>
+            </a:pPr>
+            <a:r>
+              <a:rPr lang="fr-FR" sz="1700" i="1" dirty="0" smtClean="0"/>
+              <a:t>FROM film f;</a:t>
+            </a:r>
+          </a:p>
+          <a:p>
+            <a:pPr algn="ctr">
+              <a:buNone/>
+            </a:pPr>
+            <a:endParaRPr lang="fr-FR" sz="2800" b="1" dirty="0" smtClean="0">
+              <a:solidFill>
+                <a:schemeClr val="accent5">
+                  <a:lumMod val="75000"/>
+                </a:schemeClr>
+              </a:solidFill>
+            </a:endParaRPr>
+          </a:p>
+          <a:p>
+            <a:r>
+              <a:rPr lang="fr-FR" sz="2000" u="sng" dirty="0" smtClean="0">
+                <a:solidFill>
+                  <a:schemeClr val="accent2">
+                    <a:lumMod val="50000"/>
+                  </a:schemeClr>
+                </a:solidFill>
+              </a:rPr>
+              <a:t>Utilisation de </a:t>
+            </a:r>
+            <a:r>
+              <a:rPr lang="fr-FR" sz="2000" u="sng" dirty="0" err="1" smtClean="0">
+                <a:solidFill>
+                  <a:schemeClr val="accent2">
+                    <a:lumMod val="50000"/>
+                  </a:schemeClr>
+                </a:solidFill>
+              </a:rPr>
+              <a:t>Xpath</a:t>
+            </a:r>
+            <a:r>
+              <a:rPr lang="fr-FR" sz="2000" u="sng" dirty="0" smtClean="0">
+                <a:solidFill>
+                  <a:schemeClr val="accent2">
+                    <a:lumMod val="50000"/>
+                  </a:schemeClr>
+                </a:solidFill>
+              </a:rPr>
+              <a:t> pour l’extraction du XML.</a:t>
+            </a:r>
+          </a:p>
+          <a:p>
+            <a:pPr algn="ctr">
+              <a:buNone/>
+            </a:pPr>
+            <a:r>
+              <a:rPr lang="fr-FR" sz="1600" i="1" dirty="0" smtClean="0">
+                <a:solidFill>
+                  <a:schemeClr val="tx2">
+                    <a:lumMod val="50000"/>
+                  </a:schemeClr>
+                </a:solidFill>
+              </a:rPr>
+              <a:t>(ici extraction des commentaires)</a:t>
+            </a:r>
+          </a:p>
+        </p:txBody>
+      </p:sp>
+      <p:sp>
+        <p:nvSpPr>
+          <p:cNvPr id="6" name="Espace réservé du contenu 2"/>
+          <p:cNvSpPr txBox="1">
+            <a:spLocks/>
+          </p:cNvSpPr>
+          <p:nvPr/>
+        </p:nvSpPr>
+        <p:spPr>
+          <a:xfrm>
+            <a:off x="179512" y="1700808"/>
+            <a:ext cx="2088232" cy="4536504"/>
+          </a:xfrm>
+          <a:prstGeom prst="rect">
+            <a:avLst/>
+          </a:prstGeom>
+        </p:spPr>
+        <p:txBody>
+          <a:bodyPr vert="horz">
+            <a:normAutofit/>
+          </a:bodyPr>
+          <a:lstStyle/>
+          <a:p>
+            <a:pPr marL="342900" marR="0" lvl="0" indent="-342900" algn="l" defTabSz="914400" rtl="0" eaLnBrk="1" fontAlgn="auto" latinLnBrk="0" hangingPunct="1">
+              <a:lnSpc>
+                <a:spcPct val="100000"/>
+              </a:lnSpc>
+              <a:spcBef>
+                <a:spcPct val="20000"/>
+              </a:spcBef>
+              <a:spcAft>
+                <a:spcPts val="0"/>
+              </a:spcAft>
+              <a:buClr>
+                <a:schemeClr val="accent1"/>
+              </a:buClr>
+              <a:buSzPct val="70000"/>
+              <a:buFont typeface="Wingdings 2"/>
+              <a:buChar char=""/>
+              <a:tabLst/>
+              <a:defRPr/>
+            </a:pPr>
+            <a:r>
+              <a:rPr kumimoji="0" lang="fr-FR" sz="2400" i="0" u="none" strike="noStrike" kern="1200" cap="none" spc="0" normalizeH="0" baseline="0" noProof="0" dirty="0" smtClean="0">
+                <a:ln>
+                  <a:noFill/>
+                </a:ln>
+                <a:solidFill>
+                  <a:schemeClr val="tx2"/>
+                </a:solidFill>
+                <a:effectLst/>
+                <a:uLnTx/>
+                <a:uFillTx/>
+                <a:latin typeface="+mn-lt"/>
+                <a:ea typeface="+mn-ea"/>
+                <a:cs typeface="+mn-cs"/>
+              </a:rPr>
+              <a:t>Introduction</a:t>
+            </a:r>
+          </a:p>
+          <a:p>
+            <a:pPr marL="342900" marR="0" lvl="0" indent="-342900" algn="l" defTabSz="914400" rtl="0" eaLnBrk="1" fontAlgn="auto" latinLnBrk="0" hangingPunct="1">
+              <a:lnSpc>
+                <a:spcPct val="100000"/>
+              </a:lnSpc>
+              <a:spcBef>
+                <a:spcPct val="20000"/>
+              </a:spcBef>
+              <a:spcAft>
+                <a:spcPts val="0"/>
+              </a:spcAft>
+              <a:buClr>
+                <a:schemeClr val="accent1"/>
+              </a:buClr>
+              <a:buSzPct val="70000"/>
+              <a:buFont typeface="Wingdings 2"/>
+              <a:buChar char=""/>
+              <a:tabLst/>
+              <a:defRPr/>
+            </a:pPr>
+            <a:r>
+              <a:rPr lang="fr-FR" sz="2400" dirty="0" smtClean="0">
+                <a:solidFill>
+                  <a:schemeClr val="tx2"/>
+                </a:solidFill>
+              </a:rPr>
+              <a:t>Extraction</a:t>
+            </a:r>
+          </a:p>
+          <a:p>
+            <a:pPr marL="342900" marR="0" lvl="0" indent="-342900" algn="l" defTabSz="914400" rtl="0" eaLnBrk="1" fontAlgn="auto" latinLnBrk="0" hangingPunct="1">
+              <a:lnSpc>
+                <a:spcPct val="100000"/>
+              </a:lnSpc>
+              <a:spcBef>
+                <a:spcPct val="20000"/>
+              </a:spcBef>
+              <a:spcAft>
+                <a:spcPts val="0"/>
+              </a:spcAft>
+              <a:buClr>
+                <a:schemeClr val="accent1"/>
+              </a:buClr>
+              <a:buSzPct val="70000"/>
+              <a:buFont typeface="Wingdings 2"/>
+              <a:buChar char=""/>
+              <a:tabLst/>
+              <a:defRPr/>
+            </a:pPr>
+            <a:r>
+              <a:rPr kumimoji="0" lang="fr-FR" sz="2400" b="1" i="0" u="none" strike="noStrike" kern="1200" cap="none" spc="0" normalizeH="0" baseline="0" noProof="0" dirty="0" smtClean="0">
+                <a:ln>
+                  <a:noFill/>
+                </a:ln>
+                <a:solidFill>
+                  <a:schemeClr val="tx2"/>
+                </a:solidFill>
+                <a:effectLst/>
+                <a:uLnTx/>
+                <a:uFillTx/>
+                <a:latin typeface="+mn-lt"/>
+                <a:ea typeface="+mn-ea"/>
+                <a:cs typeface="+mn-cs"/>
+              </a:rPr>
+              <a:t>Stockage</a:t>
+            </a:r>
+          </a:p>
+          <a:p>
+            <a:pPr marL="342900" marR="0" lvl="0" indent="-342900" algn="l" defTabSz="914400" rtl="0" eaLnBrk="1" fontAlgn="auto" latinLnBrk="0" hangingPunct="1">
+              <a:lnSpc>
+                <a:spcPct val="100000"/>
+              </a:lnSpc>
+              <a:spcBef>
+                <a:spcPct val="20000"/>
+              </a:spcBef>
+              <a:spcAft>
+                <a:spcPts val="0"/>
+              </a:spcAft>
+              <a:buClr>
+                <a:schemeClr val="accent1"/>
+              </a:buClr>
+              <a:buSzPct val="70000"/>
+              <a:buFont typeface="Wingdings 2"/>
+              <a:buChar char=""/>
+              <a:tabLst/>
+              <a:defRPr/>
+            </a:pPr>
+            <a:r>
+              <a:rPr lang="fr-FR" sz="2400" dirty="0" smtClean="0">
+                <a:solidFill>
+                  <a:schemeClr val="tx2"/>
+                </a:solidFill>
+              </a:rPr>
+              <a:t>Restitution</a:t>
+            </a:r>
+            <a:endParaRPr kumimoji="0" lang="fr-FR" sz="2400" b="0" i="0" u="none" strike="noStrike" kern="1200" cap="none" spc="0" normalizeH="0" baseline="0" noProof="0" dirty="0" smtClean="0">
+              <a:ln>
+                <a:noFill/>
+              </a:ln>
+              <a:solidFill>
+                <a:schemeClr val="tx2"/>
+              </a:solidFill>
+              <a:effectLst/>
+              <a:uLnTx/>
+              <a:uFillTx/>
+              <a:latin typeface="+mn-lt"/>
+              <a:ea typeface="+mn-ea"/>
+              <a:cs typeface="+mn-cs"/>
+            </a:endParaRPr>
+          </a:p>
+          <a:p>
+            <a:pPr marL="342900" marR="0" lvl="0" indent="-342900" algn="l" defTabSz="914400" rtl="0" eaLnBrk="1" fontAlgn="auto" latinLnBrk="0" hangingPunct="1">
+              <a:lnSpc>
+                <a:spcPct val="100000"/>
+              </a:lnSpc>
+              <a:spcBef>
+                <a:spcPct val="20000"/>
+              </a:spcBef>
+              <a:spcAft>
+                <a:spcPts val="0"/>
+              </a:spcAft>
+              <a:buClr>
+                <a:schemeClr val="accent1"/>
+              </a:buClr>
+              <a:buSzPct val="70000"/>
+              <a:buFont typeface="Wingdings 2"/>
+              <a:buChar char=""/>
+              <a:tabLst/>
+              <a:defRPr/>
+            </a:pPr>
+            <a:r>
+              <a:rPr lang="fr-FR" sz="2400" dirty="0" smtClean="0">
+                <a:solidFill>
+                  <a:schemeClr val="tx2"/>
+                </a:solidFill>
+              </a:rPr>
+              <a:t>Conclusion</a:t>
+            </a:r>
+            <a:endParaRPr kumimoji="0" lang="fr-FR" sz="2400" b="0" i="0" u="none" strike="noStrike" kern="1200" cap="none" spc="0" normalizeH="0" baseline="0" noProof="0" dirty="0">
+              <a:ln>
+                <a:noFill/>
+              </a:ln>
+              <a:solidFill>
+                <a:schemeClr val="tx2"/>
+              </a:solidFill>
+              <a:effectLst/>
+              <a:uLnTx/>
+              <a:uFillTx/>
+              <a:latin typeface="+mn-lt"/>
+              <a:ea typeface="+mn-ea"/>
+              <a:cs typeface="+mn-cs"/>
+            </a:endParaRPr>
+          </a:p>
+        </p:txBody>
+      </p:sp>
+      <p:sp>
+        <p:nvSpPr>
+          <p:cNvPr id="7" name="ZoneTexte 6"/>
+          <p:cNvSpPr txBox="1"/>
+          <p:nvPr/>
+        </p:nvSpPr>
+        <p:spPr>
+          <a:xfrm>
+            <a:off x="0" y="6581001"/>
+            <a:ext cx="2708919" cy="276999"/>
+          </a:xfrm>
+          <a:prstGeom prst="rect">
+            <a:avLst/>
+          </a:prstGeom>
+          <a:noFill/>
+          <a:scene3d>
+            <a:camera prst="orthographicFront">
+              <a:rot lat="0" lon="0" rev="5400000"/>
+            </a:camera>
+            <a:lightRig rig="threePt" dir="t"/>
+          </a:scene3d>
+        </p:spPr>
+        <p:txBody>
+          <a:bodyPr wrap="square" rtlCol="0">
+            <a:spAutoFit/>
+            <a:scene3d>
+              <a:camera prst="orthographicFront">
+                <a:rot lat="0" lon="0" rev="0"/>
+              </a:camera>
+              <a:lightRig rig="threePt" dir="t"/>
+            </a:scene3d>
+            <a:flatTx/>
+          </a:bodyPr>
+          <a:lstStyle/>
+          <a:p>
+            <a:r>
+              <a:rPr lang="fr-FR" sz="1200" dirty="0" smtClean="0"/>
+              <a:t>Soutenance projet LPD2I 2010/2011</a:t>
+            </a:r>
+            <a:endParaRPr lang="fr-FR" sz="1200" dirty="0"/>
+          </a:p>
+        </p:txBody>
+      </p:sp>
+      <p:sp>
+        <p:nvSpPr>
+          <p:cNvPr id="9" name="ZoneTexte 8"/>
+          <p:cNvSpPr txBox="1"/>
+          <p:nvPr/>
+        </p:nvSpPr>
+        <p:spPr>
+          <a:xfrm>
+            <a:off x="5508104" y="6581001"/>
+            <a:ext cx="3635896" cy="276999"/>
+          </a:xfrm>
+          <a:prstGeom prst="rect">
+            <a:avLst/>
+          </a:prstGeom>
+          <a:noFill/>
+          <a:scene3d>
+            <a:camera prst="orthographicFront">
+              <a:rot lat="0" lon="0" rev="5400000"/>
+            </a:camera>
+            <a:lightRig rig="threePt" dir="t"/>
+          </a:scene3d>
+        </p:spPr>
+        <p:txBody>
+          <a:bodyPr wrap="square" rtlCol="0">
+            <a:spAutoFit/>
+            <a:scene3d>
+              <a:camera prst="orthographicFront">
+                <a:rot lat="0" lon="0" rev="0"/>
+              </a:camera>
+              <a:lightRig rig="threePt" dir="t"/>
+            </a:scene3d>
+            <a:flatTx/>
+          </a:bodyPr>
+          <a:lstStyle/>
+          <a:p>
+            <a:r>
+              <a:rPr lang="fr-FR" sz="1200" dirty="0" smtClean="0"/>
+              <a:t>Leonhard Hermle – Julien Cellier – Xavier Mourgues</a:t>
+            </a:r>
+            <a:endParaRPr lang="fr-FR" sz="1200" dirty="0"/>
+          </a:p>
+        </p:txBody>
+      </p:sp>
+      <p:cxnSp>
+        <p:nvCxnSpPr>
+          <p:cNvPr id="12" name="Connecteur droit 11"/>
+          <p:cNvCxnSpPr/>
+          <p:nvPr/>
+        </p:nvCxnSpPr>
+        <p:spPr>
+          <a:xfrm rot="5400000">
+            <a:off x="107504" y="4077072"/>
+            <a:ext cx="4464496" cy="0"/>
+          </a:xfrm>
+          <a:prstGeom prst="line">
+            <a:avLst/>
+          </a:prstGeom>
+        </p:spPr>
+        <p:style>
+          <a:lnRef idx="1">
+            <a:schemeClr val="accent1"/>
+          </a:lnRef>
+          <a:fillRef idx="0">
+            <a:schemeClr val="accent1"/>
+          </a:fillRef>
+          <a:effectRef idx="0">
+            <a:schemeClr val="accent1"/>
+          </a:effectRef>
+          <a:fontRef idx="minor">
+            <a:schemeClr val="tx1"/>
+          </a:fontRef>
+        </p:style>
+      </p:cxnSp>
+      <p:sp>
+        <p:nvSpPr>
+          <p:cNvPr id="8" name="Rectangle 7"/>
+          <p:cNvSpPr/>
+          <p:nvPr/>
+        </p:nvSpPr>
+        <p:spPr>
+          <a:xfrm>
+            <a:off x="2915816" y="2564904"/>
+            <a:ext cx="5616624" cy="1224136"/>
+          </a:xfrm>
+          <a:prstGeom prst="rect">
+            <a:avLst/>
+          </a:prstGeom>
+          <a:noFill/>
+        </p:spPr>
+        <p:style>
+          <a:lnRef idx="2">
+            <a:schemeClr val="accent1">
+              <a:shade val="50000"/>
+            </a:schemeClr>
+          </a:lnRef>
+          <a:fillRef idx="1">
+            <a:schemeClr val="accent1"/>
+          </a:fillRef>
+          <a:effectRef idx="0">
+            <a:schemeClr val="accent1"/>
+          </a:effectRef>
+          <a:fontRef idx="minor">
+            <a:schemeClr val="lt1"/>
+          </a:fontRef>
+        </p:style>
+        <p:txBody>
+          <a:bodyPr rtlCol="0" anchor="ctr"/>
+          <a:lstStyle/>
+          <a:p>
+            <a:pPr algn="ctr"/>
+            <a:endParaRPr lang="fr-FR"/>
+          </a:p>
+        </p:txBody>
+      </p:sp>
+    </p:spTree>
+  </p:cSld>
+  <p:clrMapOvr>
+    <a:masterClrMapping/>
+  </p:clrMapOvr>
+  <p:timing>
+    <p:tnLst>
+      <p:par>
+        <p:cTn id="1" dur="indefinite" restart="never" nodeType="tmRoot"/>
+      </p:par>
+    </p:tnLst>
+  </p:timing>
+</p:sld>
+</file>
+
+<file path=ppt/slides/slide15.xml><?xml version="1.0" encoding="utf-8"?>
+<p:sld xmlns:a="http://schemas.openxmlformats.org/drawingml/2006/main" xmlns:r="http://schemas.openxmlformats.org/officeDocument/2006/relationships" xmlns:p="http://schemas.openxmlformats.org/presentationml/2006/main">
+  <p:cSld>
+    <p:spTree>
+      <p:nvGrpSpPr>
+        <p:cNvPr id="1" name=""/>
+        <p:cNvGrpSpPr/>
+        <p:nvPr/>
+      </p:nvGrpSpPr>
+      <p:grpSpPr>
+        <a:xfrm>
+          <a:off x="0" y="0"/>
+          <a:ext cx="0" cy="0"/>
+          <a:chOff x="0" y="0"/>
+          <a:chExt cx="0" cy="0"/>
+        </a:xfrm>
+      </p:grpSpPr>
+      <p:sp>
+        <p:nvSpPr>
+          <p:cNvPr id="2" name="Titre 1"/>
+          <p:cNvSpPr>
+            <a:spLocks noGrp="1"/>
+          </p:cNvSpPr>
+          <p:nvPr>
+            <p:ph type="title"/>
+          </p:nvPr>
+        </p:nvSpPr>
+        <p:spPr/>
+        <p:txBody>
+          <a:bodyPr>
+            <a:normAutofit/>
+          </a:bodyPr>
+          <a:lstStyle/>
+          <a:p>
+            <a:r>
+              <a:rPr lang="fr-FR" cap="none" dirty="0" smtClean="0">
+                <a:effectLst/>
+              </a:rPr>
+              <a:t>STOCKAGES</a:t>
+            </a:r>
+            <a:r>
+              <a:rPr lang="fr-FR" sz="2000" cap="none" dirty="0" smtClean="0">
+                <a:effectLst/>
+              </a:rPr>
+              <a:t>(suite)</a:t>
+            </a:r>
+            <a:endParaRPr lang="fr-FR" sz="2000" dirty="0"/>
+          </a:p>
+        </p:txBody>
+      </p:sp>
+      <p:sp>
+        <p:nvSpPr>
+          <p:cNvPr id="3" name="Espace réservé du contenu 2"/>
+          <p:cNvSpPr>
+            <a:spLocks noGrp="1"/>
+          </p:cNvSpPr>
+          <p:nvPr>
+            <p:ph idx="1"/>
+          </p:nvPr>
+        </p:nvSpPr>
+        <p:spPr>
+          <a:xfrm>
+            <a:off x="2555776" y="1700808"/>
+            <a:ext cx="6120680" cy="4248472"/>
+          </a:xfrm>
+        </p:spPr>
+        <p:txBody>
+          <a:bodyPr>
+            <a:normAutofit fontScale="55000" lnSpcReduction="20000"/>
+          </a:bodyPr>
+          <a:lstStyle/>
+          <a:p>
+            <a:pPr algn="ctr">
+              <a:buNone/>
+            </a:pPr>
+            <a:r>
+              <a:rPr lang="fr-FR" sz="4400" b="1" dirty="0" smtClean="0">
+                <a:solidFill>
+                  <a:schemeClr val="accent5">
+                    <a:lumMod val="75000"/>
+                  </a:schemeClr>
+                </a:solidFill>
+              </a:rPr>
+              <a:t>Trigger et vues</a:t>
+            </a:r>
+          </a:p>
+          <a:p>
+            <a:pPr algn="ctr">
+              <a:buNone/>
+            </a:pPr>
+            <a:endParaRPr lang="fr-FR" sz="2000" dirty="0" smtClean="0">
+              <a:solidFill>
+                <a:schemeClr val="accent5">
+                  <a:lumMod val="75000"/>
+                </a:schemeClr>
+              </a:solidFill>
+            </a:endParaRPr>
+          </a:p>
+          <a:p>
+            <a:r>
+              <a:rPr lang="fr-FR" sz="3600" dirty="0" smtClean="0">
+                <a:solidFill>
+                  <a:schemeClr val="accent2">
+                    <a:lumMod val="50000"/>
+                  </a:schemeClr>
+                </a:solidFill>
+              </a:rPr>
+              <a:t>Projet d’utiliser une vue afin de rendre transparent l’utilisation de XML dans le code PHP.</a:t>
+            </a:r>
+          </a:p>
+          <a:p>
+            <a:r>
+              <a:rPr lang="fr-FR" sz="3600" dirty="0" smtClean="0">
+                <a:solidFill>
+                  <a:schemeClr val="accent2">
+                    <a:lumMod val="50000"/>
+                  </a:schemeClr>
+                </a:solidFill>
+              </a:rPr>
+              <a:t>Création d’un Trigger pour mettre à jour la moyenne des notes des utilisateurs.</a:t>
+            </a:r>
+          </a:p>
+          <a:p>
+            <a:pPr>
+              <a:buNone/>
+            </a:pPr>
+            <a:endParaRPr lang="fr-FR" sz="2000" dirty="0" smtClean="0">
+              <a:solidFill>
+                <a:schemeClr val="accent5">
+                  <a:lumMod val="75000"/>
+                </a:schemeClr>
+              </a:solidFill>
+            </a:endParaRPr>
+          </a:p>
+          <a:p>
+            <a:pPr>
+              <a:buNone/>
+            </a:pPr>
+            <a:endParaRPr lang="fr-FR" sz="2200" i="1" dirty="0" smtClean="0"/>
+          </a:p>
+          <a:p>
+            <a:pPr>
+              <a:buNone/>
+            </a:pPr>
+            <a:r>
+              <a:rPr lang="fr-FR" sz="2200" i="1" dirty="0" smtClean="0"/>
+              <a:t>CREATE OR REPLACE TRIGGER moyenne</a:t>
+            </a:r>
+          </a:p>
+          <a:p>
+            <a:pPr>
+              <a:buNone/>
+            </a:pPr>
+            <a:r>
+              <a:rPr lang="fr-FR" sz="2200" i="1" dirty="0" smtClean="0"/>
+              <a:t>AFTER INSERT OR UPDATE ON film</a:t>
+            </a:r>
+          </a:p>
+          <a:p>
+            <a:pPr>
+              <a:buNone/>
+            </a:pPr>
+            <a:r>
+              <a:rPr lang="fr-FR" sz="2200" i="1" dirty="0" smtClean="0"/>
+              <a:t>FOR EACH ROW</a:t>
+            </a:r>
+          </a:p>
+          <a:p>
+            <a:pPr>
+              <a:buNone/>
+            </a:pPr>
+            <a:r>
+              <a:rPr lang="fr-FR" sz="2200" i="1" dirty="0" smtClean="0"/>
+              <a:t>	BEGIN</a:t>
+            </a:r>
+          </a:p>
+          <a:p>
+            <a:pPr>
+              <a:buNone/>
+            </a:pPr>
+            <a:r>
+              <a:rPr lang="fr-FR" sz="2200" i="1" dirty="0" smtClean="0"/>
+              <a:t>                   NEW.</a:t>
+            </a:r>
+            <a:r>
+              <a:rPr lang="fr-FR" sz="2200" i="1" dirty="0" err="1" smtClean="0"/>
+              <a:t>notes_util</a:t>
+            </a:r>
+            <a:r>
+              <a:rPr lang="fr-FR" sz="2200" i="1" dirty="0" smtClean="0"/>
+              <a:t> := (SELECT AVG(</a:t>
+            </a:r>
+            <a:r>
+              <a:rPr lang="fr-FR" sz="2200" i="1" dirty="0" err="1" smtClean="0"/>
+              <a:t>extract</a:t>
+            </a:r>
+            <a:r>
+              <a:rPr lang="fr-FR" sz="2200" i="1" dirty="0" smtClean="0"/>
+              <a:t>(value(note),'note/</a:t>
+            </a:r>
+            <a:r>
+              <a:rPr lang="fr-FR" sz="2200" i="1" dirty="0" err="1" smtClean="0"/>
+              <a:t>text</a:t>
+            </a:r>
+            <a:r>
+              <a:rPr lang="fr-FR" sz="2200" i="1" dirty="0" smtClean="0"/>
+              <a:t>()').</a:t>
+            </a:r>
+            <a:r>
+              <a:rPr lang="fr-FR" sz="2200" i="1" dirty="0" err="1" smtClean="0"/>
+              <a:t>getNumberVal</a:t>
+            </a:r>
+            <a:r>
+              <a:rPr lang="fr-FR" sz="2200" i="1" dirty="0" smtClean="0"/>
+              <a:t>())</a:t>
+            </a:r>
+          </a:p>
+          <a:p>
+            <a:pPr>
+              <a:buNone/>
+            </a:pPr>
+            <a:r>
+              <a:rPr lang="fr-FR" sz="2200" i="1" dirty="0" smtClean="0"/>
+              <a:t>FROM film f, table(</a:t>
+            </a:r>
+            <a:r>
+              <a:rPr lang="fr-FR" sz="2200" i="1" dirty="0" err="1" smtClean="0"/>
+              <a:t>xmlsequence</a:t>
+            </a:r>
+            <a:r>
+              <a:rPr lang="fr-FR" sz="2200" i="1" dirty="0" smtClean="0"/>
+              <a:t>(</a:t>
+            </a:r>
+            <a:r>
+              <a:rPr lang="fr-FR" sz="2200" i="1" dirty="0" err="1" smtClean="0"/>
+              <a:t>extract</a:t>
+            </a:r>
+            <a:r>
+              <a:rPr lang="fr-FR" sz="2200" i="1" dirty="0" smtClean="0"/>
+              <a:t>(</a:t>
+            </a:r>
+            <a:r>
+              <a:rPr lang="fr-FR" sz="2200" i="1" dirty="0" err="1" smtClean="0"/>
+              <a:t>f.commentaire</a:t>
+            </a:r>
+            <a:r>
+              <a:rPr lang="fr-FR" sz="2200" i="1" dirty="0" smtClean="0"/>
+              <a:t>,'/film/commentaire/note')))  note</a:t>
+            </a:r>
+          </a:p>
+          <a:p>
+            <a:pPr>
+              <a:buNone/>
+            </a:pPr>
+            <a:r>
+              <a:rPr lang="fr-FR" sz="2200" i="1" dirty="0" smtClean="0"/>
+              <a:t>				WHERE </a:t>
+            </a:r>
+            <a:r>
+              <a:rPr lang="fr-FR" sz="2200" i="1" dirty="0" err="1" smtClean="0"/>
+              <a:t>id_film</a:t>
+            </a:r>
+            <a:r>
+              <a:rPr lang="fr-FR" sz="2200" i="1" dirty="0" smtClean="0"/>
+              <a:t> = NEW.id_film)</a:t>
+            </a:r>
+          </a:p>
+          <a:p>
+            <a:pPr>
+              <a:buNone/>
+            </a:pPr>
+            <a:r>
+              <a:rPr lang="fr-FR" sz="2200" i="1" dirty="0" smtClean="0"/>
+              <a:t>	END;</a:t>
+            </a:r>
+          </a:p>
+          <a:p>
+            <a:pPr>
+              <a:buNone/>
+            </a:pPr>
+            <a:r>
+              <a:rPr lang="fr-FR" sz="2200" i="1" dirty="0" smtClean="0"/>
+              <a:t>END moyenne;</a:t>
+            </a:r>
+          </a:p>
+          <a:p>
+            <a:pPr>
+              <a:buNone/>
+            </a:pPr>
+            <a:r>
+              <a:rPr lang="fr-FR" sz="2200" dirty="0" smtClean="0">
+                <a:solidFill>
+                  <a:schemeClr val="accent5">
+                    <a:lumMod val="75000"/>
+                  </a:schemeClr>
+                </a:solidFill>
+              </a:rPr>
+              <a:t> </a:t>
+            </a:r>
+          </a:p>
+          <a:p>
+            <a:pPr>
+              <a:buNone/>
+            </a:pPr>
+            <a:endParaRPr lang="fr-FR" sz="2800" dirty="0" smtClean="0">
+              <a:solidFill>
+                <a:schemeClr val="accent5">
+                  <a:lumMod val="75000"/>
+                </a:schemeClr>
+              </a:solidFill>
+            </a:endParaRPr>
+          </a:p>
+          <a:p>
+            <a:pPr algn="ctr">
+              <a:buNone/>
+            </a:pPr>
+            <a:endParaRPr lang="fr-FR" sz="2800" b="1" dirty="0" smtClean="0">
+              <a:solidFill>
+                <a:schemeClr val="accent5">
+                  <a:lumMod val="75000"/>
+                </a:schemeClr>
+              </a:solidFill>
+            </a:endParaRPr>
+          </a:p>
+        </p:txBody>
+      </p:sp>
+      <p:sp>
+        <p:nvSpPr>
+          <p:cNvPr id="6" name="Espace réservé du contenu 2"/>
+          <p:cNvSpPr txBox="1">
+            <a:spLocks/>
+          </p:cNvSpPr>
+          <p:nvPr/>
+        </p:nvSpPr>
+        <p:spPr>
+          <a:xfrm>
+            <a:off x="179512" y="1700808"/>
+            <a:ext cx="2088232" cy="4536504"/>
+          </a:xfrm>
+          <a:prstGeom prst="rect">
+            <a:avLst/>
+          </a:prstGeom>
+        </p:spPr>
+        <p:txBody>
+          <a:bodyPr vert="horz">
+            <a:normAutofit/>
+          </a:bodyPr>
+          <a:lstStyle/>
+          <a:p>
+            <a:pPr marL="342900" marR="0" lvl="0" indent="-342900" algn="l" defTabSz="914400" rtl="0" eaLnBrk="1" fontAlgn="auto" latinLnBrk="0" hangingPunct="1">
+              <a:lnSpc>
+                <a:spcPct val="100000"/>
+              </a:lnSpc>
+              <a:spcBef>
+                <a:spcPct val="20000"/>
+              </a:spcBef>
+              <a:spcAft>
+                <a:spcPts val="0"/>
+              </a:spcAft>
+              <a:buClr>
+                <a:schemeClr val="accent1"/>
+              </a:buClr>
+              <a:buSzPct val="70000"/>
+              <a:buFont typeface="Wingdings 2"/>
+              <a:buChar char=""/>
+              <a:tabLst/>
+              <a:defRPr/>
+            </a:pPr>
+            <a:r>
+              <a:rPr kumimoji="0" lang="fr-FR" sz="2400" i="0" u="none" strike="noStrike" kern="1200" cap="none" spc="0" normalizeH="0" baseline="0" noProof="0" dirty="0" smtClean="0">
+                <a:ln>
+                  <a:noFill/>
+                </a:ln>
+                <a:solidFill>
+                  <a:schemeClr val="tx2"/>
+                </a:solidFill>
+                <a:effectLst/>
+                <a:uLnTx/>
+                <a:uFillTx/>
+                <a:latin typeface="+mn-lt"/>
+                <a:ea typeface="+mn-ea"/>
+                <a:cs typeface="+mn-cs"/>
+              </a:rPr>
+              <a:t>Introduction</a:t>
+            </a:r>
+          </a:p>
+          <a:p>
+            <a:pPr marL="342900" marR="0" lvl="0" indent="-342900" algn="l" defTabSz="914400" rtl="0" eaLnBrk="1" fontAlgn="auto" latinLnBrk="0" hangingPunct="1">
+              <a:lnSpc>
+                <a:spcPct val="100000"/>
+              </a:lnSpc>
+              <a:spcBef>
+                <a:spcPct val="20000"/>
+              </a:spcBef>
+              <a:spcAft>
+                <a:spcPts val="0"/>
+              </a:spcAft>
+              <a:buClr>
+                <a:schemeClr val="accent1"/>
+              </a:buClr>
+              <a:buSzPct val="70000"/>
+              <a:buFont typeface="Wingdings 2"/>
+              <a:buChar char=""/>
+              <a:tabLst/>
+              <a:defRPr/>
+            </a:pPr>
+            <a:r>
+              <a:rPr lang="fr-FR" sz="2400" dirty="0" smtClean="0">
+                <a:solidFill>
+                  <a:schemeClr val="tx2"/>
+                </a:solidFill>
+              </a:rPr>
+              <a:t>Extraction</a:t>
+            </a:r>
+          </a:p>
+          <a:p>
+            <a:pPr marL="342900" marR="0" lvl="0" indent="-342900" algn="l" defTabSz="914400" rtl="0" eaLnBrk="1" fontAlgn="auto" latinLnBrk="0" hangingPunct="1">
+              <a:lnSpc>
+                <a:spcPct val="100000"/>
+              </a:lnSpc>
+              <a:spcBef>
+                <a:spcPct val="20000"/>
+              </a:spcBef>
+              <a:spcAft>
+                <a:spcPts val="0"/>
+              </a:spcAft>
+              <a:buClr>
+                <a:schemeClr val="accent1"/>
+              </a:buClr>
+              <a:buSzPct val="70000"/>
+              <a:buFont typeface="Wingdings 2"/>
+              <a:buChar char=""/>
+              <a:tabLst/>
+              <a:defRPr/>
+            </a:pPr>
+            <a:r>
+              <a:rPr kumimoji="0" lang="fr-FR" sz="2400" b="1" i="0" u="none" strike="noStrike" kern="1200" cap="none" spc="0" normalizeH="0" baseline="0" noProof="0" dirty="0" smtClean="0">
+                <a:ln>
+                  <a:noFill/>
+                </a:ln>
+                <a:solidFill>
+                  <a:schemeClr val="tx2"/>
+                </a:solidFill>
+                <a:effectLst/>
+                <a:uLnTx/>
+                <a:uFillTx/>
+                <a:latin typeface="+mn-lt"/>
+                <a:ea typeface="+mn-ea"/>
+                <a:cs typeface="+mn-cs"/>
+              </a:rPr>
+              <a:t>Stockage</a:t>
+            </a:r>
+          </a:p>
+          <a:p>
+            <a:pPr marL="342900" marR="0" lvl="0" indent="-342900" algn="l" defTabSz="914400" rtl="0" eaLnBrk="1" fontAlgn="auto" latinLnBrk="0" hangingPunct="1">
+              <a:lnSpc>
+                <a:spcPct val="100000"/>
+              </a:lnSpc>
+              <a:spcBef>
+                <a:spcPct val="20000"/>
+              </a:spcBef>
+              <a:spcAft>
+                <a:spcPts val="0"/>
+              </a:spcAft>
+              <a:buClr>
+                <a:schemeClr val="accent1"/>
+              </a:buClr>
+              <a:buSzPct val="70000"/>
+              <a:buFont typeface="Wingdings 2"/>
+              <a:buChar char=""/>
+              <a:tabLst/>
+              <a:defRPr/>
+            </a:pPr>
+            <a:r>
+              <a:rPr lang="fr-FR" sz="2400" dirty="0" smtClean="0">
+                <a:solidFill>
+                  <a:schemeClr val="tx2"/>
+                </a:solidFill>
+              </a:rPr>
+              <a:t>Restitution</a:t>
+            </a:r>
+            <a:endParaRPr kumimoji="0" lang="fr-FR" sz="2400" b="0" i="0" u="none" strike="noStrike" kern="1200" cap="none" spc="0" normalizeH="0" baseline="0" noProof="0" dirty="0" smtClean="0">
+              <a:ln>
+                <a:noFill/>
+              </a:ln>
+              <a:solidFill>
+                <a:schemeClr val="tx2"/>
+              </a:solidFill>
+              <a:effectLst/>
+              <a:uLnTx/>
+              <a:uFillTx/>
+              <a:latin typeface="+mn-lt"/>
+              <a:ea typeface="+mn-ea"/>
+              <a:cs typeface="+mn-cs"/>
+            </a:endParaRPr>
+          </a:p>
+          <a:p>
+            <a:pPr marL="342900" marR="0" lvl="0" indent="-342900" algn="l" defTabSz="914400" rtl="0" eaLnBrk="1" fontAlgn="auto" latinLnBrk="0" hangingPunct="1">
+              <a:lnSpc>
+                <a:spcPct val="100000"/>
+              </a:lnSpc>
+              <a:spcBef>
+                <a:spcPct val="20000"/>
+              </a:spcBef>
+              <a:spcAft>
+                <a:spcPts val="0"/>
+              </a:spcAft>
+              <a:buClr>
+                <a:schemeClr val="accent1"/>
+              </a:buClr>
+              <a:buSzPct val="70000"/>
+              <a:buFont typeface="Wingdings 2"/>
+              <a:buChar char=""/>
+              <a:tabLst/>
+              <a:defRPr/>
+            </a:pPr>
+            <a:r>
+              <a:rPr lang="fr-FR" sz="2400" dirty="0" smtClean="0">
+                <a:solidFill>
+                  <a:schemeClr val="tx2"/>
+                </a:solidFill>
+              </a:rPr>
+              <a:t>Conclusion</a:t>
+            </a:r>
+            <a:endParaRPr kumimoji="0" lang="fr-FR" sz="2400" b="0" i="0" u="none" strike="noStrike" kern="1200" cap="none" spc="0" normalizeH="0" baseline="0" noProof="0" dirty="0">
+              <a:ln>
+                <a:noFill/>
+              </a:ln>
+              <a:solidFill>
+                <a:schemeClr val="tx2"/>
+              </a:solidFill>
+              <a:effectLst/>
+              <a:uLnTx/>
+              <a:uFillTx/>
+              <a:latin typeface="+mn-lt"/>
+              <a:ea typeface="+mn-ea"/>
+              <a:cs typeface="+mn-cs"/>
+            </a:endParaRPr>
+          </a:p>
+        </p:txBody>
+      </p:sp>
+      <p:sp>
+        <p:nvSpPr>
+          <p:cNvPr id="7" name="ZoneTexte 6"/>
+          <p:cNvSpPr txBox="1"/>
+          <p:nvPr/>
+        </p:nvSpPr>
+        <p:spPr>
+          <a:xfrm>
+            <a:off x="0" y="6581001"/>
+            <a:ext cx="2708919" cy="276999"/>
+          </a:xfrm>
+          <a:prstGeom prst="rect">
+            <a:avLst/>
+          </a:prstGeom>
+          <a:noFill/>
+          <a:scene3d>
+            <a:camera prst="orthographicFront">
+              <a:rot lat="0" lon="0" rev="5400000"/>
+            </a:camera>
+            <a:lightRig rig="threePt" dir="t"/>
+          </a:scene3d>
+        </p:spPr>
+        <p:txBody>
+          <a:bodyPr wrap="square" rtlCol="0">
+            <a:spAutoFit/>
+            <a:scene3d>
+              <a:camera prst="orthographicFront">
+                <a:rot lat="0" lon="0" rev="0"/>
+              </a:camera>
+              <a:lightRig rig="threePt" dir="t"/>
+            </a:scene3d>
+            <a:flatTx/>
+          </a:bodyPr>
+          <a:lstStyle/>
+          <a:p>
+            <a:r>
+              <a:rPr lang="fr-FR" sz="1200" dirty="0" smtClean="0"/>
+              <a:t>Soutenance projet LPD2I 2010/2011</a:t>
+            </a:r>
+            <a:endParaRPr lang="fr-FR" sz="1200" dirty="0"/>
+          </a:p>
+        </p:txBody>
+      </p:sp>
+      <p:sp>
+        <p:nvSpPr>
+          <p:cNvPr id="9" name="ZoneTexte 8"/>
+          <p:cNvSpPr txBox="1"/>
+          <p:nvPr/>
+        </p:nvSpPr>
+        <p:spPr>
+          <a:xfrm>
+            <a:off x="5508104" y="6581001"/>
+            <a:ext cx="3635896" cy="276999"/>
+          </a:xfrm>
+          <a:prstGeom prst="rect">
+            <a:avLst/>
+          </a:prstGeom>
+          <a:noFill/>
+          <a:scene3d>
+            <a:camera prst="orthographicFront">
+              <a:rot lat="0" lon="0" rev="5400000"/>
+            </a:camera>
+            <a:lightRig rig="threePt" dir="t"/>
+          </a:scene3d>
+        </p:spPr>
+        <p:txBody>
+          <a:bodyPr wrap="square" rtlCol="0">
+            <a:spAutoFit/>
+            <a:scene3d>
+              <a:camera prst="orthographicFront">
+                <a:rot lat="0" lon="0" rev="0"/>
+              </a:camera>
+              <a:lightRig rig="threePt" dir="t"/>
+            </a:scene3d>
+            <a:flatTx/>
+          </a:bodyPr>
+          <a:lstStyle/>
+          <a:p>
+            <a:r>
+              <a:rPr lang="fr-FR" sz="1200" dirty="0" smtClean="0"/>
+              <a:t>Leonhard Hermle – Julien Cellier – Xavier Mourgues</a:t>
+            </a:r>
+            <a:endParaRPr lang="fr-FR" sz="1200" dirty="0"/>
+          </a:p>
+        </p:txBody>
+      </p:sp>
+      <p:cxnSp>
+        <p:nvCxnSpPr>
+          <p:cNvPr id="12" name="Connecteur droit 11"/>
+          <p:cNvCxnSpPr/>
+          <p:nvPr/>
+        </p:nvCxnSpPr>
+        <p:spPr>
+          <a:xfrm rot="5400000">
+            <a:off x="107504" y="4077072"/>
+            <a:ext cx="4464496" cy="0"/>
+          </a:xfrm>
+          <a:prstGeom prst="line">
+            <a:avLst/>
+          </a:prstGeom>
+        </p:spPr>
+        <p:style>
+          <a:lnRef idx="1">
+            <a:schemeClr val="accent1"/>
+          </a:lnRef>
+          <a:fillRef idx="0">
+            <a:schemeClr val="accent1"/>
+          </a:fillRef>
+          <a:effectRef idx="0">
+            <a:schemeClr val="accent1"/>
+          </a:effectRef>
+          <a:fontRef idx="minor">
+            <a:schemeClr val="tx1"/>
+          </a:fontRef>
+        </p:style>
+      </p:cxnSp>
+      <p:sp>
+        <p:nvSpPr>
+          <p:cNvPr id="8" name="Rectangle 7"/>
+          <p:cNvSpPr/>
+          <p:nvPr/>
+        </p:nvSpPr>
+        <p:spPr>
+          <a:xfrm>
+            <a:off x="2555776" y="3356992"/>
+            <a:ext cx="6120680" cy="2160240"/>
+          </a:xfrm>
+          <a:prstGeom prst="rect">
+            <a:avLst/>
+          </a:prstGeom>
+          <a:noFill/>
+        </p:spPr>
+        <p:style>
+          <a:lnRef idx="2">
+            <a:schemeClr val="accent6"/>
+          </a:lnRef>
+          <a:fillRef idx="1">
+            <a:schemeClr val="lt1"/>
+          </a:fillRef>
+          <a:effectRef idx="0">
+            <a:schemeClr val="accent6"/>
+          </a:effectRef>
+          <a:fontRef idx="minor">
+            <a:schemeClr val="dk1"/>
+          </a:fontRef>
+        </p:style>
+        <p:txBody>
+          <a:bodyPr rtlCol="0" anchor="ctr"/>
+          <a:lstStyle/>
+          <a:p>
+            <a:pPr algn="ctr"/>
+            <a:endParaRPr lang="fr-FR" dirty="0">
+              <a:noFill/>
+            </a:endParaRPr>
+          </a:p>
+        </p:txBody>
+      </p:sp>
+    </p:spTree>
+  </p:cSld>
+  <p:clrMapOvr>
+    <a:masterClrMapping/>
+  </p:clrMapOvr>
+  <p:timing>
+    <p:tnLst>
+      <p:par>
+        <p:cTn id="1" dur="indefinite" restart="never" nodeType="tmRoot"/>
+      </p:par>
+    </p:tnLst>
+  </p:timing>
+</p:sld>
+</file>
+
+<file path=ppt/slides/slide16.xml><?xml version="1.0" encoding="utf-8"?>
+<p:sld xmlns:a="http://schemas.openxmlformats.org/drawingml/2006/main" xmlns:r="http://schemas.openxmlformats.org/officeDocument/2006/relationships" xmlns:p="http://schemas.openxmlformats.org/presentationml/2006/main">
+  <p:cSld>
+    <p:spTree>
+      <p:nvGrpSpPr>
+        <p:cNvPr id="1" name=""/>
+        <p:cNvGrpSpPr/>
+        <p:nvPr/>
+      </p:nvGrpSpPr>
+      <p:grpSpPr>
+        <a:xfrm>
+          <a:off x="0" y="0"/>
+          <a:ext cx="0" cy="0"/>
+          <a:chOff x="0" y="0"/>
+          <a:chExt cx="0" cy="0"/>
+        </a:xfrm>
+      </p:grpSpPr>
+      <p:sp>
+        <p:nvSpPr>
+          <p:cNvPr id="2" name="Titre 1"/>
+          <p:cNvSpPr>
+            <a:spLocks noGrp="1"/>
+          </p:cNvSpPr>
+          <p:nvPr>
+            <p:ph type="title"/>
+          </p:nvPr>
+        </p:nvSpPr>
+        <p:spPr/>
+        <p:txBody>
+          <a:bodyPr>
+            <a:normAutofit/>
+          </a:bodyPr>
+          <a:lstStyle/>
+          <a:p>
+            <a:r>
               <a:rPr lang="fr-FR" dirty="0" smtClean="0"/>
               <a:t>Restitution</a:t>
             </a:r>
@@ -6411,7 +7881,7 @@
 </p:sld>
 </file>
 
-<file path=ppt/slides/slide14.xml><?xml version="1.0" encoding="utf-8"?>
+<file path=ppt/slides/slide17.xml><?xml version="1.0" encoding="utf-8"?>
 <p:sld xmlns:a="http://schemas.openxmlformats.org/drawingml/2006/main" xmlns:r="http://schemas.openxmlformats.org/officeDocument/2006/relationships" xmlns:p="http://schemas.openxmlformats.org/presentationml/2006/main">
   <p:cSld>
     <p:spTree>
@@ -6956,7 +8426,7 @@
 </p:sld>
 </file>
 
-<file path=ppt/slides/slide15.xml><?xml version="1.0" encoding="utf-8"?>
+<file path=ppt/slides/slide18.xml><?xml version="1.0" encoding="utf-8"?>
 <p:sld xmlns:a="http://schemas.openxmlformats.org/drawingml/2006/main" xmlns:r="http://schemas.openxmlformats.org/officeDocument/2006/relationships" xmlns:p="http://schemas.openxmlformats.org/presentationml/2006/main">
   <p:cSld>
     <p:spTree>
@@ -7641,7 +9111,7 @@
 </p:sld>
 </file>
 
-<file path=ppt/slides/slide16.xml><?xml version="1.0" encoding="utf-8"?>
+<file path=ppt/slides/slide19.xml><?xml version="1.0" encoding="utf-8"?>
 <p:sld xmlns:a="http://schemas.openxmlformats.org/drawingml/2006/main" xmlns:r="http://schemas.openxmlformats.org/officeDocument/2006/relationships" xmlns:p="http://schemas.openxmlformats.org/presentationml/2006/main">
   <p:cSld>
     <p:spTree>
@@ -8807,1844 +10277,6 @@
 </p:sld>
 </file>
 
-<file path=ppt/slides/slide17.xml><?xml version="1.0" encoding="utf-8"?>
-<p:sld xmlns:a="http://schemas.openxmlformats.org/drawingml/2006/main" xmlns:r="http://schemas.openxmlformats.org/officeDocument/2006/relationships" xmlns:p="http://schemas.openxmlformats.org/presentationml/2006/main">
-  <p:cSld>
-    <p:spTree>
-      <p:nvGrpSpPr>
-        <p:cNvPr id="1" name=""/>
-        <p:cNvGrpSpPr/>
-        <p:nvPr/>
-      </p:nvGrpSpPr>
-      <p:grpSpPr>
-        <a:xfrm>
-          <a:off x="0" y="0"/>
-          <a:ext cx="0" cy="0"/>
-          <a:chOff x="0" y="0"/>
-          <a:chExt cx="0" cy="0"/>
-        </a:xfrm>
-      </p:grpSpPr>
-      <p:sp>
-        <p:nvSpPr>
-          <p:cNvPr id="2" name="Titre 1"/>
-          <p:cNvSpPr>
-            <a:spLocks noGrp="1"/>
-          </p:cNvSpPr>
-          <p:nvPr>
-            <p:ph type="title"/>
-          </p:nvPr>
-        </p:nvSpPr>
-        <p:spPr/>
-        <p:txBody>
-          <a:bodyPr>
-            <a:normAutofit/>
-          </a:bodyPr>
-          <a:lstStyle/>
-          <a:p>
-            <a:r>
-              <a:rPr lang="fr-FR" dirty="0" smtClean="0"/>
-              <a:t>Restitution</a:t>
-            </a:r>
-            <a:r>
-              <a:rPr lang="fr-FR" sz="1800" dirty="0" smtClean="0"/>
-              <a:t>(suite)</a:t>
-            </a:r>
-            <a:endParaRPr lang="fr-FR" dirty="0"/>
-          </a:p>
-        </p:txBody>
-      </p:sp>
-      <p:sp>
-        <p:nvSpPr>
-          <p:cNvPr id="3" name="Espace réservé du contenu 2"/>
-          <p:cNvSpPr>
-            <a:spLocks noGrp="1"/>
-          </p:cNvSpPr>
-          <p:nvPr>
-            <p:ph idx="1"/>
-          </p:nvPr>
-        </p:nvSpPr>
-        <p:spPr>
-          <a:xfrm>
-            <a:off x="2699792" y="1700808"/>
-            <a:ext cx="5976664" cy="4608512"/>
-          </a:xfrm>
-        </p:spPr>
-        <p:txBody>
-          <a:bodyPr>
-            <a:normAutofit/>
-          </a:bodyPr>
-          <a:lstStyle/>
-          <a:p>
-            <a:pPr algn="ctr">
-              <a:buNone/>
-            </a:pPr>
-            <a:r>
-              <a:rPr lang="fr-FR" sz="2800" b="1" dirty="0" smtClean="0">
-                <a:solidFill>
-                  <a:schemeClr val="accent5">
-                    <a:lumMod val="75000"/>
-                  </a:schemeClr>
-                </a:solidFill>
-              </a:rPr>
-              <a:t>Aspect Technique</a:t>
-            </a:r>
-          </a:p>
-          <a:p>
-            <a:pPr algn="ctr">
-              <a:buNone/>
-            </a:pPr>
-            <a:endParaRPr lang="fr-FR" sz="2800" b="1" dirty="0" smtClean="0">
-              <a:solidFill>
-                <a:schemeClr val="accent5">
-                  <a:lumMod val="75000"/>
-                </a:schemeClr>
-              </a:solidFill>
-            </a:endParaRPr>
-          </a:p>
-          <a:p>
-            <a:pPr>
-              <a:buNone/>
-            </a:pPr>
-            <a:r>
-              <a:rPr lang="fr-FR" sz="1500" dirty="0" smtClean="0"/>
-              <a:t>	</a:t>
-            </a:r>
-            <a:r>
-              <a:rPr lang="fr-FR" sz="1500" i="1" dirty="0" smtClean="0"/>
-              <a:t>$</a:t>
-            </a:r>
-            <a:r>
-              <a:rPr lang="fr-FR" sz="1500" i="1" dirty="0" err="1" smtClean="0"/>
-              <a:t>elements_totaux</a:t>
-            </a:r>
-            <a:r>
-              <a:rPr lang="fr-FR" sz="1500" i="1" dirty="0" smtClean="0"/>
-              <a:t> = 9 ;</a:t>
-            </a:r>
-          </a:p>
-          <a:p>
-            <a:pPr>
-              <a:buNone/>
-            </a:pPr>
-            <a:r>
-              <a:rPr lang="fr-FR" sz="1500" i="1" dirty="0" smtClean="0"/>
-              <a:t>	$</a:t>
-            </a:r>
-            <a:r>
-              <a:rPr lang="fr-FR" sz="1500" i="1" dirty="0" err="1" smtClean="0"/>
-              <a:t>nombre_par_page</a:t>
-            </a:r>
-            <a:r>
-              <a:rPr lang="fr-FR" sz="1500" i="1" dirty="0" smtClean="0"/>
-              <a:t> = 2 ;</a:t>
-            </a:r>
-          </a:p>
-          <a:p>
-            <a:pPr>
-              <a:buNone/>
-            </a:pPr>
-            <a:r>
-              <a:rPr lang="fr-FR" sz="1500" i="1" dirty="0" smtClean="0"/>
-              <a:t> </a:t>
-            </a:r>
-          </a:p>
-          <a:p>
-            <a:pPr>
-              <a:buNone/>
-            </a:pPr>
-            <a:r>
-              <a:rPr lang="fr-FR" sz="1500" i="1" dirty="0" smtClean="0"/>
-              <a:t>	//</a:t>
-            </a:r>
-            <a:r>
-              <a:rPr lang="fr-FR" sz="1500" i="1" dirty="0" err="1" smtClean="0"/>
-              <a:t>ceil</a:t>
-            </a:r>
-            <a:r>
-              <a:rPr lang="fr-FR" sz="1500" i="1" dirty="0" smtClean="0"/>
-              <a:t>() permet d’arrondir à l’unité supérieur ;</a:t>
-            </a:r>
-          </a:p>
-          <a:p>
-            <a:pPr>
-              <a:buNone/>
-            </a:pPr>
-            <a:r>
-              <a:rPr lang="fr-FR" sz="1500" i="1" dirty="0" smtClean="0"/>
-              <a:t>	//ne pas utiliser round() ;</a:t>
-            </a:r>
-          </a:p>
-          <a:p>
-            <a:pPr>
-              <a:buNone/>
-            </a:pPr>
-            <a:r>
-              <a:rPr lang="fr-FR" sz="1500" i="1" dirty="0" smtClean="0"/>
-              <a:t>$</a:t>
-            </a:r>
-            <a:r>
-              <a:rPr lang="fr-FR" sz="1500" i="1" dirty="0" err="1" smtClean="0"/>
-              <a:t>nb_pages</a:t>
-            </a:r>
-            <a:r>
-              <a:rPr lang="fr-FR" sz="1500" i="1" dirty="0" smtClean="0"/>
-              <a:t> = </a:t>
-            </a:r>
-            <a:r>
-              <a:rPr lang="fr-FR" sz="1500" i="1" dirty="0" err="1" smtClean="0"/>
-              <a:t>ceil</a:t>
-            </a:r>
-            <a:r>
-              <a:rPr lang="fr-FR" sz="1500" i="1" dirty="0" smtClean="0"/>
-              <a:t>($</a:t>
-            </a:r>
-            <a:r>
-              <a:rPr lang="fr-FR" sz="1500" i="1" dirty="0" err="1" smtClean="0"/>
-              <a:t>elements_totaux</a:t>
-            </a:r>
-            <a:r>
-              <a:rPr lang="fr-FR" sz="1500" i="1" dirty="0" smtClean="0"/>
-              <a:t>/$</a:t>
-            </a:r>
-            <a:r>
-              <a:rPr lang="fr-FR" sz="1500" i="1" dirty="0" err="1" smtClean="0"/>
-              <a:t>nombre_par_page</a:t>
-            </a:r>
-            <a:r>
-              <a:rPr lang="fr-FR" sz="1500" i="1" dirty="0" smtClean="0"/>
-              <a:t>) ;</a:t>
-            </a:r>
-          </a:p>
-          <a:p>
-            <a:pPr>
-              <a:buNone/>
-            </a:pPr>
-            <a:r>
-              <a:rPr lang="fr-FR" sz="1500" i="1" dirty="0" smtClean="0"/>
-              <a:t> </a:t>
-            </a:r>
-          </a:p>
-          <a:p>
-            <a:pPr>
-              <a:buNone/>
-            </a:pPr>
-            <a:r>
-              <a:rPr lang="fr-FR" sz="1500" i="1" dirty="0" smtClean="0"/>
-              <a:t>//affichage des pages</a:t>
-            </a:r>
-          </a:p>
-          <a:p>
-            <a:pPr>
-              <a:buNone/>
-            </a:pPr>
-            <a:r>
-              <a:rPr lang="fr-FR" sz="1500" i="1" dirty="0" smtClean="0"/>
-              <a:t>if ($</a:t>
-            </a:r>
-            <a:r>
-              <a:rPr lang="fr-FR" sz="1500" i="1" dirty="0" err="1" smtClean="0"/>
-              <a:t>nbpages</a:t>
-            </a:r>
-            <a:r>
-              <a:rPr lang="fr-FR" sz="1500" i="1" dirty="0" smtClean="0"/>
-              <a:t> &gt; 1 ){</a:t>
-            </a:r>
-          </a:p>
-          <a:p>
-            <a:pPr>
-              <a:buNone/>
-            </a:pPr>
-            <a:r>
-              <a:rPr lang="fr-FR" sz="1500" i="1" dirty="0" smtClean="0"/>
-              <a:t>		for ($i=1; $i&lt;=$</a:t>
-            </a:r>
-            <a:r>
-              <a:rPr lang="fr-FR" sz="1500" i="1" dirty="0" err="1" smtClean="0"/>
-              <a:t>nb_pages</a:t>
-            </a:r>
-            <a:r>
-              <a:rPr lang="fr-FR" sz="1500" i="1" dirty="0" smtClean="0"/>
-              <a:t>; $i++){</a:t>
-            </a:r>
-          </a:p>
-          <a:p>
-            <a:pPr>
-              <a:buNone/>
-            </a:pPr>
-            <a:r>
-              <a:rPr lang="fr-FR" sz="1500" i="1" dirty="0" smtClean="0"/>
-              <a:t>			</a:t>
-            </a:r>
-            <a:r>
-              <a:rPr lang="fr-FR" sz="1500" i="1" dirty="0" err="1" smtClean="0"/>
-              <a:t>echo</a:t>
-            </a:r>
-            <a:r>
-              <a:rPr lang="fr-FR" sz="1500" i="1" dirty="0" smtClean="0"/>
-              <a:t> $i ;</a:t>
-            </a:r>
-          </a:p>
-          <a:p>
-            <a:pPr>
-              <a:buNone/>
-            </a:pPr>
-            <a:r>
-              <a:rPr lang="fr-FR" sz="1500" i="1" dirty="0" smtClean="0"/>
-              <a:t>	}</a:t>
-            </a:r>
-          </a:p>
-          <a:p>
-            <a:pPr>
-              <a:buNone/>
-            </a:pPr>
-            <a:r>
-              <a:rPr lang="fr-FR" sz="1500" i="1" dirty="0" smtClean="0"/>
-              <a:t>}</a:t>
-            </a:r>
-          </a:p>
-          <a:p>
-            <a:pPr>
-              <a:buNone/>
-            </a:pPr>
-            <a:endParaRPr lang="fr-FR" sz="2800" b="1" dirty="0" smtClean="0">
-              <a:solidFill>
-                <a:schemeClr val="accent5">
-                  <a:lumMod val="75000"/>
-                </a:schemeClr>
-              </a:solidFill>
-            </a:endParaRPr>
-          </a:p>
-          <a:p>
-            <a:pPr algn="ctr">
-              <a:buNone/>
-            </a:pPr>
-            <a:endParaRPr lang="fr-FR" sz="2400" dirty="0"/>
-          </a:p>
-        </p:txBody>
-      </p:sp>
-      <p:sp>
-        <p:nvSpPr>
-          <p:cNvPr id="6" name="Espace réservé du contenu 2"/>
-          <p:cNvSpPr txBox="1">
-            <a:spLocks/>
-          </p:cNvSpPr>
-          <p:nvPr/>
-        </p:nvSpPr>
-        <p:spPr>
-          <a:xfrm>
-            <a:off x="179512" y="1700808"/>
-            <a:ext cx="2088232" cy="4536504"/>
-          </a:xfrm>
-          <a:prstGeom prst="rect">
-            <a:avLst/>
-          </a:prstGeom>
-        </p:spPr>
-        <p:txBody>
-          <a:bodyPr vert="horz">
-            <a:normAutofit/>
-          </a:bodyPr>
-          <a:lstStyle/>
-          <a:p>
-            <a:pPr marL="342900" marR="0" lvl="0" indent="-342900" algn="l" defTabSz="914400" rtl="0" eaLnBrk="1" fontAlgn="auto" latinLnBrk="0" hangingPunct="1">
-              <a:lnSpc>
-                <a:spcPct val="100000"/>
-              </a:lnSpc>
-              <a:spcBef>
-                <a:spcPct val="20000"/>
-              </a:spcBef>
-              <a:spcAft>
-                <a:spcPts val="0"/>
-              </a:spcAft>
-              <a:buClr>
-                <a:schemeClr val="accent1"/>
-              </a:buClr>
-              <a:buSzPct val="70000"/>
-              <a:buFont typeface="Wingdings 2"/>
-              <a:buChar char=""/>
-              <a:tabLst/>
-              <a:defRPr/>
-            </a:pPr>
-            <a:r>
-              <a:rPr kumimoji="0" lang="fr-FR" sz="2400" i="0" u="none" strike="noStrike" kern="1200" cap="none" spc="0" normalizeH="0" baseline="0" noProof="0" dirty="0" smtClean="0">
-                <a:ln>
-                  <a:noFill/>
-                </a:ln>
-                <a:solidFill>
-                  <a:schemeClr val="tx2"/>
-                </a:solidFill>
-                <a:effectLst/>
-                <a:uLnTx/>
-                <a:uFillTx/>
-                <a:latin typeface="+mn-lt"/>
-                <a:ea typeface="+mn-ea"/>
-                <a:cs typeface="+mn-cs"/>
-              </a:rPr>
-              <a:t>Introduction</a:t>
-            </a:r>
-          </a:p>
-          <a:p>
-            <a:pPr marL="342900" marR="0" lvl="0" indent="-342900" algn="l" defTabSz="914400" rtl="0" eaLnBrk="1" fontAlgn="auto" latinLnBrk="0" hangingPunct="1">
-              <a:lnSpc>
-                <a:spcPct val="100000"/>
-              </a:lnSpc>
-              <a:spcBef>
-                <a:spcPct val="20000"/>
-              </a:spcBef>
-              <a:spcAft>
-                <a:spcPts val="0"/>
-              </a:spcAft>
-              <a:buClr>
-                <a:schemeClr val="accent1"/>
-              </a:buClr>
-              <a:buSzPct val="70000"/>
-              <a:buFont typeface="Wingdings 2"/>
-              <a:buChar char=""/>
-              <a:tabLst/>
-              <a:defRPr/>
-            </a:pPr>
-            <a:r>
-              <a:rPr lang="fr-FR" sz="2400" dirty="0" smtClean="0">
-                <a:solidFill>
-                  <a:schemeClr val="tx2"/>
-                </a:solidFill>
-              </a:rPr>
-              <a:t>Extraction</a:t>
-            </a:r>
-          </a:p>
-          <a:p>
-            <a:pPr marL="342900" marR="0" lvl="0" indent="-342900" algn="l" defTabSz="914400" rtl="0" eaLnBrk="1" fontAlgn="auto" latinLnBrk="0" hangingPunct="1">
-              <a:lnSpc>
-                <a:spcPct val="100000"/>
-              </a:lnSpc>
-              <a:spcBef>
-                <a:spcPct val="20000"/>
-              </a:spcBef>
-              <a:spcAft>
-                <a:spcPts val="0"/>
-              </a:spcAft>
-              <a:buClr>
-                <a:schemeClr val="accent1"/>
-              </a:buClr>
-              <a:buSzPct val="70000"/>
-              <a:buFont typeface="Wingdings 2"/>
-              <a:buChar char=""/>
-              <a:tabLst/>
-              <a:defRPr/>
-            </a:pPr>
-            <a:r>
-              <a:rPr kumimoji="0" lang="fr-FR" sz="2400" b="0" i="0" u="none" strike="noStrike" kern="1200" cap="none" spc="0" normalizeH="0" baseline="0" noProof="0" dirty="0" smtClean="0">
-                <a:ln>
-                  <a:noFill/>
-                </a:ln>
-                <a:solidFill>
-                  <a:schemeClr val="tx2"/>
-                </a:solidFill>
-                <a:effectLst/>
-                <a:uLnTx/>
-                <a:uFillTx/>
-                <a:latin typeface="+mn-lt"/>
-                <a:ea typeface="+mn-ea"/>
-                <a:cs typeface="+mn-cs"/>
-              </a:rPr>
-              <a:t>Stockage</a:t>
-            </a:r>
-          </a:p>
-          <a:p>
-            <a:pPr marL="342900" marR="0" lvl="0" indent="-342900" algn="l" defTabSz="914400" rtl="0" eaLnBrk="1" fontAlgn="auto" latinLnBrk="0" hangingPunct="1">
-              <a:lnSpc>
-                <a:spcPct val="100000"/>
-              </a:lnSpc>
-              <a:spcBef>
-                <a:spcPct val="20000"/>
-              </a:spcBef>
-              <a:spcAft>
-                <a:spcPts val="0"/>
-              </a:spcAft>
-              <a:buClr>
-                <a:schemeClr val="accent1"/>
-              </a:buClr>
-              <a:buSzPct val="70000"/>
-              <a:buFont typeface="Wingdings 2"/>
-              <a:buChar char=""/>
-              <a:tabLst/>
-              <a:defRPr/>
-            </a:pPr>
-            <a:r>
-              <a:rPr lang="fr-FR" sz="2400" b="1" dirty="0" smtClean="0">
-                <a:solidFill>
-                  <a:schemeClr val="tx2"/>
-                </a:solidFill>
-              </a:rPr>
-              <a:t>Restitution</a:t>
-            </a:r>
-            <a:endParaRPr kumimoji="0" lang="fr-FR" sz="2400" b="1" i="0" u="none" strike="noStrike" kern="1200" cap="none" spc="0" normalizeH="0" baseline="0" noProof="0" dirty="0" smtClean="0">
-              <a:ln>
-                <a:noFill/>
-              </a:ln>
-              <a:solidFill>
-                <a:schemeClr val="tx2"/>
-              </a:solidFill>
-              <a:effectLst/>
-              <a:uLnTx/>
-              <a:uFillTx/>
-              <a:latin typeface="+mn-lt"/>
-              <a:ea typeface="+mn-ea"/>
-              <a:cs typeface="+mn-cs"/>
-            </a:endParaRPr>
-          </a:p>
-          <a:p>
-            <a:pPr marL="342900" marR="0" lvl="0" indent="-342900" algn="l" defTabSz="914400" rtl="0" eaLnBrk="1" fontAlgn="auto" latinLnBrk="0" hangingPunct="1">
-              <a:lnSpc>
-                <a:spcPct val="100000"/>
-              </a:lnSpc>
-              <a:spcBef>
-                <a:spcPct val="20000"/>
-              </a:spcBef>
-              <a:spcAft>
-                <a:spcPts val="0"/>
-              </a:spcAft>
-              <a:buClr>
-                <a:schemeClr val="accent1"/>
-              </a:buClr>
-              <a:buSzPct val="70000"/>
-              <a:buFont typeface="Wingdings 2"/>
-              <a:buChar char=""/>
-              <a:tabLst/>
-              <a:defRPr/>
-            </a:pPr>
-            <a:r>
-              <a:rPr lang="fr-FR" sz="2400" dirty="0" smtClean="0">
-                <a:solidFill>
-                  <a:schemeClr val="tx2"/>
-                </a:solidFill>
-              </a:rPr>
-              <a:t>Conclusion</a:t>
-            </a:r>
-            <a:endParaRPr kumimoji="0" lang="fr-FR" sz="2400" b="0" i="0" u="none" strike="noStrike" kern="1200" cap="none" spc="0" normalizeH="0" baseline="0" noProof="0" dirty="0">
-              <a:ln>
-                <a:noFill/>
-              </a:ln>
-              <a:solidFill>
-                <a:schemeClr val="tx2"/>
-              </a:solidFill>
-              <a:effectLst/>
-              <a:uLnTx/>
-              <a:uFillTx/>
-              <a:latin typeface="+mn-lt"/>
-              <a:ea typeface="+mn-ea"/>
-              <a:cs typeface="+mn-cs"/>
-            </a:endParaRPr>
-          </a:p>
-        </p:txBody>
-      </p:sp>
-      <p:sp>
-        <p:nvSpPr>
-          <p:cNvPr id="7" name="ZoneTexte 6"/>
-          <p:cNvSpPr txBox="1"/>
-          <p:nvPr/>
-        </p:nvSpPr>
-        <p:spPr>
-          <a:xfrm>
-            <a:off x="0" y="6581001"/>
-            <a:ext cx="2708919" cy="276999"/>
-          </a:xfrm>
-          <a:prstGeom prst="rect">
-            <a:avLst/>
-          </a:prstGeom>
-          <a:noFill/>
-          <a:scene3d>
-            <a:camera prst="orthographicFront">
-              <a:rot lat="0" lon="0" rev="5400000"/>
-            </a:camera>
-            <a:lightRig rig="threePt" dir="t"/>
-          </a:scene3d>
-        </p:spPr>
-        <p:txBody>
-          <a:bodyPr wrap="square" rtlCol="0">
-            <a:spAutoFit/>
-            <a:scene3d>
-              <a:camera prst="orthographicFront">
-                <a:rot lat="0" lon="0" rev="0"/>
-              </a:camera>
-              <a:lightRig rig="threePt" dir="t"/>
-            </a:scene3d>
-            <a:flatTx/>
-          </a:bodyPr>
-          <a:lstStyle/>
-          <a:p>
-            <a:r>
-              <a:rPr lang="fr-FR" sz="1200" dirty="0" smtClean="0"/>
-              <a:t>Soutenance projet LPD2I 2010/2011</a:t>
-            </a:r>
-            <a:endParaRPr lang="fr-FR" sz="1200" dirty="0"/>
-          </a:p>
-        </p:txBody>
-      </p:sp>
-      <p:sp>
-        <p:nvSpPr>
-          <p:cNvPr id="9" name="ZoneTexte 8"/>
-          <p:cNvSpPr txBox="1"/>
-          <p:nvPr/>
-        </p:nvSpPr>
-        <p:spPr>
-          <a:xfrm>
-            <a:off x="5508104" y="6581001"/>
-            <a:ext cx="3635896" cy="276999"/>
-          </a:xfrm>
-          <a:prstGeom prst="rect">
-            <a:avLst/>
-          </a:prstGeom>
-          <a:noFill/>
-          <a:scene3d>
-            <a:camera prst="orthographicFront">
-              <a:rot lat="0" lon="0" rev="5400000"/>
-            </a:camera>
-            <a:lightRig rig="threePt" dir="t"/>
-          </a:scene3d>
-        </p:spPr>
-        <p:txBody>
-          <a:bodyPr wrap="square" rtlCol="0">
-            <a:spAutoFit/>
-            <a:scene3d>
-              <a:camera prst="orthographicFront">
-                <a:rot lat="0" lon="0" rev="0"/>
-              </a:camera>
-              <a:lightRig rig="threePt" dir="t"/>
-            </a:scene3d>
-            <a:flatTx/>
-          </a:bodyPr>
-          <a:lstStyle/>
-          <a:p>
-            <a:r>
-              <a:rPr lang="fr-FR" sz="1200" dirty="0" smtClean="0"/>
-              <a:t>Leonhard Hermle – Julien Cellier – Xavier Mourgues</a:t>
-            </a:r>
-            <a:endParaRPr lang="fr-FR" sz="1200" dirty="0"/>
-          </a:p>
-        </p:txBody>
-      </p:sp>
-      <p:cxnSp>
-        <p:nvCxnSpPr>
-          <p:cNvPr id="12" name="Connecteur droit 11"/>
-          <p:cNvCxnSpPr/>
-          <p:nvPr/>
-        </p:nvCxnSpPr>
-        <p:spPr>
-          <a:xfrm rot="5400000">
-            <a:off x="107504" y="4077072"/>
-            <a:ext cx="4464496" cy="0"/>
-          </a:xfrm>
-          <a:prstGeom prst="line">
-            <a:avLst/>
-          </a:prstGeom>
-        </p:spPr>
-        <p:style>
-          <a:lnRef idx="1">
-            <a:schemeClr val="accent1"/>
-          </a:lnRef>
-          <a:fillRef idx="0">
-            <a:schemeClr val="accent1"/>
-          </a:fillRef>
-          <a:effectRef idx="0">
-            <a:schemeClr val="accent1"/>
-          </a:effectRef>
-          <a:fontRef idx="minor">
-            <a:schemeClr val="tx1"/>
-          </a:fontRef>
-        </p:style>
-      </p:cxnSp>
-      <p:sp>
-        <p:nvSpPr>
-          <p:cNvPr id="29709" name="Rectangle 13"/>
-          <p:cNvSpPr>
-            <a:spLocks noChangeArrowheads="1"/>
-          </p:cNvSpPr>
-          <p:nvPr/>
-        </p:nvSpPr>
-        <p:spPr bwMode="auto">
-          <a:xfrm>
-            <a:off x="0" y="0"/>
-            <a:ext cx="9144000" cy="457200"/>
-          </a:xfrm>
-          <a:prstGeom prst="rect">
-            <a:avLst/>
-          </a:prstGeom>
-          <a:noFill/>
-          <a:ln w="9525">
-            <a:noFill/>
-            <a:miter lim="800000"/>
-            <a:headEnd/>
-            <a:tailEnd/>
-          </a:ln>
-          <a:effectLst/>
-        </p:spPr>
-        <p:txBody>
-          <a:bodyPr vert="horz" wrap="none" lIns="91440" tIns="45720" rIns="91440" bIns="45720" numCol="1" anchor="ctr" anchorCtr="0" compatLnSpc="1">
-            <a:prstTxWarp prst="textNoShape">
-              <a:avLst/>
-            </a:prstTxWarp>
-            <a:spAutoFit/>
-          </a:bodyPr>
-          <a:lstStyle/>
-          <a:p>
-            <a:pPr marL="0" marR="0" lvl="0" indent="0" algn="l" defTabSz="914400" rtl="0" eaLnBrk="1" fontAlgn="base" latinLnBrk="0" hangingPunct="1">
-              <a:lnSpc>
-                <a:spcPct val="100000"/>
-              </a:lnSpc>
-              <a:spcBef>
-                <a:spcPct val="0"/>
-              </a:spcBef>
-              <a:spcAft>
-                <a:spcPct val="0"/>
-              </a:spcAft>
-              <a:buClrTx/>
-              <a:buSzTx/>
-              <a:buFontTx/>
-              <a:buNone/>
-              <a:tabLst/>
-            </a:pPr>
-            <a:endParaRPr kumimoji="0" lang="fr-FR" sz="1800" b="0" i="0" u="none" strike="noStrike" cap="none" normalizeH="0" baseline="0" smtClean="0">
-              <a:ln>
-                <a:noFill/>
-              </a:ln>
-              <a:solidFill>
-                <a:schemeClr val="tx1"/>
-              </a:solidFill>
-              <a:effectLst/>
-              <a:latin typeface="Arial" pitchFamily="34" charset="0"/>
-            </a:endParaRPr>
-          </a:p>
-        </p:txBody>
-      </p:sp>
-      <p:sp>
-        <p:nvSpPr>
-          <p:cNvPr id="29712" name="Rectangle 16"/>
-          <p:cNvSpPr>
-            <a:spLocks noChangeArrowheads="1"/>
-          </p:cNvSpPr>
-          <p:nvPr/>
-        </p:nvSpPr>
-        <p:spPr bwMode="auto">
-          <a:xfrm>
-            <a:off x="0" y="457200"/>
-            <a:ext cx="9144000" cy="0"/>
-          </a:xfrm>
-          <a:prstGeom prst="rect">
-            <a:avLst/>
-          </a:prstGeom>
-          <a:noFill/>
-          <a:ln w="9525">
-            <a:noFill/>
-            <a:miter lim="800000"/>
-            <a:headEnd/>
-            <a:tailEnd/>
-          </a:ln>
-          <a:effectLst/>
-        </p:spPr>
-        <p:txBody>
-          <a:bodyPr vert="horz" wrap="none" lIns="91440" tIns="45720" rIns="91440" bIns="45720" numCol="1" anchor="ctr" anchorCtr="0" compatLnSpc="1">
-            <a:prstTxWarp prst="textNoShape">
-              <a:avLst/>
-            </a:prstTxWarp>
-            <a:spAutoFit/>
-          </a:bodyPr>
-          <a:lstStyle/>
-          <a:p>
-            <a:pPr marL="0" marR="0" lvl="0" indent="0" algn="l" defTabSz="914400" rtl="0" eaLnBrk="1" fontAlgn="base" latinLnBrk="0" hangingPunct="1">
-              <a:lnSpc>
-                <a:spcPct val="100000"/>
-              </a:lnSpc>
-              <a:spcBef>
-                <a:spcPct val="0"/>
-              </a:spcBef>
-              <a:spcAft>
-                <a:spcPct val="0"/>
-              </a:spcAft>
-              <a:buClrTx/>
-              <a:buSzTx/>
-              <a:buFontTx/>
-              <a:buNone/>
-              <a:tabLst/>
-            </a:pPr>
-            <a:endParaRPr kumimoji="0" lang="fr-FR" sz="1800" b="0" i="0" u="none" strike="noStrike" cap="none" normalizeH="0" baseline="0" smtClean="0">
-              <a:ln>
-                <a:noFill/>
-              </a:ln>
-              <a:solidFill>
-                <a:schemeClr val="tx1"/>
-              </a:solidFill>
-              <a:effectLst/>
-              <a:latin typeface="Arial" pitchFamily="34" charset="0"/>
-            </a:endParaRPr>
-          </a:p>
-        </p:txBody>
-      </p:sp>
-      <p:sp>
-        <p:nvSpPr>
-          <p:cNvPr id="16" name="Rectangle 15"/>
-          <p:cNvSpPr/>
-          <p:nvPr/>
-        </p:nvSpPr>
-        <p:spPr>
-          <a:xfrm>
-            <a:off x="2699792" y="2420888"/>
-            <a:ext cx="5976664" cy="3888432"/>
-          </a:xfrm>
-          <a:prstGeom prst="rect">
-            <a:avLst/>
-          </a:prstGeom>
-          <a:noFill/>
-        </p:spPr>
-        <p:style>
-          <a:lnRef idx="2">
-            <a:schemeClr val="accent1">
-              <a:shade val="50000"/>
-            </a:schemeClr>
-          </a:lnRef>
-          <a:fillRef idx="1">
-            <a:schemeClr val="accent1"/>
-          </a:fillRef>
-          <a:effectRef idx="0">
-            <a:schemeClr val="accent1"/>
-          </a:effectRef>
-          <a:fontRef idx="minor">
-            <a:schemeClr val="lt1"/>
-          </a:fontRef>
-        </p:style>
-        <p:txBody>
-          <a:bodyPr rtlCol="0" anchor="ctr"/>
-          <a:lstStyle/>
-          <a:p>
-            <a:pPr algn="ctr"/>
-            <a:endParaRPr lang="fr-FR"/>
-          </a:p>
-        </p:txBody>
-      </p:sp>
-    </p:spTree>
-  </p:cSld>
-  <p:clrMapOvr>
-    <a:masterClrMapping/>
-  </p:clrMapOvr>
-  <p:timing>
-    <p:tnLst>
-      <p:par>
-        <p:cTn id="1" dur="indefinite" restart="never" nodeType="tmRoot"/>
-      </p:par>
-    </p:tnLst>
-  </p:timing>
-</p:sld>
-</file>
-
-<file path=ppt/slides/slide18.xml><?xml version="1.0" encoding="utf-8"?>
-<p:sld xmlns:a="http://schemas.openxmlformats.org/drawingml/2006/main" xmlns:r="http://schemas.openxmlformats.org/officeDocument/2006/relationships" xmlns:p="http://schemas.openxmlformats.org/presentationml/2006/main">
-  <p:cSld>
-    <p:spTree>
-      <p:nvGrpSpPr>
-        <p:cNvPr id="1" name=""/>
-        <p:cNvGrpSpPr/>
-        <p:nvPr/>
-      </p:nvGrpSpPr>
-      <p:grpSpPr>
-        <a:xfrm>
-          <a:off x="0" y="0"/>
-          <a:ext cx="0" cy="0"/>
-          <a:chOff x="0" y="0"/>
-          <a:chExt cx="0" cy="0"/>
-        </a:xfrm>
-      </p:grpSpPr>
-      <p:sp>
-        <p:nvSpPr>
-          <p:cNvPr id="2" name="Titre 1"/>
-          <p:cNvSpPr>
-            <a:spLocks noGrp="1"/>
-          </p:cNvSpPr>
-          <p:nvPr>
-            <p:ph type="title"/>
-          </p:nvPr>
-        </p:nvSpPr>
-        <p:spPr/>
-        <p:txBody>
-          <a:bodyPr>
-            <a:normAutofit/>
-          </a:bodyPr>
-          <a:lstStyle/>
-          <a:p>
-            <a:r>
-              <a:rPr lang="fr-FR" dirty="0" smtClean="0"/>
-              <a:t>Restitution</a:t>
-            </a:r>
-            <a:r>
-              <a:rPr lang="fr-FR" sz="1800" dirty="0" smtClean="0"/>
-              <a:t>(suite)</a:t>
-            </a:r>
-            <a:endParaRPr lang="fr-FR" dirty="0"/>
-          </a:p>
-        </p:txBody>
-      </p:sp>
-      <p:sp>
-        <p:nvSpPr>
-          <p:cNvPr id="3" name="Espace réservé du contenu 2"/>
-          <p:cNvSpPr>
-            <a:spLocks noGrp="1"/>
-          </p:cNvSpPr>
-          <p:nvPr>
-            <p:ph idx="1"/>
-          </p:nvPr>
-        </p:nvSpPr>
-        <p:spPr>
-          <a:xfrm>
-            <a:off x="2411760" y="1700808"/>
-            <a:ext cx="6552728" cy="4608512"/>
-          </a:xfrm>
-        </p:spPr>
-        <p:txBody>
-          <a:bodyPr>
-            <a:normAutofit/>
-          </a:bodyPr>
-          <a:lstStyle/>
-          <a:p>
-            <a:pPr algn="ctr">
-              <a:buNone/>
-            </a:pPr>
-            <a:r>
-              <a:rPr lang="fr-FR" sz="2800" b="1" dirty="0" smtClean="0">
-                <a:solidFill>
-                  <a:schemeClr val="accent5">
-                    <a:lumMod val="75000"/>
-                  </a:schemeClr>
-                </a:solidFill>
-              </a:rPr>
-              <a:t>Aspect Technique</a:t>
-            </a:r>
-          </a:p>
-          <a:p>
-            <a:r>
-              <a:rPr lang="fr-FR" sz="2000" dirty="0" smtClean="0">
-                <a:solidFill>
-                  <a:schemeClr val="accent5">
-                    <a:lumMod val="75000"/>
-                  </a:schemeClr>
-                </a:solidFill>
-              </a:rPr>
-              <a:t>Pagination</a:t>
-            </a:r>
-          </a:p>
-          <a:p>
-            <a:pPr>
-              <a:buNone/>
-            </a:pPr>
-            <a:endParaRPr lang="fr-FR" sz="2800" b="1" dirty="0" smtClean="0">
-              <a:solidFill>
-                <a:schemeClr val="accent5">
-                  <a:lumMod val="75000"/>
-                </a:schemeClr>
-              </a:solidFill>
-            </a:endParaRPr>
-          </a:p>
-          <a:p>
-            <a:pPr algn="ctr">
-              <a:buNone/>
-            </a:pPr>
-            <a:endParaRPr lang="fr-FR" sz="2400" dirty="0"/>
-          </a:p>
-        </p:txBody>
-      </p:sp>
-      <p:sp>
-        <p:nvSpPr>
-          <p:cNvPr id="6" name="Espace réservé du contenu 2"/>
-          <p:cNvSpPr txBox="1">
-            <a:spLocks/>
-          </p:cNvSpPr>
-          <p:nvPr/>
-        </p:nvSpPr>
-        <p:spPr>
-          <a:xfrm>
-            <a:off x="179512" y="1700808"/>
-            <a:ext cx="2088232" cy="4536504"/>
-          </a:xfrm>
-          <a:prstGeom prst="rect">
-            <a:avLst/>
-          </a:prstGeom>
-        </p:spPr>
-        <p:txBody>
-          <a:bodyPr vert="horz">
-            <a:normAutofit/>
-          </a:bodyPr>
-          <a:lstStyle/>
-          <a:p>
-            <a:pPr marL="342900" marR="0" lvl="0" indent="-342900" algn="l" defTabSz="914400" rtl="0" eaLnBrk="1" fontAlgn="auto" latinLnBrk="0" hangingPunct="1">
-              <a:lnSpc>
-                <a:spcPct val="100000"/>
-              </a:lnSpc>
-              <a:spcBef>
-                <a:spcPct val="20000"/>
-              </a:spcBef>
-              <a:spcAft>
-                <a:spcPts val="0"/>
-              </a:spcAft>
-              <a:buClr>
-                <a:schemeClr val="accent1"/>
-              </a:buClr>
-              <a:buSzPct val="70000"/>
-              <a:buFont typeface="Wingdings 2"/>
-              <a:buChar char=""/>
-              <a:tabLst/>
-              <a:defRPr/>
-            </a:pPr>
-            <a:r>
-              <a:rPr kumimoji="0" lang="fr-FR" sz="2400" i="0" u="none" strike="noStrike" kern="1200" cap="none" spc="0" normalizeH="0" baseline="0" noProof="0" dirty="0" smtClean="0">
-                <a:ln>
-                  <a:noFill/>
-                </a:ln>
-                <a:solidFill>
-                  <a:schemeClr val="tx2"/>
-                </a:solidFill>
-                <a:effectLst/>
-                <a:uLnTx/>
-                <a:uFillTx/>
-                <a:latin typeface="+mn-lt"/>
-                <a:ea typeface="+mn-ea"/>
-                <a:cs typeface="+mn-cs"/>
-              </a:rPr>
-              <a:t>Introduction</a:t>
-            </a:r>
-          </a:p>
-          <a:p>
-            <a:pPr marL="342900" marR="0" lvl="0" indent="-342900" algn="l" defTabSz="914400" rtl="0" eaLnBrk="1" fontAlgn="auto" latinLnBrk="0" hangingPunct="1">
-              <a:lnSpc>
-                <a:spcPct val="100000"/>
-              </a:lnSpc>
-              <a:spcBef>
-                <a:spcPct val="20000"/>
-              </a:spcBef>
-              <a:spcAft>
-                <a:spcPts val="0"/>
-              </a:spcAft>
-              <a:buClr>
-                <a:schemeClr val="accent1"/>
-              </a:buClr>
-              <a:buSzPct val="70000"/>
-              <a:buFont typeface="Wingdings 2"/>
-              <a:buChar char=""/>
-              <a:tabLst/>
-              <a:defRPr/>
-            </a:pPr>
-            <a:r>
-              <a:rPr lang="fr-FR" sz="2400" dirty="0" smtClean="0">
-                <a:solidFill>
-                  <a:schemeClr val="tx2"/>
-                </a:solidFill>
-              </a:rPr>
-              <a:t>Extraction</a:t>
-            </a:r>
-          </a:p>
-          <a:p>
-            <a:pPr marL="342900" marR="0" lvl="0" indent="-342900" algn="l" defTabSz="914400" rtl="0" eaLnBrk="1" fontAlgn="auto" latinLnBrk="0" hangingPunct="1">
-              <a:lnSpc>
-                <a:spcPct val="100000"/>
-              </a:lnSpc>
-              <a:spcBef>
-                <a:spcPct val="20000"/>
-              </a:spcBef>
-              <a:spcAft>
-                <a:spcPts val="0"/>
-              </a:spcAft>
-              <a:buClr>
-                <a:schemeClr val="accent1"/>
-              </a:buClr>
-              <a:buSzPct val="70000"/>
-              <a:buFont typeface="Wingdings 2"/>
-              <a:buChar char=""/>
-              <a:tabLst/>
-              <a:defRPr/>
-            </a:pPr>
-            <a:r>
-              <a:rPr kumimoji="0" lang="fr-FR" sz="2400" b="0" i="0" u="none" strike="noStrike" kern="1200" cap="none" spc="0" normalizeH="0" baseline="0" noProof="0" dirty="0" smtClean="0">
-                <a:ln>
-                  <a:noFill/>
-                </a:ln>
-                <a:solidFill>
-                  <a:schemeClr val="tx2"/>
-                </a:solidFill>
-                <a:effectLst/>
-                <a:uLnTx/>
-                <a:uFillTx/>
-                <a:latin typeface="+mn-lt"/>
-                <a:ea typeface="+mn-ea"/>
-                <a:cs typeface="+mn-cs"/>
-              </a:rPr>
-              <a:t>Stockage</a:t>
-            </a:r>
-          </a:p>
-          <a:p>
-            <a:pPr marL="342900" marR="0" lvl="0" indent="-342900" algn="l" defTabSz="914400" rtl="0" eaLnBrk="1" fontAlgn="auto" latinLnBrk="0" hangingPunct="1">
-              <a:lnSpc>
-                <a:spcPct val="100000"/>
-              </a:lnSpc>
-              <a:spcBef>
-                <a:spcPct val="20000"/>
-              </a:spcBef>
-              <a:spcAft>
-                <a:spcPts val="0"/>
-              </a:spcAft>
-              <a:buClr>
-                <a:schemeClr val="accent1"/>
-              </a:buClr>
-              <a:buSzPct val="70000"/>
-              <a:buFont typeface="Wingdings 2"/>
-              <a:buChar char=""/>
-              <a:tabLst/>
-              <a:defRPr/>
-            </a:pPr>
-            <a:r>
-              <a:rPr lang="fr-FR" sz="2400" b="1" dirty="0" smtClean="0">
-                <a:solidFill>
-                  <a:schemeClr val="tx2"/>
-                </a:solidFill>
-              </a:rPr>
-              <a:t>Restitution</a:t>
-            </a:r>
-            <a:endParaRPr kumimoji="0" lang="fr-FR" sz="2400" b="1" i="0" u="none" strike="noStrike" kern="1200" cap="none" spc="0" normalizeH="0" baseline="0" noProof="0" dirty="0" smtClean="0">
-              <a:ln>
-                <a:noFill/>
-              </a:ln>
-              <a:solidFill>
-                <a:schemeClr val="tx2"/>
-              </a:solidFill>
-              <a:effectLst/>
-              <a:uLnTx/>
-              <a:uFillTx/>
-              <a:latin typeface="+mn-lt"/>
-              <a:ea typeface="+mn-ea"/>
-              <a:cs typeface="+mn-cs"/>
-            </a:endParaRPr>
-          </a:p>
-          <a:p>
-            <a:pPr marL="342900" marR="0" lvl="0" indent="-342900" algn="l" defTabSz="914400" rtl="0" eaLnBrk="1" fontAlgn="auto" latinLnBrk="0" hangingPunct="1">
-              <a:lnSpc>
-                <a:spcPct val="100000"/>
-              </a:lnSpc>
-              <a:spcBef>
-                <a:spcPct val="20000"/>
-              </a:spcBef>
-              <a:spcAft>
-                <a:spcPts val="0"/>
-              </a:spcAft>
-              <a:buClr>
-                <a:schemeClr val="accent1"/>
-              </a:buClr>
-              <a:buSzPct val="70000"/>
-              <a:buFont typeface="Wingdings 2"/>
-              <a:buChar char=""/>
-              <a:tabLst/>
-              <a:defRPr/>
-            </a:pPr>
-            <a:r>
-              <a:rPr lang="fr-FR" sz="2400" dirty="0" smtClean="0">
-                <a:solidFill>
-                  <a:schemeClr val="tx2"/>
-                </a:solidFill>
-              </a:rPr>
-              <a:t>Conclusion</a:t>
-            </a:r>
-            <a:endParaRPr kumimoji="0" lang="fr-FR" sz="2400" b="0" i="0" u="none" strike="noStrike" kern="1200" cap="none" spc="0" normalizeH="0" baseline="0" noProof="0" dirty="0">
-              <a:ln>
-                <a:noFill/>
-              </a:ln>
-              <a:solidFill>
-                <a:schemeClr val="tx2"/>
-              </a:solidFill>
-              <a:effectLst/>
-              <a:uLnTx/>
-              <a:uFillTx/>
-              <a:latin typeface="+mn-lt"/>
-              <a:ea typeface="+mn-ea"/>
-              <a:cs typeface="+mn-cs"/>
-            </a:endParaRPr>
-          </a:p>
-        </p:txBody>
-      </p:sp>
-      <p:sp>
-        <p:nvSpPr>
-          <p:cNvPr id="7" name="ZoneTexte 6"/>
-          <p:cNvSpPr txBox="1"/>
-          <p:nvPr/>
-        </p:nvSpPr>
-        <p:spPr>
-          <a:xfrm>
-            <a:off x="0" y="6581001"/>
-            <a:ext cx="2708919" cy="276999"/>
-          </a:xfrm>
-          <a:prstGeom prst="rect">
-            <a:avLst/>
-          </a:prstGeom>
-          <a:noFill/>
-          <a:scene3d>
-            <a:camera prst="orthographicFront">
-              <a:rot lat="0" lon="0" rev="5400000"/>
-            </a:camera>
-            <a:lightRig rig="threePt" dir="t"/>
-          </a:scene3d>
-        </p:spPr>
-        <p:txBody>
-          <a:bodyPr wrap="square" rtlCol="0">
-            <a:spAutoFit/>
-            <a:scene3d>
-              <a:camera prst="orthographicFront">
-                <a:rot lat="0" lon="0" rev="0"/>
-              </a:camera>
-              <a:lightRig rig="threePt" dir="t"/>
-            </a:scene3d>
-            <a:flatTx/>
-          </a:bodyPr>
-          <a:lstStyle/>
-          <a:p>
-            <a:r>
-              <a:rPr lang="fr-FR" sz="1200" dirty="0" smtClean="0"/>
-              <a:t>Soutenance projet LPD2I 2010/2011</a:t>
-            </a:r>
-            <a:endParaRPr lang="fr-FR" sz="1200" dirty="0"/>
-          </a:p>
-        </p:txBody>
-      </p:sp>
-      <p:sp>
-        <p:nvSpPr>
-          <p:cNvPr id="9" name="ZoneTexte 8"/>
-          <p:cNvSpPr txBox="1"/>
-          <p:nvPr/>
-        </p:nvSpPr>
-        <p:spPr>
-          <a:xfrm>
-            <a:off x="5508104" y="6581001"/>
-            <a:ext cx="3635896" cy="276999"/>
-          </a:xfrm>
-          <a:prstGeom prst="rect">
-            <a:avLst/>
-          </a:prstGeom>
-          <a:noFill/>
-          <a:scene3d>
-            <a:camera prst="orthographicFront">
-              <a:rot lat="0" lon="0" rev="5400000"/>
-            </a:camera>
-            <a:lightRig rig="threePt" dir="t"/>
-          </a:scene3d>
-        </p:spPr>
-        <p:txBody>
-          <a:bodyPr wrap="square" rtlCol="0">
-            <a:spAutoFit/>
-            <a:scene3d>
-              <a:camera prst="orthographicFront">
-                <a:rot lat="0" lon="0" rev="0"/>
-              </a:camera>
-              <a:lightRig rig="threePt" dir="t"/>
-            </a:scene3d>
-            <a:flatTx/>
-          </a:bodyPr>
-          <a:lstStyle/>
-          <a:p>
-            <a:r>
-              <a:rPr lang="fr-FR" sz="1200" dirty="0" smtClean="0"/>
-              <a:t>Leonhard Hermle – Julien Cellier – Xavier Mourgues</a:t>
-            </a:r>
-            <a:endParaRPr lang="fr-FR" sz="1200" dirty="0"/>
-          </a:p>
-        </p:txBody>
-      </p:sp>
-      <p:cxnSp>
-        <p:nvCxnSpPr>
-          <p:cNvPr id="12" name="Connecteur droit 11"/>
-          <p:cNvCxnSpPr/>
-          <p:nvPr/>
-        </p:nvCxnSpPr>
-        <p:spPr>
-          <a:xfrm rot="5400000">
-            <a:off x="107504" y="4077072"/>
-            <a:ext cx="4464496" cy="0"/>
-          </a:xfrm>
-          <a:prstGeom prst="line">
-            <a:avLst/>
-          </a:prstGeom>
-        </p:spPr>
-        <p:style>
-          <a:lnRef idx="1">
-            <a:schemeClr val="accent1"/>
-          </a:lnRef>
-          <a:fillRef idx="0">
-            <a:schemeClr val="accent1"/>
-          </a:fillRef>
-          <a:effectRef idx="0">
-            <a:schemeClr val="accent1"/>
-          </a:effectRef>
-          <a:fontRef idx="minor">
-            <a:schemeClr val="tx1"/>
-          </a:fontRef>
-        </p:style>
-      </p:cxnSp>
-      <p:pic>
-        <p:nvPicPr>
-          <p:cNvPr id="11" name="Image 10" descr="Z:\Projet tut\projettuteurexml\screenshots\pagination.JPG"/>
-          <p:cNvPicPr/>
-          <p:nvPr/>
-        </p:nvPicPr>
-        <p:blipFill>
-          <a:blip r:embed="rId2" cstate="print"/>
-          <a:srcRect/>
-          <a:stretch>
-            <a:fillRect/>
-          </a:stretch>
-        </p:blipFill>
-        <p:spPr bwMode="auto">
-          <a:xfrm>
-            <a:off x="2699792" y="2780928"/>
-            <a:ext cx="5753100" cy="1943100"/>
-          </a:xfrm>
-          <a:prstGeom prst="rect">
-            <a:avLst/>
-          </a:prstGeom>
-          <a:noFill/>
-          <a:ln w="9525">
-            <a:noFill/>
-            <a:miter lim="800000"/>
-            <a:headEnd/>
-            <a:tailEnd/>
-          </a:ln>
-        </p:spPr>
-      </p:pic>
-    </p:spTree>
-  </p:cSld>
-  <p:clrMapOvr>
-    <a:masterClrMapping/>
-  </p:clrMapOvr>
-  <p:timing>
-    <p:tnLst>
-      <p:par>
-        <p:cTn id="1" dur="indefinite" restart="never" nodeType="tmRoot"/>
-      </p:par>
-    </p:tnLst>
-  </p:timing>
-</p:sld>
-</file>
-
-<file path=ppt/slides/slide19.xml><?xml version="1.0" encoding="utf-8"?>
-<p:sld xmlns:a="http://schemas.openxmlformats.org/drawingml/2006/main" xmlns:r="http://schemas.openxmlformats.org/officeDocument/2006/relationships" xmlns:p="http://schemas.openxmlformats.org/presentationml/2006/main">
-  <p:cSld>
-    <p:spTree>
-      <p:nvGrpSpPr>
-        <p:cNvPr id="1" name=""/>
-        <p:cNvGrpSpPr/>
-        <p:nvPr/>
-      </p:nvGrpSpPr>
-      <p:grpSpPr>
-        <a:xfrm>
-          <a:off x="0" y="0"/>
-          <a:ext cx="0" cy="0"/>
-          <a:chOff x="0" y="0"/>
-          <a:chExt cx="0" cy="0"/>
-        </a:xfrm>
-      </p:grpSpPr>
-      <p:sp>
-        <p:nvSpPr>
-          <p:cNvPr id="2" name="Titre 1"/>
-          <p:cNvSpPr>
-            <a:spLocks noGrp="1"/>
-          </p:cNvSpPr>
-          <p:nvPr>
-            <p:ph type="title"/>
-          </p:nvPr>
-        </p:nvSpPr>
-        <p:spPr/>
-        <p:txBody>
-          <a:bodyPr>
-            <a:normAutofit/>
-          </a:bodyPr>
-          <a:lstStyle/>
-          <a:p>
-            <a:r>
-              <a:rPr lang="fr-FR" dirty="0" smtClean="0"/>
-              <a:t>Restitution</a:t>
-            </a:r>
-            <a:r>
-              <a:rPr lang="fr-FR" sz="1800" dirty="0" smtClean="0"/>
-              <a:t>(suite)</a:t>
-            </a:r>
-            <a:endParaRPr lang="fr-FR" dirty="0"/>
-          </a:p>
-        </p:txBody>
-      </p:sp>
-      <p:sp>
-        <p:nvSpPr>
-          <p:cNvPr id="3" name="Espace réservé du contenu 2"/>
-          <p:cNvSpPr>
-            <a:spLocks noGrp="1"/>
-          </p:cNvSpPr>
-          <p:nvPr>
-            <p:ph idx="1"/>
-          </p:nvPr>
-        </p:nvSpPr>
-        <p:spPr>
-          <a:xfrm>
-            <a:off x="2411760" y="1700808"/>
-            <a:ext cx="6552728" cy="4608512"/>
-          </a:xfrm>
-        </p:spPr>
-        <p:txBody>
-          <a:bodyPr>
-            <a:normAutofit/>
-          </a:bodyPr>
-          <a:lstStyle/>
-          <a:p>
-            <a:pPr algn="ctr">
-              <a:buNone/>
-            </a:pPr>
-            <a:r>
-              <a:rPr lang="fr-FR" sz="2800" b="1" dirty="0" smtClean="0">
-                <a:solidFill>
-                  <a:schemeClr val="accent5">
-                    <a:lumMod val="75000"/>
-                  </a:schemeClr>
-                </a:solidFill>
-              </a:rPr>
-              <a:t>Aspect Technique</a:t>
-            </a:r>
-          </a:p>
-          <a:p>
-            <a:r>
-              <a:rPr lang="fr-FR" sz="2000" dirty="0" smtClean="0">
-                <a:solidFill>
-                  <a:schemeClr val="accent5">
-                    <a:lumMod val="75000"/>
-                  </a:schemeClr>
-                </a:solidFill>
-              </a:rPr>
-              <a:t>Notation par étoiles</a:t>
-            </a:r>
-          </a:p>
-          <a:p>
-            <a:pPr>
-              <a:buNone/>
-            </a:pPr>
-            <a:endParaRPr lang="fr-FR" sz="2800" b="1" dirty="0" smtClean="0">
-              <a:solidFill>
-                <a:schemeClr val="accent5">
-                  <a:lumMod val="75000"/>
-                </a:schemeClr>
-              </a:solidFill>
-            </a:endParaRPr>
-          </a:p>
-          <a:p>
-            <a:pPr algn="ctr">
-              <a:buNone/>
-            </a:pPr>
-            <a:endParaRPr lang="fr-FR" sz="2400" dirty="0"/>
-          </a:p>
-        </p:txBody>
-      </p:sp>
-      <p:sp>
-        <p:nvSpPr>
-          <p:cNvPr id="6" name="Espace réservé du contenu 2"/>
-          <p:cNvSpPr txBox="1">
-            <a:spLocks/>
-          </p:cNvSpPr>
-          <p:nvPr/>
-        </p:nvSpPr>
-        <p:spPr>
-          <a:xfrm>
-            <a:off x="179512" y="1700808"/>
-            <a:ext cx="2088232" cy="4536504"/>
-          </a:xfrm>
-          <a:prstGeom prst="rect">
-            <a:avLst/>
-          </a:prstGeom>
-        </p:spPr>
-        <p:txBody>
-          <a:bodyPr vert="horz">
-            <a:normAutofit/>
-          </a:bodyPr>
-          <a:lstStyle/>
-          <a:p>
-            <a:pPr marL="342900" marR="0" lvl="0" indent="-342900" algn="l" defTabSz="914400" rtl="0" eaLnBrk="1" fontAlgn="auto" latinLnBrk="0" hangingPunct="1">
-              <a:lnSpc>
-                <a:spcPct val="100000"/>
-              </a:lnSpc>
-              <a:spcBef>
-                <a:spcPct val="20000"/>
-              </a:spcBef>
-              <a:spcAft>
-                <a:spcPts val="0"/>
-              </a:spcAft>
-              <a:buClr>
-                <a:schemeClr val="accent1"/>
-              </a:buClr>
-              <a:buSzPct val="70000"/>
-              <a:buFont typeface="Wingdings 2"/>
-              <a:buChar char=""/>
-              <a:tabLst/>
-              <a:defRPr/>
-            </a:pPr>
-            <a:r>
-              <a:rPr kumimoji="0" lang="fr-FR" sz="2400" i="0" u="none" strike="noStrike" kern="1200" cap="none" spc="0" normalizeH="0" baseline="0" noProof="0" dirty="0" smtClean="0">
-                <a:ln>
-                  <a:noFill/>
-                </a:ln>
-                <a:solidFill>
-                  <a:schemeClr val="tx2"/>
-                </a:solidFill>
-                <a:effectLst/>
-                <a:uLnTx/>
-                <a:uFillTx/>
-                <a:latin typeface="+mn-lt"/>
-                <a:ea typeface="+mn-ea"/>
-                <a:cs typeface="+mn-cs"/>
-              </a:rPr>
-              <a:t>Introduction</a:t>
-            </a:r>
-          </a:p>
-          <a:p>
-            <a:pPr marL="342900" marR="0" lvl="0" indent="-342900" algn="l" defTabSz="914400" rtl="0" eaLnBrk="1" fontAlgn="auto" latinLnBrk="0" hangingPunct="1">
-              <a:lnSpc>
-                <a:spcPct val="100000"/>
-              </a:lnSpc>
-              <a:spcBef>
-                <a:spcPct val="20000"/>
-              </a:spcBef>
-              <a:spcAft>
-                <a:spcPts val="0"/>
-              </a:spcAft>
-              <a:buClr>
-                <a:schemeClr val="accent1"/>
-              </a:buClr>
-              <a:buSzPct val="70000"/>
-              <a:buFont typeface="Wingdings 2"/>
-              <a:buChar char=""/>
-              <a:tabLst/>
-              <a:defRPr/>
-            </a:pPr>
-            <a:r>
-              <a:rPr lang="fr-FR" sz="2400" dirty="0" smtClean="0">
-                <a:solidFill>
-                  <a:schemeClr val="tx2"/>
-                </a:solidFill>
-              </a:rPr>
-              <a:t>Extraction</a:t>
-            </a:r>
-          </a:p>
-          <a:p>
-            <a:pPr marL="342900" marR="0" lvl="0" indent="-342900" algn="l" defTabSz="914400" rtl="0" eaLnBrk="1" fontAlgn="auto" latinLnBrk="0" hangingPunct="1">
-              <a:lnSpc>
-                <a:spcPct val="100000"/>
-              </a:lnSpc>
-              <a:spcBef>
-                <a:spcPct val="20000"/>
-              </a:spcBef>
-              <a:spcAft>
-                <a:spcPts val="0"/>
-              </a:spcAft>
-              <a:buClr>
-                <a:schemeClr val="accent1"/>
-              </a:buClr>
-              <a:buSzPct val="70000"/>
-              <a:buFont typeface="Wingdings 2"/>
-              <a:buChar char=""/>
-              <a:tabLst/>
-              <a:defRPr/>
-            </a:pPr>
-            <a:r>
-              <a:rPr kumimoji="0" lang="fr-FR" sz="2400" b="0" i="0" u="none" strike="noStrike" kern="1200" cap="none" spc="0" normalizeH="0" baseline="0" noProof="0" dirty="0" smtClean="0">
-                <a:ln>
-                  <a:noFill/>
-                </a:ln>
-                <a:solidFill>
-                  <a:schemeClr val="tx2"/>
-                </a:solidFill>
-                <a:effectLst/>
-                <a:uLnTx/>
-                <a:uFillTx/>
-                <a:latin typeface="+mn-lt"/>
-                <a:ea typeface="+mn-ea"/>
-                <a:cs typeface="+mn-cs"/>
-              </a:rPr>
-              <a:t>Stockage</a:t>
-            </a:r>
-          </a:p>
-          <a:p>
-            <a:pPr marL="342900" marR="0" lvl="0" indent="-342900" algn="l" defTabSz="914400" rtl="0" eaLnBrk="1" fontAlgn="auto" latinLnBrk="0" hangingPunct="1">
-              <a:lnSpc>
-                <a:spcPct val="100000"/>
-              </a:lnSpc>
-              <a:spcBef>
-                <a:spcPct val="20000"/>
-              </a:spcBef>
-              <a:spcAft>
-                <a:spcPts val="0"/>
-              </a:spcAft>
-              <a:buClr>
-                <a:schemeClr val="accent1"/>
-              </a:buClr>
-              <a:buSzPct val="70000"/>
-              <a:buFont typeface="Wingdings 2"/>
-              <a:buChar char=""/>
-              <a:tabLst/>
-              <a:defRPr/>
-            </a:pPr>
-            <a:r>
-              <a:rPr lang="fr-FR" sz="2400" b="1" dirty="0" smtClean="0">
-                <a:solidFill>
-                  <a:schemeClr val="tx2"/>
-                </a:solidFill>
-              </a:rPr>
-              <a:t>Restitution</a:t>
-            </a:r>
-            <a:endParaRPr kumimoji="0" lang="fr-FR" sz="2400" b="1" i="0" u="none" strike="noStrike" kern="1200" cap="none" spc="0" normalizeH="0" baseline="0" noProof="0" dirty="0" smtClean="0">
-              <a:ln>
-                <a:noFill/>
-              </a:ln>
-              <a:solidFill>
-                <a:schemeClr val="tx2"/>
-              </a:solidFill>
-              <a:effectLst/>
-              <a:uLnTx/>
-              <a:uFillTx/>
-              <a:latin typeface="+mn-lt"/>
-              <a:ea typeface="+mn-ea"/>
-              <a:cs typeface="+mn-cs"/>
-            </a:endParaRPr>
-          </a:p>
-          <a:p>
-            <a:pPr marL="342900" marR="0" lvl="0" indent="-342900" algn="l" defTabSz="914400" rtl="0" eaLnBrk="1" fontAlgn="auto" latinLnBrk="0" hangingPunct="1">
-              <a:lnSpc>
-                <a:spcPct val="100000"/>
-              </a:lnSpc>
-              <a:spcBef>
-                <a:spcPct val="20000"/>
-              </a:spcBef>
-              <a:spcAft>
-                <a:spcPts val="0"/>
-              </a:spcAft>
-              <a:buClr>
-                <a:schemeClr val="accent1"/>
-              </a:buClr>
-              <a:buSzPct val="70000"/>
-              <a:buFont typeface="Wingdings 2"/>
-              <a:buChar char=""/>
-              <a:tabLst/>
-              <a:defRPr/>
-            </a:pPr>
-            <a:r>
-              <a:rPr lang="fr-FR" sz="2400" dirty="0" smtClean="0">
-                <a:solidFill>
-                  <a:schemeClr val="tx2"/>
-                </a:solidFill>
-              </a:rPr>
-              <a:t>Conclusion</a:t>
-            </a:r>
-            <a:endParaRPr kumimoji="0" lang="fr-FR" sz="2400" b="0" i="0" u="none" strike="noStrike" kern="1200" cap="none" spc="0" normalizeH="0" baseline="0" noProof="0" dirty="0">
-              <a:ln>
-                <a:noFill/>
-              </a:ln>
-              <a:solidFill>
-                <a:schemeClr val="tx2"/>
-              </a:solidFill>
-              <a:effectLst/>
-              <a:uLnTx/>
-              <a:uFillTx/>
-              <a:latin typeface="+mn-lt"/>
-              <a:ea typeface="+mn-ea"/>
-              <a:cs typeface="+mn-cs"/>
-            </a:endParaRPr>
-          </a:p>
-        </p:txBody>
-      </p:sp>
-      <p:sp>
-        <p:nvSpPr>
-          <p:cNvPr id="7" name="ZoneTexte 6"/>
-          <p:cNvSpPr txBox="1"/>
-          <p:nvPr/>
-        </p:nvSpPr>
-        <p:spPr>
-          <a:xfrm>
-            <a:off x="0" y="6581001"/>
-            <a:ext cx="2708919" cy="276999"/>
-          </a:xfrm>
-          <a:prstGeom prst="rect">
-            <a:avLst/>
-          </a:prstGeom>
-          <a:noFill/>
-          <a:scene3d>
-            <a:camera prst="orthographicFront">
-              <a:rot lat="0" lon="0" rev="5400000"/>
-            </a:camera>
-            <a:lightRig rig="threePt" dir="t"/>
-          </a:scene3d>
-        </p:spPr>
-        <p:txBody>
-          <a:bodyPr wrap="square" rtlCol="0">
-            <a:spAutoFit/>
-            <a:scene3d>
-              <a:camera prst="orthographicFront">
-                <a:rot lat="0" lon="0" rev="0"/>
-              </a:camera>
-              <a:lightRig rig="threePt" dir="t"/>
-            </a:scene3d>
-            <a:flatTx/>
-          </a:bodyPr>
-          <a:lstStyle/>
-          <a:p>
-            <a:r>
-              <a:rPr lang="fr-FR" sz="1200" dirty="0" smtClean="0"/>
-              <a:t>Soutenance projet LPD2I 2010/2011</a:t>
-            </a:r>
-            <a:endParaRPr lang="fr-FR" sz="1200" dirty="0"/>
-          </a:p>
-        </p:txBody>
-      </p:sp>
-      <p:sp>
-        <p:nvSpPr>
-          <p:cNvPr id="9" name="ZoneTexte 8"/>
-          <p:cNvSpPr txBox="1"/>
-          <p:nvPr/>
-        </p:nvSpPr>
-        <p:spPr>
-          <a:xfrm>
-            <a:off x="5508104" y="6581001"/>
-            <a:ext cx="3635896" cy="276999"/>
-          </a:xfrm>
-          <a:prstGeom prst="rect">
-            <a:avLst/>
-          </a:prstGeom>
-          <a:noFill/>
-          <a:scene3d>
-            <a:camera prst="orthographicFront">
-              <a:rot lat="0" lon="0" rev="5400000"/>
-            </a:camera>
-            <a:lightRig rig="threePt" dir="t"/>
-          </a:scene3d>
-        </p:spPr>
-        <p:txBody>
-          <a:bodyPr wrap="square" rtlCol="0">
-            <a:spAutoFit/>
-            <a:scene3d>
-              <a:camera prst="orthographicFront">
-                <a:rot lat="0" lon="0" rev="0"/>
-              </a:camera>
-              <a:lightRig rig="threePt" dir="t"/>
-            </a:scene3d>
-            <a:flatTx/>
-          </a:bodyPr>
-          <a:lstStyle/>
-          <a:p>
-            <a:r>
-              <a:rPr lang="fr-FR" sz="1200" dirty="0" smtClean="0"/>
-              <a:t>Leonhard Hermle – Julien Cellier – Xavier Mourgues</a:t>
-            </a:r>
-            <a:endParaRPr lang="fr-FR" sz="1200" dirty="0"/>
-          </a:p>
-        </p:txBody>
-      </p:sp>
-      <p:cxnSp>
-        <p:nvCxnSpPr>
-          <p:cNvPr id="12" name="Connecteur droit 11"/>
-          <p:cNvCxnSpPr/>
-          <p:nvPr/>
-        </p:nvCxnSpPr>
-        <p:spPr>
-          <a:xfrm rot="5400000">
-            <a:off x="107504" y="4077072"/>
-            <a:ext cx="4464496" cy="0"/>
-          </a:xfrm>
-          <a:prstGeom prst="line">
-            <a:avLst/>
-          </a:prstGeom>
-        </p:spPr>
-        <p:style>
-          <a:lnRef idx="1">
-            <a:schemeClr val="accent1"/>
-          </a:lnRef>
-          <a:fillRef idx="0">
-            <a:schemeClr val="accent1"/>
-          </a:fillRef>
-          <a:effectRef idx="0">
-            <a:schemeClr val="accent1"/>
-          </a:effectRef>
-          <a:fontRef idx="minor">
-            <a:schemeClr val="tx1"/>
-          </a:fontRef>
-        </p:style>
-      </p:cxnSp>
-      <p:pic>
-        <p:nvPicPr>
-          <p:cNvPr id="10" name="Image 9" descr="Z:\Projet tut\projettuteurexml\screenshots\notation.JPG"/>
-          <p:cNvPicPr/>
-          <p:nvPr/>
-        </p:nvPicPr>
-        <p:blipFill>
-          <a:blip r:embed="rId2" cstate="print"/>
-          <a:srcRect/>
-          <a:stretch>
-            <a:fillRect/>
-          </a:stretch>
-        </p:blipFill>
-        <p:spPr bwMode="auto">
-          <a:xfrm>
-            <a:off x="2771800" y="2780928"/>
-            <a:ext cx="5762625" cy="885825"/>
-          </a:xfrm>
-          <a:prstGeom prst="rect">
-            <a:avLst/>
-          </a:prstGeom>
-          <a:noFill/>
-          <a:ln w="9525">
-            <a:noFill/>
-            <a:miter lim="800000"/>
-            <a:headEnd/>
-            <a:tailEnd/>
-          </a:ln>
-        </p:spPr>
-      </p:pic>
-      <p:pic>
-        <p:nvPicPr>
-          <p:cNvPr id="13" name="Image 12" descr="Z:\Projet tut\projettuteurexml\screenshots\detail film.JPG"/>
-          <p:cNvPicPr/>
-          <p:nvPr/>
-        </p:nvPicPr>
-        <p:blipFill>
-          <a:blip r:embed="rId3" cstate="print"/>
-          <a:srcRect/>
-          <a:stretch>
-            <a:fillRect/>
-          </a:stretch>
-        </p:blipFill>
-        <p:spPr bwMode="auto">
-          <a:xfrm>
-            <a:off x="2771800" y="3789040"/>
-            <a:ext cx="5753100" cy="1228725"/>
-          </a:xfrm>
-          <a:prstGeom prst="rect">
-            <a:avLst/>
-          </a:prstGeom>
-          <a:noFill/>
-          <a:ln w="9525">
-            <a:noFill/>
-            <a:miter lim="800000"/>
-            <a:headEnd/>
-            <a:tailEnd/>
-          </a:ln>
-        </p:spPr>
-      </p:pic>
-    </p:spTree>
-  </p:cSld>
-  <p:clrMapOvr>
-    <a:masterClrMapping/>
-  </p:clrMapOvr>
-  <p:timing>
-    <p:tnLst>
-      <p:par>
-        <p:cTn id="1" dur="indefinite" restart="never" nodeType="tmRoot"/>
-      </p:par>
-    </p:tnLst>
-  </p:timing>
-</p:sld>
-</file>
-
 <file path=ppt/slides/slide2.xml><?xml version="1.0" encoding="utf-8"?>
 <p:sld xmlns:a="http://schemas.openxmlformats.org/drawingml/2006/main" xmlns:r="http://schemas.openxmlformats.org/officeDocument/2006/relationships" xmlns:p="http://schemas.openxmlformats.org/presentationml/2006/main">
   <p:cSld>
@@ -10722,6 +10354,18 @@
               </a:rPr>
               <a:t>Objectifs</a:t>
             </a:r>
+          </a:p>
+          <a:p>
+            <a:pPr algn="ctr">
+              <a:buNone/>
+            </a:pPr>
+            <a:endParaRPr lang="fr-FR" sz="2800" b="1" dirty="0" smtClean="0">
+              <a:solidFill>
+                <a:schemeClr val="accent5">
+                  <a:lumMod val="75000"/>
+                </a:schemeClr>
+              </a:solidFill>
+            </a:endParaRPr>
           </a:p>
           <a:p>
             <a:r>
@@ -11160,6 +10804,1844 @@
         </p:nvSpPr>
         <p:spPr>
           <a:xfrm>
+            <a:off x="2699792" y="1700808"/>
+            <a:ext cx="5976664" cy="4608512"/>
+          </a:xfrm>
+        </p:spPr>
+        <p:txBody>
+          <a:bodyPr>
+            <a:normAutofit/>
+          </a:bodyPr>
+          <a:lstStyle/>
+          <a:p>
+            <a:pPr algn="ctr">
+              <a:buNone/>
+            </a:pPr>
+            <a:r>
+              <a:rPr lang="fr-FR" sz="2800" b="1" dirty="0" smtClean="0">
+                <a:solidFill>
+                  <a:schemeClr val="accent5">
+                    <a:lumMod val="75000"/>
+                  </a:schemeClr>
+                </a:solidFill>
+              </a:rPr>
+              <a:t>Aspect Technique</a:t>
+            </a:r>
+          </a:p>
+          <a:p>
+            <a:pPr algn="ctr">
+              <a:buNone/>
+            </a:pPr>
+            <a:endParaRPr lang="fr-FR" sz="2800" b="1" dirty="0" smtClean="0">
+              <a:solidFill>
+                <a:schemeClr val="accent5">
+                  <a:lumMod val="75000"/>
+                </a:schemeClr>
+              </a:solidFill>
+            </a:endParaRPr>
+          </a:p>
+          <a:p>
+            <a:pPr>
+              <a:buNone/>
+            </a:pPr>
+            <a:r>
+              <a:rPr lang="fr-FR" sz="1500" dirty="0" smtClean="0"/>
+              <a:t>	</a:t>
+            </a:r>
+            <a:r>
+              <a:rPr lang="fr-FR" sz="1500" i="1" dirty="0" smtClean="0"/>
+              <a:t>$</a:t>
+            </a:r>
+            <a:r>
+              <a:rPr lang="fr-FR" sz="1500" i="1" dirty="0" err="1" smtClean="0"/>
+              <a:t>elements_totaux</a:t>
+            </a:r>
+            <a:r>
+              <a:rPr lang="fr-FR" sz="1500" i="1" dirty="0" smtClean="0"/>
+              <a:t> = 9 ;</a:t>
+            </a:r>
+          </a:p>
+          <a:p>
+            <a:pPr>
+              <a:buNone/>
+            </a:pPr>
+            <a:r>
+              <a:rPr lang="fr-FR" sz="1500" i="1" dirty="0" smtClean="0"/>
+              <a:t>	$</a:t>
+            </a:r>
+            <a:r>
+              <a:rPr lang="fr-FR" sz="1500" i="1" dirty="0" err="1" smtClean="0"/>
+              <a:t>nombre_par_page</a:t>
+            </a:r>
+            <a:r>
+              <a:rPr lang="fr-FR" sz="1500" i="1" dirty="0" smtClean="0"/>
+              <a:t> = 2 ;</a:t>
+            </a:r>
+          </a:p>
+          <a:p>
+            <a:pPr>
+              <a:buNone/>
+            </a:pPr>
+            <a:r>
+              <a:rPr lang="fr-FR" sz="1500" i="1" dirty="0" smtClean="0"/>
+              <a:t> </a:t>
+            </a:r>
+          </a:p>
+          <a:p>
+            <a:pPr>
+              <a:buNone/>
+            </a:pPr>
+            <a:r>
+              <a:rPr lang="fr-FR" sz="1500" i="1" dirty="0" smtClean="0"/>
+              <a:t>	//</a:t>
+            </a:r>
+            <a:r>
+              <a:rPr lang="fr-FR" sz="1500" i="1" dirty="0" err="1" smtClean="0"/>
+              <a:t>ceil</a:t>
+            </a:r>
+            <a:r>
+              <a:rPr lang="fr-FR" sz="1500" i="1" dirty="0" smtClean="0"/>
+              <a:t>() permet d’arrondir à l’unité supérieur ;</a:t>
+            </a:r>
+          </a:p>
+          <a:p>
+            <a:pPr>
+              <a:buNone/>
+            </a:pPr>
+            <a:r>
+              <a:rPr lang="fr-FR" sz="1500" i="1" dirty="0" smtClean="0"/>
+              <a:t>	//ne pas utiliser round() ;</a:t>
+            </a:r>
+          </a:p>
+          <a:p>
+            <a:pPr>
+              <a:buNone/>
+            </a:pPr>
+            <a:r>
+              <a:rPr lang="fr-FR" sz="1500" i="1" dirty="0" smtClean="0"/>
+              <a:t>$</a:t>
+            </a:r>
+            <a:r>
+              <a:rPr lang="fr-FR" sz="1500" i="1" dirty="0" err="1" smtClean="0"/>
+              <a:t>nb_pages</a:t>
+            </a:r>
+            <a:r>
+              <a:rPr lang="fr-FR" sz="1500" i="1" dirty="0" smtClean="0"/>
+              <a:t> = </a:t>
+            </a:r>
+            <a:r>
+              <a:rPr lang="fr-FR" sz="1500" i="1" dirty="0" err="1" smtClean="0"/>
+              <a:t>ceil</a:t>
+            </a:r>
+            <a:r>
+              <a:rPr lang="fr-FR" sz="1500" i="1" dirty="0" smtClean="0"/>
+              <a:t>($</a:t>
+            </a:r>
+            <a:r>
+              <a:rPr lang="fr-FR" sz="1500" i="1" dirty="0" err="1" smtClean="0"/>
+              <a:t>elements_totaux</a:t>
+            </a:r>
+            <a:r>
+              <a:rPr lang="fr-FR" sz="1500" i="1" dirty="0" smtClean="0"/>
+              <a:t>/$</a:t>
+            </a:r>
+            <a:r>
+              <a:rPr lang="fr-FR" sz="1500" i="1" dirty="0" err="1" smtClean="0"/>
+              <a:t>nombre_par_page</a:t>
+            </a:r>
+            <a:r>
+              <a:rPr lang="fr-FR" sz="1500" i="1" dirty="0" smtClean="0"/>
+              <a:t>) ;</a:t>
+            </a:r>
+          </a:p>
+          <a:p>
+            <a:pPr>
+              <a:buNone/>
+            </a:pPr>
+            <a:r>
+              <a:rPr lang="fr-FR" sz="1500" i="1" dirty="0" smtClean="0"/>
+              <a:t> </a:t>
+            </a:r>
+          </a:p>
+          <a:p>
+            <a:pPr>
+              <a:buNone/>
+            </a:pPr>
+            <a:r>
+              <a:rPr lang="fr-FR" sz="1500" i="1" dirty="0" smtClean="0"/>
+              <a:t>//affichage des pages</a:t>
+            </a:r>
+          </a:p>
+          <a:p>
+            <a:pPr>
+              <a:buNone/>
+            </a:pPr>
+            <a:r>
+              <a:rPr lang="fr-FR" sz="1500" i="1" dirty="0" smtClean="0"/>
+              <a:t>if ($</a:t>
+            </a:r>
+            <a:r>
+              <a:rPr lang="fr-FR" sz="1500" i="1" dirty="0" err="1" smtClean="0"/>
+              <a:t>nbpages</a:t>
+            </a:r>
+            <a:r>
+              <a:rPr lang="fr-FR" sz="1500" i="1" dirty="0" smtClean="0"/>
+              <a:t> &gt; 1 ){</a:t>
+            </a:r>
+          </a:p>
+          <a:p>
+            <a:pPr>
+              <a:buNone/>
+            </a:pPr>
+            <a:r>
+              <a:rPr lang="fr-FR" sz="1500" i="1" dirty="0" smtClean="0"/>
+              <a:t>		for ($i=1; $i&lt;=$</a:t>
+            </a:r>
+            <a:r>
+              <a:rPr lang="fr-FR" sz="1500" i="1" dirty="0" err="1" smtClean="0"/>
+              <a:t>nb_pages</a:t>
+            </a:r>
+            <a:r>
+              <a:rPr lang="fr-FR" sz="1500" i="1" dirty="0" smtClean="0"/>
+              <a:t>; $i++){</a:t>
+            </a:r>
+          </a:p>
+          <a:p>
+            <a:pPr>
+              <a:buNone/>
+            </a:pPr>
+            <a:r>
+              <a:rPr lang="fr-FR" sz="1500" i="1" dirty="0" smtClean="0"/>
+              <a:t>			</a:t>
+            </a:r>
+            <a:r>
+              <a:rPr lang="fr-FR" sz="1500" i="1" dirty="0" err="1" smtClean="0"/>
+              <a:t>echo</a:t>
+            </a:r>
+            <a:r>
+              <a:rPr lang="fr-FR" sz="1500" i="1" dirty="0" smtClean="0"/>
+              <a:t> $i ;</a:t>
+            </a:r>
+          </a:p>
+          <a:p>
+            <a:pPr>
+              <a:buNone/>
+            </a:pPr>
+            <a:r>
+              <a:rPr lang="fr-FR" sz="1500" i="1" dirty="0" smtClean="0"/>
+              <a:t>	}</a:t>
+            </a:r>
+          </a:p>
+          <a:p>
+            <a:pPr>
+              <a:buNone/>
+            </a:pPr>
+            <a:r>
+              <a:rPr lang="fr-FR" sz="1500" i="1" dirty="0" smtClean="0"/>
+              <a:t>}</a:t>
+            </a:r>
+          </a:p>
+          <a:p>
+            <a:pPr>
+              <a:buNone/>
+            </a:pPr>
+            <a:endParaRPr lang="fr-FR" sz="2800" b="1" dirty="0" smtClean="0">
+              <a:solidFill>
+                <a:schemeClr val="accent5">
+                  <a:lumMod val="75000"/>
+                </a:schemeClr>
+              </a:solidFill>
+            </a:endParaRPr>
+          </a:p>
+          <a:p>
+            <a:pPr algn="ctr">
+              <a:buNone/>
+            </a:pPr>
+            <a:endParaRPr lang="fr-FR" sz="2400" dirty="0"/>
+          </a:p>
+        </p:txBody>
+      </p:sp>
+      <p:sp>
+        <p:nvSpPr>
+          <p:cNvPr id="6" name="Espace réservé du contenu 2"/>
+          <p:cNvSpPr txBox="1">
+            <a:spLocks/>
+          </p:cNvSpPr>
+          <p:nvPr/>
+        </p:nvSpPr>
+        <p:spPr>
+          <a:xfrm>
+            <a:off x="179512" y="1700808"/>
+            <a:ext cx="2088232" cy="4536504"/>
+          </a:xfrm>
+          <a:prstGeom prst="rect">
+            <a:avLst/>
+          </a:prstGeom>
+        </p:spPr>
+        <p:txBody>
+          <a:bodyPr vert="horz">
+            <a:normAutofit/>
+          </a:bodyPr>
+          <a:lstStyle/>
+          <a:p>
+            <a:pPr marL="342900" marR="0" lvl="0" indent="-342900" algn="l" defTabSz="914400" rtl="0" eaLnBrk="1" fontAlgn="auto" latinLnBrk="0" hangingPunct="1">
+              <a:lnSpc>
+                <a:spcPct val="100000"/>
+              </a:lnSpc>
+              <a:spcBef>
+                <a:spcPct val="20000"/>
+              </a:spcBef>
+              <a:spcAft>
+                <a:spcPts val="0"/>
+              </a:spcAft>
+              <a:buClr>
+                <a:schemeClr val="accent1"/>
+              </a:buClr>
+              <a:buSzPct val="70000"/>
+              <a:buFont typeface="Wingdings 2"/>
+              <a:buChar char=""/>
+              <a:tabLst/>
+              <a:defRPr/>
+            </a:pPr>
+            <a:r>
+              <a:rPr kumimoji="0" lang="fr-FR" sz="2400" i="0" u="none" strike="noStrike" kern="1200" cap="none" spc="0" normalizeH="0" baseline="0" noProof="0" dirty="0" smtClean="0">
+                <a:ln>
+                  <a:noFill/>
+                </a:ln>
+                <a:solidFill>
+                  <a:schemeClr val="tx2"/>
+                </a:solidFill>
+                <a:effectLst/>
+                <a:uLnTx/>
+                <a:uFillTx/>
+                <a:latin typeface="+mn-lt"/>
+                <a:ea typeface="+mn-ea"/>
+                <a:cs typeface="+mn-cs"/>
+              </a:rPr>
+              <a:t>Introduction</a:t>
+            </a:r>
+          </a:p>
+          <a:p>
+            <a:pPr marL="342900" marR="0" lvl="0" indent="-342900" algn="l" defTabSz="914400" rtl="0" eaLnBrk="1" fontAlgn="auto" latinLnBrk="0" hangingPunct="1">
+              <a:lnSpc>
+                <a:spcPct val="100000"/>
+              </a:lnSpc>
+              <a:spcBef>
+                <a:spcPct val="20000"/>
+              </a:spcBef>
+              <a:spcAft>
+                <a:spcPts val="0"/>
+              </a:spcAft>
+              <a:buClr>
+                <a:schemeClr val="accent1"/>
+              </a:buClr>
+              <a:buSzPct val="70000"/>
+              <a:buFont typeface="Wingdings 2"/>
+              <a:buChar char=""/>
+              <a:tabLst/>
+              <a:defRPr/>
+            </a:pPr>
+            <a:r>
+              <a:rPr lang="fr-FR" sz="2400" dirty="0" smtClean="0">
+                <a:solidFill>
+                  <a:schemeClr val="tx2"/>
+                </a:solidFill>
+              </a:rPr>
+              <a:t>Extraction</a:t>
+            </a:r>
+          </a:p>
+          <a:p>
+            <a:pPr marL="342900" marR="0" lvl="0" indent="-342900" algn="l" defTabSz="914400" rtl="0" eaLnBrk="1" fontAlgn="auto" latinLnBrk="0" hangingPunct="1">
+              <a:lnSpc>
+                <a:spcPct val="100000"/>
+              </a:lnSpc>
+              <a:spcBef>
+                <a:spcPct val="20000"/>
+              </a:spcBef>
+              <a:spcAft>
+                <a:spcPts val="0"/>
+              </a:spcAft>
+              <a:buClr>
+                <a:schemeClr val="accent1"/>
+              </a:buClr>
+              <a:buSzPct val="70000"/>
+              <a:buFont typeface="Wingdings 2"/>
+              <a:buChar char=""/>
+              <a:tabLst/>
+              <a:defRPr/>
+            </a:pPr>
+            <a:r>
+              <a:rPr kumimoji="0" lang="fr-FR" sz="2400" b="0" i="0" u="none" strike="noStrike" kern="1200" cap="none" spc="0" normalizeH="0" baseline="0" noProof="0" dirty="0" smtClean="0">
+                <a:ln>
+                  <a:noFill/>
+                </a:ln>
+                <a:solidFill>
+                  <a:schemeClr val="tx2"/>
+                </a:solidFill>
+                <a:effectLst/>
+                <a:uLnTx/>
+                <a:uFillTx/>
+                <a:latin typeface="+mn-lt"/>
+                <a:ea typeface="+mn-ea"/>
+                <a:cs typeface="+mn-cs"/>
+              </a:rPr>
+              <a:t>Stockage</a:t>
+            </a:r>
+          </a:p>
+          <a:p>
+            <a:pPr marL="342900" marR="0" lvl="0" indent="-342900" algn="l" defTabSz="914400" rtl="0" eaLnBrk="1" fontAlgn="auto" latinLnBrk="0" hangingPunct="1">
+              <a:lnSpc>
+                <a:spcPct val="100000"/>
+              </a:lnSpc>
+              <a:spcBef>
+                <a:spcPct val="20000"/>
+              </a:spcBef>
+              <a:spcAft>
+                <a:spcPts val="0"/>
+              </a:spcAft>
+              <a:buClr>
+                <a:schemeClr val="accent1"/>
+              </a:buClr>
+              <a:buSzPct val="70000"/>
+              <a:buFont typeface="Wingdings 2"/>
+              <a:buChar char=""/>
+              <a:tabLst/>
+              <a:defRPr/>
+            </a:pPr>
+            <a:r>
+              <a:rPr lang="fr-FR" sz="2400" b="1" dirty="0" smtClean="0">
+                <a:solidFill>
+                  <a:schemeClr val="tx2"/>
+                </a:solidFill>
+              </a:rPr>
+              <a:t>Restitution</a:t>
+            </a:r>
+            <a:endParaRPr kumimoji="0" lang="fr-FR" sz="2400" b="1" i="0" u="none" strike="noStrike" kern="1200" cap="none" spc="0" normalizeH="0" baseline="0" noProof="0" dirty="0" smtClean="0">
+              <a:ln>
+                <a:noFill/>
+              </a:ln>
+              <a:solidFill>
+                <a:schemeClr val="tx2"/>
+              </a:solidFill>
+              <a:effectLst/>
+              <a:uLnTx/>
+              <a:uFillTx/>
+              <a:latin typeface="+mn-lt"/>
+              <a:ea typeface="+mn-ea"/>
+              <a:cs typeface="+mn-cs"/>
+            </a:endParaRPr>
+          </a:p>
+          <a:p>
+            <a:pPr marL="342900" marR="0" lvl="0" indent="-342900" algn="l" defTabSz="914400" rtl="0" eaLnBrk="1" fontAlgn="auto" latinLnBrk="0" hangingPunct="1">
+              <a:lnSpc>
+                <a:spcPct val="100000"/>
+              </a:lnSpc>
+              <a:spcBef>
+                <a:spcPct val="20000"/>
+              </a:spcBef>
+              <a:spcAft>
+                <a:spcPts val="0"/>
+              </a:spcAft>
+              <a:buClr>
+                <a:schemeClr val="accent1"/>
+              </a:buClr>
+              <a:buSzPct val="70000"/>
+              <a:buFont typeface="Wingdings 2"/>
+              <a:buChar char=""/>
+              <a:tabLst/>
+              <a:defRPr/>
+            </a:pPr>
+            <a:r>
+              <a:rPr lang="fr-FR" sz="2400" dirty="0" smtClean="0">
+                <a:solidFill>
+                  <a:schemeClr val="tx2"/>
+                </a:solidFill>
+              </a:rPr>
+              <a:t>Conclusion</a:t>
+            </a:r>
+            <a:endParaRPr kumimoji="0" lang="fr-FR" sz="2400" b="0" i="0" u="none" strike="noStrike" kern="1200" cap="none" spc="0" normalizeH="0" baseline="0" noProof="0" dirty="0">
+              <a:ln>
+                <a:noFill/>
+              </a:ln>
+              <a:solidFill>
+                <a:schemeClr val="tx2"/>
+              </a:solidFill>
+              <a:effectLst/>
+              <a:uLnTx/>
+              <a:uFillTx/>
+              <a:latin typeface="+mn-lt"/>
+              <a:ea typeface="+mn-ea"/>
+              <a:cs typeface="+mn-cs"/>
+            </a:endParaRPr>
+          </a:p>
+        </p:txBody>
+      </p:sp>
+      <p:sp>
+        <p:nvSpPr>
+          <p:cNvPr id="7" name="ZoneTexte 6"/>
+          <p:cNvSpPr txBox="1"/>
+          <p:nvPr/>
+        </p:nvSpPr>
+        <p:spPr>
+          <a:xfrm>
+            <a:off x="0" y="6581001"/>
+            <a:ext cx="2708919" cy="276999"/>
+          </a:xfrm>
+          <a:prstGeom prst="rect">
+            <a:avLst/>
+          </a:prstGeom>
+          <a:noFill/>
+          <a:scene3d>
+            <a:camera prst="orthographicFront">
+              <a:rot lat="0" lon="0" rev="5400000"/>
+            </a:camera>
+            <a:lightRig rig="threePt" dir="t"/>
+          </a:scene3d>
+        </p:spPr>
+        <p:txBody>
+          <a:bodyPr wrap="square" rtlCol="0">
+            <a:spAutoFit/>
+            <a:scene3d>
+              <a:camera prst="orthographicFront">
+                <a:rot lat="0" lon="0" rev="0"/>
+              </a:camera>
+              <a:lightRig rig="threePt" dir="t"/>
+            </a:scene3d>
+            <a:flatTx/>
+          </a:bodyPr>
+          <a:lstStyle/>
+          <a:p>
+            <a:r>
+              <a:rPr lang="fr-FR" sz="1200" dirty="0" smtClean="0"/>
+              <a:t>Soutenance projet LPD2I 2010/2011</a:t>
+            </a:r>
+            <a:endParaRPr lang="fr-FR" sz="1200" dirty="0"/>
+          </a:p>
+        </p:txBody>
+      </p:sp>
+      <p:sp>
+        <p:nvSpPr>
+          <p:cNvPr id="9" name="ZoneTexte 8"/>
+          <p:cNvSpPr txBox="1"/>
+          <p:nvPr/>
+        </p:nvSpPr>
+        <p:spPr>
+          <a:xfrm>
+            <a:off x="5508104" y="6581001"/>
+            <a:ext cx="3635896" cy="276999"/>
+          </a:xfrm>
+          <a:prstGeom prst="rect">
+            <a:avLst/>
+          </a:prstGeom>
+          <a:noFill/>
+          <a:scene3d>
+            <a:camera prst="orthographicFront">
+              <a:rot lat="0" lon="0" rev="5400000"/>
+            </a:camera>
+            <a:lightRig rig="threePt" dir="t"/>
+          </a:scene3d>
+        </p:spPr>
+        <p:txBody>
+          <a:bodyPr wrap="square" rtlCol="0">
+            <a:spAutoFit/>
+            <a:scene3d>
+              <a:camera prst="orthographicFront">
+                <a:rot lat="0" lon="0" rev="0"/>
+              </a:camera>
+              <a:lightRig rig="threePt" dir="t"/>
+            </a:scene3d>
+            <a:flatTx/>
+          </a:bodyPr>
+          <a:lstStyle/>
+          <a:p>
+            <a:r>
+              <a:rPr lang="fr-FR" sz="1200" dirty="0" smtClean="0"/>
+              <a:t>Leonhard Hermle – Julien Cellier – Xavier Mourgues</a:t>
+            </a:r>
+            <a:endParaRPr lang="fr-FR" sz="1200" dirty="0"/>
+          </a:p>
+        </p:txBody>
+      </p:sp>
+      <p:cxnSp>
+        <p:nvCxnSpPr>
+          <p:cNvPr id="12" name="Connecteur droit 11"/>
+          <p:cNvCxnSpPr/>
+          <p:nvPr/>
+        </p:nvCxnSpPr>
+        <p:spPr>
+          <a:xfrm rot="5400000">
+            <a:off x="107504" y="4077072"/>
+            <a:ext cx="4464496" cy="0"/>
+          </a:xfrm>
+          <a:prstGeom prst="line">
+            <a:avLst/>
+          </a:prstGeom>
+        </p:spPr>
+        <p:style>
+          <a:lnRef idx="1">
+            <a:schemeClr val="accent1"/>
+          </a:lnRef>
+          <a:fillRef idx="0">
+            <a:schemeClr val="accent1"/>
+          </a:fillRef>
+          <a:effectRef idx="0">
+            <a:schemeClr val="accent1"/>
+          </a:effectRef>
+          <a:fontRef idx="minor">
+            <a:schemeClr val="tx1"/>
+          </a:fontRef>
+        </p:style>
+      </p:cxnSp>
+      <p:sp>
+        <p:nvSpPr>
+          <p:cNvPr id="29709" name="Rectangle 13"/>
+          <p:cNvSpPr>
+            <a:spLocks noChangeArrowheads="1"/>
+          </p:cNvSpPr>
+          <p:nvPr/>
+        </p:nvSpPr>
+        <p:spPr bwMode="auto">
+          <a:xfrm>
+            <a:off x="0" y="0"/>
+            <a:ext cx="9144000" cy="457200"/>
+          </a:xfrm>
+          <a:prstGeom prst="rect">
+            <a:avLst/>
+          </a:prstGeom>
+          <a:noFill/>
+          <a:ln w="9525">
+            <a:noFill/>
+            <a:miter lim="800000"/>
+            <a:headEnd/>
+            <a:tailEnd/>
+          </a:ln>
+          <a:effectLst/>
+        </p:spPr>
+        <p:txBody>
+          <a:bodyPr vert="horz" wrap="none" lIns="91440" tIns="45720" rIns="91440" bIns="45720" numCol="1" anchor="ctr" anchorCtr="0" compatLnSpc="1">
+            <a:prstTxWarp prst="textNoShape">
+              <a:avLst/>
+            </a:prstTxWarp>
+            <a:spAutoFit/>
+          </a:bodyPr>
+          <a:lstStyle/>
+          <a:p>
+            <a:pPr marL="0" marR="0" lvl="0" indent="0" algn="l" defTabSz="914400" rtl="0" eaLnBrk="1" fontAlgn="base" latinLnBrk="0" hangingPunct="1">
+              <a:lnSpc>
+                <a:spcPct val="100000"/>
+              </a:lnSpc>
+              <a:spcBef>
+                <a:spcPct val="0"/>
+              </a:spcBef>
+              <a:spcAft>
+                <a:spcPct val="0"/>
+              </a:spcAft>
+              <a:buClrTx/>
+              <a:buSzTx/>
+              <a:buFontTx/>
+              <a:buNone/>
+              <a:tabLst/>
+            </a:pPr>
+            <a:endParaRPr kumimoji="0" lang="fr-FR" sz="1800" b="0" i="0" u="none" strike="noStrike" cap="none" normalizeH="0" baseline="0" smtClean="0">
+              <a:ln>
+                <a:noFill/>
+              </a:ln>
+              <a:solidFill>
+                <a:schemeClr val="tx1"/>
+              </a:solidFill>
+              <a:effectLst/>
+              <a:latin typeface="Arial" pitchFamily="34" charset="0"/>
+            </a:endParaRPr>
+          </a:p>
+        </p:txBody>
+      </p:sp>
+      <p:sp>
+        <p:nvSpPr>
+          <p:cNvPr id="29712" name="Rectangle 16"/>
+          <p:cNvSpPr>
+            <a:spLocks noChangeArrowheads="1"/>
+          </p:cNvSpPr>
+          <p:nvPr/>
+        </p:nvSpPr>
+        <p:spPr bwMode="auto">
+          <a:xfrm>
+            <a:off x="0" y="457200"/>
+            <a:ext cx="9144000" cy="0"/>
+          </a:xfrm>
+          <a:prstGeom prst="rect">
+            <a:avLst/>
+          </a:prstGeom>
+          <a:noFill/>
+          <a:ln w="9525">
+            <a:noFill/>
+            <a:miter lim="800000"/>
+            <a:headEnd/>
+            <a:tailEnd/>
+          </a:ln>
+          <a:effectLst/>
+        </p:spPr>
+        <p:txBody>
+          <a:bodyPr vert="horz" wrap="none" lIns="91440" tIns="45720" rIns="91440" bIns="45720" numCol="1" anchor="ctr" anchorCtr="0" compatLnSpc="1">
+            <a:prstTxWarp prst="textNoShape">
+              <a:avLst/>
+            </a:prstTxWarp>
+            <a:spAutoFit/>
+          </a:bodyPr>
+          <a:lstStyle/>
+          <a:p>
+            <a:pPr marL="0" marR="0" lvl="0" indent="0" algn="l" defTabSz="914400" rtl="0" eaLnBrk="1" fontAlgn="base" latinLnBrk="0" hangingPunct="1">
+              <a:lnSpc>
+                <a:spcPct val="100000"/>
+              </a:lnSpc>
+              <a:spcBef>
+                <a:spcPct val="0"/>
+              </a:spcBef>
+              <a:spcAft>
+                <a:spcPct val="0"/>
+              </a:spcAft>
+              <a:buClrTx/>
+              <a:buSzTx/>
+              <a:buFontTx/>
+              <a:buNone/>
+              <a:tabLst/>
+            </a:pPr>
+            <a:endParaRPr kumimoji="0" lang="fr-FR" sz="1800" b="0" i="0" u="none" strike="noStrike" cap="none" normalizeH="0" baseline="0" smtClean="0">
+              <a:ln>
+                <a:noFill/>
+              </a:ln>
+              <a:solidFill>
+                <a:schemeClr val="tx1"/>
+              </a:solidFill>
+              <a:effectLst/>
+              <a:latin typeface="Arial" pitchFamily="34" charset="0"/>
+            </a:endParaRPr>
+          </a:p>
+        </p:txBody>
+      </p:sp>
+      <p:sp>
+        <p:nvSpPr>
+          <p:cNvPr id="16" name="Rectangle 15"/>
+          <p:cNvSpPr/>
+          <p:nvPr/>
+        </p:nvSpPr>
+        <p:spPr>
+          <a:xfrm>
+            <a:off x="2699792" y="2420888"/>
+            <a:ext cx="5976664" cy="3888432"/>
+          </a:xfrm>
+          <a:prstGeom prst="rect">
+            <a:avLst/>
+          </a:prstGeom>
+          <a:noFill/>
+        </p:spPr>
+        <p:style>
+          <a:lnRef idx="2">
+            <a:schemeClr val="accent1">
+              <a:shade val="50000"/>
+            </a:schemeClr>
+          </a:lnRef>
+          <a:fillRef idx="1">
+            <a:schemeClr val="accent1"/>
+          </a:fillRef>
+          <a:effectRef idx="0">
+            <a:schemeClr val="accent1"/>
+          </a:effectRef>
+          <a:fontRef idx="minor">
+            <a:schemeClr val="lt1"/>
+          </a:fontRef>
+        </p:style>
+        <p:txBody>
+          <a:bodyPr rtlCol="0" anchor="ctr"/>
+          <a:lstStyle/>
+          <a:p>
+            <a:pPr algn="ctr"/>
+            <a:endParaRPr lang="fr-FR"/>
+          </a:p>
+        </p:txBody>
+      </p:sp>
+    </p:spTree>
+  </p:cSld>
+  <p:clrMapOvr>
+    <a:masterClrMapping/>
+  </p:clrMapOvr>
+  <p:timing>
+    <p:tnLst>
+      <p:par>
+        <p:cTn id="1" dur="indefinite" restart="never" nodeType="tmRoot"/>
+      </p:par>
+    </p:tnLst>
+  </p:timing>
+</p:sld>
+</file>
+
+<file path=ppt/slides/slide21.xml><?xml version="1.0" encoding="utf-8"?>
+<p:sld xmlns:a="http://schemas.openxmlformats.org/drawingml/2006/main" xmlns:r="http://schemas.openxmlformats.org/officeDocument/2006/relationships" xmlns:p="http://schemas.openxmlformats.org/presentationml/2006/main">
+  <p:cSld>
+    <p:spTree>
+      <p:nvGrpSpPr>
+        <p:cNvPr id="1" name=""/>
+        <p:cNvGrpSpPr/>
+        <p:nvPr/>
+      </p:nvGrpSpPr>
+      <p:grpSpPr>
+        <a:xfrm>
+          <a:off x="0" y="0"/>
+          <a:ext cx="0" cy="0"/>
+          <a:chOff x="0" y="0"/>
+          <a:chExt cx="0" cy="0"/>
+        </a:xfrm>
+      </p:grpSpPr>
+      <p:sp>
+        <p:nvSpPr>
+          <p:cNvPr id="2" name="Titre 1"/>
+          <p:cNvSpPr>
+            <a:spLocks noGrp="1"/>
+          </p:cNvSpPr>
+          <p:nvPr>
+            <p:ph type="title"/>
+          </p:nvPr>
+        </p:nvSpPr>
+        <p:spPr/>
+        <p:txBody>
+          <a:bodyPr>
+            <a:normAutofit/>
+          </a:bodyPr>
+          <a:lstStyle/>
+          <a:p>
+            <a:r>
+              <a:rPr lang="fr-FR" dirty="0" smtClean="0"/>
+              <a:t>Restitution</a:t>
+            </a:r>
+            <a:r>
+              <a:rPr lang="fr-FR" sz="1800" dirty="0" smtClean="0"/>
+              <a:t>(suite)</a:t>
+            </a:r>
+            <a:endParaRPr lang="fr-FR" dirty="0"/>
+          </a:p>
+        </p:txBody>
+      </p:sp>
+      <p:sp>
+        <p:nvSpPr>
+          <p:cNvPr id="3" name="Espace réservé du contenu 2"/>
+          <p:cNvSpPr>
+            <a:spLocks noGrp="1"/>
+          </p:cNvSpPr>
+          <p:nvPr>
+            <p:ph idx="1"/>
+          </p:nvPr>
+        </p:nvSpPr>
+        <p:spPr>
+          <a:xfrm>
+            <a:off x="2411760" y="1700808"/>
+            <a:ext cx="6552728" cy="4608512"/>
+          </a:xfrm>
+        </p:spPr>
+        <p:txBody>
+          <a:bodyPr>
+            <a:normAutofit/>
+          </a:bodyPr>
+          <a:lstStyle/>
+          <a:p>
+            <a:pPr algn="ctr">
+              <a:buNone/>
+            </a:pPr>
+            <a:r>
+              <a:rPr lang="fr-FR" sz="2800" b="1" dirty="0" smtClean="0">
+                <a:solidFill>
+                  <a:schemeClr val="accent5">
+                    <a:lumMod val="75000"/>
+                  </a:schemeClr>
+                </a:solidFill>
+              </a:rPr>
+              <a:t>Aspect Technique</a:t>
+            </a:r>
+          </a:p>
+          <a:p>
+            <a:r>
+              <a:rPr lang="fr-FR" sz="2000" dirty="0" smtClean="0">
+                <a:solidFill>
+                  <a:schemeClr val="accent5">
+                    <a:lumMod val="75000"/>
+                  </a:schemeClr>
+                </a:solidFill>
+              </a:rPr>
+              <a:t>Pagination</a:t>
+            </a:r>
+          </a:p>
+          <a:p>
+            <a:pPr>
+              <a:buNone/>
+            </a:pPr>
+            <a:endParaRPr lang="fr-FR" sz="2800" b="1" dirty="0" smtClean="0">
+              <a:solidFill>
+                <a:schemeClr val="accent5">
+                  <a:lumMod val="75000"/>
+                </a:schemeClr>
+              </a:solidFill>
+            </a:endParaRPr>
+          </a:p>
+          <a:p>
+            <a:pPr algn="ctr">
+              <a:buNone/>
+            </a:pPr>
+            <a:endParaRPr lang="fr-FR" sz="2400" dirty="0"/>
+          </a:p>
+        </p:txBody>
+      </p:sp>
+      <p:sp>
+        <p:nvSpPr>
+          <p:cNvPr id="6" name="Espace réservé du contenu 2"/>
+          <p:cNvSpPr txBox="1">
+            <a:spLocks/>
+          </p:cNvSpPr>
+          <p:nvPr/>
+        </p:nvSpPr>
+        <p:spPr>
+          <a:xfrm>
+            <a:off x="179512" y="1700808"/>
+            <a:ext cx="2088232" cy="4536504"/>
+          </a:xfrm>
+          <a:prstGeom prst="rect">
+            <a:avLst/>
+          </a:prstGeom>
+        </p:spPr>
+        <p:txBody>
+          <a:bodyPr vert="horz">
+            <a:normAutofit/>
+          </a:bodyPr>
+          <a:lstStyle/>
+          <a:p>
+            <a:pPr marL="342900" marR="0" lvl="0" indent="-342900" algn="l" defTabSz="914400" rtl="0" eaLnBrk="1" fontAlgn="auto" latinLnBrk="0" hangingPunct="1">
+              <a:lnSpc>
+                <a:spcPct val="100000"/>
+              </a:lnSpc>
+              <a:spcBef>
+                <a:spcPct val="20000"/>
+              </a:spcBef>
+              <a:spcAft>
+                <a:spcPts val="0"/>
+              </a:spcAft>
+              <a:buClr>
+                <a:schemeClr val="accent1"/>
+              </a:buClr>
+              <a:buSzPct val="70000"/>
+              <a:buFont typeface="Wingdings 2"/>
+              <a:buChar char=""/>
+              <a:tabLst/>
+              <a:defRPr/>
+            </a:pPr>
+            <a:r>
+              <a:rPr kumimoji="0" lang="fr-FR" sz="2400" i="0" u="none" strike="noStrike" kern="1200" cap="none" spc="0" normalizeH="0" baseline="0" noProof="0" dirty="0" smtClean="0">
+                <a:ln>
+                  <a:noFill/>
+                </a:ln>
+                <a:solidFill>
+                  <a:schemeClr val="tx2"/>
+                </a:solidFill>
+                <a:effectLst/>
+                <a:uLnTx/>
+                <a:uFillTx/>
+                <a:latin typeface="+mn-lt"/>
+                <a:ea typeface="+mn-ea"/>
+                <a:cs typeface="+mn-cs"/>
+              </a:rPr>
+              <a:t>Introduction</a:t>
+            </a:r>
+          </a:p>
+          <a:p>
+            <a:pPr marL="342900" marR="0" lvl="0" indent="-342900" algn="l" defTabSz="914400" rtl="0" eaLnBrk="1" fontAlgn="auto" latinLnBrk="0" hangingPunct="1">
+              <a:lnSpc>
+                <a:spcPct val="100000"/>
+              </a:lnSpc>
+              <a:spcBef>
+                <a:spcPct val="20000"/>
+              </a:spcBef>
+              <a:spcAft>
+                <a:spcPts val="0"/>
+              </a:spcAft>
+              <a:buClr>
+                <a:schemeClr val="accent1"/>
+              </a:buClr>
+              <a:buSzPct val="70000"/>
+              <a:buFont typeface="Wingdings 2"/>
+              <a:buChar char=""/>
+              <a:tabLst/>
+              <a:defRPr/>
+            </a:pPr>
+            <a:r>
+              <a:rPr lang="fr-FR" sz="2400" dirty="0" smtClean="0">
+                <a:solidFill>
+                  <a:schemeClr val="tx2"/>
+                </a:solidFill>
+              </a:rPr>
+              <a:t>Extraction</a:t>
+            </a:r>
+          </a:p>
+          <a:p>
+            <a:pPr marL="342900" marR="0" lvl="0" indent="-342900" algn="l" defTabSz="914400" rtl="0" eaLnBrk="1" fontAlgn="auto" latinLnBrk="0" hangingPunct="1">
+              <a:lnSpc>
+                <a:spcPct val="100000"/>
+              </a:lnSpc>
+              <a:spcBef>
+                <a:spcPct val="20000"/>
+              </a:spcBef>
+              <a:spcAft>
+                <a:spcPts val="0"/>
+              </a:spcAft>
+              <a:buClr>
+                <a:schemeClr val="accent1"/>
+              </a:buClr>
+              <a:buSzPct val="70000"/>
+              <a:buFont typeface="Wingdings 2"/>
+              <a:buChar char=""/>
+              <a:tabLst/>
+              <a:defRPr/>
+            </a:pPr>
+            <a:r>
+              <a:rPr kumimoji="0" lang="fr-FR" sz="2400" b="0" i="0" u="none" strike="noStrike" kern="1200" cap="none" spc="0" normalizeH="0" baseline="0" noProof="0" dirty="0" smtClean="0">
+                <a:ln>
+                  <a:noFill/>
+                </a:ln>
+                <a:solidFill>
+                  <a:schemeClr val="tx2"/>
+                </a:solidFill>
+                <a:effectLst/>
+                <a:uLnTx/>
+                <a:uFillTx/>
+                <a:latin typeface="+mn-lt"/>
+                <a:ea typeface="+mn-ea"/>
+                <a:cs typeface="+mn-cs"/>
+              </a:rPr>
+              <a:t>Stockage</a:t>
+            </a:r>
+          </a:p>
+          <a:p>
+            <a:pPr marL="342900" marR="0" lvl="0" indent="-342900" algn="l" defTabSz="914400" rtl="0" eaLnBrk="1" fontAlgn="auto" latinLnBrk="0" hangingPunct="1">
+              <a:lnSpc>
+                <a:spcPct val="100000"/>
+              </a:lnSpc>
+              <a:spcBef>
+                <a:spcPct val="20000"/>
+              </a:spcBef>
+              <a:spcAft>
+                <a:spcPts val="0"/>
+              </a:spcAft>
+              <a:buClr>
+                <a:schemeClr val="accent1"/>
+              </a:buClr>
+              <a:buSzPct val="70000"/>
+              <a:buFont typeface="Wingdings 2"/>
+              <a:buChar char=""/>
+              <a:tabLst/>
+              <a:defRPr/>
+            </a:pPr>
+            <a:r>
+              <a:rPr lang="fr-FR" sz="2400" b="1" dirty="0" smtClean="0">
+                <a:solidFill>
+                  <a:schemeClr val="tx2"/>
+                </a:solidFill>
+              </a:rPr>
+              <a:t>Restitution</a:t>
+            </a:r>
+            <a:endParaRPr kumimoji="0" lang="fr-FR" sz="2400" b="1" i="0" u="none" strike="noStrike" kern="1200" cap="none" spc="0" normalizeH="0" baseline="0" noProof="0" dirty="0" smtClean="0">
+              <a:ln>
+                <a:noFill/>
+              </a:ln>
+              <a:solidFill>
+                <a:schemeClr val="tx2"/>
+              </a:solidFill>
+              <a:effectLst/>
+              <a:uLnTx/>
+              <a:uFillTx/>
+              <a:latin typeface="+mn-lt"/>
+              <a:ea typeface="+mn-ea"/>
+              <a:cs typeface="+mn-cs"/>
+            </a:endParaRPr>
+          </a:p>
+          <a:p>
+            <a:pPr marL="342900" marR="0" lvl="0" indent="-342900" algn="l" defTabSz="914400" rtl="0" eaLnBrk="1" fontAlgn="auto" latinLnBrk="0" hangingPunct="1">
+              <a:lnSpc>
+                <a:spcPct val="100000"/>
+              </a:lnSpc>
+              <a:spcBef>
+                <a:spcPct val="20000"/>
+              </a:spcBef>
+              <a:spcAft>
+                <a:spcPts val="0"/>
+              </a:spcAft>
+              <a:buClr>
+                <a:schemeClr val="accent1"/>
+              </a:buClr>
+              <a:buSzPct val="70000"/>
+              <a:buFont typeface="Wingdings 2"/>
+              <a:buChar char=""/>
+              <a:tabLst/>
+              <a:defRPr/>
+            </a:pPr>
+            <a:r>
+              <a:rPr lang="fr-FR" sz="2400" dirty="0" smtClean="0">
+                <a:solidFill>
+                  <a:schemeClr val="tx2"/>
+                </a:solidFill>
+              </a:rPr>
+              <a:t>Conclusion</a:t>
+            </a:r>
+            <a:endParaRPr kumimoji="0" lang="fr-FR" sz="2400" b="0" i="0" u="none" strike="noStrike" kern="1200" cap="none" spc="0" normalizeH="0" baseline="0" noProof="0" dirty="0">
+              <a:ln>
+                <a:noFill/>
+              </a:ln>
+              <a:solidFill>
+                <a:schemeClr val="tx2"/>
+              </a:solidFill>
+              <a:effectLst/>
+              <a:uLnTx/>
+              <a:uFillTx/>
+              <a:latin typeface="+mn-lt"/>
+              <a:ea typeface="+mn-ea"/>
+              <a:cs typeface="+mn-cs"/>
+            </a:endParaRPr>
+          </a:p>
+        </p:txBody>
+      </p:sp>
+      <p:sp>
+        <p:nvSpPr>
+          <p:cNvPr id="7" name="ZoneTexte 6"/>
+          <p:cNvSpPr txBox="1"/>
+          <p:nvPr/>
+        </p:nvSpPr>
+        <p:spPr>
+          <a:xfrm>
+            <a:off x="0" y="6581001"/>
+            <a:ext cx="2708919" cy="276999"/>
+          </a:xfrm>
+          <a:prstGeom prst="rect">
+            <a:avLst/>
+          </a:prstGeom>
+          <a:noFill/>
+          <a:scene3d>
+            <a:camera prst="orthographicFront">
+              <a:rot lat="0" lon="0" rev="5400000"/>
+            </a:camera>
+            <a:lightRig rig="threePt" dir="t"/>
+          </a:scene3d>
+        </p:spPr>
+        <p:txBody>
+          <a:bodyPr wrap="square" rtlCol="0">
+            <a:spAutoFit/>
+            <a:scene3d>
+              <a:camera prst="orthographicFront">
+                <a:rot lat="0" lon="0" rev="0"/>
+              </a:camera>
+              <a:lightRig rig="threePt" dir="t"/>
+            </a:scene3d>
+            <a:flatTx/>
+          </a:bodyPr>
+          <a:lstStyle/>
+          <a:p>
+            <a:r>
+              <a:rPr lang="fr-FR" sz="1200" dirty="0" smtClean="0"/>
+              <a:t>Soutenance projet LPD2I 2010/2011</a:t>
+            </a:r>
+            <a:endParaRPr lang="fr-FR" sz="1200" dirty="0"/>
+          </a:p>
+        </p:txBody>
+      </p:sp>
+      <p:sp>
+        <p:nvSpPr>
+          <p:cNvPr id="9" name="ZoneTexte 8"/>
+          <p:cNvSpPr txBox="1"/>
+          <p:nvPr/>
+        </p:nvSpPr>
+        <p:spPr>
+          <a:xfrm>
+            <a:off x="5508104" y="6581001"/>
+            <a:ext cx="3635896" cy="276999"/>
+          </a:xfrm>
+          <a:prstGeom prst="rect">
+            <a:avLst/>
+          </a:prstGeom>
+          <a:noFill/>
+          <a:scene3d>
+            <a:camera prst="orthographicFront">
+              <a:rot lat="0" lon="0" rev="5400000"/>
+            </a:camera>
+            <a:lightRig rig="threePt" dir="t"/>
+          </a:scene3d>
+        </p:spPr>
+        <p:txBody>
+          <a:bodyPr wrap="square" rtlCol="0">
+            <a:spAutoFit/>
+            <a:scene3d>
+              <a:camera prst="orthographicFront">
+                <a:rot lat="0" lon="0" rev="0"/>
+              </a:camera>
+              <a:lightRig rig="threePt" dir="t"/>
+            </a:scene3d>
+            <a:flatTx/>
+          </a:bodyPr>
+          <a:lstStyle/>
+          <a:p>
+            <a:r>
+              <a:rPr lang="fr-FR" sz="1200" dirty="0" smtClean="0"/>
+              <a:t>Leonhard Hermle – Julien Cellier – Xavier Mourgues</a:t>
+            </a:r>
+            <a:endParaRPr lang="fr-FR" sz="1200" dirty="0"/>
+          </a:p>
+        </p:txBody>
+      </p:sp>
+      <p:cxnSp>
+        <p:nvCxnSpPr>
+          <p:cNvPr id="12" name="Connecteur droit 11"/>
+          <p:cNvCxnSpPr/>
+          <p:nvPr/>
+        </p:nvCxnSpPr>
+        <p:spPr>
+          <a:xfrm rot="5400000">
+            <a:off x="107504" y="4077072"/>
+            <a:ext cx="4464496" cy="0"/>
+          </a:xfrm>
+          <a:prstGeom prst="line">
+            <a:avLst/>
+          </a:prstGeom>
+        </p:spPr>
+        <p:style>
+          <a:lnRef idx="1">
+            <a:schemeClr val="accent1"/>
+          </a:lnRef>
+          <a:fillRef idx="0">
+            <a:schemeClr val="accent1"/>
+          </a:fillRef>
+          <a:effectRef idx="0">
+            <a:schemeClr val="accent1"/>
+          </a:effectRef>
+          <a:fontRef idx="minor">
+            <a:schemeClr val="tx1"/>
+          </a:fontRef>
+        </p:style>
+      </p:cxnSp>
+      <p:pic>
+        <p:nvPicPr>
+          <p:cNvPr id="11" name="Image 10" descr="Z:\Projet tut\projettuteurexml\screenshots\pagination.JPG"/>
+          <p:cNvPicPr/>
+          <p:nvPr/>
+        </p:nvPicPr>
+        <p:blipFill>
+          <a:blip r:embed="rId2" cstate="print"/>
+          <a:srcRect/>
+          <a:stretch>
+            <a:fillRect/>
+          </a:stretch>
+        </p:blipFill>
+        <p:spPr bwMode="auto">
+          <a:xfrm>
+            <a:off x="2699792" y="2780928"/>
+            <a:ext cx="5753100" cy="1943100"/>
+          </a:xfrm>
+          <a:prstGeom prst="rect">
+            <a:avLst/>
+          </a:prstGeom>
+          <a:noFill/>
+          <a:ln w="9525">
+            <a:noFill/>
+            <a:miter lim="800000"/>
+            <a:headEnd/>
+            <a:tailEnd/>
+          </a:ln>
+        </p:spPr>
+      </p:pic>
+    </p:spTree>
+  </p:cSld>
+  <p:clrMapOvr>
+    <a:masterClrMapping/>
+  </p:clrMapOvr>
+  <p:timing>
+    <p:tnLst>
+      <p:par>
+        <p:cTn id="1" dur="indefinite" restart="never" nodeType="tmRoot"/>
+      </p:par>
+    </p:tnLst>
+  </p:timing>
+</p:sld>
+</file>
+
+<file path=ppt/slides/slide22.xml><?xml version="1.0" encoding="utf-8"?>
+<p:sld xmlns:a="http://schemas.openxmlformats.org/drawingml/2006/main" xmlns:r="http://schemas.openxmlformats.org/officeDocument/2006/relationships" xmlns:p="http://schemas.openxmlformats.org/presentationml/2006/main">
+  <p:cSld>
+    <p:spTree>
+      <p:nvGrpSpPr>
+        <p:cNvPr id="1" name=""/>
+        <p:cNvGrpSpPr/>
+        <p:nvPr/>
+      </p:nvGrpSpPr>
+      <p:grpSpPr>
+        <a:xfrm>
+          <a:off x="0" y="0"/>
+          <a:ext cx="0" cy="0"/>
+          <a:chOff x="0" y="0"/>
+          <a:chExt cx="0" cy="0"/>
+        </a:xfrm>
+      </p:grpSpPr>
+      <p:sp>
+        <p:nvSpPr>
+          <p:cNvPr id="2" name="Titre 1"/>
+          <p:cNvSpPr>
+            <a:spLocks noGrp="1"/>
+          </p:cNvSpPr>
+          <p:nvPr>
+            <p:ph type="title"/>
+          </p:nvPr>
+        </p:nvSpPr>
+        <p:spPr/>
+        <p:txBody>
+          <a:bodyPr>
+            <a:normAutofit/>
+          </a:bodyPr>
+          <a:lstStyle/>
+          <a:p>
+            <a:r>
+              <a:rPr lang="fr-FR" dirty="0" smtClean="0"/>
+              <a:t>Restitution</a:t>
+            </a:r>
+            <a:r>
+              <a:rPr lang="fr-FR" sz="1800" dirty="0" smtClean="0"/>
+              <a:t>(suite)</a:t>
+            </a:r>
+            <a:endParaRPr lang="fr-FR" dirty="0"/>
+          </a:p>
+        </p:txBody>
+      </p:sp>
+      <p:sp>
+        <p:nvSpPr>
+          <p:cNvPr id="3" name="Espace réservé du contenu 2"/>
+          <p:cNvSpPr>
+            <a:spLocks noGrp="1"/>
+          </p:cNvSpPr>
+          <p:nvPr>
+            <p:ph idx="1"/>
+          </p:nvPr>
+        </p:nvSpPr>
+        <p:spPr>
+          <a:xfrm>
+            <a:off x="2411760" y="1700808"/>
+            <a:ext cx="6552728" cy="4608512"/>
+          </a:xfrm>
+        </p:spPr>
+        <p:txBody>
+          <a:bodyPr>
+            <a:normAutofit/>
+          </a:bodyPr>
+          <a:lstStyle/>
+          <a:p>
+            <a:pPr algn="ctr">
+              <a:buNone/>
+            </a:pPr>
+            <a:r>
+              <a:rPr lang="fr-FR" sz="2800" b="1" dirty="0" smtClean="0">
+                <a:solidFill>
+                  <a:schemeClr val="accent5">
+                    <a:lumMod val="75000"/>
+                  </a:schemeClr>
+                </a:solidFill>
+              </a:rPr>
+              <a:t>Aspect Technique</a:t>
+            </a:r>
+          </a:p>
+          <a:p>
+            <a:r>
+              <a:rPr lang="fr-FR" sz="2000" dirty="0" smtClean="0">
+                <a:solidFill>
+                  <a:schemeClr val="accent5">
+                    <a:lumMod val="75000"/>
+                  </a:schemeClr>
+                </a:solidFill>
+              </a:rPr>
+              <a:t>Notation par étoiles</a:t>
+            </a:r>
+          </a:p>
+          <a:p>
+            <a:pPr>
+              <a:buNone/>
+            </a:pPr>
+            <a:endParaRPr lang="fr-FR" sz="2800" b="1" dirty="0" smtClean="0">
+              <a:solidFill>
+                <a:schemeClr val="accent5">
+                  <a:lumMod val="75000"/>
+                </a:schemeClr>
+              </a:solidFill>
+            </a:endParaRPr>
+          </a:p>
+          <a:p>
+            <a:pPr algn="ctr">
+              <a:buNone/>
+            </a:pPr>
+            <a:endParaRPr lang="fr-FR" sz="2400" dirty="0"/>
+          </a:p>
+        </p:txBody>
+      </p:sp>
+      <p:sp>
+        <p:nvSpPr>
+          <p:cNvPr id="6" name="Espace réservé du contenu 2"/>
+          <p:cNvSpPr txBox="1">
+            <a:spLocks/>
+          </p:cNvSpPr>
+          <p:nvPr/>
+        </p:nvSpPr>
+        <p:spPr>
+          <a:xfrm>
+            <a:off x="179512" y="1700808"/>
+            <a:ext cx="2088232" cy="4536504"/>
+          </a:xfrm>
+          <a:prstGeom prst="rect">
+            <a:avLst/>
+          </a:prstGeom>
+        </p:spPr>
+        <p:txBody>
+          <a:bodyPr vert="horz">
+            <a:normAutofit/>
+          </a:bodyPr>
+          <a:lstStyle/>
+          <a:p>
+            <a:pPr marL="342900" marR="0" lvl="0" indent="-342900" algn="l" defTabSz="914400" rtl="0" eaLnBrk="1" fontAlgn="auto" latinLnBrk="0" hangingPunct="1">
+              <a:lnSpc>
+                <a:spcPct val="100000"/>
+              </a:lnSpc>
+              <a:spcBef>
+                <a:spcPct val="20000"/>
+              </a:spcBef>
+              <a:spcAft>
+                <a:spcPts val="0"/>
+              </a:spcAft>
+              <a:buClr>
+                <a:schemeClr val="accent1"/>
+              </a:buClr>
+              <a:buSzPct val="70000"/>
+              <a:buFont typeface="Wingdings 2"/>
+              <a:buChar char=""/>
+              <a:tabLst/>
+              <a:defRPr/>
+            </a:pPr>
+            <a:r>
+              <a:rPr kumimoji="0" lang="fr-FR" sz="2400" i="0" u="none" strike="noStrike" kern="1200" cap="none" spc="0" normalizeH="0" baseline="0" noProof="0" dirty="0" smtClean="0">
+                <a:ln>
+                  <a:noFill/>
+                </a:ln>
+                <a:solidFill>
+                  <a:schemeClr val="tx2"/>
+                </a:solidFill>
+                <a:effectLst/>
+                <a:uLnTx/>
+                <a:uFillTx/>
+                <a:latin typeface="+mn-lt"/>
+                <a:ea typeface="+mn-ea"/>
+                <a:cs typeface="+mn-cs"/>
+              </a:rPr>
+              <a:t>Introduction</a:t>
+            </a:r>
+          </a:p>
+          <a:p>
+            <a:pPr marL="342900" marR="0" lvl="0" indent="-342900" algn="l" defTabSz="914400" rtl="0" eaLnBrk="1" fontAlgn="auto" latinLnBrk="0" hangingPunct="1">
+              <a:lnSpc>
+                <a:spcPct val="100000"/>
+              </a:lnSpc>
+              <a:spcBef>
+                <a:spcPct val="20000"/>
+              </a:spcBef>
+              <a:spcAft>
+                <a:spcPts val="0"/>
+              </a:spcAft>
+              <a:buClr>
+                <a:schemeClr val="accent1"/>
+              </a:buClr>
+              <a:buSzPct val="70000"/>
+              <a:buFont typeface="Wingdings 2"/>
+              <a:buChar char=""/>
+              <a:tabLst/>
+              <a:defRPr/>
+            </a:pPr>
+            <a:r>
+              <a:rPr lang="fr-FR" sz="2400" dirty="0" smtClean="0">
+                <a:solidFill>
+                  <a:schemeClr val="tx2"/>
+                </a:solidFill>
+              </a:rPr>
+              <a:t>Extraction</a:t>
+            </a:r>
+          </a:p>
+          <a:p>
+            <a:pPr marL="342900" marR="0" lvl="0" indent="-342900" algn="l" defTabSz="914400" rtl="0" eaLnBrk="1" fontAlgn="auto" latinLnBrk="0" hangingPunct="1">
+              <a:lnSpc>
+                <a:spcPct val="100000"/>
+              </a:lnSpc>
+              <a:spcBef>
+                <a:spcPct val="20000"/>
+              </a:spcBef>
+              <a:spcAft>
+                <a:spcPts val="0"/>
+              </a:spcAft>
+              <a:buClr>
+                <a:schemeClr val="accent1"/>
+              </a:buClr>
+              <a:buSzPct val="70000"/>
+              <a:buFont typeface="Wingdings 2"/>
+              <a:buChar char=""/>
+              <a:tabLst/>
+              <a:defRPr/>
+            </a:pPr>
+            <a:r>
+              <a:rPr kumimoji="0" lang="fr-FR" sz="2400" b="0" i="0" u="none" strike="noStrike" kern="1200" cap="none" spc="0" normalizeH="0" baseline="0" noProof="0" dirty="0" smtClean="0">
+                <a:ln>
+                  <a:noFill/>
+                </a:ln>
+                <a:solidFill>
+                  <a:schemeClr val="tx2"/>
+                </a:solidFill>
+                <a:effectLst/>
+                <a:uLnTx/>
+                <a:uFillTx/>
+                <a:latin typeface="+mn-lt"/>
+                <a:ea typeface="+mn-ea"/>
+                <a:cs typeface="+mn-cs"/>
+              </a:rPr>
+              <a:t>Stockage</a:t>
+            </a:r>
+          </a:p>
+          <a:p>
+            <a:pPr marL="342900" marR="0" lvl="0" indent="-342900" algn="l" defTabSz="914400" rtl="0" eaLnBrk="1" fontAlgn="auto" latinLnBrk="0" hangingPunct="1">
+              <a:lnSpc>
+                <a:spcPct val="100000"/>
+              </a:lnSpc>
+              <a:spcBef>
+                <a:spcPct val="20000"/>
+              </a:spcBef>
+              <a:spcAft>
+                <a:spcPts val="0"/>
+              </a:spcAft>
+              <a:buClr>
+                <a:schemeClr val="accent1"/>
+              </a:buClr>
+              <a:buSzPct val="70000"/>
+              <a:buFont typeface="Wingdings 2"/>
+              <a:buChar char=""/>
+              <a:tabLst/>
+              <a:defRPr/>
+            </a:pPr>
+            <a:r>
+              <a:rPr lang="fr-FR" sz="2400" b="1" dirty="0" smtClean="0">
+                <a:solidFill>
+                  <a:schemeClr val="tx2"/>
+                </a:solidFill>
+              </a:rPr>
+              <a:t>Restitution</a:t>
+            </a:r>
+            <a:endParaRPr kumimoji="0" lang="fr-FR" sz="2400" b="1" i="0" u="none" strike="noStrike" kern="1200" cap="none" spc="0" normalizeH="0" baseline="0" noProof="0" dirty="0" smtClean="0">
+              <a:ln>
+                <a:noFill/>
+              </a:ln>
+              <a:solidFill>
+                <a:schemeClr val="tx2"/>
+              </a:solidFill>
+              <a:effectLst/>
+              <a:uLnTx/>
+              <a:uFillTx/>
+              <a:latin typeface="+mn-lt"/>
+              <a:ea typeface="+mn-ea"/>
+              <a:cs typeface="+mn-cs"/>
+            </a:endParaRPr>
+          </a:p>
+          <a:p>
+            <a:pPr marL="342900" marR="0" lvl="0" indent="-342900" algn="l" defTabSz="914400" rtl="0" eaLnBrk="1" fontAlgn="auto" latinLnBrk="0" hangingPunct="1">
+              <a:lnSpc>
+                <a:spcPct val="100000"/>
+              </a:lnSpc>
+              <a:spcBef>
+                <a:spcPct val="20000"/>
+              </a:spcBef>
+              <a:spcAft>
+                <a:spcPts val="0"/>
+              </a:spcAft>
+              <a:buClr>
+                <a:schemeClr val="accent1"/>
+              </a:buClr>
+              <a:buSzPct val="70000"/>
+              <a:buFont typeface="Wingdings 2"/>
+              <a:buChar char=""/>
+              <a:tabLst/>
+              <a:defRPr/>
+            </a:pPr>
+            <a:r>
+              <a:rPr lang="fr-FR" sz="2400" dirty="0" smtClean="0">
+                <a:solidFill>
+                  <a:schemeClr val="tx2"/>
+                </a:solidFill>
+              </a:rPr>
+              <a:t>Conclusion</a:t>
+            </a:r>
+            <a:endParaRPr kumimoji="0" lang="fr-FR" sz="2400" b="0" i="0" u="none" strike="noStrike" kern="1200" cap="none" spc="0" normalizeH="0" baseline="0" noProof="0" dirty="0">
+              <a:ln>
+                <a:noFill/>
+              </a:ln>
+              <a:solidFill>
+                <a:schemeClr val="tx2"/>
+              </a:solidFill>
+              <a:effectLst/>
+              <a:uLnTx/>
+              <a:uFillTx/>
+              <a:latin typeface="+mn-lt"/>
+              <a:ea typeface="+mn-ea"/>
+              <a:cs typeface="+mn-cs"/>
+            </a:endParaRPr>
+          </a:p>
+        </p:txBody>
+      </p:sp>
+      <p:sp>
+        <p:nvSpPr>
+          <p:cNvPr id="7" name="ZoneTexte 6"/>
+          <p:cNvSpPr txBox="1"/>
+          <p:nvPr/>
+        </p:nvSpPr>
+        <p:spPr>
+          <a:xfrm>
+            <a:off x="0" y="6581001"/>
+            <a:ext cx="2708919" cy="276999"/>
+          </a:xfrm>
+          <a:prstGeom prst="rect">
+            <a:avLst/>
+          </a:prstGeom>
+          <a:noFill/>
+          <a:scene3d>
+            <a:camera prst="orthographicFront">
+              <a:rot lat="0" lon="0" rev="5400000"/>
+            </a:camera>
+            <a:lightRig rig="threePt" dir="t"/>
+          </a:scene3d>
+        </p:spPr>
+        <p:txBody>
+          <a:bodyPr wrap="square" rtlCol="0">
+            <a:spAutoFit/>
+            <a:scene3d>
+              <a:camera prst="orthographicFront">
+                <a:rot lat="0" lon="0" rev="0"/>
+              </a:camera>
+              <a:lightRig rig="threePt" dir="t"/>
+            </a:scene3d>
+            <a:flatTx/>
+          </a:bodyPr>
+          <a:lstStyle/>
+          <a:p>
+            <a:r>
+              <a:rPr lang="fr-FR" sz="1200" dirty="0" smtClean="0"/>
+              <a:t>Soutenance projet LPD2I 2010/2011</a:t>
+            </a:r>
+            <a:endParaRPr lang="fr-FR" sz="1200" dirty="0"/>
+          </a:p>
+        </p:txBody>
+      </p:sp>
+      <p:sp>
+        <p:nvSpPr>
+          <p:cNvPr id="9" name="ZoneTexte 8"/>
+          <p:cNvSpPr txBox="1"/>
+          <p:nvPr/>
+        </p:nvSpPr>
+        <p:spPr>
+          <a:xfrm>
+            <a:off x="5508104" y="6581001"/>
+            <a:ext cx="3635896" cy="276999"/>
+          </a:xfrm>
+          <a:prstGeom prst="rect">
+            <a:avLst/>
+          </a:prstGeom>
+          <a:noFill/>
+          <a:scene3d>
+            <a:camera prst="orthographicFront">
+              <a:rot lat="0" lon="0" rev="5400000"/>
+            </a:camera>
+            <a:lightRig rig="threePt" dir="t"/>
+          </a:scene3d>
+        </p:spPr>
+        <p:txBody>
+          <a:bodyPr wrap="square" rtlCol="0">
+            <a:spAutoFit/>
+            <a:scene3d>
+              <a:camera prst="orthographicFront">
+                <a:rot lat="0" lon="0" rev="0"/>
+              </a:camera>
+              <a:lightRig rig="threePt" dir="t"/>
+            </a:scene3d>
+            <a:flatTx/>
+          </a:bodyPr>
+          <a:lstStyle/>
+          <a:p>
+            <a:r>
+              <a:rPr lang="fr-FR" sz="1200" dirty="0" smtClean="0"/>
+              <a:t>Leonhard Hermle – Julien Cellier – Xavier Mourgues</a:t>
+            </a:r>
+            <a:endParaRPr lang="fr-FR" sz="1200" dirty="0"/>
+          </a:p>
+        </p:txBody>
+      </p:sp>
+      <p:cxnSp>
+        <p:nvCxnSpPr>
+          <p:cNvPr id="12" name="Connecteur droit 11"/>
+          <p:cNvCxnSpPr/>
+          <p:nvPr/>
+        </p:nvCxnSpPr>
+        <p:spPr>
+          <a:xfrm rot="5400000">
+            <a:off x="107504" y="4077072"/>
+            <a:ext cx="4464496" cy="0"/>
+          </a:xfrm>
+          <a:prstGeom prst="line">
+            <a:avLst/>
+          </a:prstGeom>
+        </p:spPr>
+        <p:style>
+          <a:lnRef idx="1">
+            <a:schemeClr val="accent1"/>
+          </a:lnRef>
+          <a:fillRef idx="0">
+            <a:schemeClr val="accent1"/>
+          </a:fillRef>
+          <a:effectRef idx="0">
+            <a:schemeClr val="accent1"/>
+          </a:effectRef>
+          <a:fontRef idx="minor">
+            <a:schemeClr val="tx1"/>
+          </a:fontRef>
+        </p:style>
+      </p:cxnSp>
+      <p:pic>
+        <p:nvPicPr>
+          <p:cNvPr id="10" name="Image 9" descr="Z:\Projet tut\projettuteurexml\screenshots\notation.JPG"/>
+          <p:cNvPicPr/>
+          <p:nvPr/>
+        </p:nvPicPr>
+        <p:blipFill>
+          <a:blip r:embed="rId2" cstate="print"/>
+          <a:srcRect/>
+          <a:stretch>
+            <a:fillRect/>
+          </a:stretch>
+        </p:blipFill>
+        <p:spPr bwMode="auto">
+          <a:xfrm>
+            <a:off x="2771800" y="2780928"/>
+            <a:ext cx="5762625" cy="885825"/>
+          </a:xfrm>
+          <a:prstGeom prst="rect">
+            <a:avLst/>
+          </a:prstGeom>
+          <a:noFill/>
+          <a:ln w="9525">
+            <a:noFill/>
+            <a:miter lim="800000"/>
+            <a:headEnd/>
+            <a:tailEnd/>
+          </a:ln>
+        </p:spPr>
+      </p:pic>
+      <p:pic>
+        <p:nvPicPr>
+          <p:cNvPr id="13" name="Image 12" descr="Z:\Projet tut\projettuteurexml\screenshots\detail film.JPG"/>
+          <p:cNvPicPr/>
+          <p:nvPr/>
+        </p:nvPicPr>
+        <p:blipFill>
+          <a:blip r:embed="rId3" cstate="print"/>
+          <a:srcRect/>
+          <a:stretch>
+            <a:fillRect/>
+          </a:stretch>
+        </p:blipFill>
+        <p:spPr bwMode="auto">
+          <a:xfrm>
+            <a:off x="2771800" y="3789040"/>
+            <a:ext cx="5753100" cy="1228725"/>
+          </a:xfrm>
+          <a:prstGeom prst="rect">
+            <a:avLst/>
+          </a:prstGeom>
+          <a:noFill/>
+          <a:ln w="9525">
+            <a:noFill/>
+            <a:miter lim="800000"/>
+            <a:headEnd/>
+            <a:tailEnd/>
+          </a:ln>
+        </p:spPr>
+      </p:pic>
+    </p:spTree>
+  </p:cSld>
+  <p:clrMapOvr>
+    <a:masterClrMapping/>
+  </p:clrMapOvr>
+  <p:timing>
+    <p:tnLst>
+      <p:par>
+        <p:cTn id="1" dur="indefinite" restart="never" nodeType="tmRoot"/>
+      </p:par>
+    </p:tnLst>
+  </p:timing>
+</p:sld>
+</file>
+
+<file path=ppt/slides/slide23.xml><?xml version="1.0" encoding="utf-8"?>
+<p:sld xmlns:a="http://schemas.openxmlformats.org/drawingml/2006/main" xmlns:r="http://schemas.openxmlformats.org/officeDocument/2006/relationships" xmlns:p="http://schemas.openxmlformats.org/presentationml/2006/main">
+  <p:cSld>
+    <p:spTree>
+      <p:nvGrpSpPr>
+        <p:cNvPr id="1" name=""/>
+        <p:cNvGrpSpPr/>
+        <p:nvPr/>
+      </p:nvGrpSpPr>
+      <p:grpSpPr>
+        <a:xfrm>
+          <a:off x="0" y="0"/>
+          <a:ext cx="0" cy="0"/>
+          <a:chOff x="0" y="0"/>
+          <a:chExt cx="0" cy="0"/>
+        </a:xfrm>
+      </p:grpSpPr>
+      <p:sp>
+        <p:nvSpPr>
+          <p:cNvPr id="2" name="Titre 1"/>
+          <p:cNvSpPr>
+            <a:spLocks noGrp="1"/>
+          </p:cNvSpPr>
+          <p:nvPr>
+            <p:ph type="title"/>
+          </p:nvPr>
+        </p:nvSpPr>
+        <p:spPr/>
+        <p:txBody>
+          <a:bodyPr>
+            <a:normAutofit/>
+          </a:bodyPr>
+          <a:lstStyle/>
+          <a:p>
+            <a:r>
+              <a:rPr lang="fr-FR" dirty="0" smtClean="0"/>
+              <a:t>Restitution</a:t>
+            </a:r>
+            <a:r>
+              <a:rPr lang="fr-FR" sz="1800" dirty="0" smtClean="0"/>
+              <a:t>(suite)</a:t>
+            </a:r>
+            <a:endParaRPr lang="fr-FR" dirty="0"/>
+          </a:p>
+        </p:txBody>
+      </p:sp>
+      <p:sp>
+        <p:nvSpPr>
+          <p:cNvPr id="3" name="Espace réservé du contenu 2"/>
+          <p:cNvSpPr>
+            <a:spLocks noGrp="1"/>
+          </p:cNvSpPr>
+          <p:nvPr>
+            <p:ph idx="1"/>
+          </p:nvPr>
+        </p:nvSpPr>
+        <p:spPr>
+          <a:xfrm>
             <a:off x="2411760" y="1700808"/>
             <a:ext cx="6552728" cy="4608512"/>
           </a:xfrm>
@@ -11640,7 +13122,7 @@
 </p:sld>
 </file>
 
-<file path=ppt/slides/slide21.xml><?xml version="1.0" encoding="utf-8"?>
+<file path=ppt/slides/slide24.xml><?xml version="1.0" encoding="utf-8"?>
 <p:sld xmlns:a="http://schemas.openxmlformats.org/drawingml/2006/main" xmlns:r="http://schemas.openxmlformats.org/officeDocument/2006/relationships" xmlns:p="http://schemas.openxmlformats.org/presentationml/2006/main">
   <p:cSld>
     <p:spTree>
@@ -13275,7 +14757,7 @@
 </p:sld>
 </file>
 
-<file path=ppt/slides/slide22.xml><?xml version="1.0" encoding="utf-8"?>
+<file path=ppt/slides/slide25.xml><?xml version="1.0" encoding="utf-8"?>
 <p:sld xmlns:a="http://schemas.openxmlformats.org/drawingml/2006/main" xmlns:r="http://schemas.openxmlformats.org/officeDocument/2006/relationships" xmlns:p="http://schemas.openxmlformats.org/presentationml/2006/main">
   <p:cSld>
     <p:spTree>
@@ -13578,6 +15060,209 @@
       <p:sp>
         <p:nvSpPr>
           <p:cNvPr id="9" name="ZoneTexte 8"/>
+          <p:cNvSpPr txBox="1"/>
+          <p:nvPr/>
+        </p:nvSpPr>
+        <p:spPr>
+          <a:xfrm>
+            <a:off x="5508104" y="6581001"/>
+            <a:ext cx="3635896" cy="276999"/>
+          </a:xfrm>
+          <a:prstGeom prst="rect">
+            <a:avLst/>
+          </a:prstGeom>
+          <a:noFill/>
+          <a:scene3d>
+            <a:camera prst="orthographicFront">
+              <a:rot lat="0" lon="0" rev="5400000"/>
+            </a:camera>
+            <a:lightRig rig="threePt" dir="t"/>
+          </a:scene3d>
+        </p:spPr>
+        <p:txBody>
+          <a:bodyPr wrap="square" rtlCol="0">
+            <a:spAutoFit/>
+            <a:scene3d>
+              <a:camera prst="orthographicFront">
+                <a:rot lat="0" lon="0" rev="0"/>
+              </a:camera>
+              <a:lightRig rig="threePt" dir="t"/>
+            </a:scene3d>
+            <a:flatTx/>
+          </a:bodyPr>
+          <a:lstStyle/>
+          <a:p>
+            <a:r>
+              <a:rPr lang="fr-FR" sz="1200" dirty="0" smtClean="0"/>
+              <a:t>Leonhard Hermle – Julien Cellier – Xavier Mourgues</a:t>
+            </a:r>
+            <a:endParaRPr lang="fr-FR" sz="1200" dirty="0"/>
+          </a:p>
+        </p:txBody>
+      </p:sp>
+    </p:spTree>
+  </p:cSld>
+  <p:clrMapOvr>
+    <a:masterClrMapping/>
+  </p:clrMapOvr>
+  <p:timing>
+    <p:tnLst>
+      <p:par>
+        <p:cTn id="1" dur="indefinite" restart="never" nodeType="tmRoot"/>
+      </p:par>
+    </p:tnLst>
+  </p:timing>
+</p:sld>
+</file>
+
+<file path=ppt/slides/slide26.xml><?xml version="1.0" encoding="utf-8"?>
+<p:sld xmlns:a="http://schemas.openxmlformats.org/drawingml/2006/main" xmlns:r="http://schemas.openxmlformats.org/officeDocument/2006/relationships" xmlns:p="http://schemas.openxmlformats.org/presentationml/2006/main">
+  <p:cSld>
+    <p:spTree>
+      <p:nvGrpSpPr>
+        <p:cNvPr id="1" name=""/>
+        <p:cNvGrpSpPr/>
+        <p:nvPr/>
+      </p:nvGrpSpPr>
+      <p:grpSpPr>
+        <a:xfrm>
+          <a:off x="0" y="0"/>
+          <a:ext cx="0" cy="0"/>
+          <a:chOff x="0" y="0"/>
+          <a:chExt cx="0" cy="0"/>
+        </a:xfrm>
+      </p:grpSpPr>
+      <p:sp>
+        <p:nvSpPr>
+          <p:cNvPr id="2" name="Titre 1"/>
+          <p:cNvSpPr>
+            <a:spLocks noGrp="1"/>
+          </p:cNvSpPr>
+          <p:nvPr>
+            <p:ph type="ctrTitle"/>
+          </p:nvPr>
+        </p:nvSpPr>
+        <p:spPr/>
+        <p:txBody>
+          <a:bodyPr/>
+          <a:lstStyle/>
+          <a:p>
+            <a:r>
+              <a:rPr lang="fr-FR" dirty="0" smtClean="0"/>
+              <a:t>Acquisition d’information sur internet</a:t>
+            </a:r>
+            <a:endParaRPr lang="fr-FR" dirty="0"/>
+          </a:p>
+        </p:txBody>
+      </p:sp>
+      <p:sp>
+        <p:nvSpPr>
+          <p:cNvPr id="3" name="Sous-titre 2"/>
+          <p:cNvSpPr>
+            <a:spLocks noGrp="1"/>
+          </p:cNvSpPr>
+          <p:nvPr>
+            <p:ph type="subTitle" idx="1"/>
+          </p:nvPr>
+        </p:nvSpPr>
+        <p:spPr/>
+        <p:txBody>
+          <a:bodyPr>
+            <a:normAutofit/>
+          </a:bodyPr>
+          <a:lstStyle/>
+          <a:p>
+            <a:r>
+              <a:rPr lang="fr-FR" sz="1600" dirty="0" smtClean="0"/>
+              <a:t>Scrapping java - base de données Oracle - XML - PUI PHP</a:t>
+            </a:r>
+            <a:endParaRPr lang="fr-FR" sz="1600" dirty="0"/>
+          </a:p>
+        </p:txBody>
+      </p:sp>
+      <p:pic>
+        <p:nvPicPr>
+          <p:cNvPr id="1027" name="Picture 3" descr="Z:\Projet tut\projettuteurexml\vr_tn_IUT_Rodez.jpg"/>
+          <p:cNvPicPr>
+            <a:picLocks noChangeAspect="1" noChangeArrowheads="1"/>
+          </p:cNvPicPr>
+          <p:nvPr/>
+        </p:nvPicPr>
+        <p:blipFill>
+          <a:blip r:embed="rId2" cstate="print">
+            <a:clrChange>
+              <a:clrFrom>
+                <a:srgbClr val="FFFFFF"/>
+              </a:clrFrom>
+              <a:clrTo>
+                <a:srgbClr val="FFFFFF">
+                  <a:alpha val="0"/>
+                </a:srgbClr>
+              </a:clrTo>
+            </a:clrChange>
+          </a:blip>
+          <a:srcRect/>
+          <a:stretch>
+            <a:fillRect/>
+          </a:stretch>
+        </p:blipFill>
+        <p:spPr bwMode="auto">
+          <a:xfrm>
+            <a:off x="467544" y="548680"/>
+            <a:ext cx="2552264" cy="1596206"/>
+          </a:xfrm>
+          <a:prstGeom prst="rect">
+            <a:avLst/>
+          </a:prstGeom>
+          <a:noFill/>
+        </p:spPr>
+      </p:pic>
+      <p:sp>
+        <p:nvSpPr>
+          <p:cNvPr id="6" name="ZoneTexte 5"/>
+          <p:cNvSpPr txBox="1"/>
+          <p:nvPr/>
+        </p:nvSpPr>
+        <p:spPr>
+          <a:xfrm>
+            <a:off x="0" y="6581001"/>
+            <a:ext cx="2708919" cy="276999"/>
+          </a:xfrm>
+          <a:prstGeom prst="rect">
+            <a:avLst/>
+          </a:prstGeom>
+          <a:noFill/>
+          <a:scene3d>
+            <a:camera prst="orthographicFront">
+              <a:rot lat="0" lon="0" rev="5400000"/>
+            </a:camera>
+            <a:lightRig rig="threePt" dir="t"/>
+          </a:scene3d>
+        </p:spPr>
+        <p:txBody>
+          <a:bodyPr wrap="square" rtlCol="0">
+            <a:spAutoFit/>
+            <a:scene3d>
+              <a:camera prst="orthographicFront">
+                <a:rot lat="0" lon="0" rev="0"/>
+              </a:camera>
+              <a:lightRig rig="threePt" dir="t"/>
+            </a:scene3d>
+            <a:flatTx/>
+          </a:bodyPr>
+          <a:lstStyle/>
+          <a:p>
+            <a:r>
+              <a:rPr lang="fr-FR" sz="1200" dirty="0" smtClean="0"/>
+              <a:t>Soutenance projet LPD2I 2010/2011</a:t>
+            </a:r>
+            <a:endParaRPr lang="fr-FR" sz="1200" dirty="0"/>
+          </a:p>
+        </p:txBody>
+      </p:sp>
+      <p:sp>
+        <p:nvSpPr>
+          <p:cNvPr id="7" name="ZoneTexte 6"/>
           <p:cNvSpPr txBox="1"/>
           <p:nvPr/>
         </p:nvSpPr>
@@ -13716,14 +15401,33 @@
             </a:r>
           </a:p>
           <a:p>
+            <a:pPr algn="ctr">
+              <a:buNone/>
+            </a:pPr>
+            <a:endParaRPr lang="fr-FR" sz="2800" b="1" dirty="0" smtClean="0">
+              <a:solidFill>
+                <a:schemeClr val="accent5">
+                  <a:lumMod val="75000"/>
+                </a:schemeClr>
+              </a:solidFill>
+            </a:endParaRPr>
+          </a:p>
+          <a:p>
             <a:r>
               <a:rPr lang="fr-FR" sz="2400" u="sng" dirty="0" smtClean="0"/>
               <a:t>Choix du thème :</a:t>
             </a:r>
             <a:r>
               <a:rPr lang="fr-FR" sz="2400" dirty="0" smtClean="0"/>
-              <a:t> le cinéma.</a:t>
-            </a:r>
+              <a:t> le cinéma</a:t>
+            </a:r>
+            <a:r>
+              <a:rPr lang="fr-FR" sz="2400" dirty="0" smtClean="0"/>
+              <a:t>.</a:t>
+            </a:r>
+          </a:p>
+          <a:p>
+            <a:endParaRPr lang="fr-FR" sz="2400" dirty="0" smtClean="0"/>
           </a:p>
           <a:p>
             <a:r>
@@ -13742,6 +15446,10 @@
               <a:rPr lang="fr-FR" sz="2400" dirty="0" smtClean="0"/>
               <a:t>, IMDB. </a:t>
             </a:r>
+            <a:endParaRPr lang="fr-FR" sz="2400" dirty="0" smtClean="0"/>
+          </a:p>
+          <a:p>
+            <a:endParaRPr lang="fr-FR" sz="2400" dirty="0" smtClean="0"/>
           </a:p>
           <a:p>
             <a:r>
@@ -14205,8 +15913,12 @@
               </a:spcAft>
             </a:pPr>
             <a:r>
-              <a:rPr lang="fr-FR" sz="2400" dirty="0" smtClean="0"/>
-              <a:t>Base de données imposée (Oracle).</a:t>
+              <a:rPr lang="fr-FR" sz="2000" dirty="0" smtClean="0"/>
+              <a:t>Base de données imposée (Oracle</a:t>
+            </a:r>
+            <a:r>
+              <a:rPr lang="fr-FR" sz="2000" dirty="0" smtClean="0"/>
+              <a:t>).</a:t>
             </a:r>
           </a:p>
           <a:p>
@@ -14215,18 +15927,7 @@
                 <a:spcPts val="1200"/>
               </a:spcAft>
             </a:pPr>
-            <a:r>
-              <a:rPr lang="fr-FR" sz="2400" dirty="0" smtClean="0"/>
-              <a:t>Applications : Eclipse, Notepad++, </a:t>
-            </a:r>
-            <a:r>
-              <a:rPr lang="fr-FR" sz="2400" dirty="0" err="1" smtClean="0"/>
-              <a:t>Tidy</a:t>
-            </a:r>
-            <a:r>
-              <a:rPr lang="fr-FR" sz="2400" dirty="0" smtClean="0"/>
-              <a:t>.</a:t>
-            </a:r>
+            <a:endParaRPr lang="fr-FR" sz="2000" dirty="0" smtClean="0"/>
           </a:p>
           <a:p>
             <a:pPr>
@@ -14235,10 +15936,37 @@
               </a:spcAft>
             </a:pPr>
             <a:r>
-              <a:rPr lang="fr-FR" sz="2400" dirty="0" smtClean="0"/>
+              <a:rPr lang="fr-FR" sz="2000" dirty="0" smtClean="0"/>
+              <a:t>Applications : Eclipse, Notepad++, </a:t>
+            </a:r>
+            <a:r>
+              <a:rPr lang="fr-FR" sz="2000" dirty="0" err="1" smtClean="0"/>
+              <a:t>Tidy</a:t>
+            </a:r>
+            <a:r>
+              <a:rPr lang="fr-FR" sz="2000" dirty="0" smtClean="0"/>
+              <a:t>.</a:t>
+            </a:r>
+          </a:p>
+          <a:p>
+            <a:pPr>
+              <a:spcAft>
+                <a:spcPts val="1200"/>
+              </a:spcAft>
+            </a:pPr>
+            <a:endParaRPr lang="fr-FR" sz="2000" dirty="0" smtClean="0"/>
+          </a:p>
+          <a:p>
+            <a:pPr>
+              <a:spcAft>
+                <a:spcPts val="1200"/>
+              </a:spcAft>
+            </a:pPr>
+            <a:r>
+              <a:rPr lang="fr-FR" sz="2000" dirty="0" smtClean="0"/>
               <a:t>Langages : JAVA, PHP, XML, SQL, HTML, CSS.</a:t>
             </a:r>
-            <a:endParaRPr lang="fr-FR" sz="2400" dirty="0"/>
+            <a:endParaRPr lang="fr-FR" sz="2000" dirty="0"/>
           </a:p>
         </p:txBody>
       </p:sp>
@@ -14624,9 +16352,13 @@
           <a:p>
             <a:r>
               <a:rPr lang="fr-FR" dirty="0" smtClean="0"/>
-              <a:t>Extraction</a:t>
-            </a:r>
-            <a:endParaRPr lang="fr-FR" dirty="0"/>
+              <a:t>Extraction </a:t>
+            </a:r>
+            <a:r>
+              <a:rPr lang="fr-FR" sz="2000" dirty="0" smtClean="0"/>
+              <a:t>(principe)</a:t>
+            </a:r>
+            <a:endParaRPr lang="fr-FR" sz="2000" dirty="0"/>
           </a:p>
         </p:txBody>
       </p:sp>
@@ -14657,100 +16389,68 @@
             </a:pPr>
             <a:r>
               <a:rPr lang="fr-FR" sz="2800" b="1" dirty="0" smtClean="0"/>
-              <a:t>Principe de fonctionnement</a:t>
-            </a:r>
+              <a:t>Principe de </a:t>
+            </a:r>
+            <a:r>
+              <a:rPr lang="fr-FR" sz="2800" b="1" dirty="0" smtClean="0"/>
+              <a:t>fonctionnement</a:t>
+            </a:r>
+          </a:p>
+          <a:p>
+            <a:pPr algn="ctr">
+              <a:buNone/>
+            </a:pPr>
+            <a:endParaRPr lang="fr-FR" sz="2800" b="1" dirty="0" smtClean="0"/>
           </a:p>
           <a:p>
             <a:pPr lvl="0"/>
             <a:r>
               <a:rPr lang="fr-FR" sz="2000" dirty="0" smtClean="0"/>
-              <a:t>Démarrage de l’application avec </a:t>
+              <a:t>Démarrage de l’application avec une url de </a:t>
             </a:r>
             <a:r>
               <a:rPr lang="fr-FR" sz="2000" dirty="0" smtClean="0"/>
-              <a:t>une url </a:t>
-            </a:r>
+              <a:t>film</a:t>
+            </a:r>
+          </a:p>
+          <a:p>
+            <a:pPr lvl="0"/>
             <a:r>
               <a:rPr lang="fr-FR" sz="2000" dirty="0" smtClean="0"/>
-              <a:t>de </a:t>
+              <a:t>Téléchargement de la </a:t>
             </a:r>
             <a:r>
               <a:rPr lang="fr-FR" sz="2000" dirty="0" smtClean="0"/>
-              <a:t>film qui l’intéresse (</a:t>
+              <a:t>page.</a:t>
+            </a:r>
+          </a:p>
+          <a:p>
+            <a:pPr lvl="0"/>
+            <a:r>
+              <a:rPr lang="fr-FR" sz="2000" dirty="0" smtClean="0"/>
+              <a:t>Nettoyage syntaxique via </a:t>
             </a:r>
             <a:r>
               <a:rPr lang="fr-FR" sz="2000" dirty="0" err="1" smtClean="0"/>
-              <a:t>Allociné</a:t>
-            </a:r>
+              <a:t>JTidy</a:t>
+            </a:r>
+            <a:endParaRPr lang="fr-FR" sz="2000" dirty="0" smtClean="0"/>
+          </a:p>
+          <a:p>
+            <a:pPr lvl="0"/>
             <a:r>
               <a:rPr lang="fr-FR" sz="2000" dirty="0" smtClean="0"/>
-              <a:t> uniquement).</a:t>
-            </a:r>
+              <a:t>Ciblage de l’information</a:t>
+            </a:r>
+            <a:endParaRPr lang="fr-FR" sz="2000" dirty="0" smtClean="0"/>
           </a:p>
           <a:p>
             <a:pPr lvl="0"/>
             <a:r>
               <a:rPr lang="fr-FR" sz="2000" dirty="0" smtClean="0"/>
-              <a:t>Le programme télécharge alors toute la page.</a:t>
-            </a:r>
-          </a:p>
-          <a:p>
-            <a:pPr lvl="0"/>
-            <a:r>
-              <a:rPr lang="fr-FR" sz="2000" dirty="0" smtClean="0"/>
-              <a:t>La librairie </a:t>
-            </a:r>
-            <a:r>
-              <a:rPr lang="fr-FR" sz="2000" dirty="0" err="1" smtClean="0"/>
-              <a:t>Jtidy</a:t>
-            </a:r>
-            <a:r>
-              <a:rPr lang="fr-FR" sz="2000" dirty="0" smtClean="0"/>
-              <a:t> rend la page accessible en tant que format XML</a:t>
-            </a:r>
-          </a:p>
-          <a:p>
-            <a:pPr lvl="0"/>
-            <a:r>
-              <a:rPr lang="fr-FR" sz="2000" dirty="0" smtClean="0"/>
-              <a:t>On cible alors l’information nécessaire </a:t>
-            </a:r>
-            <a:r>
-              <a:rPr lang="fr-FR" sz="2000" dirty="0" smtClean="0"/>
-              <a:t>(le </a:t>
-            </a:r>
-            <a:r>
-              <a:rPr lang="fr-FR" sz="2000" dirty="0" smtClean="0"/>
-              <a:t>titre du film, la durée, les acteurs, les commentaires, </a:t>
-            </a:r>
-            <a:r>
-              <a:rPr lang="fr-FR" sz="2000" dirty="0" err="1" smtClean="0"/>
-              <a:t>etc</a:t>
-            </a:r>
-            <a:r>
-              <a:rPr lang="fr-FR" sz="2000" dirty="0" smtClean="0"/>
-              <a:t>…).</a:t>
+              <a:t>Stockage</a:t>
             </a:r>
             <a:endParaRPr lang="fr-FR" sz="2000" dirty="0" smtClean="0"/>
-          </a:p>
-          <a:p>
-            <a:pPr lvl="0"/>
-            <a:r>
-              <a:rPr lang="fr-FR" sz="2000" dirty="0" smtClean="0"/>
-              <a:t>stockage </a:t>
-            </a:r>
-            <a:r>
-              <a:rPr lang="fr-FR" sz="2000" dirty="0" smtClean="0"/>
-              <a:t>dans une base de données </a:t>
-            </a:r>
-            <a:r>
-              <a:rPr lang="fr-FR" sz="2000" dirty="0" smtClean="0"/>
-              <a:t>Oracle</a:t>
-            </a:r>
-            <a:r>
-              <a:rPr lang="fr-FR" sz="2000" dirty="0" smtClean="0"/>
-              <a:t>.</a:t>
-            </a:r>
           </a:p>
           <a:p>
             <a:pPr>
@@ -15142,11 +16842,11 @@
           <a:p>
             <a:r>
               <a:rPr lang="fr-FR" dirty="0" smtClean="0"/>
-              <a:t>Extraction</a:t>
+              <a:t>Extraction </a:t>
             </a:r>
             <a:r>
               <a:rPr lang="fr-FR" sz="2000" dirty="0" smtClean="0"/>
-              <a:t>(suite)</a:t>
+              <a:t>(Diagramme de classe)</a:t>
             </a:r>
             <a:endParaRPr lang="fr-FR" sz="2000" dirty="0"/>
           </a:p>
@@ -15179,47 +16879,14 @@
             </a:pPr>
             <a:r>
               <a:rPr lang="fr-FR" sz="2800" b="1" dirty="0" smtClean="0"/>
-              <a:t>Difficultés et problèmes</a:t>
-            </a:r>
-          </a:p>
-          <a:p>
-            <a:pPr algn="ctr">
+              <a:t>Diagramme de classe</a:t>
+            </a:r>
+            <a:endParaRPr lang="fr-FR" sz="2800" b="1" dirty="0" smtClean="0"/>
+          </a:p>
+          <a:p>
+            <a:pPr>
               <a:buNone/>
             </a:pPr>
-            <a:endParaRPr lang="fr-FR" sz="2800" b="1" dirty="0" smtClean="0"/>
-          </a:p>
-          <a:p>
-            <a:r>
-              <a:rPr lang="fr-FR" sz="2000" dirty="0" smtClean="0"/>
-              <a:t>Ciblage de l’information différent pour chaque site.</a:t>
-            </a:r>
-          </a:p>
-          <a:p>
-            <a:endParaRPr lang="fr-FR" sz="2000" dirty="0" smtClean="0"/>
-          </a:p>
-          <a:p>
-            <a:r>
-              <a:rPr lang="fr-FR" sz="2000" dirty="0" smtClean="0"/>
-              <a:t>Impossibilité d’extraction sur le site IMDB.</a:t>
-            </a:r>
-            <a:endParaRPr lang="fr-FR" sz="2000" dirty="0" smtClean="0"/>
-          </a:p>
-          <a:p>
-            <a:endParaRPr lang="fr-FR" sz="2000" dirty="0" smtClean="0"/>
-          </a:p>
-          <a:p>
-            <a:r>
-              <a:rPr lang="fr-FR" sz="2000" dirty="0" smtClean="0"/>
-              <a:t>Délais insuffisants pour effectuer le </a:t>
-            </a:r>
-            <a:r>
-              <a:rPr lang="fr-FR" sz="2000" dirty="0" err="1" smtClean="0"/>
-              <a:t>parsing</a:t>
-            </a:r>
-            <a:r>
-              <a:rPr lang="fr-FR" sz="2000" dirty="0" smtClean="0"/>
-              <a:t> d’un second site.</a:t>
-            </a:r>
             <a:endParaRPr lang="fr-FR" sz="2000" dirty="0"/>
           </a:p>
         </p:txBody>
@@ -15555,6 +17222,54 @@
           </a:fontRef>
         </p:style>
       </p:cxnSp>
+      <p:pic>
+        <p:nvPicPr>
+          <p:cNvPr id="8" name="Image 7" descr="Diagrammedeclasses1.png"/>
+          <p:cNvPicPr>
+            <a:picLocks noChangeAspect="1"/>
+          </p:cNvPicPr>
+          <p:nvPr/>
+        </p:nvPicPr>
+        <p:blipFill>
+          <a:blip r:embed="rId2"/>
+          <a:stretch>
+            <a:fillRect/>
+          </a:stretch>
+        </p:blipFill>
+        <p:spPr>
+          <a:xfrm>
+            <a:off x="2428860" y="2803237"/>
+            <a:ext cx="6848461" cy="2751723"/>
+          </a:xfrm>
+          <a:prstGeom prst="rect">
+            <a:avLst/>
+          </a:prstGeom>
+        </p:spPr>
+      </p:pic>
+      <p:pic>
+        <p:nvPicPr>
+          <p:cNvPr id="10" name="Image 9" descr="Diagrammedeclasses1.png"/>
+          <p:cNvPicPr>
+            <a:picLocks noChangeAspect="1"/>
+          </p:cNvPicPr>
+          <p:nvPr/>
+        </p:nvPicPr>
+        <p:blipFill>
+          <a:blip r:embed="rId2"/>
+          <a:stretch>
+            <a:fillRect/>
+          </a:stretch>
+        </p:blipFill>
+        <p:spPr>
+          <a:xfrm>
+            <a:off x="0" y="1500174"/>
+            <a:ext cx="9396672" cy="3775599"/>
+          </a:xfrm>
+          <a:prstGeom prst="rect">
+            <a:avLst/>
+          </a:prstGeom>
+        </p:spPr>
+      </p:pic>
     </p:spTree>
   </p:cSld>
   <p:clrMapOvr>
@@ -15563,7 +17278,102 @@
   <p:timing>
     <p:tnLst>
       <p:par>
-        <p:cTn id="1" dur="indefinite" restart="never" nodeType="tmRoot"/>
+        <p:cTn id="1" dur="indefinite" restart="never" nodeType="tmRoot">
+          <p:childTnLst>
+            <p:seq concurrent="1" nextAc="seek">
+              <p:cTn id="2" dur="indefinite" nodeType="mainSeq">
+                <p:childTnLst>
+                  <p:par>
+                    <p:cTn id="3" fill="hold">
+                      <p:stCondLst>
+                        <p:cond delay="indefinite"/>
+                      </p:stCondLst>
+                      <p:childTnLst>
+                        <p:par>
+                          <p:cTn id="4" fill="hold">
+                            <p:stCondLst>
+                              <p:cond delay="0"/>
+                            </p:stCondLst>
+                            <p:childTnLst>
+                              <p:par>
+                                <p:cTn id="5" presetID="1" presetClass="entr" presetSubtype="0" fill="hold" nodeType="clickEffect">
+                                  <p:stCondLst>
+                                    <p:cond delay="0"/>
+                                  </p:stCondLst>
+                                  <p:childTnLst>
+                                    <p:set>
+                                      <p:cBhvr>
+                                        <p:cTn id="6" dur="1" fill="hold">
+                                          <p:stCondLst>
+                                            <p:cond delay="0"/>
+                                          </p:stCondLst>
+                                        </p:cTn>
+                                        <p:tgtEl>
+                                          <p:spTgt spid="10"/>
+                                        </p:tgtEl>
+                                        <p:attrNameLst>
+                                          <p:attrName>style.visibility</p:attrName>
+                                        </p:attrNameLst>
+                                      </p:cBhvr>
+                                      <p:to>
+                                        <p:strVal val="visible"/>
+                                      </p:to>
+                                    </p:set>
+                                  </p:childTnLst>
+                                </p:cTn>
+                              </p:par>
+                              <p:par>
+                                <p:cTn id="7" presetID="1" presetClass="exit" presetSubtype="0" fill="hold" nodeType="withEffect">
+                                  <p:stCondLst>
+                                    <p:cond delay="0"/>
+                                  </p:stCondLst>
+                                  <p:childTnLst>
+                                    <p:set>
+                                      <p:cBhvr>
+                                        <p:cTn id="8" dur="1" fill="hold">
+                                          <p:stCondLst>
+                                            <p:cond delay="0"/>
+                                          </p:stCondLst>
+                                        </p:cTn>
+                                        <p:tgtEl>
+                                          <p:spTgt spid="8"/>
+                                        </p:tgtEl>
+                                        <p:attrNameLst>
+                                          <p:attrName>style.visibility</p:attrName>
+                                        </p:attrNameLst>
+                                      </p:cBhvr>
+                                      <p:to>
+                                        <p:strVal val="hidden"/>
+                                      </p:to>
+                                    </p:set>
+                                  </p:childTnLst>
+                                </p:cTn>
+                              </p:par>
+                            </p:childTnLst>
+                          </p:cTn>
+                        </p:par>
+                      </p:childTnLst>
+                    </p:cTn>
+                  </p:par>
+                </p:childTnLst>
+              </p:cTn>
+              <p:prevCondLst>
+                <p:cond evt="onPrev" delay="0">
+                  <p:tgtEl>
+                    <p:sldTgt/>
+                  </p:tgtEl>
+                </p:cond>
+              </p:prevCondLst>
+              <p:nextCondLst>
+                <p:cond evt="onNext" delay="0">
+                  <p:tgtEl>
+                    <p:sldTgt/>
+                  </p:tgtEl>
+                </p:cond>
+              </p:nextCondLst>
+            </p:seq>
+          </p:childTnLst>
+        </p:cTn>
       </p:par>
     </p:tnLst>
   </p:timing>
@@ -15605,12 +17415,14 @@
           <a:lstStyle/>
           <a:p>
             <a:r>
-              <a:rPr lang="fr-FR" cap="none" dirty="0" smtClean="0">
-                <a:effectLst/>
-              </a:rPr>
-              <a:t>STOCKAGES</a:t>
-            </a:r>
-            <a:endParaRPr lang="fr-FR" dirty="0"/>
+              <a:rPr lang="fr-FR" dirty="0" smtClean="0"/>
+              <a:t>Extraction </a:t>
+            </a:r>
+            <a:r>
+              <a:rPr lang="fr-FR" sz="2000" dirty="0" smtClean="0"/>
+              <a:t>(ciblage)</a:t>
+            </a:r>
+            <a:endParaRPr lang="fr-FR" sz="2000" dirty="0"/>
           </a:p>
         </p:txBody>
       </p:sp>
@@ -15627,7 +17439,7 @@
         <p:spPr>
           <a:xfrm>
             <a:off x="2411760" y="1700808"/>
-            <a:ext cx="6552728" cy="576064"/>
+            <a:ext cx="6552728" cy="4536504"/>
           </a:xfrm>
         </p:spPr>
         <p:txBody>
@@ -15640,15 +17452,154 @@
               <a:buNone/>
             </a:pPr>
             <a:r>
-              <a:rPr lang="fr-FR" sz="2800" b="1" dirty="0" smtClean="0">
-                <a:solidFill>
-                  <a:schemeClr val="accent5">
-                    <a:lumMod val="75000"/>
-                  </a:schemeClr>
-                </a:solidFill>
-              </a:rPr>
-              <a:t>Modèle Conceptuel De données</a:t>
-            </a:r>
+              <a:rPr lang="fr-FR" sz="2800" b="1" dirty="0" smtClean="0"/>
+              <a:t>Ciblage de l’information</a:t>
+            </a:r>
+          </a:p>
+          <a:p>
+            <a:pPr algn="ctr">
+              <a:buNone/>
+            </a:pPr>
+            <a:endParaRPr lang="fr-FR" sz="2800" b="1" dirty="0" smtClean="0"/>
+          </a:p>
+          <a:p>
+            <a:r>
+              <a:rPr lang="en-US" sz="2400" dirty="0" smtClean="0"/>
+              <a:t>private Node search(Node start, </a:t>
+            </a:r>
+            <a:r>
+              <a:rPr lang="en-US" sz="2400" dirty="0" smtClean="0"/>
+              <a:t/>
+            </a:r>
+            <a:br>
+              <a:rPr lang="en-US" sz="2400" dirty="0" smtClean="0"/>
+            </a:br>
+            <a:r>
+              <a:rPr lang="en-US" sz="2400" dirty="0" smtClean="0"/>
+              <a:t>			String </a:t>
+            </a:r>
+            <a:r>
+              <a:rPr lang="en-US" sz="2400" dirty="0" smtClean="0"/>
+              <a:t>element, </a:t>
+            </a:r>
+            <a:r>
+              <a:rPr lang="en-US" sz="2400" dirty="0" smtClean="0"/>
+              <a:t>				String </a:t>
+            </a:r>
+            <a:r>
+              <a:rPr lang="en-US" sz="2400" dirty="0" smtClean="0"/>
+              <a:t>contains, </a:t>
+            </a:r>
+            <a:r>
+              <a:rPr lang="en-US" sz="2400" dirty="0" smtClean="0"/>
+              <a:t>				short </a:t>
+            </a:r>
+            <a:r>
+              <a:rPr lang="en-US" sz="2400" dirty="0" smtClean="0"/>
+              <a:t>type</a:t>
+            </a:r>
+            <a:r>
+              <a:rPr lang="en-US" sz="2400" dirty="0" smtClean="0"/>
+              <a:t>) : Node</a:t>
+            </a:r>
+          </a:p>
+          <a:p>
+            <a:endParaRPr lang="fr-FR" sz="2400" b="1" dirty="0" smtClean="0"/>
+          </a:p>
+          <a:p>
+            <a:r>
+              <a:rPr lang="fr-FR" sz="2400" dirty="0" smtClean="0"/>
+              <a:t>Exemples :</a:t>
+            </a:r>
+          </a:p>
+          <a:p>
+            <a:pPr lvl="1"/>
+            <a:r>
+              <a:rPr lang="fr-FR" sz="1600" dirty="0" err="1" smtClean="0"/>
+              <a:t>search</a:t>
+            </a:r>
+            <a:r>
+              <a:rPr lang="fr-FR" sz="1600" dirty="0" smtClean="0"/>
+              <a:t>(</a:t>
+            </a:r>
+            <a:r>
+              <a:rPr lang="fr-FR" sz="1600" dirty="0" err="1" smtClean="0"/>
+              <a:t>this.xmlfile</a:t>
+            </a:r>
+            <a:r>
+              <a:rPr lang="fr-FR" sz="1600" dirty="0" smtClean="0"/>
+              <a:t>, "#</a:t>
+            </a:r>
+            <a:r>
+              <a:rPr lang="fr-FR" sz="1600" dirty="0" err="1" smtClean="0"/>
+              <a:t>text</a:t>
+            </a:r>
+            <a:r>
+              <a:rPr lang="fr-FR" sz="1600" dirty="0" smtClean="0"/>
+              <a:t>", "Durée", </a:t>
+            </a:r>
+            <a:r>
+              <a:rPr lang="fr-FR" sz="1600" dirty="0" err="1" smtClean="0"/>
+              <a:t>Node.TEXT_NODE</a:t>
+            </a:r>
+            <a:r>
+              <a:rPr lang="fr-FR" sz="1600" dirty="0" smtClean="0"/>
+              <a:t>);</a:t>
+            </a:r>
+          </a:p>
+          <a:p>
+            <a:pPr lvl="1"/>
+            <a:r>
+              <a:rPr lang="fr-FR" sz="1500" dirty="0" err="1" smtClean="0"/>
+              <a:t>search</a:t>
+            </a:r>
+            <a:r>
+              <a:rPr lang="fr-FR" sz="1500" dirty="0" smtClean="0"/>
+              <a:t>(</a:t>
+            </a:r>
+            <a:r>
+              <a:rPr lang="fr-FR" sz="1500" b="1" dirty="0" err="1" smtClean="0"/>
+              <a:t>this.xmlfile</a:t>
+            </a:r>
+            <a:r>
+              <a:rPr lang="fr-FR" sz="1500" b="1" dirty="0" smtClean="0"/>
+              <a:t>, "</a:t>
+            </a:r>
+            <a:r>
+              <a:rPr lang="fr-FR" sz="1500" b="1" dirty="0" err="1" smtClean="0"/>
+              <a:t>property</a:t>
+            </a:r>
+            <a:r>
+              <a:rPr lang="fr-FR" sz="1500" b="1" dirty="0" smtClean="0"/>
+              <a:t>", "v:name</a:t>
+            </a:r>
+            <a:r>
+              <a:rPr lang="fr-FR" sz="1500" b="1" dirty="0" smtClean="0"/>
+              <a:t>",</a:t>
+            </a:r>
+            <a:r>
+              <a:rPr lang="fr-FR" sz="1500" dirty="0" smtClean="0"/>
+              <a:t> </a:t>
+            </a:r>
+            <a:r>
+              <a:rPr lang="fr-FR" sz="1500" dirty="0" err="1" smtClean="0"/>
+              <a:t>Node.</a:t>
+            </a:r>
+            <a:r>
+              <a:rPr lang="fr-FR" sz="1500" i="1" dirty="0" err="1" smtClean="0"/>
+              <a:t>ATTRIBUTE_NODE</a:t>
+            </a:r>
+            <a:r>
+              <a:rPr lang="fr-FR" sz="1500" i="1" dirty="0" smtClean="0"/>
+              <a:t>);</a:t>
+            </a:r>
+            <a:endParaRPr lang="fr-FR" sz="1500" dirty="0"/>
+          </a:p>
+          <a:p>
+            <a:endParaRPr lang="fr-FR" sz="2000" b="1" i="1" dirty="0" smtClean="0"/>
+          </a:p>
+          <a:p>
+            <a:endParaRPr lang="fr-FR" sz="2000" b="1" i="1" dirty="0" smtClean="0"/>
           </a:p>
         </p:txBody>
       </p:sp>
@@ -15733,7 +17684,7 @@
               <a:defRPr/>
             </a:pPr>
             <a:r>
-              <a:rPr lang="fr-FR" sz="2400" dirty="0" smtClean="0">
+              <a:rPr lang="fr-FR" sz="2400" b="1" dirty="0" smtClean="0">
                 <a:solidFill>
                   <a:schemeClr val="tx2"/>
                 </a:solidFill>
@@ -15762,7 +17713,7 @@
               <a:defRPr/>
             </a:pPr>
             <a:r>
-              <a:rPr kumimoji="0" lang="fr-FR" sz="2400" b="1" i="0" u="none" strike="noStrike" kern="1200" cap="none" spc="0" normalizeH="0" baseline="0" noProof="0" dirty="0" smtClean="0">
+              <a:rPr kumimoji="0" lang="fr-FR" sz="2400" b="0" i="0" u="none" strike="noStrike" kern="1200" cap="none" spc="0" normalizeH="0" baseline="0" noProof="0" dirty="0" smtClean="0">
                 <a:ln>
                   <a:noFill/>
                 </a:ln>
@@ -15983,36 +17934,6 @@
           </a:fontRef>
         </p:style>
       </p:cxnSp>
-      <p:pic>
-        <p:nvPicPr>
-          <p:cNvPr id="11" name="Image 10"/>
-          <p:cNvPicPr/>
-          <p:nvPr/>
-        </p:nvPicPr>
-        <p:blipFill>
-          <a:blip r:embed="rId2" cstate="print"/>
-          <a:srcRect/>
-          <a:stretch>
-            <a:fillRect/>
-          </a:stretch>
-        </p:blipFill>
-        <p:spPr bwMode="auto">
-          <a:xfrm>
-            <a:off x="3131840" y="2276872"/>
-            <a:ext cx="5040560" cy="3969441"/>
-          </a:xfrm>
-          <a:prstGeom prst="rect">
-            <a:avLst/>
-          </a:prstGeom>
-          <a:noFill/>
-          <a:ln w="9525">
-            <a:noFill/>
-            <a:miter lim="800000"/>
-            <a:headEnd/>
-            <a:tailEnd/>
-          </a:ln>
-        </p:spPr>
-      </p:pic>
     </p:spTree>
   </p:cSld>
   <p:clrMapOvr>
@@ -16063,16 +17984,12 @@
           <a:lstStyle/>
           <a:p>
             <a:r>
-              <a:rPr lang="fr-FR" cap="none" dirty="0" smtClean="0">
-                <a:effectLst/>
-              </a:rPr>
-              <a:t>STOCKAGES</a:t>
-            </a:r>
-            <a:r>
-              <a:rPr lang="fr-FR" sz="2000" cap="none" dirty="0" smtClean="0">
-                <a:effectLst/>
-              </a:rPr>
-              <a:t>(suite)</a:t>
+              <a:rPr lang="fr-FR" dirty="0" smtClean="0"/>
+              <a:t>Extraction </a:t>
+            </a:r>
+            <a:r>
+              <a:rPr lang="fr-FR" sz="2000" dirty="0" smtClean="0"/>
+              <a:t>(difficultés)</a:t>
             </a:r>
             <a:endParaRPr lang="fr-FR" sz="2000" dirty="0"/>
           </a:p>
@@ -16091,7 +18008,7 @@
         <p:spPr>
           <a:xfrm>
             <a:off x="2411760" y="1700808"/>
-            <a:ext cx="6552728" cy="864096"/>
+            <a:ext cx="6552728" cy="4536504"/>
           </a:xfrm>
         </p:spPr>
         <p:txBody>
@@ -16104,30 +18021,48 @@
               <a:buNone/>
             </a:pPr>
             <a:r>
-              <a:rPr lang="fr-FR" sz="2800" b="1" dirty="0" smtClean="0">
-                <a:solidFill>
-                  <a:schemeClr val="accent5">
-                    <a:lumMod val="75000"/>
-                  </a:schemeClr>
-                </a:solidFill>
-              </a:rPr>
-              <a:t>Schéma XSD</a:t>
+              <a:rPr lang="fr-FR" sz="2800" b="1" dirty="0" smtClean="0"/>
+              <a:t>Difficultés et problèmes</a:t>
             </a:r>
           </a:p>
           <a:p>
             <a:pPr algn="ctr">
               <a:buNone/>
             </a:pPr>
-            <a:r>
-              <a:rPr lang="fr-FR" sz="1600" dirty="0" smtClean="0">
-                <a:solidFill>
-                  <a:schemeClr val="accent5">
-                    <a:lumMod val="75000"/>
-                  </a:schemeClr>
-                </a:solidFill>
-              </a:rPr>
-              <a:t>(XML Schéma Définition)</a:t>
-            </a:r>
+            <a:endParaRPr lang="fr-FR" sz="2800" b="1" dirty="0" smtClean="0"/>
+          </a:p>
+          <a:p>
+            <a:r>
+              <a:rPr lang="fr-FR" sz="2000" dirty="0" smtClean="0"/>
+              <a:t>Ciblage de l’information différent pour chaque site.</a:t>
+            </a:r>
+          </a:p>
+          <a:p>
+            <a:endParaRPr lang="fr-FR" sz="2000" dirty="0" smtClean="0"/>
+          </a:p>
+          <a:p>
+            <a:r>
+              <a:rPr lang="fr-FR" sz="2000" dirty="0" smtClean="0"/>
+              <a:t>Impossibilité d’extraction sur le site IMDB.</a:t>
+            </a:r>
+          </a:p>
+          <a:p>
+            <a:endParaRPr lang="fr-FR" sz="2000" dirty="0" smtClean="0"/>
+          </a:p>
+          <a:p>
+            <a:r>
+              <a:rPr lang="fr-FR" sz="2000" dirty="0" smtClean="0"/>
+              <a:t>Délais insuffisants pour effectuer le </a:t>
+            </a:r>
+            <a:r>
+              <a:rPr lang="fr-FR" sz="2000" dirty="0" err="1" smtClean="0"/>
+              <a:t>parsing</a:t>
+            </a:r>
+            <a:r>
+              <a:rPr lang="fr-FR" sz="2000" dirty="0" smtClean="0"/>
+              <a:t> d’un second site.</a:t>
+            </a:r>
+            <a:endParaRPr lang="fr-FR" sz="2000" dirty="0"/>
           </a:p>
         </p:txBody>
       </p:sp>
@@ -16212,7 +18147,7 @@
               <a:defRPr/>
             </a:pPr>
             <a:r>
-              <a:rPr lang="fr-FR" sz="2400" dirty="0" smtClean="0">
+              <a:rPr lang="fr-FR" sz="2400" b="1" dirty="0" smtClean="0">
                 <a:solidFill>
                   <a:schemeClr val="tx2"/>
                 </a:solidFill>
@@ -16241,7 +18176,7 @@
               <a:defRPr/>
             </a:pPr>
             <a:r>
-              <a:rPr kumimoji="0" lang="fr-FR" sz="2400" b="1" i="0" u="none" strike="noStrike" kern="1200" cap="none" spc="0" normalizeH="0" baseline="0" noProof="0" dirty="0" smtClean="0">
+              <a:rPr kumimoji="0" lang="fr-FR" sz="2400" b="0" i="0" u="none" strike="noStrike" kern="1200" cap="none" spc="0" normalizeH="0" baseline="0" noProof="0" dirty="0" smtClean="0">
                 <a:ln>
                   <a:noFill/>
                 </a:ln>
@@ -16462,36 +18397,6 @@
           </a:fontRef>
         </p:style>
       </p:cxnSp>
-      <p:pic>
-        <p:nvPicPr>
-          <p:cNvPr id="10" name="Image 9"/>
-          <p:cNvPicPr/>
-          <p:nvPr/>
-        </p:nvPicPr>
-        <p:blipFill>
-          <a:blip r:embed="rId2" cstate="print"/>
-          <a:srcRect/>
-          <a:stretch>
-            <a:fillRect/>
-          </a:stretch>
-        </p:blipFill>
-        <p:spPr bwMode="auto">
-          <a:xfrm>
-            <a:off x="2771800" y="2852936"/>
-            <a:ext cx="5904656" cy="1951104"/>
-          </a:xfrm>
-          <a:prstGeom prst="rect">
-            <a:avLst/>
-          </a:prstGeom>
-          <a:noFill/>
-          <a:ln w="9525">
-            <a:noFill/>
-            <a:miter lim="800000"/>
-            <a:headEnd/>
-            <a:tailEnd/>
-          </a:ln>
-        </p:spPr>
-      </p:pic>
     </p:spTree>
   </p:cSld>
   <p:clrMapOvr>
@@ -16542,16 +18447,12 @@
           <a:lstStyle/>
           <a:p>
             <a:r>
-              <a:rPr lang="fr-FR" cap="none" dirty="0" smtClean="0">
-                <a:effectLst/>
-              </a:rPr>
-              <a:t>STOCKAGES</a:t>
-            </a:r>
-            <a:r>
-              <a:rPr lang="fr-FR" sz="2000" cap="none" dirty="0" smtClean="0">
-                <a:effectLst/>
-              </a:rPr>
-              <a:t>(suite)</a:t>
+              <a:rPr lang="fr-FR" dirty="0" smtClean="0"/>
+              <a:t>Extraction </a:t>
+            </a:r>
+            <a:r>
+              <a:rPr lang="fr-FR" sz="2000" dirty="0" smtClean="0"/>
+              <a:t>(améliorations)</a:t>
             </a:r>
             <a:endParaRPr lang="fr-FR" sz="2000" dirty="0"/>
           </a:p>
@@ -16570,7 +18471,7 @@
         <p:spPr>
           <a:xfrm>
             <a:off x="2411760" y="1700808"/>
-            <a:ext cx="6552728" cy="4248472"/>
+            <a:ext cx="6552728" cy="4536504"/>
           </a:xfrm>
         </p:spPr>
         <p:txBody>
@@ -16583,46 +18484,51 @@
               <a:buNone/>
             </a:pPr>
             <a:r>
-              <a:rPr lang="fr-FR" sz="2800" b="1" dirty="0" smtClean="0">
-                <a:solidFill>
-                  <a:schemeClr val="accent5">
-                    <a:lumMod val="75000"/>
-                  </a:schemeClr>
-                </a:solidFill>
-              </a:rPr>
-              <a:t>XML et Oracle : XML DB</a:t>
-            </a:r>
-          </a:p>
-          <a:p>
-            <a:pPr lvl="1"/>
-            <a:r>
-              <a:rPr lang="fr-FR" dirty="0" smtClean="0"/>
-              <a:t>Un type de données XML utilisé pour stocker et gérer du contenu XML.</a:t>
-            </a:r>
-          </a:p>
-          <a:p>
-            <a:pPr lvl="1"/>
-            <a:r>
-              <a:rPr lang="fr-FR" dirty="0" smtClean="0"/>
-              <a:t>Une collection de méthodes et opérateurs SQL permettant d'agir sur du XML.</a:t>
-            </a:r>
-          </a:p>
-          <a:p>
-            <a:pPr lvl="1"/>
-            <a:r>
-              <a:rPr lang="fr-FR" dirty="0" smtClean="0"/>
-              <a:t>Enregistrer un schéma conforme au W3C dans la base de données Oracle.</a:t>
-            </a:r>
-          </a:p>
-          <a:p>
-            <a:pPr lvl="1"/>
-            <a:endParaRPr lang="fr-FR" sz="2400" b="1" dirty="0" smtClean="0">
-              <a:solidFill>
-                <a:schemeClr val="accent5">
-                  <a:lumMod val="75000"/>
-                </a:schemeClr>
-              </a:solidFill>
-            </a:endParaRPr>
+              <a:rPr lang="fr-FR" sz="2800" b="1" dirty="0" smtClean="0"/>
+              <a:t>Améliorations futures</a:t>
+            </a:r>
+            <a:endParaRPr lang="fr-FR" sz="2800" b="1" dirty="0" smtClean="0"/>
+          </a:p>
+          <a:p>
+            <a:pPr algn="ctr">
+              <a:buNone/>
+            </a:pPr>
+            <a:endParaRPr lang="fr-FR" sz="2800" b="1" dirty="0" smtClean="0"/>
+          </a:p>
+          <a:p>
+            <a:r>
+              <a:rPr lang="fr-FR" sz="2000" dirty="0" smtClean="0"/>
+              <a:t>Extraction des commentaires</a:t>
+            </a:r>
+            <a:endParaRPr lang="fr-FR" sz="2000" dirty="0" smtClean="0"/>
+          </a:p>
+          <a:p>
+            <a:endParaRPr lang="fr-FR" sz="2000" dirty="0" smtClean="0"/>
+          </a:p>
+          <a:p>
+            <a:r>
+              <a:rPr lang="fr-FR" sz="2000" dirty="0" smtClean="0"/>
+              <a:t>Créer un algorithme de </a:t>
+            </a:r>
+            <a:r>
+              <a:rPr lang="fr-FR" sz="2000" dirty="0" err="1" smtClean="0"/>
+              <a:t>parsage</a:t>
+            </a:r>
+            <a:r>
+              <a:rPr lang="fr-FR" sz="2000" dirty="0" smtClean="0"/>
+              <a:t> intelligent (fichier de config)</a:t>
+            </a:r>
+            <a:endParaRPr lang="fr-FR" sz="2000" dirty="0" smtClean="0"/>
+          </a:p>
+          <a:p>
+            <a:endParaRPr lang="fr-FR" sz="2000" dirty="0" smtClean="0"/>
+          </a:p>
+          <a:p>
+            <a:r>
+              <a:rPr lang="fr-FR" sz="2000" dirty="0" smtClean="0"/>
+              <a:t>Communication plus discrète entre la PUI et l’application d’extraction</a:t>
+            </a:r>
+            <a:endParaRPr lang="fr-FR" sz="2000" dirty="0" smtClean="0"/>
           </a:p>
         </p:txBody>
       </p:sp>
@@ -16707,7 +18613,7 @@
               <a:defRPr/>
             </a:pPr>
             <a:r>
-              <a:rPr lang="fr-FR" sz="2400" dirty="0" smtClean="0">
+              <a:rPr lang="fr-FR" sz="2400" b="1" dirty="0" smtClean="0">
                 <a:solidFill>
                   <a:schemeClr val="tx2"/>
                 </a:solidFill>
@@ -16736,7 +18642,7 @@
               <a:defRPr/>
             </a:pPr>
             <a:r>
-              <a:rPr kumimoji="0" lang="fr-FR" sz="2400" b="1" i="0" u="none" strike="noStrike" kern="1200" cap="none" spc="0" normalizeH="0" baseline="0" noProof="0" dirty="0" smtClean="0">
+              <a:rPr kumimoji="0" lang="fr-FR" sz="2400" b="0" i="0" u="none" strike="noStrike" kern="1200" cap="none" spc="0" normalizeH="0" baseline="0" noProof="0" dirty="0" smtClean="0">
                 <a:ln>
                   <a:noFill/>
                 </a:ln>
